--- a/TDD In Action.pptx
+++ b/TDD In Action.pptx
@@ -5,7 +5,7 @@
     <p:sldMasterId id="2147483840" r:id="rId1"/>
   </p:sldMasterIdLst>
   <p:notesMasterIdLst>
-    <p:notesMasterId r:id="rId43"/>
+    <p:notesMasterId r:id="rId53"/>
   </p:notesMasterIdLst>
   <p:sldIdLst>
     <p:sldId id="320" r:id="rId2"/>
@@ -15,40 +15,50 @@
     <p:sldId id="375" r:id="rId6"/>
     <p:sldId id="373" r:id="rId7"/>
     <p:sldId id="376" r:id="rId8"/>
-    <p:sldId id="377" r:id="rId9"/>
-    <p:sldId id="378" r:id="rId10"/>
-    <p:sldId id="371" r:id="rId11"/>
-    <p:sldId id="370" r:id="rId12"/>
-    <p:sldId id="323" r:id="rId13"/>
-    <p:sldId id="324" r:id="rId14"/>
-    <p:sldId id="325" r:id="rId15"/>
-    <p:sldId id="329" r:id="rId16"/>
-    <p:sldId id="330" r:id="rId17"/>
-    <p:sldId id="327" r:id="rId18"/>
-    <p:sldId id="326" r:id="rId19"/>
-    <p:sldId id="338" r:id="rId20"/>
-    <p:sldId id="337" r:id="rId21"/>
-    <p:sldId id="358" r:id="rId22"/>
-    <p:sldId id="359" r:id="rId23"/>
-    <p:sldId id="360" r:id="rId24"/>
-    <p:sldId id="361" r:id="rId25"/>
-    <p:sldId id="347" r:id="rId26"/>
-    <p:sldId id="348" r:id="rId27"/>
-    <p:sldId id="349" r:id="rId28"/>
-    <p:sldId id="362" r:id="rId29"/>
-    <p:sldId id="364" r:id="rId30"/>
-    <p:sldId id="363" r:id="rId31"/>
-    <p:sldId id="351" r:id="rId32"/>
-    <p:sldId id="352" r:id="rId33"/>
-    <p:sldId id="353" r:id="rId34"/>
-    <p:sldId id="354" r:id="rId35"/>
-    <p:sldId id="356" r:id="rId36"/>
-    <p:sldId id="357" r:id="rId37"/>
-    <p:sldId id="365" r:id="rId38"/>
-    <p:sldId id="366" r:id="rId39"/>
-    <p:sldId id="368" r:id="rId40"/>
-    <p:sldId id="367" r:id="rId41"/>
-    <p:sldId id="344" r:id="rId42"/>
+    <p:sldId id="371" r:id="rId9"/>
+    <p:sldId id="370" r:id="rId10"/>
+    <p:sldId id="380" r:id="rId11"/>
+    <p:sldId id="381" r:id="rId12"/>
+    <p:sldId id="378" r:id="rId13"/>
+    <p:sldId id="384" r:id="rId14"/>
+    <p:sldId id="377" r:id="rId15"/>
+    <p:sldId id="386" r:id="rId16"/>
+    <p:sldId id="379" r:id="rId17"/>
+    <p:sldId id="382" r:id="rId18"/>
+    <p:sldId id="383" r:id="rId19"/>
+    <p:sldId id="385" r:id="rId20"/>
+    <p:sldId id="387" r:id="rId21"/>
+    <p:sldId id="388" r:id="rId22"/>
+    <p:sldId id="323" r:id="rId23"/>
+    <p:sldId id="324" r:id="rId24"/>
+    <p:sldId id="325" r:id="rId25"/>
+    <p:sldId id="329" r:id="rId26"/>
+    <p:sldId id="330" r:id="rId27"/>
+    <p:sldId id="327" r:id="rId28"/>
+    <p:sldId id="326" r:id="rId29"/>
+    <p:sldId id="338" r:id="rId30"/>
+    <p:sldId id="337" r:id="rId31"/>
+    <p:sldId id="358" r:id="rId32"/>
+    <p:sldId id="359" r:id="rId33"/>
+    <p:sldId id="360" r:id="rId34"/>
+    <p:sldId id="361" r:id="rId35"/>
+    <p:sldId id="347" r:id="rId36"/>
+    <p:sldId id="348" r:id="rId37"/>
+    <p:sldId id="349" r:id="rId38"/>
+    <p:sldId id="362" r:id="rId39"/>
+    <p:sldId id="364" r:id="rId40"/>
+    <p:sldId id="363" r:id="rId41"/>
+    <p:sldId id="351" r:id="rId42"/>
+    <p:sldId id="352" r:id="rId43"/>
+    <p:sldId id="353" r:id="rId44"/>
+    <p:sldId id="354" r:id="rId45"/>
+    <p:sldId id="356" r:id="rId46"/>
+    <p:sldId id="357" r:id="rId47"/>
+    <p:sldId id="365" r:id="rId48"/>
+    <p:sldId id="366" r:id="rId49"/>
+    <p:sldId id="368" r:id="rId50"/>
+    <p:sldId id="367" r:id="rId51"/>
+    <p:sldId id="344" r:id="rId52"/>
   </p:sldIdLst>
   <p:sldSz cx="9144000" cy="6858000" type="screen4x3"/>
   <p:notesSz cx="6858000" cy="9144000"/>
@@ -595,7 +605,7 @@
             <a:fld id="{46B52E04-8F68-435C-880A-7C7B12D9BA2F}" type="slidenum">
               <a:rPr lang="en-US" smtClean="0"/>
               <a:pPr/>
-              <a:t>24</a:t>
+              <a:t>34</a:t>
             </a:fld>
             <a:endParaRPr lang="en-US"/>
           </a:p>
@@ -677,7 +687,7 @@
             <a:fld id="{46B52E04-8F68-435C-880A-7C7B12D9BA2F}" type="slidenum">
               <a:rPr lang="en-US" smtClean="0"/>
               <a:pPr/>
-              <a:t>29</a:t>
+              <a:t>39</a:t>
             </a:fld>
             <a:endParaRPr lang="en-US"/>
           </a:p>
@@ -792,7 +802,7 @@
             <a:fld id="{46B52E04-8F68-435C-880A-7C7B12D9BA2F}" type="slidenum">
               <a:rPr lang="en-US" smtClean="0"/>
               <a:pPr/>
-              <a:t>30</a:t>
+              <a:t>40</a:t>
             </a:fld>
             <a:endParaRPr lang="en-US"/>
           </a:p>
@@ -890,7 +900,7 @@
             <a:fld id="{46B52E04-8F68-435C-880A-7C7B12D9BA2F}" type="slidenum">
               <a:rPr lang="en-US" smtClean="0"/>
               <a:pPr/>
-              <a:t>32</a:t>
+              <a:t>42</a:t>
             </a:fld>
             <a:endParaRPr lang="en-US"/>
           </a:p>
@@ -972,7 +982,7 @@
             <a:fld id="{46B52E04-8F68-435C-880A-7C7B12D9BA2F}" type="slidenum">
               <a:rPr lang="en-US" smtClean="0"/>
               <a:pPr/>
-              <a:t>35</a:t>
+              <a:t>45</a:t>
             </a:fld>
             <a:endParaRPr lang="en-US"/>
           </a:p>
@@ -1062,7 +1072,7 @@
             <a:fld id="{46B52E04-8F68-435C-880A-7C7B12D9BA2F}" type="slidenum">
               <a:rPr lang="en-US" smtClean="0"/>
               <a:pPr/>
-              <a:t>37</a:t>
+              <a:t>47</a:t>
             </a:fld>
             <a:endParaRPr lang="en-US"/>
           </a:p>
@@ -1172,7 +1182,7 @@
             <a:fld id="{46B52E04-8F68-435C-880A-7C7B12D9BA2F}" type="slidenum">
               <a:rPr lang="en-US" smtClean="0"/>
               <a:pPr/>
-              <a:t>38</a:t>
+              <a:t>48</a:t>
             </a:fld>
             <a:endParaRPr lang="en-US"/>
           </a:p>
@@ -1254,7 +1264,7 @@
             <a:fld id="{46B52E04-8F68-435C-880A-7C7B12D9BA2F}" type="slidenum">
               <a:rPr lang="en-US" smtClean="0"/>
               <a:pPr/>
-              <a:t>39</a:t>
+              <a:t>49</a:t>
             </a:fld>
             <a:endParaRPr lang="en-US"/>
           </a:p>
@@ -1380,7 +1390,7 @@
             <a:fld id="{46B52E04-8F68-435C-880A-7C7B12D9BA2F}" type="slidenum">
               <a:rPr lang="en-US" smtClean="0"/>
               <a:pPr/>
-              <a:t>40</a:t>
+              <a:t>50</a:t>
             </a:fld>
             <a:endParaRPr lang="en-US"/>
           </a:p>
@@ -4473,12 +4483,12 @@
       </p:grpSpPr>
       <p:sp>
         <p:nvSpPr>
-          <p:cNvPr id="4" name="Title 3"/>
+          <p:cNvPr id="2" name="Title 1"/>
           <p:cNvSpPr>
             <a:spLocks noGrp="1"/>
           </p:cNvSpPr>
           <p:nvPr>
-            <p:ph type="ctrTitle"/>
+            <p:ph type="title"/>
           </p:nvPr>
         </p:nvSpPr>
         <p:spPr/>
@@ -4488,9 +4498,37 @@
           <a:p>
             <a:r>
               <a:rPr lang="en-US" dirty="0" smtClean="0"/>
-              <a:t>Code!</a:t>
+              <a:t>Benefits of TDD</a:t>
             </a:r>
             <a:endParaRPr lang="en-US" dirty="0"/>
+          </a:p>
+        </p:txBody>
+      </p:sp>
+      <p:sp>
+        <p:nvSpPr>
+          <p:cNvPr id="3" name="Content Placeholder 2"/>
+          <p:cNvSpPr>
+            <a:spLocks noGrp="1"/>
+          </p:cNvSpPr>
+          <p:nvPr>
+            <p:ph idx="1"/>
+          </p:nvPr>
+        </p:nvSpPr>
+        <p:spPr/>
+        <p:txBody>
+          <a:bodyPr anchor="ctr">
+            <a:normAutofit/>
+          </a:bodyPr>
+          <a:lstStyle/>
+          <a:p>
+            <a:pPr algn="ctr">
+              <a:buNone/>
+            </a:pPr>
+            <a:r>
+              <a:rPr lang="en-US" sz="4400" b="1" dirty="0" smtClean="0"/>
+              <a:t>We know when we are done</a:t>
+            </a:r>
+            <a:endParaRPr lang="en-US" sz="4400" b="1" dirty="0"/>
           </a:p>
         </p:txBody>
       </p:sp>
@@ -4541,7 +4579,11 @@
           <a:bodyPr/>
           <a:lstStyle/>
           <a:p>
-            <a:endParaRPr lang="en-US"/>
+            <a:r>
+              <a:rPr lang="en-US" dirty="0" smtClean="0"/>
+              <a:t>Benefits of TDD</a:t>
+            </a:r>
+            <a:endParaRPr lang="en-US" dirty="0"/>
           </a:p>
         </p:txBody>
       </p:sp>
@@ -4557,10 +4599,19 @@
         </p:nvSpPr>
         <p:spPr/>
         <p:txBody>
-          <a:bodyPr/>
+          <a:bodyPr anchor="ctr">
+            <a:normAutofit/>
+          </a:bodyPr>
           <a:lstStyle/>
           <a:p>
-            <a:endParaRPr lang="en-US"/>
+            <a:pPr algn="ctr">
+              <a:buNone/>
+            </a:pPr>
+            <a:r>
+              <a:rPr lang="en-US" sz="4400" b="1" dirty="0" smtClean="0"/>
+              <a:t>We didn’t write bugs</a:t>
+            </a:r>
+            <a:endParaRPr lang="en-US" sz="4400" b="1" dirty="0"/>
           </a:p>
         </p:txBody>
       </p:sp>
@@ -4569,6 +4620,13 @@
   <p:clrMapOvr>
     <a:masterClrMapping/>
   </p:clrMapOvr>
+  <p:timing>
+    <p:tnLst>
+      <p:par>
+        <p:cTn id="1" dur="indefinite" restart="never" nodeType="tmRoot"/>
+      </p:par>
+    </p:tnLst>
+  </p:timing>
 </p:sld>
 </file>
 
@@ -4606,7 +4664,7 @@
           <a:p>
             <a:r>
               <a:rPr lang="en-US" dirty="0" smtClean="0"/>
-              <a:t>Case Studies</a:t>
+              <a:t>Benefits of TDD</a:t>
             </a:r>
             <a:endParaRPr lang="en-US" dirty="0"/>
           </a:p>
@@ -4624,43 +4682,19 @@
         </p:nvSpPr>
         <p:spPr/>
         <p:txBody>
-          <a:bodyPr/>
+          <a:bodyPr anchor="ctr">
+            <a:normAutofit/>
+          </a:bodyPr>
           <a:lstStyle/>
           <a:p>
             <a:pPr algn="ctr">
               <a:buNone/>
             </a:pPr>
-            <a:endParaRPr lang="en-US" sz="4800" dirty="0" smtClean="0"/>
-          </a:p>
-          <a:p>
-            <a:pPr algn="ctr">
-              <a:buNone/>
-            </a:pPr>
-            <a:r>
-              <a:rPr lang="en-US" sz="4800" dirty="0" smtClean="0"/>
-              <a:t>We don’t know what code is supposed to do</a:t>
-            </a:r>
-          </a:p>
-          <a:p>
-            <a:pPr algn="ctr">
-              <a:buNone/>
-            </a:pPr>
-            <a:endParaRPr lang="en-US" sz="4800" dirty="0" smtClean="0"/>
-          </a:p>
-          <a:p>
-            <a:pPr algn="ctr">
-              <a:buNone/>
-            </a:pPr>
-            <a:r>
-              <a:rPr lang="en-US" sz="4800" dirty="0" smtClean="0"/>
-              <a:t>“The Legacy Codebase”</a:t>
-            </a:r>
-          </a:p>
-          <a:p>
-            <a:pPr>
-              <a:buNone/>
-            </a:pPr>
-            <a:endParaRPr lang="en-US" dirty="0"/>
+            <a:r>
+              <a:rPr lang="en-US" sz="4400" b="1" dirty="0" smtClean="0"/>
+              <a:t>We only wrote as much code as we needed to make the tests pass</a:t>
+            </a:r>
+            <a:endParaRPr lang="en-US" sz="4400" b="1" dirty="0"/>
           </a:p>
         </p:txBody>
       </p:sp>
@@ -4713,7 +4747,7 @@
           <a:p>
             <a:r>
               <a:rPr lang="en-US" dirty="0" smtClean="0"/>
-              <a:t>Case Studies</a:t>
+              <a:t>Benefits of TDD</a:t>
             </a:r>
             <a:endParaRPr lang="en-US" dirty="0"/>
           </a:p>
@@ -4731,46 +4765,19 @@
         </p:nvSpPr>
         <p:spPr/>
         <p:txBody>
-          <a:bodyPr/>
+          <a:bodyPr anchor="ctr">
+            <a:normAutofit/>
+          </a:bodyPr>
           <a:lstStyle/>
           <a:p>
             <a:pPr algn="ctr">
               <a:buNone/>
             </a:pPr>
             <a:r>
-              <a:rPr lang="en-US" sz="2400" dirty="0" smtClean="0"/>
-              <a:t> </a:t>
-            </a:r>
-          </a:p>
-          <a:p>
-            <a:pPr algn="ctr">
-              <a:buNone/>
-            </a:pPr>
-            <a:r>
-              <a:rPr lang="en-US" sz="4800" dirty="0" smtClean="0"/>
-              <a:t>We can’t prove that our code is working without someone manually verifying that it works</a:t>
-            </a:r>
-          </a:p>
-          <a:p>
-            <a:pPr algn="ctr">
-              <a:buNone/>
-            </a:pPr>
-            <a:endParaRPr lang="en-US" sz="4800" dirty="0" smtClean="0"/>
-          </a:p>
-          <a:p>
-            <a:pPr algn="ctr">
-              <a:buNone/>
-            </a:pPr>
-            <a:r>
-              <a:rPr lang="en-US" sz="4800" dirty="0" smtClean="0"/>
-              <a:t>“The Last Minute Change”</a:t>
-            </a:r>
-          </a:p>
-          <a:p>
-            <a:pPr algn="ctr">
-              <a:buNone/>
-            </a:pPr>
-            <a:endParaRPr lang="en-US" dirty="0"/>
+              <a:rPr lang="en-US" sz="4400" b="1" dirty="0" smtClean="0"/>
+              <a:t>Concentrate on the requirements/tests, then concentrate on implementation</a:t>
+            </a:r>
+            <a:endParaRPr lang="en-US" sz="4400" b="1" dirty="0"/>
           </a:p>
         </p:txBody>
       </p:sp>
@@ -4823,7 +4830,7 @@
           <a:p>
             <a:r>
               <a:rPr lang="en-US" dirty="0" smtClean="0"/>
-              <a:t>Case Studies</a:t>
+              <a:t>Benefits of TDD</a:t>
             </a:r>
             <a:endParaRPr lang="en-US" dirty="0"/>
           </a:p>
@@ -4841,43 +4848,19 @@
         </p:nvSpPr>
         <p:spPr/>
         <p:txBody>
-          <a:bodyPr/>
+          <a:bodyPr anchor="ctr">
+            <a:normAutofit/>
+          </a:bodyPr>
           <a:lstStyle/>
           <a:p>
             <a:pPr algn="ctr">
               <a:buNone/>
             </a:pPr>
-            <a:endParaRPr lang="en-US" sz="4800" dirty="0" smtClean="0"/>
-          </a:p>
-          <a:p>
-            <a:pPr algn="ctr">
-              <a:buNone/>
-            </a:pPr>
-            <a:r>
-              <a:rPr lang="en-US" sz="4800" dirty="0" smtClean="0"/>
-              <a:t>Bugs are a waste of time</a:t>
-            </a:r>
-          </a:p>
-          <a:p>
-            <a:pPr algn="ctr">
-              <a:buNone/>
-            </a:pPr>
-            <a:endParaRPr lang="en-US" sz="4800" dirty="0" smtClean="0"/>
-          </a:p>
-          <a:p>
-            <a:pPr algn="ctr">
-              <a:buNone/>
-            </a:pPr>
-            <a:r>
-              <a:rPr lang="en-US" sz="4800" dirty="0" smtClean="0"/>
-              <a:t>“The Infinite Loop of Bugs”</a:t>
-            </a:r>
-          </a:p>
-          <a:p>
-            <a:pPr algn="ctr">
-              <a:buNone/>
-            </a:pPr>
-            <a:endParaRPr lang="en-US" dirty="0"/>
+            <a:r>
+              <a:rPr lang="en-US" sz="4400" b="1" dirty="0" smtClean="0"/>
+              <a:t>Our tests helped us design our code</a:t>
+            </a:r>
+            <a:endParaRPr lang="en-US" sz="4400" b="1" dirty="0"/>
           </a:p>
         </p:txBody>
       </p:sp>
@@ -4930,7 +4913,7 @@
           <a:p>
             <a:r>
               <a:rPr lang="en-US" dirty="0" smtClean="0"/>
-              <a:t>Case Studies</a:t>
+              <a:t>Benefits of TDD</a:t>
             </a:r>
             <a:endParaRPr lang="en-US" dirty="0"/>
           </a:p>
@@ -4948,43 +4931,19 @@
         </p:nvSpPr>
         <p:spPr/>
         <p:txBody>
-          <a:bodyPr/>
+          <a:bodyPr anchor="ctr">
+            <a:normAutofit/>
+          </a:bodyPr>
           <a:lstStyle/>
           <a:p>
             <a:pPr algn="ctr">
               <a:buNone/>
             </a:pPr>
-            <a:endParaRPr lang="en-US" sz="4800" dirty="0" smtClean="0"/>
-          </a:p>
-          <a:p>
-            <a:pPr algn="ctr">
-              <a:buNone/>
-            </a:pPr>
-            <a:r>
-              <a:rPr lang="en-US" sz="4800" dirty="0" smtClean="0"/>
-              <a:t>Low standards of quality</a:t>
-            </a:r>
-          </a:p>
-          <a:p>
-            <a:pPr algn="ctr">
-              <a:buNone/>
-            </a:pPr>
-            <a:endParaRPr lang="en-US" sz="4800" dirty="0" smtClean="0"/>
-          </a:p>
-          <a:p>
-            <a:pPr algn="ctr">
-              <a:buNone/>
-            </a:pPr>
-            <a:r>
-              <a:rPr lang="en-US" sz="4800" dirty="0" smtClean="0"/>
-              <a:t>“Throwing It Over the Wall”</a:t>
-            </a:r>
-          </a:p>
-          <a:p>
-            <a:pPr algn="ctr">
-              <a:buNone/>
-            </a:pPr>
-            <a:endParaRPr lang="en-US" dirty="0"/>
+            <a:r>
+              <a:rPr lang="en-US" sz="4400" b="1" dirty="0" smtClean="0"/>
+              <a:t>We had to write testable code</a:t>
+            </a:r>
+            <a:endParaRPr lang="en-US" sz="4400" b="1" dirty="0"/>
           </a:p>
         </p:txBody>
       </p:sp>
@@ -5037,7 +4996,7 @@
           <a:p>
             <a:r>
               <a:rPr lang="en-US" dirty="0" smtClean="0"/>
-              <a:t>Case Studies</a:t>
+              <a:t>Benefits of TDD</a:t>
             </a:r>
             <a:endParaRPr lang="en-US" dirty="0"/>
           </a:p>
@@ -5055,43 +5014,19 @@
         </p:nvSpPr>
         <p:spPr/>
         <p:txBody>
-          <a:bodyPr/>
+          <a:bodyPr anchor="ctr">
+            <a:normAutofit/>
+          </a:bodyPr>
           <a:lstStyle/>
           <a:p>
             <a:pPr algn="ctr">
               <a:buNone/>
             </a:pPr>
-            <a:endParaRPr lang="en-US" sz="4800" dirty="0" smtClean="0"/>
-          </a:p>
-          <a:p>
-            <a:pPr algn="ctr">
-              <a:buNone/>
-            </a:pPr>
-            <a:r>
-              <a:rPr lang="en-US" sz="4800" dirty="0" smtClean="0"/>
-              <a:t>Bugs can be really expensive to fix</a:t>
-            </a:r>
-          </a:p>
-          <a:p>
-            <a:pPr algn="ctr">
-              <a:buNone/>
-            </a:pPr>
-            <a:endParaRPr lang="en-US" sz="4800" dirty="0" smtClean="0"/>
-          </a:p>
-          <a:p>
-            <a:pPr algn="ctr">
-              <a:buNone/>
-            </a:pPr>
-            <a:r>
-              <a:rPr lang="en-US" sz="4800" dirty="0" smtClean="0"/>
-              <a:t>“Explosions and Blackouts”</a:t>
-            </a:r>
-          </a:p>
-          <a:p>
-            <a:pPr algn="ctr">
-              <a:buNone/>
-            </a:pPr>
-            <a:endParaRPr lang="en-US" dirty="0"/>
+            <a:r>
+              <a:rPr lang="en-US" sz="4400" b="1" dirty="0" smtClean="0"/>
+              <a:t>We incrementally translated the requirements </a:t>
+            </a:r>
+            <a:endParaRPr lang="en-US" sz="4400" b="1" dirty="0"/>
           </a:p>
         </p:txBody>
       </p:sp>
@@ -5144,7 +5079,7 @@
           <a:p>
             <a:r>
               <a:rPr lang="en-US" dirty="0" smtClean="0"/>
-              <a:t>Case Studies</a:t>
+              <a:t>Benefits of TDD</a:t>
             </a:r>
             <a:endParaRPr lang="en-US" dirty="0"/>
           </a:p>
@@ -5162,46 +5097,19 @@
         </p:nvSpPr>
         <p:spPr/>
         <p:txBody>
-          <a:bodyPr/>
+          <a:bodyPr anchor="ctr">
+            <a:normAutofit/>
+          </a:bodyPr>
           <a:lstStyle/>
           <a:p>
             <a:pPr algn="ctr">
               <a:buNone/>
             </a:pPr>
             <a:r>
-              <a:rPr lang="en-US" sz="2400" dirty="0" smtClean="0"/>
-              <a:t> </a:t>
-            </a:r>
-          </a:p>
-          <a:p>
-            <a:pPr algn="ctr">
-              <a:buNone/>
-            </a:pPr>
-            <a:r>
-              <a:rPr lang="en-US" sz="4800" dirty="0" smtClean="0"/>
-              <a:t>Over time, code bases tend to become more chaotic and painful to work with</a:t>
-            </a:r>
-          </a:p>
-          <a:p>
-            <a:pPr algn="ctr">
-              <a:buNone/>
-            </a:pPr>
-            <a:endParaRPr lang="en-US" sz="4800" dirty="0" smtClean="0"/>
-          </a:p>
-          <a:p>
-            <a:pPr algn="ctr">
-              <a:buNone/>
-            </a:pPr>
-            <a:r>
-              <a:rPr lang="en-US" sz="4800" dirty="0" smtClean="0"/>
-              <a:t>“The Maintenance Nightmare”</a:t>
-            </a:r>
-          </a:p>
-          <a:p>
-            <a:pPr algn="ctr">
-              <a:buNone/>
-            </a:pPr>
-            <a:endParaRPr lang="en-US" dirty="0"/>
+              <a:rPr lang="en-US" sz="4400" b="1" dirty="0" smtClean="0"/>
+              <a:t>Our tests are documentation of what our code does</a:t>
+            </a:r>
+            <a:endParaRPr lang="en-US" sz="4400" b="1" dirty="0"/>
           </a:p>
         </p:txBody>
       </p:sp>
@@ -5249,16 +5157,14 @@
         </p:nvSpPr>
         <p:spPr/>
         <p:txBody>
-          <a:bodyPr>
-            <a:normAutofit/>
-          </a:bodyPr>
+          <a:bodyPr/>
           <a:lstStyle/>
           <a:p>
             <a:r>
-              <a:rPr lang="en-US" sz="4200" dirty="0" smtClean="0"/>
-              <a:t>How can we solve these problems?</a:t>
-            </a:r>
-            <a:endParaRPr lang="en-US" sz="4200" dirty="0"/>
+              <a:rPr lang="en-US" dirty="0" smtClean="0"/>
+              <a:t>Benefits of TDD</a:t>
+            </a:r>
+            <a:endParaRPr lang="en-US" dirty="0"/>
           </a:p>
         </p:txBody>
       </p:sp>
@@ -5274,32 +5180,43 @@
         </p:nvSpPr>
         <p:spPr/>
         <p:txBody>
-          <a:bodyPr/>
+          <a:bodyPr anchor="t">
+            <a:normAutofit/>
+          </a:bodyPr>
           <a:lstStyle/>
           <a:p>
-            <a:r>
-              <a:rPr lang="en-US" dirty="0" smtClean="0"/>
-              <a:t>We need a way to ensure that our code is working</a:t>
-            </a:r>
-          </a:p>
-          <a:p>
-            <a:r>
-              <a:rPr lang="en-US" dirty="0" smtClean="0"/>
-              <a:t>We need a way to ensure that our code will continue to work after someone changes it</a:t>
-            </a:r>
-          </a:p>
-          <a:p>
-            <a:r>
-              <a:rPr lang="en-US" dirty="0" smtClean="0"/>
-              <a:t>We need a way to figure out what code is supposed to do</a:t>
-            </a:r>
-          </a:p>
-          <a:p>
-            <a:r>
-              <a:rPr lang="en-US" dirty="0" smtClean="0"/>
-              <a:t>We need to make software development less stressful</a:t>
-            </a:r>
-            <a:endParaRPr lang="en-US" dirty="0"/>
+            <a:pPr algn="ctr">
+              <a:buNone/>
+            </a:pPr>
+            <a:r>
+              <a:rPr lang="en-US" sz="4400" b="1" dirty="0" smtClean="0"/>
+              <a:t>Our tests are documentation of what our code does</a:t>
+            </a:r>
+          </a:p>
+          <a:p>
+            <a:pPr algn="ctr">
+              <a:buNone/>
+            </a:pPr>
+            <a:endParaRPr lang="en-US" sz="4400" b="1" dirty="0" smtClean="0"/>
+          </a:p>
+          <a:p>
+            <a:r>
+              <a:rPr lang="en-US" b="1" dirty="0" smtClean="0"/>
+              <a:t>Someday someone other than you will have to understand your code</a:t>
+            </a:r>
+          </a:p>
+          <a:p>
+            <a:r>
+              <a:rPr lang="en-US" b="1" dirty="0" smtClean="0"/>
+              <a:t>Someday you will wonder what your code was supposed to do</a:t>
+            </a:r>
+          </a:p>
+          <a:p>
+            <a:r>
+              <a:rPr lang="en-US" b="1" dirty="0" smtClean="0"/>
+              <a:t>Living, breathing documentation!</a:t>
+            </a:r>
+            <a:endParaRPr lang="en-US" b="1" dirty="0"/>
           </a:p>
         </p:txBody>
       </p:sp>
@@ -5311,7 +5228,152 @@
   <p:timing>
     <p:tnLst>
       <p:par>
-        <p:cTn id="1" dur="indefinite" restart="never" nodeType="tmRoot"/>
+        <p:cTn id="1" dur="indefinite" restart="never" nodeType="tmRoot">
+          <p:childTnLst>
+            <p:seq concurrent="1" nextAc="seek">
+              <p:cTn id="2" dur="indefinite" nodeType="mainSeq">
+                <p:childTnLst>
+                  <p:par>
+                    <p:cTn id="3" fill="hold">
+                      <p:stCondLst>
+                        <p:cond delay="indefinite"/>
+                      </p:stCondLst>
+                      <p:childTnLst>
+                        <p:par>
+                          <p:cTn id="4" fill="hold">
+                            <p:stCondLst>
+                              <p:cond delay="0"/>
+                            </p:stCondLst>
+                            <p:childTnLst>
+                              <p:par>
+                                <p:cTn id="5" presetID="3" presetClass="entr" presetSubtype="10" fill="hold" nodeType="clickEffect">
+                                  <p:stCondLst>
+                                    <p:cond delay="0"/>
+                                  </p:stCondLst>
+                                  <p:childTnLst>
+                                    <p:set>
+                                      <p:cBhvr>
+                                        <p:cTn id="6" dur="1" fill="hold">
+                                          <p:stCondLst>
+                                            <p:cond delay="0"/>
+                                          </p:stCondLst>
+                                        </p:cTn>
+                                        <p:tgtEl>
+                                          <p:spTgt spid="3">
+                                            <p:txEl>
+                                              <p:pRg st="3" end="3"/>
+                                            </p:txEl>
+                                          </p:spTgt>
+                                        </p:tgtEl>
+                                        <p:attrNameLst>
+                                          <p:attrName>style.visibility</p:attrName>
+                                        </p:attrNameLst>
+                                      </p:cBhvr>
+                                      <p:to>
+                                        <p:strVal val="visible"/>
+                                      </p:to>
+                                    </p:set>
+                                    <p:animEffect transition="in" filter="blinds(horizontal)">
+                                      <p:cBhvr>
+                                        <p:cTn id="7" dur="500"/>
+                                        <p:tgtEl>
+                                          <p:spTgt spid="3">
+                                            <p:txEl>
+                                              <p:pRg st="3" end="3"/>
+                                            </p:txEl>
+                                          </p:spTgt>
+                                        </p:tgtEl>
+                                      </p:cBhvr>
+                                    </p:animEffect>
+                                  </p:childTnLst>
+                                </p:cTn>
+                              </p:par>
+                            </p:childTnLst>
+                          </p:cTn>
+                        </p:par>
+                      </p:childTnLst>
+                    </p:cTn>
+                  </p:par>
+                  <p:par>
+                    <p:cTn id="8" fill="hold">
+                      <p:stCondLst>
+                        <p:cond delay="indefinite"/>
+                      </p:stCondLst>
+                      <p:childTnLst>
+                        <p:par>
+                          <p:cTn id="9" fill="hold">
+                            <p:stCondLst>
+                              <p:cond delay="0"/>
+                            </p:stCondLst>
+                            <p:childTnLst>
+                              <p:par>
+                                <p:cTn id="10" presetID="3" presetClass="entr" presetSubtype="10" fill="hold" nodeType="clickEffect">
+                                  <p:stCondLst>
+                                    <p:cond delay="0"/>
+                                  </p:stCondLst>
+                                  <p:childTnLst>
+                                    <p:set>
+                                      <p:cBhvr>
+                                        <p:cTn id="11" dur="1" fill="hold">
+                                          <p:stCondLst>
+                                            <p:cond delay="0"/>
+                                          </p:stCondLst>
+                                        </p:cTn>
+                                        <p:tgtEl>
+                                          <p:spTgt spid="3">
+                                            <p:txEl>
+                                              <p:pRg st="4" end="4"/>
+                                            </p:txEl>
+                                          </p:spTgt>
+                                        </p:tgtEl>
+                                        <p:attrNameLst>
+                                          <p:attrName>style.visibility</p:attrName>
+                                        </p:attrNameLst>
+                                      </p:cBhvr>
+                                      <p:to>
+                                        <p:strVal val="visible"/>
+                                      </p:to>
+                                    </p:set>
+                                    <p:animEffect transition="in" filter="blinds(horizontal)">
+                                      <p:cBhvr>
+                                        <p:cTn id="12" dur="500"/>
+                                        <p:tgtEl>
+                                          <p:spTgt spid="3">
+                                            <p:txEl>
+                                              <p:pRg st="4" end="4"/>
+                                            </p:txEl>
+                                          </p:spTgt>
+                                        </p:tgtEl>
+                                      </p:cBhvr>
+                                    </p:animEffect>
+                                  </p:childTnLst>
+                                </p:cTn>
+                              </p:par>
+                            </p:childTnLst>
+                          </p:cTn>
+                        </p:par>
+                      </p:childTnLst>
+                    </p:cTn>
+                  </p:par>
+                </p:childTnLst>
+              </p:cTn>
+              <p:prevCondLst>
+                <p:cond evt="onPrev" delay="0">
+                  <p:tgtEl>
+                    <p:sldTgt/>
+                  </p:tgtEl>
+                </p:cond>
+              </p:prevCondLst>
+              <p:nextCondLst>
+                <p:cond evt="onNext" delay="0">
+                  <p:tgtEl>
+                    <p:sldTgt/>
+                  </p:tgtEl>
+                </p:cond>
+              </p:nextCondLst>
+            </p:seq>
+          </p:childTnLst>
+        </p:cTn>
       </p:par>
     </p:tnLst>
   </p:timing>
@@ -5347,14 +5409,12 @@
         </p:nvSpPr>
         <p:spPr/>
         <p:txBody>
-          <a:bodyPr>
-            <a:normAutofit/>
-          </a:bodyPr>
+          <a:bodyPr/>
           <a:lstStyle/>
           <a:p>
             <a:r>
               <a:rPr lang="en-US" dirty="0" smtClean="0"/>
-              <a:t>What’s in it for me?</a:t>
+              <a:t>Benefits of TDD</a:t>
             </a:r>
             <a:endParaRPr lang="en-US" dirty="0"/>
           </a:p>
@@ -5372,28 +5432,19 @@
         </p:nvSpPr>
         <p:spPr/>
         <p:txBody>
-          <a:bodyPr/>
+          <a:bodyPr anchor="ctr">
+            <a:normAutofit/>
+          </a:bodyPr>
           <a:lstStyle/>
           <a:p>
-            <a:r>
-              <a:rPr lang="en-US" dirty="0" smtClean="0"/>
-              <a:t>Proof that your code works</a:t>
-            </a:r>
-          </a:p>
-          <a:p>
-            <a:r>
-              <a:rPr lang="en-US" dirty="0" smtClean="0"/>
-              <a:t>Fewer bugs (both now and in the future)</a:t>
-            </a:r>
-          </a:p>
-          <a:p>
-            <a:r>
-              <a:rPr lang="en-US" dirty="0" smtClean="0"/>
-              <a:t>Peace of mind</a:t>
-            </a:r>
-          </a:p>
-          <a:p>
-            <a:endParaRPr lang="en-US" dirty="0"/>
+            <a:pPr algn="ctr">
+              <a:buNone/>
+            </a:pPr>
+            <a:r>
+              <a:rPr lang="en-US" sz="4400" b="1" dirty="0" smtClean="0"/>
+              <a:t>We can make changes without fear of breaking things</a:t>
+            </a:r>
+            <a:endParaRPr lang="en-US" sz="4400" b="1" dirty="0"/>
           </a:p>
         </p:txBody>
       </p:sp>
@@ -5533,179 +5584,52 @@
       </p:grpSpPr>
       <p:sp>
         <p:nvSpPr>
-          <p:cNvPr id="4" name="Rectangle 3"/>
-          <p:cNvSpPr/>
-          <p:nvPr/>
-        </p:nvSpPr>
-        <p:spPr>
-          <a:xfrm>
-            <a:off x="457200" y="1981200"/>
-            <a:ext cx="8229600" cy="3785652"/>
-          </a:xfrm>
-          <a:prstGeom prst="rect">
-            <a:avLst/>
-          </a:prstGeom>
-        </p:spPr>
-        <p:txBody>
-          <a:bodyPr wrap="square">
-            <a:spAutoFit/>
+          <p:cNvPr id="2" name="Title 1"/>
+          <p:cNvSpPr>
+            <a:spLocks noGrp="1"/>
+          </p:cNvSpPr>
+          <p:nvPr>
+            <p:ph type="title"/>
+          </p:nvPr>
+        </p:nvSpPr>
+        <p:spPr/>
+        <p:txBody>
+          <a:bodyPr/>
+          <a:lstStyle/>
+          <a:p>
+            <a:r>
+              <a:rPr lang="en-US" dirty="0" smtClean="0"/>
+              <a:t>Benefits of TDD</a:t>
+            </a:r>
+            <a:endParaRPr lang="en-US" dirty="0"/>
+          </a:p>
+        </p:txBody>
+      </p:sp>
+      <p:sp>
+        <p:nvSpPr>
+          <p:cNvPr id="3" name="Content Placeholder 2"/>
+          <p:cNvSpPr>
+            <a:spLocks noGrp="1"/>
+          </p:cNvSpPr>
+          <p:nvPr>
+            <p:ph idx="1"/>
+          </p:nvPr>
+        </p:nvSpPr>
+        <p:spPr/>
+        <p:txBody>
+          <a:bodyPr anchor="ctr">
+            <a:normAutofit/>
           </a:bodyPr>
           <a:lstStyle/>
           <a:p>
-            <a:pPr>
-              <a:tabLst>
-                <a:tab pos="355600" algn="l"/>
-                <a:tab pos="711200" algn="l"/>
-                <a:tab pos="1066800" algn="l"/>
-                <a:tab pos="1422400" algn="l"/>
-                <a:tab pos="1778000" algn="l"/>
-                <a:tab pos="2133600" algn="l"/>
-                <a:tab pos="2489200" algn="l"/>
-                <a:tab pos="2844800" algn="l"/>
-                <a:tab pos="3200400" algn="l"/>
-                <a:tab pos="3556000" algn="l"/>
-                <a:tab pos="3911600" algn="l"/>
-                <a:tab pos="4267200" algn="l"/>
-                <a:tab pos="355600" algn="l"/>
-                <a:tab pos="711200" algn="l"/>
-                <a:tab pos="1066800" algn="l"/>
-                <a:tab pos="1422400" algn="l"/>
-                <a:tab pos="1778000" algn="l"/>
-                <a:tab pos="2133600" algn="l"/>
-                <a:tab pos="2489200" algn="l"/>
-                <a:tab pos="2844800" algn="l"/>
-                <a:tab pos="3200400" algn="l"/>
-                <a:tab pos="3556000" algn="l"/>
-                <a:tab pos="3911600" algn="l"/>
-                <a:tab pos="4267200" algn="l"/>
-              </a:tabLst>
-            </a:pPr>
-            <a:r>
-              <a:rPr lang="en-US" sz="5400" dirty="0" smtClean="0">
-                <a:latin typeface="+mj-lt"/>
-                <a:ea typeface="Optima" charset="0"/>
-                <a:cs typeface="Optima" charset="0"/>
-                <a:sym typeface="Optima" charset="0"/>
-              </a:rPr>
-              <a:t>“Clean code that works is the goal of Test Driven Development.”</a:t>
-            </a:r>
-          </a:p>
-          <a:p>
-            <a:pPr>
-              <a:tabLst>
-                <a:tab pos="355600" algn="l"/>
-                <a:tab pos="711200" algn="l"/>
-                <a:tab pos="1066800" algn="l"/>
-                <a:tab pos="1422400" algn="l"/>
-                <a:tab pos="1778000" algn="l"/>
-                <a:tab pos="2133600" algn="l"/>
-                <a:tab pos="2489200" algn="l"/>
-                <a:tab pos="2844800" algn="l"/>
-                <a:tab pos="3200400" algn="l"/>
-                <a:tab pos="3556000" algn="l"/>
-                <a:tab pos="3911600" algn="l"/>
-                <a:tab pos="4267200" algn="l"/>
-                <a:tab pos="355600" algn="l"/>
-                <a:tab pos="711200" algn="l"/>
-                <a:tab pos="1066800" algn="l"/>
-                <a:tab pos="1422400" algn="l"/>
-                <a:tab pos="1778000" algn="l"/>
-                <a:tab pos="2133600" algn="l"/>
-                <a:tab pos="2489200" algn="l"/>
-                <a:tab pos="2844800" algn="l"/>
-                <a:tab pos="3200400" algn="l"/>
-                <a:tab pos="3556000" algn="l"/>
-                <a:tab pos="3911600" algn="l"/>
-                <a:tab pos="4267200" algn="l"/>
-              </a:tabLst>
-            </a:pPr>
-            <a:endParaRPr lang="en-US" sz="2400" dirty="0" smtClean="0">
-              <a:latin typeface="+mj-lt"/>
-              <a:ea typeface="Optima" charset="0"/>
-              <a:cs typeface="Optima" charset="0"/>
-              <a:sym typeface="Optima" charset="0"/>
-            </a:endParaRPr>
-          </a:p>
-          <a:p>
-            <a:pPr algn="r">
-              <a:tabLst>
-                <a:tab pos="355600" algn="l"/>
-                <a:tab pos="711200" algn="l"/>
-                <a:tab pos="1066800" algn="l"/>
-                <a:tab pos="1422400" algn="l"/>
-                <a:tab pos="1778000" algn="l"/>
-                <a:tab pos="2133600" algn="l"/>
-                <a:tab pos="2489200" algn="l"/>
-                <a:tab pos="2844800" algn="l"/>
-                <a:tab pos="3200400" algn="l"/>
-                <a:tab pos="3556000" algn="l"/>
-                <a:tab pos="3911600" algn="l"/>
-                <a:tab pos="4267200" algn="l"/>
-                <a:tab pos="355600" algn="l"/>
-                <a:tab pos="711200" algn="l"/>
-                <a:tab pos="1066800" algn="l"/>
-                <a:tab pos="1422400" algn="l"/>
-                <a:tab pos="1778000" algn="l"/>
-                <a:tab pos="2133600" algn="l"/>
-                <a:tab pos="2489200" algn="l"/>
-                <a:tab pos="2844800" algn="l"/>
-                <a:tab pos="3200400" algn="l"/>
-                <a:tab pos="3556000" algn="l"/>
-                <a:tab pos="3911600" algn="l"/>
-                <a:tab pos="4267200" algn="l"/>
-              </a:tabLst>
-            </a:pPr>
-            <a:endParaRPr lang="en-US" sz="2400" dirty="0" smtClean="0">
-              <a:latin typeface="+mj-lt"/>
-              <a:ea typeface="Optima" charset="0"/>
-              <a:cs typeface="Optima" charset="0"/>
-              <a:sym typeface="Optima" charset="0"/>
-            </a:endParaRPr>
-          </a:p>
-          <a:p>
-            <a:pPr algn="r">
-              <a:tabLst>
-                <a:tab pos="355600" algn="l"/>
-                <a:tab pos="711200" algn="l"/>
-                <a:tab pos="1066800" algn="l"/>
-                <a:tab pos="1422400" algn="l"/>
-                <a:tab pos="1778000" algn="l"/>
-                <a:tab pos="2133600" algn="l"/>
-                <a:tab pos="2489200" algn="l"/>
-                <a:tab pos="2844800" algn="l"/>
-                <a:tab pos="3200400" algn="l"/>
-                <a:tab pos="3556000" algn="l"/>
-                <a:tab pos="3911600" algn="l"/>
-                <a:tab pos="4267200" algn="l"/>
-                <a:tab pos="355600" algn="l"/>
-                <a:tab pos="711200" algn="l"/>
-                <a:tab pos="1066800" algn="l"/>
-                <a:tab pos="1422400" algn="l"/>
-                <a:tab pos="1778000" algn="l"/>
-                <a:tab pos="2133600" algn="l"/>
-                <a:tab pos="2489200" algn="l"/>
-                <a:tab pos="2844800" algn="l"/>
-                <a:tab pos="3200400" algn="l"/>
-                <a:tab pos="3556000" algn="l"/>
-                <a:tab pos="3911600" algn="l"/>
-                <a:tab pos="4267200" algn="l"/>
-              </a:tabLst>
-            </a:pPr>
-            <a:r>
-              <a:rPr lang="en-US" sz="3000" dirty="0" smtClean="0">
-                <a:latin typeface="+mj-lt"/>
-                <a:ea typeface="Optima" charset="0"/>
-                <a:cs typeface="Optima" charset="0"/>
-                <a:sym typeface="Optima" charset="0"/>
-              </a:rPr>
-              <a:t>-- Ron Jeffries</a:t>
-            </a:r>
-            <a:endParaRPr lang="en-US" sz="3000" dirty="0">
-              <a:latin typeface="+mj-lt"/>
-              <a:ea typeface="Optima" charset="0"/>
-              <a:cs typeface="Optima" charset="0"/>
-              <a:sym typeface="Optima" charset="0"/>
-            </a:endParaRPr>
+            <a:pPr algn="ctr">
+              <a:buNone/>
+            </a:pPr>
+            <a:r>
+              <a:rPr lang="en-US" sz="4400" b="1" dirty="0" smtClean="0"/>
+              <a:t>We can quickly regression test our code</a:t>
+            </a:r>
+            <a:endParaRPr lang="en-US" sz="4400" b="1" dirty="0"/>
           </a:p>
         </p:txBody>
       </p:sp>
@@ -5758,6 +5682,1421 @@
           <a:p>
             <a:r>
               <a:rPr lang="en-US" dirty="0" smtClean="0"/>
+              <a:t>Benefits of TDD</a:t>
+            </a:r>
+            <a:endParaRPr lang="en-US" dirty="0"/>
+          </a:p>
+        </p:txBody>
+      </p:sp>
+      <p:sp>
+        <p:nvSpPr>
+          <p:cNvPr id="3" name="Content Placeholder 2"/>
+          <p:cNvSpPr>
+            <a:spLocks noGrp="1"/>
+          </p:cNvSpPr>
+          <p:nvPr>
+            <p:ph idx="1"/>
+          </p:nvPr>
+        </p:nvSpPr>
+        <p:spPr/>
+        <p:txBody>
+          <a:bodyPr anchor="t">
+            <a:normAutofit/>
+          </a:bodyPr>
+          <a:lstStyle/>
+          <a:p>
+            <a:pPr algn="ctr">
+              <a:buNone/>
+            </a:pPr>
+            <a:r>
+              <a:rPr lang="en-US" sz="4400" b="1" dirty="0" smtClean="0"/>
+              <a:t>We can quickly regression test our code</a:t>
+            </a:r>
+          </a:p>
+          <a:p>
+            <a:pPr algn="ctr">
+              <a:buNone/>
+            </a:pPr>
+            <a:endParaRPr lang="en-US" sz="4400" b="1" smtClean="0"/>
+          </a:p>
+          <a:p>
+            <a:endParaRPr lang="en-US" sz="4400" b="1" dirty="0"/>
+          </a:p>
+        </p:txBody>
+      </p:sp>
+    </p:spTree>
+  </p:cSld>
+  <p:clrMapOvr>
+    <a:masterClrMapping/>
+  </p:clrMapOvr>
+  <p:timing>
+    <p:tnLst>
+      <p:par>
+        <p:cTn id="1" dur="indefinite" restart="never" nodeType="tmRoot"/>
+      </p:par>
+    </p:tnLst>
+  </p:timing>
+</p:sld>
+</file>
+
+<file path=ppt/slides/slide22.xml><?xml version="1.0" encoding="utf-8"?>
+<p:sld xmlns:a="http://schemas.openxmlformats.org/drawingml/2006/main" xmlns:r="http://schemas.openxmlformats.org/officeDocument/2006/relationships" xmlns:p="http://schemas.openxmlformats.org/presentationml/2006/main">
+  <p:cSld>
+    <p:spTree>
+      <p:nvGrpSpPr>
+        <p:cNvPr id="1" name=""/>
+        <p:cNvGrpSpPr/>
+        <p:nvPr/>
+      </p:nvGrpSpPr>
+      <p:grpSpPr>
+        <a:xfrm>
+          <a:off x="0" y="0"/>
+          <a:ext cx="0" cy="0"/>
+          <a:chOff x="0" y="0"/>
+          <a:chExt cx="0" cy="0"/>
+        </a:xfrm>
+      </p:grpSpPr>
+      <p:sp>
+        <p:nvSpPr>
+          <p:cNvPr id="2" name="Title 1"/>
+          <p:cNvSpPr>
+            <a:spLocks noGrp="1"/>
+          </p:cNvSpPr>
+          <p:nvPr>
+            <p:ph type="title"/>
+          </p:nvPr>
+        </p:nvSpPr>
+        <p:spPr/>
+        <p:txBody>
+          <a:bodyPr/>
+          <a:lstStyle/>
+          <a:p>
+            <a:r>
+              <a:rPr lang="en-US" dirty="0" smtClean="0"/>
+              <a:t>Case Studies</a:t>
+            </a:r>
+            <a:endParaRPr lang="en-US" dirty="0"/>
+          </a:p>
+        </p:txBody>
+      </p:sp>
+      <p:sp>
+        <p:nvSpPr>
+          <p:cNvPr id="3" name="Content Placeholder 2"/>
+          <p:cNvSpPr>
+            <a:spLocks noGrp="1"/>
+          </p:cNvSpPr>
+          <p:nvPr>
+            <p:ph idx="1"/>
+          </p:nvPr>
+        </p:nvSpPr>
+        <p:spPr/>
+        <p:txBody>
+          <a:bodyPr/>
+          <a:lstStyle/>
+          <a:p>
+            <a:pPr algn="ctr">
+              <a:buNone/>
+            </a:pPr>
+            <a:endParaRPr lang="en-US" sz="4800" dirty="0" smtClean="0"/>
+          </a:p>
+          <a:p>
+            <a:pPr algn="ctr">
+              <a:buNone/>
+            </a:pPr>
+            <a:r>
+              <a:rPr lang="en-US" sz="4800" dirty="0" smtClean="0"/>
+              <a:t>We don’t know what code is supposed to do</a:t>
+            </a:r>
+          </a:p>
+          <a:p>
+            <a:pPr algn="ctr">
+              <a:buNone/>
+            </a:pPr>
+            <a:endParaRPr lang="en-US" sz="4800" dirty="0" smtClean="0"/>
+          </a:p>
+          <a:p>
+            <a:pPr algn="ctr">
+              <a:buNone/>
+            </a:pPr>
+            <a:r>
+              <a:rPr lang="en-US" sz="4800" dirty="0" smtClean="0"/>
+              <a:t>“The Legacy Codebase”</a:t>
+            </a:r>
+          </a:p>
+          <a:p>
+            <a:pPr>
+              <a:buNone/>
+            </a:pPr>
+            <a:endParaRPr lang="en-US" dirty="0"/>
+          </a:p>
+        </p:txBody>
+      </p:sp>
+    </p:spTree>
+  </p:cSld>
+  <p:clrMapOvr>
+    <a:masterClrMapping/>
+  </p:clrMapOvr>
+  <p:timing>
+    <p:tnLst>
+      <p:par>
+        <p:cTn id="1" dur="indefinite" restart="never" nodeType="tmRoot"/>
+      </p:par>
+    </p:tnLst>
+  </p:timing>
+</p:sld>
+</file>
+
+<file path=ppt/slides/slide23.xml><?xml version="1.0" encoding="utf-8"?>
+<p:sld xmlns:a="http://schemas.openxmlformats.org/drawingml/2006/main" xmlns:r="http://schemas.openxmlformats.org/officeDocument/2006/relationships" xmlns:p="http://schemas.openxmlformats.org/presentationml/2006/main">
+  <p:cSld>
+    <p:spTree>
+      <p:nvGrpSpPr>
+        <p:cNvPr id="1" name=""/>
+        <p:cNvGrpSpPr/>
+        <p:nvPr/>
+      </p:nvGrpSpPr>
+      <p:grpSpPr>
+        <a:xfrm>
+          <a:off x="0" y="0"/>
+          <a:ext cx="0" cy="0"/>
+          <a:chOff x="0" y="0"/>
+          <a:chExt cx="0" cy="0"/>
+        </a:xfrm>
+      </p:grpSpPr>
+      <p:sp>
+        <p:nvSpPr>
+          <p:cNvPr id="2" name="Title 1"/>
+          <p:cNvSpPr>
+            <a:spLocks noGrp="1"/>
+          </p:cNvSpPr>
+          <p:nvPr>
+            <p:ph type="title"/>
+          </p:nvPr>
+        </p:nvSpPr>
+        <p:spPr/>
+        <p:txBody>
+          <a:bodyPr/>
+          <a:lstStyle/>
+          <a:p>
+            <a:r>
+              <a:rPr lang="en-US" dirty="0" smtClean="0"/>
+              <a:t>Case Studies</a:t>
+            </a:r>
+            <a:endParaRPr lang="en-US" dirty="0"/>
+          </a:p>
+        </p:txBody>
+      </p:sp>
+      <p:sp>
+        <p:nvSpPr>
+          <p:cNvPr id="3" name="Content Placeholder 2"/>
+          <p:cNvSpPr>
+            <a:spLocks noGrp="1"/>
+          </p:cNvSpPr>
+          <p:nvPr>
+            <p:ph idx="1"/>
+          </p:nvPr>
+        </p:nvSpPr>
+        <p:spPr/>
+        <p:txBody>
+          <a:bodyPr/>
+          <a:lstStyle/>
+          <a:p>
+            <a:pPr algn="ctr">
+              <a:buNone/>
+            </a:pPr>
+            <a:r>
+              <a:rPr lang="en-US" sz="2400" dirty="0" smtClean="0"/>
+              <a:t> </a:t>
+            </a:r>
+          </a:p>
+          <a:p>
+            <a:pPr algn="ctr">
+              <a:buNone/>
+            </a:pPr>
+            <a:r>
+              <a:rPr lang="en-US" sz="4800" dirty="0" smtClean="0"/>
+              <a:t>We can’t prove that our code is working without someone manually verifying that it works</a:t>
+            </a:r>
+          </a:p>
+          <a:p>
+            <a:pPr algn="ctr">
+              <a:buNone/>
+            </a:pPr>
+            <a:endParaRPr lang="en-US" sz="4800" dirty="0" smtClean="0"/>
+          </a:p>
+          <a:p>
+            <a:pPr algn="ctr">
+              <a:buNone/>
+            </a:pPr>
+            <a:r>
+              <a:rPr lang="en-US" sz="4800" dirty="0" smtClean="0"/>
+              <a:t>“The Last Minute Change”</a:t>
+            </a:r>
+          </a:p>
+          <a:p>
+            <a:pPr algn="ctr">
+              <a:buNone/>
+            </a:pPr>
+            <a:endParaRPr lang="en-US" dirty="0"/>
+          </a:p>
+        </p:txBody>
+      </p:sp>
+    </p:spTree>
+  </p:cSld>
+  <p:clrMapOvr>
+    <a:masterClrMapping/>
+  </p:clrMapOvr>
+  <p:timing>
+    <p:tnLst>
+      <p:par>
+        <p:cTn id="1" dur="indefinite" restart="never" nodeType="tmRoot"/>
+      </p:par>
+    </p:tnLst>
+  </p:timing>
+</p:sld>
+</file>
+
+<file path=ppt/slides/slide24.xml><?xml version="1.0" encoding="utf-8"?>
+<p:sld xmlns:a="http://schemas.openxmlformats.org/drawingml/2006/main" xmlns:r="http://schemas.openxmlformats.org/officeDocument/2006/relationships" xmlns:p="http://schemas.openxmlformats.org/presentationml/2006/main">
+  <p:cSld>
+    <p:spTree>
+      <p:nvGrpSpPr>
+        <p:cNvPr id="1" name=""/>
+        <p:cNvGrpSpPr/>
+        <p:nvPr/>
+      </p:nvGrpSpPr>
+      <p:grpSpPr>
+        <a:xfrm>
+          <a:off x="0" y="0"/>
+          <a:ext cx="0" cy="0"/>
+          <a:chOff x="0" y="0"/>
+          <a:chExt cx="0" cy="0"/>
+        </a:xfrm>
+      </p:grpSpPr>
+      <p:sp>
+        <p:nvSpPr>
+          <p:cNvPr id="2" name="Title 1"/>
+          <p:cNvSpPr>
+            <a:spLocks noGrp="1"/>
+          </p:cNvSpPr>
+          <p:nvPr>
+            <p:ph type="title"/>
+          </p:nvPr>
+        </p:nvSpPr>
+        <p:spPr/>
+        <p:txBody>
+          <a:bodyPr/>
+          <a:lstStyle/>
+          <a:p>
+            <a:r>
+              <a:rPr lang="en-US" dirty="0" smtClean="0"/>
+              <a:t>Case Studies</a:t>
+            </a:r>
+            <a:endParaRPr lang="en-US" dirty="0"/>
+          </a:p>
+        </p:txBody>
+      </p:sp>
+      <p:sp>
+        <p:nvSpPr>
+          <p:cNvPr id="3" name="Content Placeholder 2"/>
+          <p:cNvSpPr>
+            <a:spLocks noGrp="1"/>
+          </p:cNvSpPr>
+          <p:nvPr>
+            <p:ph idx="1"/>
+          </p:nvPr>
+        </p:nvSpPr>
+        <p:spPr/>
+        <p:txBody>
+          <a:bodyPr/>
+          <a:lstStyle/>
+          <a:p>
+            <a:pPr algn="ctr">
+              <a:buNone/>
+            </a:pPr>
+            <a:endParaRPr lang="en-US" sz="4800" dirty="0" smtClean="0"/>
+          </a:p>
+          <a:p>
+            <a:pPr algn="ctr">
+              <a:buNone/>
+            </a:pPr>
+            <a:r>
+              <a:rPr lang="en-US" sz="4800" dirty="0" smtClean="0"/>
+              <a:t>Bugs are a waste of time</a:t>
+            </a:r>
+          </a:p>
+          <a:p>
+            <a:pPr algn="ctr">
+              <a:buNone/>
+            </a:pPr>
+            <a:endParaRPr lang="en-US" sz="4800" dirty="0" smtClean="0"/>
+          </a:p>
+          <a:p>
+            <a:pPr algn="ctr">
+              <a:buNone/>
+            </a:pPr>
+            <a:r>
+              <a:rPr lang="en-US" sz="4800" dirty="0" smtClean="0"/>
+              <a:t>“The Infinite Loop of Bugs”</a:t>
+            </a:r>
+          </a:p>
+          <a:p>
+            <a:pPr algn="ctr">
+              <a:buNone/>
+            </a:pPr>
+            <a:endParaRPr lang="en-US" dirty="0"/>
+          </a:p>
+        </p:txBody>
+      </p:sp>
+    </p:spTree>
+  </p:cSld>
+  <p:clrMapOvr>
+    <a:masterClrMapping/>
+  </p:clrMapOvr>
+  <p:timing>
+    <p:tnLst>
+      <p:par>
+        <p:cTn id="1" dur="indefinite" restart="never" nodeType="tmRoot"/>
+      </p:par>
+    </p:tnLst>
+  </p:timing>
+</p:sld>
+</file>
+
+<file path=ppt/slides/slide25.xml><?xml version="1.0" encoding="utf-8"?>
+<p:sld xmlns:a="http://schemas.openxmlformats.org/drawingml/2006/main" xmlns:r="http://schemas.openxmlformats.org/officeDocument/2006/relationships" xmlns:p="http://schemas.openxmlformats.org/presentationml/2006/main">
+  <p:cSld>
+    <p:spTree>
+      <p:nvGrpSpPr>
+        <p:cNvPr id="1" name=""/>
+        <p:cNvGrpSpPr/>
+        <p:nvPr/>
+      </p:nvGrpSpPr>
+      <p:grpSpPr>
+        <a:xfrm>
+          <a:off x="0" y="0"/>
+          <a:ext cx="0" cy="0"/>
+          <a:chOff x="0" y="0"/>
+          <a:chExt cx="0" cy="0"/>
+        </a:xfrm>
+      </p:grpSpPr>
+      <p:sp>
+        <p:nvSpPr>
+          <p:cNvPr id="2" name="Title 1"/>
+          <p:cNvSpPr>
+            <a:spLocks noGrp="1"/>
+          </p:cNvSpPr>
+          <p:nvPr>
+            <p:ph type="title"/>
+          </p:nvPr>
+        </p:nvSpPr>
+        <p:spPr/>
+        <p:txBody>
+          <a:bodyPr/>
+          <a:lstStyle/>
+          <a:p>
+            <a:r>
+              <a:rPr lang="en-US" dirty="0" smtClean="0"/>
+              <a:t>Case Studies</a:t>
+            </a:r>
+            <a:endParaRPr lang="en-US" dirty="0"/>
+          </a:p>
+        </p:txBody>
+      </p:sp>
+      <p:sp>
+        <p:nvSpPr>
+          <p:cNvPr id="3" name="Content Placeholder 2"/>
+          <p:cNvSpPr>
+            <a:spLocks noGrp="1"/>
+          </p:cNvSpPr>
+          <p:nvPr>
+            <p:ph idx="1"/>
+          </p:nvPr>
+        </p:nvSpPr>
+        <p:spPr/>
+        <p:txBody>
+          <a:bodyPr/>
+          <a:lstStyle/>
+          <a:p>
+            <a:pPr algn="ctr">
+              <a:buNone/>
+            </a:pPr>
+            <a:endParaRPr lang="en-US" sz="4800" dirty="0" smtClean="0"/>
+          </a:p>
+          <a:p>
+            <a:pPr algn="ctr">
+              <a:buNone/>
+            </a:pPr>
+            <a:r>
+              <a:rPr lang="en-US" sz="4800" dirty="0" smtClean="0"/>
+              <a:t>Low standards of quality</a:t>
+            </a:r>
+          </a:p>
+          <a:p>
+            <a:pPr algn="ctr">
+              <a:buNone/>
+            </a:pPr>
+            <a:endParaRPr lang="en-US" sz="4800" dirty="0" smtClean="0"/>
+          </a:p>
+          <a:p>
+            <a:pPr algn="ctr">
+              <a:buNone/>
+            </a:pPr>
+            <a:r>
+              <a:rPr lang="en-US" sz="4800" dirty="0" smtClean="0"/>
+              <a:t>“Throwing It Over the Wall”</a:t>
+            </a:r>
+          </a:p>
+          <a:p>
+            <a:pPr algn="ctr">
+              <a:buNone/>
+            </a:pPr>
+            <a:endParaRPr lang="en-US" dirty="0"/>
+          </a:p>
+        </p:txBody>
+      </p:sp>
+    </p:spTree>
+  </p:cSld>
+  <p:clrMapOvr>
+    <a:masterClrMapping/>
+  </p:clrMapOvr>
+  <p:timing>
+    <p:tnLst>
+      <p:par>
+        <p:cTn id="1" dur="indefinite" restart="never" nodeType="tmRoot"/>
+      </p:par>
+    </p:tnLst>
+  </p:timing>
+</p:sld>
+</file>
+
+<file path=ppt/slides/slide26.xml><?xml version="1.0" encoding="utf-8"?>
+<p:sld xmlns:a="http://schemas.openxmlformats.org/drawingml/2006/main" xmlns:r="http://schemas.openxmlformats.org/officeDocument/2006/relationships" xmlns:p="http://schemas.openxmlformats.org/presentationml/2006/main">
+  <p:cSld>
+    <p:spTree>
+      <p:nvGrpSpPr>
+        <p:cNvPr id="1" name=""/>
+        <p:cNvGrpSpPr/>
+        <p:nvPr/>
+      </p:nvGrpSpPr>
+      <p:grpSpPr>
+        <a:xfrm>
+          <a:off x="0" y="0"/>
+          <a:ext cx="0" cy="0"/>
+          <a:chOff x="0" y="0"/>
+          <a:chExt cx="0" cy="0"/>
+        </a:xfrm>
+      </p:grpSpPr>
+      <p:sp>
+        <p:nvSpPr>
+          <p:cNvPr id="2" name="Title 1"/>
+          <p:cNvSpPr>
+            <a:spLocks noGrp="1"/>
+          </p:cNvSpPr>
+          <p:nvPr>
+            <p:ph type="title"/>
+          </p:nvPr>
+        </p:nvSpPr>
+        <p:spPr/>
+        <p:txBody>
+          <a:bodyPr/>
+          <a:lstStyle/>
+          <a:p>
+            <a:r>
+              <a:rPr lang="en-US" dirty="0" smtClean="0"/>
+              <a:t>Case Studies</a:t>
+            </a:r>
+            <a:endParaRPr lang="en-US" dirty="0"/>
+          </a:p>
+        </p:txBody>
+      </p:sp>
+      <p:sp>
+        <p:nvSpPr>
+          <p:cNvPr id="3" name="Content Placeholder 2"/>
+          <p:cNvSpPr>
+            <a:spLocks noGrp="1"/>
+          </p:cNvSpPr>
+          <p:nvPr>
+            <p:ph idx="1"/>
+          </p:nvPr>
+        </p:nvSpPr>
+        <p:spPr/>
+        <p:txBody>
+          <a:bodyPr/>
+          <a:lstStyle/>
+          <a:p>
+            <a:pPr algn="ctr">
+              <a:buNone/>
+            </a:pPr>
+            <a:endParaRPr lang="en-US" sz="4800" dirty="0" smtClean="0"/>
+          </a:p>
+          <a:p>
+            <a:pPr algn="ctr">
+              <a:buNone/>
+            </a:pPr>
+            <a:r>
+              <a:rPr lang="en-US" sz="4800" dirty="0" smtClean="0"/>
+              <a:t>Bugs can be really expensive to fix</a:t>
+            </a:r>
+          </a:p>
+          <a:p>
+            <a:pPr algn="ctr">
+              <a:buNone/>
+            </a:pPr>
+            <a:endParaRPr lang="en-US" sz="4800" dirty="0" smtClean="0"/>
+          </a:p>
+          <a:p>
+            <a:pPr algn="ctr">
+              <a:buNone/>
+            </a:pPr>
+            <a:r>
+              <a:rPr lang="en-US" sz="4800" dirty="0" smtClean="0"/>
+              <a:t>“Explosions and Blackouts”</a:t>
+            </a:r>
+          </a:p>
+          <a:p>
+            <a:pPr algn="ctr">
+              <a:buNone/>
+            </a:pPr>
+            <a:endParaRPr lang="en-US" dirty="0"/>
+          </a:p>
+        </p:txBody>
+      </p:sp>
+    </p:spTree>
+  </p:cSld>
+  <p:clrMapOvr>
+    <a:masterClrMapping/>
+  </p:clrMapOvr>
+  <p:timing>
+    <p:tnLst>
+      <p:par>
+        <p:cTn id="1" dur="indefinite" restart="never" nodeType="tmRoot"/>
+      </p:par>
+    </p:tnLst>
+  </p:timing>
+</p:sld>
+</file>
+
+<file path=ppt/slides/slide27.xml><?xml version="1.0" encoding="utf-8"?>
+<p:sld xmlns:a="http://schemas.openxmlformats.org/drawingml/2006/main" xmlns:r="http://schemas.openxmlformats.org/officeDocument/2006/relationships" xmlns:p="http://schemas.openxmlformats.org/presentationml/2006/main">
+  <p:cSld>
+    <p:spTree>
+      <p:nvGrpSpPr>
+        <p:cNvPr id="1" name=""/>
+        <p:cNvGrpSpPr/>
+        <p:nvPr/>
+      </p:nvGrpSpPr>
+      <p:grpSpPr>
+        <a:xfrm>
+          <a:off x="0" y="0"/>
+          <a:ext cx="0" cy="0"/>
+          <a:chOff x="0" y="0"/>
+          <a:chExt cx="0" cy="0"/>
+        </a:xfrm>
+      </p:grpSpPr>
+      <p:sp>
+        <p:nvSpPr>
+          <p:cNvPr id="2" name="Title 1"/>
+          <p:cNvSpPr>
+            <a:spLocks noGrp="1"/>
+          </p:cNvSpPr>
+          <p:nvPr>
+            <p:ph type="title"/>
+          </p:nvPr>
+        </p:nvSpPr>
+        <p:spPr/>
+        <p:txBody>
+          <a:bodyPr/>
+          <a:lstStyle/>
+          <a:p>
+            <a:r>
+              <a:rPr lang="en-US" dirty="0" smtClean="0"/>
+              <a:t>Case Studies</a:t>
+            </a:r>
+            <a:endParaRPr lang="en-US" dirty="0"/>
+          </a:p>
+        </p:txBody>
+      </p:sp>
+      <p:sp>
+        <p:nvSpPr>
+          <p:cNvPr id="3" name="Content Placeholder 2"/>
+          <p:cNvSpPr>
+            <a:spLocks noGrp="1"/>
+          </p:cNvSpPr>
+          <p:nvPr>
+            <p:ph idx="1"/>
+          </p:nvPr>
+        </p:nvSpPr>
+        <p:spPr/>
+        <p:txBody>
+          <a:bodyPr/>
+          <a:lstStyle/>
+          <a:p>
+            <a:pPr algn="ctr">
+              <a:buNone/>
+            </a:pPr>
+            <a:r>
+              <a:rPr lang="en-US" sz="2400" dirty="0" smtClean="0"/>
+              <a:t> </a:t>
+            </a:r>
+          </a:p>
+          <a:p>
+            <a:pPr algn="ctr">
+              <a:buNone/>
+            </a:pPr>
+            <a:r>
+              <a:rPr lang="en-US" sz="4800" dirty="0" smtClean="0"/>
+              <a:t>Over time, code bases tend to become more chaotic and painful to work with</a:t>
+            </a:r>
+          </a:p>
+          <a:p>
+            <a:pPr algn="ctr">
+              <a:buNone/>
+            </a:pPr>
+            <a:endParaRPr lang="en-US" sz="4800" dirty="0" smtClean="0"/>
+          </a:p>
+          <a:p>
+            <a:pPr algn="ctr">
+              <a:buNone/>
+            </a:pPr>
+            <a:r>
+              <a:rPr lang="en-US" sz="4800" dirty="0" smtClean="0"/>
+              <a:t>“The Maintenance Nightmare”</a:t>
+            </a:r>
+          </a:p>
+          <a:p>
+            <a:pPr algn="ctr">
+              <a:buNone/>
+            </a:pPr>
+            <a:endParaRPr lang="en-US" dirty="0"/>
+          </a:p>
+        </p:txBody>
+      </p:sp>
+    </p:spTree>
+  </p:cSld>
+  <p:clrMapOvr>
+    <a:masterClrMapping/>
+  </p:clrMapOvr>
+  <p:timing>
+    <p:tnLst>
+      <p:par>
+        <p:cTn id="1" dur="indefinite" restart="never" nodeType="tmRoot"/>
+      </p:par>
+    </p:tnLst>
+  </p:timing>
+</p:sld>
+</file>
+
+<file path=ppt/slides/slide28.xml><?xml version="1.0" encoding="utf-8"?>
+<p:sld xmlns:a="http://schemas.openxmlformats.org/drawingml/2006/main" xmlns:r="http://schemas.openxmlformats.org/officeDocument/2006/relationships" xmlns:p="http://schemas.openxmlformats.org/presentationml/2006/main">
+  <p:cSld>
+    <p:spTree>
+      <p:nvGrpSpPr>
+        <p:cNvPr id="1" name=""/>
+        <p:cNvGrpSpPr/>
+        <p:nvPr/>
+      </p:nvGrpSpPr>
+      <p:grpSpPr>
+        <a:xfrm>
+          <a:off x="0" y="0"/>
+          <a:ext cx="0" cy="0"/>
+          <a:chOff x="0" y="0"/>
+          <a:chExt cx="0" cy="0"/>
+        </a:xfrm>
+      </p:grpSpPr>
+      <p:sp>
+        <p:nvSpPr>
+          <p:cNvPr id="2" name="Title 1"/>
+          <p:cNvSpPr>
+            <a:spLocks noGrp="1"/>
+          </p:cNvSpPr>
+          <p:nvPr>
+            <p:ph type="title"/>
+          </p:nvPr>
+        </p:nvSpPr>
+        <p:spPr/>
+        <p:txBody>
+          <a:bodyPr>
+            <a:normAutofit/>
+          </a:bodyPr>
+          <a:lstStyle/>
+          <a:p>
+            <a:r>
+              <a:rPr lang="en-US" sz="4200" dirty="0" smtClean="0"/>
+              <a:t>How can we solve these problems?</a:t>
+            </a:r>
+            <a:endParaRPr lang="en-US" sz="4200" dirty="0"/>
+          </a:p>
+        </p:txBody>
+      </p:sp>
+      <p:sp>
+        <p:nvSpPr>
+          <p:cNvPr id="3" name="Content Placeholder 2"/>
+          <p:cNvSpPr>
+            <a:spLocks noGrp="1"/>
+          </p:cNvSpPr>
+          <p:nvPr>
+            <p:ph idx="1"/>
+          </p:nvPr>
+        </p:nvSpPr>
+        <p:spPr/>
+        <p:txBody>
+          <a:bodyPr/>
+          <a:lstStyle/>
+          <a:p>
+            <a:r>
+              <a:rPr lang="en-US" dirty="0" smtClean="0"/>
+              <a:t>We need a way to ensure that our code is working</a:t>
+            </a:r>
+          </a:p>
+          <a:p>
+            <a:r>
+              <a:rPr lang="en-US" dirty="0" smtClean="0"/>
+              <a:t>We need a way to ensure that our code will continue to work after someone changes it</a:t>
+            </a:r>
+          </a:p>
+          <a:p>
+            <a:r>
+              <a:rPr lang="en-US" dirty="0" smtClean="0"/>
+              <a:t>We need a way to figure out what code is supposed to do</a:t>
+            </a:r>
+          </a:p>
+          <a:p>
+            <a:r>
+              <a:rPr lang="en-US" dirty="0" smtClean="0"/>
+              <a:t>We need to make software development less stressful</a:t>
+            </a:r>
+            <a:endParaRPr lang="en-US" dirty="0"/>
+          </a:p>
+        </p:txBody>
+      </p:sp>
+    </p:spTree>
+  </p:cSld>
+  <p:clrMapOvr>
+    <a:masterClrMapping/>
+  </p:clrMapOvr>
+  <p:timing>
+    <p:tnLst>
+      <p:par>
+        <p:cTn id="1" dur="indefinite" restart="never" nodeType="tmRoot"/>
+      </p:par>
+    </p:tnLst>
+  </p:timing>
+</p:sld>
+</file>
+
+<file path=ppt/slides/slide29.xml><?xml version="1.0" encoding="utf-8"?>
+<p:sld xmlns:a="http://schemas.openxmlformats.org/drawingml/2006/main" xmlns:r="http://schemas.openxmlformats.org/officeDocument/2006/relationships" xmlns:p="http://schemas.openxmlformats.org/presentationml/2006/main">
+  <p:cSld>
+    <p:spTree>
+      <p:nvGrpSpPr>
+        <p:cNvPr id="1" name=""/>
+        <p:cNvGrpSpPr/>
+        <p:nvPr/>
+      </p:nvGrpSpPr>
+      <p:grpSpPr>
+        <a:xfrm>
+          <a:off x="0" y="0"/>
+          <a:ext cx="0" cy="0"/>
+          <a:chOff x="0" y="0"/>
+          <a:chExt cx="0" cy="0"/>
+        </a:xfrm>
+      </p:grpSpPr>
+      <p:sp>
+        <p:nvSpPr>
+          <p:cNvPr id="2" name="Title 1"/>
+          <p:cNvSpPr>
+            <a:spLocks noGrp="1"/>
+          </p:cNvSpPr>
+          <p:nvPr>
+            <p:ph type="title"/>
+          </p:nvPr>
+        </p:nvSpPr>
+        <p:spPr/>
+        <p:txBody>
+          <a:bodyPr>
+            <a:normAutofit/>
+          </a:bodyPr>
+          <a:lstStyle/>
+          <a:p>
+            <a:r>
+              <a:rPr lang="en-US" dirty="0" smtClean="0"/>
+              <a:t>What’s in it for me?</a:t>
+            </a:r>
+            <a:endParaRPr lang="en-US" dirty="0"/>
+          </a:p>
+        </p:txBody>
+      </p:sp>
+      <p:sp>
+        <p:nvSpPr>
+          <p:cNvPr id="3" name="Content Placeholder 2"/>
+          <p:cNvSpPr>
+            <a:spLocks noGrp="1"/>
+          </p:cNvSpPr>
+          <p:nvPr>
+            <p:ph idx="1"/>
+          </p:nvPr>
+        </p:nvSpPr>
+        <p:spPr/>
+        <p:txBody>
+          <a:bodyPr/>
+          <a:lstStyle/>
+          <a:p>
+            <a:r>
+              <a:rPr lang="en-US" dirty="0" smtClean="0"/>
+              <a:t>Proof that your code works</a:t>
+            </a:r>
+          </a:p>
+          <a:p>
+            <a:r>
+              <a:rPr lang="en-US" dirty="0" smtClean="0"/>
+              <a:t>Fewer bugs (both now and in the future)</a:t>
+            </a:r>
+          </a:p>
+          <a:p>
+            <a:r>
+              <a:rPr lang="en-US" dirty="0" smtClean="0"/>
+              <a:t>Peace of mind</a:t>
+            </a:r>
+          </a:p>
+          <a:p>
+            <a:endParaRPr lang="en-US" dirty="0"/>
+          </a:p>
+        </p:txBody>
+      </p:sp>
+    </p:spTree>
+  </p:cSld>
+  <p:clrMapOvr>
+    <a:masterClrMapping/>
+  </p:clrMapOvr>
+  <p:timing>
+    <p:tnLst>
+      <p:par>
+        <p:cTn id="1" dur="indefinite" restart="never" nodeType="tmRoot"/>
+      </p:par>
+    </p:tnLst>
+  </p:timing>
+</p:sld>
+</file>
+
+<file path=ppt/slides/slide3.xml><?xml version="1.0" encoding="utf-8"?>
+<p:sld xmlns:a="http://schemas.openxmlformats.org/drawingml/2006/main" xmlns:r="http://schemas.openxmlformats.org/officeDocument/2006/relationships" xmlns:p="http://schemas.openxmlformats.org/presentationml/2006/main">
+  <p:cSld>
+    <p:spTree>
+      <p:nvGrpSpPr>
+        <p:cNvPr id="1" name=""/>
+        <p:cNvGrpSpPr/>
+        <p:nvPr/>
+      </p:nvGrpSpPr>
+      <p:grpSpPr>
+        <a:xfrm>
+          <a:off x="0" y="0"/>
+          <a:ext cx="0" cy="0"/>
+          <a:chOff x="0" y="0"/>
+          <a:chExt cx="0" cy="0"/>
+        </a:xfrm>
+      </p:grpSpPr>
+      <p:sp>
+        <p:nvSpPr>
+          <p:cNvPr id="2" name="Title 1"/>
+          <p:cNvSpPr>
+            <a:spLocks noGrp="1"/>
+          </p:cNvSpPr>
+          <p:nvPr>
+            <p:ph type="title"/>
+          </p:nvPr>
+        </p:nvSpPr>
+        <p:spPr/>
+        <p:txBody>
+          <a:bodyPr/>
+          <a:lstStyle/>
+          <a:p>
+            <a:r>
+              <a:rPr lang="en-US" dirty="0" smtClean="0"/>
+              <a:t>Example of a unit test</a:t>
+            </a:r>
+            <a:endParaRPr lang="en-US" dirty="0"/>
+          </a:p>
+        </p:txBody>
+      </p:sp>
+      <p:sp>
+        <p:nvSpPr>
+          <p:cNvPr id="3" name="Content Placeholder 2"/>
+          <p:cNvSpPr>
+            <a:spLocks noGrp="1"/>
+          </p:cNvSpPr>
+          <p:nvPr>
+            <p:ph idx="1"/>
+          </p:nvPr>
+        </p:nvSpPr>
+        <p:spPr>
+          <a:xfrm>
+            <a:off x="457200" y="1600200"/>
+            <a:ext cx="8229600" cy="3505200"/>
+          </a:xfrm>
+          <a:solidFill>
+            <a:schemeClr val="bg1">
+              <a:lumMod val="85000"/>
+            </a:schemeClr>
+          </a:solidFill>
+        </p:spPr>
+        <p:txBody>
+          <a:bodyPr>
+            <a:noAutofit/>
+          </a:bodyPr>
+          <a:lstStyle/>
+          <a:p>
+            <a:pPr>
+              <a:buNone/>
+            </a:pPr>
+            <a:r>
+              <a:rPr lang="en-US" sz="2200" b="1" dirty="0" smtClean="0">
+                <a:latin typeface="Courier New" pitchFamily="49" charset="0"/>
+                <a:cs typeface="Courier New" pitchFamily="49" charset="0"/>
+              </a:rPr>
+              <a:t>[</a:t>
+            </a:r>
+            <a:r>
+              <a:rPr lang="en-US" sz="2200" b="1" dirty="0" err="1" smtClean="0">
+                <a:latin typeface="Courier New" pitchFamily="49" charset="0"/>
+                <a:cs typeface="Courier New" pitchFamily="49" charset="0"/>
+              </a:rPr>
+              <a:t>TestFixture</a:t>
+            </a:r>
+            <a:r>
+              <a:rPr lang="en-US" sz="2200" b="1" dirty="0" smtClean="0">
+                <a:latin typeface="Courier New" pitchFamily="49" charset="0"/>
+                <a:cs typeface="Courier New" pitchFamily="49" charset="0"/>
+              </a:rPr>
+              <a:t>]</a:t>
+            </a:r>
+          </a:p>
+          <a:p>
+            <a:pPr>
+              <a:buNone/>
+            </a:pPr>
+            <a:r>
+              <a:rPr lang="en-US" sz="2200" b="1" dirty="0" smtClean="0">
+                <a:latin typeface="Courier New" pitchFamily="49" charset="0"/>
+                <a:cs typeface="Courier New" pitchFamily="49" charset="0"/>
+              </a:rPr>
+              <a:t>public class </a:t>
+            </a:r>
+            <a:r>
+              <a:rPr lang="en-US" sz="2200" b="1" dirty="0" err="1" smtClean="0">
+                <a:latin typeface="Courier New" pitchFamily="49" charset="0"/>
+                <a:cs typeface="Courier New" pitchFamily="49" charset="0"/>
+              </a:rPr>
+              <a:t>When_using_the_calculator</a:t>
+            </a:r>
+            <a:endParaRPr lang="en-US" sz="2200" b="1" dirty="0" smtClean="0">
+              <a:latin typeface="Courier New" pitchFamily="49" charset="0"/>
+              <a:cs typeface="Courier New" pitchFamily="49" charset="0"/>
+            </a:endParaRPr>
+          </a:p>
+          <a:p>
+            <a:pPr>
+              <a:buNone/>
+            </a:pPr>
+            <a:r>
+              <a:rPr lang="en-US" sz="2200" b="1" dirty="0" smtClean="0">
+                <a:latin typeface="Courier New" pitchFamily="49" charset="0"/>
+                <a:cs typeface="Courier New" pitchFamily="49" charset="0"/>
+              </a:rPr>
+              <a:t>{</a:t>
+            </a:r>
+          </a:p>
+          <a:p>
+            <a:pPr>
+              <a:buNone/>
+            </a:pPr>
+            <a:r>
+              <a:rPr lang="en-US" sz="2200" b="1" dirty="0" smtClean="0">
+                <a:latin typeface="Courier New" pitchFamily="49" charset="0"/>
+                <a:cs typeface="Courier New" pitchFamily="49" charset="0"/>
+              </a:rPr>
+              <a:t>    [Test]</a:t>
+            </a:r>
+          </a:p>
+          <a:p>
+            <a:pPr>
+              <a:buNone/>
+            </a:pPr>
+            <a:r>
+              <a:rPr lang="en-US" sz="2200" b="1" dirty="0" smtClean="0">
+                <a:latin typeface="Courier New" pitchFamily="49" charset="0"/>
+                <a:cs typeface="Courier New" pitchFamily="49" charset="0"/>
+              </a:rPr>
+              <a:t>    public void </a:t>
+            </a:r>
+            <a:r>
+              <a:rPr lang="en-US" sz="2200" b="1" dirty="0" err="1" smtClean="0">
+                <a:latin typeface="Courier New" pitchFamily="49" charset="0"/>
+                <a:cs typeface="Courier New" pitchFamily="49" charset="0"/>
+              </a:rPr>
+              <a:t>Should_add_two_numbers</a:t>
+            </a:r>
+            <a:r>
+              <a:rPr lang="en-US" sz="2200" b="1" dirty="0" smtClean="0">
+                <a:latin typeface="Courier New" pitchFamily="49" charset="0"/>
+                <a:cs typeface="Courier New" pitchFamily="49" charset="0"/>
+              </a:rPr>
+              <a:t>()</a:t>
+            </a:r>
+          </a:p>
+          <a:p>
+            <a:pPr>
+              <a:buNone/>
+            </a:pPr>
+            <a:r>
+              <a:rPr lang="en-US" sz="2200" b="1" dirty="0" smtClean="0">
+                <a:latin typeface="Courier New" pitchFamily="49" charset="0"/>
+                <a:cs typeface="Courier New" pitchFamily="49" charset="0"/>
+              </a:rPr>
+              <a:t>    {</a:t>
+            </a:r>
+          </a:p>
+          <a:p>
+            <a:pPr>
+              <a:buNone/>
+            </a:pPr>
+            <a:r>
+              <a:rPr lang="en-US" sz="2200" b="1" dirty="0" smtClean="0">
+                <a:latin typeface="Courier New" pitchFamily="49" charset="0"/>
+                <a:cs typeface="Courier New" pitchFamily="49" charset="0"/>
+              </a:rPr>
+              <a:t>        </a:t>
+            </a:r>
+            <a:r>
+              <a:rPr lang="en-US" sz="2200" b="1" dirty="0" err="1" smtClean="0">
+                <a:latin typeface="Courier New" pitchFamily="49" charset="0"/>
+                <a:cs typeface="Courier New" pitchFamily="49" charset="0"/>
+              </a:rPr>
+              <a:t>int</a:t>
+            </a:r>
+            <a:r>
+              <a:rPr lang="en-US" sz="2200" b="1" dirty="0" smtClean="0">
+                <a:latin typeface="Courier New" pitchFamily="49" charset="0"/>
+                <a:cs typeface="Courier New" pitchFamily="49" charset="0"/>
+              </a:rPr>
+              <a:t> result = new Calculator().Add(2, 3);</a:t>
+            </a:r>
+          </a:p>
+          <a:p>
+            <a:pPr>
+              <a:buNone/>
+            </a:pPr>
+            <a:r>
+              <a:rPr lang="en-US" sz="2200" b="1" dirty="0" smtClean="0">
+                <a:latin typeface="Courier New" pitchFamily="49" charset="0"/>
+                <a:cs typeface="Courier New" pitchFamily="49" charset="0"/>
+              </a:rPr>
+              <a:t>        </a:t>
+            </a:r>
+            <a:r>
+              <a:rPr lang="en-US" sz="2200" b="1" dirty="0" err="1" smtClean="0">
+                <a:latin typeface="Courier New" pitchFamily="49" charset="0"/>
+                <a:cs typeface="Courier New" pitchFamily="49" charset="0"/>
+              </a:rPr>
+              <a:t>result.ShouldEqual</a:t>
+            </a:r>
+            <a:r>
+              <a:rPr lang="en-US" sz="2200" b="1" dirty="0" smtClean="0">
+                <a:latin typeface="Courier New" pitchFamily="49" charset="0"/>
+                <a:cs typeface="Courier New" pitchFamily="49" charset="0"/>
+              </a:rPr>
+              <a:t>(5);</a:t>
+            </a:r>
+          </a:p>
+          <a:p>
+            <a:pPr>
+              <a:buNone/>
+            </a:pPr>
+            <a:r>
+              <a:rPr lang="en-US" sz="2200" b="1" dirty="0" smtClean="0">
+                <a:latin typeface="Courier New" pitchFamily="49" charset="0"/>
+                <a:cs typeface="Courier New" pitchFamily="49" charset="0"/>
+              </a:rPr>
+              <a:t>    }</a:t>
+            </a:r>
+          </a:p>
+          <a:p>
+            <a:pPr>
+              <a:buNone/>
+            </a:pPr>
+            <a:r>
+              <a:rPr lang="en-US" sz="2200" b="1" dirty="0" smtClean="0">
+                <a:latin typeface="Courier New" pitchFamily="49" charset="0"/>
+                <a:cs typeface="Courier New" pitchFamily="49" charset="0"/>
+              </a:rPr>
+              <a:t>}</a:t>
+            </a:r>
+            <a:endParaRPr lang="en-US" sz="2200" b="1" dirty="0">
+              <a:latin typeface="Courier New" pitchFamily="49" charset="0"/>
+              <a:cs typeface="Courier New" pitchFamily="49" charset="0"/>
+            </a:endParaRPr>
+          </a:p>
+        </p:txBody>
+      </p:sp>
+    </p:spTree>
+  </p:cSld>
+  <p:clrMapOvr>
+    <a:masterClrMapping/>
+  </p:clrMapOvr>
+  <p:timing>
+    <p:tnLst>
+      <p:par>
+        <p:cTn id="1" dur="indefinite" restart="never" nodeType="tmRoot"/>
+      </p:par>
+    </p:tnLst>
+  </p:timing>
+</p:sld>
+</file>
+
+<file path=ppt/slides/slide30.xml><?xml version="1.0" encoding="utf-8"?>
+<p:sld xmlns:a="http://schemas.openxmlformats.org/drawingml/2006/main" xmlns:r="http://schemas.openxmlformats.org/officeDocument/2006/relationships" xmlns:p="http://schemas.openxmlformats.org/presentationml/2006/main">
+  <p:cSld>
+    <p:spTree>
+      <p:nvGrpSpPr>
+        <p:cNvPr id="1" name=""/>
+        <p:cNvGrpSpPr/>
+        <p:nvPr/>
+      </p:nvGrpSpPr>
+      <p:grpSpPr>
+        <a:xfrm>
+          <a:off x="0" y="0"/>
+          <a:ext cx="0" cy="0"/>
+          <a:chOff x="0" y="0"/>
+          <a:chExt cx="0" cy="0"/>
+        </a:xfrm>
+      </p:grpSpPr>
+      <p:sp>
+        <p:nvSpPr>
+          <p:cNvPr id="4" name="Rectangle 3"/>
+          <p:cNvSpPr/>
+          <p:nvPr/>
+        </p:nvSpPr>
+        <p:spPr>
+          <a:xfrm>
+            <a:off x="457200" y="1981200"/>
+            <a:ext cx="8229600" cy="3785652"/>
+          </a:xfrm>
+          <a:prstGeom prst="rect">
+            <a:avLst/>
+          </a:prstGeom>
+        </p:spPr>
+        <p:txBody>
+          <a:bodyPr wrap="square">
+            <a:spAutoFit/>
+          </a:bodyPr>
+          <a:lstStyle/>
+          <a:p>
+            <a:pPr>
+              <a:tabLst>
+                <a:tab pos="355600" algn="l"/>
+                <a:tab pos="711200" algn="l"/>
+                <a:tab pos="1066800" algn="l"/>
+                <a:tab pos="1422400" algn="l"/>
+                <a:tab pos="1778000" algn="l"/>
+                <a:tab pos="2133600" algn="l"/>
+                <a:tab pos="2489200" algn="l"/>
+                <a:tab pos="2844800" algn="l"/>
+                <a:tab pos="3200400" algn="l"/>
+                <a:tab pos="3556000" algn="l"/>
+                <a:tab pos="3911600" algn="l"/>
+                <a:tab pos="4267200" algn="l"/>
+                <a:tab pos="355600" algn="l"/>
+                <a:tab pos="711200" algn="l"/>
+                <a:tab pos="1066800" algn="l"/>
+                <a:tab pos="1422400" algn="l"/>
+                <a:tab pos="1778000" algn="l"/>
+                <a:tab pos="2133600" algn="l"/>
+                <a:tab pos="2489200" algn="l"/>
+                <a:tab pos="2844800" algn="l"/>
+                <a:tab pos="3200400" algn="l"/>
+                <a:tab pos="3556000" algn="l"/>
+                <a:tab pos="3911600" algn="l"/>
+                <a:tab pos="4267200" algn="l"/>
+              </a:tabLst>
+            </a:pPr>
+            <a:r>
+              <a:rPr lang="en-US" sz="5400" dirty="0" smtClean="0">
+                <a:latin typeface="+mj-lt"/>
+                <a:ea typeface="Optima" charset="0"/>
+                <a:cs typeface="Optima" charset="0"/>
+                <a:sym typeface="Optima" charset="0"/>
+              </a:rPr>
+              <a:t>“Clean code that works is the goal of Test Driven Development.”</a:t>
+            </a:r>
+          </a:p>
+          <a:p>
+            <a:pPr>
+              <a:tabLst>
+                <a:tab pos="355600" algn="l"/>
+                <a:tab pos="711200" algn="l"/>
+                <a:tab pos="1066800" algn="l"/>
+                <a:tab pos="1422400" algn="l"/>
+                <a:tab pos="1778000" algn="l"/>
+                <a:tab pos="2133600" algn="l"/>
+                <a:tab pos="2489200" algn="l"/>
+                <a:tab pos="2844800" algn="l"/>
+                <a:tab pos="3200400" algn="l"/>
+                <a:tab pos="3556000" algn="l"/>
+                <a:tab pos="3911600" algn="l"/>
+                <a:tab pos="4267200" algn="l"/>
+                <a:tab pos="355600" algn="l"/>
+                <a:tab pos="711200" algn="l"/>
+                <a:tab pos="1066800" algn="l"/>
+                <a:tab pos="1422400" algn="l"/>
+                <a:tab pos="1778000" algn="l"/>
+                <a:tab pos="2133600" algn="l"/>
+                <a:tab pos="2489200" algn="l"/>
+                <a:tab pos="2844800" algn="l"/>
+                <a:tab pos="3200400" algn="l"/>
+                <a:tab pos="3556000" algn="l"/>
+                <a:tab pos="3911600" algn="l"/>
+                <a:tab pos="4267200" algn="l"/>
+              </a:tabLst>
+            </a:pPr>
+            <a:endParaRPr lang="en-US" sz="2400" dirty="0" smtClean="0">
+              <a:latin typeface="+mj-lt"/>
+              <a:ea typeface="Optima" charset="0"/>
+              <a:cs typeface="Optima" charset="0"/>
+              <a:sym typeface="Optima" charset="0"/>
+            </a:endParaRPr>
+          </a:p>
+          <a:p>
+            <a:pPr algn="r">
+              <a:tabLst>
+                <a:tab pos="355600" algn="l"/>
+                <a:tab pos="711200" algn="l"/>
+                <a:tab pos="1066800" algn="l"/>
+                <a:tab pos="1422400" algn="l"/>
+                <a:tab pos="1778000" algn="l"/>
+                <a:tab pos="2133600" algn="l"/>
+                <a:tab pos="2489200" algn="l"/>
+                <a:tab pos="2844800" algn="l"/>
+                <a:tab pos="3200400" algn="l"/>
+                <a:tab pos="3556000" algn="l"/>
+                <a:tab pos="3911600" algn="l"/>
+                <a:tab pos="4267200" algn="l"/>
+                <a:tab pos="355600" algn="l"/>
+                <a:tab pos="711200" algn="l"/>
+                <a:tab pos="1066800" algn="l"/>
+                <a:tab pos="1422400" algn="l"/>
+                <a:tab pos="1778000" algn="l"/>
+                <a:tab pos="2133600" algn="l"/>
+                <a:tab pos="2489200" algn="l"/>
+                <a:tab pos="2844800" algn="l"/>
+                <a:tab pos="3200400" algn="l"/>
+                <a:tab pos="3556000" algn="l"/>
+                <a:tab pos="3911600" algn="l"/>
+                <a:tab pos="4267200" algn="l"/>
+              </a:tabLst>
+            </a:pPr>
+            <a:endParaRPr lang="en-US" sz="2400" dirty="0" smtClean="0">
+              <a:latin typeface="+mj-lt"/>
+              <a:ea typeface="Optima" charset="0"/>
+              <a:cs typeface="Optima" charset="0"/>
+              <a:sym typeface="Optima" charset="0"/>
+            </a:endParaRPr>
+          </a:p>
+          <a:p>
+            <a:pPr algn="r">
+              <a:tabLst>
+                <a:tab pos="355600" algn="l"/>
+                <a:tab pos="711200" algn="l"/>
+                <a:tab pos="1066800" algn="l"/>
+                <a:tab pos="1422400" algn="l"/>
+                <a:tab pos="1778000" algn="l"/>
+                <a:tab pos="2133600" algn="l"/>
+                <a:tab pos="2489200" algn="l"/>
+                <a:tab pos="2844800" algn="l"/>
+                <a:tab pos="3200400" algn="l"/>
+                <a:tab pos="3556000" algn="l"/>
+                <a:tab pos="3911600" algn="l"/>
+                <a:tab pos="4267200" algn="l"/>
+                <a:tab pos="355600" algn="l"/>
+                <a:tab pos="711200" algn="l"/>
+                <a:tab pos="1066800" algn="l"/>
+                <a:tab pos="1422400" algn="l"/>
+                <a:tab pos="1778000" algn="l"/>
+                <a:tab pos="2133600" algn="l"/>
+                <a:tab pos="2489200" algn="l"/>
+                <a:tab pos="2844800" algn="l"/>
+                <a:tab pos="3200400" algn="l"/>
+                <a:tab pos="3556000" algn="l"/>
+                <a:tab pos="3911600" algn="l"/>
+                <a:tab pos="4267200" algn="l"/>
+              </a:tabLst>
+            </a:pPr>
+            <a:r>
+              <a:rPr lang="en-US" sz="3000" dirty="0" smtClean="0">
+                <a:latin typeface="+mj-lt"/>
+                <a:ea typeface="Optima" charset="0"/>
+                <a:cs typeface="Optima" charset="0"/>
+                <a:sym typeface="Optima" charset="0"/>
+              </a:rPr>
+              <a:t>-- Ron Jeffries</a:t>
+            </a:r>
+            <a:endParaRPr lang="en-US" sz="3000" dirty="0">
+              <a:latin typeface="+mj-lt"/>
+              <a:ea typeface="Optima" charset="0"/>
+              <a:cs typeface="Optima" charset="0"/>
+              <a:sym typeface="Optima" charset="0"/>
+            </a:endParaRPr>
+          </a:p>
+        </p:txBody>
+      </p:sp>
+    </p:spTree>
+  </p:cSld>
+  <p:clrMapOvr>
+    <a:masterClrMapping/>
+  </p:clrMapOvr>
+  <p:timing>
+    <p:tnLst>
+      <p:par>
+        <p:cTn id="1" dur="indefinite" restart="never" nodeType="tmRoot"/>
+      </p:par>
+    </p:tnLst>
+  </p:timing>
+</p:sld>
+</file>
+
+<file path=ppt/slides/slide31.xml><?xml version="1.0" encoding="utf-8"?>
+<p:sld xmlns:a="http://schemas.openxmlformats.org/drawingml/2006/main" xmlns:r="http://schemas.openxmlformats.org/officeDocument/2006/relationships" xmlns:p="http://schemas.openxmlformats.org/presentationml/2006/main">
+  <p:cSld>
+    <p:spTree>
+      <p:nvGrpSpPr>
+        <p:cNvPr id="1" name=""/>
+        <p:cNvGrpSpPr/>
+        <p:nvPr/>
+      </p:nvGrpSpPr>
+      <p:grpSpPr>
+        <a:xfrm>
+          <a:off x="0" y="0"/>
+          <a:ext cx="0" cy="0"/>
+          <a:chOff x="0" y="0"/>
+          <a:chExt cx="0" cy="0"/>
+        </a:xfrm>
+      </p:grpSpPr>
+      <p:sp>
+        <p:nvSpPr>
+          <p:cNvPr id="2" name="Title 1"/>
+          <p:cNvSpPr>
+            <a:spLocks noGrp="1"/>
+          </p:cNvSpPr>
+          <p:nvPr>
+            <p:ph type="title"/>
+          </p:nvPr>
+        </p:nvSpPr>
+        <p:spPr/>
+        <p:txBody>
+          <a:bodyPr/>
+          <a:lstStyle/>
+          <a:p>
+            <a:r>
+              <a:rPr lang="en-US" dirty="0" smtClean="0"/>
               <a:t>The Cost of Unit Testing</a:t>
             </a:r>
             <a:endParaRPr lang="en-US" dirty="0"/>
@@ -5860,7 +7199,7 @@
 </p:sld>
 </file>
 
-<file path=ppt/slides/slide22.xml><?xml version="1.0" encoding="utf-8"?>
+<file path=ppt/slides/slide32.xml><?xml version="1.0" encoding="utf-8"?>
 <p:sld xmlns:a="http://schemas.openxmlformats.org/drawingml/2006/main" xmlns:r="http://schemas.openxmlformats.org/officeDocument/2006/relationships" xmlns:p="http://schemas.openxmlformats.org/presentationml/2006/main">
   <p:cSld>
     <p:spTree>
@@ -5980,7 +7319,7 @@
 </p:sld>
 </file>
 
-<file path=ppt/slides/slide23.xml><?xml version="1.0" encoding="utf-8"?>
+<file path=ppt/slides/slide33.xml><?xml version="1.0" encoding="utf-8"?>
 <p:sld xmlns:a="http://schemas.openxmlformats.org/drawingml/2006/main" xmlns:r="http://schemas.openxmlformats.org/officeDocument/2006/relationships" xmlns:p="http://schemas.openxmlformats.org/presentationml/2006/main">
   <p:cSld>
     <p:spTree>
@@ -6060,7 +7399,7 @@
 </p:sld>
 </file>
 
-<file path=ppt/slides/slide24.xml><?xml version="1.0" encoding="utf-8"?>
+<file path=ppt/slides/slide34.xml><?xml version="1.0" encoding="utf-8"?>
 <p:sld xmlns:a="http://schemas.openxmlformats.org/drawingml/2006/main" xmlns:r="http://schemas.openxmlformats.org/officeDocument/2006/relationships" xmlns:p="http://schemas.openxmlformats.org/presentationml/2006/main">
   <p:cSld>
     <p:spTree>
@@ -6151,7 +7490,7 @@
 </p:sld>
 </file>
 
-<file path=ppt/slides/slide25.xml><?xml version="1.0" encoding="utf-8"?>
+<file path=ppt/slides/slide35.xml><?xml version="1.0" encoding="utf-8"?>
 <p:sld xmlns:a="http://schemas.openxmlformats.org/drawingml/2006/main" xmlns:r="http://schemas.openxmlformats.org/officeDocument/2006/relationships" xmlns:p="http://schemas.openxmlformats.org/presentationml/2006/main">
   <p:cSld>
     <p:spTree>
@@ -6258,7 +7597,7 @@
 </p:sld>
 </file>
 
-<file path=ppt/slides/slide26.xml><?xml version="1.0" encoding="utf-8"?>
+<file path=ppt/slides/slide36.xml><?xml version="1.0" encoding="utf-8"?>
 <p:sld xmlns:a="http://schemas.openxmlformats.org/drawingml/2006/main" xmlns:r="http://schemas.openxmlformats.org/officeDocument/2006/relationships" xmlns:p="http://schemas.openxmlformats.org/presentationml/2006/main">
   <p:cSld>
     <p:spTree>
@@ -6399,11 +7738,7 @@
           <a:p>
             <a:r>
               <a:rPr lang="en-US" sz="2400" dirty="0" smtClean="0"/>
-              <a:t>Then the </a:t>
-            </a:r>
-            <a:r>
-              <a:rPr lang="en-US" sz="2400" dirty="0" smtClean="0"/>
-              <a:t>money should be added to the destination account </a:t>
+              <a:t>Then the money should be added to the destination account </a:t>
             </a:r>
             <a:endParaRPr lang="en-US" sz="2400" dirty="0"/>
           </a:p>
@@ -6424,7 +7759,7 @@
 </p:sld>
 </file>
 
-<file path=ppt/slides/slide27.xml><?xml version="1.0" encoding="utf-8"?>
+<file path=ppt/slides/slide37.xml><?xml version="1.0" encoding="utf-8"?>
 <p:sld xmlns:a="http://schemas.openxmlformats.org/drawingml/2006/main" xmlns:r="http://schemas.openxmlformats.org/officeDocument/2006/relationships" xmlns:p="http://schemas.openxmlformats.org/presentationml/2006/main">
   <p:cSld>
     <p:spTree>
@@ -6509,7 +7844,7 @@
 </p:sld>
 </file>
 
-<file path=ppt/slides/slide28.xml><?xml version="1.0" encoding="utf-8"?>
+<file path=ppt/slides/slide38.xml><?xml version="1.0" encoding="utf-8"?>
 <p:sld xmlns:a="http://schemas.openxmlformats.org/drawingml/2006/main" xmlns:r="http://schemas.openxmlformats.org/officeDocument/2006/relationships" xmlns:p="http://schemas.openxmlformats.org/presentationml/2006/main">
   <p:cSld>
     <p:spTree>
@@ -6779,11 +8114,6 @@
               </a:rPr>
               <a:t>_transferring_money_from_the_source_account_to_another_account </a:t>
             </a:r>
-            <a:endParaRPr lang="en-US" sz="1400" b="1" kern="0" baseline="0" dirty="0" smtClean="0">
-              <a:latin typeface="Courier New" pitchFamily="49" charset="0"/>
-              <a:ea typeface="+mn-lt"/>
-              <a:cs typeface="Courier New" pitchFamily="49" charset="0"/>
-            </a:endParaRPr>
           </a:p>
           <a:p>
             <a:pPr lvl="0" indent="-274320">
@@ -7298,7 +8628,7 @@
 </p:sld>
 </file>
 
-<file path=ppt/slides/slide29.xml><?xml version="1.0" encoding="utf-8"?>
+<file path=ppt/slides/slide39.xml><?xml version="1.0" encoding="utf-8"?>
 <p:sld xmlns:a="http://schemas.openxmlformats.org/drawingml/2006/main" xmlns:r="http://schemas.openxmlformats.org/officeDocument/2006/relationships" xmlns:p="http://schemas.openxmlformats.org/presentationml/2006/main">
   <p:cSld>
     <p:spTree>
@@ -8345,7 +9675,7 @@
 </p:sld>
 </file>
 
-<file path=ppt/slides/slide3.xml><?xml version="1.0" encoding="utf-8"?>
+<file path=ppt/slides/slide4.xml><?xml version="1.0" encoding="utf-8"?>
 <p:sld xmlns:a="http://schemas.openxmlformats.org/drawingml/2006/main" xmlns:r="http://schemas.openxmlformats.org/officeDocument/2006/relationships" xmlns:p="http://schemas.openxmlformats.org/presentationml/2006/main">
   <p:cSld>
     <p:spTree>
@@ -8379,7 +9709,7 @@
           <a:p>
             <a:r>
               <a:rPr lang="en-US" dirty="0" smtClean="0"/>
-              <a:t>Example of a unit test</a:t>
+              <a:t>Unit Tests vs. Integration Tests</a:t>
             </a:r>
             <a:endParaRPr lang="en-US" dirty="0"/>
           </a:p>
@@ -8395,212 +9725,72 @@
             <p:ph idx="1"/>
           </p:nvPr>
         </p:nvSpPr>
-        <p:spPr>
-          <a:xfrm>
-            <a:off x="457200" y="1600200"/>
-            <a:ext cx="8229600" cy="3505200"/>
-          </a:xfrm>
-          <a:solidFill>
-            <a:schemeClr val="bg1">
-              <a:lumMod val="85000"/>
-            </a:schemeClr>
-          </a:solidFill>
-        </p:spPr>
-        <p:txBody>
-          <a:bodyPr>
-            <a:noAutofit/>
-          </a:bodyPr>
+        <p:spPr/>
+        <p:txBody>
+          <a:bodyPr/>
           <a:lstStyle/>
           <a:p>
-            <a:pPr>
-              <a:buNone/>
-            </a:pPr>
-            <a:r>
-              <a:rPr lang="en-US" sz="2200" b="1" dirty="0" smtClean="0">
-                <a:latin typeface="Courier New" pitchFamily="49" charset="0"/>
-                <a:cs typeface="Courier New" pitchFamily="49" charset="0"/>
-              </a:rPr>
-              <a:t>[</a:t>
-            </a:r>
-            <a:r>
-              <a:rPr lang="en-US" sz="2200" b="1" dirty="0" err="1" smtClean="0">
-                <a:latin typeface="Courier New" pitchFamily="49" charset="0"/>
-                <a:cs typeface="Courier New" pitchFamily="49" charset="0"/>
-              </a:rPr>
-              <a:t>TestFixture</a:t>
-            </a:r>
-            <a:r>
-              <a:rPr lang="en-US" sz="2200" b="1" dirty="0" smtClean="0">
-                <a:latin typeface="Courier New" pitchFamily="49" charset="0"/>
-                <a:cs typeface="Courier New" pitchFamily="49" charset="0"/>
-              </a:rPr>
-              <a:t>]</a:t>
-            </a:r>
-          </a:p>
-          <a:p>
-            <a:pPr>
-              <a:buNone/>
-            </a:pPr>
-            <a:r>
-              <a:rPr lang="en-US" sz="2200" b="1" dirty="0" smtClean="0">
-                <a:latin typeface="Courier New" pitchFamily="49" charset="0"/>
-                <a:cs typeface="Courier New" pitchFamily="49" charset="0"/>
-              </a:rPr>
-              <a:t>public class </a:t>
-            </a:r>
-            <a:r>
-              <a:rPr lang="en-US" sz="2200" b="1" dirty="0" err="1" smtClean="0">
-                <a:latin typeface="Courier New" pitchFamily="49" charset="0"/>
-                <a:cs typeface="Courier New" pitchFamily="49" charset="0"/>
-              </a:rPr>
-              <a:t>When_using_the_calculator</a:t>
-            </a:r>
-            <a:endParaRPr lang="en-US" sz="2200" b="1" dirty="0" smtClean="0">
-              <a:latin typeface="Courier New" pitchFamily="49" charset="0"/>
-              <a:cs typeface="Courier New" pitchFamily="49" charset="0"/>
-            </a:endParaRPr>
-          </a:p>
-          <a:p>
-            <a:pPr>
-              <a:buNone/>
-            </a:pPr>
-            <a:r>
-              <a:rPr lang="en-US" sz="2200" b="1" dirty="0" smtClean="0">
-                <a:latin typeface="Courier New" pitchFamily="49" charset="0"/>
-                <a:cs typeface="Courier New" pitchFamily="49" charset="0"/>
-              </a:rPr>
-              <a:t>{</a:t>
-            </a:r>
-          </a:p>
-          <a:p>
-            <a:pPr>
-              <a:buNone/>
-            </a:pPr>
-            <a:r>
-              <a:rPr lang="en-US" sz="2200" b="1" dirty="0" smtClean="0">
-                <a:latin typeface="Courier New" pitchFamily="49" charset="0"/>
-                <a:cs typeface="Courier New" pitchFamily="49" charset="0"/>
-              </a:rPr>
-              <a:t>    [Test]</a:t>
-            </a:r>
-          </a:p>
-          <a:p>
-            <a:pPr>
-              <a:buNone/>
-            </a:pPr>
-            <a:r>
-              <a:rPr lang="en-US" sz="2200" b="1" dirty="0" smtClean="0">
-                <a:latin typeface="Courier New" pitchFamily="49" charset="0"/>
-                <a:cs typeface="Courier New" pitchFamily="49" charset="0"/>
-              </a:rPr>
-              <a:t>    public void </a:t>
-            </a:r>
-            <a:r>
-              <a:rPr lang="en-US" sz="2200" b="1" dirty="0" err="1" smtClean="0">
-                <a:latin typeface="Courier New" pitchFamily="49" charset="0"/>
-                <a:cs typeface="Courier New" pitchFamily="49" charset="0"/>
-              </a:rPr>
-              <a:t>Should_add_two_numbers</a:t>
-            </a:r>
-            <a:r>
-              <a:rPr lang="en-US" sz="2200" b="1" dirty="0" smtClean="0">
-                <a:latin typeface="Courier New" pitchFamily="49" charset="0"/>
-                <a:cs typeface="Courier New" pitchFamily="49" charset="0"/>
-              </a:rPr>
-              <a:t>()</a:t>
-            </a:r>
-          </a:p>
-          <a:p>
-            <a:pPr>
-              <a:buNone/>
-            </a:pPr>
-            <a:r>
-              <a:rPr lang="en-US" sz="2200" b="1" dirty="0" smtClean="0">
-                <a:latin typeface="Courier New" pitchFamily="49" charset="0"/>
-                <a:cs typeface="Courier New" pitchFamily="49" charset="0"/>
-              </a:rPr>
-              <a:t>    {</a:t>
-            </a:r>
-          </a:p>
-          <a:p>
-            <a:pPr>
-              <a:buNone/>
-            </a:pPr>
-            <a:r>
-              <a:rPr lang="en-US" sz="2200" b="1" dirty="0" smtClean="0">
-                <a:latin typeface="Courier New" pitchFamily="49" charset="0"/>
-                <a:cs typeface="Courier New" pitchFamily="49" charset="0"/>
-              </a:rPr>
-              <a:t>        </a:t>
-            </a:r>
-            <a:r>
-              <a:rPr lang="en-US" sz="2200" b="1" dirty="0" err="1" smtClean="0">
-                <a:latin typeface="Courier New" pitchFamily="49" charset="0"/>
-                <a:cs typeface="Courier New" pitchFamily="49" charset="0"/>
-              </a:rPr>
-              <a:t>int</a:t>
-            </a:r>
-            <a:r>
-              <a:rPr lang="en-US" sz="2200" b="1" dirty="0" smtClean="0">
-                <a:latin typeface="Courier New" pitchFamily="49" charset="0"/>
-                <a:cs typeface="Courier New" pitchFamily="49" charset="0"/>
-              </a:rPr>
-              <a:t> result = new Calculator().Add(2, 3);</a:t>
-            </a:r>
-          </a:p>
-          <a:p>
-            <a:pPr>
-              <a:buNone/>
-            </a:pPr>
-            <a:r>
-              <a:rPr lang="en-US" sz="2200" b="1" dirty="0" smtClean="0">
-                <a:latin typeface="Courier New" pitchFamily="49" charset="0"/>
-                <a:cs typeface="Courier New" pitchFamily="49" charset="0"/>
-              </a:rPr>
-              <a:t>        </a:t>
-            </a:r>
-            <a:r>
-              <a:rPr lang="en-US" sz="2200" b="1" dirty="0" err="1" smtClean="0">
-                <a:latin typeface="Courier New" pitchFamily="49" charset="0"/>
-                <a:cs typeface="Courier New" pitchFamily="49" charset="0"/>
-              </a:rPr>
-              <a:t>result.ShouldEqual</a:t>
-            </a:r>
-            <a:r>
-              <a:rPr lang="en-US" sz="2200" b="1" dirty="0" smtClean="0">
-                <a:latin typeface="Courier New" pitchFamily="49" charset="0"/>
-                <a:cs typeface="Courier New" pitchFamily="49" charset="0"/>
-              </a:rPr>
-              <a:t>(5);</a:t>
-            </a:r>
-          </a:p>
-          <a:p>
-            <a:pPr>
-              <a:buNone/>
-            </a:pPr>
-            <a:r>
-              <a:rPr lang="en-US" sz="2200" b="1" dirty="0" smtClean="0">
-                <a:latin typeface="Courier New" pitchFamily="49" charset="0"/>
-                <a:cs typeface="Courier New" pitchFamily="49" charset="0"/>
-              </a:rPr>
-              <a:t>    }</a:t>
-            </a:r>
-          </a:p>
-          <a:p>
-            <a:pPr>
-              <a:buNone/>
-            </a:pPr>
-            <a:r>
-              <a:rPr lang="en-US" sz="2200" b="1" dirty="0" smtClean="0">
-                <a:latin typeface="Courier New" pitchFamily="49" charset="0"/>
-                <a:cs typeface="Courier New" pitchFamily="49" charset="0"/>
-              </a:rPr>
-              <a:t>}</a:t>
-            </a:r>
-            <a:endParaRPr lang="en-US" sz="2200" b="1" dirty="0">
-              <a:latin typeface="Courier New" pitchFamily="49" charset="0"/>
-              <a:cs typeface="Courier New" pitchFamily="49" charset="0"/>
-            </a:endParaRPr>
+            <a:r>
+              <a:rPr lang="en-US" dirty="0" smtClean="0"/>
+              <a:t>Unit tests:</a:t>
+            </a:r>
+          </a:p>
+          <a:p>
+            <a:pPr lvl="1"/>
+            <a:r>
+              <a:rPr lang="en-US" dirty="0" smtClean="0"/>
+              <a:t>Tests a small unit of functionality</a:t>
+            </a:r>
+          </a:p>
+          <a:p>
+            <a:pPr lvl="1"/>
+            <a:r>
+              <a:rPr lang="en-US" smtClean="0"/>
+              <a:t>Mock or “fake </a:t>
+            </a:r>
+            <a:r>
+              <a:rPr lang="en-US" dirty="0" smtClean="0"/>
+              <a:t>out” external dependencies (e.g. databases)</a:t>
+            </a:r>
+          </a:p>
+          <a:p>
+            <a:pPr lvl="1"/>
+            <a:r>
+              <a:rPr lang="en-US" dirty="0" smtClean="0"/>
+              <a:t>Run fast</a:t>
+            </a:r>
+          </a:p>
+          <a:p>
+            <a:pPr lvl="1"/>
+            <a:endParaRPr lang="en-US" dirty="0" smtClean="0"/>
+          </a:p>
+          <a:p>
+            <a:r>
+              <a:rPr lang="en-US" dirty="0" smtClean="0"/>
+              <a:t>Integration tests:</a:t>
+            </a:r>
+          </a:p>
+          <a:p>
+            <a:pPr lvl="1"/>
+            <a:r>
+              <a:rPr lang="en-US" dirty="0" smtClean="0"/>
+              <a:t>Test the whole system working together</a:t>
+            </a:r>
+          </a:p>
+          <a:p>
+            <a:pPr lvl="1"/>
+            <a:r>
+              <a:rPr lang="en-US" dirty="0" smtClean="0"/>
+              <a:t>Can run slow</a:t>
+            </a:r>
+          </a:p>
+          <a:p>
+            <a:pPr lvl="1"/>
+            <a:r>
+              <a:rPr lang="en-US" dirty="0" smtClean="0"/>
+              <a:t>Can be brittle</a:t>
+            </a:r>
+            <a:endParaRPr lang="en-US" dirty="0"/>
           </a:p>
         </p:txBody>
       </p:sp>
@@ -8619,7 +9809,7 @@
 </p:sld>
 </file>
 
-<file path=ppt/slides/slide30.xml><?xml version="1.0" encoding="utf-8"?>
+<file path=ppt/slides/slide40.xml><?xml version="1.0" encoding="utf-8"?>
 <p:sld xmlns:a="http://schemas.openxmlformats.org/drawingml/2006/main" xmlns:r="http://schemas.openxmlformats.org/officeDocument/2006/relationships" xmlns:p="http://schemas.openxmlformats.org/presentationml/2006/main">
   <p:cSld>
     <p:spTree>
@@ -10545,7 +11735,7 @@
 </p:sld>
 </file>
 
-<file path=ppt/slides/slide31.xml><?xml version="1.0" encoding="utf-8"?>
+<file path=ppt/slides/slide41.xml><?xml version="1.0" encoding="utf-8"?>
 <p:sld xmlns:a="http://schemas.openxmlformats.org/drawingml/2006/main" xmlns:r="http://schemas.openxmlformats.org/officeDocument/2006/relationships" xmlns:p="http://schemas.openxmlformats.org/presentationml/2006/main">
   <p:cSld>
     <p:spTree>
@@ -10645,7 +11835,7 @@
 </p:sld>
 </file>
 
-<file path=ppt/slides/slide32.xml><?xml version="1.0" encoding="utf-8"?>
+<file path=ppt/slides/slide42.xml><?xml version="1.0" encoding="utf-8"?>
 <p:sld xmlns:a="http://schemas.openxmlformats.org/drawingml/2006/main" xmlns:r="http://schemas.openxmlformats.org/officeDocument/2006/relationships" xmlns:p="http://schemas.openxmlformats.org/presentationml/2006/main">
   <p:cSld>
     <p:spTree>
@@ -10926,7 +12116,7 @@
 </p:sld>
 </file>
 
-<file path=ppt/slides/slide33.xml><?xml version="1.0" encoding="utf-8"?>
+<file path=ppt/slides/slide43.xml><?xml version="1.0" encoding="utf-8"?>
 <p:sld xmlns:a="http://schemas.openxmlformats.org/drawingml/2006/main" xmlns:r="http://schemas.openxmlformats.org/officeDocument/2006/relationships" xmlns:p="http://schemas.openxmlformats.org/presentationml/2006/main">
   <p:cSld>
     <p:spTree>
@@ -11017,7 +12207,7 @@
 </p:sld>
 </file>
 
-<file path=ppt/slides/slide34.xml><?xml version="1.0" encoding="utf-8"?>
+<file path=ppt/slides/slide44.xml><?xml version="1.0" encoding="utf-8"?>
 <p:sld xmlns:a="http://schemas.openxmlformats.org/drawingml/2006/main" xmlns:r="http://schemas.openxmlformats.org/officeDocument/2006/relationships" xmlns:p="http://schemas.openxmlformats.org/presentationml/2006/main">
   <p:cSld>
     <p:spTree>
@@ -11116,7 +12306,7 @@
 </p:sld>
 </file>
 
-<file path=ppt/slides/slide35.xml><?xml version="1.0" encoding="utf-8"?>
+<file path=ppt/slides/slide45.xml><?xml version="1.0" encoding="utf-8"?>
 <p:sld xmlns:a="http://schemas.openxmlformats.org/drawingml/2006/main" xmlns:r="http://schemas.openxmlformats.org/officeDocument/2006/relationships" xmlns:p="http://schemas.openxmlformats.org/presentationml/2006/main">
   <p:cSld>
     <p:spTree>
@@ -12568,7 +13758,7 @@
 </p:sld>
 </file>
 
-<file path=ppt/slides/slide36.xml><?xml version="1.0" encoding="utf-8"?>
+<file path=ppt/slides/slide46.xml><?xml version="1.0" encoding="utf-8"?>
 <p:sld xmlns:a="http://schemas.openxmlformats.org/drawingml/2006/main" xmlns:r="http://schemas.openxmlformats.org/officeDocument/2006/relationships" xmlns:p="http://schemas.openxmlformats.org/presentationml/2006/main">
   <p:cSld>
     <p:spTree>
@@ -13649,7 +14839,7 @@
 </p:sld>
 </file>
 
-<file path=ppt/slides/slide37.xml><?xml version="1.0" encoding="utf-8"?>
+<file path=ppt/slides/slide47.xml><?xml version="1.0" encoding="utf-8"?>
 <p:sld xmlns:a="http://schemas.openxmlformats.org/drawingml/2006/main" xmlns:r="http://schemas.openxmlformats.org/officeDocument/2006/relationships" xmlns:p="http://schemas.openxmlformats.org/presentationml/2006/main">
   <p:cSld>
     <p:spTree>
@@ -14242,7 +15432,7 @@
 </p:sld>
 </file>
 
-<file path=ppt/slides/slide38.xml><?xml version="1.0" encoding="utf-8"?>
+<file path=ppt/slides/slide48.xml><?xml version="1.0" encoding="utf-8"?>
 <p:sld xmlns:a="http://schemas.openxmlformats.org/drawingml/2006/main" xmlns:r="http://schemas.openxmlformats.org/officeDocument/2006/relationships" xmlns:p="http://schemas.openxmlformats.org/presentationml/2006/main">
   <p:cSld>
     <p:spTree>
@@ -14689,7 +15879,7 @@
 </p:sld>
 </file>
 
-<file path=ppt/slides/slide39.xml><?xml version="1.0" encoding="utf-8"?>
+<file path=ppt/slides/slide49.xml><?xml version="1.0" encoding="utf-8"?>
 <p:sld xmlns:a="http://schemas.openxmlformats.org/drawingml/2006/main" xmlns:r="http://schemas.openxmlformats.org/officeDocument/2006/relationships" xmlns:p="http://schemas.openxmlformats.org/presentationml/2006/main">
   <p:cSld>
     <p:spTree>
@@ -14904,7 +16094,7 @@
 </p:sld>
 </file>
 
-<file path=ppt/slides/slide4.xml><?xml version="1.0" encoding="utf-8"?>
+<file path=ppt/slides/slide5.xml><?xml version="1.0" encoding="utf-8"?>
 <p:sld xmlns:a="http://schemas.openxmlformats.org/drawingml/2006/main" xmlns:r="http://schemas.openxmlformats.org/officeDocument/2006/relationships" xmlns:p="http://schemas.openxmlformats.org/presentationml/2006/main">
   <p:cSld>
     <p:spTree>
@@ -14938,7 +16128,7 @@
           <a:p>
             <a:r>
               <a:rPr lang="en-US" dirty="0" smtClean="0"/>
-              <a:t>Unit Tests vs. Integration Tests</a:t>
+              <a:t>Unit Testing Frameworks</a:t>
             </a:r>
             <a:endParaRPr lang="en-US" dirty="0"/>
           </a:p>
@@ -14956,70 +16146,78 @@
         </p:nvSpPr>
         <p:spPr/>
         <p:txBody>
-          <a:bodyPr/>
+          <a:bodyPr>
+            <a:normAutofit/>
+          </a:bodyPr>
           <a:lstStyle/>
           <a:p>
             <a:r>
               <a:rPr lang="en-US" dirty="0" smtClean="0"/>
-              <a:t>Unit tests:</a:t>
+              <a:t>.NET</a:t>
             </a:r>
           </a:p>
           <a:p>
             <a:pPr lvl="1"/>
             <a:r>
+              <a:rPr lang="en-US" sz="2800" dirty="0" smtClean="0"/>
+              <a:t>NUnit, MSTest, </a:t>
+            </a:r>
+            <a:r>
+              <a:rPr lang="en-US" sz="2800" dirty="0" err="1" smtClean="0"/>
+              <a:t>MBUnit</a:t>
+            </a:r>
+            <a:r>
+              <a:rPr lang="en-US" sz="2800" dirty="0" smtClean="0"/>
+              <a:t>, </a:t>
+            </a:r>
+            <a:r>
+              <a:rPr lang="en-US" sz="2800" dirty="0" err="1" smtClean="0"/>
+              <a:t>xUnit</a:t>
+            </a:r>
+            <a:r>
+              <a:rPr lang="en-US" sz="2800" dirty="0" smtClean="0"/>
+              <a:t>, </a:t>
+            </a:r>
+            <a:r>
+              <a:rPr lang="en-US" sz="2800" dirty="0" err="1" smtClean="0"/>
+              <a:t>MSpec</a:t>
+            </a:r>
+            <a:endParaRPr lang="en-US" sz="2800" dirty="0" smtClean="0"/>
+          </a:p>
+          <a:p>
+            <a:r>
               <a:rPr lang="en-US" dirty="0" smtClean="0"/>
-              <a:t>Tests a small unit of functionality</a:t>
+              <a:t>Java</a:t>
             </a:r>
           </a:p>
           <a:p>
             <a:pPr lvl="1"/>
             <a:r>
-              <a:rPr lang="en-US" smtClean="0"/>
-              <a:t>Mock or “fake </a:t>
-            </a:r>
+              <a:rPr lang="en-US" sz="2800" dirty="0" err="1" smtClean="0"/>
+              <a:t>JUnit</a:t>
+            </a:r>
+            <a:r>
+              <a:rPr lang="en-US" sz="2800" dirty="0" smtClean="0"/>
+              <a:t>……</a:t>
+            </a:r>
+          </a:p>
+          <a:p>
             <a:r>
               <a:rPr lang="en-US" dirty="0" smtClean="0"/>
-              <a:t>out” external dependencies (e.g. databases)</a:t>
+              <a:t>Ruby</a:t>
             </a:r>
           </a:p>
           <a:p>
             <a:pPr lvl="1"/>
             <a:r>
-              <a:rPr lang="en-US" dirty="0" smtClean="0"/>
-              <a:t>Run fast</a:t>
-            </a:r>
-          </a:p>
-          <a:p>
-            <a:pPr lvl="1"/>
-            <a:endParaRPr lang="en-US" dirty="0" smtClean="0"/>
-          </a:p>
-          <a:p>
-            <a:r>
-              <a:rPr lang="en-US" dirty="0" smtClean="0"/>
-              <a:t>Integration tests:</a:t>
-            </a:r>
-          </a:p>
-          <a:p>
-            <a:pPr lvl="1"/>
-            <a:r>
-              <a:rPr lang="en-US" dirty="0" smtClean="0"/>
-              <a:t>Test the whole system working together</a:t>
-            </a:r>
-          </a:p>
-          <a:p>
-            <a:pPr lvl="1"/>
-            <a:r>
-              <a:rPr lang="en-US" dirty="0" smtClean="0"/>
-              <a:t>Can run slow</a:t>
-            </a:r>
-          </a:p>
-          <a:p>
-            <a:pPr lvl="1"/>
-            <a:r>
-              <a:rPr lang="en-US" dirty="0" smtClean="0"/>
-              <a:t>Can be brittle</a:t>
-            </a:r>
-            <a:endParaRPr lang="en-US" dirty="0"/>
+              <a:rPr lang="en-US" sz="2800" dirty="0" smtClean="0"/>
+              <a:t>RSpec, Test::Unit, </a:t>
+            </a:r>
+            <a:r>
+              <a:rPr lang="en-US" sz="2800" dirty="0" err="1" smtClean="0"/>
+              <a:t>Shoulda</a:t>
+            </a:r>
+            <a:endParaRPr lang="en-US" sz="2800" dirty="0"/>
           </a:p>
         </p:txBody>
       </p:sp>
@@ -15028,17 +16226,10 @@
   <p:clrMapOvr>
     <a:masterClrMapping/>
   </p:clrMapOvr>
-  <p:timing>
-    <p:tnLst>
-      <p:par>
-        <p:cTn id="1" dur="indefinite" restart="never" nodeType="tmRoot"/>
-      </p:par>
-    </p:tnLst>
-  </p:timing>
 </p:sld>
 </file>
 
-<file path=ppt/slides/slide40.xml><?xml version="1.0" encoding="utf-8"?>
+<file path=ppt/slides/slide50.xml><?xml version="1.0" encoding="utf-8"?>
 <p:sld xmlns:a="http://schemas.openxmlformats.org/drawingml/2006/main" xmlns:r="http://schemas.openxmlformats.org/officeDocument/2006/relationships" xmlns:p="http://schemas.openxmlformats.org/presentationml/2006/main">
   <p:cSld>
     <p:spTree>
@@ -15485,7 +16676,7 @@
 </p:sld>
 </file>
 
-<file path=ppt/slides/slide41.xml><?xml version="1.0" encoding="utf-8"?>
+<file path=ppt/slides/slide51.xml><?xml version="1.0" encoding="utf-8"?>
 <p:sld xmlns:a="http://schemas.openxmlformats.org/drawingml/2006/main" xmlns:r="http://schemas.openxmlformats.org/officeDocument/2006/relationships" xmlns:p="http://schemas.openxmlformats.org/presentationml/2006/main">
   <p:cSld>
     <p:spTree>
@@ -15810,141 +17001,6 @@
       </p:par>
     </p:tnLst>
   </p:timing>
-</p:sld>
-</file>
-
-<file path=ppt/slides/slide5.xml><?xml version="1.0" encoding="utf-8"?>
-<p:sld xmlns:a="http://schemas.openxmlformats.org/drawingml/2006/main" xmlns:r="http://schemas.openxmlformats.org/officeDocument/2006/relationships" xmlns:p="http://schemas.openxmlformats.org/presentationml/2006/main">
-  <p:cSld>
-    <p:spTree>
-      <p:nvGrpSpPr>
-        <p:cNvPr id="1" name=""/>
-        <p:cNvGrpSpPr/>
-        <p:nvPr/>
-      </p:nvGrpSpPr>
-      <p:grpSpPr>
-        <a:xfrm>
-          <a:off x="0" y="0"/>
-          <a:ext cx="0" cy="0"/>
-          <a:chOff x="0" y="0"/>
-          <a:chExt cx="0" cy="0"/>
-        </a:xfrm>
-      </p:grpSpPr>
-      <p:sp>
-        <p:nvSpPr>
-          <p:cNvPr id="2" name="Title 1"/>
-          <p:cNvSpPr>
-            <a:spLocks noGrp="1"/>
-          </p:cNvSpPr>
-          <p:nvPr>
-            <p:ph type="title"/>
-          </p:nvPr>
-        </p:nvSpPr>
-        <p:spPr/>
-        <p:txBody>
-          <a:bodyPr/>
-          <a:lstStyle/>
-          <a:p>
-            <a:r>
-              <a:rPr lang="en-US" dirty="0" smtClean="0"/>
-              <a:t>Unit Testing Frameworks</a:t>
-            </a:r>
-            <a:endParaRPr lang="en-US" dirty="0"/>
-          </a:p>
-        </p:txBody>
-      </p:sp>
-      <p:sp>
-        <p:nvSpPr>
-          <p:cNvPr id="3" name="Content Placeholder 2"/>
-          <p:cNvSpPr>
-            <a:spLocks noGrp="1"/>
-          </p:cNvSpPr>
-          <p:nvPr>
-            <p:ph idx="1"/>
-          </p:nvPr>
-        </p:nvSpPr>
-        <p:spPr/>
-        <p:txBody>
-          <a:bodyPr>
-            <a:normAutofit/>
-          </a:bodyPr>
-          <a:lstStyle/>
-          <a:p>
-            <a:r>
-              <a:rPr lang="en-US" dirty="0" smtClean="0"/>
-              <a:t>.NET</a:t>
-            </a:r>
-          </a:p>
-          <a:p>
-            <a:pPr lvl="1"/>
-            <a:r>
-              <a:rPr lang="en-US" sz="2800" dirty="0" smtClean="0"/>
-              <a:t>NUnit, MSTest, </a:t>
-            </a:r>
-            <a:r>
-              <a:rPr lang="en-US" sz="2800" dirty="0" err="1" smtClean="0"/>
-              <a:t>MBUnit</a:t>
-            </a:r>
-            <a:r>
-              <a:rPr lang="en-US" sz="2800" dirty="0" smtClean="0"/>
-              <a:t>, </a:t>
-            </a:r>
-            <a:r>
-              <a:rPr lang="en-US" sz="2800" dirty="0" err="1" smtClean="0"/>
-              <a:t>xUnit</a:t>
-            </a:r>
-            <a:r>
-              <a:rPr lang="en-US" sz="2800" dirty="0" smtClean="0"/>
-              <a:t>, </a:t>
-            </a:r>
-            <a:r>
-              <a:rPr lang="en-US" sz="2800" dirty="0" err="1" smtClean="0"/>
-              <a:t>MSpec</a:t>
-            </a:r>
-            <a:endParaRPr lang="en-US" sz="2800" dirty="0" smtClean="0"/>
-          </a:p>
-          <a:p>
-            <a:r>
-              <a:rPr lang="en-US" dirty="0" smtClean="0"/>
-              <a:t>Java</a:t>
-            </a:r>
-          </a:p>
-          <a:p>
-            <a:pPr lvl="1"/>
-            <a:r>
-              <a:rPr lang="en-US" sz="2800" dirty="0" err="1" smtClean="0"/>
-              <a:t>JUnit</a:t>
-            </a:r>
-            <a:r>
-              <a:rPr lang="en-US" sz="2800" dirty="0" smtClean="0"/>
-              <a:t>……</a:t>
-            </a:r>
-          </a:p>
-          <a:p>
-            <a:r>
-              <a:rPr lang="en-US" dirty="0" smtClean="0"/>
-              <a:t>Ruby</a:t>
-            </a:r>
-          </a:p>
-          <a:p>
-            <a:pPr lvl="1"/>
-            <a:r>
-              <a:rPr lang="en-US" sz="2800" dirty="0" smtClean="0"/>
-              <a:t>RSpec, Test::Unit, </a:t>
-            </a:r>
-            <a:r>
-              <a:rPr lang="en-US" sz="2800" dirty="0" err="1" smtClean="0"/>
-              <a:t>Shoulda</a:t>
-            </a:r>
-            <a:endParaRPr lang="en-US" sz="2800" dirty="0"/>
-          </a:p>
-        </p:txBody>
-      </p:sp>
-    </p:spTree>
-  </p:cSld>
-  <p:clrMapOvr>
-    <a:masterClrMapping/>
-  </p:clrMapOvr>
 </p:sld>
 </file>
 
@@ -16546,6 +17602,444 @@
           </a:p>
         </p:txBody>
       </p:sp>
+      <p:pic>
+        <p:nvPicPr>
+          <p:cNvPr id="1026" name="Picture 2"/>
+          <p:cNvPicPr>
+            <a:picLocks noChangeAspect="1" noChangeArrowheads="1"/>
+          </p:cNvPicPr>
+          <p:nvPr/>
+        </p:nvPicPr>
+        <p:blipFill>
+          <a:blip r:embed="rId2" cstate="print"/>
+          <a:srcRect/>
+          <a:stretch>
+            <a:fillRect/>
+          </a:stretch>
+        </p:blipFill>
+        <p:spPr bwMode="auto">
+          <a:xfrm>
+            <a:off x="470806" y="1302327"/>
+            <a:ext cx="1676400" cy="2660073"/>
+          </a:xfrm>
+          <a:prstGeom prst="rect">
+            <a:avLst/>
+          </a:prstGeom>
+          <a:noFill/>
+          <a:ln w="9525">
+            <a:noFill/>
+            <a:miter lim="800000"/>
+            <a:headEnd/>
+            <a:tailEnd/>
+          </a:ln>
+          <a:effectLst/>
+        </p:spPr>
+      </p:pic>
+      <p:pic>
+        <p:nvPicPr>
+          <p:cNvPr id="1027" name="Picture 3"/>
+          <p:cNvPicPr>
+            <a:picLocks noChangeAspect="1" noChangeArrowheads="1"/>
+          </p:cNvPicPr>
+          <p:nvPr/>
+        </p:nvPicPr>
+        <p:blipFill>
+          <a:blip r:embed="rId3" cstate="print"/>
+          <a:srcRect/>
+          <a:stretch>
+            <a:fillRect/>
+          </a:stretch>
+        </p:blipFill>
+        <p:spPr bwMode="auto">
+          <a:xfrm>
+            <a:off x="3442606" y="1828800"/>
+            <a:ext cx="2424794" cy="2057400"/>
+          </a:xfrm>
+          <a:prstGeom prst="rect">
+            <a:avLst/>
+          </a:prstGeom>
+          <a:noFill/>
+          <a:ln w="9525">
+            <a:noFill/>
+            <a:miter lim="800000"/>
+            <a:headEnd/>
+            <a:tailEnd/>
+          </a:ln>
+          <a:effectLst/>
+        </p:spPr>
+      </p:pic>
+      <p:pic>
+        <p:nvPicPr>
+          <p:cNvPr id="1028" name="Picture 4"/>
+          <p:cNvPicPr>
+            <a:picLocks noChangeAspect="1" noChangeArrowheads="1"/>
+          </p:cNvPicPr>
+          <p:nvPr/>
+        </p:nvPicPr>
+        <p:blipFill>
+          <a:blip r:embed="rId4" cstate="print"/>
+          <a:srcRect/>
+          <a:stretch>
+            <a:fillRect/>
+          </a:stretch>
+        </p:blipFill>
+        <p:spPr bwMode="auto">
+          <a:xfrm>
+            <a:off x="7093782" y="4419600"/>
+            <a:ext cx="2050218" cy="2175509"/>
+          </a:xfrm>
+          <a:prstGeom prst="rect">
+            <a:avLst/>
+          </a:prstGeom>
+          <a:noFill/>
+          <a:ln w="9525">
+            <a:noFill/>
+            <a:miter lim="800000"/>
+            <a:headEnd/>
+            <a:tailEnd/>
+          </a:ln>
+          <a:effectLst/>
+        </p:spPr>
+      </p:pic>
+      <p:pic>
+        <p:nvPicPr>
+          <p:cNvPr id="1031" name="Picture 7"/>
+          <p:cNvPicPr>
+            <a:picLocks noChangeAspect="1" noChangeArrowheads="1"/>
+          </p:cNvPicPr>
+          <p:nvPr/>
+        </p:nvPicPr>
+        <p:blipFill>
+          <a:blip r:embed="rId5" cstate="print"/>
+          <a:srcRect/>
+          <a:stretch>
+            <a:fillRect/>
+          </a:stretch>
+        </p:blipFill>
+        <p:spPr bwMode="auto">
+          <a:xfrm>
+            <a:off x="3276600" y="4648200"/>
+            <a:ext cx="2438400" cy="2107562"/>
+          </a:xfrm>
+          <a:prstGeom prst="rect">
+            <a:avLst/>
+          </a:prstGeom>
+          <a:noFill/>
+          <a:ln w="9525">
+            <a:noFill/>
+            <a:miter lim="800000"/>
+            <a:headEnd/>
+            <a:tailEnd/>
+          </a:ln>
+          <a:effectLst/>
+        </p:spPr>
+      </p:pic>
+      <p:sp>
+        <p:nvSpPr>
+          <p:cNvPr id="16" name="Down Arrow 15"/>
+          <p:cNvSpPr/>
+          <p:nvPr/>
+        </p:nvSpPr>
+        <p:spPr>
+          <a:xfrm>
+            <a:off x="7848600" y="3962400"/>
+            <a:ext cx="533400" cy="457200"/>
+          </a:xfrm>
+          <a:prstGeom prst="downArrow">
+            <a:avLst/>
+          </a:prstGeom>
+        </p:spPr>
+        <p:style>
+          <a:lnRef idx="2">
+            <a:schemeClr val="accent1">
+              <a:shade val="50000"/>
+            </a:schemeClr>
+          </a:lnRef>
+          <a:fillRef idx="1">
+            <a:schemeClr val="accent1"/>
+          </a:fillRef>
+          <a:effectRef idx="0">
+            <a:schemeClr val="accent1"/>
+          </a:effectRef>
+          <a:fontRef idx="minor">
+            <a:schemeClr val="lt1"/>
+          </a:fontRef>
+        </p:style>
+        <p:txBody>
+          <a:bodyPr rtlCol="0" anchor="ctr"/>
+          <a:lstStyle/>
+          <a:p>
+            <a:pPr algn="ctr"/>
+            <a:endParaRPr lang="en-US"/>
+          </a:p>
+        </p:txBody>
+      </p:sp>
+      <p:sp>
+        <p:nvSpPr>
+          <p:cNvPr id="18" name="Right Arrow 17"/>
+          <p:cNvSpPr/>
+          <p:nvPr/>
+        </p:nvSpPr>
+        <p:spPr>
+          <a:xfrm rot="10800000">
+            <a:off x="6019800" y="5105400"/>
+            <a:ext cx="762000" cy="533400"/>
+          </a:xfrm>
+          <a:prstGeom prst="rightArrow">
+            <a:avLst/>
+          </a:prstGeom>
+        </p:spPr>
+        <p:style>
+          <a:lnRef idx="2">
+            <a:schemeClr val="accent1">
+              <a:shade val="50000"/>
+            </a:schemeClr>
+          </a:lnRef>
+          <a:fillRef idx="1">
+            <a:schemeClr val="accent1"/>
+          </a:fillRef>
+          <a:effectRef idx="0">
+            <a:schemeClr val="accent1"/>
+          </a:effectRef>
+          <a:fontRef idx="minor">
+            <a:schemeClr val="lt1"/>
+          </a:fontRef>
+        </p:style>
+        <p:txBody>
+          <a:bodyPr rtlCol="0" anchor="ctr"/>
+          <a:lstStyle/>
+          <a:p>
+            <a:pPr algn="ctr"/>
+            <a:endParaRPr lang="en-US"/>
+          </a:p>
+        </p:txBody>
+      </p:sp>
+      <p:sp>
+        <p:nvSpPr>
+          <p:cNvPr id="19" name="Right Arrow 18"/>
+          <p:cNvSpPr/>
+          <p:nvPr/>
+        </p:nvSpPr>
+        <p:spPr>
+          <a:xfrm>
+            <a:off x="2528206" y="2590800"/>
+            <a:ext cx="762000" cy="533400"/>
+          </a:xfrm>
+          <a:prstGeom prst="rightArrow">
+            <a:avLst/>
+          </a:prstGeom>
+        </p:spPr>
+        <p:style>
+          <a:lnRef idx="2">
+            <a:schemeClr val="accent1">
+              <a:shade val="50000"/>
+            </a:schemeClr>
+          </a:lnRef>
+          <a:fillRef idx="1">
+            <a:schemeClr val="accent1"/>
+          </a:fillRef>
+          <a:effectRef idx="0">
+            <a:schemeClr val="accent1"/>
+          </a:effectRef>
+          <a:fontRef idx="minor">
+            <a:schemeClr val="lt1"/>
+          </a:fontRef>
+        </p:style>
+        <p:txBody>
+          <a:bodyPr rtlCol="0" anchor="ctr"/>
+          <a:lstStyle/>
+          <a:p>
+            <a:pPr algn="ctr"/>
+            <a:endParaRPr lang="en-US"/>
+          </a:p>
+        </p:txBody>
+      </p:sp>
+      <p:sp>
+        <p:nvSpPr>
+          <p:cNvPr id="20" name="Down Arrow 19"/>
+          <p:cNvSpPr/>
+          <p:nvPr/>
+        </p:nvSpPr>
+        <p:spPr>
+          <a:xfrm rot="10800000">
+            <a:off x="1295400" y="4114800"/>
+            <a:ext cx="533400" cy="685800"/>
+          </a:xfrm>
+          <a:prstGeom prst="downArrow">
+            <a:avLst/>
+          </a:prstGeom>
+        </p:spPr>
+        <p:style>
+          <a:lnRef idx="2">
+            <a:schemeClr val="accent1">
+              <a:shade val="50000"/>
+            </a:schemeClr>
+          </a:lnRef>
+          <a:fillRef idx="1">
+            <a:schemeClr val="accent1"/>
+          </a:fillRef>
+          <a:effectRef idx="0">
+            <a:schemeClr val="accent1"/>
+          </a:effectRef>
+          <a:fontRef idx="minor">
+            <a:schemeClr val="lt1"/>
+          </a:fontRef>
+        </p:style>
+        <p:txBody>
+          <a:bodyPr rtlCol="0" anchor="ctr"/>
+          <a:lstStyle/>
+          <a:p>
+            <a:pPr algn="ctr"/>
+            <a:endParaRPr lang="en-US"/>
+          </a:p>
+        </p:txBody>
+      </p:sp>
+      <p:pic>
+        <p:nvPicPr>
+          <p:cNvPr id="1035" name="Picture 11"/>
+          <p:cNvPicPr>
+            <a:picLocks noChangeAspect="1" noChangeArrowheads="1"/>
+          </p:cNvPicPr>
+          <p:nvPr/>
+        </p:nvPicPr>
+        <p:blipFill>
+          <a:blip r:embed="rId6" cstate="print"/>
+          <a:srcRect/>
+          <a:stretch>
+            <a:fillRect/>
+          </a:stretch>
+        </p:blipFill>
+        <p:spPr bwMode="auto">
+          <a:xfrm>
+            <a:off x="7239000" y="1752600"/>
+            <a:ext cx="1676400" cy="2123440"/>
+          </a:xfrm>
+          <a:prstGeom prst="rect">
+            <a:avLst/>
+          </a:prstGeom>
+          <a:noFill/>
+          <a:ln w="9525">
+            <a:noFill/>
+            <a:miter lim="800000"/>
+            <a:headEnd/>
+            <a:tailEnd/>
+          </a:ln>
+          <a:effectLst/>
+        </p:spPr>
+      </p:pic>
+      <p:sp>
+        <p:nvSpPr>
+          <p:cNvPr id="22" name="Right Arrow 21"/>
+          <p:cNvSpPr/>
+          <p:nvPr/>
+        </p:nvSpPr>
+        <p:spPr>
+          <a:xfrm>
+            <a:off x="6096000" y="2514600"/>
+            <a:ext cx="762000" cy="533400"/>
+          </a:xfrm>
+          <a:prstGeom prst="rightArrow">
+            <a:avLst/>
+          </a:prstGeom>
+        </p:spPr>
+        <p:style>
+          <a:lnRef idx="2">
+            <a:schemeClr val="accent1">
+              <a:shade val="50000"/>
+            </a:schemeClr>
+          </a:lnRef>
+          <a:fillRef idx="1">
+            <a:schemeClr val="accent1"/>
+          </a:fillRef>
+          <a:effectRef idx="0">
+            <a:schemeClr val="accent1"/>
+          </a:effectRef>
+          <a:fontRef idx="minor">
+            <a:schemeClr val="lt1"/>
+          </a:fontRef>
+        </p:style>
+        <p:txBody>
+          <a:bodyPr rtlCol="0" anchor="ctr"/>
+          <a:lstStyle/>
+          <a:p>
+            <a:pPr algn="ctr"/>
+            <a:endParaRPr lang="en-US"/>
+          </a:p>
+        </p:txBody>
+      </p:sp>
+      <p:pic>
+        <p:nvPicPr>
+          <p:cNvPr id="1036" name="Picture 12"/>
+          <p:cNvPicPr>
+            <a:picLocks noChangeAspect="1" noChangeArrowheads="1"/>
+          </p:cNvPicPr>
+          <p:nvPr/>
+        </p:nvPicPr>
+        <p:blipFill>
+          <a:blip r:embed="rId7" cstate="print"/>
+          <a:srcRect/>
+          <a:stretch>
+            <a:fillRect/>
+          </a:stretch>
+        </p:blipFill>
+        <p:spPr bwMode="auto">
+          <a:xfrm>
+            <a:off x="457200" y="5029200"/>
+            <a:ext cx="1809750" cy="1238250"/>
+          </a:xfrm>
+          <a:prstGeom prst="rect">
+            <a:avLst/>
+          </a:prstGeom>
+          <a:noFill/>
+          <a:ln w="9525">
+            <a:noFill/>
+            <a:miter lim="800000"/>
+            <a:headEnd/>
+            <a:tailEnd/>
+          </a:ln>
+          <a:effectLst/>
+        </p:spPr>
+      </p:pic>
+      <p:sp>
+        <p:nvSpPr>
+          <p:cNvPr id="24" name="Right Arrow 23"/>
+          <p:cNvSpPr/>
+          <p:nvPr/>
+        </p:nvSpPr>
+        <p:spPr>
+          <a:xfrm rot="10800000">
+            <a:off x="2362201" y="5257800"/>
+            <a:ext cx="762000" cy="533400"/>
+          </a:xfrm>
+          <a:prstGeom prst="rightArrow">
+            <a:avLst/>
+          </a:prstGeom>
+        </p:spPr>
+        <p:style>
+          <a:lnRef idx="2">
+            <a:schemeClr val="accent1">
+              <a:shade val="50000"/>
+            </a:schemeClr>
+          </a:lnRef>
+          <a:fillRef idx="1">
+            <a:schemeClr val="accent1"/>
+          </a:fillRef>
+          <a:effectRef idx="0">
+            <a:schemeClr val="accent1"/>
+          </a:effectRef>
+          <a:fontRef idx="minor">
+            <a:schemeClr val="lt1"/>
+          </a:fontRef>
+        </p:style>
+        <p:txBody>
+          <a:bodyPr rtlCol="0" anchor="ctr"/>
+          <a:lstStyle/>
+          <a:p>
+            <a:pPr algn="ctr"/>
+            <a:endParaRPr lang="en-US"/>
+          </a:p>
+        </p:txBody>
+      </p:sp>
     </p:spTree>
   </p:cSld>
   <p:clrMapOvr>
@@ -16554,9 +18048,515 @@
   <p:timing>
     <p:tnLst>
       <p:par>
-        <p:cTn id="1" dur="indefinite" restart="never" nodeType="tmRoot"/>
+        <p:cTn id="1" dur="indefinite" restart="never" nodeType="tmRoot">
+          <p:childTnLst>
+            <p:seq concurrent="1" nextAc="seek">
+              <p:cTn id="2" dur="indefinite" nodeType="mainSeq">
+                <p:childTnLst>
+                  <p:par>
+                    <p:cTn id="3" fill="hold">
+                      <p:stCondLst>
+                        <p:cond delay="indefinite"/>
+                      </p:stCondLst>
+                      <p:childTnLst>
+                        <p:par>
+                          <p:cTn id="4" fill="hold">
+                            <p:stCondLst>
+                              <p:cond delay="0"/>
+                            </p:stCondLst>
+                            <p:childTnLst>
+                              <p:par>
+                                <p:cTn id="5" presetID="3" presetClass="entr" presetSubtype="10" fill="hold" grpId="0" nodeType="clickEffect">
+                                  <p:stCondLst>
+                                    <p:cond delay="0"/>
+                                  </p:stCondLst>
+                                  <p:childTnLst>
+                                    <p:set>
+                                      <p:cBhvr>
+                                        <p:cTn id="6" dur="1" fill="hold">
+                                          <p:stCondLst>
+                                            <p:cond delay="0"/>
+                                          </p:stCondLst>
+                                        </p:cTn>
+                                        <p:tgtEl>
+                                          <p:spTgt spid="19"/>
+                                        </p:tgtEl>
+                                        <p:attrNameLst>
+                                          <p:attrName>style.visibility</p:attrName>
+                                        </p:attrNameLst>
+                                      </p:cBhvr>
+                                      <p:to>
+                                        <p:strVal val="visible"/>
+                                      </p:to>
+                                    </p:set>
+                                    <p:animEffect transition="in" filter="blinds(horizontal)">
+                                      <p:cBhvr>
+                                        <p:cTn id="7" dur="500"/>
+                                        <p:tgtEl>
+                                          <p:spTgt spid="19"/>
+                                        </p:tgtEl>
+                                      </p:cBhvr>
+                                    </p:animEffect>
+                                  </p:childTnLst>
+                                </p:cTn>
+                              </p:par>
+                              <p:par>
+                                <p:cTn id="8" presetID="3" presetClass="entr" presetSubtype="10" fill="hold" nodeType="withEffect">
+                                  <p:stCondLst>
+                                    <p:cond delay="0"/>
+                                  </p:stCondLst>
+                                  <p:childTnLst>
+                                    <p:set>
+                                      <p:cBhvr>
+                                        <p:cTn id="9" dur="1" fill="hold">
+                                          <p:stCondLst>
+                                            <p:cond delay="0"/>
+                                          </p:stCondLst>
+                                        </p:cTn>
+                                        <p:tgtEl>
+                                          <p:spTgt spid="1027"/>
+                                        </p:tgtEl>
+                                        <p:attrNameLst>
+                                          <p:attrName>style.visibility</p:attrName>
+                                        </p:attrNameLst>
+                                      </p:cBhvr>
+                                      <p:to>
+                                        <p:strVal val="visible"/>
+                                      </p:to>
+                                    </p:set>
+                                    <p:animEffect transition="in" filter="blinds(horizontal)">
+                                      <p:cBhvr>
+                                        <p:cTn id="10" dur="500"/>
+                                        <p:tgtEl>
+                                          <p:spTgt spid="1027"/>
+                                        </p:tgtEl>
+                                      </p:cBhvr>
+                                    </p:animEffect>
+                                  </p:childTnLst>
+                                </p:cTn>
+                              </p:par>
+                            </p:childTnLst>
+                          </p:cTn>
+                        </p:par>
+                      </p:childTnLst>
+                    </p:cTn>
+                  </p:par>
+                  <p:par>
+                    <p:cTn id="11" fill="hold">
+                      <p:stCondLst>
+                        <p:cond delay="indefinite"/>
+                      </p:stCondLst>
+                      <p:childTnLst>
+                        <p:par>
+                          <p:cTn id="12" fill="hold">
+                            <p:stCondLst>
+                              <p:cond delay="0"/>
+                            </p:stCondLst>
+                            <p:childTnLst>
+                              <p:par>
+                                <p:cTn id="13" presetID="3" presetClass="entr" presetSubtype="10" fill="hold" grpId="0" nodeType="clickEffect">
+                                  <p:stCondLst>
+                                    <p:cond delay="0"/>
+                                  </p:stCondLst>
+                                  <p:childTnLst>
+                                    <p:set>
+                                      <p:cBhvr>
+                                        <p:cTn id="14" dur="1" fill="hold">
+                                          <p:stCondLst>
+                                            <p:cond delay="0"/>
+                                          </p:stCondLst>
+                                        </p:cTn>
+                                        <p:tgtEl>
+                                          <p:spTgt spid="22"/>
+                                        </p:tgtEl>
+                                        <p:attrNameLst>
+                                          <p:attrName>style.visibility</p:attrName>
+                                        </p:attrNameLst>
+                                      </p:cBhvr>
+                                      <p:to>
+                                        <p:strVal val="visible"/>
+                                      </p:to>
+                                    </p:set>
+                                    <p:animEffect transition="in" filter="blinds(horizontal)">
+                                      <p:cBhvr>
+                                        <p:cTn id="15" dur="500"/>
+                                        <p:tgtEl>
+                                          <p:spTgt spid="22"/>
+                                        </p:tgtEl>
+                                      </p:cBhvr>
+                                    </p:animEffect>
+                                  </p:childTnLst>
+                                </p:cTn>
+                              </p:par>
+                              <p:par>
+                                <p:cTn id="16" presetID="3" presetClass="entr" presetSubtype="10" fill="hold" nodeType="withEffect">
+                                  <p:stCondLst>
+                                    <p:cond delay="0"/>
+                                  </p:stCondLst>
+                                  <p:childTnLst>
+                                    <p:set>
+                                      <p:cBhvr>
+                                        <p:cTn id="17" dur="1" fill="hold">
+                                          <p:stCondLst>
+                                            <p:cond delay="0"/>
+                                          </p:stCondLst>
+                                        </p:cTn>
+                                        <p:tgtEl>
+                                          <p:spTgt spid="1035"/>
+                                        </p:tgtEl>
+                                        <p:attrNameLst>
+                                          <p:attrName>style.visibility</p:attrName>
+                                        </p:attrNameLst>
+                                      </p:cBhvr>
+                                      <p:to>
+                                        <p:strVal val="visible"/>
+                                      </p:to>
+                                    </p:set>
+                                    <p:animEffect transition="in" filter="blinds(horizontal)">
+                                      <p:cBhvr>
+                                        <p:cTn id="18" dur="500"/>
+                                        <p:tgtEl>
+                                          <p:spTgt spid="1035"/>
+                                        </p:tgtEl>
+                                      </p:cBhvr>
+                                    </p:animEffect>
+                                  </p:childTnLst>
+                                </p:cTn>
+                              </p:par>
+                            </p:childTnLst>
+                          </p:cTn>
+                        </p:par>
+                      </p:childTnLst>
+                    </p:cTn>
+                  </p:par>
+                  <p:par>
+                    <p:cTn id="19" fill="hold">
+                      <p:stCondLst>
+                        <p:cond delay="indefinite"/>
+                      </p:stCondLst>
+                      <p:childTnLst>
+                        <p:par>
+                          <p:cTn id="20" fill="hold">
+                            <p:stCondLst>
+                              <p:cond delay="0"/>
+                            </p:stCondLst>
+                            <p:childTnLst>
+                              <p:par>
+                                <p:cTn id="21" presetID="3" presetClass="entr" presetSubtype="10" fill="hold" grpId="0" nodeType="clickEffect">
+                                  <p:stCondLst>
+                                    <p:cond delay="0"/>
+                                  </p:stCondLst>
+                                  <p:childTnLst>
+                                    <p:set>
+                                      <p:cBhvr>
+                                        <p:cTn id="22" dur="1" fill="hold">
+                                          <p:stCondLst>
+                                            <p:cond delay="0"/>
+                                          </p:stCondLst>
+                                        </p:cTn>
+                                        <p:tgtEl>
+                                          <p:spTgt spid="16"/>
+                                        </p:tgtEl>
+                                        <p:attrNameLst>
+                                          <p:attrName>style.visibility</p:attrName>
+                                        </p:attrNameLst>
+                                      </p:cBhvr>
+                                      <p:to>
+                                        <p:strVal val="visible"/>
+                                      </p:to>
+                                    </p:set>
+                                    <p:animEffect transition="in" filter="blinds(horizontal)">
+                                      <p:cBhvr>
+                                        <p:cTn id="23" dur="500"/>
+                                        <p:tgtEl>
+                                          <p:spTgt spid="16"/>
+                                        </p:tgtEl>
+                                      </p:cBhvr>
+                                    </p:animEffect>
+                                  </p:childTnLst>
+                                </p:cTn>
+                              </p:par>
+                              <p:par>
+                                <p:cTn id="24" presetID="3" presetClass="entr" presetSubtype="10" fill="hold" nodeType="withEffect">
+                                  <p:stCondLst>
+                                    <p:cond delay="0"/>
+                                  </p:stCondLst>
+                                  <p:childTnLst>
+                                    <p:set>
+                                      <p:cBhvr>
+                                        <p:cTn id="25" dur="1" fill="hold">
+                                          <p:stCondLst>
+                                            <p:cond delay="0"/>
+                                          </p:stCondLst>
+                                        </p:cTn>
+                                        <p:tgtEl>
+                                          <p:spTgt spid="1028"/>
+                                        </p:tgtEl>
+                                        <p:attrNameLst>
+                                          <p:attrName>style.visibility</p:attrName>
+                                        </p:attrNameLst>
+                                      </p:cBhvr>
+                                      <p:to>
+                                        <p:strVal val="visible"/>
+                                      </p:to>
+                                    </p:set>
+                                    <p:animEffect transition="in" filter="blinds(horizontal)">
+                                      <p:cBhvr>
+                                        <p:cTn id="26" dur="500"/>
+                                        <p:tgtEl>
+                                          <p:spTgt spid="1028"/>
+                                        </p:tgtEl>
+                                      </p:cBhvr>
+                                    </p:animEffect>
+                                  </p:childTnLst>
+                                </p:cTn>
+                              </p:par>
+                            </p:childTnLst>
+                          </p:cTn>
+                        </p:par>
+                      </p:childTnLst>
+                    </p:cTn>
+                  </p:par>
+                  <p:par>
+                    <p:cTn id="27" fill="hold">
+                      <p:stCondLst>
+                        <p:cond delay="indefinite"/>
+                      </p:stCondLst>
+                      <p:childTnLst>
+                        <p:par>
+                          <p:cTn id="28" fill="hold">
+                            <p:stCondLst>
+                              <p:cond delay="0"/>
+                            </p:stCondLst>
+                            <p:childTnLst>
+                              <p:par>
+                                <p:cTn id="29" presetID="3" presetClass="entr" presetSubtype="10" fill="hold" grpId="0" nodeType="clickEffect">
+                                  <p:stCondLst>
+                                    <p:cond delay="0"/>
+                                  </p:stCondLst>
+                                  <p:childTnLst>
+                                    <p:set>
+                                      <p:cBhvr>
+                                        <p:cTn id="30" dur="1" fill="hold">
+                                          <p:stCondLst>
+                                            <p:cond delay="0"/>
+                                          </p:stCondLst>
+                                        </p:cTn>
+                                        <p:tgtEl>
+                                          <p:spTgt spid="18"/>
+                                        </p:tgtEl>
+                                        <p:attrNameLst>
+                                          <p:attrName>style.visibility</p:attrName>
+                                        </p:attrNameLst>
+                                      </p:cBhvr>
+                                      <p:to>
+                                        <p:strVal val="visible"/>
+                                      </p:to>
+                                    </p:set>
+                                    <p:animEffect transition="in" filter="blinds(horizontal)">
+                                      <p:cBhvr>
+                                        <p:cTn id="31" dur="500"/>
+                                        <p:tgtEl>
+                                          <p:spTgt spid="18"/>
+                                        </p:tgtEl>
+                                      </p:cBhvr>
+                                    </p:animEffect>
+                                  </p:childTnLst>
+                                </p:cTn>
+                              </p:par>
+                              <p:par>
+                                <p:cTn id="32" presetID="3" presetClass="entr" presetSubtype="10" fill="hold" nodeType="withEffect">
+                                  <p:stCondLst>
+                                    <p:cond delay="0"/>
+                                  </p:stCondLst>
+                                  <p:childTnLst>
+                                    <p:set>
+                                      <p:cBhvr>
+                                        <p:cTn id="33" dur="1" fill="hold">
+                                          <p:stCondLst>
+                                            <p:cond delay="0"/>
+                                          </p:stCondLst>
+                                        </p:cTn>
+                                        <p:tgtEl>
+                                          <p:spTgt spid="1031"/>
+                                        </p:tgtEl>
+                                        <p:attrNameLst>
+                                          <p:attrName>style.visibility</p:attrName>
+                                        </p:attrNameLst>
+                                      </p:cBhvr>
+                                      <p:to>
+                                        <p:strVal val="visible"/>
+                                      </p:to>
+                                    </p:set>
+                                    <p:animEffect transition="in" filter="blinds(horizontal)">
+                                      <p:cBhvr>
+                                        <p:cTn id="34" dur="500"/>
+                                        <p:tgtEl>
+                                          <p:spTgt spid="1031"/>
+                                        </p:tgtEl>
+                                      </p:cBhvr>
+                                    </p:animEffect>
+                                  </p:childTnLst>
+                                </p:cTn>
+                              </p:par>
+                            </p:childTnLst>
+                          </p:cTn>
+                        </p:par>
+                      </p:childTnLst>
+                    </p:cTn>
+                  </p:par>
+                  <p:par>
+                    <p:cTn id="35" fill="hold">
+                      <p:stCondLst>
+                        <p:cond delay="indefinite"/>
+                      </p:stCondLst>
+                      <p:childTnLst>
+                        <p:par>
+                          <p:cTn id="36" fill="hold">
+                            <p:stCondLst>
+                              <p:cond delay="0"/>
+                            </p:stCondLst>
+                            <p:childTnLst>
+                              <p:par>
+                                <p:cTn id="37" presetID="3" presetClass="entr" presetSubtype="10" fill="hold" grpId="0" nodeType="clickEffect">
+                                  <p:stCondLst>
+                                    <p:cond delay="0"/>
+                                  </p:stCondLst>
+                                  <p:childTnLst>
+                                    <p:set>
+                                      <p:cBhvr>
+                                        <p:cTn id="38" dur="1" fill="hold">
+                                          <p:stCondLst>
+                                            <p:cond delay="0"/>
+                                          </p:stCondLst>
+                                        </p:cTn>
+                                        <p:tgtEl>
+                                          <p:spTgt spid="24"/>
+                                        </p:tgtEl>
+                                        <p:attrNameLst>
+                                          <p:attrName>style.visibility</p:attrName>
+                                        </p:attrNameLst>
+                                      </p:cBhvr>
+                                      <p:to>
+                                        <p:strVal val="visible"/>
+                                      </p:to>
+                                    </p:set>
+                                    <p:animEffect transition="in" filter="blinds(horizontal)">
+                                      <p:cBhvr>
+                                        <p:cTn id="39" dur="500"/>
+                                        <p:tgtEl>
+                                          <p:spTgt spid="24"/>
+                                        </p:tgtEl>
+                                      </p:cBhvr>
+                                    </p:animEffect>
+                                  </p:childTnLst>
+                                </p:cTn>
+                              </p:par>
+                              <p:par>
+                                <p:cTn id="40" presetID="3" presetClass="entr" presetSubtype="10" fill="hold" nodeType="withEffect">
+                                  <p:stCondLst>
+                                    <p:cond delay="0"/>
+                                  </p:stCondLst>
+                                  <p:childTnLst>
+                                    <p:set>
+                                      <p:cBhvr>
+                                        <p:cTn id="41" dur="1" fill="hold">
+                                          <p:stCondLst>
+                                            <p:cond delay="0"/>
+                                          </p:stCondLst>
+                                        </p:cTn>
+                                        <p:tgtEl>
+                                          <p:spTgt spid="1036"/>
+                                        </p:tgtEl>
+                                        <p:attrNameLst>
+                                          <p:attrName>style.visibility</p:attrName>
+                                        </p:attrNameLst>
+                                      </p:cBhvr>
+                                      <p:to>
+                                        <p:strVal val="visible"/>
+                                      </p:to>
+                                    </p:set>
+                                    <p:animEffect transition="in" filter="blinds(horizontal)">
+                                      <p:cBhvr>
+                                        <p:cTn id="42" dur="500"/>
+                                        <p:tgtEl>
+                                          <p:spTgt spid="1036"/>
+                                        </p:tgtEl>
+                                      </p:cBhvr>
+                                    </p:animEffect>
+                                  </p:childTnLst>
+                                </p:cTn>
+                              </p:par>
+                              <p:par>
+                                <p:cTn id="43" presetID="3" presetClass="entr" presetSubtype="10" fill="hold" grpId="0" nodeType="withEffect">
+                                  <p:stCondLst>
+                                    <p:cond delay="0"/>
+                                  </p:stCondLst>
+                                  <p:childTnLst>
+                                    <p:set>
+                                      <p:cBhvr>
+                                        <p:cTn id="44" dur="1" fill="hold">
+                                          <p:stCondLst>
+                                            <p:cond delay="0"/>
+                                          </p:stCondLst>
+                                        </p:cTn>
+                                        <p:tgtEl>
+                                          <p:spTgt spid="20"/>
+                                        </p:tgtEl>
+                                        <p:attrNameLst>
+                                          <p:attrName>style.visibility</p:attrName>
+                                        </p:attrNameLst>
+                                      </p:cBhvr>
+                                      <p:to>
+                                        <p:strVal val="visible"/>
+                                      </p:to>
+                                    </p:set>
+                                    <p:animEffect transition="in" filter="blinds(horizontal)">
+                                      <p:cBhvr>
+                                        <p:cTn id="45" dur="500"/>
+                                        <p:tgtEl>
+                                          <p:spTgt spid="20"/>
+                                        </p:tgtEl>
+                                      </p:cBhvr>
+                                    </p:animEffect>
+                                  </p:childTnLst>
+                                </p:cTn>
+                              </p:par>
+                            </p:childTnLst>
+                          </p:cTn>
+                        </p:par>
+                      </p:childTnLst>
+                    </p:cTn>
+                  </p:par>
+                </p:childTnLst>
+              </p:cTn>
+              <p:prevCondLst>
+                <p:cond evt="onPrev" delay="0">
+                  <p:tgtEl>
+                    <p:sldTgt/>
+                  </p:tgtEl>
+                </p:cond>
+              </p:prevCondLst>
+              <p:nextCondLst>
+                <p:cond evt="onNext" delay="0">
+                  <p:tgtEl>
+                    <p:sldTgt/>
+                  </p:tgtEl>
+                </p:cond>
+              </p:nextCondLst>
+            </p:seq>
+          </p:childTnLst>
+        </p:cTn>
       </p:par>
     </p:tnLst>
+    <p:bldLst>
+      <p:bldP spid="16" grpId="0" animBg="1"/>
+      <p:bldP spid="18" grpId="0" animBg="1"/>
+      <p:bldP spid="19" grpId="0" animBg="1"/>
+      <p:bldP spid="20" grpId="0" animBg="1"/>
+      <p:bldP spid="22" grpId="0" animBg="1"/>
+      <p:bldP spid="24" grpId="0" animBg="1"/>
+    </p:bldLst>
   </p:timing>
 </p:sld>
 </file>
@@ -16578,32 +18578,29 @@
           <a:chExt cx="0" cy="0"/>
         </a:xfrm>
       </p:grpSpPr>
-      <p:pic>
-        <p:nvPicPr>
-          <p:cNvPr id="1026" name="Picture 2" descr="http://www.jacobsen.no/anders/blog/archives/images/project.jpg"/>
-          <p:cNvPicPr>
-            <a:picLocks noChangeAspect="1" noChangeArrowheads="1"/>
-          </p:cNvPicPr>
-          <p:nvPr/>
-        </p:nvPicPr>
-        <p:blipFill>
-          <a:blip r:embed="rId2" cstate="print"/>
-          <a:srcRect/>
-          <a:stretch>
-            <a:fillRect/>
-          </a:stretch>
-        </p:blipFill>
-        <p:spPr bwMode="auto">
-          <a:xfrm>
-            <a:off x="0" y="-8604"/>
-            <a:ext cx="9155472" cy="6866604"/>
-          </a:xfrm>
-          <a:prstGeom prst="rect">
-            <a:avLst/>
-          </a:prstGeom>
-          <a:noFill/>
-        </p:spPr>
-      </p:pic>
+      <p:sp>
+        <p:nvSpPr>
+          <p:cNvPr id="4" name="Title 3"/>
+          <p:cNvSpPr>
+            <a:spLocks noGrp="1"/>
+          </p:cNvSpPr>
+          <p:nvPr>
+            <p:ph type="ctrTitle"/>
+          </p:nvPr>
+        </p:nvSpPr>
+        <p:spPr/>
+        <p:txBody>
+          <a:bodyPr/>
+          <a:lstStyle/>
+          <a:p>
+            <a:r>
+              <a:rPr lang="en-US" dirty="0" smtClean="0"/>
+              <a:t>Code!</a:t>
+            </a:r>
+            <a:endParaRPr lang="en-US" dirty="0"/>
+          </a:p>
+        </p:txBody>
+      </p:sp>
     </p:spTree>
   </p:cSld>
   <p:clrMapOvr>
@@ -16653,7 +18650,7 @@
           <a:p>
             <a:r>
               <a:rPr lang="en-US" dirty="0" smtClean="0"/>
-              <a:t>A Series of Translations</a:t>
+              <a:t>Benefits of TDD</a:t>
             </a:r>
             <a:endParaRPr lang="en-US" dirty="0"/>
           </a:p>
@@ -16661,7 +18658,7 @@
       </p:sp>
       <p:sp>
         <p:nvSpPr>
-          <p:cNvPr id="5" name="Content Placeholder 4"/>
+          <p:cNvPr id="3" name="Content Placeholder 2"/>
           <p:cNvSpPr>
             <a:spLocks noGrp="1"/>
           </p:cNvSpPr>
@@ -16671,10 +18668,19 @@
         </p:nvSpPr>
         <p:spPr/>
         <p:txBody>
-          <a:bodyPr/>
+          <a:bodyPr anchor="ctr">
+            <a:normAutofit/>
+          </a:bodyPr>
           <a:lstStyle/>
           <a:p>
-            <a:endParaRPr lang="en-US"/>
+            <a:pPr algn="ctr">
+              <a:buNone/>
+            </a:pPr>
+            <a:r>
+              <a:rPr lang="en-US" sz="4400" b="1" dirty="0" smtClean="0"/>
+              <a:t>We know that our code is working!</a:t>
+            </a:r>
+            <a:endParaRPr lang="en-US" sz="4400" b="1" dirty="0"/>
           </a:p>
         </p:txBody>
       </p:sp>
@@ -16683,6 +18689,13 @@
   <p:clrMapOvr>
     <a:masterClrMapping/>
   </p:clrMapOvr>
+  <p:timing>
+    <p:tnLst>
+      <p:par>
+        <p:cTn id="1" dur="indefinite" restart="never" nodeType="tmRoot"/>
+      </p:par>
+    </p:tnLst>
+  </p:timing>
 </p:sld>
 </file>
 

--- a/TDD In Action.pptx
+++ b/TDD In Action.pptx
@@ -5,7 +5,7 @@
     <p:sldMasterId id="2147483840" r:id="rId1"/>
   </p:sldMasterIdLst>
   <p:notesMasterIdLst>
-    <p:notesMasterId r:id="rId33"/>
+    <p:notesMasterId r:id="rId37"/>
   </p:notesMasterIdLst>
   <p:sldIdLst>
     <p:sldId id="320" r:id="rId2"/>
@@ -37,8 +37,12 @@
     <p:sldId id="360" r:id="rId28"/>
     <p:sldId id="358" r:id="rId29"/>
     <p:sldId id="359" r:id="rId30"/>
-    <p:sldId id="392" r:id="rId31"/>
-    <p:sldId id="395" r:id="rId32"/>
+    <p:sldId id="396" r:id="rId31"/>
+    <p:sldId id="397" r:id="rId32"/>
+    <p:sldId id="401" r:id="rId33"/>
+    <p:sldId id="398" r:id="rId34"/>
+    <p:sldId id="400" r:id="rId35"/>
+    <p:sldId id="399" r:id="rId36"/>
   </p:sldIdLst>
   <p:sldSz cx="9144000" cy="6858000" type="screen4x3"/>
   <p:notesSz cx="6858000" cy="9144000"/>
@@ -223,7 +227,7 @@
             <a:fld id="{CE22DD2D-CE48-432A-B750-FE638311F72D}" type="datetimeFigureOut">
               <a:rPr lang="en-US" smtClean="0"/>
               <a:pPr/>
-              <a:t>5/12/2010</a:t>
+              <a:t>5/13/2010</a:t>
             </a:fld>
             <a:endParaRPr lang="en-US"/>
           </a:p>
@@ -751,258 +755,6 @@
 </p:notes>
 </file>
 
-<file path=ppt/notesSlides/notesSlide12.xml><?xml version="1.0" encoding="utf-8"?>
-<p:notes xmlns:a="http://schemas.openxmlformats.org/drawingml/2006/main" xmlns:r="http://schemas.openxmlformats.org/officeDocument/2006/relationships" xmlns:p="http://schemas.openxmlformats.org/presentationml/2006/main">
-  <p:cSld>
-    <p:spTree>
-      <p:nvGrpSpPr>
-        <p:cNvPr id="1" name=""/>
-        <p:cNvGrpSpPr/>
-        <p:nvPr/>
-      </p:nvGrpSpPr>
-      <p:grpSpPr>
-        <a:xfrm>
-          <a:off x="0" y="0"/>
-          <a:ext cx="0" cy="0"/>
-          <a:chOff x="0" y="0"/>
-          <a:chExt cx="0" cy="0"/>
-        </a:xfrm>
-      </p:grpSpPr>
-      <p:sp>
-        <p:nvSpPr>
-          <p:cNvPr id="2" name="Slide Image Placeholder 1"/>
-          <p:cNvSpPr>
-            <a:spLocks noGrp="1" noRot="1" noChangeAspect="1"/>
-          </p:cNvSpPr>
-          <p:nvPr>
-            <p:ph type="sldImg"/>
-          </p:nvPr>
-        </p:nvSpPr>
-        <p:spPr/>
-      </p:sp>
-      <p:sp>
-        <p:nvSpPr>
-          <p:cNvPr id="3" name="Notes Placeholder 2"/>
-          <p:cNvSpPr>
-            <a:spLocks noGrp="1"/>
-          </p:cNvSpPr>
-          <p:nvPr>
-            <p:ph type="body" idx="1"/>
-          </p:nvPr>
-        </p:nvSpPr>
-        <p:spPr/>
-        <p:txBody>
-          <a:bodyPr>
-            <a:normAutofit/>
-          </a:bodyPr>
-          <a:lstStyle/>
-          <a:p>
-            <a:r>
-              <a:rPr lang="en-US" dirty="0" smtClean="0"/>
-              <a:t>You are here</a:t>
-            </a:r>
-            <a:r>
-              <a:rPr lang="en-US" baseline="0" dirty="0" smtClean="0"/>
-              <a:t> to learn.  When you are working </a:t>
-            </a:r>
-            <a:r>
-              <a:rPr lang="en-US" baseline="0" smtClean="0"/>
-              <a:t>on learning something</a:t>
-            </a:r>
-            <a:r>
-              <a:rPr lang="en-US" baseline="0" dirty="0" smtClean="0"/>
-              <a:t>, it will take longer, but you get better at it over time.  The goal of this time is give you a chance to practice so that you feel comfortable enough doing TDD on real projects.</a:t>
-            </a:r>
-          </a:p>
-          <a:p>
-            <a:endParaRPr lang="en-US" dirty="0" smtClean="0"/>
-          </a:p>
-          <a:p>
-            <a:r>
-              <a:rPr lang="en-US" dirty="0" smtClean="0"/>
-              <a:t>-Fewer</a:t>
-            </a:r>
-            <a:r>
-              <a:rPr lang="en-US" baseline="0" dirty="0" smtClean="0"/>
-              <a:t> lines of code != better code.  We want to reduce duplication, of course, but “fewer lines of code” does not mean that you have a better solution.</a:t>
-            </a:r>
-          </a:p>
-          <a:p>
-            <a:r>
-              <a:rPr lang="en-US" baseline="0" dirty="0" smtClean="0"/>
-              <a:t>-Write code that is easy to read, change, and understand</a:t>
-            </a:r>
-          </a:p>
-          <a:p>
-            <a:pPr>
-              <a:buFontTx/>
-              <a:buChar char="-"/>
-            </a:pPr>
-            <a:r>
-              <a:rPr lang="en-US" baseline="0" dirty="0" smtClean="0"/>
-              <a:t>We’re not trying to solve geek puzzle problems here</a:t>
-            </a:r>
-          </a:p>
-        </p:txBody>
-      </p:sp>
-      <p:sp>
-        <p:nvSpPr>
-          <p:cNvPr id="4" name="Slide Number Placeholder 3"/>
-          <p:cNvSpPr>
-            <a:spLocks noGrp="1"/>
-          </p:cNvSpPr>
-          <p:nvPr>
-            <p:ph type="sldNum" sz="quarter" idx="10"/>
-          </p:nvPr>
-        </p:nvSpPr>
-        <p:spPr/>
-        <p:txBody>
-          <a:bodyPr/>
-          <a:lstStyle/>
-          <a:p>
-            <a:fld id="{46B52E04-8F68-435C-880A-7C7B12D9BA2F}" type="slidenum">
-              <a:rPr lang="en-US" smtClean="0"/>
-              <a:pPr/>
-              <a:t>30</a:t>
-            </a:fld>
-            <a:endParaRPr lang="en-US"/>
-          </a:p>
-        </p:txBody>
-      </p:sp>
-    </p:spTree>
-  </p:cSld>
-  <p:clrMapOvr>
-    <a:masterClrMapping/>
-  </p:clrMapOvr>
-</p:notes>
-</file>
-
-<file path=ppt/notesSlides/notesSlide13.xml><?xml version="1.0" encoding="utf-8"?>
-<p:notes xmlns:a="http://schemas.openxmlformats.org/drawingml/2006/main" xmlns:r="http://schemas.openxmlformats.org/officeDocument/2006/relationships" xmlns:p="http://schemas.openxmlformats.org/presentationml/2006/main">
-  <p:cSld>
-    <p:spTree>
-      <p:nvGrpSpPr>
-        <p:cNvPr id="1" name=""/>
-        <p:cNvGrpSpPr/>
-        <p:nvPr/>
-      </p:nvGrpSpPr>
-      <p:grpSpPr>
-        <a:xfrm>
-          <a:off x="0" y="0"/>
-          <a:ext cx="0" cy="0"/>
-          <a:chOff x="0" y="0"/>
-          <a:chExt cx="0" cy="0"/>
-        </a:xfrm>
-      </p:grpSpPr>
-      <p:sp>
-        <p:nvSpPr>
-          <p:cNvPr id="2" name="Slide Image Placeholder 1"/>
-          <p:cNvSpPr>
-            <a:spLocks noGrp="1" noRot="1" noChangeAspect="1"/>
-          </p:cNvSpPr>
-          <p:nvPr>
-            <p:ph type="sldImg"/>
-          </p:nvPr>
-        </p:nvSpPr>
-        <p:spPr/>
-      </p:sp>
-      <p:sp>
-        <p:nvSpPr>
-          <p:cNvPr id="3" name="Notes Placeholder 2"/>
-          <p:cNvSpPr>
-            <a:spLocks noGrp="1"/>
-          </p:cNvSpPr>
-          <p:nvPr>
-            <p:ph type="body" idx="1"/>
-          </p:nvPr>
-        </p:nvSpPr>
-        <p:spPr/>
-        <p:txBody>
-          <a:bodyPr>
-            <a:normAutofit/>
-          </a:bodyPr>
-          <a:lstStyle/>
-          <a:p>
-            <a:r>
-              <a:rPr lang="en-US" dirty="0" smtClean="0"/>
-              <a:t>You are here</a:t>
-            </a:r>
-            <a:r>
-              <a:rPr lang="en-US" baseline="0" dirty="0" smtClean="0"/>
-              <a:t> to learn.  When you are working </a:t>
-            </a:r>
-            <a:r>
-              <a:rPr lang="en-US" baseline="0" smtClean="0"/>
-              <a:t>on learning something</a:t>
-            </a:r>
-            <a:r>
-              <a:rPr lang="en-US" baseline="0" dirty="0" smtClean="0"/>
-              <a:t>, it will take longer, but you get better at it over time.  The goal of this time is give you a chance to practice so that you feel comfortable enough doing TDD on real projects.</a:t>
-            </a:r>
-          </a:p>
-          <a:p>
-            <a:endParaRPr lang="en-US" dirty="0" smtClean="0"/>
-          </a:p>
-          <a:p>
-            <a:r>
-              <a:rPr lang="en-US" dirty="0" smtClean="0"/>
-              <a:t>-Fewer</a:t>
-            </a:r>
-            <a:r>
-              <a:rPr lang="en-US" baseline="0" dirty="0" smtClean="0"/>
-              <a:t> lines of code != better code.  We want to reduce duplication, of course, but “fewer lines of code” does not mean that you have a better solution.</a:t>
-            </a:r>
-          </a:p>
-          <a:p>
-            <a:r>
-              <a:rPr lang="en-US" baseline="0" dirty="0" smtClean="0"/>
-              <a:t>-Write code that is easy to read, change, and understand</a:t>
-            </a:r>
-          </a:p>
-          <a:p>
-            <a:pPr>
-              <a:buFontTx/>
-              <a:buChar char="-"/>
-            </a:pPr>
-            <a:r>
-              <a:rPr lang="en-US" baseline="0" dirty="0" smtClean="0"/>
-              <a:t>We’re not trying to solve geek puzzle problems here</a:t>
-            </a:r>
-          </a:p>
-        </p:txBody>
-      </p:sp>
-      <p:sp>
-        <p:nvSpPr>
-          <p:cNvPr id="4" name="Slide Number Placeholder 3"/>
-          <p:cNvSpPr>
-            <a:spLocks noGrp="1"/>
-          </p:cNvSpPr>
-          <p:nvPr>
-            <p:ph type="sldNum" sz="quarter" idx="10"/>
-          </p:nvPr>
-        </p:nvSpPr>
-        <p:spPr/>
-        <p:txBody>
-          <a:bodyPr/>
-          <a:lstStyle/>
-          <a:p>
-            <a:fld id="{46B52E04-8F68-435C-880A-7C7B12D9BA2F}" type="slidenum">
-              <a:rPr lang="en-US" smtClean="0"/>
-              <a:pPr/>
-              <a:t>31</a:t>
-            </a:fld>
-            <a:endParaRPr lang="en-US"/>
-          </a:p>
-        </p:txBody>
-      </p:sp>
-    </p:spTree>
-  </p:cSld>
-  <p:clrMapOvr>
-    <a:masterClrMapping/>
-  </p:clrMapOvr>
-</p:notes>
-</file>
-
 <file path=ppt/notesSlides/notesSlide2.xml><?xml version="1.0" encoding="utf-8"?>
 <p:notes xmlns:a="http://schemas.openxmlformats.org/drawingml/2006/main" xmlns:r="http://schemas.openxmlformats.org/officeDocument/2006/relationships" xmlns:p="http://schemas.openxmlformats.org/presentationml/2006/main">
   <p:cSld>
@@ -1946,7 +1698,7 @@
             <a:fld id="{C3F416CD-67A3-4CF0-A210-F6AF31AC147F}" type="datetimeFigureOut">
               <a:rPr lang="en-US" smtClean="0"/>
               <a:pPr/>
-              <a:t>5/12/2010</a:t>
+              <a:t>5/13/2010</a:t>
             </a:fld>
             <a:endParaRPr lang="en-US"/>
           </a:p>
@@ -2126,7 +1878,7 @@
             <a:fld id="{C3F416CD-67A3-4CF0-A210-F6AF31AC147F}" type="datetimeFigureOut">
               <a:rPr lang="en-US" smtClean="0"/>
               <a:pPr/>
-              <a:t>5/12/2010</a:t>
+              <a:t>5/13/2010</a:t>
             </a:fld>
             <a:endParaRPr lang="en-US"/>
           </a:p>
@@ -2303,7 +2055,7 @@
             <a:fld id="{C3F416CD-67A3-4CF0-A210-F6AF31AC147F}" type="datetimeFigureOut">
               <a:rPr lang="en-US" smtClean="0"/>
               <a:pPr/>
-              <a:t>5/12/2010</a:t>
+              <a:t>5/13/2010</a:t>
             </a:fld>
             <a:endParaRPr lang="en-US"/>
           </a:p>
@@ -2470,7 +2222,7 @@
             <a:fld id="{C3F416CD-67A3-4CF0-A210-F6AF31AC147F}" type="datetimeFigureOut">
               <a:rPr lang="en-US" smtClean="0"/>
               <a:pPr/>
-              <a:t>5/12/2010</a:t>
+              <a:t>5/13/2010</a:t>
             </a:fld>
             <a:endParaRPr lang="en-US"/>
           </a:p>
@@ -2683,7 +2435,7 @@
             <a:fld id="{C3F416CD-67A3-4CF0-A210-F6AF31AC147F}" type="datetimeFigureOut">
               <a:rPr lang="en-US" smtClean="0"/>
               <a:pPr/>
-              <a:t>5/12/2010</a:t>
+              <a:t>5/13/2010</a:t>
             </a:fld>
             <a:endParaRPr lang="en-US"/>
           </a:p>
@@ -2968,7 +2720,7 @@
             <a:fld id="{C3F416CD-67A3-4CF0-A210-F6AF31AC147F}" type="datetimeFigureOut">
               <a:rPr lang="en-US" smtClean="0"/>
               <a:pPr/>
-              <a:t>5/12/2010</a:t>
+              <a:t>5/13/2010</a:t>
             </a:fld>
             <a:endParaRPr lang="en-US"/>
           </a:p>
@@ -3400,7 +3152,7 @@
             <a:fld id="{C3F416CD-67A3-4CF0-A210-F6AF31AC147F}" type="datetimeFigureOut">
               <a:rPr lang="en-US" smtClean="0"/>
               <a:pPr algn="l" eaLnBrk="1" latinLnBrk="0" hangingPunct="1"/>
-              <a:t>5/12/2010</a:t>
+              <a:t>5/13/2010</a:t>
             </a:fld>
             <a:endParaRPr lang="en-US"/>
           </a:p>
@@ -3520,7 +3272,7 @@
             <a:fld id="{C3F416CD-67A3-4CF0-A210-F6AF31AC147F}" type="datetimeFigureOut">
               <a:rPr lang="en-US" smtClean="0"/>
               <a:pPr/>
-              <a:t>5/12/2010</a:t>
+              <a:t>5/13/2010</a:t>
             </a:fld>
             <a:endParaRPr lang="en-US"/>
           </a:p>
@@ -3612,7 +3364,7 @@
             <a:fld id="{C3F416CD-67A3-4CF0-A210-F6AF31AC147F}" type="datetimeFigureOut">
               <a:rPr lang="en-US" smtClean="0"/>
               <a:pPr/>
-              <a:t>5/12/2010</a:t>
+              <a:t>5/13/2010</a:t>
             </a:fld>
             <a:endParaRPr lang="en-US"/>
           </a:p>
@@ -3903,7 +3655,7 @@
             <a:fld id="{C3F416CD-67A3-4CF0-A210-F6AF31AC147F}" type="datetimeFigureOut">
               <a:rPr lang="en-US" smtClean="0"/>
               <a:pPr/>
-              <a:t>5/12/2010</a:t>
+              <a:t>5/13/2010</a:t>
             </a:fld>
             <a:endParaRPr lang="en-US"/>
           </a:p>
@@ -4230,7 +3982,7 @@
             <a:fld id="{C3F416CD-67A3-4CF0-A210-F6AF31AC147F}" type="datetimeFigureOut">
               <a:rPr lang="en-US" smtClean="0"/>
               <a:pPr/>
-              <a:t>5/12/2010</a:t>
+              <a:t>5/13/2010</a:t>
             </a:fld>
             <a:endParaRPr lang="en-US"/>
           </a:p>
@@ -4451,7 +4203,7 @@
             <a:fld id="{C3F416CD-67A3-4CF0-A210-F6AF31AC147F}" type="datetimeFigureOut">
               <a:rPr lang="en-US" smtClean="0"/>
               <a:pPr algn="l" eaLnBrk="1" latinLnBrk="0" hangingPunct="1"/>
-              <a:t>5/12/2010</a:t>
+              <a:t>5/13/2010</a:t>
             </a:fld>
             <a:endParaRPr lang="en-US" sz="800" dirty="0">
               <a:solidFill>
@@ -5082,11 +4834,7 @@
             </a:pPr>
             <a:r>
               <a:rPr lang="en-US" sz="4400" b="1" dirty="0" smtClean="0"/>
-              <a:t>We know that our code </a:t>
-            </a:r>
-            <a:r>
-              <a:rPr lang="en-US" sz="4400" b="1" dirty="0" smtClean="0"/>
-              <a:t>will continue to work</a:t>
+              <a:t>We know that our code will continue to work</a:t>
             </a:r>
             <a:endParaRPr lang="en-US" sz="4400" b="1" dirty="0"/>
           </a:p>
@@ -6894,7 +6642,6 @@
               <a:rPr lang="en-US" dirty="0" smtClean="0"/>
               <a:t>I don’t have time to constantly step through code to see if it’s all working</a:t>
             </a:r>
-            <a:endParaRPr lang="en-US" dirty="0" smtClean="0"/>
           </a:p>
           <a:p>
             <a:r>
@@ -8230,71 +7977,106 @@
         </p:nvSpPr>
         <p:spPr/>
         <p:txBody>
+          <a:bodyPr>
+            <a:normAutofit fontScale="90000"/>
+          </a:bodyPr>
+          <a:lstStyle/>
+          <a:p>
+            <a:r>
+              <a:rPr lang="en-US" dirty="0" smtClean="0"/>
+              <a:t>Resources - Cost of unit testing</a:t>
+            </a:r>
+            <a:endParaRPr lang="en-US" dirty="0"/>
+          </a:p>
+        </p:txBody>
+      </p:sp>
+      <p:sp>
+        <p:nvSpPr>
+          <p:cNvPr id="3" name="Content Placeholder 2"/>
+          <p:cNvSpPr>
+            <a:spLocks noGrp="1"/>
+          </p:cNvSpPr>
+          <p:nvPr>
+            <p:ph idx="1"/>
+          </p:nvPr>
+        </p:nvSpPr>
+        <p:spPr/>
+        <p:txBody>
           <a:bodyPr/>
           <a:lstStyle/>
           <a:p>
             <a:r>
-              <a:rPr lang="en-US" dirty="0" smtClean="0"/>
-              <a:t>Next Steps</a:t>
-            </a:r>
-            <a:endParaRPr lang="en-US" dirty="0"/>
-          </a:p>
-        </p:txBody>
-      </p:sp>
-      <p:sp>
-        <p:nvSpPr>
-          <p:cNvPr id="3" name="Content Placeholder 2"/>
-          <p:cNvSpPr>
-            <a:spLocks noGrp="1"/>
-          </p:cNvSpPr>
-          <p:nvPr>
-            <p:ph idx="1"/>
-          </p:nvPr>
-        </p:nvSpPr>
-        <p:spPr/>
-        <p:txBody>
-          <a:bodyPr>
-            <a:normAutofit/>
-          </a:bodyPr>
-          <a:lstStyle/>
-          <a:p>
-            <a:r>
-              <a:rPr lang="en-US" dirty="0" smtClean="0"/>
-              <a:t>Practice (</a:t>
-            </a:r>
-            <a:r>
-              <a:rPr lang="en-US" dirty="0" err="1" smtClean="0"/>
-              <a:t>kata</a:t>
-            </a:r>
-            <a:r>
-              <a:rPr lang="en-US" dirty="0" smtClean="0"/>
-              <a:t>)</a:t>
-            </a:r>
-          </a:p>
-          <a:p>
-            <a:r>
-              <a:rPr lang="en-US" b="1" i="1" dirty="0" smtClean="0">
-                <a:ea typeface="Optima" charset="0"/>
-                <a:cs typeface="Optima" charset="0"/>
-                <a:sym typeface="Optima" charset="0"/>
+              <a:rPr lang="en-US" sz="2400" dirty="0" smtClean="0"/>
+              <a:t>Microsoft Research – “Realizing quality improvement through test driven development: results and experiences of four industrial teams”</a:t>
+            </a:r>
+          </a:p>
+          <a:p>
+            <a:pPr lvl="1"/>
+            <a:r>
+              <a:rPr lang="en-US" sz="1800" b="1" dirty="0" smtClean="0">
+                <a:hlinkClick r:id="rId2"/>
               </a:rPr>
-              <a:t>Books</a:t>
-            </a:r>
-          </a:p>
-          <a:p>
-            <a:r>
-              <a:rPr lang="en-US" b="1" i="1" dirty="0" smtClean="0">
-                <a:ea typeface="Optima" charset="0"/>
-                <a:cs typeface="Optima" charset="0"/>
-                <a:sym typeface="Optima" charset="0"/>
+              <a:t>http://research.microsoft.com/en-us/projects/esm/nagappan_tdd.pdf</a:t>
+            </a:r>
+            <a:endParaRPr lang="en-US" sz="1800" b="1" dirty="0" smtClean="0"/>
+          </a:p>
+          <a:p>
+            <a:endParaRPr lang="en-US" sz="2400" b="1" dirty="0" smtClean="0"/>
+          </a:p>
+          <a:p>
+            <a:r>
+              <a:rPr lang="en-US" sz="2400" dirty="0" smtClean="0"/>
+              <a:t>Cost of Testing, by </a:t>
+            </a:r>
+            <a:r>
+              <a:rPr lang="en-US" sz="2400" dirty="0" err="1" smtClean="0"/>
+              <a:t>Misko</a:t>
+            </a:r>
+            <a:r>
+              <a:rPr lang="en-US" sz="2400" dirty="0" smtClean="0"/>
+              <a:t> </a:t>
+            </a:r>
+            <a:r>
+              <a:rPr lang="en-US" sz="2400" dirty="0" err="1" smtClean="0"/>
+              <a:t>Hevery</a:t>
+            </a:r>
+            <a:r>
+              <a:rPr lang="en-US" sz="2400" dirty="0" smtClean="0"/>
+              <a:t> (Agile Coach/Java developer at Google)</a:t>
+            </a:r>
+          </a:p>
+          <a:p>
+            <a:pPr lvl="1"/>
+            <a:r>
+              <a:rPr lang="en-US" sz="1800" b="1" dirty="0" smtClean="0">
+                <a:hlinkClick r:id="rId3"/>
               </a:rPr>
-              <a:t>training</a:t>
-            </a:r>
-            <a:endParaRPr lang="en-US" b="1" i="1" dirty="0" smtClean="0">
-              <a:ea typeface="Optima" charset="0"/>
-              <a:cs typeface="Optima" charset="0"/>
-              <a:sym typeface="Optima" charset="0"/>
-            </a:endParaRPr>
+              <a:t>http://misko.hevery.com/2009/10/01/cost-of-testing/</a:t>
+            </a:r>
+            <a:endParaRPr lang="en-US" sz="1800" b="1" dirty="0" smtClean="0"/>
+          </a:p>
+          <a:p>
+            <a:pPr lvl="1"/>
+            <a:endParaRPr lang="en-US" sz="1800" b="1" dirty="0" smtClean="0"/>
+          </a:p>
+          <a:p>
+            <a:r>
+              <a:rPr lang="en-US" sz="2400" dirty="0" smtClean="0"/>
+              <a:t>TDD Derangement Syndrome, by Uncle Bob Martin</a:t>
+            </a:r>
+          </a:p>
+          <a:p>
+            <a:pPr lvl="1"/>
+            <a:r>
+              <a:rPr lang="en-US" sz="1800" b="1" dirty="0" smtClean="0">
+                <a:hlinkClick r:id="rId4"/>
+              </a:rPr>
+              <a:t>http://blog.objectmentor.com/articles/2009/10/07/tdd-derangement-syndrome</a:t>
+            </a:r>
+            <a:endParaRPr lang="en-US" sz="1800" b="1" dirty="0" smtClean="0"/>
+          </a:p>
+          <a:p>
+            <a:endParaRPr lang="en-US" sz="2400" b="1" dirty="0" smtClean="0"/>
           </a:p>
           <a:p>
             <a:endParaRPr lang="en-US" dirty="0"/>
@@ -8309,344 +8091,9 @@
   <p:timing>
     <p:tnLst>
       <p:par>
-        <p:cTn id="1" dur="indefinite" restart="never" nodeType="tmRoot">
-          <p:childTnLst>
-            <p:seq concurrent="1" nextAc="seek">
-              <p:cTn id="2" dur="indefinite" nodeType="mainSeq">
-                <p:childTnLst>
-                  <p:par>
-                    <p:cTn id="3" fill="hold">
-                      <p:stCondLst>
-                        <p:cond delay="indefinite"/>
-                      </p:stCondLst>
-                      <p:childTnLst>
-                        <p:par>
-                          <p:cTn id="4" fill="hold">
-                            <p:stCondLst>
-                              <p:cond delay="0"/>
-                            </p:stCondLst>
-                            <p:childTnLst>
-                              <p:par>
-                                <p:cTn id="5" presetID="2" presetClass="entr" presetSubtype="4" fill="hold" grpId="0" nodeType="clickEffect">
-                                  <p:stCondLst>
-                                    <p:cond delay="0"/>
-                                  </p:stCondLst>
-                                  <p:childTnLst>
-                                    <p:set>
-                                      <p:cBhvr>
-                                        <p:cTn id="6" dur="1" fill="hold">
-                                          <p:stCondLst>
-                                            <p:cond delay="0"/>
-                                          </p:stCondLst>
-                                        </p:cTn>
-                                        <p:tgtEl>
-                                          <p:spTgt spid="3">
-                                            <p:txEl>
-                                              <p:pRg st="0" end="0"/>
-                                            </p:txEl>
-                                          </p:spTgt>
-                                        </p:tgtEl>
-                                        <p:attrNameLst>
-                                          <p:attrName>style.visibility</p:attrName>
-                                        </p:attrNameLst>
-                                      </p:cBhvr>
-                                      <p:to>
-                                        <p:strVal val="visible"/>
-                                      </p:to>
-                                    </p:set>
-                                    <p:anim calcmode="lin" valueType="num">
-                                      <p:cBhvr additive="base">
-                                        <p:cTn id="7" dur="500" fill="hold"/>
-                                        <p:tgtEl>
-                                          <p:spTgt spid="3">
-                                            <p:txEl>
-                                              <p:pRg st="0" end="0"/>
-                                            </p:txEl>
-                                          </p:spTgt>
-                                        </p:tgtEl>
-                                        <p:attrNameLst>
-                                          <p:attrName>ppt_x</p:attrName>
-                                        </p:attrNameLst>
-                                      </p:cBhvr>
-                                      <p:tavLst>
-                                        <p:tav tm="0">
-                                          <p:val>
-                                            <p:strVal val="#ppt_x"/>
-                                          </p:val>
-                                        </p:tav>
-                                        <p:tav tm="100000">
-                                          <p:val>
-                                            <p:strVal val="#ppt_x"/>
-                                          </p:val>
-                                        </p:tav>
-                                      </p:tavLst>
-                                    </p:anim>
-                                    <p:anim calcmode="lin" valueType="num">
-                                      <p:cBhvr additive="base">
-                                        <p:cTn id="8" dur="500" fill="hold"/>
-                                        <p:tgtEl>
-                                          <p:spTgt spid="3">
-                                            <p:txEl>
-                                              <p:pRg st="0" end="0"/>
-                                            </p:txEl>
-                                          </p:spTgt>
-                                        </p:tgtEl>
-                                        <p:attrNameLst>
-                                          <p:attrName>ppt_y</p:attrName>
-                                        </p:attrNameLst>
-                                      </p:cBhvr>
-                                      <p:tavLst>
-                                        <p:tav tm="0">
-                                          <p:val>
-                                            <p:strVal val="1+#ppt_h/2"/>
-                                          </p:val>
-                                        </p:tav>
-                                        <p:tav tm="100000">
-                                          <p:val>
-                                            <p:strVal val="#ppt_y"/>
-                                          </p:val>
-                                        </p:tav>
-                                      </p:tavLst>
-                                    </p:anim>
-                                  </p:childTnLst>
-                                </p:cTn>
-                              </p:par>
-                            </p:childTnLst>
-                          </p:cTn>
-                        </p:par>
-                      </p:childTnLst>
-                    </p:cTn>
-                  </p:par>
-                  <p:par>
-                    <p:cTn id="9" fill="hold">
-                      <p:stCondLst>
-                        <p:cond delay="indefinite"/>
-                      </p:stCondLst>
-                      <p:childTnLst>
-                        <p:par>
-                          <p:cTn id="10" fill="hold">
-                            <p:stCondLst>
-                              <p:cond delay="0"/>
-                            </p:stCondLst>
-                            <p:childTnLst>
-                              <p:par>
-                                <p:cTn id="11" presetID="2" presetClass="entr" presetSubtype="4" fill="hold" grpId="0" nodeType="clickEffect">
-                                  <p:stCondLst>
-                                    <p:cond delay="0"/>
-                                  </p:stCondLst>
-                                  <p:childTnLst>
-                                    <p:set>
-                                      <p:cBhvr>
-                                        <p:cTn id="12" dur="1" fill="hold">
-                                          <p:stCondLst>
-                                            <p:cond delay="0"/>
-                                          </p:stCondLst>
-                                        </p:cTn>
-                                        <p:tgtEl>
-                                          <p:spTgt spid="3">
-                                            <p:txEl>
-                                              <p:pRg st="1" end="1"/>
-                                            </p:txEl>
-                                          </p:spTgt>
-                                        </p:tgtEl>
-                                        <p:attrNameLst>
-                                          <p:attrName>style.visibility</p:attrName>
-                                        </p:attrNameLst>
-                                      </p:cBhvr>
-                                      <p:to>
-                                        <p:strVal val="visible"/>
-                                      </p:to>
-                                    </p:set>
-                                    <p:anim calcmode="lin" valueType="num">
-                                      <p:cBhvr additive="base">
-                                        <p:cTn id="13" dur="500" fill="hold"/>
-                                        <p:tgtEl>
-                                          <p:spTgt spid="3">
-                                            <p:txEl>
-                                              <p:pRg st="1" end="1"/>
-                                            </p:txEl>
-                                          </p:spTgt>
-                                        </p:tgtEl>
-                                        <p:attrNameLst>
-                                          <p:attrName>ppt_x</p:attrName>
-                                        </p:attrNameLst>
-                                      </p:cBhvr>
-                                      <p:tavLst>
-                                        <p:tav tm="0">
-                                          <p:val>
-                                            <p:strVal val="#ppt_x"/>
-                                          </p:val>
-                                        </p:tav>
-                                        <p:tav tm="100000">
-                                          <p:val>
-                                            <p:strVal val="#ppt_x"/>
-                                          </p:val>
-                                        </p:tav>
-                                      </p:tavLst>
-                                    </p:anim>
-                                    <p:anim calcmode="lin" valueType="num">
-                                      <p:cBhvr additive="base">
-                                        <p:cTn id="14" dur="500" fill="hold"/>
-                                        <p:tgtEl>
-                                          <p:spTgt spid="3">
-                                            <p:txEl>
-                                              <p:pRg st="1" end="1"/>
-                                            </p:txEl>
-                                          </p:spTgt>
-                                        </p:tgtEl>
-                                        <p:attrNameLst>
-                                          <p:attrName>ppt_y</p:attrName>
-                                        </p:attrNameLst>
-                                      </p:cBhvr>
-                                      <p:tavLst>
-                                        <p:tav tm="0">
-                                          <p:val>
-                                            <p:strVal val="1+#ppt_h/2"/>
-                                          </p:val>
-                                        </p:tav>
-                                        <p:tav tm="100000">
-                                          <p:val>
-                                            <p:strVal val="#ppt_y"/>
-                                          </p:val>
-                                        </p:tav>
-                                      </p:tavLst>
-                                    </p:anim>
-                                  </p:childTnLst>
-                                </p:cTn>
-                              </p:par>
-                            </p:childTnLst>
-                          </p:cTn>
-                        </p:par>
-                      </p:childTnLst>
-                    </p:cTn>
-                  </p:par>
-                  <p:par>
-                    <p:cTn id="15" fill="hold">
-                      <p:stCondLst>
-                        <p:cond delay="indefinite"/>
-                      </p:stCondLst>
-                      <p:childTnLst>
-                        <p:par>
-                          <p:cTn id="16" fill="hold">
-                            <p:stCondLst>
-                              <p:cond delay="0"/>
-                            </p:stCondLst>
-                            <p:childTnLst>
-                              <p:par>
-                                <p:cTn id="17" presetID="2" presetClass="entr" presetSubtype="4" fill="hold" grpId="0" nodeType="clickEffect">
-                                  <p:stCondLst>
-                                    <p:cond delay="0"/>
-                                  </p:stCondLst>
-                                  <p:childTnLst>
-                                    <p:set>
-                                      <p:cBhvr>
-                                        <p:cTn id="18" dur="1" fill="hold">
-                                          <p:stCondLst>
-                                            <p:cond delay="0"/>
-                                          </p:stCondLst>
-                                        </p:cTn>
-                                        <p:tgtEl>
-                                          <p:spTgt spid="3">
-                                            <p:txEl>
-                                              <p:pRg st="2" end="2"/>
-                                            </p:txEl>
-                                          </p:spTgt>
-                                        </p:tgtEl>
-                                        <p:attrNameLst>
-                                          <p:attrName>style.visibility</p:attrName>
-                                        </p:attrNameLst>
-                                      </p:cBhvr>
-                                      <p:to>
-                                        <p:strVal val="visible"/>
-                                      </p:to>
-                                    </p:set>
-                                    <p:anim calcmode="lin" valueType="num">
-                                      <p:cBhvr additive="base">
-                                        <p:cTn id="19" dur="500" fill="hold"/>
-                                        <p:tgtEl>
-                                          <p:spTgt spid="3">
-                                            <p:txEl>
-                                              <p:pRg st="2" end="2"/>
-                                            </p:txEl>
-                                          </p:spTgt>
-                                        </p:tgtEl>
-                                        <p:attrNameLst>
-                                          <p:attrName>ppt_x</p:attrName>
-                                        </p:attrNameLst>
-                                      </p:cBhvr>
-                                      <p:tavLst>
-                                        <p:tav tm="0">
-                                          <p:val>
-                                            <p:strVal val="#ppt_x"/>
-                                          </p:val>
-                                        </p:tav>
-                                        <p:tav tm="100000">
-                                          <p:val>
-                                            <p:strVal val="#ppt_x"/>
-                                          </p:val>
-                                        </p:tav>
-                                      </p:tavLst>
-                                    </p:anim>
-                                    <p:anim calcmode="lin" valueType="num">
-                                      <p:cBhvr additive="base">
-                                        <p:cTn id="20" dur="500" fill="hold"/>
-                                        <p:tgtEl>
-                                          <p:spTgt spid="3">
-                                            <p:txEl>
-                                              <p:pRg st="2" end="2"/>
-                                            </p:txEl>
-                                          </p:spTgt>
-                                        </p:tgtEl>
-                                        <p:attrNameLst>
-                                          <p:attrName>ppt_y</p:attrName>
-                                        </p:attrNameLst>
-                                      </p:cBhvr>
-                                      <p:tavLst>
-                                        <p:tav tm="0">
-                                          <p:val>
-                                            <p:strVal val="1+#ppt_h/2"/>
-                                          </p:val>
-                                        </p:tav>
-                                        <p:tav tm="100000">
-                                          <p:val>
-                                            <p:strVal val="#ppt_y"/>
-                                          </p:val>
-                                        </p:tav>
-                                      </p:tavLst>
-                                    </p:anim>
-                                  </p:childTnLst>
-                                </p:cTn>
-                              </p:par>
-                            </p:childTnLst>
-                          </p:cTn>
-                        </p:par>
-                      </p:childTnLst>
-                    </p:cTn>
-                  </p:par>
-                </p:childTnLst>
-              </p:cTn>
-              <p:prevCondLst>
-                <p:cond evt="onPrev" delay="0">
-                  <p:tgtEl>
-                    <p:sldTgt/>
-                  </p:tgtEl>
-                </p:cond>
-              </p:prevCondLst>
-              <p:nextCondLst>
-                <p:cond evt="onNext" delay="0">
-                  <p:tgtEl>
-                    <p:sldTgt/>
-                  </p:tgtEl>
-                </p:cond>
-              </p:nextCondLst>
-            </p:seq>
-          </p:childTnLst>
-        </p:cTn>
+        <p:cTn id="1" dur="indefinite" restart="never" nodeType="tmRoot"/>
       </p:par>
     </p:tnLst>
-    <p:bldLst>
-      <p:bldP spid="3" grpId="0" build="p"/>
-    </p:bldLst>
   </p:timing>
 </p:sld>
 </file>
@@ -8680,29 +8127,6 @@
         </p:nvSpPr>
         <p:spPr/>
         <p:txBody>
-          <a:bodyPr/>
-          <a:lstStyle/>
-          <a:p>
-            <a:r>
-              <a:rPr lang="en-US" dirty="0" smtClean="0"/>
-              <a:t>Resources</a:t>
-            </a:r>
-            <a:endParaRPr lang="en-US" dirty="0"/>
-          </a:p>
-        </p:txBody>
-      </p:sp>
-      <p:sp>
-        <p:nvSpPr>
-          <p:cNvPr id="3" name="Content Placeholder 2"/>
-          <p:cNvSpPr>
-            <a:spLocks noGrp="1"/>
-          </p:cNvSpPr>
-          <p:nvPr>
-            <p:ph idx="1"/>
-          </p:nvPr>
-        </p:nvSpPr>
-        <p:spPr/>
-        <p:txBody>
           <a:bodyPr>
             <a:normAutofit/>
           </a:bodyPr>
@@ -8710,12 +8134,151 @@
           <a:p>
             <a:r>
               <a:rPr lang="en-US" dirty="0" smtClean="0"/>
-              <a:t>Get stuff from the intro to </a:t>
-            </a:r>
-            <a:r>
-              <a:rPr lang="en-US" smtClean="0"/>
-              <a:t>TDD talk</a:t>
-            </a:r>
+              <a:t>Resources – Learning TDD</a:t>
+            </a:r>
+            <a:endParaRPr lang="en-US" dirty="0"/>
+          </a:p>
+        </p:txBody>
+      </p:sp>
+      <p:sp>
+        <p:nvSpPr>
+          <p:cNvPr id="3" name="Content Placeholder 2"/>
+          <p:cNvSpPr>
+            <a:spLocks noGrp="1"/>
+          </p:cNvSpPr>
+          <p:nvPr>
+            <p:ph idx="1"/>
+          </p:nvPr>
+        </p:nvSpPr>
+        <p:spPr>
+          <a:xfrm>
+            <a:off x="457200" y="1600200"/>
+            <a:ext cx="8229600" cy="5105400"/>
+          </a:xfrm>
+        </p:spPr>
+        <p:txBody>
+          <a:bodyPr>
+            <a:normAutofit lnSpcReduction="10000"/>
+          </a:bodyPr>
+          <a:lstStyle/>
+          <a:p>
+            <a:r>
+              <a:rPr lang="en-US" sz="2400" dirty="0" smtClean="0"/>
+              <a:t>Behavior Driven Development</a:t>
+            </a:r>
+          </a:p>
+          <a:p>
+            <a:pPr lvl="1"/>
+            <a:r>
+              <a:rPr lang="en-US" sz="1800" b="1" dirty="0" smtClean="0">
+                <a:hlinkClick r:id="rId2"/>
+              </a:rPr>
+              <a:t>http://www.code-magazine.com/article.aspx?quickid=0805061&amp;page=1</a:t>
+            </a:r>
+            <a:endParaRPr lang="en-US" sz="1800" b="1" dirty="0" smtClean="0"/>
+          </a:p>
+          <a:p>
+            <a:pPr lvl="1"/>
+            <a:endParaRPr lang="en-US" sz="1800" b="1" dirty="0" smtClean="0"/>
+          </a:p>
+          <a:p>
+            <a:r>
+              <a:rPr lang="en-US" sz="2400" dirty="0" smtClean="0"/>
+              <a:t>So How do You Introduce TDD into an Organization or Team?, by Jeremy Miller</a:t>
+            </a:r>
+          </a:p>
+          <a:p>
+            <a:pPr lvl="1"/>
+            <a:r>
+              <a:rPr lang="en-US" sz="1800" b="1" dirty="0" smtClean="0">
+                <a:hlinkClick r:id="rId3"/>
+              </a:rPr>
+              <a:t>http://codebetter.com/blogs/jeremy.miller/archive/2006/06/27/146899.aspx</a:t>
+            </a:r>
+            <a:endParaRPr lang="en-US" sz="1800" b="1" dirty="0" smtClean="0"/>
+          </a:p>
+          <a:p>
+            <a:pPr lvl="1"/>
+            <a:endParaRPr lang="en-US" sz="1800" b="1" dirty="0" smtClean="0"/>
+          </a:p>
+          <a:p>
+            <a:r>
+              <a:rPr lang="en-US" sz="2400" dirty="0" smtClean="0"/>
+              <a:t>How to get started with TDD, by </a:t>
+            </a:r>
+            <a:r>
+              <a:rPr lang="en-US" sz="2400" dirty="0" err="1" smtClean="0"/>
+              <a:t>Misko</a:t>
+            </a:r>
+            <a:r>
+              <a:rPr lang="en-US" sz="2400" dirty="0" smtClean="0"/>
+              <a:t> </a:t>
+            </a:r>
+            <a:r>
+              <a:rPr lang="en-US" sz="2400" dirty="0" err="1" smtClean="0"/>
+              <a:t>Hevery</a:t>
+            </a:r>
+            <a:r>
+              <a:rPr lang="en-US" sz="2400" dirty="0" smtClean="0"/>
+              <a:t> (Java examples)</a:t>
+            </a:r>
+          </a:p>
+          <a:p>
+            <a:pPr lvl="1"/>
+            <a:r>
+              <a:rPr lang="en-US" sz="1800" b="1" dirty="0" smtClean="0">
+                <a:hlinkClick r:id="rId4"/>
+              </a:rPr>
+              <a:t>http://misko.hevery.com/2009/11/17/how-to-get-started-with-tdd/</a:t>
+            </a:r>
+            <a:endParaRPr lang="en-US" sz="2400" dirty="0" smtClean="0"/>
+          </a:p>
+          <a:p>
+            <a:pPr lvl="1"/>
+            <a:endParaRPr lang="en-US" sz="2400" dirty="0" smtClean="0"/>
+          </a:p>
+          <a:p>
+            <a:r>
+              <a:rPr lang="en-US" sz="2400" dirty="0" smtClean="0"/>
+              <a:t>TDD Starter Kit – Sample Projects and Links (C# examples)</a:t>
+            </a:r>
+          </a:p>
+          <a:p>
+            <a:pPr lvl="1"/>
+            <a:r>
+              <a:rPr lang="en-US" sz="1800" dirty="0" smtClean="0">
+                <a:hlinkClick r:id="rId5"/>
+              </a:rPr>
+              <a:t>http://jonkruger.com/blog/2009/07/23/tdd-starter-kit-sample-projects-and-links/</a:t>
+            </a:r>
+            <a:endParaRPr lang="en-US" sz="1800" dirty="0" smtClean="0"/>
+          </a:p>
+          <a:p>
+            <a:pPr lvl="1"/>
+            <a:endParaRPr lang="en-US" sz="1800" dirty="0" smtClean="0"/>
+          </a:p>
+          <a:p>
+            <a:r>
+              <a:rPr lang="en-US" sz="2400" dirty="0" smtClean="0"/>
+              <a:t>Pair Programming </a:t>
+            </a:r>
+            <a:r>
+              <a:rPr lang="en-US" sz="2400" dirty="0" err="1" smtClean="0"/>
+              <a:t>Bot</a:t>
+            </a:r>
+            <a:endParaRPr lang="en-US" sz="2400" dirty="0" smtClean="0"/>
+          </a:p>
+          <a:p>
+            <a:pPr lvl="1"/>
+            <a:r>
+              <a:rPr lang="en-US" sz="1800" dirty="0" smtClean="0">
+                <a:hlinkClick r:id="rId6"/>
+              </a:rPr>
+              <a:t>http://pairprogrammingbot.com/</a:t>
+            </a:r>
+            <a:endParaRPr lang="en-US" sz="1800" dirty="0" smtClean="0"/>
+          </a:p>
+          <a:p>
             <a:endParaRPr lang="en-US" dirty="0"/>
           </a:p>
         </p:txBody>
@@ -8728,138 +8291,764 @@
   <p:timing>
     <p:tnLst>
       <p:par>
-        <p:cTn id="1" dur="indefinite" restart="never" nodeType="tmRoot">
-          <p:childTnLst>
-            <p:seq concurrent="1" nextAc="seek">
-              <p:cTn id="2" dur="indefinite" nodeType="mainSeq">
-                <p:childTnLst>
-                  <p:par>
-                    <p:cTn id="3" fill="hold">
-                      <p:stCondLst>
-                        <p:cond delay="indefinite"/>
-                      </p:stCondLst>
-                      <p:childTnLst>
-                        <p:par>
-                          <p:cTn id="4" fill="hold">
-                            <p:stCondLst>
-                              <p:cond delay="0"/>
-                            </p:stCondLst>
-                            <p:childTnLst>
-                              <p:par>
-                                <p:cTn id="5" presetID="2" presetClass="entr" presetSubtype="4" fill="hold" grpId="0" nodeType="clickEffect">
-                                  <p:stCondLst>
-                                    <p:cond delay="0"/>
-                                  </p:stCondLst>
-                                  <p:childTnLst>
-                                    <p:set>
-                                      <p:cBhvr>
-                                        <p:cTn id="6" dur="1" fill="hold">
-                                          <p:stCondLst>
-                                            <p:cond delay="0"/>
-                                          </p:stCondLst>
-                                        </p:cTn>
-                                        <p:tgtEl>
-                                          <p:spTgt spid="3">
-                                            <p:txEl>
-                                              <p:pRg st="0" end="0"/>
-                                            </p:txEl>
-                                          </p:spTgt>
-                                        </p:tgtEl>
-                                        <p:attrNameLst>
-                                          <p:attrName>style.visibility</p:attrName>
-                                        </p:attrNameLst>
-                                      </p:cBhvr>
-                                      <p:to>
-                                        <p:strVal val="visible"/>
-                                      </p:to>
-                                    </p:set>
-                                    <p:anim calcmode="lin" valueType="num">
-                                      <p:cBhvr additive="base">
-                                        <p:cTn id="7" dur="500" fill="hold"/>
-                                        <p:tgtEl>
-                                          <p:spTgt spid="3">
-                                            <p:txEl>
-                                              <p:pRg st="0" end="0"/>
-                                            </p:txEl>
-                                          </p:spTgt>
-                                        </p:tgtEl>
-                                        <p:attrNameLst>
-                                          <p:attrName>ppt_x</p:attrName>
-                                        </p:attrNameLst>
-                                      </p:cBhvr>
-                                      <p:tavLst>
-                                        <p:tav tm="0">
-                                          <p:val>
-                                            <p:strVal val="#ppt_x"/>
-                                          </p:val>
-                                        </p:tav>
-                                        <p:tav tm="100000">
-                                          <p:val>
-                                            <p:strVal val="#ppt_x"/>
-                                          </p:val>
-                                        </p:tav>
-                                      </p:tavLst>
-                                    </p:anim>
-                                    <p:anim calcmode="lin" valueType="num">
-                                      <p:cBhvr additive="base">
-                                        <p:cTn id="8" dur="500" fill="hold"/>
-                                        <p:tgtEl>
-                                          <p:spTgt spid="3">
-                                            <p:txEl>
-                                              <p:pRg st="0" end="0"/>
-                                            </p:txEl>
-                                          </p:spTgt>
-                                        </p:tgtEl>
-                                        <p:attrNameLst>
-                                          <p:attrName>ppt_y</p:attrName>
-                                        </p:attrNameLst>
-                                      </p:cBhvr>
-                                      <p:tavLst>
-                                        <p:tav tm="0">
-                                          <p:val>
-                                            <p:strVal val="1+#ppt_h/2"/>
-                                          </p:val>
-                                        </p:tav>
-                                        <p:tav tm="100000">
-                                          <p:val>
-                                            <p:strVal val="#ppt_y"/>
-                                          </p:val>
-                                        </p:tav>
-                                      </p:tavLst>
-                                    </p:anim>
-                                  </p:childTnLst>
-                                </p:cTn>
-                              </p:par>
-                            </p:childTnLst>
-                          </p:cTn>
-                        </p:par>
-                      </p:childTnLst>
-                    </p:cTn>
-                  </p:par>
-                </p:childTnLst>
-              </p:cTn>
-              <p:prevCondLst>
-                <p:cond evt="onPrev" delay="0">
-                  <p:tgtEl>
-                    <p:sldTgt/>
-                  </p:tgtEl>
-                </p:cond>
-              </p:prevCondLst>
-              <p:nextCondLst>
-                <p:cond evt="onNext" delay="0">
-                  <p:tgtEl>
-                    <p:sldTgt/>
-                  </p:tgtEl>
-                </p:cond>
-              </p:nextCondLst>
-            </p:seq>
-          </p:childTnLst>
-        </p:cTn>
+        <p:cTn id="1" dur="indefinite" restart="never" nodeType="tmRoot"/>
       </p:par>
     </p:tnLst>
-    <p:bldLst>
-      <p:bldP spid="3" grpId="0" build="p"/>
-    </p:bldLst>
+  </p:timing>
+</p:sld>
+</file>
+
+<file path=ppt/slides/slide32.xml><?xml version="1.0" encoding="utf-8"?>
+<p:sld xmlns:a="http://schemas.openxmlformats.org/drawingml/2006/main" xmlns:r="http://schemas.openxmlformats.org/officeDocument/2006/relationships" xmlns:p="http://schemas.openxmlformats.org/presentationml/2006/main">
+  <p:cSld>
+    <p:spTree>
+      <p:nvGrpSpPr>
+        <p:cNvPr id="1" name=""/>
+        <p:cNvGrpSpPr/>
+        <p:nvPr/>
+      </p:nvGrpSpPr>
+      <p:grpSpPr>
+        <a:xfrm>
+          <a:off x="0" y="0"/>
+          <a:ext cx="0" cy="0"/>
+          <a:chOff x="0" y="0"/>
+          <a:chExt cx="0" cy="0"/>
+        </a:xfrm>
+      </p:grpSpPr>
+      <p:sp>
+        <p:nvSpPr>
+          <p:cNvPr id="2" name="Title 1"/>
+          <p:cNvSpPr>
+            <a:spLocks noGrp="1"/>
+          </p:cNvSpPr>
+          <p:nvPr>
+            <p:ph type="title"/>
+          </p:nvPr>
+        </p:nvSpPr>
+        <p:spPr/>
+        <p:txBody>
+          <a:bodyPr>
+            <a:normAutofit/>
+          </a:bodyPr>
+          <a:lstStyle/>
+          <a:p>
+            <a:r>
+              <a:rPr lang="en-US" dirty="0" smtClean="0"/>
+              <a:t>Resources – </a:t>
+            </a:r>
+            <a:r>
+              <a:rPr lang="en-US" dirty="0" smtClean="0"/>
+              <a:t>Books</a:t>
+            </a:r>
+            <a:endParaRPr lang="en-US" dirty="0"/>
+          </a:p>
+        </p:txBody>
+      </p:sp>
+      <p:sp>
+        <p:nvSpPr>
+          <p:cNvPr id="3" name="Content Placeholder 2"/>
+          <p:cNvSpPr>
+            <a:spLocks noGrp="1"/>
+          </p:cNvSpPr>
+          <p:nvPr>
+            <p:ph idx="1"/>
+          </p:nvPr>
+        </p:nvSpPr>
+        <p:spPr>
+          <a:xfrm>
+            <a:off x="457200" y="1600200"/>
+            <a:ext cx="8229600" cy="5105400"/>
+          </a:xfrm>
+        </p:spPr>
+        <p:txBody>
+          <a:bodyPr>
+            <a:normAutofit/>
+          </a:bodyPr>
+          <a:lstStyle/>
+          <a:p>
+            <a:r>
+              <a:rPr lang="en-US" dirty="0" smtClean="0"/>
+              <a:t>The Art of Unit Testing</a:t>
+            </a:r>
+          </a:p>
+          <a:p>
+            <a:pPr lvl="1"/>
+            <a:r>
+              <a:rPr lang="en-US" dirty="0" smtClean="0"/>
+              <a:t>by Roy </a:t>
+            </a:r>
+            <a:r>
+              <a:rPr lang="en-US" dirty="0" err="1" smtClean="0"/>
+              <a:t>Osherove</a:t>
+            </a:r>
+            <a:endParaRPr lang="en-US" dirty="0" smtClean="0"/>
+          </a:p>
+          <a:p>
+            <a:r>
+              <a:rPr lang="en-US" dirty="0" smtClean="0"/>
+              <a:t>Test Driven Development: By Example</a:t>
+            </a:r>
+          </a:p>
+          <a:p>
+            <a:pPr lvl="1"/>
+            <a:r>
+              <a:rPr lang="en-US" dirty="0" smtClean="0"/>
+              <a:t>by Kent Beck</a:t>
+            </a:r>
+          </a:p>
+          <a:p>
+            <a:r>
+              <a:rPr lang="en-US" dirty="0" smtClean="0"/>
+              <a:t>Test Driven Development: A Practical Guide</a:t>
+            </a:r>
+          </a:p>
+          <a:p>
+            <a:pPr lvl="1"/>
+            <a:r>
+              <a:rPr lang="en-US" dirty="0" smtClean="0"/>
+              <a:t>by David </a:t>
+            </a:r>
+            <a:r>
+              <a:rPr lang="en-US" dirty="0" err="1" smtClean="0"/>
+              <a:t>Astels</a:t>
+            </a:r>
+            <a:endParaRPr lang="en-US" dirty="0" smtClean="0"/>
+          </a:p>
+          <a:p>
+            <a:r>
+              <a:rPr lang="en-US" dirty="0" smtClean="0"/>
+              <a:t>The RSpec Book: </a:t>
+            </a:r>
+            <a:r>
+              <a:rPr lang="en-US" dirty="0" err="1" smtClean="0"/>
+              <a:t>Behaviour</a:t>
+            </a:r>
+            <a:r>
+              <a:rPr lang="en-US" dirty="0" smtClean="0"/>
+              <a:t> Driven Development with RSpec, Cucumber, and Friends</a:t>
+            </a:r>
+          </a:p>
+          <a:p>
+            <a:pPr lvl="1"/>
+            <a:r>
+              <a:rPr lang="en-US" dirty="0" smtClean="0"/>
+              <a:t>by </a:t>
+            </a:r>
+            <a:r>
+              <a:rPr lang="en-US" dirty="0" smtClean="0"/>
+              <a:t>David </a:t>
+            </a:r>
+            <a:r>
+              <a:rPr lang="en-US" dirty="0" err="1" smtClean="0"/>
+              <a:t>Chelimsky</a:t>
+            </a:r>
+            <a:r>
+              <a:rPr lang="en-US" dirty="0" smtClean="0"/>
+              <a:t>, Dave </a:t>
+            </a:r>
+            <a:r>
+              <a:rPr lang="en-US" dirty="0" err="1" smtClean="0"/>
+              <a:t>Astels</a:t>
+            </a:r>
+            <a:r>
+              <a:rPr lang="en-US" dirty="0" smtClean="0"/>
+              <a:t>, et. al.</a:t>
+            </a:r>
+          </a:p>
+        </p:txBody>
+      </p:sp>
+    </p:spTree>
+  </p:cSld>
+  <p:clrMapOvr>
+    <a:masterClrMapping/>
+  </p:clrMapOvr>
+  <p:timing>
+    <p:tnLst>
+      <p:par>
+        <p:cTn id="1" dur="indefinite" restart="never" nodeType="tmRoot"/>
+      </p:par>
+    </p:tnLst>
+  </p:timing>
+</p:sld>
+</file>
+
+<file path=ppt/slides/slide33.xml><?xml version="1.0" encoding="utf-8"?>
+<p:sld xmlns:a="http://schemas.openxmlformats.org/drawingml/2006/main" xmlns:r="http://schemas.openxmlformats.org/officeDocument/2006/relationships" xmlns:p="http://schemas.openxmlformats.org/presentationml/2006/main">
+  <p:cSld>
+    <p:spTree>
+      <p:nvGrpSpPr>
+        <p:cNvPr id="1" name=""/>
+        <p:cNvGrpSpPr/>
+        <p:nvPr/>
+      </p:nvGrpSpPr>
+      <p:grpSpPr>
+        <a:xfrm>
+          <a:off x="0" y="0"/>
+          <a:ext cx="0" cy="0"/>
+          <a:chOff x="0" y="0"/>
+          <a:chExt cx="0" cy="0"/>
+        </a:xfrm>
+      </p:grpSpPr>
+      <p:sp>
+        <p:nvSpPr>
+          <p:cNvPr id="2" name="Title 1"/>
+          <p:cNvSpPr>
+            <a:spLocks noGrp="1"/>
+          </p:cNvSpPr>
+          <p:nvPr>
+            <p:ph type="title"/>
+          </p:nvPr>
+        </p:nvSpPr>
+        <p:spPr/>
+        <p:txBody>
+          <a:bodyPr>
+            <a:normAutofit/>
+          </a:bodyPr>
+          <a:lstStyle/>
+          <a:p>
+            <a:r>
+              <a:rPr lang="en-US" dirty="0" smtClean="0"/>
+              <a:t>Resources – Practice!</a:t>
+            </a:r>
+            <a:endParaRPr lang="en-US" dirty="0"/>
+          </a:p>
+        </p:txBody>
+      </p:sp>
+      <p:sp>
+        <p:nvSpPr>
+          <p:cNvPr id="3" name="Content Placeholder 2"/>
+          <p:cNvSpPr>
+            <a:spLocks noGrp="1"/>
+          </p:cNvSpPr>
+          <p:nvPr>
+            <p:ph idx="1"/>
+          </p:nvPr>
+        </p:nvSpPr>
+        <p:spPr>
+          <a:xfrm>
+            <a:off x="457200" y="1600200"/>
+            <a:ext cx="8229600" cy="5257800"/>
+          </a:xfrm>
+        </p:spPr>
+        <p:txBody>
+          <a:bodyPr>
+            <a:normAutofit lnSpcReduction="10000"/>
+          </a:bodyPr>
+          <a:lstStyle/>
+          <a:p>
+            <a:r>
+              <a:rPr lang="en-US" dirty="0" smtClean="0"/>
+              <a:t>String Calculator </a:t>
+            </a:r>
+            <a:r>
+              <a:rPr lang="en-US" dirty="0" err="1" smtClean="0"/>
+              <a:t>kata</a:t>
+            </a:r>
+            <a:endParaRPr lang="en-US" dirty="0" smtClean="0"/>
+          </a:p>
+          <a:p>
+            <a:pPr lvl="1"/>
+            <a:r>
+              <a:rPr lang="en-US" dirty="0" smtClean="0">
+                <a:hlinkClick r:id="rId2"/>
+              </a:rPr>
+              <a:t>http://osherove.com/tdd-kata-1/</a:t>
+            </a:r>
+            <a:endParaRPr lang="en-US" dirty="0" smtClean="0"/>
+          </a:p>
+          <a:p>
+            <a:pPr lvl="1"/>
+            <a:endParaRPr lang="en-US" dirty="0" smtClean="0"/>
+          </a:p>
+          <a:p>
+            <a:r>
+              <a:rPr lang="en-US" dirty="0" smtClean="0"/>
+              <a:t>Bowling Game </a:t>
+            </a:r>
+            <a:r>
+              <a:rPr lang="en-US" dirty="0" err="1" smtClean="0"/>
+              <a:t>kata</a:t>
+            </a:r>
+            <a:endParaRPr lang="en-US" dirty="0" smtClean="0"/>
+          </a:p>
+          <a:p>
+            <a:pPr lvl="1"/>
+            <a:r>
+              <a:rPr lang="en-US" sz="2100" dirty="0" smtClean="0">
+                <a:hlinkClick r:id="rId3"/>
+              </a:rPr>
+              <a:t>http://butunclebob.com/ArticleS.UncleBob.TheBowlingGameKata</a:t>
+            </a:r>
+            <a:endParaRPr lang="en-US" sz="2100" dirty="0" smtClean="0"/>
+          </a:p>
+          <a:p>
+            <a:pPr lvl="1"/>
+            <a:endParaRPr lang="en-US" sz="2100" dirty="0" smtClean="0"/>
+          </a:p>
+          <a:p>
+            <a:r>
+              <a:rPr lang="en-US" sz="2700" dirty="0" smtClean="0"/>
+              <a:t>Prime Factors </a:t>
+            </a:r>
+            <a:r>
+              <a:rPr lang="en-US" sz="2700" dirty="0" err="1" smtClean="0"/>
+              <a:t>kata</a:t>
+            </a:r>
+            <a:endParaRPr lang="en-US" sz="2700" dirty="0" smtClean="0"/>
+          </a:p>
+          <a:p>
+            <a:pPr lvl="1"/>
+            <a:r>
+              <a:rPr lang="en-US" sz="1900" dirty="0" smtClean="0">
+                <a:hlinkClick r:id="rId4"/>
+              </a:rPr>
+              <a:t>http://</a:t>
+            </a:r>
+            <a:r>
+              <a:rPr lang="en-US" sz="1900" dirty="0" smtClean="0">
+                <a:hlinkClick r:id="rId4"/>
+              </a:rPr>
+              <a:t>www.butunclebob.com/ArticleS.UncleBob.ThePrimeFactorsKata</a:t>
+            </a:r>
+            <a:endParaRPr lang="en-US" sz="1900" dirty="0" smtClean="0"/>
+          </a:p>
+          <a:p>
+            <a:pPr lvl="1"/>
+            <a:endParaRPr lang="en-US" sz="1900" dirty="0" smtClean="0"/>
+          </a:p>
+          <a:p>
+            <a:r>
+              <a:rPr lang="en-US" sz="2500" dirty="0" smtClean="0"/>
+              <a:t>Greed game (part of the Ruby </a:t>
+            </a:r>
+            <a:r>
+              <a:rPr lang="en-US" sz="2500" dirty="0" err="1" smtClean="0"/>
+              <a:t>koans</a:t>
+            </a:r>
+            <a:r>
+              <a:rPr lang="en-US" sz="2500" dirty="0" smtClean="0"/>
+              <a:t>)</a:t>
+            </a:r>
+          </a:p>
+          <a:p>
+            <a:pPr lvl="1"/>
+            <a:r>
+              <a:rPr lang="en-US" dirty="0" smtClean="0">
+                <a:hlinkClick r:id="rId5"/>
+              </a:rPr>
+              <a:t>http://github.com/edgecase/ruby_koans</a:t>
+            </a:r>
+            <a:endParaRPr lang="en-US" dirty="0" smtClean="0"/>
+          </a:p>
+          <a:p>
+            <a:pPr lvl="1"/>
+            <a:endParaRPr lang="en-US" sz="1900" dirty="0" smtClean="0"/>
+          </a:p>
+          <a:p>
+            <a:r>
+              <a:rPr lang="en-US" sz="2500" dirty="0" err="1" smtClean="0"/>
+              <a:t>Katacasts</a:t>
+            </a:r>
+            <a:r>
+              <a:rPr lang="en-US" sz="2500" dirty="0"/>
+              <a:t> </a:t>
+            </a:r>
+            <a:r>
+              <a:rPr lang="en-US" sz="2500" dirty="0" smtClean="0"/>
+              <a:t>(watch </a:t>
+            </a:r>
+            <a:r>
+              <a:rPr lang="en-US" sz="2500" dirty="0" err="1" smtClean="0"/>
+              <a:t>screencasts</a:t>
+            </a:r>
+            <a:r>
+              <a:rPr lang="en-US" sz="2500" dirty="0" smtClean="0"/>
+              <a:t> of people doing various </a:t>
+            </a:r>
+            <a:r>
+              <a:rPr lang="en-US" sz="2500" dirty="0" err="1" smtClean="0"/>
+              <a:t>katas</a:t>
+            </a:r>
+            <a:r>
+              <a:rPr lang="en-US" sz="2500" dirty="0" smtClean="0"/>
+              <a:t>)</a:t>
+            </a:r>
+          </a:p>
+          <a:p>
+            <a:pPr lvl="1"/>
+            <a:r>
+              <a:rPr lang="en-US" dirty="0" smtClean="0">
+                <a:hlinkClick r:id="rId6"/>
+              </a:rPr>
+              <a:t>http://www.katacasts.com/</a:t>
+            </a:r>
+            <a:endParaRPr lang="en-US" dirty="0" smtClean="0"/>
+          </a:p>
+          <a:p>
+            <a:pPr lvl="1">
+              <a:buNone/>
+            </a:pPr>
+            <a:endParaRPr lang="en-US" sz="1900" dirty="0" smtClean="0"/>
+          </a:p>
+        </p:txBody>
+      </p:sp>
+    </p:spTree>
+  </p:cSld>
+  <p:clrMapOvr>
+    <a:masterClrMapping/>
+  </p:clrMapOvr>
+  <p:timing>
+    <p:tnLst>
+      <p:par>
+        <p:cTn id="1" dur="indefinite" restart="never" nodeType="tmRoot"/>
+      </p:par>
+    </p:tnLst>
+  </p:timing>
+</p:sld>
+</file>
+
+<file path=ppt/slides/slide34.xml><?xml version="1.0" encoding="utf-8"?>
+<p:sld xmlns:a="http://schemas.openxmlformats.org/drawingml/2006/main" xmlns:r="http://schemas.openxmlformats.org/officeDocument/2006/relationships" xmlns:p="http://schemas.openxmlformats.org/presentationml/2006/main">
+  <p:cSld>
+    <p:spTree>
+      <p:nvGrpSpPr>
+        <p:cNvPr id="1" name=""/>
+        <p:cNvGrpSpPr/>
+        <p:nvPr/>
+      </p:nvGrpSpPr>
+      <p:grpSpPr>
+        <a:xfrm>
+          <a:off x="0" y="0"/>
+          <a:ext cx="0" cy="0"/>
+          <a:chOff x="0" y="0"/>
+          <a:chExt cx="0" cy="0"/>
+        </a:xfrm>
+      </p:grpSpPr>
+      <p:sp>
+        <p:nvSpPr>
+          <p:cNvPr id="2" name="Title 1"/>
+          <p:cNvSpPr>
+            <a:spLocks noGrp="1"/>
+          </p:cNvSpPr>
+          <p:nvPr>
+            <p:ph type="title"/>
+          </p:nvPr>
+        </p:nvSpPr>
+        <p:spPr/>
+        <p:txBody>
+          <a:bodyPr>
+            <a:normAutofit/>
+          </a:bodyPr>
+          <a:lstStyle/>
+          <a:p>
+            <a:r>
+              <a:rPr lang="en-US" dirty="0" smtClean="0"/>
+              <a:t>Resources – </a:t>
+            </a:r>
+            <a:r>
+              <a:rPr lang="en-US" dirty="0" smtClean="0"/>
+              <a:t>Training</a:t>
+            </a:r>
+            <a:endParaRPr lang="en-US" dirty="0"/>
+          </a:p>
+        </p:txBody>
+      </p:sp>
+      <p:sp>
+        <p:nvSpPr>
+          <p:cNvPr id="3" name="Content Placeholder 2"/>
+          <p:cNvSpPr>
+            <a:spLocks noGrp="1"/>
+          </p:cNvSpPr>
+          <p:nvPr>
+            <p:ph idx="1"/>
+          </p:nvPr>
+        </p:nvSpPr>
+        <p:spPr>
+          <a:xfrm>
+            <a:off x="457200" y="1600200"/>
+            <a:ext cx="8229600" cy="4953000"/>
+          </a:xfrm>
+        </p:spPr>
+        <p:txBody>
+          <a:bodyPr>
+            <a:normAutofit/>
+          </a:bodyPr>
+          <a:lstStyle/>
+          <a:p>
+            <a:r>
+              <a:rPr lang="en-US" dirty="0" smtClean="0"/>
+              <a:t>TDD Boot Camp (.NET)</a:t>
+            </a:r>
+          </a:p>
+          <a:p>
+            <a:pPr lvl="1"/>
+            <a:r>
+              <a:rPr lang="en-US" sz="2800" dirty="0" smtClean="0">
+                <a:hlinkClick r:id="rId2"/>
+              </a:rPr>
+              <a:t>http://tddbootcamp.com</a:t>
+            </a:r>
+            <a:endParaRPr lang="en-US" sz="2800" dirty="0" smtClean="0"/>
+          </a:p>
+          <a:p>
+            <a:pPr lvl="1"/>
+            <a:r>
+              <a:rPr lang="en-US" sz="2800" dirty="0" smtClean="0"/>
+              <a:t>Cincinnati – June 22-24</a:t>
+            </a:r>
+          </a:p>
+          <a:p>
+            <a:pPr lvl="1"/>
+            <a:r>
+              <a:rPr lang="en-US" sz="2800" dirty="0" smtClean="0"/>
+              <a:t>Columbus – July 13-15</a:t>
+            </a:r>
+          </a:p>
+          <a:p>
+            <a:pPr lvl="1"/>
+            <a:r>
+              <a:rPr lang="en-US" sz="2800" dirty="0" smtClean="0"/>
+              <a:t>Detroit – Aug. 18-20</a:t>
+            </a:r>
+            <a:br>
+              <a:rPr lang="en-US" sz="2800" dirty="0" smtClean="0"/>
+            </a:br>
+            <a:endParaRPr lang="en-US" sz="2800" dirty="0" smtClean="0"/>
+          </a:p>
+          <a:p>
+            <a:r>
+              <a:rPr lang="en-US" dirty="0" smtClean="0"/>
+              <a:t>Pillar Technology (Java)</a:t>
+            </a:r>
+          </a:p>
+          <a:p>
+            <a:pPr lvl="1"/>
+            <a:r>
+              <a:rPr lang="en-US" sz="2800" dirty="0" smtClean="0">
+                <a:hlinkClick r:id="rId3"/>
+              </a:rPr>
+              <a:t>http://pillartechnology.com</a:t>
+            </a:r>
+            <a:r>
+              <a:rPr lang="en-US" sz="2800" dirty="0" smtClean="0"/>
+              <a:t/>
+            </a:r>
+            <a:br>
+              <a:rPr lang="en-US" sz="2800" dirty="0" smtClean="0"/>
+            </a:br>
+            <a:endParaRPr lang="en-US" sz="2800" dirty="0" smtClean="0"/>
+          </a:p>
+          <a:p>
+            <a:r>
+              <a:rPr lang="en-US" dirty="0" err="1" smtClean="0"/>
+              <a:t>EdgeCase</a:t>
+            </a:r>
+            <a:r>
+              <a:rPr lang="en-US" dirty="0" smtClean="0"/>
+              <a:t> (Ruby on Rails)</a:t>
+            </a:r>
+          </a:p>
+          <a:p>
+            <a:pPr lvl="1"/>
+            <a:r>
+              <a:rPr lang="en-US" sz="2800" dirty="0" smtClean="0">
+                <a:hlinkClick r:id="rId4"/>
+              </a:rPr>
+              <a:t>http://edgecase.com</a:t>
+            </a:r>
+            <a:endParaRPr lang="en-US" sz="2800" dirty="0" smtClean="0"/>
+          </a:p>
+          <a:p>
+            <a:pPr lvl="1">
+              <a:buNone/>
+            </a:pPr>
+            <a:endParaRPr lang="en-US" sz="2800" dirty="0" smtClean="0"/>
+          </a:p>
+          <a:p>
+            <a:pPr lvl="1">
+              <a:buNone/>
+            </a:pPr>
+            <a:endParaRPr lang="en-US" sz="2800" dirty="0" smtClean="0"/>
+          </a:p>
+          <a:p>
+            <a:pPr lvl="1">
+              <a:buNone/>
+            </a:pPr>
+            <a:endParaRPr lang="en-US" sz="2800" dirty="0" smtClean="0"/>
+          </a:p>
+        </p:txBody>
+      </p:sp>
+    </p:spTree>
+  </p:cSld>
+  <p:clrMapOvr>
+    <a:masterClrMapping/>
+  </p:clrMapOvr>
+  <p:timing>
+    <p:tnLst>
+      <p:par>
+        <p:cTn id="1" dur="indefinite" restart="never" nodeType="tmRoot"/>
+      </p:par>
+    </p:tnLst>
+  </p:timing>
+</p:sld>
+</file>
+
+<file path=ppt/slides/slide35.xml><?xml version="1.0" encoding="utf-8"?>
+<p:sld xmlns:a="http://schemas.openxmlformats.org/drawingml/2006/main" xmlns:r="http://schemas.openxmlformats.org/officeDocument/2006/relationships" xmlns:p="http://schemas.openxmlformats.org/presentationml/2006/main">
+  <p:cSld>
+    <p:spTree>
+      <p:nvGrpSpPr>
+        <p:cNvPr id="1" name=""/>
+        <p:cNvGrpSpPr/>
+        <p:nvPr/>
+      </p:nvGrpSpPr>
+      <p:grpSpPr>
+        <a:xfrm>
+          <a:off x="0" y="0"/>
+          <a:ext cx="0" cy="0"/>
+          <a:chOff x="0" y="0"/>
+          <a:chExt cx="0" cy="0"/>
+        </a:xfrm>
+      </p:grpSpPr>
+      <p:sp>
+        <p:nvSpPr>
+          <p:cNvPr id="2" name="Title 1"/>
+          <p:cNvSpPr>
+            <a:spLocks noGrp="1"/>
+          </p:cNvSpPr>
+          <p:nvPr>
+            <p:ph type="title"/>
+          </p:nvPr>
+        </p:nvSpPr>
+        <p:spPr/>
+        <p:txBody>
+          <a:bodyPr>
+            <a:normAutofit/>
+          </a:bodyPr>
+          <a:lstStyle/>
+          <a:p>
+            <a:r>
+              <a:rPr lang="en-US" dirty="0" smtClean="0"/>
+              <a:t>My Info</a:t>
+            </a:r>
+            <a:endParaRPr lang="en-US" dirty="0"/>
+          </a:p>
+        </p:txBody>
+      </p:sp>
+      <p:sp>
+        <p:nvSpPr>
+          <p:cNvPr id="3" name="Content Placeholder 2"/>
+          <p:cNvSpPr>
+            <a:spLocks noGrp="1"/>
+          </p:cNvSpPr>
+          <p:nvPr>
+            <p:ph idx="1"/>
+          </p:nvPr>
+        </p:nvSpPr>
+        <p:spPr/>
+        <p:txBody>
+          <a:bodyPr>
+            <a:normAutofit/>
+          </a:bodyPr>
+          <a:lstStyle/>
+          <a:p>
+            <a:r>
+              <a:rPr lang="en-US" dirty="0" smtClean="0"/>
+              <a:t>Email: </a:t>
+            </a:r>
+            <a:r>
+              <a:rPr lang="en-US" b="1" dirty="0" smtClean="0">
+                <a:hlinkClick r:id="rId2"/>
+              </a:rPr>
+              <a:t>jon@jonkruger.com</a:t>
+            </a:r>
+            <a:endParaRPr lang="en-US" b="1" dirty="0" smtClean="0"/>
+          </a:p>
+          <a:p>
+            <a:r>
+              <a:rPr lang="en-US" dirty="0" smtClean="0"/>
+              <a:t>Twitter: </a:t>
+            </a:r>
+            <a:r>
+              <a:rPr lang="en-US" b="1" dirty="0" smtClean="0"/>
+              <a:t>@</a:t>
+            </a:r>
+            <a:r>
+              <a:rPr lang="en-US" b="1" dirty="0" err="1" smtClean="0"/>
+              <a:t>JonKruger</a:t>
+            </a:r>
+            <a:endParaRPr lang="en-US" b="1" dirty="0" smtClean="0"/>
+          </a:p>
+          <a:p>
+            <a:r>
+              <a:rPr lang="en-US" dirty="0" smtClean="0"/>
+              <a:t>Blog: </a:t>
+            </a:r>
+            <a:r>
+              <a:rPr lang="en-US" b="1" dirty="0" smtClean="0">
+                <a:hlinkClick r:id="rId3"/>
+              </a:rPr>
+              <a:t>http://</a:t>
+            </a:r>
+            <a:r>
+              <a:rPr lang="en-US" b="1" dirty="0" smtClean="0">
+                <a:hlinkClick r:id="rId3"/>
+              </a:rPr>
+              <a:t>jonkruger.com/blog</a:t>
+            </a:r>
+            <a:endParaRPr lang="en-US" b="1" dirty="0" smtClean="0"/>
+          </a:p>
+          <a:p>
+            <a:endParaRPr lang="en-US" b="1" dirty="0" smtClean="0"/>
+          </a:p>
+          <a:p>
+            <a:r>
+              <a:rPr lang="en-US" dirty="0" smtClean="0"/>
+              <a:t>These slides:</a:t>
+            </a:r>
+            <a:r>
+              <a:rPr lang="en-US" b="1" dirty="0" smtClean="0"/>
+              <a:t> </a:t>
+            </a:r>
+            <a:r>
+              <a:rPr lang="en-US" b="1" dirty="0" smtClean="0">
+                <a:hlinkClick r:id="rId4"/>
+              </a:rPr>
+              <a:t>http://tinyurl.com/tdd-in-action</a:t>
+            </a:r>
+            <a:endParaRPr lang="en-US" b="1" dirty="0" smtClean="0"/>
+          </a:p>
+          <a:p>
+            <a:endParaRPr lang="en-US" b="1" dirty="0" smtClean="0"/>
+          </a:p>
+          <a:p>
+            <a:pPr>
+              <a:buNone/>
+            </a:pPr>
+            <a:endParaRPr lang="en-US" b="1" dirty="0" smtClean="0"/>
+          </a:p>
+          <a:p>
+            <a:endParaRPr lang="en-US" dirty="0" smtClean="0"/>
+          </a:p>
+          <a:p>
+            <a:pPr>
+              <a:buNone/>
+            </a:pPr>
+            <a:endParaRPr lang="en-US" dirty="0" smtClean="0"/>
+          </a:p>
+        </p:txBody>
+      </p:sp>
+    </p:spTree>
+  </p:cSld>
+  <p:clrMapOvr>
+    <a:masterClrMapping/>
+  </p:clrMapOvr>
+  <p:timing>
+    <p:tnLst>
+      <p:par>
+        <p:cTn id="1" dur="indefinite" restart="never" nodeType="tmRoot"/>
+      </p:par>
+    </p:tnLst>
   </p:timing>
 </p:sld>
 </file>

--- a/TDD In Action.pptx
+++ b/TDD In Action.pptx
@@ -5,7 +5,7 @@
     <p:sldMasterId id="2147483840" r:id="rId1"/>
   </p:sldMasterIdLst>
   <p:notesMasterIdLst>
-    <p:notesMasterId r:id="rId37"/>
+    <p:notesMasterId r:id="rId38"/>
   </p:notesMasterIdLst>
   <p:sldIdLst>
     <p:sldId id="320" r:id="rId2"/>
@@ -38,11 +38,12 @@
     <p:sldId id="358" r:id="rId29"/>
     <p:sldId id="359" r:id="rId30"/>
     <p:sldId id="396" r:id="rId31"/>
-    <p:sldId id="397" r:id="rId32"/>
-    <p:sldId id="401" r:id="rId33"/>
-    <p:sldId id="398" r:id="rId34"/>
-    <p:sldId id="400" r:id="rId35"/>
-    <p:sldId id="399" r:id="rId36"/>
+    <p:sldId id="402" r:id="rId32"/>
+    <p:sldId id="397" r:id="rId33"/>
+    <p:sldId id="401" r:id="rId34"/>
+    <p:sldId id="398" r:id="rId35"/>
+    <p:sldId id="400" r:id="rId36"/>
+    <p:sldId id="399" r:id="rId37"/>
   </p:sldIdLst>
   <p:sldSz cx="9144000" cy="6858000" type="screen4x3"/>
   <p:notesSz cx="6858000" cy="9144000"/>
@@ -227,7 +228,7 @@
             <a:fld id="{CE22DD2D-CE48-432A-B750-FE638311F72D}" type="datetimeFigureOut">
               <a:rPr lang="en-US" smtClean="0"/>
               <a:pPr/>
-              <a:t>5/13/2010</a:t>
+              <a:t>5/14/2010</a:t>
             </a:fld>
             <a:endParaRPr lang="en-US"/>
           </a:p>
@@ -1698,7 +1699,7 @@
             <a:fld id="{C3F416CD-67A3-4CF0-A210-F6AF31AC147F}" type="datetimeFigureOut">
               <a:rPr lang="en-US" smtClean="0"/>
               <a:pPr/>
-              <a:t>5/13/2010</a:t>
+              <a:t>5/14/2010</a:t>
             </a:fld>
             <a:endParaRPr lang="en-US"/>
           </a:p>
@@ -1878,7 +1879,7 @@
             <a:fld id="{C3F416CD-67A3-4CF0-A210-F6AF31AC147F}" type="datetimeFigureOut">
               <a:rPr lang="en-US" smtClean="0"/>
               <a:pPr/>
-              <a:t>5/13/2010</a:t>
+              <a:t>5/14/2010</a:t>
             </a:fld>
             <a:endParaRPr lang="en-US"/>
           </a:p>
@@ -2055,7 +2056,7 @@
             <a:fld id="{C3F416CD-67A3-4CF0-A210-F6AF31AC147F}" type="datetimeFigureOut">
               <a:rPr lang="en-US" smtClean="0"/>
               <a:pPr/>
-              <a:t>5/13/2010</a:t>
+              <a:t>5/14/2010</a:t>
             </a:fld>
             <a:endParaRPr lang="en-US"/>
           </a:p>
@@ -2222,7 +2223,7 @@
             <a:fld id="{C3F416CD-67A3-4CF0-A210-F6AF31AC147F}" type="datetimeFigureOut">
               <a:rPr lang="en-US" smtClean="0"/>
               <a:pPr/>
-              <a:t>5/13/2010</a:t>
+              <a:t>5/14/2010</a:t>
             </a:fld>
             <a:endParaRPr lang="en-US"/>
           </a:p>
@@ -2435,7 +2436,7 @@
             <a:fld id="{C3F416CD-67A3-4CF0-A210-F6AF31AC147F}" type="datetimeFigureOut">
               <a:rPr lang="en-US" smtClean="0"/>
               <a:pPr/>
-              <a:t>5/13/2010</a:t>
+              <a:t>5/14/2010</a:t>
             </a:fld>
             <a:endParaRPr lang="en-US"/>
           </a:p>
@@ -2720,7 +2721,7 @@
             <a:fld id="{C3F416CD-67A3-4CF0-A210-F6AF31AC147F}" type="datetimeFigureOut">
               <a:rPr lang="en-US" smtClean="0"/>
               <a:pPr/>
-              <a:t>5/13/2010</a:t>
+              <a:t>5/14/2010</a:t>
             </a:fld>
             <a:endParaRPr lang="en-US"/>
           </a:p>
@@ -3152,7 +3153,7 @@
             <a:fld id="{C3F416CD-67A3-4CF0-A210-F6AF31AC147F}" type="datetimeFigureOut">
               <a:rPr lang="en-US" smtClean="0"/>
               <a:pPr algn="l" eaLnBrk="1" latinLnBrk="0" hangingPunct="1"/>
-              <a:t>5/13/2010</a:t>
+              <a:t>5/14/2010</a:t>
             </a:fld>
             <a:endParaRPr lang="en-US"/>
           </a:p>
@@ -3272,7 +3273,7 @@
             <a:fld id="{C3F416CD-67A3-4CF0-A210-F6AF31AC147F}" type="datetimeFigureOut">
               <a:rPr lang="en-US" smtClean="0"/>
               <a:pPr/>
-              <a:t>5/13/2010</a:t>
+              <a:t>5/14/2010</a:t>
             </a:fld>
             <a:endParaRPr lang="en-US"/>
           </a:p>
@@ -3364,7 +3365,7 @@
             <a:fld id="{C3F416CD-67A3-4CF0-A210-F6AF31AC147F}" type="datetimeFigureOut">
               <a:rPr lang="en-US" smtClean="0"/>
               <a:pPr/>
-              <a:t>5/13/2010</a:t>
+              <a:t>5/14/2010</a:t>
             </a:fld>
             <a:endParaRPr lang="en-US"/>
           </a:p>
@@ -3655,7 +3656,7 @@
             <a:fld id="{C3F416CD-67A3-4CF0-A210-F6AF31AC147F}" type="datetimeFigureOut">
               <a:rPr lang="en-US" smtClean="0"/>
               <a:pPr/>
-              <a:t>5/13/2010</a:t>
+              <a:t>5/14/2010</a:t>
             </a:fld>
             <a:endParaRPr lang="en-US"/>
           </a:p>
@@ -3982,7 +3983,7 @@
             <a:fld id="{C3F416CD-67A3-4CF0-A210-F6AF31AC147F}" type="datetimeFigureOut">
               <a:rPr lang="en-US" smtClean="0"/>
               <a:pPr/>
-              <a:t>5/13/2010</a:t>
+              <a:t>5/14/2010</a:t>
             </a:fld>
             <a:endParaRPr lang="en-US"/>
           </a:p>
@@ -4203,7 +4204,7 @@
             <a:fld id="{C3F416CD-67A3-4CF0-A210-F6AF31AC147F}" type="datetimeFigureOut">
               <a:rPr lang="en-US" smtClean="0"/>
               <a:pPr algn="l" eaLnBrk="1" latinLnBrk="0" hangingPunct="1"/>
-              <a:t>5/13/2010</a:t>
+              <a:t>5/14/2010</a:t>
             </a:fld>
             <a:endParaRPr lang="en-US" sz="800" dirty="0">
               <a:solidFill>
@@ -8134,7 +8135,11 @@
           <a:p>
             <a:r>
               <a:rPr lang="en-US" dirty="0" smtClean="0"/>
-              <a:t>Resources – Learning TDD</a:t>
+              <a:t>Resources - </a:t>
+            </a:r>
+            <a:r>
+              <a:rPr lang="en-US" dirty="0" smtClean="0"/>
+              <a:t>Tools</a:t>
             </a:r>
             <a:endParaRPr lang="en-US" dirty="0"/>
           </a:p>
@@ -8150,135 +8155,54 @@
             <p:ph idx="1"/>
           </p:nvPr>
         </p:nvSpPr>
-        <p:spPr>
-          <a:xfrm>
-            <a:off x="457200" y="1600200"/>
-            <a:ext cx="8229600" cy="5105400"/>
-          </a:xfrm>
-        </p:spPr>
-        <p:txBody>
-          <a:bodyPr>
-            <a:normAutofit lnSpcReduction="10000"/>
-          </a:bodyPr>
+        <p:spPr/>
+        <p:txBody>
+          <a:bodyPr/>
           <a:lstStyle/>
           <a:p>
             <a:r>
               <a:rPr lang="en-US" sz="2400" dirty="0" smtClean="0"/>
-              <a:t>Behavior Driven Development</a:t>
-            </a:r>
-          </a:p>
-          <a:p>
-            <a:pPr lvl="1"/>
-            <a:r>
-              <a:rPr lang="en-US" sz="1800" b="1" dirty="0" smtClean="0">
-                <a:hlinkClick r:id="rId2"/>
-              </a:rPr>
-              <a:t>http://www.code-magazine.com/article.aspx?quickid=0805061&amp;page=1</a:t>
-            </a:r>
-            <a:endParaRPr lang="en-US" sz="1800" b="1" dirty="0" smtClean="0"/>
-          </a:p>
-          <a:p>
-            <a:pPr lvl="1"/>
-            <a:endParaRPr lang="en-US" sz="1800" b="1" dirty="0" smtClean="0"/>
+              <a:t>Specs2Tests</a:t>
+            </a:r>
           </a:p>
           <a:p>
             <a:r>
               <a:rPr lang="en-US" sz="2400" dirty="0" smtClean="0"/>
-              <a:t>So How do You Introduce TDD into an Organization or Team?, by Jeremy Miller</a:t>
-            </a:r>
-          </a:p>
-          <a:p>
-            <a:pPr lvl="1"/>
-            <a:r>
-              <a:rPr lang="en-US" sz="1800" b="1" dirty="0" smtClean="0">
-                <a:hlinkClick r:id="rId3"/>
-              </a:rPr>
-              <a:t>http://codebetter.com/blogs/jeremy.miller/archive/2006/06/27/146899.aspx</a:t>
-            </a:r>
-            <a:endParaRPr lang="en-US" sz="1800" b="1" dirty="0" smtClean="0"/>
-          </a:p>
-          <a:p>
-            <a:pPr lvl="1"/>
-            <a:endParaRPr lang="en-US" sz="1800" b="1" dirty="0" smtClean="0"/>
+              <a:t>Should/</a:t>
+            </a:r>
+            <a:r>
+              <a:rPr lang="en-US" sz="2400" dirty="0" err="1" smtClean="0"/>
+              <a:t>Nbehave</a:t>
+            </a:r>
+            <a:endParaRPr lang="en-US" sz="2400" dirty="0" smtClean="0"/>
           </a:p>
           <a:p>
             <a:r>
               <a:rPr lang="en-US" sz="2400" dirty="0" smtClean="0"/>
-              <a:t>How to get started with TDD, by </a:t>
-            </a:r>
+              <a:t>Rhino Mocks</a:t>
+            </a:r>
+          </a:p>
+          <a:p>
+            <a:endParaRPr lang="en-US" sz="2400" dirty="0" smtClean="0"/>
+          </a:p>
+          <a:p>
+            <a:r>
+              <a:rPr lang="en-US" sz="2400" dirty="0" smtClean="0"/>
+              <a:t>Java?</a:t>
+            </a:r>
+          </a:p>
+          <a:p>
+            <a:endParaRPr lang="en-US" sz="2400" dirty="0" smtClean="0"/>
+          </a:p>
+          <a:p>
             <a:r>
               <a:rPr lang="en-US" sz="2400" dirty="0" err="1" smtClean="0"/>
-              <a:t>Misko</a:t>
-            </a:r>
-            <a:r>
-              <a:rPr lang="en-US" sz="2400" dirty="0" smtClean="0"/>
-              <a:t> </a:t>
-            </a:r>
-            <a:r>
-              <a:rPr lang="en-US" sz="2400" dirty="0" err="1" smtClean="0"/>
-              <a:t>Hevery</a:t>
-            </a:r>
-            <a:r>
-              <a:rPr lang="en-US" sz="2400" dirty="0" smtClean="0"/>
-              <a:t> (Java examples)</a:t>
-            </a:r>
-          </a:p>
-          <a:p>
-            <a:pPr lvl="1"/>
-            <a:r>
-              <a:rPr lang="en-US" sz="1800" b="1" dirty="0" smtClean="0">
-                <a:hlinkClick r:id="rId4"/>
-              </a:rPr>
-              <a:t>http://misko.hevery.com/2009/11/17/how-to-get-started-with-tdd/</a:t>
-            </a:r>
-            <a:endParaRPr lang="en-US" sz="2400" dirty="0" smtClean="0"/>
-          </a:p>
-          <a:p>
-            <a:pPr lvl="1"/>
-            <a:endParaRPr lang="en-US" sz="2400" dirty="0" smtClean="0"/>
-          </a:p>
-          <a:p>
-            <a:r>
-              <a:rPr lang="en-US" sz="2400" dirty="0" smtClean="0"/>
-              <a:t>TDD Starter Kit – Sample Projects and Links (C# examples)</a:t>
-            </a:r>
-          </a:p>
-          <a:p>
-            <a:pPr lvl="1"/>
-            <a:r>
-              <a:rPr lang="en-US" sz="1800" dirty="0" smtClean="0">
-                <a:hlinkClick r:id="rId5"/>
-              </a:rPr>
-              <a:t>http://jonkruger.com/blog/2009/07/23/tdd-starter-kit-sample-projects-and-links/</a:t>
-            </a:r>
-            <a:endParaRPr lang="en-US" sz="1800" dirty="0" smtClean="0"/>
-          </a:p>
-          <a:p>
-            <a:pPr lvl="1"/>
-            <a:endParaRPr lang="en-US" sz="1800" dirty="0" smtClean="0"/>
-          </a:p>
-          <a:p>
-            <a:r>
-              <a:rPr lang="en-US" sz="2400" dirty="0" smtClean="0"/>
-              <a:t>Pair Programming </a:t>
-            </a:r>
-            <a:r>
-              <a:rPr lang="en-US" sz="2400" dirty="0" err="1" smtClean="0"/>
-              <a:t>Bot</a:t>
-            </a:r>
-            <a:endParaRPr lang="en-US" sz="2400" dirty="0" smtClean="0"/>
-          </a:p>
-          <a:p>
-            <a:pPr lvl="1"/>
-            <a:r>
-              <a:rPr lang="en-US" sz="1800" dirty="0" smtClean="0">
-                <a:hlinkClick r:id="rId6"/>
-              </a:rPr>
-              <a:t>http://pairprogrammingbot.com/</a:t>
-            </a:r>
-            <a:endParaRPr lang="en-US" sz="1800" dirty="0" smtClean="0"/>
-          </a:p>
-          <a:p>
+              <a:t>Rspec</a:t>
+            </a:r>
+            <a:r>
+              <a:rPr lang="en-US" sz="2400" smtClean="0"/>
+              <a:t>?</a:t>
+            </a:r>
             <a:endParaRPr lang="en-US" dirty="0"/>
           </a:p>
         </p:txBody>
@@ -8334,11 +8258,7 @@
           <a:p>
             <a:r>
               <a:rPr lang="en-US" dirty="0" smtClean="0"/>
-              <a:t>Resources – </a:t>
-            </a:r>
-            <a:r>
-              <a:rPr lang="en-US" dirty="0" smtClean="0"/>
-              <a:t>Books</a:t>
+              <a:t>Resources – Learning TDD</a:t>
             </a:r>
             <a:endParaRPr lang="en-US" dirty="0"/>
           </a:p>
@@ -8362,98 +8282,128 @@
         </p:spPr>
         <p:txBody>
           <a:bodyPr>
-            <a:normAutofit/>
+            <a:normAutofit lnSpcReduction="10000"/>
           </a:bodyPr>
           <a:lstStyle/>
           <a:p>
             <a:r>
-              <a:rPr lang="en-US" dirty="0" smtClean="0"/>
-              <a:t>The Art of Unit Testing</a:t>
+              <a:rPr lang="en-US" sz="2400" dirty="0" smtClean="0"/>
+              <a:t>Behavior Driven Development</a:t>
             </a:r>
           </a:p>
           <a:p>
             <a:pPr lvl="1"/>
             <a:r>
-              <a:rPr lang="en-US" dirty="0" smtClean="0"/>
-              <a:t>by Roy </a:t>
-            </a:r>
-            <a:r>
-              <a:rPr lang="en-US" dirty="0" err="1" smtClean="0"/>
-              <a:t>Osherove</a:t>
-            </a:r>
-            <a:endParaRPr lang="en-US" dirty="0" smtClean="0"/>
-          </a:p>
-          <a:p>
-            <a:r>
-              <a:rPr lang="en-US" dirty="0" smtClean="0"/>
-              <a:t>Test Driven Development: By Example</a:t>
-            </a:r>
+              <a:rPr lang="en-US" sz="1800" b="1" dirty="0" smtClean="0">
+                <a:hlinkClick r:id="rId2"/>
+              </a:rPr>
+              <a:t>http://www.code-magazine.com/article.aspx?quickid=0805061&amp;page=1</a:t>
+            </a:r>
+            <a:endParaRPr lang="en-US" sz="1800" b="1" dirty="0" smtClean="0"/>
           </a:p>
           <a:p>
             <a:pPr lvl="1"/>
-            <a:r>
-              <a:rPr lang="en-US" dirty="0" smtClean="0"/>
-              <a:t>by Kent Beck</a:t>
-            </a:r>
-          </a:p>
-          <a:p>
-            <a:r>
-              <a:rPr lang="en-US" dirty="0" smtClean="0"/>
-              <a:t>Test Driven Development: A Practical Guide</a:t>
+            <a:endParaRPr lang="en-US" sz="1800" b="1" dirty="0" smtClean="0"/>
+          </a:p>
+          <a:p>
+            <a:r>
+              <a:rPr lang="en-US" sz="2400" dirty="0" smtClean="0"/>
+              <a:t>So How do You Introduce TDD into an Organization or Team?, by Jeremy Miller</a:t>
             </a:r>
           </a:p>
           <a:p>
             <a:pPr lvl="1"/>
             <a:r>
-              <a:rPr lang="en-US" dirty="0" smtClean="0"/>
-              <a:t>by David </a:t>
-            </a:r>
-            <a:r>
-              <a:rPr lang="en-US" dirty="0" err="1" smtClean="0"/>
-              <a:t>Astels</a:t>
-            </a:r>
-            <a:endParaRPr lang="en-US" dirty="0" smtClean="0"/>
-          </a:p>
-          <a:p>
-            <a:r>
-              <a:rPr lang="en-US" dirty="0" smtClean="0"/>
-              <a:t>The RSpec Book: </a:t>
-            </a:r>
-            <a:r>
-              <a:rPr lang="en-US" dirty="0" err="1" smtClean="0"/>
-              <a:t>Behaviour</a:t>
-            </a:r>
-            <a:r>
-              <a:rPr lang="en-US" dirty="0" smtClean="0"/>
-              <a:t> Driven Development with RSpec, Cucumber, and Friends</a:t>
-            </a:r>
+              <a:rPr lang="en-US" sz="1800" b="1" dirty="0" smtClean="0">
+                <a:hlinkClick r:id="rId3"/>
+              </a:rPr>
+              <a:t>http://codebetter.com/blogs/jeremy.miller/archive/2006/06/27/146899.aspx</a:t>
+            </a:r>
+            <a:endParaRPr lang="en-US" sz="1800" b="1" dirty="0" smtClean="0"/>
           </a:p>
           <a:p>
             <a:pPr lvl="1"/>
-            <a:r>
-              <a:rPr lang="en-US" dirty="0" smtClean="0"/>
-              <a:t>by </a:t>
-            </a:r>
-            <a:r>
-              <a:rPr lang="en-US" dirty="0" smtClean="0"/>
-              <a:t>David </a:t>
-            </a:r>
-            <a:r>
-              <a:rPr lang="en-US" dirty="0" err="1" smtClean="0"/>
-              <a:t>Chelimsky</a:t>
-            </a:r>
-            <a:r>
-              <a:rPr lang="en-US" dirty="0" smtClean="0"/>
-              <a:t>, Dave </a:t>
-            </a:r>
-            <a:r>
-              <a:rPr lang="en-US" dirty="0" err="1" smtClean="0"/>
-              <a:t>Astels</a:t>
-            </a:r>
-            <a:r>
-              <a:rPr lang="en-US" dirty="0" smtClean="0"/>
-              <a:t>, et. al.</a:t>
-            </a:r>
+            <a:endParaRPr lang="en-US" sz="1800" b="1" dirty="0" smtClean="0"/>
+          </a:p>
+          <a:p>
+            <a:r>
+              <a:rPr lang="en-US" sz="2400" dirty="0" smtClean="0"/>
+              <a:t>How to get started with TDD, by </a:t>
+            </a:r>
+            <a:r>
+              <a:rPr lang="en-US" sz="2400" dirty="0" err="1" smtClean="0"/>
+              <a:t>Misko</a:t>
+            </a:r>
+            <a:r>
+              <a:rPr lang="en-US" sz="2400" dirty="0" smtClean="0"/>
+              <a:t> </a:t>
+            </a:r>
+            <a:r>
+              <a:rPr lang="en-US" sz="2400" dirty="0" err="1" smtClean="0"/>
+              <a:t>Hevery</a:t>
+            </a:r>
+            <a:r>
+              <a:rPr lang="en-US" sz="2400" dirty="0" smtClean="0"/>
+              <a:t> (Java examples)</a:t>
+            </a:r>
+          </a:p>
+          <a:p>
+            <a:pPr lvl="1"/>
+            <a:r>
+              <a:rPr lang="en-US" sz="1800" b="1" dirty="0" smtClean="0">
+                <a:hlinkClick r:id="rId4"/>
+              </a:rPr>
+              <a:t>http://misko.hevery.com/2009/11/17/how-to-get-started-with-tdd/</a:t>
+            </a:r>
+            <a:endParaRPr lang="en-US" sz="2400" dirty="0" smtClean="0"/>
+          </a:p>
+          <a:p>
+            <a:pPr lvl="1"/>
+            <a:endParaRPr lang="en-US" sz="2400" dirty="0" smtClean="0"/>
+          </a:p>
+          <a:p>
+            <a:r>
+              <a:rPr lang="en-US" sz="2400" dirty="0" smtClean="0"/>
+              <a:t>TDD Starter Kit – Sample Projects and Links (C# examples)</a:t>
+            </a:r>
+          </a:p>
+          <a:p>
+            <a:pPr lvl="1"/>
+            <a:r>
+              <a:rPr lang="en-US" sz="1800" dirty="0" smtClean="0">
+                <a:hlinkClick r:id="rId5"/>
+              </a:rPr>
+              <a:t>http://jonkruger.com/blog/2009/07/23/tdd-starter-kit-sample-projects-and-links/</a:t>
+            </a:r>
+            <a:endParaRPr lang="en-US" sz="1800" dirty="0" smtClean="0"/>
+          </a:p>
+          <a:p>
+            <a:pPr lvl="1"/>
+            <a:endParaRPr lang="en-US" sz="1800" dirty="0" smtClean="0"/>
+          </a:p>
+          <a:p>
+            <a:r>
+              <a:rPr lang="en-US" sz="2400" dirty="0" smtClean="0"/>
+              <a:t>Pair Programming </a:t>
+            </a:r>
+            <a:r>
+              <a:rPr lang="en-US" sz="2400" dirty="0" err="1" smtClean="0"/>
+              <a:t>Bot</a:t>
+            </a:r>
+            <a:endParaRPr lang="en-US" sz="2400" dirty="0" smtClean="0"/>
+          </a:p>
+          <a:p>
+            <a:pPr lvl="1"/>
+            <a:r>
+              <a:rPr lang="en-US" sz="1800" dirty="0" smtClean="0">
+                <a:hlinkClick r:id="rId6"/>
+              </a:rPr>
+              <a:t>http://pairprogrammingbot.com/</a:t>
+            </a:r>
+            <a:endParaRPr lang="en-US" sz="1800" dirty="0" smtClean="0"/>
+          </a:p>
+          <a:p>
+            <a:endParaRPr lang="en-US" dirty="0"/>
           </a:p>
         </p:txBody>
       </p:sp>
@@ -8508,7 +8458,7 @@
           <a:p>
             <a:r>
               <a:rPr lang="en-US" dirty="0" smtClean="0"/>
-              <a:t>Resources – Practice!</a:t>
+              <a:t>Resources – Books</a:t>
             </a:r>
             <a:endParaRPr lang="en-US" dirty="0"/>
           </a:p>
@@ -8527,168 +8477,99 @@
         <p:spPr>
           <a:xfrm>
             <a:off x="457200" y="1600200"/>
-            <a:ext cx="8229600" cy="5257800"/>
+            <a:ext cx="8229600" cy="5105400"/>
           </a:xfrm>
         </p:spPr>
         <p:txBody>
           <a:bodyPr>
-            <a:normAutofit lnSpcReduction="10000"/>
+            <a:normAutofit/>
           </a:bodyPr>
           <a:lstStyle/>
           <a:p>
             <a:r>
               <a:rPr lang="en-US" dirty="0" smtClean="0"/>
-              <a:t>String Calculator </a:t>
+              <a:t>The Art of Unit Testing</a:t>
+            </a:r>
+          </a:p>
+          <a:p>
+            <a:pPr lvl="1"/>
+            <a:r>
+              <a:rPr lang="en-US" dirty="0" smtClean="0"/>
+              <a:t>by Roy </a:t>
             </a:r>
             <a:r>
               <a:rPr lang="en-US" dirty="0" err="1" smtClean="0"/>
-              <a:t>kata</a:t>
+              <a:t>Osherove</a:t>
             </a:r>
             <a:endParaRPr lang="en-US" dirty="0" smtClean="0"/>
           </a:p>
           <a:p>
+            <a:r>
+              <a:rPr lang="en-US" dirty="0" smtClean="0"/>
+              <a:t>Test Driven Development: By Example</a:t>
+            </a:r>
+          </a:p>
+          <a:p>
             <a:pPr lvl="1"/>
             <a:r>
-              <a:rPr lang="en-US" dirty="0" smtClean="0">
-                <a:hlinkClick r:id="rId2"/>
-              </a:rPr>
-              <a:t>http://osherove.com/tdd-kata-1/</a:t>
+              <a:rPr lang="en-US" dirty="0" smtClean="0"/>
+              <a:t>by Kent Beck</a:t>
+            </a:r>
+          </a:p>
+          <a:p>
+            <a:r>
+              <a:rPr lang="en-US" dirty="0" smtClean="0"/>
+              <a:t>Test Driven Development: A Practical Guide</a:t>
+            </a:r>
+          </a:p>
+          <a:p>
+            <a:pPr lvl="1"/>
+            <a:r>
+              <a:rPr lang="en-US" dirty="0" smtClean="0"/>
+              <a:t>by David </a:t>
+            </a:r>
+            <a:r>
+              <a:rPr lang="en-US" dirty="0" err="1" smtClean="0"/>
+              <a:t>Astels</a:t>
             </a:r>
             <a:endParaRPr lang="en-US" dirty="0" smtClean="0"/>
           </a:p>
           <a:p>
+            <a:r>
+              <a:rPr lang="en-US" dirty="0" smtClean="0"/>
+              <a:t>The RSpec Book: </a:t>
+            </a:r>
+            <a:r>
+              <a:rPr lang="en-US" dirty="0" err="1" smtClean="0"/>
+              <a:t>Behaviour</a:t>
+            </a:r>
+            <a:r>
+              <a:rPr lang="en-US" dirty="0" smtClean="0"/>
+              <a:t> Driven Development with RSpec, Cucumber, and Friends</a:t>
+            </a:r>
+          </a:p>
+          <a:p>
             <a:pPr lvl="1"/>
-            <a:endParaRPr lang="en-US" dirty="0" smtClean="0"/>
-          </a:p>
-          <a:p>
             <a:r>
               <a:rPr lang="en-US" dirty="0" smtClean="0"/>
-              <a:t>Bowling Game </a:t>
+              <a:t>by David </a:t>
             </a:r>
             <a:r>
               <a:rPr lang="en-US" dirty="0" err="1" smtClean="0"/>
-              <a:t>kata</a:t>
-            </a:r>
-            <a:endParaRPr lang="en-US" dirty="0" smtClean="0"/>
-          </a:p>
-          <a:p>
-            <a:pPr lvl="1"/>
-            <a:r>
-              <a:rPr lang="en-US" sz="2100" dirty="0" smtClean="0">
-                <a:hlinkClick r:id="rId3"/>
-              </a:rPr>
-              <a:t>http://butunclebob.com/ArticleS.UncleBob.TheBowlingGameKata</a:t>
-            </a:r>
-            <a:endParaRPr lang="en-US" sz="2100" dirty="0" smtClean="0"/>
-          </a:p>
-          <a:p>
-            <a:pPr lvl="1"/>
-            <a:endParaRPr lang="en-US" sz="2100" dirty="0" smtClean="0"/>
-          </a:p>
-          <a:p>
-            <a:r>
-              <a:rPr lang="en-US" sz="2700" dirty="0" smtClean="0"/>
-              <a:t>Prime Factors </a:t>
-            </a:r>
-            <a:r>
-              <a:rPr lang="en-US" sz="2700" dirty="0" err="1" smtClean="0"/>
-              <a:t>kata</a:t>
-            </a:r>
-            <a:endParaRPr lang="en-US" sz="2700" dirty="0" smtClean="0"/>
-          </a:p>
-          <a:p>
-            <a:pPr lvl="1"/>
-            <a:r>
-              <a:rPr lang="en-US" sz="1900" dirty="0" smtClean="0">
-                <a:hlinkClick r:id="rId4"/>
-              </a:rPr>
-              <a:t>http://</a:t>
-            </a:r>
-            <a:r>
-              <a:rPr lang="en-US" sz="1900" dirty="0" smtClean="0">
-                <a:hlinkClick r:id="rId4"/>
-              </a:rPr>
-              <a:t>www.butunclebob.com/ArticleS.UncleBob.ThePrimeFactorsKata</a:t>
-            </a:r>
-            <a:endParaRPr lang="en-US" sz="1900" dirty="0" smtClean="0"/>
-          </a:p>
-          <a:p>
-            <a:pPr lvl="1"/>
-            <a:endParaRPr lang="en-US" sz="1900" dirty="0" smtClean="0"/>
-          </a:p>
-          <a:p>
-            <a:r>
-              <a:rPr lang="en-US" sz="2500" dirty="0" smtClean="0"/>
-              <a:t>Greed game (part of the Ruby </a:t>
-            </a:r>
-            <a:r>
-              <a:rPr lang="en-US" sz="2500" dirty="0" err="1" smtClean="0"/>
-              <a:t>koans</a:t>
-            </a:r>
-            <a:r>
-              <a:rPr lang="en-US" sz="2500" dirty="0" smtClean="0"/>
-              <a:t>)</a:t>
-            </a:r>
-          </a:p>
-          <a:p>
-            <a:pPr lvl="1"/>
-            <a:r>
-              <a:rPr lang="en-US" dirty="0" smtClean="0">
-                <a:hlinkClick r:id="rId5"/>
-              </a:rPr>
-              <a:t>http://github.com/edgecase/ruby_koans</a:t>
-            </a:r>
-            <a:endParaRPr lang="en-US" dirty="0" smtClean="0"/>
-          </a:p>
-          <a:p>
-            <a:pPr lvl="1"/>
-            <a:endParaRPr lang="en-US" sz="1900" dirty="0" smtClean="0"/>
-          </a:p>
-          <a:p>
-            <a:r>
-              <a:rPr lang="en-US" sz="2500" dirty="0" err="1" smtClean="0"/>
-              <a:t>Katacasts</a:t>
-            </a:r>
-            <a:r>
-              <a:rPr lang="en-US" sz="2500" dirty="0"/>
-              <a:t> </a:t>
-            </a:r>
-            <a:r>
-              <a:rPr lang="en-US" sz="2500" dirty="0" smtClean="0"/>
-              <a:t>(watch </a:t>
-            </a:r>
-            <a:r>
-              <a:rPr lang="en-US" sz="2500" dirty="0" err="1" smtClean="0"/>
-              <a:t>screencasts</a:t>
-            </a:r>
-            <a:r>
-              <a:rPr lang="en-US" sz="2500" dirty="0" smtClean="0"/>
-              <a:t> of people doing various </a:t>
-            </a:r>
-            <a:r>
-              <a:rPr lang="en-US" sz="2500" dirty="0" err="1" smtClean="0"/>
-              <a:t>katas</a:t>
-            </a:r>
-            <a:r>
-              <a:rPr lang="en-US" sz="2500" dirty="0" smtClean="0"/>
-              <a:t>)</a:t>
-            </a:r>
-          </a:p>
-          <a:p>
-            <a:pPr lvl="1"/>
-            <a:r>
-              <a:rPr lang="en-US" dirty="0" smtClean="0">
-                <a:hlinkClick r:id="rId6"/>
-              </a:rPr>
-              <a:t>http://www.katacasts.com/</a:t>
-            </a:r>
-            <a:endParaRPr lang="en-US" dirty="0" smtClean="0"/>
-          </a:p>
-          <a:p>
-            <a:pPr lvl="1">
-              <a:buNone/>
-            </a:pPr>
-            <a:endParaRPr lang="en-US" sz="1900" dirty="0" smtClean="0"/>
+              <a:t>Chelimsky</a:t>
+            </a:r>
+            <a:r>
+              <a:rPr lang="en-US" dirty="0" smtClean="0"/>
+              <a:t>, Dave </a:t>
+            </a:r>
+            <a:r>
+              <a:rPr lang="en-US" dirty="0" err="1" smtClean="0"/>
+              <a:t>Astels</a:t>
+            </a:r>
+            <a:r>
+              <a:rPr lang="en-US" dirty="0" smtClean="0"/>
+              <a:t>, et. al.</a:t>
+            </a:r>
           </a:p>
         </p:txBody>
       </p:sp>
@@ -8743,11 +8624,7 @@
           <a:p>
             <a:r>
               <a:rPr lang="en-US" dirty="0" smtClean="0"/>
-              <a:t>Resources – </a:t>
-            </a:r>
-            <a:r>
-              <a:rPr lang="en-US" dirty="0" smtClean="0"/>
-              <a:t>Training</a:t>
+              <a:t>Resources – Practice!</a:t>
             </a:r>
             <a:endParaRPr lang="en-US" dirty="0"/>
           </a:p>
@@ -8766,115 +8643,162 @@
         <p:spPr>
           <a:xfrm>
             <a:off x="457200" y="1600200"/>
-            <a:ext cx="8229600" cy="4953000"/>
+            <a:ext cx="8229600" cy="5257800"/>
           </a:xfrm>
         </p:spPr>
         <p:txBody>
           <a:bodyPr>
-            <a:normAutofit/>
+            <a:normAutofit lnSpcReduction="10000"/>
           </a:bodyPr>
           <a:lstStyle/>
           <a:p>
             <a:r>
               <a:rPr lang="en-US" dirty="0" smtClean="0"/>
-              <a:t>TDD Boot Camp (.NET)</a:t>
-            </a:r>
+              <a:t>String Calculator </a:t>
+            </a:r>
+            <a:r>
+              <a:rPr lang="en-US" dirty="0" err="1" smtClean="0"/>
+              <a:t>kata</a:t>
+            </a:r>
+            <a:endParaRPr lang="en-US" dirty="0" smtClean="0"/>
           </a:p>
           <a:p>
             <a:pPr lvl="1"/>
             <a:r>
-              <a:rPr lang="en-US" sz="2800" dirty="0" smtClean="0">
+              <a:rPr lang="en-US" dirty="0" smtClean="0">
                 <a:hlinkClick r:id="rId2"/>
               </a:rPr>
-              <a:t>http://tddbootcamp.com</a:t>
-            </a:r>
-            <a:endParaRPr lang="en-US" sz="2800" dirty="0" smtClean="0"/>
+              <a:t>http://osherove.com/tdd-kata-1/</a:t>
+            </a:r>
+            <a:endParaRPr lang="en-US" dirty="0" smtClean="0"/>
           </a:p>
           <a:p>
             <a:pPr lvl="1"/>
-            <a:r>
-              <a:rPr lang="en-US" sz="2800" dirty="0" smtClean="0"/>
-              <a:t>Cincinnati – June 22-24</a:t>
-            </a:r>
+            <a:endParaRPr lang="en-US" dirty="0" smtClean="0"/>
+          </a:p>
+          <a:p>
+            <a:r>
+              <a:rPr lang="en-US" dirty="0" smtClean="0"/>
+              <a:t>Bowling Game </a:t>
+            </a:r>
+            <a:r>
+              <a:rPr lang="en-US" dirty="0" err="1" smtClean="0"/>
+              <a:t>kata</a:t>
+            </a:r>
+            <a:endParaRPr lang="en-US" dirty="0" smtClean="0"/>
           </a:p>
           <a:p>
             <a:pPr lvl="1"/>
             <a:r>
-              <a:rPr lang="en-US" sz="2800" dirty="0" smtClean="0"/>
-              <a:t>Columbus – July 13-15</a:t>
-            </a:r>
-          </a:p>
-          <a:p>
-            <a:pPr lvl="1"/>
-            <a:r>
-              <a:rPr lang="en-US" sz="2800" dirty="0" smtClean="0"/>
-              <a:t>Detroit – Aug. 18-20</a:t>
-            </a:r>
-            <a:br>
-              <a:rPr lang="en-US" sz="2800" dirty="0" smtClean="0"/>
-            </a:br>
-            <a:endParaRPr lang="en-US" sz="2800" dirty="0" smtClean="0"/>
-          </a:p>
-          <a:p>
-            <a:r>
-              <a:rPr lang="en-US" dirty="0" smtClean="0"/>
-              <a:t>Pillar Technology (Java)</a:t>
-            </a:r>
-          </a:p>
-          <a:p>
-            <a:pPr lvl="1"/>
-            <a:r>
-              <a:rPr lang="en-US" sz="2800" dirty="0" smtClean="0">
+              <a:rPr lang="en-US" sz="2100" dirty="0" smtClean="0">
                 <a:hlinkClick r:id="rId3"/>
               </a:rPr>
-              <a:t>http://pillartechnology.com</a:t>
-            </a:r>
-            <a:r>
-              <a:rPr lang="en-US" sz="2800" dirty="0" smtClean="0"/>
-              <a:t/>
-            </a:r>
-            <a:br>
-              <a:rPr lang="en-US" sz="2800" dirty="0" smtClean="0"/>
-            </a:br>
-            <a:endParaRPr lang="en-US" sz="2800" dirty="0" smtClean="0"/>
-          </a:p>
-          <a:p>
-            <a:r>
-              <a:rPr lang="en-US" dirty="0" err="1" smtClean="0"/>
-              <a:t>EdgeCase</a:t>
-            </a:r>
-            <a:r>
-              <a:rPr lang="en-US" dirty="0" smtClean="0"/>
-              <a:t> (Ruby on Rails)</a:t>
-            </a:r>
+              <a:t>http://butunclebob.com/ArticleS.UncleBob.TheBowlingGameKata</a:t>
+            </a:r>
+            <a:endParaRPr lang="en-US" sz="2100" dirty="0" smtClean="0"/>
           </a:p>
           <a:p>
             <a:pPr lvl="1"/>
-            <a:r>
-              <a:rPr lang="en-US" sz="2800" dirty="0" smtClean="0">
+            <a:endParaRPr lang="en-US" sz="2100" dirty="0" smtClean="0"/>
+          </a:p>
+          <a:p>
+            <a:r>
+              <a:rPr lang="en-US" sz="2700" dirty="0" smtClean="0"/>
+              <a:t>Prime Factors </a:t>
+            </a:r>
+            <a:r>
+              <a:rPr lang="en-US" sz="2700" dirty="0" err="1" smtClean="0"/>
+              <a:t>kata</a:t>
+            </a:r>
+            <a:endParaRPr lang="en-US" sz="2700" dirty="0" smtClean="0"/>
+          </a:p>
+          <a:p>
+            <a:pPr lvl="1"/>
+            <a:r>
+              <a:rPr lang="en-US" sz="1900" dirty="0" smtClean="0">
                 <a:hlinkClick r:id="rId4"/>
               </a:rPr>
-              <a:t>http://edgecase.com</a:t>
-            </a:r>
-            <a:endParaRPr lang="en-US" sz="2800" dirty="0" smtClean="0"/>
+              <a:t>http://www.butunclebob.com/ArticleS.UncleBob.ThePrimeFactorsKata</a:t>
+            </a:r>
+            <a:endParaRPr lang="en-US" sz="1900" dirty="0" smtClean="0"/>
+          </a:p>
+          <a:p>
+            <a:pPr lvl="1"/>
+            <a:endParaRPr lang="en-US" sz="1900" dirty="0" smtClean="0"/>
+          </a:p>
+          <a:p>
+            <a:r>
+              <a:rPr lang="en-US" sz="2500" dirty="0" smtClean="0"/>
+              <a:t>Greed game (part of the Ruby </a:t>
+            </a:r>
+            <a:r>
+              <a:rPr lang="en-US" sz="2500" dirty="0" err="1" smtClean="0"/>
+              <a:t>koans</a:t>
+            </a:r>
+            <a:r>
+              <a:rPr lang="en-US" sz="2500" dirty="0" smtClean="0"/>
+              <a:t>)</a:t>
+            </a:r>
+          </a:p>
+          <a:p>
+            <a:pPr lvl="1"/>
+            <a:r>
+              <a:rPr lang="en-US" dirty="0" smtClean="0">
+                <a:hlinkClick r:id="rId5"/>
+              </a:rPr>
+              <a:t>http://github.com/edgecase/ruby_koans</a:t>
+            </a:r>
+            <a:endParaRPr lang="en-US" dirty="0" smtClean="0"/>
+          </a:p>
+          <a:p>
+            <a:pPr lvl="1"/>
+            <a:endParaRPr lang="en-US" sz="1900" dirty="0" smtClean="0"/>
+          </a:p>
+          <a:p>
+            <a:r>
+              <a:rPr lang="en-US" sz="2500" dirty="0" err="1" smtClean="0"/>
+              <a:t>Katacasts</a:t>
+            </a:r>
+            <a:r>
+              <a:rPr lang="en-US" sz="2500" dirty="0"/>
+              <a:t> </a:t>
+            </a:r>
+            <a:r>
+              <a:rPr lang="en-US" sz="2500" dirty="0" smtClean="0"/>
+              <a:t>(watch </a:t>
+            </a:r>
+            <a:r>
+              <a:rPr lang="en-US" sz="2500" dirty="0" err="1" smtClean="0"/>
+              <a:t>screencasts</a:t>
+            </a:r>
+            <a:r>
+              <a:rPr lang="en-US" sz="2500" dirty="0" smtClean="0"/>
+              <a:t> of people doing various </a:t>
+            </a:r>
+            <a:r>
+              <a:rPr lang="en-US" sz="2500" dirty="0" err="1" smtClean="0"/>
+              <a:t>katas</a:t>
+            </a:r>
+            <a:r>
+              <a:rPr lang="en-US" sz="2500" dirty="0" smtClean="0"/>
+              <a:t>)</a:t>
+            </a:r>
+          </a:p>
+          <a:p>
+            <a:pPr lvl="1"/>
+            <a:r>
+              <a:rPr lang="en-US" dirty="0" smtClean="0">
+                <a:hlinkClick r:id="rId6"/>
+              </a:rPr>
+              <a:t>http://www.katacasts.com/</a:t>
+            </a:r>
+            <a:endParaRPr lang="en-US" dirty="0" smtClean="0"/>
           </a:p>
           <a:p>
             <a:pPr lvl="1">
               <a:buNone/>
             </a:pPr>
-            <a:endParaRPr lang="en-US" sz="2800" dirty="0" smtClean="0"/>
-          </a:p>
-          <a:p>
-            <a:pPr lvl="1">
-              <a:buNone/>
-            </a:pPr>
-            <a:endParaRPr lang="en-US" sz="2800" dirty="0" smtClean="0"/>
-          </a:p>
-          <a:p>
-            <a:pPr lvl="1">
-              <a:buNone/>
-            </a:pPr>
-            <a:endParaRPr lang="en-US" sz="2800" dirty="0" smtClean="0"/>
+            <a:endParaRPr lang="en-US" sz="1900" dirty="0" smtClean="0"/>
           </a:p>
         </p:txBody>
       </p:sp>
@@ -8929,6 +8853,188 @@
           <a:p>
             <a:r>
               <a:rPr lang="en-US" dirty="0" smtClean="0"/>
+              <a:t>Resources – Training</a:t>
+            </a:r>
+            <a:endParaRPr lang="en-US" dirty="0"/>
+          </a:p>
+        </p:txBody>
+      </p:sp>
+      <p:sp>
+        <p:nvSpPr>
+          <p:cNvPr id="3" name="Content Placeholder 2"/>
+          <p:cNvSpPr>
+            <a:spLocks noGrp="1"/>
+          </p:cNvSpPr>
+          <p:nvPr>
+            <p:ph idx="1"/>
+          </p:nvPr>
+        </p:nvSpPr>
+        <p:spPr>
+          <a:xfrm>
+            <a:off x="457200" y="1600200"/>
+            <a:ext cx="8229600" cy="4953000"/>
+          </a:xfrm>
+        </p:spPr>
+        <p:txBody>
+          <a:bodyPr>
+            <a:normAutofit/>
+          </a:bodyPr>
+          <a:lstStyle/>
+          <a:p>
+            <a:r>
+              <a:rPr lang="en-US" dirty="0" smtClean="0"/>
+              <a:t>TDD Boot Camp (.NET)</a:t>
+            </a:r>
+          </a:p>
+          <a:p>
+            <a:pPr lvl="1"/>
+            <a:r>
+              <a:rPr lang="en-US" sz="2800" dirty="0" smtClean="0">
+                <a:hlinkClick r:id="rId2"/>
+              </a:rPr>
+              <a:t>http://tddbootcamp.com</a:t>
+            </a:r>
+            <a:endParaRPr lang="en-US" sz="2800" dirty="0" smtClean="0"/>
+          </a:p>
+          <a:p>
+            <a:pPr lvl="1"/>
+            <a:r>
+              <a:rPr lang="en-US" sz="2800" dirty="0" smtClean="0"/>
+              <a:t>Cincinnati – June 22-24</a:t>
+            </a:r>
+          </a:p>
+          <a:p>
+            <a:pPr lvl="1"/>
+            <a:r>
+              <a:rPr lang="en-US" sz="2800" dirty="0" smtClean="0"/>
+              <a:t>Columbus – July 13-15</a:t>
+            </a:r>
+          </a:p>
+          <a:p>
+            <a:pPr lvl="1"/>
+            <a:r>
+              <a:rPr lang="en-US" sz="2800" dirty="0" smtClean="0"/>
+              <a:t>Detroit – Aug. 18-20</a:t>
+            </a:r>
+            <a:br>
+              <a:rPr lang="en-US" sz="2800" dirty="0" smtClean="0"/>
+            </a:br>
+            <a:endParaRPr lang="en-US" sz="2800" dirty="0" smtClean="0"/>
+          </a:p>
+          <a:p>
+            <a:r>
+              <a:rPr lang="en-US" dirty="0" smtClean="0"/>
+              <a:t>Pillar Technology (Java)</a:t>
+            </a:r>
+          </a:p>
+          <a:p>
+            <a:pPr lvl="1"/>
+            <a:r>
+              <a:rPr lang="en-US" sz="2800" dirty="0" smtClean="0">
+                <a:hlinkClick r:id="rId3"/>
+              </a:rPr>
+              <a:t>http://pillartechnology.com</a:t>
+            </a:r>
+            <a:r>
+              <a:rPr lang="en-US" sz="2800" dirty="0" smtClean="0"/>
+              <a:t/>
+            </a:r>
+            <a:br>
+              <a:rPr lang="en-US" sz="2800" dirty="0" smtClean="0"/>
+            </a:br>
+            <a:endParaRPr lang="en-US" sz="2800" dirty="0" smtClean="0"/>
+          </a:p>
+          <a:p>
+            <a:r>
+              <a:rPr lang="en-US" dirty="0" err="1" smtClean="0"/>
+              <a:t>EdgeCase</a:t>
+            </a:r>
+            <a:r>
+              <a:rPr lang="en-US" dirty="0" smtClean="0"/>
+              <a:t> (Ruby on Rails)</a:t>
+            </a:r>
+          </a:p>
+          <a:p>
+            <a:pPr lvl="1"/>
+            <a:r>
+              <a:rPr lang="en-US" sz="2800" dirty="0" smtClean="0">
+                <a:hlinkClick r:id="rId4"/>
+              </a:rPr>
+              <a:t>http://edgecase.com</a:t>
+            </a:r>
+            <a:endParaRPr lang="en-US" sz="2800" dirty="0" smtClean="0"/>
+          </a:p>
+          <a:p>
+            <a:pPr lvl="1">
+              <a:buNone/>
+            </a:pPr>
+            <a:endParaRPr lang="en-US" sz="2800" dirty="0" smtClean="0"/>
+          </a:p>
+          <a:p>
+            <a:pPr lvl="1">
+              <a:buNone/>
+            </a:pPr>
+            <a:endParaRPr lang="en-US" sz="2800" dirty="0" smtClean="0"/>
+          </a:p>
+          <a:p>
+            <a:pPr lvl="1">
+              <a:buNone/>
+            </a:pPr>
+            <a:endParaRPr lang="en-US" sz="2800" dirty="0" smtClean="0"/>
+          </a:p>
+        </p:txBody>
+      </p:sp>
+    </p:spTree>
+  </p:cSld>
+  <p:clrMapOvr>
+    <a:masterClrMapping/>
+  </p:clrMapOvr>
+  <p:timing>
+    <p:tnLst>
+      <p:par>
+        <p:cTn id="1" dur="indefinite" restart="never" nodeType="tmRoot"/>
+      </p:par>
+    </p:tnLst>
+  </p:timing>
+</p:sld>
+</file>
+
+<file path=ppt/slides/slide36.xml><?xml version="1.0" encoding="utf-8"?>
+<p:sld xmlns:a="http://schemas.openxmlformats.org/drawingml/2006/main" xmlns:r="http://schemas.openxmlformats.org/officeDocument/2006/relationships" xmlns:p="http://schemas.openxmlformats.org/presentationml/2006/main">
+  <p:cSld>
+    <p:spTree>
+      <p:nvGrpSpPr>
+        <p:cNvPr id="1" name=""/>
+        <p:cNvGrpSpPr/>
+        <p:nvPr/>
+      </p:nvGrpSpPr>
+      <p:grpSpPr>
+        <a:xfrm>
+          <a:off x="0" y="0"/>
+          <a:ext cx="0" cy="0"/>
+          <a:chOff x="0" y="0"/>
+          <a:chExt cx="0" cy="0"/>
+        </a:xfrm>
+      </p:grpSpPr>
+      <p:sp>
+        <p:nvSpPr>
+          <p:cNvPr id="2" name="Title 1"/>
+          <p:cNvSpPr>
+            <a:spLocks noGrp="1"/>
+          </p:cNvSpPr>
+          <p:nvPr>
+            <p:ph type="title"/>
+          </p:nvPr>
+        </p:nvSpPr>
+        <p:spPr/>
+        <p:txBody>
+          <a:bodyPr>
+            <a:normAutofit/>
+          </a:bodyPr>
+          <a:lstStyle/>
+          <a:p>
+            <a:r>
+              <a:rPr lang="en-US" dirty="0" smtClean="0"/>
               <a:t>My Info</a:t>
             </a:r>
             <a:endParaRPr lang="en-US" dirty="0"/>
@@ -8988,13 +9094,7 @@
               <a:rPr lang="en-US" b="1" dirty="0" smtClean="0">
                 <a:hlinkClick r:id="rId3"/>
               </a:rPr>
-              <a:t>http://</a:t>
-            </a:r>
-            <a:r>
-              <a:rPr lang="en-US" b="1" dirty="0" smtClean="0">
-                <a:hlinkClick r:id="rId3"/>
-              </a:rPr>
-              <a:t>jonkruger.com/blog</a:t>
+              <a:t>http://jonkruger.com/blog</a:t>
             </a:r>
             <a:endParaRPr lang="en-US" b="1" dirty="0" smtClean="0"/>
           </a:p>

--- a/TDD In Action.pptx
+++ b/TDD In Action.pptx
@@ -5,7 +5,7 @@
     <p:sldMasterId id="2147483840" r:id="rId1"/>
   </p:sldMasterIdLst>
   <p:notesMasterIdLst>
-    <p:notesMasterId r:id="rId38"/>
+    <p:notesMasterId r:id="rId37"/>
   </p:notesMasterIdLst>
   <p:sldIdLst>
     <p:sldId id="320" r:id="rId2"/>
@@ -16,34 +16,33 @@
     <p:sldId id="373" r:id="rId7"/>
     <p:sldId id="376" r:id="rId8"/>
     <p:sldId id="371" r:id="rId9"/>
-    <p:sldId id="379" r:id="rId10"/>
-    <p:sldId id="390" r:id="rId11"/>
-    <p:sldId id="370" r:id="rId12"/>
-    <p:sldId id="389" r:id="rId13"/>
-    <p:sldId id="380" r:id="rId14"/>
-    <p:sldId id="381" r:id="rId15"/>
-    <p:sldId id="378" r:id="rId16"/>
-    <p:sldId id="384" r:id="rId17"/>
+    <p:sldId id="370" r:id="rId10"/>
+    <p:sldId id="389" r:id="rId11"/>
+    <p:sldId id="381" r:id="rId12"/>
+    <p:sldId id="380" r:id="rId13"/>
+    <p:sldId id="379" r:id="rId14"/>
+    <p:sldId id="390" r:id="rId15"/>
+    <p:sldId id="384" r:id="rId16"/>
+    <p:sldId id="378" r:id="rId17"/>
     <p:sldId id="377" r:id="rId18"/>
     <p:sldId id="394" r:id="rId19"/>
     <p:sldId id="386" r:id="rId20"/>
     <p:sldId id="382" r:id="rId21"/>
     <p:sldId id="383" r:id="rId22"/>
-    <p:sldId id="385" r:id="rId23"/>
-    <p:sldId id="387" r:id="rId24"/>
-    <p:sldId id="388" r:id="rId25"/>
-    <p:sldId id="391" r:id="rId26"/>
-    <p:sldId id="393" r:id="rId27"/>
-    <p:sldId id="360" r:id="rId28"/>
-    <p:sldId id="358" r:id="rId29"/>
-    <p:sldId id="359" r:id="rId30"/>
-    <p:sldId id="396" r:id="rId31"/>
-    <p:sldId id="402" r:id="rId32"/>
-    <p:sldId id="397" r:id="rId33"/>
-    <p:sldId id="401" r:id="rId34"/>
-    <p:sldId id="398" r:id="rId35"/>
-    <p:sldId id="400" r:id="rId36"/>
-    <p:sldId id="399" r:id="rId37"/>
+    <p:sldId id="387" r:id="rId23"/>
+    <p:sldId id="388" r:id="rId24"/>
+    <p:sldId id="391" r:id="rId25"/>
+    <p:sldId id="393" r:id="rId26"/>
+    <p:sldId id="360" r:id="rId27"/>
+    <p:sldId id="358" r:id="rId28"/>
+    <p:sldId id="359" r:id="rId29"/>
+    <p:sldId id="396" r:id="rId30"/>
+    <p:sldId id="402" r:id="rId31"/>
+    <p:sldId id="397" r:id="rId32"/>
+    <p:sldId id="401" r:id="rId33"/>
+    <p:sldId id="398" r:id="rId34"/>
+    <p:sldId id="400" r:id="rId35"/>
+    <p:sldId id="399" r:id="rId36"/>
   </p:sldIdLst>
   <p:sldSz cx="9144000" cy="6858000" type="screen4x3"/>
   <p:notesSz cx="6858000" cy="9144000"/>
@@ -228,7 +227,7 @@
             <a:fld id="{CE22DD2D-CE48-432A-B750-FE638311F72D}" type="datetimeFigureOut">
               <a:rPr lang="en-US" smtClean="0"/>
               <a:pPr/>
-              <a:t>5/14/2010</a:t>
+              <a:t>5/20/2010</a:t>
             </a:fld>
             <a:endParaRPr lang="en-US"/>
           </a:p>
@@ -540,6 +539,20 @@
           </a:bodyPr>
           <a:lstStyle/>
           <a:p>
+            <a:r>
+              <a:rPr lang="en-US" dirty="0" smtClean="0"/>
+              <a:t>-Lower stress</a:t>
+            </a:r>
+            <a:r>
+              <a:rPr lang="en-US" baseline="0" dirty="0" smtClean="0"/>
+              <a:t> level!</a:t>
+            </a:r>
+          </a:p>
+          <a:p>
+            <a:r>
+              <a:rPr lang="en-US" baseline="0" dirty="0" smtClean="0"/>
+              <a:t>-Not wasting time setting breakpoints and testing the debugger</a:t>
+            </a:r>
             <a:endParaRPr lang="en-US" dirty="0"/>
           </a:p>
         </p:txBody>
@@ -742,7 +755,7 @@
             <a:fld id="{46B52E04-8F68-435C-880A-7C7B12D9BA2F}" type="slidenum">
               <a:rPr lang="en-US" smtClean="0"/>
               <a:pPr/>
-              <a:t>25</a:t>
+              <a:t>24</a:t>
             </a:fld>
             <a:endParaRPr lang="en-US"/>
           </a:p>
@@ -802,34 +815,25 @@
           </a:bodyPr>
           <a:lstStyle/>
           <a:p>
-            <a:pPr marL="0" marR="0" indent="0" algn="l" defTabSz="914400" rtl="0" eaLnBrk="1" fontAlgn="auto" latinLnBrk="0" hangingPunct="1">
-              <a:lnSpc>
-                <a:spcPct val="100000"/>
-              </a:lnSpc>
-              <a:spcBef>
-                <a:spcPts val="0"/>
-              </a:spcBef>
-              <a:spcAft>
-                <a:spcPts val="0"/>
-              </a:spcAft>
-              <a:buClrTx/>
-              <a:buSzTx/>
-              <a:buFontTx/>
-              <a:buNone/>
-              <a:tabLst/>
-              <a:defRPr/>
-            </a:pPr>
             <a:r>
               <a:rPr lang="en-US" dirty="0" smtClean="0"/>
-              <a:t>Software development is a series</a:t>
+              <a:t>-If you test with</a:t>
             </a:r>
             <a:r>
               <a:rPr lang="en-US" baseline="0" dirty="0" smtClean="0"/>
-              <a:t> of translations – we need to get from an idea in someone’s head to working software.  The best way to not lose sight of that goal is to do small “translations” that will ensure that we stay focused on the original goal.</a:t>
+              <a:t> the debugger, how do you know the next day if your code is  still working?</a:t>
             </a:r>
             <a:endParaRPr lang="en-US" dirty="0" smtClean="0"/>
           </a:p>
           <a:p>
+            <a:r>
+              <a:rPr lang="en-US" dirty="0" smtClean="0"/>
+              <a:t>-Someone</a:t>
+            </a:r>
+            <a:r>
+              <a:rPr lang="en-US" baseline="0" dirty="0" smtClean="0"/>
+              <a:t> else is going to change your code someday, so now you don’t have to worry about them breaking your stuff.</a:t>
+            </a:r>
             <a:endParaRPr lang="en-US" dirty="0"/>
           </a:p>
         </p:txBody>
@@ -912,19 +916,27 @@
           </a:bodyPr>
           <a:lstStyle/>
           <a:p>
+            <a:pPr>
+              <a:buFontTx/>
+              <a:buChar char="-"/>
+            </a:pPr>
             <a:r>
               <a:rPr lang="en-US" dirty="0" smtClean="0"/>
-              <a:t>-Lower stress</a:t>
+              <a:t>Bugs cost money to find, money to write up, money to fix</a:t>
+            </a:r>
+          </a:p>
+          <a:p>
+            <a:pPr>
+              <a:buFontTx/>
+              <a:buChar char="-"/>
+            </a:pPr>
+            <a:r>
+              <a:rPr lang="en-US" dirty="0" smtClean="0"/>
+              <a:t>The</a:t>
             </a:r>
             <a:r>
               <a:rPr lang="en-US" baseline="0" dirty="0" smtClean="0"/>
-              <a:t> level!</a:t>
-            </a:r>
-          </a:p>
-          <a:p>
-            <a:r>
-              <a:rPr lang="en-US" baseline="0" dirty="0" smtClean="0"/>
-              <a:t>-Not wasting time setting breakpoints and testing the debugger</a:t>
+              <a:t> negative impact caused by bugs can be really expensive</a:t>
             </a:r>
             <a:endParaRPr lang="en-US" dirty="0"/>
           </a:p>
@@ -1008,25 +1020,6 @@
           </a:bodyPr>
           <a:lstStyle/>
           <a:p>
-            <a:r>
-              <a:rPr lang="en-US" dirty="0" smtClean="0"/>
-              <a:t>-If you test with</a:t>
-            </a:r>
-            <a:r>
-              <a:rPr lang="en-US" baseline="0" dirty="0" smtClean="0"/>
-              <a:t> the debugger, how do you know the next day if your code is  still working?</a:t>
-            </a:r>
-            <a:endParaRPr lang="en-US" dirty="0" smtClean="0"/>
-          </a:p>
-          <a:p>
-            <a:r>
-              <a:rPr lang="en-US" dirty="0" smtClean="0"/>
-              <a:t>-Someone</a:t>
-            </a:r>
-            <a:r>
-              <a:rPr lang="en-US" baseline="0" dirty="0" smtClean="0"/>
-              <a:t> else is going to change your code someday, so now you don’t have to worry about them breaking your stuff.</a:t>
-            </a:r>
             <a:endParaRPr lang="en-US" dirty="0"/>
           </a:p>
         </p:txBody>
@@ -1191,28 +1184,34 @@
           </a:bodyPr>
           <a:lstStyle/>
           <a:p>
-            <a:pPr>
+            <a:pPr marL="0" marR="0" indent="0" algn="l" defTabSz="914400" rtl="0" eaLnBrk="1" fontAlgn="auto" latinLnBrk="0" hangingPunct="1">
+              <a:lnSpc>
+                <a:spcPct val="100000"/>
+              </a:lnSpc>
+              <a:spcBef>
+                <a:spcPts val="0"/>
+              </a:spcBef>
+              <a:spcAft>
+                <a:spcPts val="0"/>
+              </a:spcAft>
+              <a:buClrTx/>
+              <a:buSzTx/>
               <a:buFontTx/>
-              <a:buChar char="-"/>
+              <a:buNone/>
+              <a:tabLst/>
+              <a:defRPr/>
             </a:pPr>
             <a:r>
               <a:rPr lang="en-US" dirty="0" smtClean="0"/>
-              <a:t>Bugs cost money to find, money to write up, money to fix</a:t>
-            </a:r>
-          </a:p>
-          <a:p>
-            <a:pPr>
-              <a:buFontTx/>
-              <a:buChar char="-"/>
-            </a:pPr>
-            <a:r>
-              <a:rPr lang="en-US" dirty="0" smtClean="0"/>
-              <a:t>The</a:t>
+              <a:t>Software development is a series</a:t>
             </a:r>
             <a:r>
               <a:rPr lang="en-US" baseline="0" dirty="0" smtClean="0"/>
-              <a:t> negative impact caused by bugs can be really expensive</a:t>
-            </a:r>
+              <a:t> of translations – we need to get from an idea in someone’s head to working software.  The best way to not lose sight of that goal is to do small “translations” that will ensure that we stay focused on the original goal.</a:t>
+            </a:r>
+            <a:endParaRPr lang="en-US" dirty="0" smtClean="0"/>
+          </a:p>
+          <a:p>
             <a:endParaRPr lang="en-US" dirty="0"/>
           </a:p>
         </p:txBody>
@@ -1295,27 +1294,13 @@
           </a:bodyPr>
           <a:lstStyle/>
           <a:p>
-            <a:pPr>
-              <a:buFontTx/>
-              <a:buChar char="-"/>
-            </a:pPr>
             <a:r>
               <a:rPr lang="en-US" dirty="0" smtClean="0"/>
-              <a:t>We won’t waste time on code</a:t>
+              <a:t>-Think about one thing at</a:t>
             </a:r>
             <a:r>
               <a:rPr lang="en-US" baseline="0" dirty="0" smtClean="0"/>
-              <a:t> that we don’t need to write</a:t>
-            </a:r>
-          </a:p>
-          <a:p>
-            <a:pPr>
-              <a:buFontTx/>
-              <a:buChar char="-"/>
-            </a:pPr>
-            <a:r>
-              <a:rPr lang="en-US" baseline="0" dirty="0" smtClean="0"/>
-              <a:t>Helps prevent gold plating</a:t>
+              <a:t> a time… much easier, less stressful</a:t>
             </a:r>
             <a:endParaRPr lang="en-US" dirty="0"/>
           </a:p>
@@ -1399,13 +1384,27 @@
           </a:bodyPr>
           <a:lstStyle/>
           <a:p>
+            <a:pPr>
+              <a:buFontTx/>
+              <a:buChar char="-"/>
+            </a:pPr>
             <a:r>
               <a:rPr lang="en-US" dirty="0" smtClean="0"/>
-              <a:t>-Think about one thing at</a:t>
+              <a:t>We won’t waste time on code</a:t>
             </a:r>
             <a:r>
               <a:rPr lang="en-US" baseline="0" dirty="0" smtClean="0"/>
-              <a:t> a time… much easier, less stressful</a:t>
+              <a:t> that we don’t need to write</a:t>
+            </a:r>
+          </a:p>
+          <a:p>
+            <a:pPr>
+              <a:buFontTx/>
+              <a:buChar char="-"/>
+            </a:pPr>
+            <a:r>
+              <a:rPr lang="en-US" baseline="0" dirty="0" smtClean="0"/>
+              <a:t>Helps prevent gold plating</a:t>
             </a:r>
             <a:endParaRPr lang="en-US" dirty="0"/>
           </a:p>
@@ -1699,7 +1698,7 @@
             <a:fld id="{C3F416CD-67A3-4CF0-A210-F6AF31AC147F}" type="datetimeFigureOut">
               <a:rPr lang="en-US" smtClean="0"/>
               <a:pPr/>
-              <a:t>5/14/2010</a:t>
+              <a:t>5/20/2010</a:t>
             </a:fld>
             <a:endParaRPr lang="en-US"/>
           </a:p>
@@ -1879,7 +1878,7 @@
             <a:fld id="{C3F416CD-67A3-4CF0-A210-F6AF31AC147F}" type="datetimeFigureOut">
               <a:rPr lang="en-US" smtClean="0"/>
               <a:pPr/>
-              <a:t>5/14/2010</a:t>
+              <a:t>5/20/2010</a:t>
             </a:fld>
             <a:endParaRPr lang="en-US"/>
           </a:p>
@@ -2056,7 +2055,7 @@
             <a:fld id="{C3F416CD-67A3-4CF0-A210-F6AF31AC147F}" type="datetimeFigureOut">
               <a:rPr lang="en-US" smtClean="0"/>
               <a:pPr/>
-              <a:t>5/14/2010</a:t>
+              <a:t>5/20/2010</a:t>
             </a:fld>
             <a:endParaRPr lang="en-US"/>
           </a:p>
@@ -2223,7 +2222,7 @@
             <a:fld id="{C3F416CD-67A3-4CF0-A210-F6AF31AC147F}" type="datetimeFigureOut">
               <a:rPr lang="en-US" smtClean="0"/>
               <a:pPr/>
-              <a:t>5/14/2010</a:t>
+              <a:t>5/20/2010</a:t>
             </a:fld>
             <a:endParaRPr lang="en-US"/>
           </a:p>
@@ -2436,7 +2435,7 @@
             <a:fld id="{C3F416CD-67A3-4CF0-A210-F6AF31AC147F}" type="datetimeFigureOut">
               <a:rPr lang="en-US" smtClean="0"/>
               <a:pPr/>
-              <a:t>5/14/2010</a:t>
+              <a:t>5/20/2010</a:t>
             </a:fld>
             <a:endParaRPr lang="en-US"/>
           </a:p>
@@ -2721,7 +2720,7 @@
             <a:fld id="{C3F416CD-67A3-4CF0-A210-F6AF31AC147F}" type="datetimeFigureOut">
               <a:rPr lang="en-US" smtClean="0"/>
               <a:pPr/>
-              <a:t>5/14/2010</a:t>
+              <a:t>5/20/2010</a:t>
             </a:fld>
             <a:endParaRPr lang="en-US"/>
           </a:p>
@@ -3153,7 +3152,7 @@
             <a:fld id="{C3F416CD-67A3-4CF0-A210-F6AF31AC147F}" type="datetimeFigureOut">
               <a:rPr lang="en-US" smtClean="0"/>
               <a:pPr algn="l" eaLnBrk="1" latinLnBrk="0" hangingPunct="1"/>
-              <a:t>5/14/2010</a:t>
+              <a:t>5/20/2010</a:t>
             </a:fld>
             <a:endParaRPr lang="en-US"/>
           </a:p>
@@ -3273,7 +3272,7 @@
             <a:fld id="{C3F416CD-67A3-4CF0-A210-F6AF31AC147F}" type="datetimeFigureOut">
               <a:rPr lang="en-US" smtClean="0"/>
               <a:pPr/>
-              <a:t>5/14/2010</a:t>
+              <a:t>5/20/2010</a:t>
             </a:fld>
             <a:endParaRPr lang="en-US"/>
           </a:p>
@@ -3365,7 +3364,7 @@
             <a:fld id="{C3F416CD-67A3-4CF0-A210-F6AF31AC147F}" type="datetimeFigureOut">
               <a:rPr lang="en-US" smtClean="0"/>
               <a:pPr/>
-              <a:t>5/14/2010</a:t>
+              <a:t>5/20/2010</a:t>
             </a:fld>
             <a:endParaRPr lang="en-US"/>
           </a:p>
@@ -3656,7 +3655,7 @@
             <a:fld id="{C3F416CD-67A3-4CF0-A210-F6AF31AC147F}" type="datetimeFigureOut">
               <a:rPr lang="en-US" smtClean="0"/>
               <a:pPr/>
-              <a:t>5/14/2010</a:t>
+              <a:t>5/20/2010</a:t>
             </a:fld>
             <a:endParaRPr lang="en-US"/>
           </a:p>
@@ -3983,7 +3982,7 @@
             <a:fld id="{C3F416CD-67A3-4CF0-A210-F6AF31AC147F}" type="datetimeFigureOut">
               <a:rPr lang="en-US" smtClean="0"/>
               <a:pPr/>
-              <a:t>5/14/2010</a:t>
+              <a:t>5/20/2010</a:t>
             </a:fld>
             <a:endParaRPr lang="en-US"/>
           </a:p>
@@ -4204,7 +4203,7 @@
             <a:fld id="{C3F416CD-67A3-4CF0-A210-F6AF31AC147F}" type="datetimeFigureOut">
               <a:rPr lang="en-US" smtClean="0"/>
               <a:pPr algn="l" eaLnBrk="1" latinLnBrk="0" hangingPunct="1"/>
-              <a:t>5/14/2010</a:t>
+              <a:t>5/20/2010</a:t>
             </a:fld>
             <a:endParaRPr lang="en-US" sz="800" dirty="0">
               <a:solidFill>
@@ -4633,7 +4632,7 @@
           <a:p>
             <a:r>
               <a:rPr lang="en-US" dirty="0" smtClean="0"/>
-              <a:t>Behavior Driven Development</a:t>
+              <a:t>Benefits of TDD</a:t>
             </a:r>
             <a:endParaRPr lang="en-US" dirty="0"/>
           </a:p>
@@ -4651,27 +4650,19 @@
         </p:nvSpPr>
         <p:spPr/>
         <p:txBody>
-          <a:bodyPr/>
-          <a:lstStyle/>
-          <a:p>
-            <a:r>
-              <a:rPr lang="en-US" dirty="0" smtClean="0"/>
-              <a:t>Testing the </a:t>
-            </a:r>
-            <a:r>
-              <a:rPr lang="en-US" i="1" dirty="0" smtClean="0"/>
-              <a:t>behavior</a:t>
-            </a:r>
-            <a:r>
-              <a:rPr lang="en-US" dirty="0" smtClean="0"/>
-              <a:t> of the system (not just data returned by a method)</a:t>
-            </a:r>
-          </a:p>
-          <a:p>
-            <a:r>
-              <a:rPr lang="en-US" dirty="0" smtClean="0"/>
-              <a:t>Defining what it means for your system to work correctly (not just verifying that code works)</a:t>
-            </a:r>
+          <a:bodyPr anchor="ctr">
+            <a:normAutofit/>
+          </a:bodyPr>
+          <a:lstStyle/>
+          <a:p>
+            <a:pPr algn="ctr">
+              <a:buNone/>
+            </a:pPr>
+            <a:r>
+              <a:rPr lang="en-US" sz="4400" b="1" dirty="0" smtClean="0"/>
+              <a:t>We know that our code will continue to work</a:t>
+            </a:r>
+            <a:endParaRPr lang="en-US" sz="4400" b="1" dirty="0"/>
           </a:p>
         </p:txBody>
       </p:sp>
@@ -4752,7 +4743,7 @@
             </a:pPr>
             <a:r>
               <a:rPr lang="en-US" sz="4400" b="1" dirty="0" smtClean="0"/>
-              <a:t>We know that our code is working!</a:t>
+              <a:t>We didn’t write bugs</a:t>
             </a:r>
             <a:endParaRPr lang="en-US" sz="4400" b="1" dirty="0"/>
           </a:p>
@@ -4835,7 +4826,7 @@
             </a:pPr>
             <a:r>
               <a:rPr lang="en-US" sz="4400" b="1" dirty="0" smtClean="0"/>
-              <a:t>We know that our code will continue to work</a:t>
+              <a:t>We know when we are done</a:t>
             </a:r>
             <a:endParaRPr lang="en-US" sz="4400" b="1" dirty="0"/>
           </a:p>
@@ -4918,7 +4909,7 @@
             </a:pPr>
             <a:r>
               <a:rPr lang="en-US" sz="4400" b="1" dirty="0" smtClean="0"/>
-              <a:t>We know when we are done</a:t>
+              <a:t>We incrementally translated the requirements </a:t>
             </a:r>
             <a:endParaRPr lang="en-US" sz="4400" b="1" dirty="0"/>
           </a:p>
@@ -4973,7 +4964,7 @@
           <a:p>
             <a:r>
               <a:rPr lang="en-US" dirty="0" smtClean="0"/>
-              <a:t>Benefits of TDD</a:t>
+              <a:t>Behavior Driven Development</a:t>
             </a:r>
             <a:endParaRPr lang="en-US" dirty="0"/>
           </a:p>
@@ -4991,19 +4982,27 @@
         </p:nvSpPr>
         <p:spPr/>
         <p:txBody>
-          <a:bodyPr anchor="ctr">
-            <a:normAutofit/>
-          </a:bodyPr>
-          <a:lstStyle/>
-          <a:p>
-            <a:pPr algn="ctr">
-              <a:buNone/>
-            </a:pPr>
-            <a:r>
-              <a:rPr lang="en-US" sz="4400" b="1" dirty="0" smtClean="0"/>
-              <a:t>We didn’t write bugs</a:t>
-            </a:r>
-            <a:endParaRPr lang="en-US" sz="4400" b="1" dirty="0"/>
+          <a:bodyPr/>
+          <a:lstStyle/>
+          <a:p>
+            <a:r>
+              <a:rPr lang="en-US" dirty="0" smtClean="0"/>
+              <a:t>Testing the </a:t>
+            </a:r>
+            <a:r>
+              <a:rPr lang="en-US" i="1" dirty="0" smtClean="0"/>
+              <a:t>behavior</a:t>
+            </a:r>
+            <a:r>
+              <a:rPr lang="en-US" dirty="0" smtClean="0"/>
+              <a:t> of the system (not just data returned by a method)</a:t>
+            </a:r>
+          </a:p>
+          <a:p>
+            <a:r>
+              <a:rPr lang="en-US" dirty="0" smtClean="0"/>
+              <a:t>Defining what it means for your system to work correctly (not just verifying that code works)</a:t>
+            </a:r>
           </a:p>
         </p:txBody>
       </p:sp>
@@ -5084,7 +5083,7 @@
             </a:pPr>
             <a:r>
               <a:rPr lang="en-US" sz="4400" b="1" dirty="0" smtClean="0"/>
-              <a:t>We only wrote as much code as we needed to make the tests pass</a:t>
+              <a:t>Concentrate on the requirements/tests, then concentrate on implementation</a:t>
             </a:r>
             <a:endParaRPr lang="en-US" sz="4400" b="1" dirty="0"/>
           </a:p>
@@ -5167,7 +5166,7 @@
             </a:pPr>
             <a:r>
               <a:rPr lang="en-US" sz="4400" b="1" dirty="0" smtClean="0"/>
-              <a:t>Concentrate on the requirements/tests, then concentrate on implementation</a:t>
+              <a:t>We only wrote as much code as we needed to make the tests pass</a:t>
             </a:r>
             <a:endParaRPr lang="en-US" sz="4400" b="1" dirty="0"/>
           </a:p>
@@ -6063,7 +6062,7 @@
             </a:pPr>
             <a:r>
               <a:rPr lang="en-US" sz="4400" b="1" dirty="0" smtClean="0"/>
-              <a:t>We can make changes without fear of breaking things</a:t>
+              <a:t>We can quickly regression test our code</a:t>
             </a:r>
             <a:endParaRPr lang="en-US" sz="4400" b="1" dirty="0"/>
           </a:p>
@@ -6085,89 +6084,6 @@
 </file>
 
 <file path=ppt/slides/slide23.xml><?xml version="1.0" encoding="utf-8"?>
-<p:sld xmlns:a="http://schemas.openxmlformats.org/drawingml/2006/main" xmlns:r="http://schemas.openxmlformats.org/officeDocument/2006/relationships" xmlns:p="http://schemas.openxmlformats.org/presentationml/2006/main">
-  <p:cSld>
-    <p:spTree>
-      <p:nvGrpSpPr>
-        <p:cNvPr id="1" name=""/>
-        <p:cNvGrpSpPr/>
-        <p:nvPr/>
-      </p:nvGrpSpPr>
-      <p:grpSpPr>
-        <a:xfrm>
-          <a:off x="0" y="0"/>
-          <a:ext cx="0" cy="0"/>
-          <a:chOff x="0" y="0"/>
-          <a:chExt cx="0" cy="0"/>
-        </a:xfrm>
-      </p:grpSpPr>
-      <p:sp>
-        <p:nvSpPr>
-          <p:cNvPr id="2" name="Title 1"/>
-          <p:cNvSpPr>
-            <a:spLocks noGrp="1"/>
-          </p:cNvSpPr>
-          <p:nvPr>
-            <p:ph type="title"/>
-          </p:nvPr>
-        </p:nvSpPr>
-        <p:spPr/>
-        <p:txBody>
-          <a:bodyPr/>
-          <a:lstStyle/>
-          <a:p>
-            <a:r>
-              <a:rPr lang="en-US" dirty="0" smtClean="0"/>
-              <a:t>Benefits of TDD</a:t>
-            </a:r>
-            <a:endParaRPr lang="en-US" dirty="0"/>
-          </a:p>
-        </p:txBody>
-      </p:sp>
-      <p:sp>
-        <p:nvSpPr>
-          <p:cNvPr id="3" name="Content Placeholder 2"/>
-          <p:cNvSpPr>
-            <a:spLocks noGrp="1"/>
-          </p:cNvSpPr>
-          <p:nvPr>
-            <p:ph idx="1"/>
-          </p:nvPr>
-        </p:nvSpPr>
-        <p:spPr/>
-        <p:txBody>
-          <a:bodyPr anchor="ctr">
-            <a:normAutofit/>
-          </a:bodyPr>
-          <a:lstStyle/>
-          <a:p>
-            <a:pPr algn="ctr">
-              <a:buNone/>
-            </a:pPr>
-            <a:r>
-              <a:rPr lang="en-US" sz="4400" b="1" dirty="0" smtClean="0"/>
-              <a:t>We can quickly regression test our code</a:t>
-            </a:r>
-            <a:endParaRPr lang="en-US" sz="4400" b="1" dirty="0"/>
-          </a:p>
-        </p:txBody>
-      </p:sp>
-    </p:spTree>
-  </p:cSld>
-  <p:clrMapOvr>
-    <a:masterClrMapping/>
-  </p:clrMapOvr>
-  <p:timing>
-    <p:tnLst>
-      <p:par>
-        <p:cTn id="1" dur="indefinite" restart="never" nodeType="tmRoot"/>
-      </p:par>
-    </p:tnLst>
-  </p:timing>
-</p:sld>
-</file>
-
-<file path=ppt/slides/slide24.xml><?xml version="1.0" encoding="utf-8"?>
 <p:sld xmlns:a="http://schemas.openxmlformats.org/drawingml/2006/main" xmlns:r="http://schemas.openxmlformats.org/officeDocument/2006/relationships" xmlns:p="http://schemas.openxmlformats.org/presentationml/2006/main">
   <p:cSld>
     <p:spTree>
@@ -6486,7 +6402,7 @@
 </p:sld>
 </file>
 
-<file path=ppt/slides/slide25.xml><?xml version="1.0" encoding="utf-8"?>
+<file path=ppt/slides/slide24.xml><?xml version="1.0" encoding="utf-8"?>
 <p:sld xmlns:a="http://schemas.openxmlformats.org/drawingml/2006/main" xmlns:r="http://schemas.openxmlformats.org/officeDocument/2006/relationships" xmlns:p="http://schemas.openxmlformats.org/presentationml/2006/main">
   <p:cSld>
     <p:spTree>
@@ -6569,7 +6485,7 @@
 </p:sld>
 </file>
 
-<file path=ppt/slides/slide26.xml><?xml version="1.0" encoding="utf-8"?>
+<file path=ppt/slides/slide25.xml><?xml version="1.0" encoding="utf-8"?>
 <p:sld xmlns:a="http://schemas.openxmlformats.org/drawingml/2006/main" xmlns:r="http://schemas.openxmlformats.org/officeDocument/2006/relationships" xmlns:p="http://schemas.openxmlformats.org/presentationml/2006/main">
   <p:cSld>
     <p:spTree>
@@ -7339,7 +7255,7 @@
 </p:sld>
 </file>
 
-<file path=ppt/slides/slide27.xml><?xml version="1.0" encoding="utf-8"?>
+<file path=ppt/slides/slide26.xml><?xml version="1.0" encoding="utf-8"?>
 <p:sld xmlns:a="http://schemas.openxmlformats.org/drawingml/2006/main" xmlns:r="http://schemas.openxmlformats.org/officeDocument/2006/relationships" xmlns:p="http://schemas.openxmlformats.org/presentationml/2006/main">
   <p:cSld>
     <p:spTree>
@@ -7419,7 +7335,7 @@
 </p:sld>
 </file>
 
-<file path=ppt/slides/slide28.xml><?xml version="1.0" encoding="utf-8"?>
+<file path=ppt/slides/slide27.xml><?xml version="1.0" encoding="utf-8"?>
 <p:sld xmlns:a="http://schemas.openxmlformats.org/drawingml/2006/main" xmlns:r="http://schemas.openxmlformats.org/officeDocument/2006/relationships" xmlns:p="http://schemas.openxmlformats.org/presentationml/2006/main">
   <p:cSld>
     <p:spTree>
@@ -7555,7 +7471,7 @@
 </p:sld>
 </file>
 
-<file path=ppt/slides/slide29.xml><?xml version="1.0" encoding="utf-8"?>
+<file path=ppt/slides/slide28.xml><?xml version="1.0" encoding="utf-8"?>
 <p:sld xmlns:a="http://schemas.openxmlformats.org/drawingml/2006/main" xmlns:r="http://schemas.openxmlformats.org/officeDocument/2006/relationships" xmlns:p="http://schemas.openxmlformats.org/presentationml/2006/main">
   <p:cSld>
     <p:spTree>
@@ -7675,6 +7591,156 @@
 </p:sld>
 </file>
 
+<file path=ppt/slides/slide29.xml><?xml version="1.0" encoding="utf-8"?>
+<p:sld xmlns:a="http://schemas.openxmlformats.org/drawingml/2006/main" xmlns:r="http://schemas.openxmlformats.org/officeDocument/2006/relationships" xmlns:p="http://schemas.openxmlformats.org/presentationml/2006/main">
+  <p:cSld>
+    <p:spTree>
+      <p:nvGrpSpPr>
+        <p:cNvPr id="1" name=""/>
+        <p:cNvGrpSpPr/>
+        <p:nvPr/>
+      </p:nvGrpSpPr>
+      <p:grpSpPr>
+        <a:xfrm>
+          <a:off x="0" y="0"/>
+          <a:ext cx="0" cy="0"/>
+          <a:chOff x="0" y="0"/>
+          <a:chExt cx="0" cy="0"/>
+        </a:xfrm>
+      </p:grpSpPr>
+      <p:sp>
+        <p:nvSpPr>
+          <p:cNvPr id="2" name="Title 1"/>
+          <p:cNvSpPr>
+            <a:spLocks noGrp="1"/>
+          </p:cNvSpPr>
+          <p:nvPr>
+            <p:ph type="title"/>
+          </p:nvPr>
+        </p:nvSpPr>
+        <p:spPr/>
+        <p:txBody>
+          <a:bodyPr>
+            <a:normAutofit fontScale="90000"/>
+          </a:bodyPr>
+          <a:lstStyle/>
+          <a:p>
+            <a:r>
+              <a:rPr lang="en-US" dirty="0" smtClean="0"/>
+              <a:t>Resources - Cost of unit testing</a:t>
+            </a:r>
+            <a:endParaRPr lang="en-US" dirty="0"/>
+          </a:p>
+        </p:txBody>
+      </p:sp>
+      <p:sp>
+        <p:nvSpPr>
+          <p:cNvPr id="3" name="Content Placeholder 2"/>
+          <p:cNvSpPr>
+            <a:spLocks noGrp="1"/>
+          </p:cNvSpPr>
+          <p:nvPr>
+            <p:ph idx="1"/>
+          </p:nvPr>
+        </p:nvSpPr>
+        <p:spPr/>
+        <p:txBody>
+          <a:bodyPr/>
+          <a:lstStyle/>
+          <a:p>
+            <a:r>
+              <a:rPr lang="en-US" sz="2400" dirty="0" smtClean="0"/>
+              <a:t>Microsoft Research – “Realizing quality improvement through test driven development: results and experiences of four industrial teams”</a:t>
+            </a:r>
+          </a:p>
+          <a:p>
+            <a:pPr lvl="1"/>
+            <a:r>
+              <a:rPr lang="en-US" sz="1800" b="1" dirty="0" smtClean="0">
+                <a:hlinkClick r:id="rId2"/>
+              </a:rPr>
+              <a:t>http://research.microsoft.com/en-us/projects/esm/nagappan_tdd.pdf</a:t>
+            </a:r>
+            <a:endParaRPr lang="en-US" sz="1800" b="1" dirty="0" smtClean="0"/>
+          </a:p>
+          <a:p>
+            <a:endParaRPr lang="en-US" sz="2400" b="1" dirty="0" smtClean="0"/>
+          </a:p>
+          <a:p>
+            <a:r>
+              <a:rPr lang="en-US" sz="2400" dirty="0" smtClean="0"/>
+              <a:t>Cost of Testing, by </a:t>
+            </a:r>
+            <a:r>
+              <a:rPr lang="en-US" sz="2400" dirty="0" err="1" smtClean="0"/>
+              <a:t>Misko</a:t>
+            </a:r>
+            <a:r>
+              <a:rPr lang="en-US" sz="2400" dirty="0" smtClean="0"/>
+              <a:t> </a:t>
+            </a:r>
+            <a:r>
+              <a:rPr lang="en-US" sz="2400" dirty="0" err="1" smtClean="0"/>
+              <a:t>Hevery</a:t>
+            </a:r>
+            <a:r>
+              <a:rPr lang="en-US" sz="2400" dirty="0" smtClean="0"/>
+              <a:t> (Agile Coach/Java developer at Google)</a:t>
+            </a:r>
+          </a:p>
+          <a:p>
+            <a:pPr lvl="1"/>
+            <a:r>
+              <a:rPr lang="en-US" sz="1800" b="1" dirty="0" smtClean="0">
+                <a:hlinkClick r:id="rId3"/>
+              </a:rPr>
+              <a:t>http://misko.hevery.com/2009/10/01/cost-of-testing/</a:t>
+            </a:r>
+            <a:endParaRPr lang="en-US" sz="1800" b="1" dirty="0" smtClean="0"/>
+          </a:p>
+          <a:p>
+            <a:pPr lvl="1"/>
+            <a:endParaRPr lang="en-US" sz="1800" b="1" dirty="0" smtClean="0"/>
+          </a:p>
+          <a:p>
+            <a:r>
+              <a:rPr lang="en-US" sz="2400" dirty="0" smtClean="0"/>
+              <a:t>TDD Derangement Syndrome, by Uncle Bob Martin</a:t>
+            </a:r>
+          </a:p>
+          <a:p>
+            <a:pPr lvl="1"/>
+            <a:r>
+              <a:rPr lang="en-US" sz="1800" b="1" dirty="0" smtClean="0">
+                <a:hlinkClick r:id="rId4"/>
+              </a:rPr>
+              <a:t>http://blog.objectmentor.com/articles/2009/10/07/tdd-derangement-syndrome</a:t>
+            </a:r>
+            <a:endParaRPr lang="en-US" sz="1800" b="1" dirty="0" smtClean="0"/>
+          </a:p>
+          <a:p>
+            <a:endParaRPr lang="en-US" sz="2400" b="1" dirty="0" smtClean="0"/>
+          </a:p>
+          <a:p>
+            <a:endParaRPr lang="en-US" dirty="0"/>
+          </a:p>
+        </p:txBody>
+      </p:sp>
+    </p:spTree>
+  </p:cSld>
+  <p:clrMapOvr>
+    <a:masterClrMapping/>
+  </p:clrMapOvr>
+  <p:timing>
+    <p:tnLst>
+      <p:par>
+        <p:cTn id="1" dur="indefinite" restart="never" nodeType="tmRoot"/>
+      </p:par>
+    </p:tnLst>
+  </p:timing>
+</p:sld>
+</file>
+
 <file path=ppt/slides/slide3.xml><?xml version="1.0" encoding="utf-8"?>
 <p:sld xmlns:a="http://schemas.openxmlformats.org/drawingml/2006/main" xmlns:r="http://schemas.openxmlformats.org/officeDocument/2006/relationships" xmlns:p="http://schemas.openxmlformats.org/presentationml/2006/main">
   <p:cSld>
@@ -7979,13 +8045,13 @@
         <p:spPr/>
         <p:txBody>
           <a:bodyPr>
-            <a:normAutofit fontScale="90000"/>
+            <a:normAutofit/>
           </a:bodyPr>
           <a:lstStyle/>
           <a:p>
             <a:r>
               <a:rPr lang="en-US" dirty="0" smtClean="0"/>
-              <a:t>Resources - Cost of unit testing</a:t>
+              <a:t>Resources - Tools</a:t>
             </a:r>
             <a:endParaRPr lang="en-US" dirty="0"/>
           </a:p>
@@ -8003,84 +8069,104 @@
         </p:nvSpPr>
         <p:spPr/>
         <p:txBody>
-          <a:bodyPr/>
+          <a:bodyPr>
+            <a:normAutofit/>
+          </a:bodyPr>
           <a:lstStyle/>
           <a:p>
             <a:r>
               <a:rPr lang="en-US" sz="2400" dirty="0" smtClean="0"/>
-              <a:t>Microsoft Research – “Realizing quality improvement through test driven development: results and experiences of four industrial teams”</a:t>
+              <a:t>.NET</a:t>
             </a:r>
           </a:p>
           <a:p>
             <a:pPr lvl="1"/>
             <a:r>
-              <a:rPr lang="en-US" sz="1800" b="1" dirty="0" smtClean="0">
+              <a:rPr lang="en-US" sz="2400" dirty="0" smtClean="0"/>
+              <a:t>NUnit – </a:t>
+            </a:r>
+            <a:r>
+              <a:rPr lang="en-US" sz="2400" dirty="0" smtClean="0">
                 <a:hlinkClick r:id="rId2"/>
               </a:rPr>
-              <a:t>http://research.microsoft.com/en-us/projects/esm/nagappan_tdd.pdf</a:t>
-            </a:r>
-            <a:endParaRPr lang="en-US" sz="1800" b="1" dirty="0" smtClean="0"/>
-          </a:p>
-          <a:p>
-            <a:endParaRPr lang="en-US" sz="2400" b="1" dirty="0" smtClean="0"/>
-          </a:p>
-          <a:p>
+              <a:t>http://nunit.org</a:t>
+            </a:r>
+            <a:endParaRPr lang="en-US" sz="2400" dirty="0" smtClean="0"/>
+          </a:p>
+          <a:p>
+            <a:pPr lvl="1"/>
             <a:r>
               <a:rPr lang="en-US" sz="2400" dirty="0" smtClean="0"/>
-              <a:t>Cost of Testing, by </a:t>
-            </a:r>
-            <a:r>
-              <a:rPr lang="en-US" sz="2400" dirty="0" err="1" smtClean="0"/>
-              <a:t>Misko</a:t>
-            </a:r>
-            <a:r>
-              <a:rPr lang="en-US" sz="2400" dirty="0" smtClean="0"/>
-              <a:t> </a:t>
-            </a:r>
-            <a:r>
-              <a:rPr lang="en-US" sz="2400" dirty="0" err="1" smtClean="0"/>
-              <a:t>Hevery</a:t>
-            </a:r>
-            <a:r>
-              <a:rPr lang="en-US" sz="2400" dirty="0" smtClean="0"/>
-              <a:t> (Agile Coach/Java developer at Google)</a:t>
-            </a:r>
-          </a:p>
-          <a:p>
-            <a:pPr lvl="1"/>
-            <a:r>
-              <a:rPr lang="en-US" sz="1800" b="1" dirty="0" smtClean="0">
+              <a:t>Should – </a:t>
+            </a:r>
+            <a:r>
+              <a:rPr lang="en-US" sz="2400" dirty="0" smtClean="0">
                 <a:hlinkClick r:id="rId3"/>
               </a:rPr>
-              <a:t>http://misko.hevery.com/2009/10/01/cost-of-testing/</a:t>
-            </a:r>
-            <a:endParaRPr lang="en-US" sz="1800" b="1" dirty="0" smtClean="0"/>
+              <a:t>http://should.codeplex.com</a:t>
+            </a:r>
+            <a:endParaRPr lang="en-US" sz="2400" dirty="0" smtClean="0"/>
+          </a:p>
+          <a:p>
+            <a:r>
+              <a:rPr lang="en-US" sz="2400" dirty="0" smtClean="0"/>
+              <a:t>Java</a:t>
+            </a:r>
           </a:p>
           <a:p>
             <a:pPr lvl="1"/>
-            <a:endParaRPr lang="en-US" sz="1800" b="1" dirty="0" smtClean="0"/>
-          </a:p>
-          <a:p>
             <a:r>
               <a:rPr lang="en-US" sz="2400" dirty="0" smtClean="0"/>
-              <a:t>TDD Derangement Syndrome, by Uncle Bob Martin</a:t>
-            </a:r>
+              <a:t>???????????????</a:t>
+            </a:r>
+          </a:p>
+          <a:p>
+            <a:r>
+              <a:rPr lang="en-US" sz="2400" dirty="0" smtClean="0"/>
+              <a:t>Ruby</a:t>
+            </a:r>
+            <a:endParaRPr lang="en-US" sz="2400" dirty="0" smtClean="0"/>
           </a:p>
           <a:p>
             <a:pPr lvl="1"/>
             <a:r>
-              <a:rPr lang="en-US" sz="1800" b="1" dirty="0" smtClean="0">
+              <a:rPr lang="en-US" sz="2400" dirty="0" smtClean="0"/>
+              <a:t>RSpec – </a:t>
+            </a:r>
+            <a:r>
+              <a:rPr lang="en-US" sz="2400" dirty="0" smtClean="0">
                 <a:hlinkClick r:id="rId4"/>
               </a:rPr>
-              <a:t>http://blog.objectmentor.com/articles/2009/10/07/tdd-derangement-syndrome</a:t>
-            </a:r>
-            <a:endParaRPr lang="en-US" sz="1800" b="1" dirty="0" smtClean="0"/>
-          </a:p>
-          <a:p>
-            <a:endParaRPr lang="en-US" sz="2400" b="1" dirty="0" smtClean="0"/>
-          </a:p>
-          <a:p>
-            <a:endParaRPr lang="en-US" dirty="0"/>
+              <a:t>http://rspec.info</a:t>
+            </a:r>
+            <a:r>
+              <a:rPr lang="en-US" sz="2400" dirty="0" smtClean="0"/>
+              <a:t>, or gem install </a:t>
+            </a:r>
+            <a:r>
+              <a:rPr lang="en-US" sz="2400" dirty="0" err="1" smtClean="0"/>
+              <a:t>rspec</a:t>
+            </a:r>
+            <a:endParaRPr lang="en-US" sz="2400" dirty="0" smtClean="0"/>
+          </a:p>
+          <a:p>
+            <a:r>
+              <a:rPr lang="en-US" sz="2400" dirty="0" smtClean="0"/>
+              <a:t>Specs2Tests – </a:t>
+            </a:r>
+            <a:r>
+              <a:rPr lang="en-US" sz="2400" dirty="0" smtClean="0">
+                <a:hlinkClick r:id="rId5"/>
+              </a:rPr>
+              <a:t>http://github.com/jonkruger/specs2tests</a:t>
+            </a:r>
+            <a:endParaRPr lang="en-US" sz="2400" dirty="0" smtClean="0"/>
+          </a:p>
+          <a:p>
+            <a:pPr>
+              <a:buNone/>
+            </a:pPr>
+            <a:endParaRPr lang="en-US" sz="2400" dirty="0" smtClean="0"/>
           </a:p>
         </p:txBody>
       </p:sp>
@@ -8135,11 +8221,7 @@
           <a:p>
             <a:r>
               <a:rPr lang="en-US" dirty="0" smtClean="0"/>
-              <a:t>Resources - </a:t>
-            </a:r>
-            <a:r>
-              <a:rPr lang="en-US" dirty="0" smtClean="0"/>
-              <a:t>Tools</a:t>
+              <a:t>Resources – Learning TDD</a:t>
             </a:r>
             <a:endParaRPr lang="en-US" dirty="0"/>
           </a:p>
@@ -8155,54 +8237,135 @@
             <p:ph idx="1"/>
           </p:nvPr>
         </p:nvSpPr>
-        <p:spPr/>
-        <p:txBody>
-          <a:bodyPr/>
+        <p:spPr>
+          <a:xfrm>
+            <a:off x="457200" y="1600200"/>
+            <a:ext cx="8229600" cy="5105400"/>
+          </a:xfrm>
+        </p:spPr>
+        <p:txBody>
+          <a:bodyPr>
+            <a:normAutofit lnSpcReduction="10000"/>
+          </a:bodyPr>
           <a:lstStyle/>
           <a:p>
             <a:r>
               <a:rPr lang="en-US" sz="2400" dirty="0" smtClean="0"/>
-              <a:t>Specs2Tests</a:t>
-            </a:r>
+              <a:t>Behavior Driven Development</a:t>
+            </a:r>
+          </a:p>
+          <a:p>
+            <a:pPr lvl="1"/>
+            <a:r>
+              <a:rPr lang="en-US" sz="1800" b="1" dirty="0" smtClean="0">
+                <a:hlinkClick r:id="rId2"/>
+              </a:rPr>
+              <a:t>http://www.code-magazine.com/article.aspx?quickid=0805061&amp;page=1</a:t>
+            </a:r>
+            <a:endParaRPr lang="en-US" sz="1800" b="1" dirty="0" smtClean="0"/>
+          </a:p>
+          <a:p>
+            <a:pPr lvl="1"/>
+            <a:endParaRPr lang="en-US" sz="1800" b="1" dirty="0" smtClean="0"/>
           </a:p>
           <a:p>
             <a:r>
               <a:rPr lang="en-US" sz="2400" dirty="0" smtClean="0"/>
-              <a:t>Should/</a:t>
+              <a:t>So How do You Introduce TDD into an Organization or Team?, by Jeremy Miller</a:t>
+            </a:r>
+          </a:p>
+          <a:p>
+            <a:pPr lvl="1"/>
+            <a:r>
+              <a:rPr lang="en-US" sz="1800" b="1" dirty="0" smtClean="0">
+                <a:hlinkClick r:id="rId3"/>
+              </a:rPr>
+              <a:t>http://codebetter.com/blogs/jeremy.miller/archive/2006/06/27/146899.aspx</a:t>
+            </a:r>
+            <a:endParaRPr lang="en-US" sz="1800" b="1" dirty="0" smtClean="0"/>
+          </a:p>
+          <a:p>
+            <a:pPr lvl="1"/>
+            <a:endParaRPr lang="en-US" sz="1800" b="1" dirty="0" smtClean="0"/>
+          </a:p>
+          <a:p>
+            <a:r>
+              <a:rPr lang="en-US" sz="2400" dirty="0" smtClean="0"/>
+              <a:t>How to get started with TDD, by </a:t>
             </a:r>
             <a:r>
               <a:rPr lang="en-US" sz="2400" dirty="0" err="1" smtClean="0"/>
-              <a:t>Nbehave</a:t>
+              <a:t>Misko</a:t>
+            </a:r>
+            <a:r>
+              <a:rPr lang="en-US" sz="2400" dirty="0" smtClean="0"/>
+              <a:t> </a:t>
+            </a:r>
+            <a:r>
+              <a:rPr lang="en-US" sz="2400" dirty="0" err="1" smtClean="0"/>
+              <a:t>Hevery</a:t>
+            </a:r>
+            <a:r>
+              <a:rPr lang="en-US" sz="2400" dirty="0" smtClean="0"/>
+              <a:t> (Java examples)</a:t>
+            </a:r>
+          </a:p>
+          <a:p>
+            <a:pPr lvl="1"/>
+            <a:r>
+              <a:rPr lang="en-US" sz="1800" b="1" dirty="0" smtClean="0">
+                <a:hlinkClick r:id="rId4"/>
+              </a:rPr>
+              <a:t>http://misko.hevery.com/2009/11/17/how-to-get-started-with-tdd/</a:t>
             </a:r>
             <a:endParaRPr lang="en-US" sz="2400" dirty="0" smtClean="0"/>
           </a:p>
           <a:p>
+            <a:pPr lvl="1"/>
+            <a:endParaRPr lang="en-US" sz="2400" dirty="0" smtClean="0"/>
+          </a:p>
+          <a:p>
             <a:r>
               <a:rPr lang="en-US" sz="2400" dirty="0" smtClean="0"/>
-              <a:t>Rhino Mocks</a:t>
-            </a:r>
-          </a:p>
-          <a:p>
+              <a:t>TDD Starter Kit – Sample Projects and Links (C# examples)</a:t>
+            </a:r>
+          </a:p>
+          <a:p>
+            <a:pPr lvl="1"/>
+            <a:r>
+              <a:rPr lang="en-US" sz="1800" dirty="0" smtClean="0">
+                <a:hlinkClick r:id="rId5"/>
+              </a:rPr>
+              <a:t>http://jonkruger.com/blog/2009/07/23/tdd-starter-kit-sample-projects-and-links/</a:t>
+            </a:r>
+            <a:endParaRPr lang="en-US" sz="1800" dirty="0" smtClean="0"/>
+          </a:p>
+          <a:p>
+            <a:pPr lvl="1"/>
+            <a:endParaRPr lang="en-US" sz="1800" dirty="0" smtClean="0"/>
+          </a:p>
+          <a:p>
+            <a:r>
+              <a:rPr lang="en-US" sz="2400" dirty="0" smtClean="0"/>
+              <a:t>Pair Programming </a:t>
+            </a:r>
+            <a:r>
+              <a:rPr lang="en-US" sz="2400" dirty="0" err="1" smtClean="0"/>
+              <a:t>Bot</a:t>
+            </a:r>
             <a:endParaRPr lang="en-US" sz="2400" dirty="0" smtClean="0"/>
           </a:p>
           <a:p>
-            <a:r>
-              <a:rPr lang="en-US" sz="2400" dirty="0" smtClean="0"/>
-              <a:t>Java?</a:t>
-            </a:r>
-          </a:p>
-          <a:p>
-            <a:endParaRPr lang="en-US" sz="2400" dirty="0" smtClean="0"/>
-          </a:p>
-          <a:p>
-            <a:r>
-              <a:rPr lang="en-US" sz="2400" dirty="0" err="1" smtClean="0"/>
-              <a:t>Rspec</a:t>
-            </a:r>
-            <a:r>
-              <a:rPr lang="en-US" sz="2400" smtClean="0"/>
-              <a:t>?</a:t>
-            </a:r>
+            <a:pPr lvl="1"/>
+            <a:r>
+              <a:rPr lang="en-US" sz="1800" dirty="0" smtClean="0">
+                <a:hlinkClick r:id="rId6"/>
+              </a:rPr>
+              <a:t>http://pairprogrammingbot.com/</a:t>
+            </a:r>
+            <a:endParaRPr lang="en-US" sz="1800" dirty="0" smtClean="0"/>
+          </a:p>
+          <a:p>
             <a:endParaRPr lang="en-US" dirty="0"/>
           </a:p>
         </p:txBody>
@@ -8258,7 +8421,7 @@
           <a:p>
             <a:r>
               <a:rPr lang="en-US" dirty="0" smtClean="0"/>
-              <a:t>Resources – Learning TDD</a:t>
+              <a:t>Resources – Books</a:t>
             </a:r>
             <a:endParaRPr lang="en-US" dirty="0"/>
           </a:p>
@@ -8282,128 +8445,94 @@
         </p:spPr>
         <p:txBody>
           <a:bodyPr>
-            <a:normAutofit lnSpcReduction="10000"/>
+            <a:normAutofit/>
           </a:bodyPr>
           <a:lstStyle/>
           <a:p>
             <a:r>
-              <a:rPr lang="en-US" sz="2400" dirty="0" smtClean="0"/>
-              <a:t>Behavior Driven Development</a:t>
+              <a:rPr lang="en-US" dirty="0" smtClean="0"/>
+              <a:t>The Art of Unit Testing</a:t>
             </a:r>
           </a:p>
           <a:p>
             <a:pPr lvl="1"/>
             <a:r>
-              <a:rPr lang="en-US" sz="1800" b="1" dirty="0" smtClean="0">
-                <a:hlinkClick r:id="rId2"/>
-              </a:rPr>
-              <a:t>http://www.code-magazine.com/article.aspx?quickid=0805061&amp;page=1</a:t>
-            </a:r>
-            <a:endParaRPr lang="en-US" sz="1800" b="1" dirty="0" smtClean="0"/>
+              <a:rPr lang="en-US" dirty="0" smtClean="0"/>
+              <a:t>by Roy </a:t>
+            </a:r>
+            <a:r>
+              <a:rPr lang="en-US" dirty="0" err="1" smtClean="0"/>
+              <a:t>Osherove</a:t>
+            </a:r>
+            <a:endParaRPr lang="en-US" dirty="0" smtClean="0"/>
+          </a:p>
+          <a:p>
+            <a:r>
+              <a:rPr lang="en-US" dirty="0" smtClean="0"/>
+              <a:t>Test Driven Development: By Example</a:t>
+            </a:r>
           </a:p>
           <a:p>
             <a:pPr lvl="1"/>
-            <a:endParaRPr lang="en-US" sz="1800" b="1" dirty="0" smtClean="0"/>
-          </a:p>
-          <a:p>
-            <a:r>
-              <a:rPr lang="en-US" sz="2400" dirty="0" smtClean="0"/>
-              <a:t>So How do You Introduce TDD into an Organization or Team?, by Jeremy Miller</a:t>
+            <a:r>
+              <a:rPr lang="en-US" dirty="0" smtClean="0"/>
+              <a:t>by Kent Beck</a:t>
+            </a:r>
+          </a:p>
+          <a:p>
+            <a:r>
+              <a:rPr lang="en-US" dirty="0" smtClean="0"/>
+              <a:t>Test Driven Development: A Practical Guide</a:t>
             </a:r>
           </a:p>
           <a:p>
             <a:pPr lvl="1"/>
             <a:r>
-              <a:rPr lang="en-US" sz="1800" b="1" dirty="0" smtClean="0">
-                <a:hlinkClick r:id="rId3"/>
-              </a:rPr>
-              <a:t>http://codebetter.com/blogs/jeremy.miller/archive/2006/06/27/146899.aspx</a:t>
-            </a:r>
-            <a:endParaRPr lang="en-US" sz="1800" b="1" dirty="0" smtClean="0"/>
+              <a:rPr lang="en-US" dirty="0" smtClean="0"/>
+              <a:t>by David </a:t>
+            </a:r>
+            <a:r>
+              <a:rPr lang="en-US" dirty="0" err="1" smtClean="0"/>
+              <a:t>Astels</a:t>
+            </a:r>
+            <a:endParaRPr lang="en-US" dirty="0" smtClean="0"/>
+          </a:p>
+          <a:p>
+            <a:r>
+              <a:rPr lang="en-US" dirty="0" smtClean="0"/>
+              <a:t>The RSpec Book: </a:t>
+            </a:r>
+            <a:r>
+              <a:rPr lang="en-US" dirty="0" err="1" smtClean="0"/>
+              <a:t>Behaviour</a:t>
+            </a:r>
+            <a:r>
+              <a:rPr lang="en-US" dirty="0" smtClean="0"/>
+              <a:t> Driven Development with RSpec, Cucumber, and Friends</a:t>
+            </a:r>
           </a:p>
           <a:p>
             <a:pPr lvl="1"/>
-            <a:endParaRPr lang="en-US" sz="1800" b="1" dirty="0" smtClean="0"/>
-          </a:p>
-          <a:p>
-            <a:r>
-              <a:rPr lang="en-US" sz="2400" dirty="0" smtClean="0"/>
-              <a:t>How to get started with TDD, by </a:t>
-            </a:r>
-            <a:r>
-              <a:rPr lang="en-US" sz="2400" dirty="0" err="1" smtClean="0"/>
-              <a:t>Misko</a:t>
-            </a:r>
-            <a:r>
-              <a:rPr lang="en-US" sz="2400" dirty="0" smtClean="0"/>
-              <a:t> </a:t>
-            </a:r>
-            <a:r>
-              <a:rPr lang="en-US" sz="2400" dirty="0" err="1" smtClean="0"/>
-              <a:t>Hevery</a:t>
-            </a:r>
-            <a:r>
-              <a:rPr lang="en-US" sz="2400" dirty="0" smtClean="0"/>
-              <a:t> (Java examples)</a:t>
-            </a:r>
-          </a:p>
-          <a:p>
-            <a:pPr lvl="1"/>
-            <a:r>
-              <a:rPr lang="en-US" sz="1800" b="1" dirty="0" smtClean="0">
-                <a:hlinkClick r:id="rId4"/>
-              </a:rPr>
-              <a:t>http://misko.hevery.com/2009/11/17/how-to-get-started-with-tdd/</a:t>
-            </a:r>
-            <a:endParaRPr lang="en-US" sz="2400" dirty="0" smtClean="0"/>
-          </a:p>
-          <a:p>
-            <a:pPr lvl="1"/>
-            <a:endParaRPr lang="en-US" sz="2400" dirty="0" smtClean="0"/>
-          </a:p>
-          <a:p>
-            <a:r>
-              <a:rPr lang="en-US" sz="2400" dirty="0" smtClean="0"/>
-              <a:t>TDD Starter Kit – Sample Projects and Links (C# examples)</a:t>
-            </a:r>
-          </a:p>
-          <a:p>
-            <a:pPr lvl="1"/>
-            <a:r>
-              <a:rPr lang="en-US" sz="1800" dirty="0" smtClean="0">
-                <a:hlinkClick r:id="rId5"/>
-              </a:rPr>
-              <a:t>http://jonkruger.com/blog/2009/07/23/tdd-starter-kit-sample-projects-and-links/</a:t>
-            </a:r>
-            <a:endParaRPr lang="en-US" sz="1800" dirty="0" smtClean="0"/>
-          </a:p>
-          <a:p>
-            <a:pPr lvl="1"/>
-            <a:endParaRPr lang="en-US" sz="1800" dirty="0" smtClean="0"/>
-          </a:p>
-          <a:p>
-            <a:r>
-              <a:rPr lang="en-US" sz="2400" dirty="0" smtClean="0"/>
-              <a:t>Pair Programming </a:t>
-            </a:r>
-            <a:r>
-              <a:rPr lang="en-US" sz="2400" dirty="0" err="1" smtClean="0"/>
-              <a:t>Bot</a:t>
-            </a:r>
-            <a:endParaRPr lang="en-US" sz="2400" dirty="0" smtClean="0"/>
-          </a:p>
-          <a:p>
-            <a:pPr lvl="1"/>
-            <a:r>
-              <a:rPr lang="en-US" sz="1800" dirty="0" smtClean="0">
-                <a:hlinkClick r:id="rId6"/>
-              </a:rPr>
-              <a:t>http://pairprogrammingbot.com/</a:t>
-            </a:r>
-            <a:endParaRPr lang="en-US" sz="1800" dirty="0" smtClean="0"/>
-          </a:p>
-          <a:p>
-            <a:endParaRPr lang="en-US" dirty="0"/>
+            <a:r>
+              <a:rPr lang="en-US" dirty="0" smtClean="0"/>
+              <a:t>by David </a:t>
+            </a:r>
+            <a:r>
+              <a:rPr lang="en-US" dirty="0" err="1" smtClean="0"/>
+              <a:t>Chelimsky</a:t>
+            </a:r>
+            <a:r>
+              <a:rPr lang="en-US" dirty="0" smtClean="0"/>
+              <a:t>, Dave </a:t>
+            </a:r>
+            <a:r>
+              <a:rPr lang="en-US" dirty="0" err="1" smtClean="0"/>
+              <a:t>Astels</a:t>
+            </a:r>
+            <a:r>
+              <a:rPr lang="en-US" dirty="0" smtClean="0"/>
+              <a:t>, et. al.</a:t>
+            </a:r>
           </a:p>
         </p:txBody>
       </p:sp>
@@ -8458,7 +8587,7 @@
           <a:p>
             <a:r>
               <a:rPr lang="en-US" dirty="0" smtClean="0"/>
-              <a:t>Resources – Books</a:t>
+              <a:t>Resources – Practice!</a:t>
             </a:r>
             <a:endParaRPr lang="en-US" dirty="0"/>
           </a:p>
@@ -8477,99 +8606,162 @@
         <p:spPr>
           <a:xfrm>
             <a:off x="457200" y="1600200"/>
-            <a:ext cx="8229600" cy="5105400"/>
+            <a:ext cx="8229600" cy="5257800"/>
           </a:xfrm>
         </p:spPr>
         <p:txBody>
           <a:bodyPr>
-            <a:normAutofit/>
+            <a:normAutofit lnSpcReduction="10000"/>
           </a:bodyPr>
           <a:lstStyle/>
           <a:p>
             <a:r>
               <a:rPr lang="en-US" dirty="0" smtClean="0"/>
-              <a:t>The Art of Unit Testing</a:t>
-            </a:r>
+              <a:t>String Calculator </a:t>
+            </a:r>
+            <a:r>
+              <a:rPr lang="en-US" dirty="0" err="1" smtClean="0"/>
+              <a:t>kata</a:t>
+            </a:r>
+            <a:endParaRPr lang="en-US" dirty="0" smtClean="0"/>
           </a:p>
           <a:p>
             <a:pPr lvl="1"/>
             <a:r>
+              <a:rPr lang="en-US" dirty="0" smtClean="0">
+                <a:hlinkClick r:id="rId2"/>
+              </a:rPr>
+              <a:t>http://osherove.com/tdd-kata-1/</a:t>
+            </a:r>
+            <a:endParaRPr lang="en-US" dirty="0" smtClean="0"/>
+          </a:p>
+          <a:p>
+            <a:pPr lvl="1"/>
+            <a:endParaRPr lang="en-US" dirty="0" smtClean="0"/>
+          </a:p>
+          <a:p>
+            <a:r>
               <a:rPr lang="en-US" dirty="0" smtClean="0"/>
-              <a:t>by Roy </a:t>
+              <a:t>Bowling Game </a:t>
             </a:r>
             <a:r>
               <a:rPr lang="en-US" dirty="0" err="1" smtClean="0"/>
-              <a:t>Osherove</a:t>
+              <a:t>kata</a:t>
             </a:r>
             <a:endParaRPr lang="en-US" dirty="0" smtClean="0"/>
           </a:p>
           <a:p>
-            <a:r>
-              <a:rPr lang="en-US" dirty="0" smtClean="0"/>
-              <a:t>Test Driven Development: By Example</a:t>
-            </a:r>
-          </a:p>
-          <a:p>
             <a:pPr lvl="1"/>
             <a:r>
-              <a:rPr lang="en-US" dirty="0" smtClean="0"/>
-              <a:t>by Kent Beck</a:t>
-            </a:r>
-          </a:p>
-          <a:p>
-            <a:r>
-              <a:rPr lang="en-US" dirty="0" smtClean="0"/>
-              <a:t>Test Driven Development: A Practical Guide</a:t>
-            </a:r>
+              <a:rPr lang="en-US" sz="2100" dirty="0" smtClean="0">
+                <a:hlinkClick r:id="rId3"/>
+              </a:rPr>
+              <a:t>http://butunclebob.com/ArticleS.UncleBob.TheBowlingGameKata</a:t>
+            </a:r>
+            <a:endParaRPr lang="en-US" sz="2100" dirty="0" smtClean="0"/>
           </a:p>
           <a:p>
             <a:pPr lvl="1"/>
-            <a:r>
-              <a:rPr lang="en-US" dirty="0" smtClean="0"/>
-              <a:t>by David </a:t>
-            </a:r>
-            <a:r>
-              <a:rPr lang="en-US" dirty="0" err="1" smtClean="0"/>
-              <a:t>Astels</a:t>
+            <a:endParaRPr lang="en-US" sz="2100" dirty="0" smtClean="0"/>
+          </a:p>
+          <a:p>
+            <a:r>
+              <a:rPr lang="en-US" sz="2700" dirty="0" smtClean="0"/>
+              <a:t>Prime Factors </a:t>
+            </a:r>
+            <a:r>
+              <a:rPr lang="en-US" sz="2700" dirty="0" err="1" smtClean="0"/>
+              <a:t>kata</a:t>
+            </a:r>
+            <a:endParaRPr lang="en-US" sz="2700" dirty="0" smtClean="0"/>
+          </a:p>
+          <a:p>
+            <a:pPr lvl="1"/>
+            <a:r>
+              <a:rPr lang="en-US" sz="1900" dirty="0" smtClean="0">
+                <a:hlinkClick r:id="rId4"/>
+              </a:rPr>
+              <a:t>http://www.butunclebob.com/ArticleS.UncleBob.ThePrimeFactorsKata</a:t>
+            </a:r>
+            <a:endParaRPr lang="en-US" sz="1900" dirty="0" smtClean="0"/>
+          </a:p>
+          <a:p>
+            <a:pPr lvl="1"/>
+            <a:endParaRPr lang="en-US" sz="1900" dirty="0" smtClean="0"/>
+          </a:p>
+          <a:p>
+            <a:r>
+              <a:rPr lang="en-US" sz="2500" dirty="0" smtClean="0"/>
+              <a:t>Greed game (part of the Ruby </a:t>
+            </a:r>
+            <a:r>
+              <a:rPr lang="en-US" sz="2500" dirty="0" err="1" smtClean="0"/>
+              <a:t>koans</a:t>
+            </a:r>
+            <a:r>
+              <a:rPr lang="en-US" sz="2500" dirty="0" smtClean="0"/>
+              <a:t>)</a:t>
+            </a:r>
+          </a:p>
+          <a:p>
+            <a:pPr lvl="1"/>
+            <a:r>
+              <a:rPr lang="en-US" dirty="0" smtClean="0">
+                <a:hlinkClick r:id="rId5"/>
+              </a:rPr>
+              <a:t>http://github.com/edgecase/ruby_koans</a:t>
             </a:r>
             <a:endParaRPr lang="en-US" dirty="0" smtClean="0"/>
           </a:p>
           <a:p>
-            <a:r>
-              <a:rPr lang="en-US" dirty="0" smtClean="0"/>
-              <a:t>The RSpec Book: </a:t>
-            </a:r>
-            <a:r>
-              <a:rPr lang="en-US" dirty="0" err="1" smtClean="0"/>
-              <a:t>Behaviour</a:t>
-            </a:r>
-            <a:r>
-              <a:rPr lang="en-US" dirty="0" smtClean="0"/>
-              <a:t> Driven Development with RSpec, Cucumber, and Friends</a:t>
-            </a:r>
-          </a:p>
-          <a:p>
             <a:pPr lvl="1"/>
-            <a:r>
-              <a:rPr lang="en-US" dirty="0" smtClean="0"/>
-              <a:t>by David </a:t>
-            </a:r>
-            <a:r>
-              <a:rPr lang="en-US" dirty="0" err="1" smtClean="0"/>
-              <a:t>Chelimsky</a:t>
-            </a:r>
-            <a:r>
-              <a:rPr lang="en-US" dirty="0" smtClean="0"/>
-              <a:t>, Dave </a:t>
-            </a:r>
-            <a:r>
-              <a:rPr lang="en-US" dirty="0" err="1" smtClean="0"/>
-              <a:t>Astels</a:t>
-            </a:r>
-            <a:r>
-              <a:rPr lang="en-US" dirty="0" smtClean="0"/>
-              <a:t>, et. al.</a:t>
-            </a:r>
+            <a:endParaRPr lang="en-US" sz="1900" dirty="0" smtClean="0"/>
+          </a:p>
+          <a:p>
+            <a:r>
+              <a:rPr lang="en-US" sz="2500" dirty="0" err="1" smtClean="0"/>
+              <a:t>Katacasts</a:t>
+            </a:r>
+            <a:r>
+              <a:rPr lang="en-US" sz="2500" dirty="0"/>
+              <a:t> </a:t>
+            </a:r>
+            <a:r>
+              <a:rPr lang="en-US" sz="2500" dirty="0" smtClean="0"/>
+              <a:t>(watch </a:t>
+            </a:r>
+            <a:r>
+              <a:rPr lang="en-US" sz="2500" dirty="0" err="1" smtClean="0"/>
+              <a:t>screencasts</a:t>
+            </a:r>
+            <a:r>
+              <a:rPr lang="en-US" sz="2500" dirty="0" smtClean="0"/>
+              <a:t> of people doing various </a:t>
+            </a:r>
+            <a:r>
+              <a:rPr lang="en-US" sz="2500" dirty="0" err="1" smtClean="0"/>
+              <a:t>katas</a:t>
+            </a:r>
+            <a:r>
+              <a:rPr lang="en-US" sz="2500" dirty="0" smtClean="0"/>
+              <a:t>)</a:t>
+            </a:r>
+          </a:p>
+          <a:p>
+            <a:pPr lvl="1"/>
+            <a:r>
+              <a:rPr lang="en-US" dirty="0" smtClean="0">
+                <a:hlinkClick r:id="rId6"/>
+              </a:rPr>
+              <a:t>http://www.katacasts.com/</a:t>
+            </a:r>
+            <a:endParaRPr lang="en-US" dirty="0" smtClean="0"/>
+          </a:p>
+          <a:p>
+            <a:pPr lvl="1">
+              <a:buNone/>
+            </a:pPr>
+            <a:endParaRPr lang="en-US" sz="1900" dirty="0" smtClean="0"/>
           </a:p>
         </p:txBody>
       </p:sp>
@@ -8624,7 +8816,7 @@
           <a:p>
             <a:r>
               <a:rPr lang="en-US" dirty="0" smtClean="0"/>
-              <a:t>Resources – Practice!</a:t>
+              <a:t>Resources – Training</a:t>
             </a:r>
             <a:endParaRPr lang="en-US" dirty="0"/>
           </a:p>
@@ -8643,162 +8835,115 @@
         <p:spPr>
           <a:xfrm>
             <a:off x="457200" y="1600200"/>
-            <a:ext cx="8229600" cy="5257800"/>
+            <a:ext cx="8229600" cy="4953000"/>
           </a:xfrm>
         </p:spPr>
         <p:txBody>
           <a:bodyPr>
-            <a:normAutofit lnSpcReduction="10000"/>
+            <a:normAutofit/>
           </a:bodyPr>
           <a:lstStyle/>
           <a:p>
             <a:r>
               <a:rPr lang="en-US" dirty="0" smtClean="0"/>
-              <a:t>String Calculator </a:t>
-            </a:r>
-            <a:r>
-              <a:rPr lang="en-US" dirty="0" err="1" smtClean="0"/>
-              <a:t>kata</a:t>
-            </a:r>
-            <a:endParaRPr lang="en-US" dirty="0" smtClean="0"/>
+              <a:t>TDD Boot Camp (.NET)</a:t>
+            </a:r>
           </a:p>
           <a:p>
             <a:pPr lvl="1"/>
             <a:r>
-              <a:rPr lang="en-US" dirty="0" smtClean="0">
+              <a:rPr lang="en-US" sz="2800" dirty="0" smtClean="0">
                 <a:hlinkClick r:id="rId2"/>
               </a:rPr>
-              <a:t>http://osherove.com/tdd-kata-1/</a:t>
-            </a:r>
-            <a:endParaRPr lang="en-US" dirty="0" smtClean="0"/>
+              <a:t>http://tddbootcamp.com</a:t>
+            </a:r>
+            <a:endParaRPr lang="en-US" sz="2800" dirty="0" smtClean="0"/>
           </a:p>
           <a:p>
             <a:pPr lvl="1"/>
-            <a:endParaRPr lang="en-US" dirty="0" smtClean="0"/>
+            <a:r>
+              <a:rPr lang="en-US" sz="2800" dirty="0" smtClean="0"/>
+              <a:t>Cincinnati – June 22-24</a:t>
+            </a:r>
+          </a:p>
+          <a:p>
+            <a:pPr lvl="1"/>
+            <a:r>
+              <a:rPr lang="en-US" sz="2800" dirty="0" smtClean="0"/>
+              <a:t>Columbus – July 13-15</a:t>
+            </a:r>
+          </a:p>
+          <a:p>
+            <a:pPr lvl="1"/>
+            <a:r>
+              <a:rPr lang="en-US" sz="2800" dirty="0" smtClean="0"/>
+              <a:t>Detroit – Aug. 18-20</a:t>
+            </a:r>
+            <a:br>
+              <a:rPr lang="en-US" sz="2800" dirty="0" smtClean="0"/>
+            </a:br>
+            <a:endParaRPr lang="en-US" sz="2800" dirty="0" smtClean="0"/>
           </a:p>
           <a:p>
             <a:r>
               <a:rPr lang="en-US" dirty="0" smtClean="0"/>
-              <a:t>Bowling Game </a:t>
-            </a:r>
-            <a:r>
-              <a:rPr lang="en-US" dirty="0" err="1" smtClean="0"/>
-              <a:t>kata</a:t>
-            </a:r>
-            <a:endParaRPr lang="en-US" dirty="0" smtClean="0"/>
+              <a:t>Pillar Technology (Java)</a:t>
+            </a:r>
           </a:p>
           <a:p>
             <a:pPr lvl="1"/>
             <a:r>
-              <a:rPr lang="en-US" sz="2100" dirty="0" smtClean="0">
+              <a:rPr lang="en-US" sz="2800" dirty="0" smtClean="0">
                 <a:hlinkClick r:id="rId3"/>
               </a:rPr>
-              <a:t>http://butunclebob.com/ArticleS.UncleBob.TheBowlingGameKata</a:t>
-            </a:r>
-            <a:endParaRPr lang="en-US" sz="2100" dirty="0" smtClean="0"/>
+              <a:t>http://pillartechnology.com</a:t>
+            </a:r>
+            <a:r>
+              <a:rPr lang="en-US" sz="2800" dirty="0" smtClean="0"/>
+              <a:t/>
+            </a:r>
+            <a:br>
+              <a:rPr lang="en-US" sz="2800" dirty="0" smtClean="0"/>
+            </a:br>
+            <a:endParaRPr lang="en-US" sz="2800" dirty="0" smtClean="0"/>
+          </a:p>
+          <a:p>
+            <a:r>
+              <a:rPr lang="en-US" dirty="0" err="1" smtClean="0"/>
+              <a:t>EdgeCase</a:t>
+            </a:r>
+            <a:r>
+              <a:rPr lang="en-US" dirty="0" smtClean="0"/>
+              <a:t> (Ruby on Rails)</a:t>
+            </a:r>
           </a:p>
           <a:p>
             <a:pPr lvl="1"/>
-            <a:endParaRPr lang="en-US" sz="2100" dirty="0" smtClean="0"/>
-          </a:p>
-          <a:p>
-            <a:r>
-              <a:rPr lang="en-US" sz="2700" dirty="0" smtClean="0"/>
-              <a:t>Prime Factors </a:t>
-            </a:r>
-            <a:r>
-              <a:rPr lang="en-US" sz="2700" dirty="0" err="1" smtClean="0"/>
-              <a:t>kata</a:t>
-            </a:r>
-            <a:endParaRPr lang="en-US" sz="2700" dirty="0" smtClean="0"/>
-          </a:p>
-          <a:p>
-            <a:pPr lvl="1"/>
-            <a:r>
-              <a:rPr lang="en-US" sz="1900" dirty="0" smtClean="0">
+            <a:r>
+              <a:rPr lang="en-US" sz="2800" dirty="0" smtClean="0">
                 <a:hlinkClick r:id="rId4"/>
               </a:rPr>
-              <a:t>http://www.butunclebob.com/ArticleS.UncleBob.ThePrimeFactorsKata</a:t>
-            </a:r>
-            <a:endParaRPr lang="en-US" sz="1900" dirty="0" smtClean="0"/>
-          </a:p>
-          <a:p>
-            <a:pPr lvl="1"/>
-            <a:endParaRPr lang="en-US" sz="1900" dirty="0" smtClean="0"/>
-          </a:p>
-          <a:p>
-            <a:r>
-              <a:rPr lang="en-US" sz="2500" dirty="0" smtClean="0"/>
-              <a:t>Greed game (part of the Ruby </a:t>
-            </a:r>
-            <a:r>
-              <a:rPr lang="en-US" sz="2500" dirty="0" err="1" smtClean="0"/>
-              <a:t>koans</a:t>
-            </a:r>
-            <a:r>
-              <a:rPr lang="en-US" sz="2500" dirty="0" smtClean="0"/>
-              <a:t>)</a:t>
-            </a:r>
-          </a:p>
-          <a:p>
-            <a:pPr lvl="1"/>
-            <a:r>
-              <a:rPr lang="en-US" dirty="0" smtClean="0">
-                <a:hlinkClick r:id="rId5"/>
-              </a:rPr>
-              <a:t>http://github.com/edgecase/ruby_koans</a:t>
-            </a:r>
-            <a:endParaRPr lang="en-US" dirty="0" smtClean="0"/>
-          </a:p>
-          <a:p>
-            <a:pPr lvl="1"/>
-            <a:endParaRPr lang="en-US" sz="1900" dirty="0" smtClean="0"/>
-          </a:p>
-          <a:p>
-            <a:r>
-              <a:rPr lang="en-US" sz="2500" dirty="0" err="1" smtClean="0"/>
-              <a:t>Katacasts</a:t>
-            </a:r>
-            <a:r>
-              <a:rPr lang="en-US" sz="2500" dirty="0"/>
-              <a:t> </a:t>
-            </a:r>
-            <a:r>
-              <a:rPr lang="en-US" sz="2500" dirty="0" smtClean="0"/>
-              <a:t>(watch </a:t>
-            </a:r>
-            <a:r>
-              <a:rPr lang="en-US" sz="2500" dirty="0" err="1" smtClean="0"/>
-              <a:t>screencasts</a:t>
-            </a:r>
-            <a:r>
-              <a:rPr lang="en-US" sz="2500" dirty="0" smtClean="0"/>
-              <a:t> of people doing various </a:t>
-            </a:r>
-            <a:r>
-              <a:rPr lang="en-US" sz="2500" dirty="0" err="1" smtClean="0"/>
-              <a:t>katas</a:t>
-            </a:r>
-            <a:r>
-              <a:rPr lang="en-US" sz="2500" dirty="0" smtClean="0"/>
-              <a:t>)</a:t>
-            </a:r>
-          </a:p>
-          <a:p>
-            <a:pPr lvl="1"/>
-            <a:r>
-              <a:rPr lang="en-US" dirty="0" smtClean="0">
-                <a:hlinkClick r:id="rId6"/>
-              </a:rPr>
-              <a:t>http://www.katacasts.com/</a:t>
-            </a:r>
-            <a:endParaRPr lang="en-US" dirty="0" smtClean="0"/>
+              <a:t>http://edgecase.com</a:t>
+            </a:r>
+            <a:endParaRPr lang="en-US" sz="2800" dirty="0" smtClean="0"/>
           </a:p>
           <a:p>
             <a:pPr lvl="1">
               <a:buNone/>
             </a:pPr>
-            <a:endParaRPr lang="en-US" sz="1900" dirty="0" smtClean="0"/>
+            <a:endParaRPr lang="en-US" sz="2800" dirty="0" smtClean="0"/>
+          </a:p>
+          <a:p>
+            <a:pPr lvl="1">
+              <a:buNone/>
+            </a:pPr>
+            <a:endParaRPr lang="en-US" sz="2800" dirty="0" smtClean="0"/>
+          </a:p>
+          <a:p>
+            <a:pPr lvl="1">
+              <a:buNone/>
+            </a:pPr>
+            <a:endParaRPr lang="en-US" sz="2800" dirty="0" smtClean="0"/>
           </a:p>
         </p:txBody>
       </p:sp>
@@ -8818,188 +8963,6 @@
 </file>
 
 <file path=ppt/slides/slide35.xml><?xml version="1.0" encoding="utf-8"?>
-<p:sld xmlns:a="http://schemas.openxmlformats.org/drawingml/2006/main" xmlns:r="http://schemas.openxmlformats.org/officeDocument/2006/relationships" xmlns:p="http://schemas.openxmlformats.org/presentationml/2006/main">
-  <p:cSld>
-    <p:spTree>
-      <p:nvGrpSpPr>
-        <p:cNvPr id="1" name=""/>
-        <p:cNvGrpSpPr/>
-        <p:nvPr/>
-      </p:nvGrpSpPr>
-      <p:grpSpPr>
-        <a:xfrm>
-          <a:off x="0" y="0"/>
-          <a:ext cx="0" cy="0"/>
-          <a:chOff x="0" y="0"/>
-          <a:chExt cx="0" cy="0"/>
-        </a:xfrm>
-      </p:grpSpPr>
-      <p:sp>
-        <p:nvSpPr>
-          <p:cNvPr id="2" name="Title 1"/>
-          <p:cNvSpPr>
-            <a:spLocks noGrp="1"/>
-          </p:cNvSpPr>
-          <p:nvPr>
-            <p:ph type="title"/>
-          </p:nvPr>
-        </p:nvSpPr>
-        <p:spPr/>
-        <p:txBody>
-          <a:bodyPr>
-            <a:normAutofit/>
-          </a:bodyPr>
-          <a:lstStyle/>
-          <a:p>
-            <a:r>
-              <a:rPr lang="en-US" dirty="0" smtClean="0"/>
-              <a:t>Resources – Training</a:t>
-            </a:r>
-            <a:endParaRPr lang="en-US" dirty="0"/>
-          </a:p>
-        </p:txBody>
-      </p:sp>
-      <p:sp>
-        <p:nvSpPr>
-          <p:cNvPr id="3" name="Content Placeholder 2"/>
-          <p:cNvSpPr>
-            <a:spLocks noGrp="1"/>
-          </p:cNvSpPr>
-          <p:nvPr>
-            <p:ph idx="1"/>
-          </p:nvPr>
-        </p:nvSpPr>
-        <p:spPr>
-          <a:xfrm>
-            <a:off x="457200" y="1600200"/>
-            <a:ext cx="8229600" cy="4953000"/>
-          </a:xfrm>
-        </p:spPr>
-        <p:txBody>
-          <a:bodyPr>
-            <a:normAutofit/>
-          </a:bodyPr>
-          <a:lstStyle/>
-          <a:p>
-            <a:r>
-              <a:rPr lang="en-US" dirty="0" smtClean="0"/>
-              <a:t>TDD Boot Camp (.NET)</a:t>
-            </a:r>
-          </a:p>
-          <a:p>
-            <a:pPr lvl="1"/>
-            <a:r>
-              <a:rPr lang="en-US" sz="2800" dirty="0" smtClean="0">
-                <a:hlinkClick r:id="rId2"/>
-              </a:rPr>
-              <a:t>http://tddbootcamp.com</a:t>
-            </a:r>
-            <a:endParaRPr lang="en-US" sz="2800" dirty="0" smtClean="0"/>
-          </a:p>
-          <a:p>
-            <a:pPr lvl="1"/>
-            <a:r>
-              <a:rPr lang="en-US" sz="2800" dirty="0" smtClean="0"/>
-              <a:t>Cincinnati – June 22-24</a:t>
-            </a:r>
-          </a:p>
-          <a:p>
-            <a:pPr lvl="1"/>
-            <a:r>
-              <a:rPr lang="en-US" sz="2800" dirty="0" smtClean="0"/>
-              <a:t>Columbus – July 13-15</a:t>
-            </a:r>
-          </a:p>
-          <a:p>
-            <a:pPr lvl="1"/>
-            <a:r>
-              <a:rPr lang="en-US" sz="2800" dirty="0" smtClean="0"/>
-              <a:t>Detroit – Aug. 18-20</a:t>
-            </a:r>
-            <a:br>
-              <a:rPr lang="en-US" sz="2800" dirty="0" smtClean="0"/>
-            </a:br>
-            <a:endParaRPr lang="en-US" sz="2800" dirty="0" smtClean="0"/>
-          </a:p>
-          <a:p>
-            <a:r>
-              <a:rPr lang="en-US" dirty="0" smtClean="0"/>
-              <a:t>Pillar Technology (Java)</a:t>
-            </a:r>
-          </a:p>
-          <a:p>
-            <a:pPr lvl="1"/>
-            <a:r>
-              <a:rPr lang="en-US" sz="2800" dirty="0" smtClean="0">
-                <a:hlinkClick r:id="rId3"/>
-              </a:rPr>
-              <a:t>http://pillartechnology.com</a:t>
-            </a:r>
-            <a:r>
-              <a:rPr lang="en-US" sz="2800" dirty="0" smtClean="0"/>
-              <a:t/>
-            </a:r>
-            <a:br>
-              <a:rPr lang="en-US" sz="2800" dirty="0" smtClean="0"/>
-            </a:br>
-            <a:endParaRPr lang="en-US" sz="2800" dirty="0" smtClean="0"/>
-          </a:p>
-          <a:p>
-            <a:r>
-              <a:rPr lang="en-US" dirty="0" err="1" smtClean="0"/>
-              <a:t>EdgeCase</a:t>
-            </a:r>
-            <a:r>
-              <a:rPr lang="en-US" dirty="0" smtClean="0"/>
-              <a:t> (Ruby on Rails)</a:t>
-            </a:r>
-          </a:p>
-          <a:p>
-            <a:pPr lvl="1"/>
-            <a:r>
-              <a:rPr lang="en-US" sz="2800" dirty="0" smtClean="0">
-                <a:hlinkClick r:id="rId4"/>
-              </a:rPr>
-              <a:t>http://edgecase.com</a:t>
-            </a:r>
-            <a:endParaRPr lang="en-US" sz="2800" dirty="0" smtClean="0"/>
-          </a:p>
-          <a:p>
-            <a:pPr lvl="1">
-              <a:buNone/>
-            </a:pPr>
-            <a:endParaRPr lang="en-US" sz="2800" dirty="0" smtClean="0"/>
-          </a:p>
-          <a:p>
-            <a:pPr lvl="1">
-              <a:buNone/>
-            </a:pPr>
-            <a:endParaRPr lang="en-US" sz="2800" dirty="0" smtClean="0"/>
-          </a:p>
-          <a:p>
-            <a:pPr lvl="1">
-              <a:buNone/>
-            </a:pPr>
-            <a:endParaRPr lang="en-US" sz="2800" dirty="0" smtClean="0"/>
-          </a:p>
-        </p:txBody>
-      </p:sp>
-    </p:spTree>
-  </p:cSld>
-  <p:clrMapOvr>
-    <a:masterClrMapping/>
-  </p:clrMapOvr>
-  <p:timing>
-    <p:tnLst>
-      <p:par>
-        <p:cTn id="1" dur="indefinite" restart="never" nodeType="tmRoot"/>
-      </p:par>
-    </p:tnLst>
-  </p:timing>
-</p:sld>
-</file>
-
-<file path=ppt/slides/slide36.xml><?xml version="1.0" encoding="utf-8"?>
 <p:sld xmlns:a="http://schemas.openxmlformats.org/drawingml/2006/main" xmlns:r="http://schemas.openxmlformats.org/officeDocument/2006/relationships" xmlns:p="http://schemas.openxmlformats.org/presentationml/2006/main">
   <p:cSld>
     <p:spTree>
@@ -11096,7 +11059,7 @@
             </a:pPr>
             <a:r>
               <a:rPr lang="en-US" sz="4400" b="1" dirty="0" smtClean="0"/>
-              <a:t>We incrementally translated the requirements </a:t>
+              <a:t>We know that our code is working!</a:t>
             </a:r>
             <a:endParaRPr lang="en-US" sz="4400" b="1" dirty="0"/>
           </a:p>

--- a/TDD In Action.pptx
+++ b/TDD In Action.pptx
@@ -8116,27 +8116,50 @@
           <a:p>
             <a:pPr lvl="1"/>
             <a:r>
+              <a:rPr lang="en-US" sz="2400" dirty="0" err="1" smtClean="0"/>
+              <a:t>JUnit</a:t>
+            </a:r>
+            <a:r>
               <a:rPr lang="en-US" sz="2400" dirty="0" smtClean="0"/>
-              <a:t>???????????????</a:t>
-            </a:r>
-          </a:p>
-          <a:p>
-            <a:r>
-              <a:rPr lang="en-US" sz="2400" dirty="0" smtClean="0"/>
-              <a:t>Ruby</a:t>
-            </a:r>
-            <a:endParaRPr lang="en-US" sz="2400" dirty="0" smtClean="0"/>
-          </a:p>
-          <a:p>
-            <a:pPr lvl="1"/>
-            <a:r>
-              <a:rPr lang="en-US" sz="2400" dirty="0" smtClean="0"/>
-              <a:t>RSpec – </a:t>
+              <a:t> – </a:t>
             </a:r>
             <a:r>
               <a:rPr lang="en-US" sz="2400" dirty="0" smtClean="0">
                 <a:hlinkClick r:id="rId4"/>
               </a:rPr>
+              <a:t>http://junit.org</a:t>
+            </a:r>
+            <a:endParaRPr lang="en-US" sz="2400" dirty="0" smtClean="0"/>
+          </a:p>
+          <a:p>
+            <a:pPr lvl="1"/>
+            <a:r>
+              <a:rPr lang="en-US" sz="2400" dirty="0" err="1" smtClean="0"/>
+              <a:t>TestNG</a:t>
+            </a:r>
+            <a:r>
+              <a:rPr lang="en-US" sz="2400" smtClean="0"/>
+              <a:t> – http://testng.org</a:t>
+            </a:r>
+            <a:endParaRPr lang="en-US" sz="2400" dirty="0" smtClean="0"/>
+          </a:p>
+          <a:p>
+            <a:r>
+              <a:rPr lang="en-US" sz="2400" dirty="0" smtClean="0"/>
+              <a:t>Ruby</a:t>
+            </a:r>
+            <a:endParaRPr lang="en-US" sz="2400" dirty="0" smtClean="0"/>
+          </a:p>
+          <a:p>
+            <a:pPr lvl="1"/>
+            <a:r>
+              <a:rPr lang="en-US" sz="2400" dirty="0" smtClean="0"/>
+              <a:t>RSpec – </a:t>
+            </a:r>
+            <a:r>
+              <a:rPr lang="en-US" sz="2400" dirty="0" smtClean="0">
+                <a:hlinkClick r:id="rId5"/>
+              </a:rPr>
               <a:t>http://rspec.info</a:t>
             </a:r>
             <a:r>
@@ -8156,7 +8179,7 @@
             </a:r>
             <a:r>
               <a:rPr lang="en-US" sz="2400" dirty="0" smtClean="0">
-                <a:hlinkClick r:id="rId5"/>
+                <a:hlinkClick r:id="rId6"/>
               </a:rPr>
               <a:t>http://github.com/jonkruger/specs2tests</a:t>
             </a:r>
@@ -9354,8 +9377,13 @@
             </a:r>
             <a:r>
               <a:rPr lang="en-US" sz="2800" dirty="0" smtClean="0"/>
-              <a:t>……</a:t>
-            </a:r>
+              <a:t>, </a:t>
+            </a:r>
+            <a:r>
+              <a:rPr lang="en-US" sz="2800" dirty="0" err="1" smtClean="0"/>
+              <a:t>TestNG</a:t>
+            </a:r>
+            <a:endParaRPr lang="en-US" sz="2800" dirty="0" smtClean="0"/>
           </a:p>
           <a:p>
             <a:r>

--- a/TDD In Action.pptx
+++ b/TDD In Action.pptx
@@ -5,7 +5,7 @@
     <p:sldMasterId id="2147483840" r:id="rId1"/>
   </p:sldMasterIdLst>
   <p:notesMasterIdLst>
-    <p:notesMasterId r:id="rId37"/>
+    <p:notesMasterId r:id="rId38"/>
   </p:notesMasterIdLst>
   <p:sldIdLst>
     <p:sldId id="320" r:id="rId2"/>
@@ -36,13 +36,14 @@
     <p:sldId id="360" r:id="rId27"/>
     <p:sldId id="358" r:id="rId28"/>
     <p:sldId id="359" r:id="rId29"/>
-    <p:sldId id="396" r:id="rId30"/>
-    <p:sldId id="402" r:id="rId31"/>
-    <p:sldId id="397" r:id="rId32"/>
-    <p:sldId id="401" r:id="rId33"/>
-    <p:sldId id="398" r:id="rId34"/>
-    <p:sldId id="400" r:id="rId35"/>
-    <p:sldId id="399" r:id="rId36"/>
+    <p:sldId id="403" r:id="rId30"/>
+    <p:sldId id="396" r:id="rId31"/>
+    <p:sldId id="402" r:id="rId32"/>
+    <p:sldId id="397" r:id="rId33"/>
+    <p:sldId id="401" r:id="rId34"/>
+    <p:sldId id="398" r:id="rId35"/>
+    <p:sldId id="400" r:id="rId36"/>
+    <p:sldId id="399" r:id="rId37"/>
   </p:sldIdLst>
   <p:sldSz cx="9144000" cy="6858000" type="screen4x3"/>
   <p:notesSz cx="6858000" cy="9144000"/>
@@ -680,6 +681,104 @@
 </file>
 
 <file path=ppt/notesSlides/notesSlide11.xml><?xml version="1.0" encoding="utf-8"?>
+<p:notes xmlns:a="http://schemas.openxmlformats.org/drawingml/2006/main" xmlns:r="http://schemas.openxmlformats.org/officeDocument/2006/relationships" xmlns:p="http://schemas.openxmlformats.org/presentationml/2006/main">
+  <p:cSld>
+    <p:spTree>
+      <p:nvGrpSpPr>
+        <p:cNvPr id="1" name=""/>
+        <p:cNvGrpSpPr/>
+        <p:nvPr/>
+      </p:nvGrpSpPr>
+      <p:grpSpPr>
+        <a:xfrm>
+          <a:off x="0" y="0"/>
+          <a:ext cx="0" cy="0"/>
+          <a:chOff x="0" y="0"/>
+          <a:chExt cx="0" cy="0"/>
+        </a:xfrm>
+      </p:grpSpPr>
+      <p:sp>
+        <p:nvSpPr>
+          <p:cNvPr id="2" name="Slide Image Placeholder 1"/>
+          <p:cNvSpPr>
+            <a:spLocks noGrp="1" noRot="1" noChangeAspect="1"/>
+          </p:cNvSpPr>
+          <p:nvPr>
+            <p:ph type="sldImg"/>
+          </p:nvPr>
+        </p:nvSpPr>
+        <p:spPr/>
+      </p:sp>
+      <p:sp>
+        <p:nvSpPr>
+          <p:cNvPr id="3" name="Notes Placeholder 2"/>
+          <p:cNvSpPr>
+            <a:spLocks noGrp="1"/>
+          </p:cNvSpPr>
+          <p:nvPr>
+            <p:ph type="body" idx="1"/>
+          </p:nvPr>
+        </p:nvSpPr>
+        <p:spPr/>
+        <p:txBody>
+          <a:bodyPr>
+            <a:normAutofit/>
+          </a:bodyPr>
+          <a:lstStyle/>
+          <a:p>
+            <a:r>
+              <a:rPr lang="en-US" dirty="0" smtClean="0"/>
+              <a:t>My </a:t>
+            </a:r>
+            <a:r>
+              <a:rPr lang="en-US" dirty="0" err="1" smtClean="0"/>
+              <a:t>definiton</a:t>
+            </a:r>
+            <a:r>
+              <a:rPr lang="en-US" dirty="0" smtClean="0"/>
+              <a:t> of</a:t>
+            </a:r>
+            <a:r>
+              <a:rPr lang="en-US" baseline="0" dirty="0" smtClean="0"/>
+              <a:t> legacy code: Code where the cost or risk associated with changing it outweighs the benefits of the change.</a:t>
+            </a:r>
+            <a:endParaRPr lang="en-US" dirty="0"/>
+          </a:p>
+        </p:txBody>
+      </p:sp>
+      <p:sp>
+        <p:nvSpPr>
+          <p:cNvPr id="4" name="Slide Number Placeholder 3"/>
+          <p:cNvSpPr>
+            <a:spLocks noGrp="1"/>
+          </p:cNvSpPr>
+          <p:nvPr>
+            <p:ph type="sldNum" sz="quarter" idx="10"/>
+          </p:nvPr>
+        </p:nvSpPr>
+        <p:spPr/>
+        <p:txBody>
+          <a:bodyPr/>
+          <a:lstStyle/>
+          <a:p>
+            <a:fld id="{46B52E04-8F68-435C-880A-7C7B12D9BA2F}" type="slidenum">
+              <a:rPr lang="en-US" smtClean="0"/>
+              <a:pPr/>
+              <a:t>23</a:t>
+            </a:fld>
+            <a:endParaRPr lang="en-US"/>
+          </a:p>
+        </p:txBody>
+      </p:sp>
+    </p:spTree>
+  </p:cSld>
+  <p:clrMapOvr>
+    <a:masterClrMapping/>
+  </p:clrMapOvr>
+</p:notes>
+</file>
+
+<file path=ppt/notesSlides/notesSlide12.xml><?xml version="1.0" encoding="utf-8"?>
 <p:notes xmlns:a="http://schemas.openxmlformats.org/drawingml/2006/main" xmlns:r="http://schemas.openxmlformats.org/officeDocument/2006/relationships" xmlns:p="http://schemas.openxmlformats.org/presentationml/2006/main">
   <p:cSld>
     <p:spTree>
@@ -5658,9 +5757,344 @@
   <p:timing>
     <p:tnLst>
       <p:par>
-        <p:cTn id="1" dur="indefinite" restart="never" nodeType="tmRoot"/>
+        <p:cTn id="1" dur="indefinite" restart="never" nodeType="tmRoot">
+          <p:childTnLst>
+            <p:seq concurrent="1" nextAc="seek">
+              <p:cTn id="2" dur="indefinite" nodeType="mainSeq">
+                <p:childTnLst>
+                  <p:par>
+                    <p:cTn id="3" fill="hold">
+                      <p:stCondLst>
+                        <p:cond delay="indefinite"/>
+                      </p:stCondLst>
+                      <p:childTnLst>
+                        <p:par>
+                          <p:cTn id="4" fill="hold">
+                            <p:stCondLst>
+                              <p:cond delay="0"/>
+                            </p:stCondLst>
+                            <p:childTnLst>
+                              <p:par>
+                                <p:cTn id="5" presetID="2" presetClass="entr" presetSubtype="4" fill="hold" grpId="0" nodeType="clickEffect">
+                                  <p:stCondLst>
+                                    <p:cond delay="0"/>
+                                  </p:stCondLst>
+                                  <p:childTnLst>
+                                    <p:set>
+                                      <p:cBhvr>
+                                        <p:cTn id="6" dur="1" fill="hold">
+                                          <p:stCondLst>
+                                            <p:cond delay="0"/>
+                                          </p:stCondLst>
+                                        </p:cTn>
+                                        <p:tgtEl>
+                                          <p:spTgt spid="3">
+                                            <p:txEl>
+                                              <p:pRg st="0" end="0"/>
+                                            </p:txEl>
+                                          </p:spTgt>
+                                        </p:tgtEl>
+                                        <p:attrNameLst>
+                                          <p:attrName>style.visibility</p:attrName>
+                                        </p:attrNameLst>
+                                      </p:cBhvr>
+                                      <p:to>
+                                        <p:strVal val="visible"/>
+                                      </p:to>
+                                    </p:set>
+                                    <p:anim calcmode="lin" valueType="num">
+                                      <p:cBhvr additive="base">
+                                        <p:cTn id="7" dur="500" fill="hold"/>
+                                        <p:tgtEl>
+                                          <p:spTgt spid="3">
+                                            <p:txEl>
+                                              <p:pRg st="0" end="0"/>
+                                            </p:txEl>
+                                          </p:spTgt>
+                                        </p:tgtEl>
+                                        <p:attrNameLst>
+                                          <p:attrName>ppt_x</p:attrName>
+                                        </p:attrNameLst>
+                                      </p:cBhvr>
+                                      <p:tavLst>
+                                        <p:tav tm="0">
+                                          <p:val>
+                                            <p:strVal val="#ppt_x"/>
+                                          </p:val>
+                                        </p:tav>
+                                        <p:tav tm="100000">
+                                          <p:val>
+                                            <p:strVal val="#ppt_x"/>
+                                          </p:val>
+                                        </p:tav>
+                                      </p:tavLst>
+                                    </p:anim>
+                                    <p:anim calcmode="lin" valueType="num">
+                                      <p:cBhvr additive="base">
+                                        <p:cTn id="8" dur="500" fill="hold"/>
+                                        <p:tgtEl>
+                                          <p:spTgt spid="3">
+                                            <p:txEl>
+                                              <p:pRg st="0" end="0"/>
+                                            </p:txEl>
+                                          </p:spTgt>
+                                        </p:tgtEl>
+                                        <p:attrNameLst>
+                                          <p:attrName>ppt_y</p:attrName>
+                                        </p:attrNameLst>
+                                      </p:cBhvr>
+                                      <p:tavLst>
+                                        <p:tav tm="0">
+                                          <p:val>
+                                            <p:strVal val="1+#ppt_h/2"/>
+                                          </p:val>
+                                        </p:tav>
+                                        <p:tav tm="100000">
+                                          <p:val>
+                                            <p:strVal val="#ppt_y"/>
+                                          </p:val>
+                                        </p:tav>
+                                      </p:tavLst>
+                                    </p:anim>
+                                  </p:childTnLst>
+                                </p:cTn>
+                              </p:par>
+                            </p:childTnLst>
+                          </p:cTn>
+                        </p:par>
+                      </p:childTnLst>
+                    </p:cTn>
+                  </p:par>
+                  <p:par>
+                    <p:cTn id="9" fill="hold">
+                      <p:stCondLst>
+                        <p:cond delay="indefinite"/>
+                      </p:stCondLst>
+                      <p:childTnLst>
+                        <p:par>
+                          <p:cTn id="10" fill="hold">
+                            <p:stCondLst>
+                              <p:cond delay="0"/>
+                            </p:stCondLst>
+                            <p:childTnLst>
+                              <p:par>
+                                <p:cTn id="11" presetID="2" presetClass="entr" presetSubtype="4" fill="hold" grpId="0" nodeType="clickEffect">
+                                  <p:stCondLst>
+                                    <p:cond delay="0"/>
+                                  </p:stCondLst>
+                                  <p:childTnLst>
+                                    <p:set>
+                                      <p:cBhvr>
+                                        <p:cTn id="12" dur="1" fill="hold">
+                                          <p:stCondLst>
+                                            <p:cond delay="0"/>
+                                          </p:stCondLst>
+                                        </p:cTn>
+                                        <p:tgtEl>
+                                          <p:spTgt spid="3">
+                                            <p:txEl>
+                                              <p:pRg st="1" end="1"/>
+                                            </p:txEl>
+                                          </p:spTgt>
+                                        </p:tgtEl>
+                                        <p:attrNameLst>
+                                          <p:attrName>style.visibility</p:attrName>
+                                        </p:attrNameLst>
+                                      </p:cBhvr>
+                                      <p:to>
+                                        <p:strVal val="visible"/>
+                                      </p:to>
+                                    </p:set>
+                                    <p:anim calcmode="lin" valueType="num">
+                                      <p:cBhvr additive="base">
+                                        <p:cTn id="13" dur="500" fill="hold"/>
+                                        <p:tgtEl>
+                                          <p:spTgt spid="3">
+                                            <p:txEl>
+                                              <p:pRg st="1" end="1"/>
+                                            </p:txEl>
+                                          </p:spTgt>
+                                        </p:tgtEl>
+                                        <p:attrNameLst>
+                                          <p:attrName>ppt_x</p:attrName>
+                                        </p:attrNameLst>
+                                      </p:cBhvr>
+                                      <p:tavLst>
+                                        <p:tav tm="0">
+                                          <p:val>
+                                            <p:strVal val="#ppt_x"/>
+                                          </p:val>
+                                        </p:tav>
+                                        <p:tav tm="100000">
+                                          <p:val>
+                                            <p:strVal val="#ppt_x"/>
+                                          </p:val>
+                                        </p:tav>
+                                      </p:tavLst>
+                                    </p:anim>
+                                    <p:anim calcmode="lin" valueType="num">
+                                      <p:cBhvr additive="base">
+                                        <p:cTn id="14" dur="500" fill="hold"/>
+                                        <p:tgtEl>
+                                          <p:spTgt spid="3">
+                                            <p:txEl>
+                                              <p:pRg st="1" end="1"/>
+                                            </p:txEl>
+                                          </p:spTgt>
+                                        </p:tgtEl>
+                                        <p:attrNameLst>
+                                          <p:attrName>ppt_y</p:attrName>
+                                        </p:attrNameLst>
+                                      </p:cBhvr>
+                                      <p:tavLst>
+                                        <p:tav tm="0">
+                                          <p:val>
+                                            <p:strVal val="1+#ppt_h/2"/>
+                                          </p:val>
+                                        </p:tav>
+                                        <p:tav tm="100000">
+                                          <p:val>
+                                            <p:strVal val="#ppt_y"/>
+                                          </p:val>
+                                        </p:tav>
+                                      </p:tavLst>
+                                    </p:anim>
+                                  </p:childTnLst>
+                                </p:cTn>
+                              </p:par>
+                            </p:childTnLst>
+                          </p:cTn>
+                        </p:par>
+                      </p:childTnLst>
+                    </p:cTn>
+                  </p:par>
+                  <p:par>
+                    <p:cTn id="15" fill="hold">
+                      <p:stCondLst>
+                        <p:cond delay="indefinite"/>
+                      </p:stCondLst>
+                      <p:childTnLst>
+                        <p:par>
+                          <p:cTn id="16" fill="hold">
+                            <p:stCondLst>
+                              <p:cond delay="0"/>
+                            </p:stCondLst>
+                            <p:childTnLst>
+                              <p:par>
+                                <p:cTn id="17" presetID="2" presetClass="entr" presetSubtype="4" fill="hold" grpId="0" nodeType="clickEffect">
+                                  <p:stCondLst>
+                                    <p:cond delay="0"/>
+                                  </p:stCondLst>
+                                  <p:childTnLst>
+                                    <p:set>
+                                      <p:cBhvr>
+                                        <p:cTn id="18" dur="1" fill="hold">
+                                          <p:stCondLst>
+                                            <p:cond delay="0"/>
+                                          </p:stCondLst>
+                                        </p:cTn>
+                                        <p:tgtEl>
+                                          <p:spTgt spid="3">
+                                            <p:txEl>
+                                              <p:pRg st="2" end="2"/>
+                                            </p:txEl>
+                                          </p:spTgt>
+                                        </p:tgtEl>
+                                        <p:attrNameLst>
+                                          <p:attrName>style.visibility</p:attrName>
+                                        </p:attrNameLst>
+                                      </p:cBhvr>
+                                      <p:to>
+                                        <p:strVal val="visible"/>
+                                      </p:to>
+                                    </p:set>
+                                    <p:anim calcmode="lin" valueType="num">
+                                      <p:cBhvr additive="base">
+                                        <p:cTn id="19" dur="500" fill="hold"/>
+                                        <p:tgtEl>
+                                          <p:spTgt spid="3">
+                                            <p:txEl>
+                                              <p:pRg st="2" end="2"/>
+                                            </p:txEl>
+                                          </p:spTgt>
+                                        </p:tgtEl>
+                                        <p:attrNameLst>
+                                          <p:attrName>ppt_x</p:attrName>
+                                        </p:attrNameLst>
+                                      </p:cBhvr>
+                                      <p:tavLst>
+                                        <p:tav tm="0">
+                                          <p:val>
+                                            <p:strVal val="#ppt_x"/>
+                                          </p:val>
+                                        </p:tav>
+                                        <p:tav tm="100000">
+                                          <p:val>
+                                            <p:strVal val="#ppt_x"/>
+                                          </p:val>
+                                        </p:tav>
+                                      </p:tavLst>
+                                    </p:anim>
+                                    <p:anim calcmode="lin" valueType="num">
+                                      <p:cBhvr additive="base">
+                                        <p:cTn id="20" dur="500" fill="hold"/>
+                                        <p:tgtEl>
+                                          <p:spTgt spid="3">
+                                            <p:txEl>
+                                              <p:pRg st="2" end="2"/>
+                                            </p:txEl>
+                                          </p:spTgt>
+                                        </p:tgtEl>
+                                        <p:attrNameLst>
+                                          <p:attrName>ppt_y</p:attrName>
+                                        </p:attrNameLst>
+                                      </p:cBhvr>
+                                      <p:tavLst>
+                                        <p:tav tm="0">
+                                          <p:val>
+                                            <p:strVal val="1+#ppt_h/2"/>
+                                          </p:val>
+                                        </p:tav>
+                                        <p:tav tm="100000">
+                                          <p:val>
+                                            <p:strVal val="#ppt_y"/>
+                                          </p:val>
+                                        </p:tav>
+                                      </p:tavLst>
+                                    </p:anim>
+                                  </p:childTnLst>
+                                </p:cTn>
+                              </p:par>
+                            </p:childTnLst>
+                          </p:cTn>
+                        </p:par>
+                      </p:childTnLst>
+                    </p:cTn>
+                  </p:par>
+                </p:childTnLst>
+              </p:cTn>
+              <p:prevCondLst>
+                <p:cond evt="onPrev" delay="0">
+                  <p:tgtEl>
+                    <p:sldTgt/>
+                  </p:tgtEl>
+                </p:cond>
+              </p:prevCondLst>
+              <p:nextCondLst>
+                <p:cond evt="onNext" delay="0">
+                  <p:tgtEl>
+                    <p:sldTgt/>
+                  </p:tgtEl>
+                </p:cond>
+              </p:nextCondLst>
+            </p:seq>
+          </p:childTnLst>
+        </p:cTn>
       </p:par>
     </p:tnLst>
+    <p:bldLst>
+      <p:bldP spid="3" grpId="0" build="p"/>
+    </p:bldLst>
   </p:timing>
 </p:sld>
 </file>
@@ -6557,7 +6991,23 @@
           <a:p>
             <a:r>
               <a:rPr lang="en-US" dirty="0" smtClean="0"/>
-              <a:t>I don’t have time to constantly step through code to see if it’s all working</a:t>
+              <a:t>I don’t have time to constantly </a:t>
+            </a:r>
+            <a:r>
+              <a:rPr lang="en-US" dirty="0" smtClean="0"/>
+              <a:t>manuall</a:t>
+            </a:r>
+            <a:r>
+              <a:rPr lang="en-US" dirty="0" smtClean="0"/>
+              <a:t>y test </a:t>
+            </a:r>
+            <a:r>
+              <a:rPr lang="en-US" dirty="0" smtClean="0"/>
+              <a:t>code </a:t>
+            </a:r>
+            <a:r>
+              <a:rPr lang="en-US" dirty="0" smtClean="0"/>
+              <a:t>to see if it’s all working</a:t>
             </a:r>
           </a:p>
           <a:p>
@@ -7620,16 +8070,10 @@
         </p:nvSpPr>
         <p:spPr/>
         <p:txBody>
-          <a:bodyPr>
-            <a:normAutofit fontScale="90000"/>
-          </a:bodyPr>
-          <a:lstStyle/>
-          <a:p>
-            <a:r>
-              <a:rPr lang="en-US" dirty="0" smtClean="0"/>
-              <a:t>Resources - Cost of unit testing</a:t>
-            </a:r>
-            <a:endParaRPr lang="en-US" dirty="0"/>
+          <a:bodyPr/>
+          <a:lstStyle/>
+          <a:p>
+            <a:endParaRPr lang="en-US"/>
           </a:p>
         </p:txBody>
       </p:sp>
@@ -7649,80 +8093,10 @@
           <a:lstStyle/>
           <a:p>
             <a:r>
-              <a:rPr lang="en-US" sz="2400" dirty="0" smtClean="0"/>
-              <a:t>Microsoft Research – “Realizing quality improvement through test driven development: results and experiences of four industrial teams”</a:t>
-            </a:r>
-          </a:p>
-          <a:p>
-            <a:pPr lvl="1"/>
-            <a:r>
-              <a:rPr lang="en-US" sz="1800" b="1" dirty="0" smtClean="0">
-                <a:hlinkClick r:id="rId2"/>
-              </a:rPr>
-              <a:t>http://research.microsoft.com/en-us/projects/esm/nagappan_tdd.pdf</a:t>
-            </a:r>
-            <a:endParaRPr lang="en-US" sz="1800" b="1" dirty="0" smtClean="0"/>
-          </a:p>
-          <a:p>
-            <a:endParaRPr lang="en-US" sz="2400" b="1" dirty="0" smtClean="0"/>
-          </a:p>
-          <a:p>
-            <a:r>
-              <a:rPr lang="en-US" sz="2400" dirty="0" smtClean="0"/>
-              <a:t>Cost of Testing, by </a:t>
-            </a:r>
-            <a:r>
-              <a:rPr lang="en-US" sz="2400" dirty="0" err="1" smtClean="0"/>
-              <a:t>Misko</a:t>
-            </a:r>
-            <a:r>
-              <a:rPr lang="en-US" sz="2400" dirty="0" smtClean="0"/>
-              <a:t> </a:t>
-            </a:r>
-            <a:r>
-              <a:rPr lang="en-US" sz="2400" dirty="0" err="1" smtClean="0"/>
-              <a:t>Hevery</a:t>
-            </a:r>
-            <a:r>
-              <a:rPr lang="en-US" sz="2400" dirty="0" smtClean="0"/>
-              <a:t> (Agile Coach/Java developer at Google)</a:t>
-            </a:r>
-          </a:p>
-          <a:p>
-            <a:pPr lvl="1"/>
-            <a:r>
-              <a:rPr lang="en-US" sz="1800" b="1" dirty="0" smtClean="0">
-                <a:hlinkClick r:id="rId3"/>
-              </a:rPr>
-              <a:t>http://misko.hevery.com/2009/10/01/cost-of-testing/</a:t>
-            </a:r>
-            <a:endParaRPr lang="en-US" sz="1800" b="1" dirty="0" smtClean="0"/>
-          </a:p>
-          <a:p>
-            <a:pPr lvl="1"/>
-            <a:endParaRPr lang="en-US" sz="1800" b="1" dirty="0" smtClean="0"/>
-          </a:p>
-          <a:p>
-            <a:r>
-              <a:rPr lang="en-US" sz="2400" dirty="0" smtClean="0"/>
-              <a:t>TDD Derangement Syndrome, by Uncle Bob Martin</a:t>
-            </a:r>
-          </a:p>
-          <a:p>
-            <a:pPr lvl="1"/>
-            <a:r>
-              <a:rPr lang="en-US" sz="1800" b="1" dirty="0" smtClean="0">
-                <a:hlinkClick r:id="rId4"/>
-              </a:rPr>
-              <a:t>http://blog.objectmentor.com/articles/2009/10/07/tdd-derangement-syndrome</a:t>
-            </a:r>
-            <a:endParaRPr lang="en-US" sz="1800" b="1" dirty="0" smtClean="0"/>
-          </a:p>
-          <a:p>
-            <a:endParaRPr lang="en-US" sz="2400" b="1" dirty="0" smtClean="0"/>
-          </a:p>
-          <a:p>
-            <a:endParaRPr lang="en-US" dirty="0"/>
+              <a:rPr lang="en-US" smtClean="0"/>
+              <a:t>?????????</a:t>
+            </a:r>
+            <a:endParaRPr lang="en-US"/>
           </a:p>
         </p:txBody>
       </p:sp>
@@ -7731,13 +8105,6 @@
   <p:clrMapOvr>
     <a:masterClrMapping/>
   </p:clrMapOvr>
-  <p:timing>
-    <p:tnLst>
-      <p:par>
-        <p:cTn id="1" dur="indefinite" restart="never" nodeType="tmRoot"/>
-      </p:par>
-    </p:tnLst>
-  </p:timing>
 </p:sld>
 </file>
 
@@ -8045,13 +8412,13 @@
         <p:spPr/>
         <p:txBody>
           <a:bodyPr>
-            <a:normAutofit/>
+            <a:normAutofit fontScale="90000"/>
           </a:bodyPr>
           <a:lstStyle/>
           <a:p>
             <a:r>
               <a:rPr lang="en-US" dirty="0" smtClean="0"/>
-              <a:t>Resources - Tools</a:t>
+              <a:t>Resources - Cost of unit testing</a:t>
             </a:r>
             <a:endParaRPr lang="en-US" dirty="0"/>
           </a:p>
@@ -8069,127 +8436,84 @@
         </p:nvSpPr>
         <p:spPr/>
         <p:txBody>
-          <a:bodyPr>
-            <a:normAutofit/>
-          </a:bodyPr>
+          <a:bodyPr/>
           <a:lstStyle/>
           <a:p>
             <a:r>
               <a:rPr lang="en-US" sz="2400" dirty="0" smtClean="0"/>
-              <a:t>.NET</a:t>
+              <a:t>Microsoft Research – “Realizing quality improvement through test driven development: results and experiences of four industrial teams”</a:t>
             </a:r>
           </a:p>
           <a:p>
             <a:pPr lvl="1"/>
             <a:r>
-              <a:rPr lang="en-US" sz="2400" dirty="0" smtClean="0"/>
-              <a:t>NUnit – </a:t>
-            </a:r>
-            <a:r>
-              <a:rPr lang="en-US" sz="2400" dirty="0" smtClean="0">
+              <a:rPr lang="en-US" sz="1800" b="1" dirty="0" smtClean="0">
                 <a:hlinkClick r:id="rId2"/>
               </a:rPr>
-              <a:t>http://nunit.org</a:t>
-            </a:r>
-            <a:endParaRPr lang="en-US" sz="2400" dirty="0" smtClean="0"/>
+              <a:t>http://research.microsoft.com/en-us/projects/esm/nagappan_tdd.pdf</a:t>
+            </a:r>
+            <a:endParaRPr lang="en-US" sz="1800" b="1" dirty="0" smtClean="0"/>
+          </a:p>
+          <a:p>
+            <a:endParaRPr lang="en-US" sz="2400" b="1" dirty="0" smtClean="0"/>
+          </a:p>
+          <a:p>
+            <a:r>
+              <a:rPr lang="en-US" sz="2400" dirty="0" smtClean="0"/>
+              <a:t>Cost of Testing, by </a:t>
+            </a:r>
+            <a:r>
+              <a:rPr lang="en-US" sz="2400" dirty="0" err="1" smtClean="0"/>
+              <a:t>Misko</a:t>
+            </a:r>
+            <a:r>
+              <a:rPr lang="en-US" sz="2400" dirty="0" smtClean="0"/>
+              <a:t> </a:t>
+            </a:r>
+            <a:r>
+              <a:rPr lang="en-US" sz="2400" dirty="0" err="1" smtClean="0"/>
+              <a:t>Hevery</a:t>
+            </a:r>
+            <a:r>
+              <a:rPr lang="en-US" sz="2400" dirty="0" smtClean="0"/>
+              <a:t> (Agile Coach/Java developer at Google)</a:t>
+            </a:r>
           </a:p>
           <a:p>
             <a:pPr lvl="1"/>
             <a:r>
-              <a:rPr lang="en-US" sz="2400" dirty="0" smtClean="0"/>
-              <a:t>Should – </a:t>
-            </a:r>
-            <a:r>
-              <a:rPr lang="en-US" sz="2400" dirty="0" smtClean="0">
+              <a:rPr lang="en-US" sz="1800" b="1" dirty="0" smtClean="0">
                 <a:hlinkClick r:id="rId3"/>
               </a:rPr>
-              <a:t>http://should.codeplex.com</a:t>
-            </a:r>
-            <a:endParaRPr lang="en-US" sz="2400" dirty="0" smtClean="0"/>
+              <a:t>http://misko.hevery.com/2009/10/01/cost-of-testing/</a:t>
+            </a:r>
+            <a:endParaRPr lang="en-US" sz="1800" b="1" dirty="0" smtClean="0"/>
+          </a:p>
+          <a:p>
+            <a:pPr lvl="1"/>
+            <a:endParaRPr lang="en-US" sz="1800" b="1" dirty="0" smtClean="0"/>
           </a:p>
           <a:p>
             <a:r>
               <a:rPr lang="en-US" sz="2400" dirty="0" smtClean="0"/>
-              <a:t>Java</a:t>
+              <a:t>TDD Derangement Syndrome, by Uncle Bob Martin</a:t>
             </a:r>
           </a:p>
           <a:p>
             <a:pPr lvl="1"/>
             <a:r>
-              <a:rPr lang="en-US" sz="2400" dirty="0" err="1" smtClean="0"/>
-              <a:t>JUnit</a:t>
-            </a:r>
-            <a:r>
-              <a:rPr lang="en-US" sz="2400" dirty="0" smtClean="0"/>
-              <a:t> – </a:t>
-            </a:r>
-            <a:r>
-              <a:rPr lang="en-US" sz="2400" dirty="0" smtClean="0">
+              <a:rPr lang="en-US" sz="1800" b="1" dirty="0" smtClean="0">
                 <a:hlinkClick r:id="rId4"/>
               </a:rPr>
-              <a:t>http://junit.org</a:t>
-            </a:r>
-            <a:endParaRPr lang="en-US" sz="2400" dirty="0" smtClean="0"/>
-          </a:p>
-          <a:p>
-            <a:pPr lvl="1"/>
-            <a:r>
-              <a:rPr lang="en-US" sz="2400" dirty="0" err="1" smtClean="0"/>
-              <a:t>TestNG</a:t>
-            </a:r>
-            <a:r>
-              <a:rPr lang="en-US" sz="2400" smtClean="0"/>
-              <a:t> – http://testng.org</a:t>
-            </a:r>
-            <a:endParaRPr lang="en-US" sz="2400" dirty="0" smtClean="0"/>
-          </a:p>
-          <a:p>
-            <a:r>
-              <a:rPr lang="en-US" sz="2400" dirty="0" smtClean="0"/>
-              <a:t>Ruby</a:t>
-            </a:r>
-            <a:endParaRPr lang="en-US" sz="2400" dirty="0" smtClean="0"/>
-          </a:p>
-          <a:p>
-            <a:pPr lvl="1"/>
-            <a:r>
-              <a:rPr lang="en-US" sz="2400" dirty="0" smtClean="0"/>
-              <a:t>RSpec – </a:t>
-            </a:r>
-            <a:r>
-              <a:rPr lang="en-US" sz="2400" dirty="0" smtClean="0">
-                <a:hlinkClick r:id="rId5"/>
-              </a:rPr>
-              <a:t>http://rspec.info</a:t>
-            </a:r>
-            <a:r>
-              <a:rPr lang="en-US" sz="2400" dirty="0" smtClean="0"/>
-              <a:t>, or gem install </a:t>
-            </a:r>
-            <a:r>
-              <a:rPr lang="en-US" sz="2400" dirty="0" err="1" smtClean="0"/>
-              <a:t>rspec</a:t>
-            </a:r>
-            <a:endParaRPr lang="en-US" sz="2400" dirty="0" smtClean="0"/>
-          </a:p>
-          <a:p>
-            <a:r>
-              <a:rPr lang="en-US" sz="2400" dirty="0" smtClean="0"/>
-              <a:t>Specs2Tests – </a:t>
-            </a:r>
-            <a:r>
-              <a:rPr lang="en-US" sz="2400" dirty="0" smtClean="0">
-                <a:hlinkClick r:id="rId6"/>
-              </a:rPr>
-              <a:t>http://github.com/jonkruger/specs2tests</a:t>
-            </a:r>
-            <a:endParaRPr lang="en-US" sz="2400" dirty="0" smtClean="0"/>
-          </a:p>
-          <a:p>
-            <a:pPr>
-              <a:buNone/>
-            </a:pPr>
-            <a:endParaRPr lang="en-US" sz="2400" dirty="0" smtClean="0"/>
+              <a:t>http://blog.objectmentor.com/articles/2009/10/07/tdd-derangement-syndrome</a:t>
+            </a:r>
+            <a:endParaRPr lang="en-US" sz="1800" b="1" dirty="0" smtClean="0"/>
+          </a:p>
+          <a:p>
+            <a:endParaRPr lang="en-US" sz="2400" b="1" dirty="0" smtClean="0"/>
+          </a:p>
+          <a:p>
+            <a:endParaRPr lang="en-US" dirty="0"/>
           </a:p>
         </p:txBody>
       </p:sp>
@@ -8244,7 +8568,7 @@
           <a:p>
             <a:r>
               <a:rPr lang="en-US" dirty="0" smtClean="0"/>
-              <a:t>Resources – Learning TDD</a:t>
+              <a:t>Resources - Tools</a:t>
             </a:r>
             <a:endParaRPr lang="en-US" dirty="0"/>
           </a:p>
@@ -8260,136 +8584,128 @@
             <p:ph idx="1"/>
           </p:nvPr>
         </p:nvSpPr>
-        <p:spPr>
-          <a:xfrm>
-            <a:off x="457200" y="1600200"/>
-            <a:ext cx="8229600" cy="5105400"/>
-          </a:xfrm>
-        </p:spPr>
+        <p:spPr/>
         <p:txBody>
           <a:bodyPr>
-            <a:normAutofit lnSpcReduction="10000"/>
+            <a:normAutofit/>
           </a:bodyPr>
           <a:lstStyle/>
           <a:p>
             <a:r>
               <a:rPr lang="en-US" sz="2400" dirty="0" smtClean="0"/>
-              <a:t>Behavior Driven Development</a:t>
+              <a:t>.NET</a:t>
             </a:r>
           </a:p>
           <a:p>
             <a:pPr lvl="1"/>
             <a:r>
-              <a:rPr lang="en-US" sz="1800" b="1" dirty="0" smtClean="0">
+              <a:rPr lang="en-US" sz="2400" dirty="0" smtClean="0"/>
+              <a:t>NUnit – </a:t>
+            </a:r>
+            <a:r>
+              <a:rPr lang="en-US" sz="2400" dirty="0" smtClean="0">
                 <a:hlinkClick r:id="rId2"/>
               </a:rPr>
-              <a:t>http://www.code-magazine.com/article.aspx?quickid=0805061&amp;page=1</a:t>
-            </a:r>
-            <a:endParaRPr lang="en-US" sz="1800" b="1" dirty="0" smtClean="0"/>
+              <a:t>http://nunit.org</a:t>
+            </a:r>
+            <a:endParaRPr lang="en-US" sz="2400" dirty="0" smtClean="0"/>
           </a:p>
           <a:p>
             <a:pPr lvl="1"/>
-            <a:endParaRPr lang="en-US" sz="1800" b="1" dirty="0" smtClean="0"/>
-          </a:p>
-          <a:p>
             <a:r>
               <a:rPr lang="en-US" sz="2400" dirty="0" smtClean="0"/>
-              <a:t>So How do You Introduce TDD into an Organization or Team?, by Jeremy Miller</a:t>
-            </a:r>
-          </a:p>
-          <a:p>
-            <a:pPr lvl="1"/>
-            <a:r>
-              <a:rPr lang="en-US" sz="1800" b="1" dirty="0" smtClean="0">
+              <a:t>Should – </a:t>
+            </a:r>
+            <a:r>
+              <a:rPr lang="en-US" sz="2400" dirty="0" smtClean="0">
                 <a:hlinkClick r:id="rId3"/>
               </a:rPr>
-              <a:t>http://codebetter.com/blogs/jeremy.miller/archive/2006/06/27/146899.aspx</a:t>
-            </a:r>
-            <a:endParaRPr lang="en-US" sz="1800" b="1" dirty="0" smtClean="0"/>
+              <a:t>http://should.codeplex.com</a:t>
+            </a:r>
+            <a:endParaRPr lang="en-US" sz="2400" dirty="0" smtClean="0"/>
+          </a:p>
+          <a:p>
+            <a:r>
+              <a:rPr lang="en-US" sz="2400" dirty="0" smtClean="0"/>
+              <a:t>Java</a:t>
+            </a:r>
           </a:p>
           <a:p>
             <a:pPr lvl="1"/>
-            <a:endParaRPr lang="en-US" sz="1800" b="1" dirty="0" smtClean="0"/>
-          </a:p>
-          <a:p>
+            <a:r>
+              <a:rPr lang="en-US" sz="2400" dirty="0" err="1" smtClean="0"/>
+              <a:t>JUnit</a:t>
+            </a:r>
             <a:r>
               <a:rPr lang="en-US" sz="2400" dirty="0" smtClean="0"/>
-              <a:t>How to get started with TDD, by </a:t>
-            </a:r>
-            <a:r>
-              <a:rPr lang="en-US" sz="2400" dirty="0" err="1" smtClean="0"/>
-              <a:t>Misko</a:t>
-            </a:r>
-            <a:r>
-              <a:rPr lang="en-US" sz="2400" dirty="0" smtClean="0"/>
-              <a:t> </a:t>
-            </a:r>
-            <a:r>
-              <a:rPr lang="en-US" sz="2400" dirty="0" err="1" smtClean="0"/>
-              <a:t>Hevery</a:t>
-            </a:r>
-            <a:r>
-              <a:rPr lang="en-US" sz="2400" dirty="0" smtClean="0"/>
-              <a:t> (Java examples)</a:t>
-            </a:r>
-          </a:p>
-          <a:p>
-            <a:pPr lvl="1"/>
-            <a:r>
-              <a:rPr lang="en-US" sz="1800" b="1" dirty="0" smtClean="0">
+              <a:t> – </a:t>
+            </a:r>
+            <a:r>
+              <a:rPr lang="en-US" sz="2400" dirty="0" smtClean="0">
                 <a:hlinkClick r:id="rId4"/>
               </a:rPr>
-              <a:t>http://misko.hevery.com/2009/11/17/how-to-get-started-with-tdd/</a:t>
+              <a:t>http://junit.org</a:t>
             </a:r>
             <a:endParaRPr lang="en-US" sz="2400" dirty="0" smtClean="0"/>
           </a:p>
           <a:p>
             <a:pPr lvl="1"/>
+            <a:r>
+              <a:rPr lang="en-US" sz="2400" dirty="0" err="1" smtClean="0"/>
+              <a:t>TestNG</a:t>
+            </a:r>
+            <a:r>
+              <a:rPr lang="en-US" sz="2400" smtClean="0"/>
+              <a:t> – http://testng.org</a:t>
+            </a:r>
             <a:endParaRPr lang="en-US" sz="2400" dirty="0" smtClean="0"/>
           </a:p>
           <a:p>
             <a:r>
               <a:rPr lang="en-US" sz="2400" dirty="0" smtClean="0"/>
-              <a:t>TDD Starter Kit – Sample Projects and Links (C# examples)</a:t>
+              <a:t>Ruby</a:t>
             </a:r>
           </a:p>
           <a:p>
             <a:pPr lvl="1"/>
             <a:r>
-              <a:rPr lang="en-US" sz="1800" dirty="0" smtClean="0">
+              <a:rPr lang="en-US" sz="2400" dirty="0" smtClean="0"/>
+              <a:t>RSpec – </a:t>
+            </a:r>
+            <a:r>
+              <a:rPr lang="en-US" sz="2400" dirty="0" smtClean="0">
                 <a:hlinkClick r:id="rId5"/>
               </a:rPr>
-              <a:t>http://jonkruger.com/blog/2009/07/23/tdd-starter-kit-sample-projects-and-links/</a:t>
-            </a:r>
-            <a:endParaRPr lang="en-US" sz="1800" dirty="0" smtClean="0"/>
-          </a:p>
-          <a:p>
-            <a:pPr lvl="1"/>
-            <a:endParaRPr lang="en-US" sz="1800" dirty="0" smtClean="0"/>
-          </a:p>
-          <a:p>
+              <a:t>http://rspec.info</a:t>
+            </a:r>
             <a:r>
               <a:rPr lang="en-US" sz="2400" dirty="0" smtClean="0"/>
-              <a:t>Pair Programming </a:t>
+              <a:t>, or gem install </a:t>
             </a:r>
             <a:r>
               <a:rPr lang="en-US" sz="2400" dirty="0" err="1" smtClean="0"/>
-              <a:t>Bot</a:t>
+              <a:t>rspec</a:t>
             </a:r>
             <a:endParaRPr lang="en-US" sz="2400" dirty="0" smtClean="0"/>
           </a:p>
           <a:p>
-            <a:pPr lvl="1"/>
-            <a:r>
-              <a:rPr lang="en-US" sz="1800" dirty="0" smtClean="0">
+            <a:r>
+              <a:rPr lang="en-US" sz="2400" dirty="0" smtClean="0"/>
+              <a:t>Specs2Tests – </a:t>
+            </a:r>
+            <a:r>
+              <a:rPr lang="en-US" sz="2400" dirty="0" smtClean="0">
                 <a:hlinkClick r:id="rId6"/>
               </a:rPr>
-              <a:t>http://pairprogrammingbot.com/</a:t>
-            </a:r>
-            <a:endParaRPr lang="en-US" sz="1800" dirty="0" smtClean="0"/>
-          </a:p>
-          <a:p>
-            <a:endParaRPr lang="en-US" dirty="0"/>
+              <a:t>http://github.com/jonkruger/specs2tests</a:t>
+            </a:r>
+            <a:endParaRPr lang="en-US" sz="2400" dirty="0" smtClean="0"/>
+          </a:p>
+          <a:p>
+            <a:pPr>
+              <a:buNone/>
+            </a:pPr>
+            <a:endParaRPr lang="en-US" sz="2400" dirty="0" smtClean="0"/>
           </a:p>
         </p:txBody>
       </p:sp>
@@ -8444,7 +8760,7 @@
           <a:p>
             <a:r>
               <a:rPr lang="en-US" dirty="0" smtClean="0"/>
-              <a:t>Resources – Books</a:t>
+              <a:t>Resources – Learning TDD</a:t>
             </a:r>
             <a:endParaRPr lang="en-US" dirty="0"/>
           </a:p>
@@ -8468,94 +8784,128 @@
         </p:spPr>
         <p:txBody>
           <a:bodyPr>
-            <a:normAutofit/>
+            <a:normAutofit lnSpcReduction="10000"/>
           </a:bodyPr>
           <a:lstStyle/>
           <a:p>
             <a:r>
-              <a:rPr lang="en-US" dirty="0" smtClean="0"/>
-              <a:t>The Art of Unit Testing</a:t>
+              <a:rPr lang="en-US" sz="2400" dirty="0" smtClean="0"/>
+              <a:t>Behavior Driven Development</a:t>
             </a:r>
           </a:p>
           <a:p>
             <a:pPr lvl="1"/>
             <a:r>
-              <a:rPr lang="en-US" dirty="0" smtClean="0"/>
-              <a:t>by Roy </a:t>
-            </a:r>
-            <a:r>
-              <a:rPr lang="en-US" dirty="0" err="1" smtClean="0"/>
-              <a:t>Osherove</a:t>
-            </a:r>
-            <a:endParaRPr lang="en-US" dirty="0" smtClean="0"/>
-          </a:p>
-          <a:p>
-            <a:r>
-              <a:rPr lang="en-US" dirty="0" smtClean="0"/>
-              <a:t>Test Driven Development: By Example</a:t>
-            </a:r>
+              <a:rPr lang="en-US" sz="1800" b="1" dirty="0" smtClean="0">
+                <a:hlinkClick r:id="rId2"/>
+              </a:rPr>
+              <a:t>http://www.code-magazine.com/article.aspx?quickid=0805061&amp;page=1</a:t>
+            </a:r>
+            <a:endParaRPr lang="en-US" sz="1800" b="1" dirty="0" smtClean="0"/>
           </a:p>
           <a:p>
             <a:pPr lvl="1"/>
-            <a:r>
-              <a:rPr lang="en-US" dirty="0" smtClean="0"/>
-              <a:t>by Kent Beck</a:t>
-            </a:r>
-          </a:p>
-          <a:p>
-            <a:r>
-              <a:rPr lang="en-US" dirty="0" smtClean="0"/>
-              <a:t>Test Driven Development: A Practical Guide</a:t>
+            <a:endParaRPr lang="en-US" sz="1800" b="1" dirty="0" smtClean="0"/>
+          </a:p>
+          <a:p>
+            <a:r>
+              <a:rPr lang="en-US" sz="2400" dirty="0" smtClean="0"/>
+              <a:t>So How do You Introduce TDD into an Organization or Team?, by Jeremy Miller</a:t>
             </a:r>
           </a:p>
           <a:p>
             <a:pPr lvl="1"/>
             <a:r>
-              <a:rPr lang="en-US" dirty="0" smtClean="0"/>
-              <a:t>by David </a:t>
-            </a:r>
-            <a:r>
-              <a:rPr lang="en-US" dirty="0" err="1" smtClean="0"/>
-              <a:t>Astels</a:t>
-            </a:r>
-            <a:endParaRPr lang="en-US" dirty="0" smtClean="0"/>
-          </a:p>
-          <a:p>
-            <a:r>
-              <a:rPr lang="en-US" dirty="0" smtClean="0"/>
-              <a:t>The RSpec Book: </a:t>
-            </a:r>
-            <a:r>
-              <a:rPr lang="en-US" dirty="0" err="1" smtClean="0"/>
-              <a:t>Behaviour</a:t>
-            </a:r>
-            <a:r>
-              <a:rPr lang="en-US" dirty="0" smtClean="0"/>
-              <a:t> Driven Development with RSpec, Cucumber, and Friends</a:t>
-            </a:r>
+              <a:rPr lang="en-US" sz="1800" b="1" dirty="0" smtClean="0">
+                <a:hlinkClick r:id="rId3"/>
+              </a:rPr>
+              <a:t>http://codebetter.com/blogs/jeremy.miller/archive/2006/06/27/146899.aspx</a:t>
+            </a:r>
+            <a:endParaRPr lang="en-US" sz="1800" b="1" dirty="0" smtClean="0"/>
           </a:p>
           <a:p>
             <a:pPr lvl="1"/>
-            <a:r>
-              <a:rPr lang="en-US" dirty="0" smtClean="0"/>
-              <a:t>by David </a:t>
-            </a:r>
-            <a:r>
-              <a:rPr lang="en-US" dirty="0" err="1" smtClean="0"/>
-              <a:t>Chelimsky</a:t>
-            </a:r>
-            <a:r>
-              <a:rPr lang="en-US" dirty="0" smtClean="0"/>
-              <a:t>, Dave </a:t>
-            </a:r>
-            <a:r>
-              <a:rPr lang="en-US" dirty="0" err="1" smtClean="0"/>
-              <a:t>Astels</a:t>
-            </a:r>
-            <a:r>
-              <a:rPr lang="en-US" dirty="0" smtClean="0"/>
-              <a:t>, et. al.</a:t>
-            </a:r>
+            <a:endParaRPr lang="en-US" sz="1800" b="1" dirty="0" smtClean="0"/>
+          </a:p>
+          <a:p>
+            <a:r>
+              <a:rPr lang="en-US" sz="2400" dirty="0" smtClean="0"/>
+              <a:t>How to get started with TDD, by </a:t>
+            </a:r>
+            <a:r>
+              <a:rPr lang="en-US" sz="2400" dirty="0" err="1" smtClean="0"/>
+              <a:t>Misko</a:t>
+            </a:r>
+            <a:r>
+              <a:rPr lang="en-US" sz="2400" dirty="0" smtClean="0"/>
+              <a:t> </a:t>
+            </a:r>
+            <a:r>
+              <a:rPr lang="en-US" sz="2400" dirty="0" err="1" smtClean="0"/>
+              <a:t>Hevery</a:t>
+            </a:r>
+            <a:r>
+              <a:rPr lang="en-US" sz="2400" dirty="0" smtClean="0"/>
+              <a:t> (Java examples)</a:t>
+            </a:r>
+          </a:p>
+          <a:p>
+            <a:pPr lvl="1"/>
+            <a:r>
+              <a:rPr lang="en-US" sz="1800" b="1" dirty="0" smtClean="0">
+                <a:hlinkClick r:id="rId4"/>
+              </a:rPr>
+              <a:t>http://misko.hevery.com/2009/11/17/how-to-get-started-with-tdd/</a:t>
+            </a:r>
+            <a:endParaRPr lang="en-US" sz="2400" dirty="0" smtClean="0"/>
+          </a:p>
+          <a:p>
+            <a:pPr lvl="1"/>
+            <a:endParaRPr lang="en-US" sz="2400" dirty="0" smtClean="0"/>
+          </a:p>
+          <a:p>
+            <a:r>
+              <a:rPr lang="en-US" sz="2400" dirty="0" smtClean="0"/>
+              <a:t>TDD Starter Kit – Sample Projects and Links (C# examples)</a:t>
+            </a:r>
+          </a:p>
+          <a:p>
+            <a:pPr lvl="1"/>
+            <a:r>
+              <a:rPr lang="en-US" sz="1800" dirty="0" smtClean="0">
+                <a:hlinkClick r:id="rId5"/>
+              </a:rPr>
+              <a:t>http://jonkruger.com/blog/2009/07/23/tdd-starter-kit-sample-projects-and-links/</a:t>
+            </a:r>
+            <a:endParaRPr lang="en-US" sz="1800" dirty="0" smtClean="0"/>
+          </a:p>
+          <a:p>
+            <a:pPr lvl="1"/>
+            <a:endParaRPr lang="en-US" sz="1800" dirty="0" smtClean="0"/>
+          </a:p>
+          <a:p>
+            <a:r>
+              <a:rPr lang="en-US" sz="2400" dirty="0" smtClean="0"/>
+              <a:t>Pair Programming </a:t>
+            </a:r>
+            <a:r>
+              <a:rPr lang="en-US" sz="2400" dirty="0" err="1" smtClean="0"/>
+              <a:t>Bot</a:t>
+            </a:r>
+            <a:endParaRPr lang="en-US" sz="2400" dirty="0" smtClean="0"/>
+          </a:p>
+          <a:p>
+            <a:pPr lvl="1"/>
+            <a:r>
+              <a:rPr lang="en-US" sz="1800" dirty="0" smtClean="0">
+                <a:hlinkClick r:id="rId6"/>
+              </a:rPr>
+              <a:t>http://pairprogrammingbot.com/</a:t>
+            </a:r>
+            <a:endParaRPr lang="en-US" sz="1800" dirty="0" smtClean="0"/>
+          </a:p>
+          <a:p>
+            <a:endParaRPr lang="en-US" dirty="0"/>
           </a:p>
         </p:txBody>
       </p:sp>
@@ -8610,7 +8960,7 @@
           <a:p>
             <a:r>
               <a:rPr lang="en-US" dirty="0" smtClean="0"/>
-              <a:t>Resources – Practice!</a:t>
+              <a:t>Resources – Books</a:t>
             </a:r>
             <a:endParaRPr lang="en-US" dirty="0"/>
           </a:p>
@@ -8629,162 +8979,99 @@
         <p:spPr>
           <a:xfrm>
             <a:off x="457200" y="1600200"/>
-            <a:ext cx="8229600" cy="5257800"/>
+            <a:ext cx="8229600" cy="5105400"/>
           </a:xfrm>
         </p:spPr>
         <p:txBody>
           <a:bodyPr>
-            <a:normAutofit lnSpcReduction="10000"/>
+            <a:normAutofit/>
           </a:bodyPr>
           <a:lstStyle/>
           <a:p>
             <a:r>
               <a:rPr lang="en-US" dirty="0" smtClean="0"/>
-              <a:t>String Calculator </a:t>
+              <a:t>The Art of Unit Testing</a:t>
+            </a:r>
+          </a:p>
+          <a:p>
+            <a:pPr lvl="1"/>
+            <a:r>
+              <a:rPr lang="en-US" dirty="0" smtClean="0"/>
+              <a:t>by Roy </a:t>
             </a:r>
             <a:r>
               <a:rPr lang="en-US" dirty="0" err="1" smtClean="0"/>
-              <a:t>kata</a:t>
+              <a:t>Osherove</a:t>
             </a:r>
             <a:endParaRPr lang="en-US" dirty="0" smtClean="0"/>
           </a:p>
           <a:p>
+            <a:r>
+              <a:rPr lang="en-US" dirty="0" smtClean="0"/>
+              <a:t>Test Driven Development: By Example</a:t>
+            </a:r>
+          </a:p>
+          <a:p>
             <a:pPr lvl="1"/>
             <a:r>
-              <a:rPr lang="en-US" dirty="0" smtClean="0">
-                <a:hlinkClick r:id="rId2"/>
-              </a:rPr>
-              <a:t>http://osherove.com/tdd-kata-1/</a:t>
+              <a:rPr lang="en-US" dirty="0" smtClean="0"/>
+              <a:t>by Kent Beck</a:t>
+            </a:r>
+          </a:p>
+          <a:p>
+            <a:r>
+              <a:rPr lang="en-US" dirty="0" smtClean="0"/>
+              <a:t>Test Driven Development: A Practical Guide</a:t>
+            </a:r>
+          </a:p>
+          <a:p>
+            <a:pPr lvl="1"/>
+            <a:r>
+              <a:rPr lang="en-US" dirty="0" smtClean="0"/>
+              <a:t>by David </a:t>
+            </a:r>
+            <a:r>
+              <a:rPr lang="en-US" dirty="0" err="1" smtClean="0"/>
+              <a:t>Astels</a:t>
             </a:r>
             <a:endParaRPr lang="en-US" dirty="0" smtClean="0"/>
           </a:p>
           <a:p>
+            <a:r>
+              <a:rPr lang="en-US" dirty="0" smtClean="0"/>
+              <a:t>The RSpec Book: </a:t>
+            </a:r>
+            <a:r>
+              <a:rPr lang="en-US" dirty="0" err="1" smtClean="0"/>
+              <a:t>Behaviour</a:t>
+            </a:r>
+            <a:r>
+              <a:rPr lang="en-US" dirty="0" smtClean="0"/>
+              <a:t> Driven Development with RSpec, Cucumber, and Friends</a:t>
+            </a:r>
+          </a:p>
+          <a:p>
             <a:pPr lvl="1"/>
-            <a:endParaRPr lang="en-US" dirty="0" smtClean="0"/>
-          </a:p>
-          <a:p>
             <a:r>
               <a:rPr lang="en-US" dirty="0" smtClean="0"/>
-              <a:t>Bowling Game </a:t>
+              <a:t>by David </a:t>
             </a:r>
             <a:r>
               <a:rPr lang="en-US" dirty="0" err="1" smtClean="0"/>
-              <a:t>kata</a:t>
-            </a:r>
-            <a:endParaRPr lang="en-US" dirty="0" smtClean="0"/>
-          </a:p>
-          <a:p>
-            <a:pPr lvl="1"/>
-            <a:r>
-              <a:rPr lang="en-US" sz="2100" dirty="0" smtClean="0">
-                <a:hlinkClick r:id="rId3"/>
-              </a:rPr>
-              <a:t>http://butunclebob.com/ArticleS.UncleBob.TheBowlingGameKata</a:t>
-            </a:r>
-            <a:endParaRPr lang="en-US" sz="2100" dirty="0" smtClean="0"/>
-          </a:p>
-          <a:p>
-            <a:pPr lvl="1"/>
-            <a:endParaRPr lang="en-US" sz="2100" dirty="0" smtClean="0"/>
-          </a:p>
-          <a:p>
-            <a:r>
-              <a:rPr lang="en-US" sz="2700" dirty="0" smtClean="0"/>
-              <a:t>Prime Factors </a:t>
-            </a:r>
-            <a:r>
-              <a:rPr lang="en-US" sz="2700" dirty="0" err="1" smtClean="0"/>
-              <a:t>kata</a:t>
-            </a:r>
-            <a:endParaRPr lang="en-US" sz="2700" dirty="0" smtClean="0"/>
-          </a:p>
-          <a:p>
-            <a:pPr lvl="1"/>
-            <a:r>
-              <a:rPr lang="en-US" sz="1900" dirty="0" smtClean="0">
-                <a:hlinkClick r:id="rId4"/>
-              </a:rPr>
-              <a:t>http://www.butunclebob.com/ArticleS.UncleBob.ThePrimeFactorsKata</a:t>
-            </a:r>
-            <a:endParaRPr lang="en-US" sz="1900" dirty="0" smtClean="0"/>
-          </a:p>
-          <a:p>
-            <a:pPr lvl="1"/>
-            <a:endParaRPr lang="en-US" sz="1900" dirty="0" smtClean="0"/>
-          </a:p>
-          <a:p>
-            <a:r>
-              <a:rPr lang="en-US" sz="2500" dirty="0" smtClean="0"/>
-              <a:t>Greed game (part of the Ruby </a:t>
-            </a:r>
-            <a:r>
-              <a:rPr lang="en-US" sz="2500" dirty="0" err="1" smtClean="0"/>
-              <a:t>koans</a:t>
-            </a:r>
-            <a:r>
-              <a:rPr lang="en-US" sz="2500" dirty="0" smtClean="0"/>
-              <a:t>)</a:t>
-            </a:r>
-          </a:p>
-          <a:p>
-            <a:pPr lvl="1"/>
-            <a:r>
-              <a:rPr lang="en-US" dirty="0" smtClean="0">
-                <a:hlinkClick r:id="rId5"/>
-              </a:rPr>
-              <a:t>http://github.com/edgecase/ruby_koans</a:t>
-            </a:r>
-            <a:endParaRPr lang="en-US" dirty="0" smtClean="0"/>
-          </a:p>
-          <a:p>
-            <a:pPr lvl="1"/>
-            <a:endParaRPr lang="en-US" sz="1900" dirty="0" smtClean="0"/>
-          </a:p>
-          <a:p>
-            <a:r>
-              <a:rPr lang="en-US" sz="2500" dirty="0" err="1" smtClean="0"/>
-              <a:t>Katacasts</a:t>
-            </a:r>
-            <a:r>
-              <a:rPr lang="en-US" sz="2500" dirty="0"/>
-              <a:t> </a:t>
-            </a:r>
-            <a:r>
-              <a:rPr lang="en-US" sz="2500" dirty="0" smtClean="0"/>
-              <a:t>(watch </a:t>
-            </a:r>
-            <a:r>
-              <a:rPr lang="en-US" sz="2500" dirty="0" err="1" smtClean="0"/>
-              <a:t>screencasts</a:t>
-            </a:r>
-            <a:r>
-              <a:rPr lang="en-US" sz="2500" dirty="0" smtClean="0"/>
-              <a:t> of people doing various </a:t>
-            </a:r>
-            <a:r>
-              <a:rPr lang="en-US" sz="2500" dirty="0" err="1" smtClean="0"/>
-              <a:t>katas</a:t>
-            </a:r>
-            <a:r>
-              <a:rPr lang="en-US" sz="2500" dirty="0" smtClean="0"/>
-              <a:t>)</a:t>
-            </a:r>
-          </a:p>
-          <a:p>
-            <a:pPr lvl="1"/>
-            <a:r>
-              <a:rPr lang="en-US" dirty="0" smtClean="0">
-                <a:hlinkClick r:id="rId6"/>
-              </a:rPr>
-              <a:t>http://www.katacasts.com/</a:t>
-            </a:r>
-            <a:endParaRPr lang="en-US" dirty="0" smtClean="0"/>
-          </a:p>
-          <a:p>
-            <a:pPr lvl="1">
-              <a:buNone/>
-            </a:pPr>
-            <a:endParaRPr lang="en-US" sz="1900" dirty="0" smtClean="0"/>
+              <a:t>Chelimsky</a:t>
+            </a:r>
+            <a:r>
+              <a:rPr lang="en-US" dirty="0" smtClean="0"/>
+              <a:t>, Dave </a:t>
+            </a:r>
+            <a:r>
+              <a:rPr lang="en-US" dirty="0" err="1" smtClean="0"/>
+              <a:t>Astels</a:t>
+            </a:r>
+            <a:r>
+              <a:rPr lang="en-US" dirty="0" smtClean="0"/>
+              <a:t>, et. al.</a:t>
+            </a:r>
           </a:p>
         </p:txBody>
       </p:sp>
@@ -8839,7 +9126,7 @@
           <a:p>
             <a:r>
               <a:rPr lang="en-US" dirty="0" smtClean="0"/>
-              <a:t>Resources – Training</a:t>
+              <a:t>Resources – Practice!</a:t>
             </a:r>
             <a:endParaRPr lang="en-US" dirty="0"/>
           </a:p>
@@ -8858,115 +9145,162 @@
         <p:spPr>
           <a:xfrm>
             <a:off x="457200" y="1600200"/>
-            <a:ext cx="8229600" cy="4953000"/>
+            <a:ext cx="8229600" cy="5257800"/>
           </a:xfrm>
         </p:spPr>
         <p:txBody>
           <a:bodyPr>
-            <a:normAutofit/>
+            <a:normAutofit lnSpcReduction="10000"/>
           </a:bodyPr>
           <a:lstStyle/>
           <a:p>
             <a:r>
               <a:rPr lang="en-US" dirty="0" smtClean="0"/>
-              <a:t>TDD Boot Camp (.NET)</a:t>
-            </a:r>
+              <a:t>String Calculator </a:t>
+            </a:r>
+            <a:r>
+              <a:rPr lang="en-US" dirty="0" err="1" smtClean="0"/>
+              <a:t>kata</a:t>
+            </a:r>
+            <a:endParaRPr lang="en-US" dirty="0" smtClean="0"/>
           </a:p>
           <a:p>
             <a:pPr lvl="1"/>
             <a:r>
-              <a:rPr lang="en-US" sz="2800" dirty="0" smtClean="0">
+              <a:rPr lang="en-US" dirty="0" smtClean="0">
                 <a:hlinkClick r:id="rId2"/>
               </a:rPr>
-              <a:t>http://tddbootcamp.com</a:t>
-            </a:r>
-            <a:endParaRPr lang="en-US" sz="2800" dirty="0" smtClean="0"/>
+              <a:t>http://osherove.com/tdd-kata-1/</a:t>
+            </a:r>
+            <a:endParaRPr lang="en-US" dirty="0" smtClean="0"/>
           </a:p>
           <a:p>
             <a:pPr lvl="1"/>
-            <a:r>
-              <a:rPr lang="en-US" sz="2800" dirty="0" smtClean="0"/>
-              <a:t>Cincinnati – June 22-24</a:t>
-            </a:r>
+            <a:endParaRPr lang="en-US" dirty="0" smtClean="0"/>
+          </a:p>
+          <a:p>
+            <a:r>
+              <a:rPr lang="en-US" dirty="0" smtClean="0"/>
+              <a:t>Bowling Game </a:t>
+            </a:r>
+            <a:r>
+              <a:rPr lang="en-US" dirty="0" err="1" smtClean="0"/>
+              <a:t>kata</a:t>
+            </a:r>
+            <a:endParaRPr lang="en-US" dirty="0" smtClean="0"/>
           </a:p>
           <a:p>
             <a:pPr lvl="1"/>
             <a:r>
-              <a:rPr lang="en-US" sz="2800" dirty="0" smtClean="0"/>
-              <a:t>Columbus – July 13-15</a:t>
-            </a:r>
-          </a:p>
-          <a:p>
-            <a:pPr lvl="1"/>
-            <a:r>
-              <a:rPr lang="en-US" sz="2800" dirty="0" smtClean="0"/>
-              <a:t>Detroit – Aug. 18-20</a:t>
-            </a:r>
-            <a:br>
-              <a:rPr lang="en-US" sz="2800" dirty="0" smtClean="0"/>
-            </a:br>
-            <a:endParaRPr lang="en-US" sz="2800" dirty="0" smtClean="0"/>
-          </a:p>
-          <a:p>
-            <a:r>
-              <a:rPr lang="en-US" dirty="0" smtClean="0"/>
-              <a:t>Pillar Technology (Java)</a:t>
-            </a:r>
-          </a:p>
-          <a:p>
-            <a:pPr lvl="1"/>
-            <a:r>
-              <a:rPr lang="en-US" sz="2800" dirty="0" smtClean="0">
+              <a:rPr lang="en-US" sz="2100" dirty="0" smtClean="0">
                 <a:hlinkClick r:id="rId3"/>
               </a:rPr>
-              <a:t>http://pillartechnology.com</a:t>
-            </a:r>
-            <a:r>
-              <a:rPr lang="en-US" sz="2800" dirty="0" smtClean="0"/>
-              <a:t/>
-            </a:r>
-            <a:br>
-              <a:rPr lang="en-US" sz="2800" dirty="0" smtClean="0"/>
-            </a:br>
-            <a:endParaRPr lang="en-US" sz="2800" dirty="0" smtClean="0"/>
-          </a:p>
-          <a:p>
-            <a:r>
-              <a:rPr lang="en-US" dirty="0" err="1" smtClean="0"/>
-              <a:t>EdgeCase</a:t>
-            </a:r>
-            <a:r>
-              <a:rPr lang="en-US" dirty="0" smtClean="0"/>
-              <a:t> (Ruby on Rails)</a:t>
-            </a:r>
+              <a:t>http://butunclebob.com/ArticleS.UncleBob.TheBowlingGameKata</a:t>
+            </a:r>
+            <a:endParaRPr lang="en-US" sz="2100" dirty="0" smtClean="0"/>
           </a:p>
           <a:p>
             <a:pPr lvl="1"/>
-            <a:r>
-              <a:rPr lang="en-US" sz="2800" dirty="0" smtClean="0">
+            <a:endParaRPr lang="en-US" sz="2100" dirty="0" smtClean="0"/>
+          </a:p>
+          <a:p>
+            <a:r>
+              <a:rPr lang="en-US" sz="2700" dirty="0" smtClean="0"/>
+              <a:t>Prime Factors </a:t>
+            </a:r>
+            <a:r>
+              <a:rPr lang="en-US" sz="2700" dirty="0" err="1" smtClean="0"/>
+              <a:t>kata</a:t>
+            </a:r>
+            <a:endParaRPr lang="en-US" sz="2700" dirty="0" smtClean="0"/>
+          </a:p>
+          <a:p>
+            <a:pPr lvl="1"/>
+            <a:r>
+              <a:rPr lang="en-US" sz="1900" dirty="0" smtClean="0">
                 <a:hlinkClick r:id="rId4"/>
               </a:rPr>
-              <a:t>http://edgecase.com</a:t>
-            </a:r>
-            <a:endParaRPr lang="en-US" sz="2800" dirty="0" smtClean="0"/>
+              <a:t>http://www.butunclebob.com/ArticleS.UncleBob.ThePrimeFactorsKata</a:t>
+            </a:r>
+            <a:endParaRPr lang="en-US" sz="1900" dirty="0" smtClean="0"/>
+          </a:p>
+          <a:p>
+            <a:pPr lvl="1"/>
+            <a:endParaRPr lang="en-US" sz="1900" dirty="0" smtClean="0"/>
+          </a:p>
+          <a:p>
+            <a:r>
+              <a:rPr lang="en-US" sz="2500" dirty="0" smtClean="0"/>
+              <a:t>Greed game (part of the Ruby </a:t>
+            </a:r>
+            <a:r>
+              <a:rPr lang="en-US" sz="2500" dirty="0" err="1" smtClean="0"/>
+              <a:t>koans</a:t>
+            </a:r>
+            <a:r>
+              <a:rPr lang="en-US" sz="2500" dirty="0" smtClean="0"/>
+              <a:t>)</a:t>
+            </a:r>
+          </a:p>
+          <a:p>
+            <a:pPr lvl="1"/>
+            <a:r>
+              <a:rPr lang="en-US" dirty="0" smtClean="0">
+                <a:hlinkClick r:id="rId5"/>
+              </a:rPr>
+              <a:t>http://github.com/edgecase/ruby_koans</a:t>
+            </a:r>
+            <a:endParaRPr lang="en-US" dirty="0" smtClean="0"/>
+          </a:p>
+          <a:p>
+            <a:pPr lvl="1"/>
+            <a:endParaRPr lang="en-US" sz="1900" dirty="0" smtClean="0"/>
+          </a:p>
+          <a:p>
+            <a:r>
+              <a:rPr lang="en-US" sz="2500" dirty="0" err="1" smtClean="0"/>
+              <a:t>Katacasts</a:t>
+            </a:r>
+            <a:r>
+              <a:rPr lang="en-US" sz="2500" dirty="0"/>
+              <a:t> </a:t>
+            </a:r>
+            <a:r>
+              <a:rPr lang="en-US" sz="2500" dirty="0" smtClean="0"/>
+              <a:t>(watch </a:t>
+            </a:r>
+            <a:r>
+              <a:rPr lang="en-US" sz="2500" dirty="0" err="1" smtClean="0"/>
+              <a:t>screencasts</a:t>
+            </a:r>
+            <a:r>
+              <a:rPr lang="en-US" sz="2500" dirty="0" smtClean="0"/>
+              <a:t> of people doing various </a:t>
+            </a:r>
+            <a:r>
+              <a:rPr lang="en-US" sz="2500" dirty="0" err="1" smtClean="0"/>
+              <a:t>katas</a:t>
+            </a:r>
+            <a:r>
+              <a:rPr lang="en-US" sz="2500" dirty="0" smtClean="0"/>
+              <a:t>)</a:t>
+            </a:r>
+          </a:p>
+          <a:p>
+            <a:pPr lvl="1"/>
+            <a:r>
+              <a:rPr lang="en-US" dirty="0" smtClean="0">
+                <a:hlinkClick r:id="rId6"/>
+              </a:rPr>
+              <a:t>http://www.katacasts.com/</a:t>
+            </a:r>
+            <a:endParaRPr lang="en-US" dirty="0" smtClean="0"/>
           </a:p>
           <a:p>
             <a:pPr lvl="1">
               <a:buNone/>
             </a:pPr>
-            <a:endParaRPr lang="en-US" sz="2800" dirty="0" smtClean="0"/>
-          </a:p>
-          <a:p>
-            <a:pPr lvl="1">
-              <a:buNone/>
-            </a:pPr>
-            <a:endParaRPr lang="en-US" sz="2800" dirty="0" smtClean="0"/>
-          </a:p>
-          <a:p>
-            <a:pPr lvl="1">
-              <a:buNone/>
-            </a:pPr>
-            <a:endParaRPr lang="en-US" sz="2800" dirty="0" smtClean="0"/>
+            <a:endParaRPr lang="en-US" sz="1900" dirty="0" smtClean="0"/>
           </a:p>
         </p:txBody>
       </p:sp>
@@ -9021,6 +9355,188 @@
           <a:p>
             <a:r>
               <a:rPr lang="en-US" dirty="0" smtClean="0"/>
+              <a:t>Resources – Training</a:t>
+            </a:r>
+            <a:endParaRPr lang="en-US" dirty="0"/>
+          </a:p>
+        </p:txBody>
+      </p:sp>
+      <p:sp>
+        <p:nvSpPr>
+          <p:cNvPr id="3" name="Content Placeholder 2"/>
+          <p:cNvSpPr>
+            <a:spLocks noGrp="1"/>
+          </p:cNvSpPr>
+          <p:nvPr>
+            <p:ph idx="1"/>
+          </p:nvPr>
+        </p:nvSpPr>
+        <p:spPr>
+          <a:xfrm>
+            <a:off x="457200" y="1600200"/>
+            <a:ext cx="8229600" cy="4953000"/>
+          </a:xfrm>
+        </p:spPr>
+        <p:txBody>
+          <a:bodyPr>
+            <a:normAutofit/>
+          </a:bodyPr>
+          <a:lstStyle/>
+          <a:p>
+            <a:r>
+              <a:rPr lang="en-US" dirty="0" smtClean="0"/>
+              <a:t>TDD Boot Camp (.NET)</a:t>
+            </a:r>
+          </a:p>
+          <a:p>
+            <a:pPr lvl="1"/>
+            <a:r>
+              <a:rPr lang="en-US" sz="2800" dirty="0" smtClean="0">
+                <a:hlinkClick r:id="rId2"/>
+              </a:rPr>
+              <a:t>http://tddbootcamp.com</a:t>
+            </a:r>
+            <a:endParaRPr lang="en-US" sz="2800" dirty="0" smtClean="0"/>
+          </a:p>
+          <a:p>
+            <a:pPr lvl="1"/>
+            <a:r>
+              <a:rPr lang="en-US" sz="2800" dirty="0" smtClean="0"/>
+              <a:t>Cincinnati – June 22-24</a:t>
+            </a:r>
+          </a:p>
+          <a:p>
+            <a:pPr lvl="1"/>
+            <a:r>
+              <a:rPr lang="en-US" sz="2800" dirty="0" smtClean="0"/>
+              <a:t>Columbus – July 13-15</a:t>
+            </a:r>
+          </a:p>
+          <a:p>
+            <a:pPr lvl="1"/>
+            <a:r>
+              <a:rPr lang="en-US" sz="2800" dirty="0" smtClean="0"/>
+              <a:t>Detroit – Aug. 18-20</a:t>
+            </a:r>
+            <a:br>
+              <a:rPr lang="en-US" sz="2800" dirty="0" smtClean="0"/>
+            </a:br>
+            <a:endParaRPr lang="en-US" sz="2800" dirty="0" smtClean="0"/>
+          </a:p>
+          <a:p>
+            <a:r>
+              <a:rPr lang="en-US" dirty="0" smtClean="0"/>
+              <a:t>Pillar Technology (Java)</a:t>
+            </a:r>
+          </a:p>
+          <a:p>
+            <a:pPr lvl="1"/>
+            <a:r>
+              <a:rPr lang="en-US" sz="2800" dirty="0" smtClean="0">
+                <a:hlinkClick r:id="rId3"/>
+              </a:rPr>
+              <a:t>http://pillartechnology.com</a:t>
+            </a:r>
+            <a:r>
+              <a:rPr lang="en-US" sz="2800" dirty="0" smtClean="0"/>
+              <a:t/>
+            </a:r>
+            <a:br>
+              <a:rPr lang="en-US" sz="2800" dirty="0" smtClean="0"/>
+            </a:br>
+            <a:endParaRPr lang="en-US" sz="2800" dirty="0" smtClean="0"/>
+          </a:p>
+          <a:p>
+            <a:r>
+              <a:rPr lang="en-US" dirty="0" err="1" smtClean="0"/>
+              <a:t>EdgeCase</a:t>
+            </a:r>
+            <a:r>
+              <a:rPr lang="en-US" dirty="0" smtClean="0"/>
+              <a:t> (Ruby on Rails)</a:t>
+            </a:r>
+          </a:p>
+          <a:p>
+            <a:pPr lvl="1"/>
+            <a:r>
+              <a:rPr lang="en-US" sz="2800" dirty="0" smtClean="0">
+                <a:hlinkClick r:id="rId4"/>
+              </a:rPr>
+              <a:t>http://edgecase.com</a:t>
+            </a:r>
+            <a:endParaRPr lang="en-US" sz="2800" dirty="0" smtClean="0"/>
+          </a:p>
+          <a:p>
+            <a:pPr lvl="1">
+              <a:buNone/>
+            </a:pPr>
+            <a:endParaRPr lang="en-US" sz="2800" dirty="0" smtClean="0"/>
+          </a:p>
+          <a:p>
+            <a:pPr lvl="1">
+              <a:buNone/>
+            </a:pPr>
+            <a:endParaRPr lang="en-US" sz="2800" dirty="0" smtClean="0"/>
+          </a:p>
+          <a:p>
+            <a:pPr lvl="1">
+              <a:buNone/>
+            </a:pPr>
+            <a:endParaRPr lang="en-US" sz="2800" dirty="0" smtClean="0"/>
+          </a:p>
+        </p:txBody>
+      </p:sp>
+    </p:spTree>
+  </p:cSld>
+  <p:clrMapOvr>
+    <a:masterClrMapping/>
+  </p:clrMapOvr>
+  <p:timing>
+    <p:tnLst>
+      <p:par>
+        <p:cTn id="1" dur="indefinite" restart="never" nodeType="tmRoot"/>
+      </p:par>
+    </p:tnLst>
+  </p:timing>
+</p:sld>
+</file>
+
+<file path=ppt/slides/slide36.xml><?xml version="1.0" encoding="utf-8"?>
+<p:sld xmlns:a="http://schemas.openxmlformats.org/drawingml/2006/main" xmlns:r="http://schemas.openxmlformats.org/officeDocument/2006/relationships" xmlns:p="http://schemas.openxmlformats.org/presentationml/2006/main">
+  <p:cSld>
+    <p:spTree>
+      <p:nvGrpSpPr>
+        <p:cNvPr id="1" name=""/>
+        <p:cNvGrpSpPr/>
+        <p:nvPr/>
+      </p:nvGrpSpPr>
+      <p:grpSpPr>
+        <a:xfrm>
+          <a:off x="0" y="0"/>
+          <a:ext cx="0" cy="0"/>
+          <a:chOff x="0" y="0"/>
+          <a:chExt cx="0" cy="0"/>
+        </a:xfrm>
+      </p:grpSpPr>
+      <p:sp>
+        <p:nvSpPr>
+          <p:cNvPr id="2" name="Title 1"/>
+          <p:cNvSpPr>
+            <a:spLocks noGrp="1"/>
+          </p:cNvSpPr>
+          <p:nvPr>
+            <p:ph type="title"/>
+          </p:nvPr>
+        </p:nvSpPr>
+        <p:spPr/>
+        <p:txBody>
+          <a:bodyPr>
+            <a:normAutofit/>
+          </a:bodyPr>
+          <a:lstStyle/>
+          <a:p>
+            <a:r>
+              <a:rPr lang="en-US" dirty="0" smtClean="0"/>
               <a:t>My Info</a:t>
             </a:r>
             <a:endParaRPr lang="en-US" dirty="0"/>
@@ -9410,6 +9926,13 @@
   <p:clrMapOvr>
     <a:masterClrMapping/>
   </p:clrMapOvr>
+  <p:timing>
+    <p:tnLst>
+      <p:par>
+        <p:cTn id="1" dur="indefinite" restart="never" nodeType="tmRoot"/>
+      </p:par>
+    </p:tnLst>
+  </p:timing>
 </p:sld>
 </file>
 

--- a/TDD In Action.pptx
+++ b/TDD In Action.pptx
@@ -5,7 +5,7 @@
     <p:sldMasterId id="2147483840" r:id="rId1"/>
   </p:sldMasterIdLst>
   <p:notesMasterIdLst>
-    <p:notesMasterId r:id="rId38"/>
+    <p:notesMasterId r:id="rId39"/>
   </p:notesMasterIdLst>
   <p:sldIdLst>
     <p:sldId id="320" r:id="rId2"/>
@@ -16,34 +16,35 @@
     <p:sldId id="373" r:id="rId7"/>
     <p:sldId id="376" r:id="rId8"/>
     <p:sldId id="371" r:id="rId9"/>
-    <p:sldId id="370" r:id="rId10"/>
-    <p:sldId id="389" r:id="rId11"/>
-    <p:sldId id="381" r:id="rId12"/>
-    <p:sldId id="380" r:id="rId13"/>
-    <p:sldId id="379" r:id="rId14"/>
-    <p:sldId id="390" r:id="rId15"/>
-    <p:sldId id="384" r:id="rId16"/>
-    <p:sldId id="378" r:id="rId17"/>
-    <p:sldId id="377" r:id="rId18"/>
-    <p:sldId id="394" r:id="rId19"/>
-    <p:sldId id="386" r:id="rId20"/>
-    <p:sldId id="382" r:id="rId21"/>
-    <p:sldId id="383" r:id="rId22"/>
-    <p:sldId id="387" r:id="rId23"/>
-    <p:sldId id="388" r:id="rId24"/>
-    <p:sldId id="391" r:id="rId25"/>
-    <p:sldId id="393" r:id="rId26"/>
-    <p:sldId id="360" r:id="rId27"/>
-    <p:sldId id="358" r:id="rId28"/>
-    <p:sldId id="359" r:id="rId29"/>
-    <p:sldId id="403" r:id="rId30"/>
-    <p:sldId id="396" r:id="rId31"/>
-    <p:sldId id="402" r:id="rId32"/>
-    <p:sldId id="397" r:id="rId33"/>
-    <p:sldId id="401" r:id="rId34"/>
-    <p:sldId id="398" r:id="rId35"/>
-    <p:sldId id="400" r:id="rId36"/>
-    <p:sldId id="399" r:id="rId37"/>
+    <p:sldId id="404" r:id="rId10"/>
+    <p:sldId id="370" r:id="rId11"/>
+    <p:sldId id="389" r:id="rId12"/>
+    <p:sldId id="381" r:id="rId13"/>
+    <p:sldId id="380" r:id="rId14"/>
+    <p:sldId id="379" r:id="rId15"/>
+    <p:sldId id="390" r:id="rId16"/>
+    <p:sldId id="384" r:id="rId17"/>
+    <p:sldId id="378" r:id="rId18"/>
+    <p:sldId id="377" r:id="rId19"/>
+    <p:sldId id="394" r:id="rId20"/>
+    <p:sldId id="386" r:id="rId21"/>
+    <p:sldId id="382" r:id="rId22"/>
+    <p:sldId id="383" r:id="rId23"/>
+    <p:sldId id="387" r:id="rId24"/>
+    <p:sldId id="388" r:id="rId25"/>
+    <p:sldId id="391" r:id="rId26"/>
+    <p:sldId id="393" r:id="rId27"/>
+    <p:sldId id="360" r:id="rId28"/>
+    <p:sldId id="358" r:id="rId29"/>
+    <p:sldId id="359" r:id="rId30"/>
+    <p:sldId id="403" r:id="rId31"/>
+    <p:sldId id="396" r:id="rId32"/>
+    <p:sldId id="402" r:id="rId33"/>
+    <p:sldId id="397" r:id="rId34"/>
+    <p:sldId id="401" r:id="rId35"/>
+    <p:sldId id="398" r:id="rId36"/>
+    <p:sldId id="400" r:id="rId37"/>
+    <p:sldId id="399" r:id="rId38"/>
   </p:sldIdLst>
   <p:sldSz cx="9144000" cy="6858000" type="screen4x3"/>
   <p:notesSz cx="6858000" cy="9144000"/>
@@ -576,7 +577,7 @@
             <a:fld id="{46B52E04-8F68-435C-880A-7C7B12D9BA2F}" type="slidenum">
               <a:rPr lang="en-US" smtClean="0"/>
               <a:pPr/>
-              <a:t>9</a:t>
+              <a:t>10</a:t>
             </a:fld>
             <a:endParaRPr lang="en-US"/>
           </a:p>
@@ -666,7 +667,7 @@
             <a:fld id="{46B52E04-8F68-435C-880A-7C7B12D9BA2F}" type="slidenum">
               <a:rPr lang="en-US" smtClean="0"/>
               <a:pPr/>
-              <a:t>19</a:t>
+              <a:t>20</a:t>
             </a:fld>
             <a:endParaRPr lang="en-US"/>
           </a:p>
@@ -764,7 +765,7 @@
             <a:fld id="{46B52E04-8F68-435C-880A-7C7B12D9BA2F}" type="slidenum">
               <a:rPr lang="en-US" smtClean="0"/>
               <a:pPr/>
-              <a:t>23</a:t>
+              <a:t>24</a:t>
             </a:fld>
             <a:endParaRPr lang="en-US"/>
           </a:p>
@@ -854,7 +855,7 @@
             <a:fld id="{46B52E04-8F68-435C-880A-7C7B12D9BA2F}" type="slidenum">
               <a:rPr lang="en-US" smtClean="0"/>
               <a:pPr/>
-              <a:t>24</a:t>
+              <a:t>25</a:t>
             </a:fld>
             <a:endParaRPr lang="en-US"/>
           </a:p>
@@ -955,7 +956,7 @@
             <a:fld id="{46B52E04-8F68-435C-880A-7C7B12D9BA2F}" type="slidenum">
               <a:rPr lang="en-US" smtClean="0"/>
               <a:pPr/>
-              <a:t>10</a:t>
+              <a:t>11</a:t>
             </a:fld>
             <a:endParaRPr lang="en-US"/>
           </a:p>
@@ -1059,7 +1060,7 @@
             <a:fld id="{46B52E04-8F68-435C-880A-7C7B12D9BA2F}" type="slidenum">
               <a:rPr lang="en-US" smtClean="0"/>
               <a:pPr/>
-              <a:t>11</a:t>
+              <a:t>12</a:t>
             </a:fld>
             <a:endParaRPr lang="en-US"/>
           </a:p>
@@ -1141,7 +1142,7 @@
             <a:fld id="{46B52E04-8F68-435C-880A-7C7B12D9BA2F}" type="slidenum">
               <a:rPr lang="en-US" smtClean="0"/>
               <a:pPr/>
-              <a:t>12</a:t>
+              <a:t>13</a:t>
             </a:fld>
             <a:endParaRPr lang="en-US"/>
           </a:p>
@@ -1223,7 +1224,7 @@
             <a:fld id="{46B52E04-8F68-435C-880A-7C7B12D9BA2F}" type="slidenum">
               <a:rPr lang="en-US" smtClean="0"/>
               <a:pPr/>
-              <a:t>13</a:t>
+              <a:t>14</a:t>
             </a:fld>
             <a:endParaRPr lang="en-US"/>
           </a:p>
@@ -1333,7 +1334,7 @@
             <a:fld id="{46B52E04-8F68-435C-880A-7C7B12D9BA2F}" type="slidenum">
               <a:rPr lang="en-US" smtClean="0"/>
               <a:pPr/>
-              <a:t>14</a:t>
+              <a:t>15</a:t>
             </a:fld>
             <a:endParaRPr lang="en-US"/>
           </a:p>
@@ -1423,7 +1424,7 @@
             <a:fld id="{46B52E04-8F68-435C-880A-7C7B12D9BA2F}" type="slidenum">
               <a:rPr lang="en-US" smtClean="0"/>
               <a:pPr/>
-              <a:t>15</a:t>
+              <a:t>16</a:t>
             </a:fld>
             <a:endParaRPr lang="en-US"/>
           </a:p>
@@ -1527,7 +1528,7 @@
             <a:fld id="{46B52E04-8F68-435C-880A-7C7B12D9BA2F}" type="slidenum">
               <a:rPr lang="en-US" smtClean="0"/>
               <a:pPr/>
-              <a:t>16</a:t>
+              <a:t>17</a:t>
             </a:fld>
             <a:endParaRPr lang="en-US"/>
           </a:p>
@@ -1623,7 +1624,7 @@
             <a:fld id="{46B52E04-8F68-435C-880A-7C7B12D9BA2F}" type="slidenum">
               <a:rPr lang="en-US" smtClean="0"/>
               <a:pPr/>
-              <a:t>17</a:t>
+              <a:t>18</a:t>
             </a:fld>
             <a:endParaRPr lang="en-US"/>
           </a:p>
@@ -4759,7 +4760,7 @@
             </a:pPr>
             <a:r>
               <a:rPr lang="en-US" sz="4400" b="1" dirty="0" smtClean="0"/>
-              <a:t>We know that our code will continue to work</a:t>
+              <a:t>We know that our code is working!</a:t>
             </a:r>
             <a:endParaRPr lang="en-US" sz="4400" b="1" dirty="0"/>
           </a:p>
@@ -4842,7 +4843,7 @@
             </a:pPr>
             <a:r>
               <a:rPr lang="en-US" sz="4400" b="1" dirty="0" smtClean="0"/>
-              <a:t>We didn’t write bugs</a:t>
+              <a:t>We know that our code will continue to work</a:t>
             </a:r>
             <a:endParaRPr lang="en-US" sz="4400" b="1" dirty="0"/>
           </a:p>
@@ -4925,7 +4926,7 @@
             </a:pPr>
             <a:r>
               <a:rPr lang="en-US" sz="4400" b="1" dirty="0" smtClean="0"/>
-              <a:t>We know when we are done</a:t>
+              <a:t>We didn’t write bugs</a:t>
             </a:r>
             <a:endParaRPr lang="en-US" sz="4400" b="1" dirty="0"/>
           </a:p>
@@ -5008,7 +5009,7 @@
             </a:pPr>
             <a:r>
               <a:rPr lang="en-US" sz="4400" b="1" dirty="0" smtClean="0"/>
-              <a:t>We incrementally translated the requirements </a:t>
+              <a:t>We know when we are done</a:t>
             </a:r>
             <a:endParaRPr lang="en-US" sz="4400" b="1" dirty="0"/>
           </a:p>
@@ -5063,7 +5064,7 @@
           <a:p>
             <a:r>
               <a:rPr lang="en-US" dirty="0" smtClean="0"/>
-              <a:t>Behavior Driven Development</a:t>
+              <a:t>Benefits of TDD</a:t>
             </a:r>
             <a:endParaRPr lang="en-US" dirty="0"/>
           </a:p>
@@ -5081,27 +5082,19 @@
         </p:nvSpPr>
         <p:spPr/>
         <p:txBody>
-          <a:bodyPr/>
-          <a:lstStyle/>
-          <a:p>
-            <a:r>
-              <a:rPr lang="en-US" dirty="0" smtClean="0"/>
-              <a:t>Testing the </a:t>
-            </a:r>
-            <a:r>
-              <a:rPr lang="en-US" i="1" dirty="0" smtClean="0"/>
-              <a:t>behavior</a:t>
-            </a:r>
-            <a:r>
-              <a:rPr lang="en-US" dirty="0" smtClean="0"/>
-              <a:t> of the system (not just data returned by a method)</a:t>
-            </a:r>
-          </a:p>
-          <a:p>
-            <a:r>
-              <a:rPr lang="en-US" dirty="0" smtClean="0"/>
-              <a:t>Defining what it means for your system to work correctly (not just verifying that code works)</a:t>
-            </a:r>
+          <a:bodyPr anchor="ctr">
+            <a:normAutofit/>
+          </a:bodyPr>
+          <a:lstStyle/>
+          <a:p>
+            <a:pPr algn="ctr">
+              <a:buNone/>
+            </a:pPr>
+            <a:r>
+              <a:rPr lang="en-US" sz="4400" b="1" dirty="0" smtClean="0"/>
+              <a:t>We incrementally translated the requirements </a:t>
+            </a:r>
+            <a:endParaRPr lang="en-US" sz="4400" b="1" dirty="0"/>
           </a:p>
         </p:txBody>
       </p:sp>
@@ -5154,7 +5147,7 @@
           <a:p>
             <a:r>
               <a:rPr lang="en-US" dirty="0" smtClean="0"/>
-              <a:t>Benefits of TDD</a:t>
+              <a:t>Behavior Driven Development</a:t>
             </a:r>
             <a:endParaRPr lang="en-US" dirty="0"/>
           </a:p>
@@ -5172,19 +5165,27 @@
         </p:nvSpPr>
         <p:spPr/>
         <p:txBody>
-          <a:bodyPr anchor="ctr">
-            <a:normAutofit/>
-          </a:bodyPr>
-          <a:lstStyle/>
-          <a:p>
-            <a:pPr algn="ctr">
-              <a:buNone/>
-            </a:pPr>
-            <a:r>
-              <a:rPr lang="en-US" sz="4400" b="1" dirty="0" smtClean="0"/>
-              <a:t>Concentrate on the requirements/tests, then concentrate on implementation</a:t>
-            </a:r>
-            <a:endParaRPr lang="en-US" sz="4400" b="1" dirty="0"/>
+          <a:bodyPr/>
+          <a:lstStyle/>
+          <a:p>
+            <a:r>
+              <a:rPr lang="en-US" dirty="0" smtClean="0"/>
+              <a:t>Testing the </a:t>
+            </a:r>
+            <a:r>
+              <a:rPr lang="en-US" i="1" dirty="0" smtClean="0"/>
+              <a:t>behavior</a:t>
+            </a:r>
+            <a:r>
+              <a:rPr lang="en-US" dirty="0" smtClean="0"/>
+              <a:t> of the system (not just data returned by a method)</a:t>
+            </a:r>
+          </a:p>
+          <a:p>
+            <a:r>
+              <a:rPr lang="en-US" dirty="0" smtClean="0"/>
+              <a:t>Defining what it means for your system to work correctly (not just verifying that code works)</a:t>
+            </a:r>
           </a:p>
         </p:txBody>
       </p:sp>
@@ -5265,7 +5266,7 @@
             </a:pPr>
             <a:r>
               <a:rPr lang="en-US" sz="4400" b="1" dirty="0" smtClean="0"/>
-              <a:t>We only wrote as much code as we needed to make the tests pass</a:t>
+              <a:t>Concentrate on the requirements/tests, then concentrate on implementation</a:t>
             </a:r>
             <a:endParaRPr lang="en-US" sz="4400" b="1" dirty="0"/>
           </a:p>
@@ -5348,7 +5349,7 @@
             </a:pPr>
             <a:r>
               <a:rPr lang="en-US" sz="4400" b="1" dirty="0" smtClean="0"/>
-              <a:t>Our tests helped us design our code</a:t>
+              <a:t>We only wrote as much code as we needed to make the tests pass</a:t>
             </a:r>
             <a:endParaRPr lang="en-US" sz="4400" b="1" dirty="0"/>
           </a:p>
@@ -5370,6 +5371,89 @@
 </file>
 
 <file path=ppt/slides/slide18.xml><?xml version="1.0" encoding="utf-8"?>
+<p:sld xmlns:a="http://schemas.openxmlformats.org/drawingml/2006/main" xmlns:r="http://schemas.openxmlformats.org/officeDocument/2006/relationships" xmlns:p="http://schemas.openxmlformats.org/presentationml/2006/main">
+  <p:cSld>
+    <p:spTree>
+      <p:nvGrpSpPr>
+        <p:cNvPr id="1" name=""/>
+        <p:cNvGrpSpPr/>
+        <p:nvPr/>
+      </p:nvGrpSpPr>
+      <p:grpSpPr>
+        <a:xfrm>
+          <a:off x="0" y="0"/>
+          <a:ext cx="0" cy="0"/>
+          <a:chOff x="0" y="0"/>
+          <a:chExt cx="0" cy="0"/>
+        </a:xfrm>
+      </p:grpSpPr>
+      <p:sp>
+        <p:nvSpPr>
+          <p:cNvPr id="2" name="Title 1"/>
+          <p:cNvSpPr>
+            <a:spLocks noGrp="1"/>
+          </p:cNvSpPr>
+          <p:nvPr>
+            <p:ph type="title"/>
+          </p:nvPr>
+        </p:nvSpPr>
+        <p:spPr/>
+        <p:txBody>
+          <a:bodyPr/>
+          <a:lstStyle/>
+          <a:p>
+            <a:r>
+              <a:rPr lang="en-US" dirty="0" smtClean="0"/>
+              <a:t>Benefits of TDD</a:t>
+            </a:r>
+            <a:endParaRPr lang="en-US" dirty="0"/>
+          </a:p>
+        </p:txBody>
+      </p:sp>
+      <p:sp>
+        <p:nvSpPr>
+          <p:cNvPr id="3" name="Content Placeholder 2"/>
+          <p:cNvSpPr>
+            <a:spLocks noGrp="1"/>
+          </p:cNvSpPr>
+          <p:nvPr>
+            <p:ph idx="1"/>
+          </p:nvPr>
+        </p:nvSpPr>
+        <p:spPr/>
+        <p:txBody>
+          <a:bodyPr anchor="ctr">
+            <a:normAutofit/>
+          </a:bodyPr>
+          <a:lstStyle/>
+          <a:p>
+            <a:pPr algn="ctr">
+              <a:buNone/>
+            </a:pPr>
+            <a:r>
+              <a:rPr lang="en-US" sz="4400" b="1" dirty="0" smtClean="0"/>
+              <a:t>Our tests helped us design our code</a:t>
+            </a:r>
+            <a:endParaRPr lang="en-US" sz="4400" b="1" dirty="0"/>
+          </a:p>
+        </p:txBody>
+      </p:sp>
+    </p:spTree>
+  </p:cSld>
+  <p:clrMapOvr>
+    <a:masterClrMapping/>
+  </p:clrMapOvr>
+  <p:timing>
+    <p:tnLst>
+      <p:par>
+        <p:cTn id="1" dur="indefinite" restart="never" nodeType="tmRoot"/>
+      </p:par>
+    </p:tnLst>
+  </p:timing>
+</p:sld>
+</file>
+
+<file path=ppt/slides/slide19.xml><?xml version="1.0" encoding="utf-8"?>
 <p:sld xmlns:a="http://schemas.openxmlformats.org/drawingml/2006/main" xmlns:r="http://schemas.openxmlformats.org/officeDocument/2006/relationships" xmlns:p="http://schemas.openxmlformats.org/presentationml/2006/main">
   <p:cSld>
     <p:spTree>
@@ -5561,89 +5645,6 @@
               <a:cs typeface="Optima" charset="0"/>
               <a:sym typeface="Optima" charset="0"/>
             </a:endParaRPr>
-          </a:p>
-        </p:txBody>
-      </p:sp>
-    </p:spTree>
-  </p:cSld>
-  <p:clrMapOvr>
-    <a:masterClrMapping/>
-  </p:clrMapOvr>
-  <p:timing>
-    <p:tnLst>
-      <p:par>
-        <p:cTn id="1" dur="indefinite" restart="never" nodeType="tmRoot"/>
-      </p:par>
-    </p:tnLst>
-  </p:timing>
-</p:sld>
-</file>
-
-<file path=ppt/slides/slide19.xml><?xml version="1.0" encoding="utf-8"?>
-<p:sld xmlns:a="http://schemas.openxmlformats.org/drawingml/2006/main" xmlns:r="http://schemas.openxmlformats.org/officeDocument/2006/relationships" xmlns:p="http://schemas.openxmlformats.org/presentationml/2006/main">
-  <p:cSld>
-    <p:spTree>
-      <p:nvGrpSpPr>
-        <p:cNvPr id="1" name=""/>
-        <p:cNvGrpSpPr/>
-        <p:nvPr/>
-      </p:nvGrpSpPr>
-      <p:grpSpPr>
-        <a:xfrm>
-          <a:off x="0" y="0"/>
-          <a:ext cx="0" cy="0"/>
-          <a:chOff x="0" y="0"/>
-          <a:chExt cx="0" cy="0"/>
-        </a:xfrm>
-      </p:grpSpPr>
-      <p:sp>
-        <p:nvSpPr>
-          <p:cNvPr id="2" name="Title 1"/>
-          <p:cNvSpPr>
-            <a:spLocks noGrp="1"/>
-          </p:cNvSpPr>
-          <p:nvPr>
-            <p:ph type="title"/>
-          </p:nvPr>
-        </p:nvSpPr>
-        <p:spPr/>
-        <p:txBody>
-          <a:bodyPr/>
-          <a:lstStyle/>
-          <a:p>
-            <a:r>
-              <a:rPr lang="en-US" dirty="0" smtClean="0"/>
-              <a:t>Benefits of TDD</a:t>
-            </a:r>
-            <a:endParaRPr lang="en-US" dirty="0"/>
-          </a:p>
-        </p:txBody>
-      </p:sp>
-      <p:sp>
-        <p:nvSpPr>
-          <p:cNvPr id="3" name="Content Placeholder 2"/>
-          <p:cNvSpPr>
-            <a:spLocks noGrp="1"/>
-          </p:cNvSpPr>
-          <p:nvPr>
-            <p:ph idx="1"/>
-          </p:nvPr>
-        </p:nvSpPr>
-        <p:spPr/>
-        <p:txBody>
-          <a:bodyPr anchor="ctr">
-            <a:normAutofit/>
-          </a:bodyPr>
-          <a:lstStyle/>
-          <a:p>
-            <a:pPr algn="ctr">
-              <a:buNone/>
-            </a:pPr>
-            <a:r>
-              <a:rPr lang="en-US" sz="4400" b="1" dirty="0" smtClean="0"/>
-              <a:t>We had to write testable code</a:t>
-            </a:r>
-            <a:endParaRPr lang="en-US" sz="4400" b="1" dirty="0"/>
           </a:p>
         </p:txBody>
       </p:sp>
@@ -6161,7 +6162,7 @@
             </a:pPr>
             <a:r>
               <a:rPr lang="en-US" sz="4400" b="1" dirty="0" smtClean="0"/>
-              <a:t>Our tests are documentation of what our code does</a:t>
+              <a:t>We had to write testable code</a:t>
             </a:r>
             <a:endParaRPr lang="en-US" sz="4400" b="1" dirty="0"/>
           </a:p>
@@ -6183,6 +6184,89 @@
 </file>
 
 <file path=ppt/slides/slide21.xml><?xml version="1.0" encoding="utf-8"?>
+<p:sld xmlns:a="http://schemas.openxmlformats.org/drawingml/2006/main" xmlns:r="http://schemas.openxmlformats.org/officeDocument/2006/relationships" xmlns:p="http://schemas.openxmlformats.org/presentationml/2006/main">
+  <p:cSld>
+    <p:spTree>
+      <p:nvGrpSpPr>
+        <p:cNvPr id="1" name=""/>
+        <p:cNvGrpSpPr/>
+        <p:nvPr/>
+      </p:nvGrpSpPr>
+      <p:grpSpPr>
+        <a:xfrm>
+          <a:off x="0" y="0"/>
+          <a:ext cx="0" cy="0"/>
+          <a:chOff x="0" y="0"/>
+          <a:chExt cx="0" cy="0"/>
+        </a:xfrm>
+      </p:grpSpPr>
+      <p:sp>
+        <p:nvSpPr>
+          <p:cNvPr id="2" name="Title 1"/>
+          <p:cNvSpPr>
+            <a:spLocks noGrp="1"/>
+          </p:cNvSpPr>
+          <p:nvPr>
+            <p:ph type="title"/>
+          </p:nvPr>
+        </p:nvSpPr>
+        <p:spPr/>
+        <p:txBody>
+          <a:bodyPr/>
+          <a:lstStyle/>
+          <a:p>
+            <a:r>
+              <a:rPr lang="en-US" dirty="0" smtClean="0"/>
+              <a:t>Benefits of TDD</a:t>
+            </a:r>
+            <a:endParaRPr lang="en-US" dirty="0"/>
+          </a:p>
+        </p:txBody>
+      </p:sp>
+      <p:sp>
+        <p:nvSpPr>
+          <p:cNvPr id="3" name="Content Placeholder 2"/>
+          <p:cNvSpPr>
+            <a:spLocks noGrp="1"/>
+          </p:cNvSpPr>
+          <p:nvPr>
+            <p:ph idx="1"/>
+          </p:nvPr>
+        </p:nvSpPr>
+        <p:spPr/>
+        <p:txBody>
+          <a:bodyPr anchor="ctr">
+            <a:normAutofit/>
+          </a:bodyPr>
+          <a:lstStyle/>
+          <a:p>
+            <a:pPr algn="ctr">
+              <a:buNone/>
+            </a:pPr>
+            <a:r>
+              <a:rPr lang="en-US" sz="4400" b="1" dirty="0" smtClean="0"/>
+              <a:t>Our tests are documentation of what our code does</a:t>
+            </a:r>
+            <a:endParaRPr lang="en-US" sz="4400" b="1" dirty="0"/>
+          </a:p>
+        </p:txBody>
+      </p:sp>
+    </p:spTree>
+  </p:cSld>
+  <p:clrMapOvr>
+    <a:masterClrMapping/>
+  </p:clrMapOvr>
+  <p:timing>
+    <p:tnLst>
+      <p:par>
+        <p:cTn id="1" dur="indefinite" restart="never" nodeType="tmRoot"/>
+      </p:par>
+    </p:tnLst>
+  </p:timing>
+</p:sld>
+</file>
+
+<file path=ppt/slides/slide22.xml><?xml version="1.0" encoding="utf-8"?>
 <p:sld xmlns:a="http://schemas.openxmlformats.org/drawingml/2006/main" xmlns:r="http://schemas.openxmlformats.org/officeDocument/2006/relationships" xmlns:p="http://schemas.openxmlformats.org/presentationml/2006/main">
   <p:cSld>
     <p:spTree>
@@ -6434,7 +6518,7 @@
 </p:sld>
 </file>
 
-<file path=ppt/slides/slide22.xml><?xml version="1.0" encoding="utf-8"?>
+<file path=ppt/slides/slide23.xml><?xml version="1.0" encoding="utf-8"?>
 <p:sld xmlns:a="http://schemas.openxmlformats.org/drawingml/2006/main" xmlns:r="http://schemas.openxmlformats.org/officeDocument/2006/relationships" xmlns:p="http://schemas.openxmlformats.org/presentationml/2006/main">
   <p:cSld>
     <p:spTree>
@@ -6517,7 +6601,7 @@
 </p:sld>
 </file>
 
-<file path=ppt/slides/slide23.xml><?xml version="1.0" encoding="utf-8"?>
+<file path=ppt/slides/slide24.xml><?xml version="1.0" encoding="utf-8"?>
 <p:sld xmlns:a="http://schemas.openxmlformats.org/drawingml/2006/main" xmlns:r="http://schemas.openxmlformats.org/officeDocument/2006/relationships" xmlns:p="http://schemas.openxmlformats.org/presentationml/2006/main">
   <p:cSld>
     <p:spTree>
@@ -6836,89 +6920,6 @@
 </p:sld>
 </file>
 
-<file path=ppt/slides/slide24.xml><?xml version="1.0" encoding="utf-8"?>
-<p:sld xmlns:a="http://schemas.openxmlformats.org/drawingml/2006/main" xmlns:r="http://schemas.openxmlformats.org/officeDocument/2006/relationships" xmlns:p="http://schemas.openxmlformats.org/presentationml/2006/main">
-  <p:cSld>
-    <p:spTree>
-      <p:nvGrpSpPr>
-        <p:cNvPr id="1" name=""/>
-        <p:cNvGrpSpPr/>
-        <p:nvPr/>
-      </p:nvGrpSpPr>
-      <p:grpSpPr>
-        <a:xfrm>
-          <a:off x="0" y="0"/>
-          <a:ext cx="0" cy="0"/>
-          <a:chOff x="0" y="0"/>
-          <a:chExt cx="0" cy="0"/>
-        </a:xfrm>
-      </p:grpSpPr>
-      <p:sp>
-        <p:nvSpPr>
-          <p:cNvPr id="2" name="Title 1"/>
-          <p:cNvSpPr>
-            <a:spLocks noGrp="1"/>
-          </p:cNvSpPr>
-          <p:nvPr>
-            <p:ph type="title"/>
-          </p:nvPr>
-        </p:nvSpPr>
-        <p:spPr/>
-        <p:txBody>
-          <a:bodyPr/>
-          <a:lstStyle/>
-          <a:p>
-            <a:r>
-              <a:rPr lang="en-US" dirty="0" smtClean="0"/>
-              <a:t>Benefits of TDD</a:t>
-            </a:r>
-            <a:endParaRPr lang="en-US" dirty="0"/>
-          </a:p>
-        </p:txBody>
-      </p:sp>
-      <p:sp>
-        <p:nvSpPr>
-          <p:cNvPr id="3" name="Content Placeholder 2"/>
-          <p:cNvSpPr>
-            <a:spLocks noGrp="1"/>
-          </p:cNvSpPr>
-          <p:nvPr>
-            <p:ph idx="1"/>
-          </p:nvPr>
-        </p:nvSpPr>
-        <p:spPr/>
-        <p:txBody>
-          <a:bodyPr anchor="ctr">
-            <a:normAutofit/>
-          </a:bodyPr>
-          <a:lstStyle/>
-          <a:p>
-            <a:pPr algn="ctr">
-              <a:buNone/>
-            </a:pPr>
-            <a:r>
-              <a:rPr lang="en-US" sz="4400" b="1" dirty="0" smtClean="0"/>
-              <a:t>Peace of mind!</a:t>
-            </a:r>
-            <a:endParaRPr lang="en-US" sz="4400" b="1" dirty="0"/>
-          </a:p>
-        </p:txBody>
-      </p:sp>
-    </p:spTree>
-  </p:cSld>
-  <p:clrMapOvr>
-    <a:masterClrMapping/>
-  </p:clrMapOvr>
-  <p:timing>
-    <p:tnLst>
-      <p:par>
-        <p:cTn id="1" dur="indefinite" restart="never" nodeType="tmRoot"/>
-      </p:par>
-    </p:tnLst>
-  </p:timing>
-</p:sld>
-</file>
-
 <file path=ppt/slides/slide25.xml><?xml version="1.0" encoding="utf-8"?>
 <p:sld xmlns:a="http://schemas.openxmlformats.org/drawingml/2006/main" xmlns:r="http://schemas.openxmlformats.org/officeDocument/2006/relationships" xmlns:p="http://schemas.openxmlformats.org/presentationml/2006/main">
   <p:cSld>
@@ -6948,6 +6949,89 @@
         </p:nvSpPr>
         <p:spPr/>
         <p:txBody>
+          <a:bodyPr/>
+          <a:lstStyle/>
+          <a:p>
+            <a:r>
+              <a:rPr lang="en-US" dirty="0" smtClean="0"/>
+              <a:t>Benefits of TDD</a:t>
+            </a:r>
+            <a:endParaRPr lang="en-US" dirty="0"/>
+          </a:p>
+        </p:txBody>
+      </p:sp>
+      <p:sp>
+        <p:nvSpPr>
+          <p:cNvPr id="3" name="Content Placeholder 2"/>
+          <p:cNvSpPr>
+            <a:spLocks noGrp="1"/>
+          </p:cNvSpPr>
+          <p:nvPr>
+            <p:ph idx="1"/>
+          </p:nvPr>
+        </p:nvSpPr>
+        <p:spPr/>
+        <p:txBody>
+          <a:bodyPr anchor="ctr">
+            <a:normAutofit/>
+          </a:bodyPr>
+          <a:lstStyle/>
+          <a:p>
+            <a:pPr algn="ctr">
+              <a:buNone/>
+            </a:pPr>
+            <a:r>
+              <a:rPr lang="en-US" sz="4400" b="1" dirty="0" smtClean="0"/>
+              <a:t>Peace of mind!</a:t>
+            </a:r>
+            <a:endParaRPr lang="en-US" sz="4400" b="1" dirty="0"/>
+          </a:p>
+        </p:txBody>
+      </p:sp>
+    </p:spTree>
+  </p:cSld>
+  <p:clrMapOvr>
+    <a:masterClrMapping/>
+  </p:clrMapOvr>
+  <p:timing>
+    <p:tnLst>
+      <p:par>
+        <p:cTn id="1" dur="indefinite" restart="never" nodeType="tmRoot"/>
+      </p:par>
+    </p:tnLst>
+  </p:timing>
+</p:sld>
+</file>
+
+<file path=ppt/slides/slide26.xml><?xml version="1.0" encoding="utf-8"?>
+<p:sld xmlns:a="http://schemas.openxmlformats.org/drawingml/2006/main" xmlns:r="http://schemas.openxmlformats.org/officeDocument/2006/relationships" xmlns:p="http://schemas.openxmlformats.org/presentationml/2006/main">
+  <p:cSld>
+    <p:spTree>
+      <p:nvGrpSpPr>
+        <p:cNvPr id="1" name=""/>
+        <p:cNvGrpSpPr/>
+        <p:nvPr/>
+      </p:nvGrpSpPr>
+      <p:grpSpPr>
+        <a:xfrm>
+          <a:off x="0" y="0"/>
+          <a:ext cx="0" cy="0"/>
+          <a:chOff x="0" y="0"/>
+          <a:chExt cx="0" cy="0"/>
+        </a:xfrm>
+      </p:grpSpPr>
+      <p:sp>
+        <p:nvSpPr>
+          <p:cNvPr id="2" name="Title 1"/>
+          <p:cNvSpPr>
+            <a:spLocks noGrp="1"/>
+          </p:cNvSpPr>
+          <p:nvPr>
+            <p:ph type="title"/>
+          </p:nvPr>
+        </p:nvSpPr>
+        <p:spPr/>
+        <p:txBody>
           <a:bodyPr>
             <a:normAutofit fontScale="90000"/>
           </a:bodyPr>
@@ -6991,23 +7075,7 @@
           <a:p>
             <a:r>
               <a:rPr lang="en-US" dirty="0" smtClean="0"/>
-              <a:t>I don’t have time to constantly </a:t>
-            </a:r>
-            <a:r>
-              <a:rPr lang="en-US" dirty="0" smtClean="0"/>
-              <a:t>manuall</a:t>
-            </a:r>
-            <a:r>
-              <a:rPr lang="en-US" dirty="0" smtClean="0"/>
-              <a:t>y test </a:t>
-            </a:r>
-            <a:r>
-              <a:rPr lang="en-US" dirty="0" smtClean="0"/>
-              <a:t>code </a:t>
-            </a:r>
-            <a:r>
-              <a:rPr lang="en-US" dirty="0" smtClean="0"/>
-              <a:t>to see if it’s all working</a:t>
+              <a:t>I don’t have time to constantly manually test code to see if it’s all working</a:t>
             </a:r>
           </a:p>
           <a:p>
@@ -7705,7 +7773,7 @@
 </p:sld>
 </file>
 
-<file path=ppt/slides/slide26.xml><?xml version="1.0" encoding="utf-8"?>
+<file path=ppt/slides/slide27.xml><?xml version="1.0" encoding="utf-8"?>
 <p:sld xmlns:a="http://schemas.openxmlformats.org/drawingml/2006/main" xmlns:r="http://schemas.openxmlformats.org/officeDocument/2006/relationships" xmlns:p="http://schemas.openxmlformats.org/presentationml/2006/main">
   <p:cSld>
     <p:spTree>
@@ -7785,7 +7853,7 @@
 </p:sld>
 </file>
 
-<file path=ppt/slides/slide27.xml><?xml version="1.0" encoding="utf-8"?>
+<file path=ppt/slides/slide28.xml><?xml version="1.0" encoding="utf-8"?>
 <p:sld xmlns:a="http://schemas.openxmlformats.org/drawingml/2006/main" xmlns:r="http://schemas.openxmlformats.org/officeDocument/2006/relationships" xmlns:p="http://schemas.openxmlformats.org/presentationml/2006/main">
   <p:cSld>
     <p:spTree>
@@ -7921,7 +7989,7 @@
 </p:sld>
 </file>
 
-<file path=ppt/slides/slide28.xml><?xml version="1.0" encoding="utf-8"?>
+<file path=ppt/slides/slide29.xml><?xml version="1.0" encoding="utf-8"?>
 <p:sld xmlns:a="http://schemas.openxmlformats.org/drawingml/2006/main" xmlns:r="http://schemas.openxmlformats.org/officeDocument/2006/relationships" xmlns:p="http://schemas.openxmlformats.org/presentationml/2006/main">
   <p:cSld>
     <p:spTree>
@@ -8041,73 +8109,6 @@
 </p:sld>
 </file>
 
-<file path=ppt/slides/slide29.xml><?xml version="1.0" encoding="utf-8"?>
-<p:sld xmlns:a="http://schemas.openxmlformats.org/drawingml/2006/main" xmlns:r="http://schemas.openxmlformats.org/officeDocument/2006/relationships" xmlns:p="http://schemas.openxmlformats.org/presentationml/2006/main">
-  <p:cSld>
-    <p:spTree>
-      <p:nvGrpSpPr>
-        <p:cNvPr id="1" name=""/>
-        <p:cNvGrpSpPr/>
-        <p:nvPr/>
-      </p:nvGrpSpPr>
-      <p:grpSpPr>
-        <a:xfrm>
-          <a:off x="0" y="0"/>
-          <a:ext cx="0" cy="0"/>
-          <a:chOff x="0" y="0"/>
-          <a:chExt cx="0" cy="0"/>
-        </a:xfrm>
-      </p:grpSpPr>
-      <p:sp>
-        <p:nvSpPr>
-          <p:cNvPr id="2" name="Title 1"/>
-          <p:cNvSpPr>
-            <a:spLocks noGrp="1"/>
-          </p:cNvSpPr>
-          <p:nvPr>
-            <p:ph type="title"/>
-          </p:nvPr>
-        </p:nvSpPr>
-        <p:spPr/>
-        <p:txBody>
-          <a:bodyPr/>
-          <a:lstStyle/>
-          <a:p>
-            <a:endParaRPr lang="en-US"/>
-          </a:p>
-        </p:txBody>
-      </p:sp>
-      <p:sp>
-        <p:nvSpPr>
-          <p:cNvPr id="3" name="Content Placeholder 2"/>
-          <p:cNvSpPr>
-            <a:spLocks noGrp="1"/>
-          </p:cNvSpPr>
-          <p:nvPr>
-            <p:ph idx="1"/>
-          </p:nvPr>
-        </p:nvSpPr>
-        <p:spPr/>
-        <p:txBody>
-          <a:bodyPr/>
-          <a:lstStyle/>
-          <a:p>
-            <a:r>
-              <a:rPr lang="en-US" smtClean="0"/>
-              <a:t>?????????</a:t>
-            </a:r>
-            <a:endParaRPr lang="en-US"/>
-          </a:p>
-        </p:txBody>
-      </p:sp>
-    </p:spTree>
-  </p:cSld>
-  <p:clrMapOvr>
-    <a:masterClrMapping/>
-  </p:clrMapOvr>
-</p:sld>
-</file>
-
 <file path=ppt/slides/slide3.xml><?xml version="1.0" encoding="utf-8"?>
 <p:sld xmlns:a="http://schemas.openxmlformats.org/drawingml/2006/main" xmlns:r="http://schemas.openxmlformats.org/officeDocument/2006/relationships" xmlns:p="http://schemas.openxmlformats.org/presentationml/2006/main">
   <p:cSld>
@@ -8401,119 +8402,29 @@
       </p:grpSpPr>
       <p:sp>
         <p:nvSpPr>
-          <p:cNvPr id="2" name="Title 1"/>
-          <p:cNvSpPr>
-            <a:spLocks noGrp="1"/>
-          </p:cNvSpPr>
-          <p:nvPr>
-            <p:ph type="title"/>
-          </p:nvPr>
-        </p:nvSpPr>
-        <p:spPr/>
-        <p:txBody>
-          <a:bodyPr>
-            <a:normAutofit fontScale="90000"/>
-          </a:bodyPr>
-          <a:lstStyle/>
-          <a:p>
-            <a:r>
-              <a:rPr lang="en-US" dirty="0" smtClean="0"/>
-              <a:t>Resources - Cost of unit testing</a:t>
-            </a:r>
-            <a:endParaRPr lang="en-US" dirty="0"/>
-          </a:p>
-        </p:txBody>
-      </p:sp>
-      <p:sp>
-        <p:nvSpPr>
-          <p:cNvPr id="3" name="Content Placeholder 2"/>
-          <p:cNvSpPr>
-            <a:spLocks noGrp="1"/>
-          </p:cNvSpPr>
-          <p:nvPr>
-            <p:ph idx="1"/>
-          </p:nvPr>
-        </p:nvSpPr>
-        <p:spPr/>
-        <p:txBody>
-          <a:bodyPr/>
-          <a:lstStyle/>
-          <a:p>
-            <a:r>
-              <a:rPr lang="en-US" sz="2400" dirty="0" smtClean="0"/>
-              <a:t>Microsoft Research – “Realizing quality improvement through test driven development: results and experiences of four industrial teams”</a:t>
-            </a:r>
-          </a:p>
-          <a:p>
-            <a:pPr lvl="1"/>
-            <a:r>
-              <a:rPr lang="en-US" sz="1800" b="1" dirty="0" smtClean="0">
-                <a:hlinkClick r:id="rId2"/>
-              </a:rPr>
-              <a:t>http://research.microsoft.com/en-us/projects/esm/nagappan_tdd.pdf</a:t>
-            </a:r>
-            <a:endParaRPr lang="en-US" sz="1800" b="1" dirty="0" smtClean="0"/>
-          </a:p>
-          <a:p>
-            <a:endParaRPr lang="en-US" sz="2400" b="1" dirty="0" smtClean="0"/>
-          </a:p>
-          <a:p>
-            <a:r>
-              <a:rPr lang="en-US" sz="2400" dirty="0" smtClean="0"/>
-              <a:t>Cost of Testing, by </a:t>
-            </a:r>
-            <a:r>
-              <a:rPr lang="en-US" sz="2400" dirty="0" err="1" smtClean="0"/>
-              <a:t>Misko</a:t>
-            </a:r>
-            <a:r>
-              <a:rPr lang="en-US" sz="2400" dirty="0" smtClean="0"/>
-              <a:t> </a:t>
-            </a:r>
-            <a:r>
-              <a:rPr lang="en-US" sz="2400" dirty="0" err="1" smtClean="0"/>
-              <a:t>Hevery</a:t>
-            </a:r>
-            <a:r>
-              <a:rPr lang="en-US" sz="2400" dirty="0" smtClean="0"/>
-              <a:t> (Agile Coach/Java developer at Google)</a:t>
-            </a:r>
-          </a:p>
-          <a:p>
-            <a:pPr lvl="1"/>
-            <a:r>
-              <a:rPr lang="en-US" sz="1800" b="1" dirty="0" smtClean="0">
-                <a:hlinkClick r:id="rId3"/>
-              </a:rPr>
-              <a:t>http://misko.hevery.com/2009/10/01/cost-of-testing/</a:t>
-            </a:r>
-            <a:endParaRPr lang="en-US" sz="1800" b="1" dirty="0" smtClean="0"/>
-          </a:p>
-          <a:p>
-            <a:pPr lvl="1"/>
-            <a:endParaRPr lang="en-US" sz="1800" b="1" dirty="0" smtClean="0"/>
-          </a:p>
-          <a:p>
-            <a:r>
-              <a:rPr lang="en-US" sz="2400" dirty="0" smtClean="0"/>
-              <a:t>TDD Derangement Syndrome, by Uncle Bob Martin</a:t>
-            </a:r>
-          </a:p>
-          <a:p>
-            <a:pPr lvl="1"/>
-            <a:r>
-              <a:rPr lang="en-US" sz="1800" b="1" dirty="0" smtClean="0">
-                <a:hlinkClick r:id="rId4"/>
-              </a:rPr>
-              <a:t>http://blog.objectmentor.com/articles/2009/10/07/tdd-derangement-syndrome</a:t>
-            </a:r>
-            <a:endParaRPr lang="en-US" sz="1800" b="1" dirty="0" smtClean="0"/>
-          </a:p>
-          <a:p>
-            <a:endParaRPr lang="en-US" sz="2400" b="1" dirty="0" smtClean="0"/>
-          </a:p>
-          <a:p>
-            <a:endParaRPr lang="en-US" dirty="0"/>
+          <p:cNvPr id="4" name="Title 3"/>
+          <p:cNvSpPr>
+            <a:spLocks noGrp="1"/>
+          </p:cNvSpPr>
+          <p:nvPr>
+            <p:ph type="ctrTitle"/>
+          </p:nvPr>
+        </p:nvSpPr>
+        <p:spPr>
+          <a:xfrm>
+            <a:off x="685800" y="228600"/>
+            <a:ext cx="7772400" cy="6400800"/>
+          </a:xfrm>
+        </p:spPr>
+        <p:txBody>
+          <a:bodyPr anchor="ctr"/>
+          <a:lstStyle/>
+          <a:p>
+            <a:r>
+              <a:rPr lang="en-US" sz="30000" dirty="0" smtClean="0"/>
+              <a:t>?</a:t>
+            </a:r>
+            <a:endParaRPr lang="en-US" sz="30000" dirty="0"/>
           </a:p>
         </p:txBody>
       </p:sp>
@@ -8522,13 +8433,6 @@
   <p:clrMapOvr>
     <a:masterClrMapping/>
   </p:clrMapOvr>
-  <p:timing>
-    <p:tnLst>
-      <p:par>
-        <p:cTn id="1" dur="indefinite" restart="never" nodeType="tmRoot"/>
-      </p:par>
-    </p:tnLst>
-  </p:timing>
 </p:sld>
 </file>
 
@@ -8562,13 +8466,13 @@
         <p:spPr/>
         <p:txBody>
           <a:bodyPr>
-            <a:normAutofit/>
+            <a:normAutofit fontScale="90000"/>
           </a:bodyPr>
           <a:lstStyle/>
           <a:p>
             <a:r>
               <a:rPr lang="en-US" dirty="0" smtClean="0"/>
-              <a:t>Resources - Tools</a:t>
+              <a:t>Resources - Cost of unit testing</a:t>
             </a:r>
             <a:endParaRPr lang="en-US" dirty="0"/>
           </a:p>
@@ -8586,126 +8490,84 @@
         </p:nvSpPr>
         <p:spPr/>
         <p:txBody>
-          <a:bodyPr>
-            <a:normAutofit/>
-          </a:bodyPr>
+          <a:bodyPr/>
           <a:lstStyle/>
           <a:p>
             <a:r>
               <a:rPr lang="en-US" sz="2400" dirty="0" smtClean="0"/>
-              <a:t>.NET</a:t>
+              <a:t>Microsoft Research – “Realizing quality improvement through test driven development: results and experiences of four industrial teams”</a:t>
             </a:r>
           </a:p>
           <a:p>
             <a:pPr lvl="1"/>
             <a:r>
-              <a:rPr lang="en-US" sz="2400" dirty="0" smtClean="0"/>
-              <a:t>NUnit – </a:t>
-            </a:r>
-            <a:r>
-              <a:rPr lang="en-US" sz="2400" dirty="0" smtClean="0">
+              <a:rPr lang="en-US" sz="1800" b="1" dirty="0" smtClean="0">
                 <a:hlinkClick r:id="rId2"/>
               </a:rPr>
-              <a:t>http://nunit.org</a:t>
-            </a:r>
-            <a:endParaRPr lang="en-US" sz="2400" dirty="0" smtClean="0"/>
+              <a:t>http://research.microsoft.com/en-us/projects/esm/nagappan_tdd.pdf</a:t>
+            </a:r>
+            <a:endParaRPr lang="en-US" sz="1800" b="1" dirty="0" smtClean="0"/>
+          </a:p>
+          <a:p>
+            <a:endParaRPr lang="en-US" sz="2400" b="1" dirty="0" smtClean="0"/>
+          </a:p>
+          <a:p>
+            <a:r>
+              <a:rPr lang="en-US" sz="2400" dirty="0" smtClean="0"/>
+              <a:t>Cost of Testing, by </a:t>
+            </a:r>
+            <a:r>
+              <a:rPr lang="en-US" sz="2400" dirty="0" err="1" smtClean="0"/>
+              <a:t>Misko</a:t>
+            </a:r>
+            <a:r>
+              <a:rPr lang="en-US" sz="2400" dirty="0" smtClean="0"/>
+              <a:t> </a:t>
+            </a:r>
+            <a:r>
+              <a:rPr lang="en-US" sz="2400" dirty="0" err="1" smtClean="0"/>
+              <a:t>Hevery</a:t>
+            </a:r>
+            <a:r>
+              <a:rPr lang="en-US" sz="2400" dirty="0" smtClean="0"/>
+              <a:t> (Agile Coach/Java developer at Google)</a:t>
+            </a:r>
           </a:p>
           <a:p>
             <a:pPr lvl="1"/>
             <a:r>
-              <a:rPr lang="en-US" sz="2400" dirty="0" smtClean="0"/>
-              <a:t>Should – </a:t>
-            </a:r>
-            <a:r>
-              <a:rPr lang="en-US" sz="2400" dirty="0" smtClean="0">
+              <a:rPr lang="en-US" sz="1800" b="1" dirty="0" smtClean="0">
                 <a:hlinkClick r:id="rId3"/>
               </a:rPr>
-              <a:t>http://should.codeplex.com</a:t>
-            </a:r>
-            <a:endParaRPr lang="en-US" sz="2400" dirty="0" smtClean="0"/>
+              <a:t>http://misko.hevery.com/2009/10/01/cost-of-testing/</a:t>
+            </a:r>
+            <a:endParaRPr lang="en-US" sz="1800" b="1" dirty="0" smtClean="0"/>
+          </a:p>
+          <a:p>
+            <a:pPr lvl="1"/>
+            <a:endParaRPr lang="en-US" sz="1800" b="1" dirty="0" smtClean="0"/>
           </a:p>
           <a:p>
             <a:r>
               <a:rPr lang="en-US" sz="2400" dirty="0" smtClean="0"/>
-              <a:t>Java</a:t>
+              <a:t>TDD Derangement Syndrome, by Uncle Bob Martin</a:t>
             </a:r>
           </a:p>
           <a:p>
             <a:pPr lvl="1"/>
             <a:r>
-              <a:rPr lang="en-US" sz="2400" dirty="0" err="1" smtClean="0"/>
-              <a:t>JUnit</a:t>
-            </a:r>
-            <a:r>
-              <a:rPr lang="en-US" sz="2400" dirty="0" smtClean="0"/>
-              <a:t> – </a:t>
-            </a:r>
-            <a:r>
-              <a:rPr lang="en-US" sz="2400" dirty="0" smtClean="0">
+              <a:rPr lang="en-US" sz="1800" b="1" dirty="0" smtClean="0">
                 <a:hlinkClick r:id="rId4"/>
               </a:rPr>
-              <a:t>http://junit.org</a:t>
-            </a:r>
-            <a:endParaRPr lang="en-US" sz="2400" dirty="0" smtClean="0"/>
-          </a:p>
-          <a:p>
-            <a:pPr lvl="1"/>
-            <a:r>
-              <a:rPr lang="en-US" sz="2400" dirty="0" err="1" smtClean="0"/>
-              <a:t>TestNG</a:t>
-            </a:r>
-            <a:r>
-              <a:rPr lang="en-US" sz="2400" smtClean="0"/>
-              <a:t> – http://testng.org</a:t>
-            </a:r>
-            <a:endParaRPr lang="en-US" sz="2400" dirty="0" smtClean="0"/>
-          </a:p>
-          <a:p>
-            <a:r>
-              <a:rPr lang="en-US" sz="2400" dirty="0" smtClean="0"/>
-              <a:t>Ruby</a:t>
-            </a:r>
-          </a:p>
-          <a:p>
-            <a:pPr lvl="1"/>
-            <a:r>
-              <a:rPr lang="en-US" sz="2400" dirty="0" smtClean="0"/>
-              <a:t>RSpec – </a:t>
-            </a:r>
-            <a:r>
-              <a:rPr lang="en-US" sz="2400" dirty="0" smtClean="0">
-                <a:hlinkClick r:id="rId5"/>
-              </a:rPr>
-              <a:t>http://rspec.info</a:t>
-            </a:r>
-            <a:r>
-              <a:rPr lang="en-US" sz="2400" dirty="0" smtClean="0"/>
-              <a:t>, or gem install </a:t>
-            </a:r>
-            <a:r>
-              <a:rPr lang="en-US" sz="2400" dirty="0" err="1" smtClean="0"/>
-              <a:t>rspec</a:t>
-            </a:r>
-            <a:endParaRPr lang="en-US" sz="2400" dirty="0" smtClean="0"/>
-          </a:p>
-          <a:p>
-            <a:r>
-              <a:rPr lang="en-US" sz="2400" dirty="0" smtClean="0"/>
-              <a:t>Specs2Tests – </a:t>
-            </a:r>
-            <a:r>
-              <a:rPr lang="en-US" sz="2400" dirty="0" smtClean="0">
-                <a:hlinkClick r:id="rId6"/>
-              </a:rPr>
-              <a:t>http://github.com/jonkruger/specs2tests</a:t>
-            </a:r>
-            <a:endParaRPr lang="en-US" sz="2400" dirty="0" smtClean="0"/>
-          </a:p>
-          <a:p>
-            <a:pPr>
-              <a:buNone/>
-            </a:pPr>
-            <a:endParaRPr lang="en-US" sz="2400" dirty="0" smtClean="0"/>
+              <a:t>http://blog.objectmentor.com/articles/2009/10/07/tdd-derangement-syndrome</a:t>
+            </a:r>
+            <a:endParaRPr lang="en-US" sz="1800" b="1" dirty="0" smtClean="0"/>
+          </a:p>
+          <a:p>
+            <a:endParaRPr lang="en-US" sz="2400" b="1" dirty="0" smtClean="0"/>
+          </a:p>
+          <a:p>
+            <a:endParaRPr lang="en-US" dirty="0"/>
           </a:p>
         </p:txBody>
       </p:sp>
@@ -8760,7 +8622,7 @@
           <a:p>
             <a:r>
               <a:rPr lang="en-US" dirty="0" smtClean="0"/>
-              <a:t>Resources – Learning TDD</a:t>
+              <a:t>Resources - Tools</a:t>
             </a:r>
             <a:endParaRPr lang="en-US" dirty="0"/>
           </a:p>
@@ -8776,136 +8638,140 @@
             <p:ph idx="1"/>
           </p:nvPr>
         </p:nvSpPr>
-        <p:spPr>
-          <a:xfrm>
-            <a:off x="457200" y="1600200"/>
-            <a:ext cx="8229600" cy="5105400"/>
-          </a:xfrm>
-        </p:spPr>
+        <p:spPr/>
         <p:txBody>
           <a:bodyPr>
-            <a:normAutofit lnSpcReduction="10000"/>
+            <a:normAutofit/>
           </a:bodyPr>
           <a:lstStyle/>
           <a:p>
             <a:r>
               <a:rPr lang="en-US" sz="2400" dirty="0" smtClean="0"/>
-              <a:t>Behavior Driven Development</a:t>
+              <a:t>.NET</a:t>
             </a:r>
           </a:p>
           <a:p>
             <a:pPr lvl="1"/>
             <a:r>
-              <a:rPr lang="en-US" sz="1800" b="1" dirty="0" smtClean="0">
+              <a:rPr lang="en-US" sz="2400" dirty="0" smtClean="0"/>
+              <a:t>NUnit – </a:t>
+            </a:r>
+            <a:r>
+              <a:rPr lang="en-US" sz="2400" dirty="0" smtClean="0">
                 <a:hlinkClick r:id="rId2"/>
               </a:rPr>
-              <a:t>http://www.code-magazine.com/article.aspx?quickid=0805061&amp;page=1</a:t>
-            </a:r>
-            <a:endParaRPr lang="en-US" sz="1800" b="1" dirty="0" smtClean="0"/>
+              <a:t>http://nunit.org</a:t>
+            </a:r>
+            <a:endParaRPr lang="en-US" sz="2400" dirty="0" smtClean="0"/>
           </a:p>
           <a:p>
             <a:pPr lvl="1"/>
-            <a:endParaRPr lang="en-US" sz="1800" b="1" dirty="0" smtClean="0"/>
-          </a:p>
-          <a:p>
             <a:r>
               <a:rPr lang="en-US" sz="2400" dirty="0" smtClean="0"/>
-              <a:t>So How do You Introduce TDD into an Organization or Team?, by Jeremy Miller</a:t>
-            </a:r>
-          </a:p>
-          <a:p>
-            <a:pPr lvl="1"/>
-            <a:r>
-              <a:rPr lang="en-US" sz="1800" b="1" dirty="0" smtClean="0">
+              <a:t>Should – </a:t>
+            </a:r>
+            <a:r>
+              <a:rPr lang="en-US" sz="2400" dirty="0" smtClean="0">
                 <a:hlinkClick r:id="rId3"/>
               </a:rPr>
-              <a:t>http://codebetter.com/blogs/jeremy.miller/archive/2006/06/27/146899.aspx</a:t>
-            </a:r>
-            <a:endParaRPr lang="en-US" sz="1800" b="1" dirty="0" smtClean="0"/>
+              <a:t>http://should.codeplex.com</a:t>
+            </a:r>
+            <a:endParaRPr lang="en-US" sz="2400" dirty="0" smtClean="0"/>
+          </a:p>
+          <a:p>
+            <a:r>
+              <a:rPr lang="en-US" sz="2400" dirty="0" smtClean="0"/>
+              <a:t>Java</a:t>
+            </a:r>
           </a:p>
           <a:p>
             <a:pPr lvl="1"/>
-            <a:endParaRPr lang="en-US" sz="1800" b="1" dirty="0" smtClean="0"/>
-          </a:p>
-          <a:p>
+            <a:r>
+              <a:rPr lang="en-US" sz="2400" dirty="0" err="1" smtClean="0"/>
+              <a:t>JUnit</a:t>
+            </a:r>
             <a:r>
               <a:rPr lang="en-US" sz="2400" dirty="0" smtClean="0"/>
-              <a:t>How to get started with TDD, by </a:t>
-            </a:r>
-            <a:r>
-              <a:rPr lang="en-US" sz="2400" dirty="0" err="1" smtClean="0"/>
-              <a:t>Misko</a:t>
-            </a:r>
-            <a:r>
-              <a:rPr lang="en-US" sz="2400" dirty="0" smtClean="0"/>
-              <a:t> </a:t>
-            </a:r>
-            <a:r>
-              <a:rPr lang="en-US" sz="2400" dirty="0" err="1" smtClean="0"/>
-              <a:t>Hevery</a:t>
-            </a:r>
-            <a:r>
-              <a:rPr lang="en-US" sz="2400" dirty="0" smtClean="0"/>
-              <a:t> (Java examples)</a:t>
-            </a:r>
-          </a:p>
-          <a:p>
-            <a:pPr lvl="1"/>
-            <a:r>
-              <a:rPr lang="en-US" sz="1800" b="1" dirty="0" smtClean="0">
+              <a:t> – </a:t>
+            </a:r>
+            <a:r>
+              <a:rPr lang="en-US" sz="2400" dirty="0" smtClean="0">
                 <a:hlinkClick r:id="rId4"/>
               </a:rPr>
-              <a:t>http://misko.hevery.com/2009/11/17/how-to-get-started-with-tdd/</a:t>
+              <a:t>http://junit.org</a:t>
             </a:r>
             <a:endParaRPr lang="en-US" sz="2400" dirty="0" smtClean="0"/>
           </a:p>
           <a:p>
             <a:pPr lvl="1"/>
-            <a:endParaRPr lang="en-US" sz="2400" dirty="0" smtClean="0"/>
-          </a:p>
-          <a:p>
+            <a:r>
+              <a:rPr lang="en-US" sz="2400" dirty="0" err="1" smtClean="0"/>
+              <a:t>TestNG</a:t>
+            </a:r>
             <a:r>
               <a:rPr lang="en-US" sz="2400" dirty="0" smtClean="0"/>
-              <a:t>TDD Starter Kit – Sample Projects and Links (C# examples)</a:t>
-            </a:r>
-          </a:p>
-          <a:p>
-            <a:pPr lvl="1"/>
-            <a:r>
-              <a:rPr lang="en-US" sz="1800" dirty="0" smtClean="0">
+              <a:t> – </a:t>
+            </a:r>
+            <a:r>
+              <a:rPr lang="en-US" sz="2400" dirty="0" smtClean="0">
                 <a:hlinkClick r:id="rId5"/>
               </a:rPr>
-              <a:t>http://jonkruger.com/blog/2009/07/23/tdd-starter-kit-sample-projects-and-links/</a:t>
-            </a:r>
-            <a:endParaRPr lang="en-US" sz="1800" dirty="0" smtClean="0"/>
+              <a:t>http://</a:t>
+            </a:r>
+            <a:r>
+              <a:rPr lang="en-US" sz="2400" dirty="0" smtClean="0">
+                <a:hlinkClick r:id="rId5"/>
+              </a:rPr>
+              <a:t>testng.org</a:t>
+            </a:r>
+            <a:endParaRPr lang="en-US" sz="2400" dirty="0" smtClean="0"/>
+          </a:p>
+          <a:p>
+            <a:r>
+              <a:rPr lang="en-US" sz="2400" dirty="0" smtClean="0"/>
+              <a:t>Ruby</a:t>
+            </a:r>
           </a:p>
           <a:p>
             <a:pPr lvl="1"/>
-            <a:endParaRPr lang="en-US" sz="1800" dirty="0" smtClean="0"/>
-          </a:p>
-          <a:p>
             <a:r>
               <a:rPr lang="en-US" sz="2400" dirty="0" smtClean="0"/>
-              <a:t>Pair Programming </a:t>
-            </a:r>
-            <a:r>
-              <a:rPr lang="en-US" sz="2400" dirty="0" err="1" smtClean="0"/>
-              <a:t>Bot</a:t>
-            </a:r>
-            <a:endParaRPr lang="en-US" sz="2400" dirty="0" smtClean="0"/>
-          </a:p>
-          <a:p>
-            <a:pPr lvl="1"/>
-            <a:r>
-              <a:rPr lang="en-US" sz="1800" dirty="0" smtClean="0">
+              <a:t>RSpec – </a:t>
+            </a:r>
+            <a:r>
+              <a:rPr lang="en-US" sz="2400" dirty="0" smtClean="0">
                 <a:hlinkClick r:id="rId6"/>
               </a:rPr>
-              <a:t>http://pairprogrammingbot.com/</a:t>
-            </a:r>
-            <a:endParaRPr lang="en-US" sz="1800" dirty="0" smtClean="0"/>
-          </a:p>
-          <a:p>
-            <a:endParaRPr lang="en-US" dirty="0"/>
+              <a:t>http://rspec.info</a:t>
+            </a:r>
+            <a:r>
+              <a:rPr lang="en-US" sz="2400" dirty="0" smtClean="0"/>
+              <a:t>, or gem install </a:t>
+            </a:r>
+            <a:r>
+              <a:rPr lang="en-US" sz="2400" dirty="0" err="1" smtClean="0"/>
+              <a:t>rspec</a:t>
+            </a:r>
+            <a:endParaRPr lang="en-US" sz="2400" dirty="0" smtClean="0"/>
+          </a:p>
+          <a:p>
+            <a:r>
+              <a:rPr lang="en-US" sz="2400" dirty="0" smtClean="0"/>
+              <a:t>Specs2Tests – </a:t>
+            </a:r>
+            <a:r>
+              <a:rPr lang="en-US" sz="2400" dirty="0" smtClean="0">
+                <a:hlinkClick r:id="rId7"/>
+              </a:rPr>
+              <a:t>http://github.com/jonkruger/specs2tests</a:t>
+            </a:r>
+            <a:endParaRPr lang="en-US" sz="2400" dirty="0" smtClean="0"/>
+          </a:p>
+          <a:p>
+            <a:pPr>
+              <a:buNone/>
+            </a:pPr>
+            <a:endParaRPr lang="en-US" sz="2400" dirty="0" smtClean="0"/>
           </a:p>
         </p:txBody>
       </p:sp>
@@ -8960,7 +8826,7 @@
           <a:p>
             <a:r>
               <a:rPr lang="en-US" dirty="0" smtClean="0"/>
-              <a:t>Resources – Books</a:t>
+              <a:t>Resources – Learning TDD</a:t>
             </a:r>
             <a:endParaRPr lang="en-US" dirty="0"/>
           </a:p>
@@ -8984,94 +8850,128 @@
         </p:spPr>
         <p:txBody>
           <a:bodyPr>
-            <a:normAutofit/>
+            <a:normAutofit lnSpcReduction="10000"/>
           </a:bodyPr>
           <a:lstStyle/>
           <a:p>
             <a:r>
-              <a:rPr lang="en-US" dirty="0" smtClean="0"/>
-              <a:t>The Art of Unit Testing</a:t>
+              <a:rPr lang="en-US" sz="2400" dirty="0" smtClean="0"/>
+              <a:t>Behavior Driven Development</a:t>
             </a:r>
           </a:p>
           <a:p>
             <a:pPr lvl="1"/>
             <a:r>
-              <a:rPr lang="en-US" dirty="0" smtClean="0"/>
-              <a:t>by Roy </a:t>
-            </a:r>
-            <a:r>
-              <a:rPr lang="en-US" dirty="0" err="1" smtClean="0"/>
-              <a:t>Osherove</a:t>
-            </a:r>
-            <a:endParaRPr lang="en-US" dirty="0" smtClean="0"/>
-          </a:p>
-          <a:p>
-            <a:r>
-              <a:rPr lang="en-US" dirty="0" smtClean="0"/>
-              <a:t>Test Driven Development: By Example</a:t>
-            </a:r>
+              <a:rPr lang="en-US" sz="1800" b="1" dirty="0" smtClean="0">
+                <a:hlinkClick r:id="rId2"/>
+              </a:rPr>
+              <a:t>http://www.code-magazine.com/article.aspx?quickid=0805061&amp;page=1</a:t>
+            </a:r>
+            <a:endParaRPr lang="en-US" sz="1800" b="1" dirty="0" smtClean="0"/>
           </a:p>
           <a:p>
             <a:pPr lvl="1"/>
-            <a:r>
-              <a:rPr lang="en-US" dirty="0" smtClean="0"/>
-              <a:t>by Kent Beck</a:t>
-            </a:r>
-          </a:p>
-          <a:p>
-            <a:r>
-              <a:rPr lang="en-US" dirty="0" smtClean="0"/>
-              <a:t>Test Driven Development: A Practical Guide</a:t>
+            <a:endParaRPr lang="en-US" sz="1800" b="1" dirty="0" smtClean="0"/>
+          </a:p>
+          <a:p>
+            <a:r>
+              <a:rPr lang="en-US" sz="2400" dirty="0" smtClean="0"/>
+              <a:t>So How do You Introduce TDD into an Organization or Team?, by Jeremy Miller</a:t>
             </a:r>
           </a:p>
           <a:p>
             <a:pPr lvl="1"/>
             <a:r>
-              <a:rPr lang="en-US" dirty="0" smtClean="0"/>
-              <a:t>by David </a:t>
-            </a:r>
-            <a:r>
-              <a:rPr lang="en-US" dirty="0" err="1" smtClean="0"/>
-              <a:t>Astels</a:t>
-            </a:r>
-            <a:endParaRPr lang="en-US" dirty="0" smtClean="0"/>
-          </a:p>
-          <a:p>
-            <a:r>
-              <a:rPr lang="en-US" dirty="0" smtClean="0"/>
-              <a:t>The RSpec Book: </a:t>
-            </a:r>
-            <a:r>
-              <a:rPr lang="en-US" dirty="0" err="1" smtClean="0"/>
-              <a:t>Behaviour</a:t>
-            </a:r>
-            <a:r>
-              <a:rPr lang="en-US" dirty="0" smtClean="0"/>
-              <a:t> Driven Development with RSpec, Cucumber, and Friends</a:t>
-            </a:r>
+              <a:rPr lang="en-US" sz="1800" b="1" dirty="0" smtClean="0">
+                <a:hlinkClick r:id="rId3"/>
+              </a:rPr>
+              <a:t>http://codebetter.com/blogs/jeremy.miller/archive/2006/06/27/146899.aspx</a:t>
+            </a:r>
+            <a:endParaRPr lang="en-US" sz="1800" b="1" dirty="0" smtClean="0"/>
           </a:p>
           <a:p>
             <a:pPr lvl="1"/>
-            <a:r>
-              <a:rPr lang="en-US" dirty="0" smtClean="0"/>
-              <a:t>by David </a:t>
-            </a:r>
-            <a:r>
-              <a:rPr lang="en-US" dirty="0" err="1" smtClean="0"/>
-              <a:t>Chelimsky</a:t>
-            </a:r>
-            <a:r>
-              <a:rPr lang="en-US" dirty="0" smtClean="0"/>
-              <a:t>, Dave </a:t>
-            </a:r>
-            <a:r>
-              <a:rPr lang="en-US" dirty="0" err="1" smtClean="0"/>
-              <a:t>Astels</a:t>
-            </a:r>
-            <a:r>
-              <a:rPr lang="en-US" dirty="0" smtClean="0"/>
-              <a:t>, et. al.</a:t>
-            </a:r>
+            <a:endParaRPr lang="en-US" sz="1800" b="1" dirty="0" smtClean="0"/>
+          </a:p>
+          <a:p>
+            <a:r>
+              <a:rPr lang="en-US" sz="2400" dirty="0" smtClean="0"/>
+              <a:t>How to get started with TDD, by </a:t>
+            </a:r>
+            <a:r>
+              <a:rPr lang="en-US" sz="2400" dirty="0" err="1" smtClean="0"/>
+              <a:t>Misko</a:t>
+            </a:r>
+            <a:r>
+              <a:rPr lang="en-US" sz="2400" dirty="0" smtClean="0"/>
+              <a:t> </a:t>
+            </a:r>
+            <a:r>
+              <a:rPr lang="en-US" sz="2400" dirty="0" err="1" smtClean="0"/>
+              <a:t>Hevery</a:t>
+            </a:r>
+            <a:r>
+              <a:rPr lang="en-US" sz="2400" dirty="0" smtClean="0"/>
+              <a:t> (Java examples)</a:t>
+            </a:r>
+          </a:p>
+          <a:p>
+            <a:pPr lvl="1"/>
+            <a:r>
+              <a:rPr lang="en-US" sz="1800" b="1" dirty="0" smtClean="0">
+                <a:hlinkClick r:id="rId4"/>
+              </a:rPr>
+              <a:t>http://misko.hevery.com/2009/11/17/how-to-get-started-with-tdd/</a:t>
+            </a:r>
+            <a:endParaRPr lang="en-US" sz="2400" dirty="0" smtClean="0"/>
+          </a:p>
+          <a:p>
+            <a:pPr lvl="1"/>
+            <a:endParaRPr lang="en-US" sz="2400" dirty="0" smtClean="0"/>
+          </a:p>
+          <a:p>
+            <a:r>
+              <a:rPr lang="en-US" sz="2400" dirty="0" smtClean="0"/>
+              <a:t>TDD Starter Kit – Sample Projects and Links (C# examples)</a:t>
+            </a:r>
+          </a:p>
+          <a:p>
+            <a:pPr lvl="1"/>
+            <a:r>
+              <a:rPr lang="en-US" sz="1800" dirty="0" smtClean="0">
+                <a:hlinkClick r:id="rId5"/>
+              </a:rPr>
+              <a:t>http://jonkruger.com/blog/2009/07/23/tdd-starter-kit-sample-projects-and-links/</a:t>
+            </a:r>
+            <a:endParaRPr lang="en-US" sz="1800" dirty="0" smtClean="0"/>
+          </a:p>
+          <a:p>
+            <a:pPr lvl="1"/>
+            <a:endParaRPr lang="en-US" sz="1800" dirty="0" smtClean="0"/>
+          </a:p>
+          <a:p>
+            <a:r>
+              <a:rPr lang="en-US" sz="2400" dirty="0" smtClean="0"/>
+              <a:t>Pair Programming </a:t>
+            </a:r>
+            <a:r>
+              <a:rPr lang="en-US" sz="2400" dirty="0" err="1" smtClean="0"/>
+              <a:t>Bot</a:t>
+            </a:r>
+            <a:endParaRPr lang="en-US" sz="2400" dirty="0" smtClean="0"/>
+          </a:p>
+          <a:p>
+            <a:pPr lvl="1"/>
+            <a:r>
+              <a:rPr lang="en-US" sz="1800" dirty="0" smtClean="0">
+                <a:hlinkClick r:id="rId6"/>
+              </a:rPr>
+              <a:t>http://pairprogrammingbot.com/</a:t>
+            </a:r>
+            <a:endParaRPr lang="en-US" sz="1800" dirty="0" smtClean="0"/>
+          </a:p>
+          <a:p>
+            <a:endParaRPr lang="en-US" dirty="0"/>
           </a:p>
         </p:txBody>
       </p:sp>
@@ -9126,7 +9026,7 @@
           <a:p>
             <a:r>
               <a:rPr lang="en-US" dirty="0" smtClean="0"/>
-              <a:t>Resources – Practice!</a:t>
+              <a:t>Resources – Books</a:t>
             </a:r>
             <a:endParaRPr lang="en-US" dirty="0"/>
           </a:p>
@@ -9145,162 +9045,99 @@
         <p:spPr>
           <a:xfrm>
             <a:off x="457200" y="1600200"/>
-            <a:ext cx="8229600" cy="5257800"/>
+            <a:ext cx="8229600" cy="5105400"/>
           </a:xfrm>
         </p:spPr>
         <p:txBody>
           <a:bodyPr>
-            <a:normAutofit lnSpcReduction="10000"/>
+            <a:normAutofit/>
           </a:bodyPr>
           <a:lstStyle/>
           <a:p>
             <a:r>
               <a:rPr lang="en-US" dirty="0" smtClean="0"/>
-              <a:t>String Calculator </a:t>
+              <a:t>The Art of Unit Testing</a:t>
+            </a:r>
+          </a:p>
+          <a:p>
+            <a:pPr lvl="1"/>
+            <a:r>
+              <a:rPr lang="en-US" dirty="0" smtClean="0"/>
+              <a:t>by Roy </a:t>
             </a:r>
             <a:r>
               <a:rPr lang="en-US" dirty="0" err="1" smtClean="0"/>
-              <a:t>kata</a:t>
+              <a:t>Osherove</a:t>
             </a:r>
             <a:endParaRPr lang="en-US" dirty="0" smtClean="0"/>
           </a:p>
           <a:p>
+            <a:r>
+              <a:rPr lang="en-US" dirty="0" smtClean="0"/>
+              <a:t>Test Driven Development: By Example</a:t>
+            </a:r>
+          </a:p>
+          <a:p>
             <a:pPr lvl="1"/>
             <a:r>
-              <a:rPr lang="en-US" dirty="0" smtClean="0">
-                <a:hlinkClick r:id="rId2"/>
-              </a:rPr>
-              <a:t>http://osherove.com/tdd-kata-1/</a:t>
+              <a:rPr lang="en-US" dirty="0" smtClean="0"/>
+              <a:t>by Kent Beck</a:t>
+            </a:r>
+          </a:p>
+          <a:p>
+            <a:r>
+              <a:rPr lang="en-US" dirty="0" smtClean="0"/>
+              <a:t>Test Driven Development: A Practical Guide</a:t>
+            </a:r>
+          </a:p>
+          <a:p>
+            <a:pPr lvl="1"/>
+            <a:r>
+              <a:rPr lang="en-US" dirty="0" smtClean="0"/>
+              <a:t>by David </a:t>
+            </a:r>
+            <a:r>
+              <a:rPr lang="en-US" dirty="0" err="1" smtClean="0"/>
+              <a:t>Astels</a:t>
             </a:r>
             <a:endParaRPr lang="en-US" dirty="0" smtClean="0"/>
           </a:p>
           <a:p>
+            <a:r>
+              <a:rPr lang="en-US" dirty="0" smtClean="0"/>
+              <a:t>The RSpec Book: </a:t>
+            </a:r>
+            <a:r>
+              <a:rPr lang="en-US" dirty="0" err="1" smtClean="0"/>
+              <a:t>Behaviour</a:t>
+            </a:r>
+            <a:r>
+              <a:rPr lang="en-US" dirty="0" smtClean="0"/>
+              <a:t> Driven Development with RSpec, Cucumber, and Friends</a:t>
+            </a:r>
+          </a:p>
+          <a:p>
             <a:pPr lvl="1"/>
-            <a:endParaRPr lang="en-US" dirty="0" smtClean="0"/>
-          </a:p>
-          <a:p>
             <a:r>
               <a:rPr lang="en-US" dirty="0" smtClean="0"/>
-              <a:t>Bowling Game </a:t>
+              <a:t>by David </a:t>
             </a:r>
             <a:r>
               <a:rPr lang="en-US" dirty="0" err="1" smtClean="0"/>
-              <a:t>kata</a:t>
-            </a:r>
-            <a:endParaRPr lang="en-US" dirty="0" smtClean="0"/>
-          </a:p>
-          <a:p>
-            <a:pPr lvl="1"/>
-            <a:r>
-              <a:rPr lang="en-US" sz="2100" dirty="0" smtClean="0">
-                <a:hlinkClick r:id="rId3"/>
-              </a:rPr>
-              <a:t>http://butunclebob.com/ArticleS.UncleBob.TheBowlingGameKata</a:t>
-            </a:r>
-            <a:endParaRPr lang="en-US" sz="2100" dirty="0" smtClean="0"/>
-          </a:p>
-          <a:p>
-            <a:pPr lvl="1"/>
-            <a:endParaRPr lang="en-US" sz="2100" dirty="0" smtClean="0"/>
-          </a:p>
-          <a:p>
-            <a:r>
-              <a:rPr lang="en-US" sz="2700" dirty="0" smtClean="0"/>
-              <a:t>Prime Factors </a:t>
-            </a:r>
-            <a:r>
-              <a:rPr lang="en-US" sz="2700" dirty="0" err="1" smtClean="0"/>
-              <a:t>kata</a:t>
-            </a:r>
-            <a:endParaRPr lang="en-US" sz="2700" dirty="0" smtClean="0"/>
-          </a:p>
-          <a:p>
-            <a:pPr lvl="1"/>
-            <a:r>
-              <a:rPr lang="en-US" sz="1900" dirty="0" smtClean="0">
-                <a:hlinkClick r:id="rId4"/>
-              </a:rPr>
-              <a:t>http://www.butunclebob.com/ArticleS.UncleBob.ThePrimeFactorsKata</a:t>
-            </a:r>
-            <a:endParaRPr lang="en-US" sz="1900" dirty="0" smtClean="0"/>
-          </a:p>
-          <a:p>
-            <a:pPr lvl="1"/>
-            <a:endParaRPr lang="en-US" sz="1900" dirty="0" smtClean="0"/>
-          </a:p>
-          <a:p>
-            <a:r>
-              <a:rPr lang="en-US" sz="2500" dirty="0" smtClean="0"/>
-              <a:t>Greed game (part of the Ruby </a:t>
-            </a:r>
-            <a:r>
-              <a:rPr lang="en-US" sz="2500" dirty="0" err="1" smtClean="0"/>
-              <a:t>koans</a:t>
-            </a:r>
-            <a:r>
-              <a:rPr lang="en-US" sz="2500" dirty="0" smtClean="0"/>
-              <a:t>)</a:t>
-            </a:r>
-          </a:p>
-          <a:p>
-            <a:pPr lvl="1"/>
-            <a:r>
-              <a:rPr lang="en-US" dirty="0" smtClean="0">
-                <a:hlinkClick r:id="rId5"/>
-              </a:rPr>
-              <a:t>http://github.com/edgecase/ruby_koans</a:t>
-            </a:r>
-            <a:endParaRPr lang="en-US" dirty="0" smtClean="0"/>
-          </a:p>
-          <a:p>
-            <a:pPr lvl="1"/>
-            <a:endParaRPr lang="en-US" sz="1900" dirty="0" smtClean="0"/>
-          </a:p>
-          <a:p>
-            <a:r>
-              <a:rPr lang="en-US" sz="2500" dirty="0" err="1" smtClean="0"/>
-              <a:t>Katacasts</a:t>
-            </a:r>
-            <a:r>
-              <a:rPr lang="en-US" sz="2500" dirty="0"/>
-              <a:t> </a:t>
-            </a:r>
-            <a:r>
-              <a:rPr lang="en-US" sz="2500" dirty="0" smtClean="0"/>
-              <a:t>(watch </a:t>
-            </a:r>
-            <a:r>
-              <a:rPr lang="en-US" sz="2500" dirty="0" err="1" smtClean="0"/>
-              <a:t>screencasts</a:t>
-            </a:r>
-            <a:r>
-              <a:rPr lang="en-US" sz="2500" dirty="0" smtClean="0"/>
-              <a:t> of people doing various </a:t>
-            </a:r>
-            <a:r>
-              <a:rPr lang="en-US" sz="2500" dirty="0" err="1" smtClean="0"/>
-              <a:t>katas</a:t>
-            </a:r>
-            <a:r>
-              <a:rPr lang="en-US" sz="2500" dirty="0" smtClean="0"/>
-              <a:t>)</a:t>
-            </a:r>
-          </a:p>
-          <a:p>
-            <a:pPr lvl="1"/>
-            <a:r>
-              <a:rPr lang="en-US" dirty="0" smtClean="0">
-                <a:hlinkClick r:id="rId6"/>
-              </a:rPr>
-              <a:t>http://www.katacasts.com/</a:t>
-            </a:r>
-            <a:endParaRPr lang="en-US" dirty="0" smtClean="0"/>
-          </a:p>
-          <a:p>
-            <a:pPr lvl="1">
-              <a:buNone/>
-            </a:pPr>
-            <a:endParaRPr lang="en-US" sz="1900" dirty="0" smtClean="0"/>
+              <a:t>Chelimsky</a:t>
+            </a:r>
+            <a:r>
+              <a:rPr lang="en-US" dirty="0" smtClean="0"/>
+              <a:t>, Dave </a:t>
+            </a:r>
+            <a:r>
+              <a:rPr lang="en-US" dirty="0" err="1" smtClean="0"/>
+              <a:t>Astels</a:t>
+            </a:r>
+            <a:r>
+              <a:rPr lang="en-US" dirty="0" smtClean="0"/>
+              <a:t>, et. al.</a:t>
+            </a:r>
           </a:p>
         </p:txBody>
       </p:sp>
@@ -9355,7 +9192,7 @@
           <a:p>
             <a:r>
               <a:rPr lang="en-US" dirty="0" smtClean="0"/>
-              <a:t>Resources – Training</a:t>
+              <a:t>Resources – Practice!</a:t>
             </a:r>
             <a:endParaRPr lang="en-US" dirty="0"/>
           </a:p>
@@ -9374,115 +9211,162 @@
         <p:spPr>
           <a:xfrm>
             <a:off x="457200" y="1600200"/>
-            <a:ext cx="8229600" cy="4953000"/>
+            <a:ext cx="8229600" cy="5257800"/>
           </a:xfrm>
         </p:spPr>
         <p:txBody>
           <a:bodyPr>
-            <a:normAutofit/>
+            <a:normAutofit lnSpcReduction="10000"/>
           </a:bodyPr>
           <a:lstStyle/>
           <a:p>
             <a:r>
               <a:rPr lang="en-US" dirty="0" smtClean="0"/>
-              <a:t>TDD Boot Camp (.NET)</a:t>
-            </a:r>
+              <a:t>String Calculator </a:t>
+            </a:r>
+            <a:r>
+              <a:rPr lang="en-US" dirty="0" err="1" smtClean="0"/>
+              <a:t>kata</a:t>
+            </a:r>
+            <a:endParaRPr lang="en-US" dirty="0" smtClean="0"/>
           </a:p>
           <a:p>
             <a:pPr lvl="1"/>
             <a:r>
-              <a:rPr lang="en-US" sz="2800" dirty="0" smtClean="0">
+              <a:rPr lang="en-US" dirty="0" smtClean="0">
                 <a:hlinkClick r:id="rId2"/>
               </a:rPr>
-              <a:t>http://tddbootcamp.com</a:t>
-            </a:r>
-            <a:endParaRPr lang="en-US" sz="2800" dirty="0" smtClean="0"/>
+              <a:t>http://osherove.com/tdd-kata-1/</a:t>
+            </a:r>
+            <a:endParaRPr lang="en-US" dirty="0" smtClean="0"/>
           </a:p>
           <a:p>
             <a:pPr lvl="1"/>
-            <a:r>
-              <a:rPr lang="en-US" sz="2800" dirty="0" smtClean="0"/>
-              <a:t>Cincinnati – June 22-24</a:t>
-            </a:r>
+            <a:endParaRPr lang="en-US" dirty="0" smtClean="0"/>
+          </a:p>
+          <a:p>
+            <a:r>
+              <a:rPr lang="en-US" dirty="0" smtClean="0"/>
+              <a:t>Bowling Game </a:t>
+            </a:r>
+            <a:r>
+              <a:rPr lang="en-US" dirty="0" err="1" smtClean="0"/>
+              <a:t>kata</a:t>
+            </a:r>
+            <a:endParaRPr lang="en-US" dirty="0" smtClean="0"/>
           </a:p>
           <a:p>
             <a:pPr lvl="1"/>
             <a:r>
-              <a:rPr lang="en-US" sz="2800" dirty="0" smtClean="0"/>
-              <a:t>Columbus – July 13-15</a:t>
-            </a:r>
-          </a:p>
-          <a:p>
-            <a:pPr lvl="1"/>
-            <a:r>
-              <a:rPr lang="en-US" sz="2800" dirty="0" smtClean="0"/>
-              <a:t>Detroit – Aug. 18-20</a:t>
-            </a:r>
-            <a:br>
-              <a:rPr lang="en-US" sz="2800" dirty="0" smtClean="0"/>
-            </a:br>
-            <a:endParaRPr lang="en-US" sz="2800" dirty="0" smtClean="0"/>
-          </a:p>
-          <a:p>
-            <a:r>
-              <a:rPr lang="en-US" dirty="0" smtClean="0"/>
-              <a:t>Pillar Technology (Java)</a:t>
-            </a:r>
-          </a:p>
-          <a:p>
-            <a:pPr lvl="1"/>
-            <a:r>
-              <a:rPr lang="en-US" sz="2800" dirty="0" smtClean="0">
+              <a:rPr lang="en-US" sz="2100" dirty="0" smtClean="0">
                 <a:hlinkClick r:id="rId3"/>
               </a:rPr>
-              <a:t>http://pillartechnology.com</a:t>
-            </a:r>
-            <a:r>
-              <a:rPr lang="en-US" sz="2800" dirty="0" smtClean="0"/>
-              <a:t/>
-            </a:r>
-            <a:br>
-              <a:rPr lang="en-US" sz="2800" dirty="0" smtClean="0"/>
-            </a:br>
-            <a:endParaRPr lang="en-US" sz="2800" dirty="0" smtClean="0"/>
-          </a:p>
-          <a:p>
-            <a:r>
-              <a:rPr lang="en-US" dirty="0" err="1" smtClean="0"/>
-              <a:t>EdgeCase</a:t>
-            </a:r>
-            <a:r>
-              <a:rPr lang="en-US" dirty="0" smtClean="0"/>
-              <a:t> (Ruby on Rails)</a:t>
-            </a:r>
+              <a:t>http://butunclebob.com/ArticleS.UncleBob.TheBowlingGameKata</a:t>
+            </a:r>
+            <a:endParaRPr lang="en-US" sz="2100" dirty="0" smtClean="0"/>
           </a:p>
           <a:p>
             <a:pPr lvl="1"/>
-            <a:r>
-              <a:rPr lang="en-US" sz="2800" dirty="0" smtClean="0">
+            <a:endParaRPr lang="en-US" sz="2100" dirty="0" smtClean="0"/>
+          </a:p>
+          <a:p>
+            <a:r>
+              <a:rPr lang="en-US" sz="2700" dirty="0" smtClean="0"/>
+              <a:t>Prime Factors </a:t>
+            </a:r>
+            <a:r>
+              <a:rPr lang="en-US" sz="2700" dirty="0" err="1" smtClean="0"/>
+              <a:t>kata</a:t>
+            </a:r>
+            <a:endParaRPr lang="en-US" sz="2700" dirty="0" smtClean="0"/>
+          </a:p>
+          <a:p>
+            <a:pPr lvl="1"/>
+            <a:r>
+              <a:rPr lang="en-US" sz="1900" dirty="0" smtClean="0">
                 <a:hlinkClick r:id="rId4"/>
               </a:rPr>
-              <a:t>http://edgecase.com</a:t>
-            </a:r>
-            <a:endParaRPr lang="en-US" sz="2800" dirty="0" smtClean="0"/>
+              <a:t>http://www.butunclebob.com/ArticleS.UncleBob.ThePrimeFactorsKata</a:t>
+            </a:r>
+            <a:endParaRPr lang="en-US" sz="1900" dirty="0" smtClean="0"/>
+          </a:p>
+          <a:p>
+            <a:pPr lvl="1"/>
+            <a:endParaRPr lang="en-US" sz="1900" dirty="0" smtClean="0"/>
+          </a:p>
+          <a:p>
+            <a:r>
+              <a:rPr lang="en-US" sz="2500" dirty="0" smtClean="0"/>
+              <a:t>Greed game (part of the Ruby </a:t>
+            </a:r>
+            <a:r>
+              <a:rPr lang="en-US" sz="2500" dirty="0" err="1" smtClean="0"/>
+              <a:t>koans</a:t>
+            </a:r>
+            <a:r>
+              <a:rPr lang="en-US" sz="2500" dirty="0" smtClean="0"/>
+              <a:t>)</a:t>
+            </a:r>
+          </a:p>
+          <a:p>
+            <a:pPr lvl="1"/>
+            <a:r>
+              <a:rPr lang="en-US" dirty="0" smtClean="0">
+                <a:hlinkClick r:id="rId5"/>
+              </a:rPr>
+              <a:t>http://github.com/edgecase/ruby_koans</a:t>
+            </a:r>
+            <a:endParaRPr lang="en-US" dirty="0" smtClean="0"/>
+          </a:p>
+          <a:p>
+            <a:pPr lvl="1"/>
+            <a:endParaRPr lang="en-US" sz="1900" dirty="0" smtClean="0"/>
+          </a:p>
+          <a:p>
+            <a:r>
+              <a:rPr lang="en-US" sz="2500" dirty="0" err="1" smtClean="0"/>
+              <a:t>Katacasts</a:t>
+            </a:r>
+            <a:r>
+              <a:rPr lang="en-US" sz="2500" dirty="0"/>
+              <a:t> </a:t>
+            </a:r>
+            <a:r>
+              <a:rPr lang="en-US" sz="2500" dirty="0" smtClean="0"/>
+              <a:t>(watch </a:t>
+            </a:r>
+            <a:r>
+              <a:rPr lang="en-US" sz="2500" dirty="0" err="1" smtClean="0"/>
+              <a:t>screencasts</a:t>
+            </a:r>
+            <a:r>
+              <a:rPr lang="en-US" sz="2500" dirty="0" smtClean="0"/>
+              <a:t> of people doing various </a:t>
+            </a:r>
+            <a:r>
+              <a:rPr lang="en-US" sz="2500" dirty="0" err="1" smtClean="0"/>
+              <a:t>katas</a:t>
+            </a:r>
+            <a:r>
+              <a:rPr lang="en-US" sz="2500" dirty="0" smtClean="0"/>
+              <a:t>)</a:t>
+            </a:r>
+          </a:p>
+          <a:p>
+            <a:pPr lvl="1"/>
+            <a:r>
+              <a:rPr lang="en-US" dirty="0" smtClean="0">
+                <a:hlinkClick r:id="rId6"/>
+              </a:rPr>
+              <a:t>http://www.katacasts.com/</a:t>
+            </a:r>
+            <a:endParaRPr lang="en-US" dirty="0" smtClean="0"/>
           </a:p>
           <a:p>
             <a:pPr lvl="1">
               <a:buNone/>
             </a:pPr>
-            <a:endParaRPr lang="en-US" sz="2800" dirty="0" smtClean="0"/>
-          </a:p>
-          <a:p>
-            <a:pPr lvl="1">
-              <a:buNone/>
-            </a:pPr>
-            <a:endParaRPr lang="en-US" sz="2800" dirty="0" smtClean="0"/>
-          </a:p>
-          <a:p>
-            <a:pPr lvl="1">
-              <a:buNone/>
-            </a:pPr>
-            <a:endParaRPr lang="en-US" sz="2800" dirty="0" smtClean="0"/>
+            <a:endParaRPr lang="en-US" sz="1900" dirty="0" smtClean="0"/>
           </a:p>
         </p:txBody>
       </p:sp>
@@ -9537,6 +9421,188 @@
           <a:p>
             <a:r>
               <a:rPr lang="en-US" dirty="0" smtClean="0"/>
+              <a:t>Resources – Training</a:t>
+            </a:r>
+            <a:endParaRPr lang="en-US" dirty="0"/>
+          </a:p>
+        </p:txBody>
+      </p:sp>
+      <p:sp>
+        <p:nvSpPr>
+          <p:cNvPr id="3" name="Content Placeholder 2"/>
+          <p:cNvSpPr>
+            <a:spLocks noGrp="1"/>
+          </p:cNvSpPr>
+          <p:nvPr>
+            <p:ph idx="1"/>
+          </p:nvPr>
+        </p:nvSpPr>
+        <p:spPr>
+          <a:xfrm>
+            <a:off x="457200" y="1600200"/>
+            <a:ext cx="8229600" cy="4953000"/>
+          </a:xfrm>
+        </p:spPr>
+        <p:txBody>
+          <a:bodyPr>
+            <a:normAutofit/>
+          </a:bodyPr>
+          <a:lstStyle/>
+          <a:p>
+            <a:r>
+              <a:rPr lang="en-US" dirty="0" smtClean="0"/>
+              <a:t>TDD Boot Camp (.NET)</a:t>
+            </a:r>
+          </a:p>
+          <a:p>
+            <a:pPr lvl="1"/>
+            <a:r>
+              <a:rPr lang="en-US" sz="2800" dirty="0" smtClean="0">
+                <a:hlinkClick r:id="rId2"/>
+              </a:rPr>
+              <a:t>http://tddbootcamp.com</a:t>
+            </a:r>
+            <a:endParaRPr lang="en-US" sz="2800" dirty="0" smtClean="0"/>
+          </a:p>
+          <a:p>
+            <a:pPr lvl="1"/>
+            <a:r>
+              <a:rPr lang="en-US" sz="2800" dirty="0" smtClean="0"/>
+              <a:t>Cincinnati – June 22-24</a:t>
+            </a:r>
+          </a:p>
+          <a:p>
+            <a:pPr lvl="1"/>
+            <a:r>
+              <a:rPr lang="en-US" sz="2800" dirty="0" smtClean="0"/>
+              <a:t>Columbus – July 13-15</a:t>
+            </a:r>
+          </a:p>
+          <a:p>
+            <a:pPr lvl="1"/>
+            <a:r>
+              <a:rPr lang="en-US" sz="2800" dirty="0" smtClean="0"/>
+              <a:t>Detroit – Aug. 18-20</a:t>
+            </a:r>
+            <a:br>
+              <a:rPr lang="en-US" sz="2800" dirty="0" smtClean="0"/>
+            </a:br>
+            <a:endParaRPr lang="en-US" sz="2800" dirty="0" smtClean="0"/>
+          </a:p>
+          <a:p>
+            <a:r>
+              <a:rPr lang="en-US" dirty="0" smtClean="0"/>
+              <a:t>Pillar Technology (Java)</a:t>
+            </a:r>
+          </a:p>
+          <a:p>
+            <a:pPr lvl="1"/>
+            <a:r>
+              <a:rPr lang="en-US" sz="2800" dirty="0" smtClean="0">
+                <a:hlinkClick r:id="rId3"/>
+              </a:rPr>
+              <a:t>http://pillartechnology.com</a:t>
+            </a:r>
+            <a:r>
+              <a:rPr lang="en-US" sz="2800" dirty="0" smtClean="0"/>
+              <a:t/>
+            </a:r>
+            <a:br>
+              <a:rPr lang="en-US" sz="2800" dirty="0" smtClean="0"/>
+            </a:br>
+            <a:endParaRPr lang="en-US" sz="2800" dirty="0" smtClean="0"/>
+          </a:p>
+          <a:p>
+            <a:r>
+              <a:rPr lang="en-US" dirty="0" err="1" smtClean="0"/>
+              <a:t>EdgeCase</a:t>
+            </a:r>
+            <a:r>
+              <a:rPr lang="en-US" dirty="0" smtClean="0"/>
+              <a:t> (Ruby on Rails)</a:t>
+            </a:r>
+          </a:p>
+          <a:p>
+            <a:pPr lvl="1"/>
+            <a:r>
+              <a:rPr lang="en-US" sz="2800" dirty="0" smtClean="0">
+                <a:hlinkClick r:id="rId4"/>
+              </a:rPr>
+              <a:t>http://edgecase.com</a:t>
+            </a:r>
+            <a:endParaRPr lang="en-US" sz="2800" dirty="0" smtClean="0"/>
+          </a:p>
+          <a:p>
+            <a:pPr lvl="1">
+              <a:buNone/>
+            </a:pPr>
+            <a:endParaRPr lang="en-US" sz="2800" dirty="0" smtClean="0"/>
+          </a:p>
+          <a:p>
+            <a:pPr lvl="1">
+              <a:buNone/>
+            </a:pPr>
+            <a:endParaRPr lang="en-US" sz="2800" dirty="0" smtClean="0"/>
+          </a:p>
+          <a:p>
+            <a:pPr lvl="1">
+              <a:buNone/>
+            </a:pPr>
+            <a:endParaRPr lang="en-US" sz="2800" dirty="0" smtClean="0"/>
+          </a:p>
+        </p:txBody>
+      </p:sp>
+    </p:spTree>
+  </p:cSld>
+  <p:clrMapOvr>
+    <a:masterClrMapping/>
+  </p:clrMapOvr>
+  <p:timing>
+    <p:tnLst>
+      <p:par>
+        <p:cTn id="1" dur="indefinite" restart="never" nodeType="tmRoot"/>
+      </p:par>
+    </p:tnLst>
+  </p:timing>
+</p:sld>
+</file>
+
+<file path=ppt/slides/slide37.xml><?xml version="1.0" encoding="utf-8"?>
+<p:sld xmlns:a="http://schemas.openxmlformats.org/drawingml/2006/main" xmlns:r="http://schemas.openxmlformats.org/officeDocument/2006/relationships" xmlns:p="http://schemas.openxmlformats.org/presentationml/2006/main">
+  <p:cSld>
+    <p:spTree>
+      <p:nvGrpSpPr>
+        <p:cNvPr id="1" name=""/>
+        <p:cNvGrpSpPr/>
+        <p:nvPr/>
+      </p:nvGrpSpPr>
+      <p:grpSpPr>
+        <a:xfrm>
+          <a:off x="0" y="0"/>
+          <a:ext cx="0" cy="0"/>
+          <a:chOff x="0" y="0"/>
+          <a:chExt cx="0" cy="0"/>
+        </a:xfrm>
+      </p:grpSpPr>
+      <p:sp>
+        <p:nvSpPr>
+          <p:cNvPr id="2" name="Title 1"/>
+          <p:cNvSpPr>
+            <a:spLocks noGrp="1"/>
+          </p:cNvSpPr>
+          <p:nvPr>
+            <p:ph type="title"/>
+          </p:nvPr>
+        </p:nvSpPr>
+        <p:spPr/>
+        <p:txBody>
+          <a:bodyPr>
+            <a:normAutofit/>
+          </a:bodyPr>
+          <a:lstStyle/>
+          <a:p>
+            <a:r>
+              <a:rPr lang="en-US" dirty="0" smtClean="0"/>
               <a:t>My Info</a:t>
             </a:r>
             <a:endParaRPr lang="en-US" dirty="0"/>
@@ -9616,8 +9682,34 @@
               <a:rPr lang="en-US" b="1" dirty="0" smtClean="0">
                 <a:hlinkClick r:id="rId4"/>
               </a:rPr>
-              <a:t>http://tinyurl.com/tdd-in-action</a:t>
-            </a:r>
+              <a:t>http://</a:t>
+            </a:r>
+            <a:r>
+              <a:rPr lang="en-US" b="1" dirty="0" smtClean="0">
+                <a:hlinkClick r:id="rId4"/>
+              </a:rPr>
+              <a:t>tinyurl.com/tdd-in-action</a:t>
+            </a:r>
+            <a:endParaRPr lang="en-US" b="1" dirty="0" smtClean="0"/>
+          </a:p>
+          <a:p>
+            <a:r>
+              <a:rPr lang="en-US" dirty="0" smtClean="0"/>
+              <a:t>Code:</a:t>
+            </a:r>
+            <a:r>
+              <a:rPr lang="en-US" b="1" dirty="0" smtClean="0"/>
+              <a:t> </a:t>
+            </a:r>
+            <a:r>
+              <a:rPr lang="en-US" b="1" dirty="0" smtClean="0">
+                <a:hlinkClick r:id="rId5"/>
+              </a:rPr>
+              <a:t>http://github.com/jonkruger/tdd-in-action</a:t>
+            </a:r>
+            <a:endParaRPr lang="en-US" b="1" dirty="0" smtClean="0"/>
+          </a:p>
+          <a:p>
             <a:endParaRPr lang="en-US" b="1" dirty="0" smtClean="0"/>
           </a:p>
           <a:p>
@@ -11567,52 +11659,29 @@
       </p:grpSpPr>
       <p:sp>
         <p:nvSpPr>
-          <p:cNvPr id="2" name="Title 1"/>
-          <p:cNvSpPr>
-            <a:spLocks noGrp="1"/>
-          </p:cNvSpPr>
-          <p:nvPr>
-            <p:ph type="title"/>
-          </p:nvPr>
-        </p:nvSpPr>
-        <p:spPr/>
-        <p:txBody>
-          <a:bodyPr/>
-          <a:lstStyle/>
-          <a:p>
-            <a:r>
-              <a:rPr lang="en-US" dirty="0" smtClean="0"/>
-              <a:t>Benefits of TDD</a:t>
-            </a:r>
-            <a:endParaRPr lang="en-US" dirty="0"/>
-          </a:p>
-        </p:txBody>
-      </p:sp>
-      <p:sp>
-        <p:nvSpPr>
-          <p:cNvPr id="3" name="Content Placeholder 2"/>
-          <p:cNvSpPr>
-            <a:spLocks noGrp="1"/>
-          </p:cNvSpPr>
-          <p:nvPr>
-            <p:ph idx="1"/>
-          </p:nvPr>
-        </p:nvSpPr>
-        <p:spPr/>
-        <p:txBody>
-          <a:bodyPr anchor="ctr">
-            <a:normAutofit/>
-          </a:bodyPr>
-          <a:lstStyle/>
-          <a:p>
-            <a:pPr algn="ctr">
-              <a:buNone/>
-            </a:pPr>
-            <a:r>
-              <a:rPr lang="en-US" sz="4400" b="1" dirty="0" smtClean="0"/>
-              <a:t>We know that our code is working!</a:t>
-            </a:r>
-            <a:endParaRPr lang="en-US" sz="4400" b="1" dirty="0"/>
+          <p:cNvPr id="4" name="Title 3"/>
+          <p:cNvSpPr>
+            <a:spLocks noGrp="1"/>
+          </p:cNvSpPr>
+          <p:nvPr>
+            <p:ph type="ctrTitle"/>
+          </p:nvPr>
+        </p:nvSpPr>
+        <p:spPr>
+          <a:xfrm>
+            <a:off x="685800" y="228600"/>
+            <a:ext cx="7772400" cy="6400800"/>
+          </a:xfrm>
+        </p:spPr>
+        <p:txBody>
+          <a:bodyPr anchor="ctr"/>
+          <a:lstStyle/>
+          <a:p>
+            <a:r>
+              <a:rPr lang="en-US" sz="30000" dirty="0" smtClean="0"/>
+              <a:t>?</a:t>
+            </a:r>
+            <a:endParaRPr lang="en-US" sz="30000" dirty="0"/>
           </a:p>
         </p:txBody>
       </p:sp>
@@ -11621,13 +11690,6 @@
   <p:clrMapOvr>
     <a:masterClrMapping/>
   </p:clrMapOvr>
-  <p:timing>
-    <p:tnLst>
-      <p:par>
-        <p:cTn id="1" dur="indefinite" restart="never" nodeType="tmRoot"/>
-      </p:par>
-    </p:tnLst>
-  </p:timing>
 </p:sld>
 </file>
 

--- a/TDD In Action.pptx
+++ b/TDD In Action.pptx
@@ -5,7 +5,7 @@
     <p:sldMasterId id="2147483840" r:id="rId1"/>
   </p:sldMasterIdLst>
   <p:notesMasterIdLst>
-    <p:notesMasterId r:id="rId39"/>
+    <p:notesMasterId r:id="rId40"/>
   </p:notesMasterIdLst>
   <p:sldIdLst>
     <p:sldId id="320" r:id="rId2"/>
@@ -33,18 +33,19 @@
     <p:sldId id="387" r:id="rId24"/>
     <p:sldId id="388" r:id="rId25"/>
     <p:sldId id="391" r:id="rId26"/>
-    <p:sldId id="393" r:id="rId27"/>
-    <p:sldId id="360" r:id="rId28"/>
-    <p:sldId id="358" r:id="rId29"/>
-    <p:sldId id="359" r:id="rId30"/>
-    <p:sldId id="403" r:id="rId31"/>
-    <p:sldId id="396" r:id="rId32"/>
-    <p:sldId id="402" r:id="rId33"/>
-    <p:sldId id="397" r:id="rId34"/>
-    <p:sldId id="401" r:id="rId35"/>
-    <p:sldId id="398" r:id="rId36"/>
-    <p:sldId id="400" r:id="rId37"/>
-    <p:sldId id="399" r:id="rId38"/>
+    <p:sldId id="405" r:id="rId27"/>
+    <p:sldId id="393" r:id="rId28"/>
+    <p:sldId id="360" r:id="rId29"/>
+    <p:sldId id="358" r:id="rId30"/>
+    <p:sldId id="359" r:id="rId31"/>
+    <p:sldId id="403" r:id="rId32"/>
+    <p:sldId id="396" r:id="rId33"/>
+    <p:sldId id="402" r:id="rId34"/>
+    <p:sldId id="397" r:id="rId35"/>
+    <p:sldId id="401" r:id="rId36"/>
+    <p:sldId id="398" r:id="rId37"/>
+    <p:sldId id="400" r:id="rId38"/>
+    <p:sldId id="399" r:id="rId39"/>
   </p:sldIdLst>
   <p:sldSz cx="9144000" cy="6858000" type="screen4x3"/>
   <p:notesSz cx="6858000" cy="9144000"/>
@@ -229,7 +230,7 @@
             <a:fld id="{CE22DD2D-CE48-432A-B750-FE638311F72D}" type="datetimeFigureOut">
               <a:rPr lang="en-US" smtClean="0"/>
               <a:pPr/>
-              <a:t>5/20/2010</a:t>
+              <a:t>5/26/2010</a:t>
             </a:fld>
             <a:endParaRPr lang="en-US"/>
           </a:p>
@@ -541,21 +542,58 @@
           </a:bodyPr>
           <a:lstStyle/>
           <a:p>
-            <a:r>
-              <a:rPr lang="en-US" dirty="0" smtClean="0"/>
-              <a:t>-Lower stress</a:t>
-            </a:r>
+            <a:pPr>
+              <a:buFontTx/>
+              <a:buChar char="-"/>
+            </a:pPr>
             <a:r>
               <a:rPr lang="en-US" baseline="0" dirty="0" smtClean="0"/>
-              <a:t> level!</a:t>
-            </a:r>
-          </a:p>
-          <a:p>
+              <a:t>Not going to teach you everything about TDD in one hour</a:t>
+            </a:r>
+          </a:p>
+          <a:p>
+            <a:pPr>
+              <a:buFontTx/>
+              <a:buChar char="-"/>
+            </a:pPr>
             <a:r>
               <a:rPr lang="en-US" baseline="0" dirty="0" smtClean="0"/>
-              <a:t>-Not wasting time setting breakpoints and testing the debugger</a:t>
-            </a:r>
-            <a:endParaRPr lang="en-US" dirty="0"/>
+              <a:t>Going to try to show you how to think test-first and why you should do TDD</a:t>
+            </a:r>
+          </a:p>
+          <a:p>
+            <a:pPr marL="0" marR="0" indent="0" algn="l" defTabSz="914400" rtl="0" eaLnBrk="1" fontAlgn="auto" latinLnBrk="0" hangingPunct="1">
+              <a:lnSpc>
+                <a:spcPct val="100000"/>
+              </a:lnSpc>
+              <a:spcBef>
+                <a:spcPts val="0"/>
+              </a:spcBef>
+              <a:spcAft>
+                <a:spcPts val="0"/>
+              </a:spcAft>
+              <a:buClrTx/>
+              <a:buSzTx/>
+              <a:buFontTx/>
+              <a:buChar char="-"/>
+              <a:tabLst/>
+              <a:defRPr/>
+            </a:pPr>
+            <a:r>
+              <a:rPr lang="en-US" baseline="0" dirty="0" smtClean="0"/>
+              <a:t>Agile is about expecting and planning for change – TDD will enable us to succeed</a:t>
+            </a:r>
+            <a:endParaRPr lang="en-US" dirty="0" smtClean="0"/>
+          </a:p>
+          <a:p>
+            <a:pPr>
+              <a:buFontTx/>
+              <a:buChar char="-"/>
+            </a:pPr>
+            <a:r>
+              <a:rPr lang="en-US" baseline="0" dirty="0" smtClean="0"/>
+              <a:t>I’m going to show you how to do this in .NET, but I’m not trying to teach the frameworks as much as I’m trying to teach you a new way of thinking</a:t>
+            </a:r>
           </a:p>
         </p:txBody>
       </p:sp>
@@ -577,7 +615,7 @@
             <a:fld id="{46B52E04-8F68-435C-880A-7C7B12D9BA2F}" type="slidenum">
               <a:rPr lang="en-US" smtClean="0"/>
               <a:pPr/>
-              <a:t>10</a:t>
+              <a:t>1</a:t>
             </a:fld>
             <a:endParaRPr lang="en-US"/>
           </a:p>
@@ -637,13 +675,27 @@
           </a:bodyPr>
           <a:lstStyle/>
           <a:p>
+            <a:pPr>
+              <a:buFontTx/>
+              <a:buChar char="-"/>
+            </a:pPr>
             <a:r>
               <a:rPr lang="en-US" dirty="0" smtClean="0"/>
-              <a:t>-If</a:t>
+              <a:t>We won’t waste time on code</a:t>
             </a:r>
             <a:r>
               <a:rPr lang="en-US" baseline="0" dirty="0" smtClean="0"/>
-              <a:t> you write your tests after your implementation code, you might end up with a situation where it’s difficult to test it</a:t>
+              <a:t> that we don’t need to write</a:t>
+            </a:r>
+          </a:p>
+          <a:p>
+            <a:pPr>
+              <a:buFontTx/>
+              <a:buChar char="-"/>
+            </a:pPr>
+            <a:r>
+              <a:rPr lang="en-US" baseline="0" dirty="0" smtClean="0"/>
+              <a:t>Helps prevent gold plating</a:t>
             </a:r>
             <a:endParaRPr lang="en-US" dirty="0"/>
           </a:p>
@@ -667,7 +719,7 @@
             <a:fld id="{46B52E04-8F68-435C-880A-7C7B12D9BA2F}" type="slidenum">
               <a:rPr lang="en-US" smtClean="0"/>
               <a:pPr/>
-              <a:t>20</a:t>
+              <a:t>17</a:t>
             </a:fld>
             <a:endParaRPr lang="en-US"/>
           </a:p>
@@ -729,19 +781,17 @@
           <a:p>
             <a:r>
               <a:rPr lang="en-US" dirty="0" smtClean="0"/>
-              <a:t>My </a:t>
-            </a:r>
-            <a:r>
-              <a:rPr lang="en-US" dirty="0" err="1" smtClean="0"/>
-              <a:t>definiton</a:t>
-            </a:r>
-            <a:r>
-              <a:rPr lang="en-US" dirty="0" smtClean="0"/>
-              <a:t> of</a:t>
+              <a:t>-When</a:t>
             </a:r>
             <a:r>
               <a:rPr lang="en-US" baseline="0" dirty="0" smtClean="0"/>
-              <a:t> legacy code: Code where the cost or risk associated with changing it outweighs the benefits of the change.</a:t>
+              <a:t> you write testable code, you are less likely to have tight coupling </a:t>
+            </a:r>
+          </a:p>
+          <a:p>
+            <a:r>
+              <a:rPr lang="en-US" baseline="0" dirty="0" smtClean="0"/>
+              <a:t>-Our tests help us name our methods well</a:t>
             </a:r>
             <a:endParaRPr lang="en-US" dirty="0"/>
           </a:p>
@@ -765,7 +815,7 @@
             <a:fld id="{46B52E04-8F68-435C-880A-7C7B12D9BA2F}" type="slidenum">
               <a:rPr lang="en-US" smtClean="0"/>
               <a:pPr/>
-              <a:t>24</a:t>
+              <a:t>18</a:t>
             </a:fld>
             <a:endParaRPr lang="en-US"/>
           </a:p>
@@ -827,6 +877,194 @@
           <a:p>
             <a:r>
               <a:rPr lang="en-US" dirty="0" smtClean="0"/>
+              <a:t>-If</a:t>
+            </a:r>
+            <a:r>
+              <a:rPr lang="en-US" baseline="0" dirty="0" smtClean="0"/>
+              <a:t> you write your tests after your implementation code, you might end up with a situation where it’s difficult to test it</a:t>
+            </a:r>
+            <a:endParaRPr lang="en-US" dirty="0"/>
+          </a:p>
+        </p:txBody>
+      </p:sp>
+      <p:sp>
+        <p:nvSpPr>
+          <p:cNvPr id="4" name="Slide Number Placeholder 3"/>
+          <p:cNvSpPr>
+            <a:spLocks noGrp="1"/>
+          </p:cNvSpPr>
+          <p:nvPr>
+            <p:ph type="sldNum" sz="quarter" idx="10"/>
+          </p:nvPr>
+        </p:nvSpPr>
+        <p:spPr/>
+        <p:txBody>
+          <a:bodyPr/>
+          <a:lstStyle/>
+          <a:p>
+            <a:fld id="{46B52E04-8F68-435C-880A-7C7B12D9BA2F}" type="slidenum">
+              <a:rPr lang="en-US" smtClean="0"/>
+              <a:pPr/>
+              <a:t>20</a:t>
+            </a:fld>
+            <a:endParaRPr lang="en-US"/>
+          </a:p>
+        </p:txBody>
+      </p:sp>
+    </p:spTree>
+  </p:cSld>
+  <p:clrMapOvr>
+    <a:masterClrMapping/>
+  </p:clrMapOvr>
+</p:notes>
+</file>
+
+<file path=ppt/notesSlides/notesSlide13.xml><?xml version="1.0" encoding="utf-8"?>
+<p:notes xmlns:a="http://schemas.openxmlformats.org/drawingml/2006/main" xmlns:r="http://schemas.openxmlformats.org/officeDocument/2006/relationships" xmlns:p="http://schemas.openxmlformats.org/presentationml/2006/main">
+  <p:cSld>
+    <p:spTree>
+      <p:nvGrpSpPr>
+        <p:cNvPr id="1" name=""/>
+        <p:cNvGrpSpPr/>
+        <p:nvPr/>
+      </p:nvGrpSpPr>
+      <p:grpSpPr>
+        <a:xfrm>
+          <a:off x="0" y="0"/>
+          <a:ext cx="0" cy="0"/>
+          <a:chOff x="0" y="0"/>
+          <a:chExt cx="0" cy="0"/>
+        </a:xfrm>
+      </p:grpSpPr>
+      <p:sp>
+        <p:nvSpPr>
+          <p:cNvPr id="2" name="Slide Image Placeholder 1"/>
+          <p:cNvSpPr>
+            <a:spLocks noGrp="1" noRot="1" noChangeAspect="1"/>
+          </p:cNvSpPr>
+          <p:nvPr>
+            <p:ph type="sldImg"/>
+          </p:nvPr>
+        </p:nvSpPr>
+        <p:spPr/>
+      </p:sp>
+      <p:sp>
+        <p:nvSpPr>
+          <p:cNvPr id="3" name="Notes Placeholder 2"/>
+          <p:cNvSpPr>
+            <a:spLocks noGrp="1"/>
+          </p:cNvSpPr>
+          <p:nvPr>
+            <p:ph type="body" idx="1"/>
+          </p:nvPr>
+        </p:nvSpPr>
+        <p:spPr/>
+        <p:txBody>
+          <a:bodyPr>
+            <a:normAutofit/>
+          </a:bodyPr>
+          <a:lstStyle/>
+          <a:p>
+            <a:r>
+              <a:rPr lang="en-US" dirty="0" smtClean="0"/>
+              <a:t>My </a:t>
+            </a:r>
+            <a:r>
+              <a:rPr lang="en-US" dirty="0" err="1" smtClean="0"/>
+              <a:t>definiton</a:t>
+            </a:r>
+            <a:r>
+              <a:rPr lang="en-US" dirty="0" smtClean="0"/>
+              <a:t> of</a:t>
+            </a:r>
+            <a:r>
+              <a:rPr lang="en-US" baseline="0" dirty="0" smtClean="0"/>
+              <a:t> legacy code: Code where the cost or risk associated with changing it outweighs the benefits of the change.</a:t>
+            </a:r>
+            <a:endParaRPr lang="en-US" dirty="0"/>
+          </a:p>
+        </p:txBody>
+      </p:sp>
+      <p:sp>
+        <p:nvSpPr>
+          <p:cNvPr id="4" name="Slide Number Placeholder 3"/>
+          <p:cNvSpPr>
+            <a:spLocks noGrp="1"/>
+          </p:cNvSpPr>
+          <p:nvPr>
+            <p:ph type="sldNum" sz="quarter" idx="10"/>
+          </p:nvPr>
+        </p:nvSpPr>
+        <p:spPr/>
+        <p:txBody>
+          <a:bodyPr/>
+          <a:lstStyle/>
+          <a:p>
+            <a:fld id="{46B52E04-8F68-435C-880A-7C7B12D9BA2F}" type="slidenum">
+              <a:rPr lang="en-US" smtClean="0"/>
+              <a:pPr/>
+              <a:t>24</a:t>
+            </a:fld>
+            <a:endParaRPr lang="en-US"/>
+          </a:p>
+        </p:txBody>
+      </p:sp>
+    </p:spTree>
+  </p:cSld>
+  <p:clrMapOvr>
+    <a:masterClrMapping/>
+  </p:clrMapOvr>
+</p:notes>
+</file>
+
+<file path=ppt/notesSlides/notesSlide14.xml><?xml version="1.0" encoding="utf-8"?>
+<p:notes xmlns:a="http://schemas.openxmlformats.org/drawingml/2006/main" xmlns:r="http://schemas.openxmlformats.org/officeDocument/2006/relationships" xmlns:p="http://schemas.openxmlformats.org/presentationml/2006/main">
+  <p:cSld>
+    <p:spTree>
+      <p:nvGrpSpPr>
+        <p:cNvPr id="1" name=""/>
+        <p:cNvGrpSpPr/>
+        <p:nvPr/>
+      </p:nvGrpSpPr>
+      <p:grpSpPr>
+        <a:xfrm>
+          <a:off x="0" y="0"/>
+          <a:ext cx="0" cy="0"/>
+          <a:chOff x="0" y="0"/>
+          <a:chExt cx="0" cy="0"/>
+        </a:xfrm>
+      </p:grpSpPr>
+      <p:sp>
+        <p:nvSpPr>
+          <p:cNvPr id="2" name="Slide Image Placeholder 1"/>
+          <p:cNvSpPr>
+            <a:spLocks noGrp="1" noRot="1" noChangeAspect="1"/>
+          </p:cNvSpPr>
+          <p:nvPr>
+            <p:ph type="sldImg"/>
+          </p:nvPr>
+        </p:nvSpPr>
+        <p:spPr/>
+      </p:sp>
+      <p:sp>
+        <p:nvSpPr>
+          <p:cNvPr id="3" name="Notes Placeholder 2"/>
+          <p:cNvSpPr>
+            <a:spLocks noGrp="1"/>
+          </p:cNvSpPr>
+          <p:nvPr>
+            <p:ph type="body" idx="1"/>
+          </p:nvPr>
+        </p:nvSpPr>
+        <p:spPr/>
+        <p:txBody>
+          <a:bodyPr>
+            <a:normAutofit/>
+          </a:bodyPr>
+          <a:lstStyle/>
+          <a:p>
+            <a:r>
+              <a:rPr lang="en-US" dirty="0" smtClean="0"/>
               <a:t>I can’t explain this one,</a:t>
             </a:r>
             <a:r>
@@ -917,24 +1155,22 @@
           <a:p>
             <a:r>
               <a:rPr lang="en-US" dirty="0" smtClean="0"/>
-              <a:t>-If you test with</a:t>
+              <a:t>What do you do when you get a feature?  Do you start drawing database diagrams</a:t>
             </a:r>
             <a:r>
               <a:rPr lang="en-US" baseline="0" dirty="0" smtClean="0"/>
-              <a:t> the debugger, how do you know the next day if your code is  still working?</a:t>
-            </a:r>
-            <a:endParaRPr lang="en-US" dirty="0" smtClean="0"/>
-          </a:p>
-          <a:p>
-            <a:r>
-              <a:rPr lang="en-US" dirty="0" smtClean="0"/>
-              <a:t>-Someone</a:t>
-            </a:r>
-            <a:r>
-              <a:rPr lang="en-US" baseline="0" dirty="0" smtClean="0"/>
-              <a:t> else is going to change your code someday, so now you don’t have to worry about them breaking your stuff.</a:t>
-            </a:r>
-            <a:endParaRPr lang="en-US" dirty="0"/>
+              <a:t> on the whiteboard?  How can we best write our code while keeping the business functionality in mind?</a:t>
+            </a:r>
+          </a:p>
+          <a:p>
+            <a:endParaRPr lang="en-US" baseline="0" dirty="0" smtClean="0"/>
+          </a:p>
+          <a:p>
+            <a:r>
+              <a:rPr lang="en-US" b="1" baseline="0" dirty="0" smtClean="0"/>
+              <a:t>The goal is to preserve the original intentions of the business.</a:t>
+            </a:r>
+            <a:endParaRPr lang="en-US" b="1" dirty="0"/>
           </a:p>
         </p:txBody>
       </p:sp>
@@ -956,7 +1192,7 @@
             <a:fld id="{46B52E04-8F68-435C-880A-7C7B12D9BA2F}" type="slidenum">
               <a:rPr lang="en-US" smtClean="0"/>
               <a:pPr/>
-              <a:t>11</a:t>
+              <a:t>7</a:t>
             </a:fld>
             <a:endParaRPr lang="en-US"/>
           </a:p>
@@ -1016,27 +1252,19 @@
           </a:bodyPr>
           <a:lstStyle/>
           <a:p>
-            <a:pPr>
-              <a:buFontTx/>
-              <a:buChar char="-"/>
-            </a:pPr>
             <a:r>
               <a:rPr lang="en-US" dirty="0" smtClean="0"/>
-              <a:t>Bugs cost money to find, money to write up, money to fix</a:t>
-            </a:r>
-          </a:p>
-          <a:p>
-            <a:pPr>
-              <a:buFontTx/>
-              <a:buChar char="-"/>
-            </a:pPr>
-            <a:r>
-              <a:rPr lang="en-US" dirty="0" smtClean="0"/>
-              <a:t>The</a:t>
+              <a:t>-Lower stress</a:t>
             </a:r>
             <a:r>
               <a:rPr lang="en-US" baseline="0" dirty="0" smtClean="0"/>
-              <a:t> negative impact caused by bugs can be really expensive</a:t>
+              <a:t> level!</a:t>
+            </a:r>
+          </a:p>
+          <a:p>
+            <a:r>
+              <a:rPr lang="en-US" baseline="0" dirty="0" smtClean="0"/>
+              <a:t>-Not wasting time setting breakpoints and testing the debugger</a:t>
             </a:r>
             <a:endParaRPr lang="en-US" dirty="0"/>
           </a:p>
@@ -1060,7 +1288,7 @@
             <a:fld id="{46B52E04-8F68-435C-880A-7C7B12D9BA2F}" type="slidenum">
               <a:rPr lang="en-US" smtClean="0"/>
               <a:pPr/>
-              <a:t>12</a:t>
+              <a:t>10</a:t>
             </a:fld>
             <a:endParaRPr lang="en-US"/>
           </a:p>
@@ -1120,6 +1348,25 @@
           </a:bodyPr>
           <a:lstStyle/>
           <a:p>
+            <a:r>
+              <a:rPr lang="en-US" dirty="0" smtClean="0"/>
+              <a:t>-If you test with</a:t>
+            </a:r>
+            <a:r>
+              <a:rPr lang="en-US" baseline="0" dirty="0" smtClean="0"/>
+              <a:t> the debugger, how do you know the next day if your code is  still working?</a:t>
+            </a:r>
+            <a:endParaRPr lang="en-US" dirty="0" smtClean="0"/>
+          </a:p>
+          <a:p>
+            <a:r>
+              <a:rPr lang="en-US" dirty="0" smtClean="0"/>
+              <a:t>-Someone</a:t>
+            </a:r>
+            <a:r>
+              <a:rPr lang="en-US" baseline="0" dirty="0" smtClean="0"/>
+              <a:t> else is going to change your code someday, so now you don’t have to worry about them breaking your stuff.</a:t>
+            </a:r>
             <a:endParaRPr lang="en-US" dirty="0"/>
           </a:p>
         </p:txBody>
@@ -1142,7 +1389,7 @@
             <a:fld id="{46B52E04-8F68-435C-880A-7C7B12D9BA2F}" type="slidenum">
               <a:rPr lang="en-US" smtClean="0"/>
               <a:pPr/>
-              <a:t>13</a:t>
+              <a:t>11</a:t>
             </a:fld>
             <a:endParaRPr lang="en-US"/>
           </a:p>
@@ -1202,6 +1449,28 @@
           </a:bodyPr>
           <a:lstStyle/>
           <a:p>
+            <a:pPr>
+              <a:buFontTx/>
+              <a:buChar char="-"/>
+            </a:pPr>
+            <a:r>
+              <a:rPr lang="en-US" dirty="0" smtClean="0"/>
+              <a:t>Bugs cost money to find, money to write up, money to fix</a:t>
+            </a:r>
+          </a:p>
+          <a:p>
+            <a:pPr>
+              <a:buFontTx/>
+              <a:buChar char="-"/>
+            </a:pPr>
+            <a:r>
+              <a:rPr lang="en-US" dirty="0" smtClean="0"/>
+              <a:t>The</a:t>
+            </a:r>
+            <a:r>
+              <a:rPr lang="en-US" baseline="0" dirty="0" smtClean="0"/>
+              <a:t> negative impact caused by bugs can be really expensive</a:t>
+            </a:r>
             <a:endParaRPr lang="en-US" dirty="0"/>
           </a:p>
         </p:txBody>
@@ -1224,7 +1493,7 @@
             <a:fld id="{46B52E04-8F68-435C-880A-7C7B12D9BA2F}" type="slidenum">
               <a:rPr lang="en-US" smtClean="0"/>
               <a:pPr/>
-              <a:t>14</a:t>
+              <a:t>12</a:t>
             </a:fld>
             <a:endParaRPr lang="en-US"/>
           </a:p>
@@ -1284,34 +1553,6 @@
           </a:bodyPr>
           <a:lstStyle/>
           <a:p>
-            <a:pPr marL="0" marR="0" indent="0" algn="l" defTabSz="914400" rtl="0" eaLnBrk="1" fontAlgn="auto" latinLnBrk="0" hangingPunct="1">
-              <a:lnSpc>
-                <a:spcPct val="100000"/>
-              </a:lnSpc>
-              <a:spcBef>
-                <a:spcPts val="0"/>
-              </a:spcBef>
-              <a:spcAft>
-                <a:spcPts val="0"/>
-              </a:spcAft>
-              <a:buClrTx/>
-              <a:buSzTx/>
-              <a:buFontTx/>
-              <a:buNone/>
-              <a:tabLst/>
-              <a:defRPr/>
-            </a:pPr>
-            <a:r>
-              <a:rPr lang="en-US" dirty="0" smtClean="0"/>
-              <a:t>Software development is a series</a:t>
-            </a:r>
-            <a:r>
-              <a:rPr lang="en-US" baseline="0" dirty="0" smtClean="0"/>
-              <a:t> of translations – we need to get from an idea in someone’s head to working software.  The best way to not lose sight of that goal is to do small “translations” that will ensure that we stay focused on the original goal.</a:t>
-            </a:r>
-            <a:endParaRPr lang="en-US" dirty="0" smtClean="0"/>
-          </a:p>
-          <a:p>
             <a:endParaRPr lang="en-US" dirty="0"/>
           </a:p>
         </p:txBody>
@@ -1334,7 +1575,7 @@
             <a:fld id="{46B52E04-8F68-435C-880A-7C7B12D9BA2F}" type="slidenum">
               <a:rPr lang="en-US" smtClean="0"/>
               <a:pPr/>
-              <a:t>15</a:t>
+              <a:t>13</a:t>
             </a:fld>
             <a:endParaRPr lang="en-US"/>
           </a:p>
@@ -1394,14 +1635,6 @@
           </a:bodyPr>
           <a:lstStyle/>
           <a:p>
-            <a:r>
-              <a:rPr lang="en-US" dirty="0" smtClean="0"/>
-              <a:t>-Think about one thing at</a:t>
-            </a:r>
-            <a:r>
-              <a:rPr lang="en-US" baseline="0" dirty="0" smtClean="0"/>
-              <a:t> a time… much easier, less stressful</a:t>
-            </a:r>
             <a:endParaRPr lang="en-US" dirty="0"/>
           </a:p>
         </p:txBody>
@@ -1424,7 +1657,7 @@
             <a:fld id="{46B52E04-8F68-435C-880A-7C7B12D9BA2F}" type="slidenum">
               <a:rPr lang="en-US" smtClean="0"/>
               <a:pPr/>
-              <a:t>16</a:t>
+              <a:t>14</a:t>
             </a:fld>
             <a:endParaRPr lang="en-US"/>
           </a:p>
@@ -1484,28 +1717,34 @@
           </a:bodyPr>
           <a:lstStyle/>
           <a:p>
-            <a:pPr>
+            <a:pPr marL="0" marR="0" indent="0" algn="l" defTabSz="914400" rtl="0" eaLnBrk="1" fontAlgn="auto" latinLnBrk="0" hangingPunct="1">
+              <a:lnSpc>
+                <a:spcPct val="100000"/>
+              </a:lnSpc>
+              <a:spcBef>
+                <a:spcPts val="0"/>
+              </a:spcBef>
+              <a:spcAft>
+                <a:spcPts val="0"/>
+              </a:spcAft>
+              <a:buClrTx/>
+              <a:buSzTx/>
               <a:buFontTx/>
-              <a:buChar char="-"/>
+              <a:buNone/>
+              <a:tabLst/>
+              <a:defRPr/>
             </a:pPr>
             <a:r>
               <a:rPr lang="en-US" dirty="0" smtClean="0"/>
-              <a:t>We won’t waste time on code</a:t>
+              <a:t>Software development is a series</a:t>
             </a:r>
             <a:r>
               <a:rPr lang="en-US" baseline="0" dirty="0" smtClean="0"/>
-              <a:t> that we don’t need to write</a:t>
-            </a:r>
-          </a:p>
-          <a:p>
-            <a:pPr>
-              <a:buFontTx/>
-              <a:buChar char="-"/>
-            </a:pPr>
-            <a:r>
-              <a:rPr lang="en-US" baseline="0" dirty="0" smtClean="0"/>
-              <a:t>Helps prevent gold plating</a:t>
-            </a:r>
+              <a:t> of translations – we need to get from an idea in someone’s head to working software.  The best way to not lose sight of that goal is to do small “translations” that will ensure that we stay focused on the original goal.</a:t>
+            </a:r>
+            <a:endParaRPr lang="en-US" dirty="0" smtClean="0"/>
+          </a:p>
+          <a:p>
             <a:endParaRPr lang="en-US" dirty="0"/>
           </a:p>
         </p:txBody>
@@ -1528,7 +1767,7 @@
             <a:fld id="{46B52E04-8F68-435C-880A-7C7B12D9BA2F}" type="slidenum">
               <a:rPr lang="en-US" smtClean="0"/>
               <a:pPr/>
-              <a:t>17</a:t>
+              <a:t>15</a:t>
             </a:fld>
             <a:endParaRPr lang="en-US"/>
           </a:p>
@@ -1590,17 +1829,11 @@
           <a:p>
             <a:r>
               <a:rPr lang="en-US" dirty="0" smtClean="0"/>
-              <a:t>-When</a:t>
+              <a:t>-Think about one thing at</a:t>
             </a:r>
             <a:r>
               <a:rPr lang="en-US" baseline="0" dirty="0" smtClean="0"/>
-              <a:t> you write testable code, you are less likely to have tight coupling </a:t>
-            </a:r>
-          </a:p>
-          <a:p>
-            <a:r>
-              <a:rPr lang="en-US" baseline="0" dirty="0" smtClean="0"/>
-              <a:t>-Our tests help us name our methods well</a:t>
+              <a:t> a time… much easier, less stressful</a:t>
             </a:r>
             <a:endParaRPr lang="en-US" dirty="0"/>
           </a:p>
@@ -1624,7 +1857,7 @@
             <a:fld id="{46B52E04-8F68-435C-880A-7C7B12D9BA2F}" type="slidenum">
               <a:rPr lang="en-US" smtClean="0"/>
               <a:pPr/>
-              <a:t>18</a:t>
+              <a:t>16</a:t>
             </a:fld>
             <a:endParaRPr lang="en-US"/>
           </a:p>
@@ -1798,7 +2031,7 @@
             <a:fld id="{C3F416CD-67A3-4CF0-A210-F6AF31AC147F}" type="datetimeFigureOut">
               <a:rPr lang="en-US" smtClean="0"/>
               <a:pPr/>
-              <a:t>5/20/2010</a:t>
+              <a:t>5/26/2010</a:t>
             </a:fld>
             <a:endParaRPr lang="en-US"/>
           </a:p>
@@ -1978,7 +2211,7 @@
             <a:fld id="{C3F416CD-67A3-4CF0-A210-F6AF31AC147F}" type="datetimeFigureOut">
               <a:rPr lang="en-US" smtClean="0"/>
               <a:pPr/>
-              <a:t>5/20/2010</a:t>
+              <a:t>5/26/2010</a:t>
             </a:fld>
             <a:endParaRPr lang="en-US"/>
           </a:p>
@@ -2155,7 +2388,7 @@
             <a:fld id="{C3F416CD-67A3-4CF0-A210-F6AF31AC147F}" type="datetimeFigureOut">
               <a:rPr lang="en-US" smtClean="0"/>
               <a:pPr/>
-              <a:t>5/20/2010</a:t>
+              <a:t>5/26/2010</a:t>
             </a:fld>
             <a:endParaRPr lang="en-US"/>
           </a:p>
@@ -2322,7 +2555,7 @@
             <a:fld id="{C3F416CD-67A3-4CF0-A210-F6AF31AC147F}" type="datetimeFigureOut">
               <a:rPr lang="en-US" smtClean="0"/>
               <a:pPr/>
-              <a:t>5/20/2010</a:t>
+              <a:t>5/26/2010</a:t>
             </a:fld>
             <a:endParaRPr lang="en-US"/>
           </a:p>
@@ -2535,7 +2768,7 @@
             <a:fld id="{C3F416CD-67A3-4CF0-A210-F6AF31AC147F}" type="datetimeFigureOut">
               <a:rPr lang="en-US" smtClean="0"/>
               <a:pPr/>
-              <a:t>5/20/2010</a:t>
+              <a:t>5/26/2010</a:t>
             </a:fld>
             <a:endParaRPr lang="en-US"/>
           </a:p>
@@ -2820,7 +3053,7 @@
             <a:fld id="{C3F416CD-67A3-4CF0-A210-F6AF31AC147F}" type="datetimeFigureOut">
               <a:rPr lang="en-US" smtClean="0"/>
               <a:pPr/>
-              <a:t>5/20/2010</a:t>
+              <a:t>5/26/2010</a:t>
             </a:fld>
             <a:endParaRPr lang="en-US"/>
           </a:p>
@@ -3252,7 +3485,7 @@
             <a:fld id="{C3F416CD-67A3-4CF0-A210-F6AF31AC147F}" type="datetimeFigureOut">
               <a:rPr lang="en-US" smtClean="0"/>
               <a:pPr algn="l" eaLnBrk="1" latinLnBrk="0" hangingPunct="1"/>
-              <a:t>5/20/2010</a:t>
+              <a:t>5/26/2010</a:t>
             </a:fld>
             <a:endParaRPr lang="en-US"/>
           </a:p>
@@ -3372,7 +3605,7 @@
             <a:fld id="{C3F416CD-67A3-4CF0-A210-F6AF31AC147F}" type="datetimeFigureOut">
               <a:rPr lang="en-US" smtClean="0"/>
               <a:pPr/>
-              <a:t>5/20/2010</a:t>
+              <a:t>5/26/2010</a:t>
             </a:fld>
             <a:endParaRPr lang="en-US"/>
           </a:p>
@@ -3464,7 +3697,7 @@
             <a:fld id="{C3F416CD-67A3-4CF0-A210-F6AF31AC147F}" type="datetimeFigureOut">
               <a:rPr lang="en-US" smtClean="0"/>
               <a:pPr/>
-              <a:t>5/20/2010</a:t>
+              <a:t>5/26/2010</a:t>
             </a:fld>
             <a:endParaRPr lang="en-US"/>
           </a:p>
@@ -3755,7 +3988,7 @@
             <a:fld id="{C3F416CD-67A3-4CF0-A210-F6AF31AC147F}" type="datetimeFigureOut">
               <a:rPr lang="en-US" smtClean="0"/>
               <a:pPr/>
-              <a:t>5/20/2010</a:t>
+              <a:t>5/26/2010</a:t>
             </a:fld>
             <a:endParaRPr lang="en-US"/>
           </a:p>
@@ -4082,7 +4315,7 @@
             <a:fld id="{C3F416CD-67A3-4CF0-A210-F6AF31AC147F}" type="datetimeFigureOut">
               <a:rPr lang="en-US" smtClean="0"/>
               <a:pPr/>
-              <a:t>5/20/2010</a:t>
+              <a:t>5/26/2010</a:t>
             </a:fld>
             <a:endParaRPr lang="en-US"/>
           </a:p>
@@ -4303,7 +4536,7 @@
             <a:fld id="{C3F416CD-67A3-4CF0-A210-F6AF31AC147F}" type="datetimeFigureOut">
               <a:rPr lang="en-US" smtClean="0"/>
               <a:pPr algn="l" eaLnBrk="1" latinLnBrk="0" hangingPunct="1"/>
-              <a:t>5/20/2010</a:t>
+              <a:t>5/26/2010</a:t>
             </a:fld>
             <a:endParaRPr lang="en-US" sz="800" dirty="0">
               <a:solidFill>
@@ -7004,6 +7237,63 @@
 </file>
 
 <file path=ppt/slides/slide26.xml><?xml version="1.0" encoding="utf-8"?>
+<p:sld xmlns:a="http://schemas.openxmlformats.org/drawingml/2006/main" xmlns:r="http://schemas.openxmlformats.org/officeDocument/2006/relationships" xmlns:p="http://schemas.openxmlformats.org/presentationml/2006/main">
+  <p:cSld>
+    <p:spTree>
+      <p:nvGrpSpPr>
+        <p:cNvPr id="1" name=""/>
+        <p:cNvGrpSpPr/>
+        <p:nvPr/>
+      </p:nvGrpSpPr>
+      <p:grpSpPr>
+        <a:xfrm>
+          <a:off x="0" y="0"/>
+          <a:ext cx="0" cy="0"/>
+          <a:chOff x="0" y="0"/>
+          <a:chExt cx="0" cy="0"/>
+        </a:xfrm>
+      </p:grpSpPr>
+      <p:sp>
+        <p:nvSpPr>
+          <p:cNvPr id="2" name="Title 1"/>
+          <p:cNvSpPr>
+            <a:spLocks noGrp="1"/>
+          </p:cNvSpPr>
+          <p:nvPr>
+            <p:ph type="ctrTitle"/>
+          </p:nvPr>
+        </p:nvSpPr>
+        <p:spPr/>
+        <p:txBody>
+          <a:bodyPr>
+            <a:normAutofit/>
+          </a:bodyPr>
+          <a:lstStyle/>
+          <a:p>
+            <a:r>
+              <a:rPr lang="en-US" dirty="0" smtClean="0"/>
+              <a:t>A TDD Success Story</a:t>
+            </a:r>
+            <a:endParaRPr lang="en-US" dirty="0"/>
+          </a:p>
+        </p:txBody>
+      </p:sp>
+    </p:spTree>
+  </p:cSld>
+  <p:clrMapOvr>
+    <a:masterClrMapping/>
+  </p:clrMapOvr>
+  <p:timing>
+    <p:tnLst>
+      <p:par>
+        <p:cTn id="1" dur="indefinite" restart="never" nodeType="tmRoot"/>
+      </p:par>
+    </p:tnLst>
+  </p:timing>
+</p:sld>
+</file>
+
+<file path=ppt/slides/slide27.xml><?xml version="1.0" encoding="utf-8"?>
 <p:sld xmlns:a="http://schemas.openxmlformats.org/drawingml/2006/main" xmlns:r="http://schemas.openxmlformats.org/officeDocument/2006/relationships" xmlns:p="http://schemas.openxmlformats.org/presentationml/2006/main">
   <p:cSld>
     <p:spTree>
@@ -7773,7 +8063,7 @@
 </p:sld>
 </file>
 
-<file path=ppt/slides/slide27.xml><?xml version="1.0" encoding="utf-8"?>
+<file path=ppt/slides/slide28.xml><?xml version="1.0" encoding="utf-8"?>
 <p:sld xmlns:a="http://schemas.openxmlformats.org/drawingml/2006/main" xmlns:r="http://schemas.openxmlformats.org/officeDocument/2006/relationships" xmlns:p="http://schemas.openxmlformats.org/presentationml/2006/main">
   <p:cSld>
     <p:spTree>
@@ -7853,7 +8143,7 @@
 </p:sld>
 </file>
 
-<file path=ppt/slides/slide28.xml><?xml version="1.0" encoding="utf-8"?>
+<file path=ppt/slides/slide29.xml><?xml version="1.0" encoding="utf-8"?>
 <p:sld xmlns:a="http://schemas.openxmlformats.org/drawingml/2006/main" xmlns:r="http://schemas.openxmlformats.org/officeDocument/2006/relationships" xmlns:p="http://schemas.openxmlformats.org/presentationml/2006/main">
   <p:cSld>
     <p:spTree>
@@ -7989,7 +8279,281 @@
 </p:sld>
 </file>
 
-<file path=ppt/slides/slide29.xml><?xml version="1.0" encoding="utf-8"?>
+<file path=ppt/slides/slide3.xml><?xml version="1.0" encoding="utf-8"?>
+<p:sld xmlns:a="http://schemas.openxmlformats.org/drawingml/2006/main" xmlns:r="http://schemas.openxmlformats.org/officeDocument/2006/relationships" xmlns:p="http://schemas.openxmlformats.org/presentationml/2006/main">
+  <p:cSld>
+    <p:spTree>
+      <p:nvGrpSpPr>
+        <p:cNvPr id="1" name=""/>
+        <p:cNvGrpSpPr/>
+        <p:nvPr/>
+      </p:nvGrpSpPr>
+      <p:grpSpPr>
+        <a:xfrm>
+          <a:off x="0" y="0"/>
+          <a:ext cx="0" cy="0"/>
+          <a:chOff x="0" y="0"/>
+          <a:chExt cx="0" cy="0"/>
+        </a:xfrm>
+      </p:grpSpPr>
+      <p:sp>
+        <p:nvSpPr>
+          <p:cNvPr id="2" name="Title 1"/>
+          <p:cNvSpPr>
+            <a:spLocks noGrp="1"/>
+          </p:cNvSpPr>
+          <p:nvPr>
+            <p:ph type="title"/>
+          </p:nvPr>
+        </p:nvSpPr>
+        <p:spPr/>
+        <p:txBody>
+          <a:bodyPr/>
+          <a:lstStyle/>
+          <a:p>
+            <a:r>
+              <a:rPr lang="en-US" dirty="0" smtClean="0"/>
+              <a:t>Example of a unit test</a:t>
+            </a:r>
+            <a:endParaRPr lang="en-US" dirty="0"/>
+          </a:p>
+        </p:txBody>
+      </p:sp>
+      <p:sp>
+        <p:nvSpPr>
+          <p:cNvPr id="3" name="Content Placeholder 2"/>
+          <p:cNvSpPr>
+            <a:spLocks noGrp="1"/>
+          </p:cNvSpPr>
+          <p:nvPr>
+            <p:ph idx="1"/>
+          </p:nvPr>
+        </p:nvSpPr>
+        <p:spPr>
+          <a:xfrm>
+            <a:off x="457200" y="1600200"/>
+            <a:ext cx="8229600" cy="3505200"/>
+          </a:xfrm>
+          <a:solidFill>
+            <a:schemeClr val="bg1">
+              <a:lumMod val="85000"/>
+            </a:schemeClr>
+          </a:solidFill>
+        </p:spPr>
+        <p:txBody>
+          <a:bodyPr>
+            <a:noAutofit/>
+          </a:bodyPr>
+          <a:lstStyle/>
+          <a:p>
+            <a:pPr>
+              <a:buNone/>
+            </a:pPr>
+            <a:r>
+              <a:rPr lang="en-US" sz="2200" b="1" dirty="0" smtClean="0">
+                <a:latin typeface="Courier New" pitchFamily="49" charset="0"/>
+                <a:cs typeface="Courier New" pitchFamily="49" charset="0"/>
+              </a:rPr>
+              <a:t>[</a:t>
+            </a:r>
+            <a:r>
+              <a:rPr lang="en-US" sz="2200" b="1" dirty="0" err="1" smtClean="0">
+                <a:latin typeface="Courier New" pitchFamily="49" charset="0"/>
+                <a:cs typeface="Courier New" pitchFamily="49" charset="0"/>
+              </a:rPr>
+              <a:t>TestFixture</a:t>
+            </a:r>
+            <a:r>
+              <a:rPr lang="en-US" sz="2200" b="1" dirty="0" smtClean="0">
+                <a:latin typeface="Courier New" pitchFamily="49" charset="0"/>
+                <a:cs typeface="Courier New" pitchFamily="49" charset="0"/>
+              </a:rPr>
+              <a:t>]</a:t>
+            </a:r>
+          </a:p>
+          <a:p>
+            <a:pPr>
+              <a:buNone/>
+            </a:pPr>
+            <a:r>
+              <a:rPr lang="en-US" sz="2200" b="1" dirty="0" smtClean="0">
+                <a:latin typeface="Courier New" pitchFamily="49" charset="0"/>
+                <a:cs typeface="Courier New" pitchFamily="49" charset="0"/>
+              </a:rPr>
+              <a:t>public class </a:t>
+            </a:r>
+            <a:r>
+              <a:rPr lang="en-US" sz="2200" b="1" dirty="0" err="1" smtClean="0">
+                <a:latin typeface="Courier New" pitchFamily="49" charset="0"/>
+                <a:cs typeface="Courier New" pitchFamily="49" charset="0"/>
+              </a:rPr>
+              <a:t>When_using_the_calculator</a:t>
+            </a:r>
+            <a:endParaRPr lang="en-US" sz="2200" b="1" dirty="0" smtClean="0">
+              <a:latin typeface="Courier New" pitchFamily="49" charset="0"/>
+              <a:cs typeface="Courier New" pitchFamily="49" charset="0"/>
+            </a:endParaRPr>
+          </a:p>
+          <a:p>
+            <a:pPr>
+              <a:buNone/>
+            </a:pPr>
+            <a:r>
+              <a:rPr lang="en-US" sz="2200" b="1" dirty="0" smtClean="0">
+                <a:latin typeface="Courier New" pitchFamily="49" charset="0"/>
+                <a:cs typeface="Courier New" pitchFamily="49" charset="0"/>
+              </a:rPr>
+              <a:t>{</a:t>
+            </a:r>
+          </a:p>
+          <a:p>
+            <a:pPr>
+              <a:buNone/>
+            </a:pPr>
+            <a:r>
+              <a:rPr lang="en-US" sz="2200" b="1" dirty="0" smtClean="0">
+                <a:latin typeface="Courier New" pitchFamily="49" charset="0"/>
+                <a:cs typeface="Courier New" pitchFamily="49" charset="0"/>
+              </a:rPr>
+              <a:t>    [Test]</a:t>
+            </a:r>
+          </a:p>
+          <a:p>
+            <a:pPr>
+              <a:buNone/>
+            </a:pPr>
+            <a:r>
+              <a:rPr lang="en-US" sz="2200" b="1" dirty="0" smtClean="0">
+                <a:latin typeface="Courier New" pitchFamily="49" charset="0"/>
+                <a:cs typeface="Courier New" pitchFamily="49" charset="0"/>
+              </a:rPr>
+              <a:t>    public void </a:t>
+            </a:r>
+            <a:r>
+              <a:rPr lang="en-US" sz="2200" b="1" dirty="0" err="1" smtClean="0">
+                <a:latin typeface="Courier New" pitchFamily="49" charset="0"/>
+                <a:cs typeface="Courier New" pitchFamily="49" charset="0"/>
+              </a:rPr>
+              <a:t>Should_add_two_numbers</a:t>
+            </a:r>
+            <a:r>
+              <a:rPr lang="en-US" sz="2200" b="1" dirty="0" smtClean="0">
+                <a:latin typeface="Courier New" pitchFamily="49" charset="0"/>
+                <a:cs typeface="Courier New" pitchFamily="49" charset="0"/>
+              </a:rPr>
+              <a:t>()</a:t>
+            </a:r>
+          </a:p>
+          <a:p>
+            <a:pPr>
+              <a:buNone/>
+            </a:pPr>
+            <a:r>
+              <a:rPr lang="en-US" sz="2200" b="1" dirty="0" smtClean="0">
+                <a:latin typeface="Courier New" pitchFamily="49" charset="0"/>
+                <a:cs typeface="Courier New" pitchFamily="49" charset="0"/>
+              </a:rPr>
+              <a:t>    {</a:t>
+            </a:r>
+          </a:p>
+          <a:p>
+            <a:pPr>
+              <a:buNone/>
+            </a:pPr>
+            <a:r>
+              <a:rPr lang="en-US" sz="2200" b="1" dirty="0" smtClean="0">
+                <a:latin typeface="Courier New" pitchFamily="49" charset="0"/>
+                <a:cs typeface="Courier New" pitchFamily="49" charset="0"/>
+              </a:rPr>
+              <a:t>        </a:t>
+            </a:r>
+            <a:r>
+              <a:rPr lang="en-US" sz="2200" b="1" dirty="0" err="1" smtClean="0">
+                <a:latin typeface="Courier New" pitchFamily="49" charset="0"/>
+                <a:cs typeface="Courier New" pitchFamily="49" charset="0"/>
+              </a:rPr>
+              <a:t>int</a:t>
+            </a:r>
+            <a:r>
+              <a:rPr lang="en-US" sz="2200" b="1" dirty="0" smtClean="0">
+                <a:latin typeface="Courier New" pitchFamily="49" charset="0"/>
+                <a:cs typeface="Courier New" pitchFamily="49" charset="0"/>
+              </a:rPr>
+              <a:t> result = new Calculator().Add(2, 3);</a:t>
+            </a:r>
+          </a:p>
+          <a:p>
+            <a:pPr>
+              <a:buNone/>
+            </a:pPr>
+            <a:r>
+              <a:rPr lang="en-US" sz="2200" b="1" dirty="0" smtClean="0">
+                <a:latin typeface="Courier New" pitchFamily="49" charset="0"/>
+                <a:cs typeface="Courier New" pitchFamily="49" charset="0"/>
+              </a:rPr>
+              <a:t>        </a:t>
+            </a:r>
+            <a:r>
+              <a:rPr lang="en-US" sz="2200" b="1" dirty="0" err="1" smtClean="0">
+                <a:latin typeface="Courier New" pitchFamily="49" charset="0"/>
+                <a:cs typeface="Courier New" pitchFamily="49" charset="0"/>
+              </a:rPr>
+              <a:t>result.ShouldEqual</a:t>
+            </a:r>
+            <a:r>
+              <a:rPr lang="en-US" sz="2200" b="1" dirty="0" smtClean="0">
+                <a:latin typeface="Courier New" pitchFamily="49" charset="0"/>
+                <a:cs typeface="Courier New" pitchFamily="49" charset="0"/>
+              </a:rPr>
+              <a:t>(5);</a:t>
+            </a:r>
+          </a:p>
+          <a:p>
+            <a:pPr>
+              <a:buNone/>
+            </a:pPr>
+            <a:r>
+              <a:rPr lang="en-US" sz="2200" b="1" dirty="0" smtClean="0">
+                <a:latin typeface="Courier New" pitchFamily="49" charset="0"/>
+                <a:cs typeface="Courier New" pitchFamily="49" charset="0"/>
+              </a:rPr>
+              <a:t>    }</a:t>
+            </a:r>
+          </a:p>
+          <a:p>
+            <a:pPr>
+              <a:buNone/>
+            </a:pPr>
+            <a:r>
+              <a:rPr lang="en-US" sz="2200" b="1" dirty="0" smtClean="0">
+                <a:latin typeface="Courier New" pitchFamily="49" charset="0"/>
+                <a:cs typeface="Courier New" pitchFamily="49" charset="0"/>
+              </a:rPr>
+              <a:t>}</a:t>
+            </a:r>
+            <a:endParaRPr lang="en-US" sz="2200" b="1" dirty="0">
+              <a:latin typeface="Courier New" pitchFamily="49" charset="0"/>
+              <a:cs typeface="Courier New" pitchFamily="49" charset="0"/>
+            </a:endParaRPr>
+          </a:p>
+        </p:txBody>
+      </p:sp>
+    </p:spTree>
+  </p:cSld>
+  <p:clrMapOvr>
+    <a:masterClrMapping/>
+  </p:clrMapOvr>
+  <p:timing>
+    <p:tnLst>
+      <p:par>
+        <p:cTn id="1" dur="indefinite" restart="never" nodeType="tmRoot"/>
+      </p:par>
+    </p:tnLst>
+  </p:timing>
+</p:sld>
+</file>
+
+<file path=ppt/slides/slide30.xml><?xml version="1.0" encoding="utf-8"?>
 <p:sld xmlns:a="http://schemas.openxmlformats.org/drawingml/2006/main" xmlns:r="http://schemas.openxmlformats.org/officeDocument/2006/relationships" xmlns:p="http://schemas.openxmlformats.org/presentationml/2006/main">
   <p:cSld>
     <p:spTree>
@@ -8109,333 +8673,6 @@
 </p:sld>
 </file>
 
-<file path=ppt/slides/slide3.xml><?xml version="1.0" encoding="utf-8"?>
-<p:sld xmlns:a="http://schemas.openxmlformats.org/drawingml/2006/main" xmlns:r="http://schemas.openxmlformats.org/officeDocument/2006/relationships" xmlns:p="http://schemas.openxmlformats.org/presentationml/2006/main">
-  <p:cSld>
-    <p:spTree>
-      <p:nvGrpSpPr>
-        <p:cNvPr id="1" name=""/>
-        <p:cNvGrpSpPr/>
-        <p:nvPr/>
-      </p:nvGrpSpPr>
-      <p:grpSpPr>
-        <a:xfrm>
-          <a:off x="0" y="0"/>
-          <a:ext cx="0" cy="0"/>
-          <a:chOff x="0" y="0"/>
-          <a:chExt cx="0" cy="0"/>
-        </a:xfrm>
-      </p:grpSpPr>
-      <p:sp>
-        <p:nvSpPr>
-          <p:cNvPr id="2" name="Title 1"/>
-          <p:cNvSpPr>
-            <a:spLocks noGrp="1"/>
-          </p:cNvSpPr>
-          <p:nvPr>
-            <p:ph type="title"/>
-          </p:nvPr>
-        </p:nvSpPr>
-        <p:spPr/>
-        <p:txBody>
-          <a:bodyPr/>
-          <a:lstStyle/>
-          <a:p>
-            <a:r>
-              <a:rPr lang="en-US" dirty="0" smtClean="0"/>
-              <a:t>Example of a unit test</a:t>
-            </a:r>
-            <a:endParaRPr lang="en-US" dirty="0"/>
-          </a:p>
-        </p:txBody>
-      </p:sp>
-      <p:sp>
-        <p:nvSpPr>
-          <p:cNvPr id="3" name="Content Placeholder 2"/>
-          <p:cNvSpPr>
-            <a:spLocks noGrp="1"/>
-          </p:cNvSpPr>
-          <p:nvPr>
-            <p:ph idx="1"/>
-          </p:nvPr>
-        </p:nvSpPr>
-        <p:spPr>
-          <a:xfrm>
-            <a:off x="457200" y="1600200"/>
-            <a:ext cx="8229600" cy="3505200"/>
-          </a:xfrm>
-          <a:solidFill>
-            <a:schemeClr val="bg1">
-              <a:lumMod val="85000"/>
-            </a:schemeClr>
-          </a:solidFill>
-        </p:spPr>
-        <p:txBody>
-          <a:bodyPr>
-            <a:noAutofit/>
-          </a:bodyPr>
-          <a:lstStyle/>
-          <a:p>
-            <a:pPr>
-              <a:buNone/>
-            </a:pPr>
-            <a:r>
-              <a:rPr lang="en-US" sz="2200" b="1" dirty="0" smtClean="0">
-                <a:latin typeface="Courier New" pitchFamily="49" charset="0"/>
-                <a:cs typeface="Courier New" pitchFamily="49" charset="0"/>
-              </a:rPr>
-              <a:t>[</a:t>
-            </a:r>
-            <a:r>
-              <a:rPr lang="en-US" sz="2200" b="1" dirty="0" err="1" smtClean="0">
-                <a:latin typeface="Courier New" pitchFamily="49" charset="0"/>
-                <a:cs typeface="Courier New" pitchFamily="49" charset="0"/>
-              </a:rPr>
-              <a:t>TestFixture</a:t>
-            </a:r>
-            <a:r>
-              <a:rPr lang="en-US" sz="2200" b="1" dirty="0" smtClean="0">
-                <a:latin typeface="Courier New" pitchFamily="49" charset="0"/>
-                <a:cs typeface="Courier New" pitchFamily="49" charset="0"/>
-              </a:rPr>
-              <a:t>]</a:t>
-            </a:r>
-          </a:p>
-          <a:p>
-            <a:pPr>
-              <a:buNone/>
-            </a:pPr>
-            <a:r>
-              <a:rPr lang="en-US" sz="2200" b="1" dirty="0" smtClean="0">
-                <a:latin typeface="Courier New" pitchFamily="49" charset="0"/>
-                <a:cs typeface="Courier New" pitchFamily="49" charset="0"/>
-              </a:rPr>
-              <a:t>public class </a:t>
-            </a:r>
-            <a:r>
-              <a:rPr lang="en-US" sz="2200" b="1" dirty="0" err="1" smtClean="0">
-                <a:latin typeface="Courier New" pitchFamily="49" charset="0"/>
-                <a:cs typeface="Courier New" pitchFamily="49" charset="0"/>
-              </a:rPr>
-              <a:t>When_using_the_calculator</a:t>
-            </a:r>
-            <a:endParaRPr lang="en-US" sz="2200" b="1" dirty="0" smtClean="0">
-              <a:latin typeface="Courier New" pitchFamily="49" charset="0"/>
-              <a:cs typeface="Courier New" pitchFamily="49" charset="0"/>
-            </a:endParaRPr>
-          </a:p>
-          <a:p>
-            <a:pPr>
-              <a:buNone/>
-            </a:pPr>
-            <a:r>
-              <a:rPr lang="en-US" sz="2200" b="1" dirty="0" smtClean="0">
-                <a:latin typeface="Courier New" pitchFamily="49" charset="0"/>
-                <a:cs typeface="Courier New" pitchFamily="49" charset="0"/>
-              </a:rPr>
-              <a:t>{</a:t>
-            </a:r>
-          </a:p>
-          <a:p>
-            <a:pPr>
-              <a:buNone/>
-            </a:pPr>
-            <a:r>
-              <a:rPr lang="en-US" sz="2200" b="1" dirty="0" smtClean="0">
-                <a:latin typeface="Courier New" pitchFamily="49" charset="0"/>
-                <a:cs typeface="Courier New" pitchFamily="49" charset="0"/>
-              </a:rPr>
-              <a:t>    [Test]</a:t>
-            </a:r>
-          </a:p>
-          <a:p>
-            <a:pPr>
-              <a:buNone/>
-            </a:pPr>
-            <a:r>
-              <a:rPr lang="en-US" sz="2200" b="1" dirty="0" smtClean="0">
-                <a:latin typeface="Courier New" pitchFamily="49" charset="0"/>
-                <a:cs typeface="Courier New" pitchFamily="49" charset="0"/>
-              </a:rPr>
-              <a:t>    public void </a:t>
-            </a:r>
-            <a:r>
-              <a:rPr lang="en-US" sz="2200" b="1" dirty="0" err="1" smtClean="0">
-                <a:latin typeface="Courier New" pitchFamily="49" charset="0"/>
-                <a:cs typeface="Courier New" pitchFamily="49" charset="0"/>
-              </a:rPr>
-              <a:t>Should_add_two_numbers</a:t>
-            </a:r>
-            <a:r>
-              <a:rPr lang="en-US" sz="2200" b="1" dirty="0" smtClean="0">
-                <a:latin typeface="Courier New" pitchFamily="49" charset="0"/>
-                <a:cs typeface="Courier New" pitchFamily="49" charset="0"/>
-              </a:rPr>
-              <a:t>()</a:t>
-            </a:r>
-          </a:p>
-          <a:p>
-            <a:pPr>
-              <a:buNone/>
-            </a:pPr>
-            <a:r>
-              <a:rPr lang="en-US" sz="2200" b="1" dirty="0" smtClean="0">
-                <a:latin typeface="Courier New" pitchFamily="49" charset="0"/>
-                <a:cs typeface="Courier New" pitchFamily="49" charset="0"/>
-              </a:rPr>
-              <a:t>    {</a:t>
-            </a:r>
-          </a:p>
-          <a:p>
-            <a:pPr>
-              <a:buNone/>
-            </a:pPr>
-            <a:r>
-              <a:rPr lang="en-US" sz="2200" b="1" dirty="0" smtClean="0">
-                <a:latin typeface="Courier New" pitchFamily="49" charset="0"/>
-                <a:cs typeface="Courier New" pitchFamily="49" charset="0"/>
-              </a:rPr>
-              <a:t>        </a:t>
-            </a:r>
-            <a:r>
-              <a:rPr lang="en-US" sz="2200" b="1" dirty="0" err="1" smtClean="0">
-                <a:latin typeface="Courier New" pitchFamily="49" charset="0"/>
-                <a:cs typeface="Courier New" pitchFamily="49" charset="0"/>
-              </a:rPr>
-              <a:t>int</a:t>
-            </a:r>
-            <a:r>
-              <a:rPr lang="en-US" sz="2200" b="1" dirty="0" smtClean="0">
-                <a:latin typeface="Courier New" pitchFamily="49" charset="0"/>
-                <a:cs typeface="Courier New" pitchFamily="49" charset="0"/>
-              </a:rPr>
-              <a:t> result = new Calculator().Add(2, 3);</a:t>
-            </a:r>
-          </a:p>
-          <a:p>
-            <a:pPr>
-              <a:buNone/>
-            </a:pPr>
-            <a:r>
-              <a:rPr lang="en-US" sz="2200" b="1" dirty="0" smtClean="0">
-                <a:latin typeface="Courier New" pitchFamily="49" charset="0"/>
-                <a:cs typeface="Courier New" pitchFamily="49" charset="0"/>
-              </a:rPr>
-              <a:t>        </a:t>
-            </a:r>
-            <a:r>
-              <a:rPr lang="en-US" sz="2200" b="1" dirty="0" err="1" smtClean="0">
-                <a:latin typeface="Courier New" pitchFamily="49" charset="0"/>
-                <a:cs typeface="Courier New" pitchFamily="49" charset="0"/>
-              </a:rPr>
-              <a:t>result.ShouldEqual</a:t>
-            </a:r>
-            <a:r>
-              <a:rPr lang="en-US" sz="2200" b="1" dirty="0" smtClean="0">
-                <a:latin typeface="Courier New" pitchFamily="49" charset="0"/>
-                <a:cs typeface="Courier New" pitchFamily="49" charset="0"/>
-              </a:rPr>
-              <a:t>(5);</a:t>
-            </a:r>
-          </a:p>
-          <a:p>
-            <a:pPr>
-              <a:buNone/>
-            </a:pPr>
-            <a:r>
-              <a:rPr lang="en-US" sz="2200" b="1" dirty="0" smtClean="0">
-                <a:latin typeface="Courier New" pitchFamily="49" charset="0"/>
-                <a:cs typeface="Courier New" pitchFamily="49" charset="0"/>
-              </a:rPr>
-              <a:t>    }</a:t>
-            </a:r>
-          </a:p>
-          <a:p>
-            <a:pPr>
-              <a:buNone/>
-            </a:pPr>
-            <a:r>
-              <a:rPr lang="en-US" sz="2200" b="1" dirty="0" smtClean="0">
-                <a:latin typeface="Courier New" pitchFamily="49" charset="0"/>
-                <a:cs typeface="Courier New" pitchFamily="49" charset="0"/>
-              </a:rPr>
-              <a:t>}</a:t>
-            </a:r>
-            <a:endParaRPr lang="en-US" sz="2200" b="1" dirty="0">
-              <a:latin typeface="Courier New" pitchFamily="49" charset="0"/>
-              <a:cs typeface="Courier New" pitchFamily="49" charset="0"/>
-            </a:endParaRPr>
-          </a:p>
-        </p:txBody>
-      </p:sp>
-    </p:spTree>
-  </p:cSld>
-  <p:clrMapOvr>
-    <a:masterClrMapping/>
-  </p:clrMapOvr>
-  <p:timing>
-    <p:tnLst>
-      <p:par>
-        <p:cTn id="1" dur="indefinite" restart="never" nodeType="tmRoot"/>
-      </p:par>
-    </p:tnLst>
-  </p:timing>
-</p:sld>
-</file>
-
-<file path=ppt/slides/slide30.xml><?xml version="1.0" encoding="utf-8"?>
-<p:sld xmlns:a="http://schemas.openxmlformats.org/drawingml/2006/main" xmlns:r="http://schemas.openxmlformats.org/officeDocument/2006/relationships" xmlns:p="http://schemas.openxmlformats.org/presentationml/2006/main">
-  <p:cSld>
-    <p:spTree>
-      <p:nvGrpSpPr>
-        <p:cNvPr id="1" name=""/>
-        <p:cNvGrpSpPr/>
-        <p:nvPr/>
-      </p:nvGrpSpPr>
-      <p:grpSpPr>
-        <a:xfrm>
-          <a:off x="0" y="0"/>
-          <a:ext cx="0" cy="0"/>
-          <a:chOff x="0" y="0"/>
-          <a:chExt cx="0" cy="0"/>
-        </a:xfrm>
-      </p:grpSpPr>
-      <p:sp>
-        <p:nvSpPr>
-          <p:cNvPr id="4" name="Title 3"/>
-          <p:cNvSpPr>
-            <a:spLocks noGrp="1"/>
-          </p:cNvSpPr>
-          <p:nvPr>
-            <p:ph type="ctrTitle"/>
-          </p:nvPr>
-        </p:nvSpPr>
-        <p:spPr>
-          <a:xfrm>
-            <a:off x="685800" y="228600"/>
-            <a:ext cx="7772400" cy="6400800"/>
-          </a:xfrm>
-        </p:spPr>
-        <p:txBody>
-          <a:bodyPr anchor="ctr"/>
-          <a:lstStyle/>
-          <a:p>
-            <a:r>
-              <a:rPr lang="en-US" sz="30000" dirty="0" smtClean="0"/>
-              <a:t>?</a:t>
-            </a:r>
-            <a:endParaRPr lang="en-US" sz="30000" dirty="0"/>
-          </a:p>
-        </p:txBody>
-      </p:sp>
-    </p:spTree>
-  </p:cSld>
-  <p:clrMapOvr>
-    <a:masterClrMapping/>
-  </p:clrMapOvr>
-</p:sld>
-</file>
-
 <file path=ppt/slides/slide31.xml><?xml version="1.0" encoding="utf-8"?>
 <p:sld xmlns:a="http://schemas.openxmlformats.org/drawingml/2006/main" xmlns:r="http://schemas.openxmlformats.org/officeDocument/2006/relationships" xmlns:p="http://schemas.openxmlformats.org/presentationml/2006/main">
   <p:cSld>
@@ -8455,119 +8692,29 @@
       </p:grpSpPr>
       <p:sp>
         <p:nvSpPr>
-          <p:cNvPr id="2" name="Title 1"/>
-          <p:cNvSpPr>
-            <a:spLocks noGrp="1"/>
-          </p:cNvSpPr>
-          <p:nvPr>
-            <p:ph type="title"/>
-          </p:nvPr>
-        </p:nvSpPr>
-        <p:spPr/>
-        <p:txBody>
-          <a:bodyPr>
-            <a:normAutofit fontScale="90000"/>
-          </a:bodyPr>
-          <a:lstStyle/>
-          <a:p>
-            <a:r>
-              <a:rPr lang="en-US" dirty="0" smtClean="0"/>
-              <a:t>Resources - Cost of unit testing</a:t>
-            </a:r>
-            <a:endParaRPr lang="en-US" dirty="0"/>
-          </a:p>
-        </p:txBody>
-      </p:sp>
-      <p:sp>
-        <p:nvSpPr>
-          <p:cNvPr id="3" name="Content Placeholder 2"/>
-          <p:cNvSpPr>
-            <a:spLocks noGrp="1"/>
-          </p:cNvSpPr>
-          <p:nvPr>
-            <p:ph idx="1"/>
-          </p:nvPr>
-        </p:nvSpPr>
-        <p:spPr/>
-        <p:txBody>
-          <a:bodyPr/>
-          <a:lstStyle/>
-          <a:p>
-            <a:r>
-              <a:rPr lang="en-US" sz="2400" dirty="0" smtClean="0"/>
-              <a:t>Microsoft Research – “Realizing quality improvement through test driven development: results and experiences of four industrial teams”</a:t>
-            </a:r>
-          </a:p>
-          <a:p>
-            <a:pPr lvl="1"/>
-            <a:r>
-              <a:rPr lang="en-US" sz="1800" b="1" dirty="0" smtClean="0">
-                <a:hlinkClick r:id="rId2"/>
-              </a:rPr>
-              <a:t>http://research.microsoft.com/en-us/projects/esm/nagappan_tdd.pdf</a:t>
-            </a:r>
-            <a:endParaRPr lang="en-US" sz="1800" b="1" dirty="0" smtClean="0"/>
-          </a:p>
-          <a:p>
-            <a:endParaRPr lang="en-US" sz="2400" b="1" dirty="0" smtClean="0"/>
-          </a:p>
-          <a:p>
-            <a:r>
-              <a:rPr lang="en-US" sz="2400" dirty="0" smtClean="0"/>
-              <a:t>Cost of Testing, by </a:t>
-            </a:r>
-            <a:r>
-              <a:rPr lang="en-US" sz="2400" dirty="0" err="1" smtClean="0"/>
-              <a:t>Misko</a:t>
-            </a:r>
-            <a:r>
-              <a:rPr lang="en-US" sz="2400" dirty="0" smtClean="0"/>
-              <a:t> </a:t>
-            </a:r>
-            <a:r>
-              <a:rPr lang="en-US" sz="2400" dirty="0" err="1" smtClean="0"/>
-              <a:t>Hevery</a:t>
-            </a:r>
-            <a:r>
-              <a:rPr lang="en-US" sz="2400" dirty="0" smtClean="0"/>
-              <a:t> (Agile Coach/Java developer at Google)</a:t>
-            </a:r>
-          </a:p>
-          <a:p>
-            <a:pPr lvl="1"/>
-            <a:r>
-              <a:rPr lang="en-US" sz="1800" b="1" dirty="0" smtClean="0">
-                <a:hlinkClick r:id="rId3"/>
-              </a:rPr>
-              <a:t>http://misko.hevery.com/2009/10/01/cost-of-testing/</a:t>
-            </a:r>
-            <a:endParaRPr lang="en-US" sz="1800" b="1" dirty="0" smtClean="0"/>
-          </a:p>
-          <a:p>
-            <a:pPr lvl="1"/>
-            <a:endParaRPr lang="en-US" sz="1800" b="1" dirty="0" smtClean="0"/>
-          </a:p>
-          <a:p>
-            <a:r>
-              <a:rPr lang="en-US" sz="2400" dirty="0" smtClean="0"/>
-              <a:t>TDD Derangement Syndrome, by Uncle Bob Martin</a:t>
-            </a:r>
-          </a:p>
-          <a:p>
-            <a:pPr lvl="1"/>
-            <a:r>
-              <a:rPr lang="en-US" sz="1800" b="1" dirty="0" smtClean="0">
-                <a:hlinkClick r:id="rId4"/>
-              </a:rPr>
-              <a:t>http://blog.objectmentor.com/articles/2009/10/07/tdd-derangement-syndrome</a:t>
-            </a:r>
-            <a:endParaRPr lang="en-US" sz="1800" b="1" dirty="0" smtClean="0"/>
-          </a:p>
-          <a:p>
-            <a:endParaRPr lang="en-US" sz="2400" b="1" dirty="0" smtClean="0"/>
-          </a:p>
-          <a:p>
-            <a:endParaRPr lang="en-US" dirty="0"/>
+          <p:cNvPr id="4" name="Title 3"/>
+          <p:cNvSpPr>
+            <a:spLocks noGrp="1"/>
+          </p:cNvSpPr>
+          <p:nvPr>
+            <p:ph type="ctrTitle"/>
+          </p:nvPr>
+        </p:nvSpPr>
+        <p:spPr>
+          <a:xfrm>
+            <a:off x="685800" y="228600"/>
+            <a:ext cx="7772400" cy="6400800"/>
+          </a:xfrm>
+        </p:spPr>
+        <p:txBody>
+          <a:bodyPr anchor="ctr"/>
+          <a:lstStyle/>
+          <a:p>
+            <a:r>
+              <a:rPr lang="en-US" sz="30000" dirty="0" smtClean="0"/>
+              <a:t>?</a:t>
+            </a:r>
+            <a:endParaRPr lang="en-US" sz="30000" dirty="0"/>
           </a:p>
         </p:txBody>
       </p:sp>
@@ -8576,13 +8723,6 @@
   <p:clrMapOvr>
     <a:masterClrMapping/>
   </p:clrMapOvr>
-  <p:timing>
-    <p:tnLst>
-      <p:par>
-        <p:cTn id="1" dur="indefinite" restart="never" nodeType="tmRoot"/>
-      </p:par>
-    </p:tnLst>
-  </p:timing>
 </p:sld>
 </file>
 
@@ -8616,13 +8756,13 @@
         <p:spPr/>
         <p:txBody>
           <a:bodyPr>
-            <a:normAutofit/>
+            <a:normAutofit fontScale="90000"/>
           </a:bodyPr>
           <a:lstStyle/>
           <a:p>
             <a:r>
               <a:rPr lang="en-US" dirty="0" smtClean="0"/>
-              <a:t>Resources - Tools</a:t>
+              <a:t>Resources - Cost of unit testing</a:t>
             </a:r>
             <a:endParaRPr lang="en-US" dirty="0"/>
           </a:p>
@@ -8640,138 +8780,84 @@
         </p:nvSpPr>
         <p:spPr/>
         <p:txBody>
-          <a:bodyPr>
-            <a:normAutofit/>
-          </a:bodyPr>
+          <a:bodyPr/>
           <a:lstStyle/>
           <a:p>
             <a:r>
               <a:rPr lang="en-US" sz="2400" dirty="0" smtClean="0"/>
-              <a:t>.NET</a:t>
+              <a:t>Microsoft Research – “Realizing quality improvement through test driven development: results and experiences of four industrial teams”</a:t>
             </a:r>
           </a:p>
           <a:p>
             <a:pPr lvl="1"/>
             <a:r>
-              <a:rPr lang="en-US" sz="2400" dirty="0" smtClean="0"/>
-              <a:t>NUnit – </a:t>
-            </a:r>
-            <a:r>
-              <a:rPr lang="en-US" sz="2400" dirty="0" smtClean="0">
+              <a:rPr lang="en-US" sz="1800" b="1" dirty="0" smtClean="0">
                 <a:hlinkClick r:id="rId2"/>
               </a:rPr>
-              <a:t>http://nunit.org</a:t>
-            </a:r>
-            <a:endParaRPr lang="en-US" sz="2400" dirty="0" smtClean="0"/>
+              <a:t>http://research.microsoft.com/en-us/projects/esm/nagappan_tdd.pdf</a:t>
+            </a:r>
+            <a:endParaRPr lang="en-US" sz="1800" b="1" dirty="0" smtClean="0"/>
+          </a:p>
+          <a:p>
+            <a:endParaRPr lang="en-US" sz="2400" b="1" dirty="0" smtClean="0"/>
+          </a:p>
+          <a:p>
+            <a:r>
+              <a:rPr lang="en-US" sz="2400" dirty="0" smtClean="0"/>
+              <a:t>Cost of Testing, by </a:t>
+            </a:r>
+            <a:r>
+              <a:rPr lang="en-US" sz="2400" dirty="0" err="1" smtClean="0"/>
+              <a:t>Misko</a:t>
+            </a:r>
+            <a:r>
+              <a:rPr lang="en-US" sz="2400" dirty="0" smtClean="0"/>
+              <a:t> </a:t>
+            </a:r>
+            <a:r>
+              <a:rPr lang="en-US" sz="2400" dirty="0" err="1" smtClean="0"/>
+              <a:t>Hevery</a:t>
+            </a:r>
+            <a:r>
+              <a:rPr lang="en-US" sz="2400" dirty="0" smtClean="0"/>
+              <a:t> (Agile Coach/Java developer at Google)</a:t>
+            </a:r>
           </a:p>
           <a:p>
             <a:pPr lvl="1"/>
             <a:r>
-              <a:rPr lang="en-US" sz="2400" dirty="0" smtClean="0"/>
-              <a:t>Should – </a:t>
-            </a:r>
-            <a:r>
-              <a:rPr lang="en-US" sz="2400" dirty="0" smtClean="0">
+              <a:rPr lang="en-US" sz="1800" b="1" dirty="0" smtClean="0">
                 <a:hlinkClick r:id="rId3"/>
               </a:rPr>
-              <a:t>http://should.codeplex.com</a:t>
-            </a:r>
-            <a:endParaRPr lang="en-US" sz="2400" dirty="0" smtClean="0"/>
+              <a:t>http://misko.hevery.com/2009/10/01/cost-of-testing/</a:t>
+            </a:r>
+            <a:endParaRPr lang="en-US" sz="1800" b="1" dirty="0" smtClean="0"/>
+          </a:p>
+          <a:p>
+            <a:pPr lvl="1"/>
+            <a:endParaRPr lang="en-US" sz="1800" b="1" dirty="0" smtClean="0"/>
           </a:p>
           <a:p>
             <a:r>
               <a:rPr lang="en-US" sz="2400" dirty="0" smtClean="0"/>
-              <a:t>Java</a:t>
+              <a:t>TDD Derangement Syndrome, by Uncle Bob Martin</a:t>
             </a:r>
           </a:p>
           <a:p>
             <a:pPr lvl="1"/>
             <a:r>
-              <a:rPr lang="en-US" sz="2400" dirty="0" err="1" smtClean="0"/>
-              <a:t>JUnit</a:t>
-            </a:r>
-            <a:r>
-              <a:rPr lang="en-US" sz="2400" dirty="0" smtClean="0"/>
-              <a:t> – </a:t>
-            </a:r>
-            <a:r>
-              <a:rPr lang="en-US" sz="2400" dirty="0" smtClean="0">
+              <a:rPr lang="en-US" sz="1800" b="1" dirty="0" smtClean="0">
                 <a:hlinkClick r:id="rId4"/>
               </a:rPr>
-              <a:t>http://junit.org</a:t>
-            </a:r>
-            <a:endParaRPr lang="en-US" sz="2400" dirty="0" smtClean="0"/>
-          </a:p>
-          <a:p>
-            <a:pPr lvl="1"/>
-            <a:r>
-              <a:rPr lang="en-US" sz="2400" dirty="0" err="1" smtClean="0"/>
-              <a:t>TestNG</a:t>
-            </a:r>
-            <a:r>
-              <a:rPr lang="en-US" sz="2400" dirty="0" smtClean="0"/>
-              <a:t> – </a:t>
-            </a:r>
-            <a:r>
-              <a:rPr lang="en-US" sz="2400" dirty="0" smtClean="0">
-                <a:hlinkClick r:id="rId5"/>
-              </a:rPr>
-              <a:t>http://</a:t>
-            </a:r>
-            <a:r>
-              <a:rPr lang="en-US" sz="2400" dirty="0" smtClean="0">
-                <a:hlinkClick r:id="rId5"/>
-              </a:rPr>
-              <a:t>testng.org</a:t>
-            </a:r>
-            <a:endParaRPr lang="en-US" sz="2400" dirty="0" smtClean="0"/>
-          </a:p>
-          <a:p>
-            <a:r>
-              <a:rPr lang="en-US" sz="2400" dirty="0" smtClean="0"/>
-              <a:t>Ruby</a:t>
-            </a:r>
-          </a:p>
-          <a:p>
-            <a:pPr lvl="1"/>
-            <a:r>
-              <a:rPr lang="en-US" sz="2400" dirty="0" smtClean="0"/>
-              <a:t>RSpec – </a:t>
-            </a:r>
-            <a:r>
-              <a:rPr lang="en-US" sz="2400" dirty="0" smtClean="0">
-                <a:hlinkClick r:id="rId6"/>
-              </a:rPr>
-              <a:t>http://rspec.info</a:t>
-            </a:r>
-            <a:r>
-              <a:rPr lang="en-US" sz="2400" dirty="0" smtClean="0"/>
-              <a:t>, or gem install </a:t>
-            </a:r>
-            <a:r>
-              <a:rPr lang="en-US" sz="2400" dirty="0" err="1" smtClean="0"/>
-              <a:t>rspec</a:t>
-            </a:r>
-            <a:endParaRPr lang="en-US" sz="2400" dirty="0" smtClean="0"/>
-          </a:p>
-          <a:p>
-            <a:r>
-              <a:rPr lang="en-US" sz="2400" dirty="0" smtClean="0"/>
-              <a:t>Specs2Tests – </a:t>
-            </a:r>
-            <a:r>
-              <a:rPr lang="en-US" sz="2400" dirty="0" smtClean="0">
-                <a:hlinkClick r:id="rId7"/>
-              </a:rPr>
-              <a:t>http://github.com/jonkruger/specs2tests</a:t>
-            </a:r>
-            <a:endParaRPr lang="en-US" sz="2400" dirty="0" smtClean="0"/>
-          </a:p>
-          <a:p>
-            <a:pPr>
-              <a:buNone/>
-            </a:pPr>
-            <a:endParaRPr lang="en-US" sz="2400" dirty="0" smtClean="0"/>
+              <a:t>http://blog.objectmentor.com/articles/2009/10/07/tdd-derangement-syndrome</a:t>
+            </a:r>
+            <a:endParaRPr lang="en-US" sz="1800" b="1" dirty="0" smtClean="0"/>
+          </a:p>
+          <a:p>
+            <a:endParaRPr lang="en-US" sz="2400" b="1" dirty="0" smtClean="0"/>
+          </a:p>
+          <a:p>
+            <a:endParaRPr lang="en-US" dirty="0"/>
           </a:p>
         </p:txBody>
       </p:sp>
@@ -8826,7 +8912,7 @@
           <a:p>
             <a:r>
               <a:rPr lang="en-US" dirty="0" smtClean="0"/>
-              <a:t>Resources – Learning TDD</a:t>
+              <a:t>Resources - Tools</a:t>
             </a:r>
             <a:endParaRPr lang="en-US" dirty="0"/>
           </a:p>
@@ -8842,136 +8928,134 @@
             <p:ph idx="1"/>
           </p:nvPr>
         </p:nvSpPr>
-        <p:spPr>
-          <a:xfrm>
-            <a:off x="457200" y="1600200"/>
-            <a:ext cx="8229600" cy="5105400"/>
-          </a:xfrm>
-        </p:spPr>
+        <p:spPr/>
         <p:txBody>
           <a:bodyPr>
-            <a:normAutofit lnSpcReduction="10000"/>
+            <a:normAutofit/>
           </a:bodyPr>
           <a:lstStyle/>
           <a:p>
             <a:r>
               <a:rPr lang="en-US" sz="2400" dirty="0" smtClean="0"/>
-              <a:t>Behavior Driven Development</a:t>
+              <a:t>.NET</a:t>
             </a:r>
           </a:p>
           <a:p>
             <a:pPr lvl="1"/>
             <a:r>
-              <a:rPr lang="en-US" sz="1800" b="1" dirty="0" smtClean="0">
+              <a:rPr lang="en-US" sz="2400" dirty="0" smtClean="0"/>
+              <a:t>NUnit – </a:t>
+            </a:r>
+            <a:r>
+              <a:rPr lang="en-US" sz="2400" dirty="0" smtClean="0">
                 <a:hlinkClick r:id="rId2"/>
               </a:rPr>
-              <a:t>http://www.code-magazine.com/article.aspx?quickid=0805061&amp;page=1</a:t>
-            </a:r>
-            <a:endParaRPr lang="en-US" sz="1800" b="1" dirty="0" smtClean="0"/>
+              <a:t>http://nunit.org</a:t>
+            </a:r>
+            <a:endParaRPr lang="en-US" sz="2400" dirty="0" smtClean="0"/>
           </a:p>
           <a:p>
             <a:pPr lvl="1"/>
-            <a:endParaRPr lang="en-US" sz="1800" b="1" dirty="0" smtClean="0"/>
-          </a:p>
-          <a:p>
             <a:r>
               <a:rPr lang="en-US" sz="2400" dirty="0" smtClean="0"/>
-              <a:t>So How do You Introduce TDD into an Organization or Team?, by Jeremy Miller</a:t>
-            </a:r>
-          </a:p>
-          <a:p>
-            <a:pPr lvl="1"/>
-            <a:r>
-              <a:rPr lang="en-US" sz="1800" b="1" dirty="0" smtClean="0">
+              <a:t>Should – </a:t>
+            </a:r>
+            <a:r>
+              <a:rPr lang="en-US" sz="2400" dirty="0" smtClean="0">
                 <a:hlinkClick r:id="rId3"/>
               </a:rPr>
-              <a:t>http://codebetter.com/blogs/jeremy.miller/archive/2006/06/27/146899.aspx</a:t>
-            </a:r>
-            <a:endParaRPr lang="en-US" sz="1800" b="1" dirty="0" smtClean="0"/>
+              <a:t>http://should.codeplex.com</a:t>
+            </a:r>
+            <a:endParaRPr lang="en-US" sz="2400" dirty="0" smtClean="0"/>
+          </a:p>
+          <a:p>
+            <a:r>
+              <a:rPr lang="en-US" sz="2400" dirty="0" smtClean="0"/>
+              <a:t>Java</a:t>
+            </a:r>
           </a:p>
           <a:p>
             <a:pPr lvl="1"/>
-            <a:endParaRPr lang="en-US" sz="1800" b="1" dirty="0" smtClean="0"/>
-          </a:p>
-          <a:p>
+            <a:r>
+              <a:rPr lang="en-US" sz="2400" dirty="0" err="1" smtClean="0"/>
+              <a:t>JUnit</a:t>
+            </a:r>
             <a:r>
               <a:rPr lang="en-US" sz="2400" dirty="0" smtClean="0"/>
-              <a:t>How to get started with TDD, by </a:t>
-            </a:r>
-            <a:r>
-              <a:rPr lang="en-US" sz="2400" dirty="0" err="1" smtClean="0"/>
-              <a:t>Misko</a:t>
-            </a:r>
-            <a:r>
-              <a:rPr lang="en-US" sz="2400" dirty="0" smtClean="0"/>
-              <a:t> </a:t>
-            </a:r>
-            <a:r>
-              <a:rPr lang="en-US" sz="2400" dirty="0" err="1" smtClean="0"/>
-              <a:t>Hevery</a:t>
-            </a:r>
-            <a:r>
-              <a:rPr lang="en-US" sz="2400" dirty="0" smtClean="0"/>
-              <a:t> (Java examples)</a:t>
-            </a:r>
-          </a:p>
-          <a:p>
-            <a:pPr lvl="1"/>
-            <a:r>
-              <a:rPr lang="en-US" sz="1800" b="1" dirty="0" smtClean="0">
+              <a:t> – </a:t>
+            </a:r>
+            <a:r>
+              <a:rPr lang="en-US" sz="2400" dirty="0" smtClean="0">
                 <a:hlinkClick r:id="rId4"/>
               </a:rPr>
-              <a:t>http://misko.hevery.com/2009/11/17/how-to-get-started-with-tdd/</a:t>
+              <a:t>http://junit.org</a:t>
             </a:r>
             <a:endParaRPr lang="en-US" sz="2400" dirty="0" smtClean="0"/>
           </a:p>
           <a:p>
             <a:pPr lvl="1"/>
-            <a:endParaRPr lang="en-US" sz="2400" dirty="0" smtClean="0"/>
-          </a:p>
-          <a:p>
+            <a:r>
+              <a:rPr lang="en-US" sz="2400" dirty="0" err="1" smtClean="0"/>
+              <a:t>TestNG</a:t>
+            </a:r>
             <a:r>
               <a:rPr lang="en-US" sz="2400" dirty="0" smtClean="0"/>
-              <a:t>TDD Starter Kit – Sample Projects and Links (C# examples)</a:t>
-            </a:r>
-          </a:p>
-          <a:p>
-            <a:pPr lvl="1"/>
-            <a:r>
-              <a:rPr lang="en-US" sz="1800" dirty="0" smtClean="0">
+              <a:t> – </a:t>
+            </a:r>
+            <a:r>
+              <a:rPr lang="en-US" sz="2400" dirty="0" smtClean="0">
                 <a:hlinkClick r:id="rId5"/>
               </a:rPr>
-              <a:t>http://jonkruger.com/blog/2009/07/23/tdd-starter-kit-sample-projects-and-links/</a:t>
-            </a:r>
-            <a:endParaRPr lang="en-US" sz="1800" dirty="0" smtClean="0"/>
+              <a:t>http://testng.org</a:t>
+            </a:r>
+            <a:endParaRPr lang="en-US" sz="2400" dirty="0" smtClean="0"/>
+          </a:p>
+          <a:p>
+            <a:r>
+              <a:rPr lang="en-US" sz="2400" dirty="0" smtClean="0"/>
+              <a:t>Ruby</a:t>
+            </a:r>
           </a:p>
           <a:p>
             <a:pPr lvl="1"/>
-            <a:endParaRPr lang="en-US" sz="1800" dirty="0" smtClean="0"/>
-          </a:p>
-          <a:p>
             <a:r>
               <a:rPr lang="en-US" sz="2400" dirty="0" smtClean="0"/>
-              <a:t>Pair Programming </a:t>
-            </a:r>
-            <a:r>
-              <a:rPr lang="en-US" sz="2400" dirty="0" err="1" smtClean="0"/>
-              <a:t>Bot</a:t>
-            </a:r>
-            <a:endParaRPr lang="en-US" sz="2400" dirty="0" smtClean="0"/>
-          </a:p>
-          <a:p>
-            <a:pPr lvl="1"/>
-            <a:r>
-              <a:rPr lang="en-US" sz="1800" dirty="0" smtClean="0">
+              <a:t>RSpec – </a:t>
+            </a:r>
+            <a:r>
+              <a:rPr lang="en-US" sz="2400" dirty="0" smtClean="0">
                 <a:hlinkClick r:id="rId6"/>
               </a:rPr>
-              <a:t>http://pairprogrammingbot.com/</a:t>
-            </a:r>
-            <a:endParaRPr lang="en-US" sz="1800" dirty="0" smtClean="0"/>
-          </a:p>
-          <a:p>
-            <a:endParaRPr lang="en-US" dirty="0"/>
+              <a:t>http://rspec.info</a:t>
+            </a:r>
+            <a:r>
+              <a:rPr lang="en-US" sz="2400" dirty="0" smtClean="0"/>
+              <a:t>, or gem install </a:t>
+            </a:r>
+            <a:r>
+              <a:rPr lang="en-US" sz="2400" dirty="0" err="1" smtClean="0"/>
+              <a:t>rspec</a:t>
+            </a:r>
+            <a:endParaRPr lang="en-US" sz="2400" dirty="0" smtClean="0"/>
+          </a:p>
+          <a:p>
+            <a:r>
+              <a:rPr lang="en-US" sz="2400" dirty="0" smtClean="0"/>
+              <a:t>Specs2Tests – </a:t>
+            </a:r>
+            <a:r>
+              <a:rPr lang="en-US" sz="2400" dirty="0" smtClean="0">
+                <a:hlinkClick r:id="rId7"/>
+              </a:rPr>
+              <a:t>http://github.com/jonkruger/specs2tests</a:t>
+            </a:r>
+            <a:endParaRPr lang="en-US" sz="2400" dirty="0" smtClean="0"/>
+          </a:p>
+          <a:p>
+            <a:pPr>
+              <a:buNone/>
+            </a:pPr>
+            <a:endParaRPr lang="en-US" sz="2400" dirty="0" smtClean="0"/>
           </a:p>
         </p:txBody>
       </p:sp>
@@ -9026,7 +9110,7 @@
           <a:p>
             <a:r>
               <a:rPr lang="en-US" dirty="0" smtClean="0"/>
-              <a:t>Resources – Books</a:t>
+              <a:t>Resources – Learning TDD</a:t>
             </a:r>
             <a:endParaRPr lang="en-US" dirty="0"/>
           </a:p>
@@ -9050,94 +9134,128 @@
         </p:spPr>
         <p:txBody>
           <a:bodyPr>
-            <a:normAutofit/>
+            <a:normAutofit lnSpcReduction="10000"/>
           </a:bodyPr>
           <a:lstStyle/>
           <a:p>
             <a:r>
-              <a:rPr lang="en-US" dirty="0" smtClean="0"/>
-              <a:t>The Art of Unit Testing</a:t>
+              <a:rPr lang="en-US" sz="2400" dirty="0" smtClean="0"/>
+              <a:t>Behavior Driven Development</a:t>
             </a:r>
           </a:p>
           <a:p>
             <a:pPr lvl="1"/>
             <a:r>
-              <a:rPr lang="en-US" dirty="0" smtClean="0"/>
-              <a:t>by Roy </a:t>
-            </a:r>
-            <a:r>
-              <a:rPr lang="en-US" dirty="0" err="1" smtClean="0"/>
-              <a:t>Osherove</a:t>
-            </a:r>
-            <a:endParaRPr lang="en-US" dirty="0" smtClean="0"/>
-          </a:p>
-          <a:p>
-            <a:r>
-              <a:rPr lang="en-US" dirty="0" smtClean="0"/>
-              <a:t>Test Driven Development: By Example</a:t>
-            </a:r>
+              <a:rPr lang="en-US" sz="1800" b="1" dirty="0" smtClean="0">
+                <a:hlinkClick r:id="rId2"/>
+              </a:rPr>
+              <a:t>http://www.code-magazine.com/article.aspx?quickid=0805061&amp;page=1</a:t>
+            </a:r>
+            <a:endParaRPr lang="en-US" sz="1800" b="1" dirty="0" smtClean="0"/>
           </a:p>
           <a:p>
             <a:pPr lvl="1"/>
-            <a:r>
-              <a:rPr lang="en-US" dirty="0" smtClean="0"/>
-              <a:t>by Kent Beck</a:t>
-            </a:r>
-          </a:p>
-          <a:p>
-            <a:r>
-              <a:rPr lang="en-US" dirty="0" smtClean="0"/>
-              <a:t>Test Driven Development: A Practical Guide</a:t>
+            <a:endParaRPr lang="en-US" sz="1800" b="1" dirty="0" smtClean="0"/>
+          </a:p>
+          <a:p>
+            <a:r>
+              <a:rPr lang="en-US" sz="2400" dirty="0" smtClean="0"/>
+              <a:t>So How do You Introduce TDD into an Organization or Team?, by Jeremy Miller</a:t>
             </a:r>
           </a:p>
           <a:p>
             <a:pPr lvl="1"/>
             <a:r>
-              <a:rPr lang="en-US" dirty="0" smtClean="0"/>
-              <a:t>by David </a:t>
-            </a:r>
-            <a:r>
-              <a:rPr lang="en-US" dirty="0" err="1" smtClean="0"/>
-              <a:t>Astels</a:t>
-            </a:r>
-            <a:endParaRPr lang="en-US" dirty="0" smtClean="0"/>
-          </a:p>
-          <a:p>
-            <a:r>
-              <a:rPr lang="en-US" dirty="0" smtClean="0"/>
-              <a:t>The RSpec Book: </a:t>
-            </a:r>
-            <a:r>
-              <a:rPr lang="en-US" dirty="0" err="1" smtClean="0"/>
-              <a:t>Behaviour</a:t>
-            </a:r>
-            <a:r>
-              <a:rPr lang="en-US" dirty="0" smtClean="0"/>
-              <a:t> Driven Development with RSpec, Cucumber, and Friends</a:t>
-            </a:r>
+              <a:rPr lang="en-US" sz="1800" b="1" dirty="0" smtClean="0">
+                <a:hlinkClick r:id="rId3"/>
+              </a:rPr>
+              <a:t>http://codebetter.com/blogs/jeremy.miller/archive/2006/06/27/146899.aspx</a:t>
+            </a:r>
+            <a:endParaRPr lang="en-US" sz="1800" b="1" dirty="0" smtClean="0"/>
           </a:p>
           <a:p>
             <a:pPr lvl="1"/>
-            <a:r>
-              <a:rPr lang="en-US" dirty="0" smtClean="0"/>
-              <a:t>by David </a:t>
-            </a:r>
-            <a:r>
-              <a:rPr lang="en-US" dirty="0" err="1" smtClean="0"/>
-              <a:t>Chelimsky</a:t>
-            </a:r>
-            <a:r>
-              <a:rPr lang="en-US" dirty="0" smtClean="0"/>
-              <a:t>, Dave </a:t>
-            </a:r>
-            <a:r>
-              <a:rPr lang="en-US" dirty="0" err="1" smtClean="0"/>
-              <a:t>Astels</a:t>
-            </a:r>
-            <a:r>
-              <a:rPr lang="en-US" dirty="0" smtClean="0"/>
-              <a:t>, et. al.</a:t>
-            </a:r>
+            <a:endParaRPr lang="en-US" sz="1800" b="1" dirty="0" smtClean="0"/>
+          </a:p>
+          <a:p>
+            <a:r>
+              <a:rPr lang="en-US" sz="2400" dirty="0" smtClean="0"/>
+              <a:t>How to get started with TDD, by </a:t>
+            </a:r>
+            <a:r>
+              <a:rPr lang="en-US" sz="2400" dirty="0" err="1" smtClean="0"/>
+              <a:t>Misko</a:t>
+            </a:r>
+            <a:r>
+              <a:rPr lang="en-US" sz="2400" dirty="0" smtClean="0"/>
+              <a:t> </a:t>
+            </a:r>
+            <a:r>
+              <a:rPr lang="en-US" sz="2400" dirty="0" err="1" smtClean="0"/>
+              <a:t>Hevery</a:t>
+            </a:r>
+            <a:r>
+              <a:rPr lang="en-US" sz="2400" dirty="0" smtClean="0"/>
+              <a:t> (Java examples)</a:t>
+            </a:r>
+          </a:p>
+          <a:p>
+            <a:pPr lvl="1"/>
+            <a:r>
+              <a:rPr lang="en-US" sz="1800" b="1" dirty="0" smtClean="0">
+                <a:hlinkClick r:id="rId4"/>
+              </a:rPr>
+              <a:t>http://misko.hevery.com/2009/11/17/how-to-get-started-with-tdd/</a:t>
+            </a:r>
+            <a:endParaRPr lang="en-US" sz="2400" dirty="0" smtClean="0"/>
+          </a:p>
+          <a:p>
+            <a:pPr lvl="1"/>
+            <a:endParaRPr lang="en-US" sz="2400" dirty="0" smtClean="0"/>
+          </a:p>
+          <a:p>
+            <a:r>
+              <a:rPr lang="en-US" sz="2400" dirty="0" smtClean="0"/>
+              <a:t>TDD Starter Kit – Sample Projects and Links (C# examples)</a:t>
+            </a:r>
+          </a:p>
+          <a:p>
+            <a:pPr lvl="1"/>
+            <a:r>
+              <a:rPr lang="en-US" sz="1800" dirty="0" smtClean="0">
+                <a:hlinkClick r:id="rId5"/>
+              </a:rPr>
+              <a:t>http://jonkruger.com/blog/2009/07/23/tdd-starter-kit-sample-projects-and-links/</a:t>
+            </a:r>
+            <a:endParaRPr lang="en-US" sz="1800" dirty="0" smtClean="0"/>
+          </a:p>
+          <a:p>
+            <a:pPr lvl="1"/>
+            <a:endParaRPr lang="en-US" sz="1800" dirty="0" smtClean="0"/>
+          </a:p>
+          <a:p>
+            <a:r>
+              <a:rPr lang="en-US" sz="2400" dirty="0" smtClean="0"/>
+              <a:t>Pair Programming </a:t>
+            </a:r>
+            <a:r>
+              <a:rPr lang="en-US" sz="2400" dirty="0" err="1" smtClean="0"/>
+              <a:t>Bot</a:t>
+            </a:r>
+            <a:endParaRPr lang="en-US" sz="2400" dirty="0" smtClean="0"/>
+          </a:p>
+          <a:p>
+            <a:pPr lvl="1"/>
+            <a:r>
+              <a:rPr lang="en-US" sz="1800" dirty="0" smtClean="0">
+                <a:hlinkClick r:id="rId6"/>
+              </a:rPr>
+              <a:t>http://pairprogrammingbot.com/</a:t>
+            </a:r>
+            <a:endParaRPr lang="en-US" sz="1800" dirty="0" smtClean="0"/>
+          </a:p>
+          <a:p>
+            <a:endParaRPr lang="en-US" dirty="0"/>
           </a:p>
         </p:txBody>
       </p:sp>
@@ -9192,7 +9310,7 @@
           <a:p>
             <a:r>
               <a:rPr lang="en-US" dirty="0" smtClean="0"/>
-              <a:t>Resources – Practice!</a:t>
+              <a:t>Resources – Books</a:t>
             </a:r>
             <a:endParaRPr lang="en-US" dirty="0"/>
           </a:p>
@@ -9211,162 +9329,99 @@
         <p:spPr>
           <a:xfrm>
             <a:off x="457200" y="1600200"/>
-            <a:ext cx="8229600" cy="5257800"/>
+            <a:ext cx="8229600" cy="5105400"/>
           </a:xfrm>
         </p:spPr>
         <p:txBody>
           <a:bodyPr>
-            <a:normAutofit lnSpcReduction="10000"/>
+            <a:normAutofit/>
           </a:bodyPr>
           <a:lstStyle/>
           <a:p>
             <a:r>
               <a:rPr lang="en-US" dirty="0" smtClean="0"/>
-              <a:t>String Calculator </a:t>
+              <a:t>The Art of Unit Testing</a:t>
+            </a:r>
+          </a:p>
+          <a:p>
+            <a:pPr lvl="1"/>
+            <a:r>
+              <a:rPr lang="en-US" dirty="0" smtClean="0"/>
+              <a:t>by Roy </a:t>
             </a:r>
             <a:r>
               <a:rPr lang="en-US" dirty="0" err="1" smtClean="0"/>
-              <a:t>kata</a:t>
+              <a:t>Osherove</a:t>
             </a:r>
             <a:endParaRPr lang="en-US" dirty="0" smtClean="0"/>
           </a:p>
           <a:p>
+            <a:r>
+              <a:rPr lang="en-US" dirty="0" smtClean="0"/>
+              <a:t>Test Driven Development: By Example</a:t>
+            </a:r>
+          </a:p>
+          <a:p>
             <a:pPr lvl="1"/>
             <a:r>
-              <a:rPr lang="en-US" dirty="0" smtClean="0">
-                <a:hlinkClick r:id="rId2"/>
-              </a:rPr>
-              <a:t>http://osherove.com/tdd-kata-1/</a:t>
+              <a:rPr lang="en-US" dirty="0" smtClean="0"/>
+              <a:t>by Kent Beck</a:t>
+            </a:r>
+          </a:p>
+          <a:p>
+            <a:r>
+              <a:rPr lang="en-US" dirty="0" smtClean="0"/>
+              <a:t>Test Driven Development: A Practical Guide</a:t>
+            </a:r>
+          </a:p>
+          <a:p>
+            <a:pPr lvl="1"/>
+            <a:r>
+              <a:rPr lang="en-US" dirty="0" smtClean="0"/>
+              <a:t>by David </a:t>
+            </a:r>
+            <a:r>
+              <a:rPr lang="en-US" dirty="0" err="1" smtClean="0"/>
+              <a:t>Astels</a:t>
             </a:r>
             <a:endParaRPr lang="en-US" dirty="0" smtClean="0"/>
           </a:p>
           <a:p>
+            <a:r>
+              <a:rPr lang="en-US" dirty="0" smtClean="0"/>
+              <a:t>The RSpec Book: </a:t>
+            </a:r>
+            <a:r>
+              <a:rPr lang="en-US" dirty="0" err="1" smtClean="0"/>
+              <a:t>Behaviour</a:t>
+            </a:r>
+            <a:r>
+              <a:rPr lang="en-US" dirty="0" smtClean="0"/>
+              <a:t> Driven Development with RSpec, Cucumber, and Friends</a:t>
+            </a:r>
+          </a:p>
+          <a:p>
             <a:pPr lvl="1"/>
-            <a:endParaRPr lang="en-US" dirty="0" smtClean="0"/>
-          </a:p>
-          <a:p>
             <a:r>
               <a:rPr lang="en-US" dirty="0" smtClean="0"/>
-              <a:t>Bowling Game </a:t>
+              <a:t>by David </a:t>
             </a:r>
             <a:r>
               <a:rPr lang="en-US" dirty="0" err="1" smtClean="0"/>
-              <a:t>kata</a:t>
-            </a:r>
-            <a:endParaRPr lang="en-US" dirty="0" smtClean="0"/>
-          </a:p>
-          <a:p>
-            <a:pPr lvl="1"/>
-            <a:r>
-              <a:rPr lang="en-US" sz="2100" dirty="0" smtClean="0">
-                <a:hlinkClick r:id="rId3"/>
-              </a:rPr>
-              <a:t>http://butunclebob.com/ArticleS.UncleBob.TheBowlingGameKata</a:t>
-            </a:r>
-            <a:endParaRPr lang="en-US" sz="2100" dirty="0" smtClean="0"/>
-          </a:p>
-          <a:p>
-            <a:pPr lvl="1"/>
-            <a:endParaRPr lang="en-US" sz="2100" dirty="0" smtClean="0"/>
-          </a:p>
-          <a:p>
-            <a:r>
-              <a:rPr lang="en-US" sz="2700" dirty="0" smtClean="0"/>
-              <a:t>Prime Factors </a:t>
-            </a:r>
-            <a:r>
-              <a:rPr lang="en-US" sz="2700" dirty="0" err="1" smtClean="0"/>
-              <a:t>kata</a:t>
-            </a:r>
-            <a:endParaRPr lang="en-US" sz="2700" dirty="0" smtClean="0"/>
-          </a:p>
-          <a:p>
-            <a:pPr lvl="1"/>
-            <a:r>
-              <a:rPr lang="en-US" sz="1900" dirty="0" smtClean="0">
-                <a:hlinkClick r:id="rId4"/>
-              </a:rPr>
-              <a:t>http://www.butunclebob.com/ArticleS.UncleBob.ThePrimeFactorsKata</a:t>
-            </a:r>
-            <a:endParaRPr lang="en-US" sz="1900" dirty="0" smtClean="0"/>
-          </a:p>
-          <a:p>
-            <a:pPr lvl="1"/>
-            <a:endParaRPr lang="en-US" sz="1900" dirty="0" smtClean="0"/>
-          </a:p>
-          <a:p>
-            <a:r>
-              <a:rPr lang="en-US" sz="2500" dirty="0" smtClean="0"/>
-              <a:t>Greed game (part of the Ruby </a:t>
-            </a:r>
-            <a:r>
-              <a:rPr lang="en-US" sz="2500" dirty="0" err="1" smtClean="0"/>
-              <a:t>koans</a:t>
-            </a:r>
-            <a:r>
-              <a:rPr lang="en-US" sz="2500" dirty="0" smtClean="0"/>
-              <a:t>)</a:t>
-            </a:r>
-          </a:p>
-          <a:p>
-            <a:pPr lvl="1"/>
-            <a:r>
-              <a:rPr lang="en-US" dirty="0" smtClean="0">
-                <a:hlinkClick r:id="rId5"/>
-              </a:rPr>
-              <a:t>http://github.com/edgecase/ruby_koans</a:t>
-            </a:r>
-            <a:endParaRPr lang="en-US" dirty="0" smtClean="0"/>
-          </a:p>
-          <a:p>
-            <a:pPr lvl="1"/>
-            <a:endParaRPr lang="en-US" sz="1900" dirty="0" smtClean="0"/>
-          </a:p>
-          <a:p>
-            <a:r>
-              <a:rPr lang="en-US" sz="2500" dirty="0" err="1" smtClean="0"/>
-              <a:t>Katacasts</a:t>
-            </a:r>
-            <a:r>
-              <a:rPr lang="en-US" sz="2500" dirty="0"/>
-              <a:t> </a:t>
-            </a:r>
-            <a:r>
-              <a:rPr lang="en-US" sz="2500" dirty="0" smtClean="0"/>
-              <a:t>(watch </a:t>
-            </a:r>
-            <a:r>
-              <a:rPr lang="en-US" sz="2500" dirty="0" err="1" smtClean="0"/>
-              <a:t>screencasts</a:t>
-            </a:r>
-            <a:r>
-              <a:rPr lang="en-US" sz="2500" dirty="0" smtClean="0"/>
-              <a:t> of people doing various </a:t>
-            </a:r>
-            <a:r>
-              <a:rPr lang="en-US" sz="2500" dirty="0" err="1" smtClean="0"/>
-              <a:t>katas</a:t>
-            </a:r>
-            <a:r>
-              <a:rPr lang="en-US" sz="2500" dirty="0" smtClean="0"/>
-              <a:t>)</a:t>
-            </a:r>
-          </a:p>
-          <a:p>
-            <a:pPr lvl="1"/>
-            <a:r>
-              <a:rPr lang="en-US" dirty="0" smtClean="0">
-                <a:hlinkClick r:id="rId6"/>
-              </a:rPr>
-              <a:t>http://www.katacasts.com/</a:t>
-            </a:r>
-            <a:endParaRPr lang="en-US" dirty="0" smtClean="0"/>
-          </a:p>
-          <a:p>
-            <a:pPr lvl="1">
-              <a:buNone/>
-            </a:pPr>
-            <a:endParaRPr lang="en-US" sz="1900" dirty="0" smtClean="0"/>
+              <a:t>Chelimsky</a:t>
+            </a:r>
+            <a:r>
+              <a:rPr lang="en-US" dirty="0" smtClean="0"/>
+              <a:t>, Dave </a:t>
+            </a:r>
+            <a:r>
+              <a:rPr lang="en-US" dirty="0" err="1" smtClean="0"/>
+              <a:t>Astels</a:t>
+            </a:r>
+            <a:r>
+              <a:rPr lang="en-US" dirty="0" smtClean="0"/>
+              <a:t>, et. al.</a:t>
+            </a:r>
           </a:p>
         </p:txBody>
       </p:sp>
@@ -9421,7 +9476,7 @@
           <a:p>
             <a:r>
               <a:rPr lang="en-US" dirty="0" smtClean="0"/>
-              <a:t>Resources – Training</a:t>
+              <a:t>Resources – Practice!</a:t>
             </a:r>
             <a:endParaRPr lang="en-US" dirty="0"/>
           </a:p>
@@ -9440,115 +9495,162 @@
         <p:spPr>
           <a:xfrm>
             <a:off x="457200" y="1600200"/>
-            <a:ext cx="8229600" cy="4953000"/>
+            <a:ext cx="8229600" cy="5257800"/>
           </a:xfrm>
         </p:spPr>
         <p:txBody>
           <a:bodyPr>
-            <a:normAutofit/>
+            <a:normAutofit lnSpcReduction="10000"/>
           </a:bodyPr>
           <a:lstStyle/>
           <a:p>
             <a:r>
               <a:rPr lang="en-US" dirty="0" smtClean="0"/>
-              <a:t>TDD Boot Camp (.NET)</a:t>
-            </a:r>
+              <a:t>String Calculator </a:t>
+            </a:r>
+            <a:r>
+              <a:rPr lang="en-US" dirty="0" err="1" smtClean="0"/>
+              <a:t>kata</a:t>
+            </a:r>
+            <a:endParaRPr lang="en-US" dirty="0" smtClean="0"/>
           </a:p>
           <a:p>
             <a:pPr lvl="1"/>
             <a:r>
-              <a:rPr lang="en-US" sz="2800" dirty="0" smtClean="0">
+              <a:rPr lang="en-US" dirty="0" smtClean="0">
                 <a:hlinkClick r:id="rId2"/>
               </a:rPr>
-              <a:t>http://tddbootcamp.com</a:t>
-            </a:r>
-            <a:endParaRPr lang="en-US" sz="2800" dirty="0" smtClean="0"/>
+              <a:t>http://osherove.com/tdd-kata-1/</a:t>
+            </a:r>
+            <a:endParaRPr lang="en-US" dirty="0" smtClean="0"/>
           </a:p>
           <a:p>
             <a:pPr lvl="1"/>
-            <a:r>
-              <a:rPr lang="en-US" sz="2800" dirty="0" smtClean="0"/>
-              <a:t>Cincinnati – June 22-24</a:t>
-            </a:r>
+            <a:endParaRPr lang="en-US" dirty="0" smtClean="0"/>
+          </a:p>
+          <a:p>
+            <a:r>
+              <a:rPr lang="en-US" dirty="0" smtClean="0"/>
+              <a:t>Bowling Game </a:t>
+            </a:r>
+            <a:r>
+              <a:rPr lang="en-US" dirty="0" err="1" smtClean="0"/>
+              <a:t>kata</a:t>
+            </a:r>
+            <a:endParaRPr lang="en-US" dirty="0" smtClean="0"/>
           </a:p>
           <a:p>
             <a:pPr lvl="1"/>
             <a:r>
-              <a:rPr lang="en-US" sz="2800" dirty="0" smtClean="0"/>
-              <a:t>Columbus – July 13-15</a:t>
-            </a:r>
-          </a:p>
-          <a:p>
-            <a:pPr lvl="1"/>
-            <a:r>
-              <a:rPr lang="en-US" sz="2800" dirty="0" smtClean="0"/>
-              <a:t>Detroit – Aug. 18-20</a:t>
-            </a:r>
-            <a:br>
-              <a:rPr lang="en-US" sz="2800" dirty="0" smtClean="0"/>
-            </a:br>
-            <a:endParaRPr lang="en-US" sz="2800" dirty="0" smtClean="0"/>
-          </a:p>
-          <a:p>
-            <a:r>
-              <a:rPr lang="en-US" dirty="0" smtClean="0"/>
-              <a:t>Pillar Technology (Java)</a:t>
-            </a:r>
-          </a:p>
-          <a:p>
-            <a:pPr lvl="1"/>
-            <a:r>
-              <a:rPr lang="en-US" sz="2800" dirty="0" smtClean="0">
+              <a:rPr lang="en-US" sz="2100" dirty="0" smtClean="0">
                 <a:hlinkClick r:id="rId3"/>
               </a:rPr>
-              <a:t>http://pillartechnology.com</a:t>
-            </a:r>
-            <a:r>
-              <a:rPr lang="en-US" sz="2800" dirty="0" smtClean="0"/>
-              <a:t/>
-            </a:r>
-            <a:br>
-              <a:rPr lang="en-US" sz="2800" dirty="0" smtClean="0"/>
-            </a:br>
-            <a:endParaRPr lang="en-US" sz="2800" dirty="0" smtClean="0"/>
-          </a:p>
-          <a:p>
-            <a:r>
-              <a:rPr lang="en-US" dirty="0" err="1" smtClean="0"/>
-              <a:t>EdgeCase</a:t>
-            </a:r>
-            <a:r>
-              <a:rPr lang="en-US" dirty="0" smtClean="0"/>
-              <a:t> (Ruby on Rails)</a:t>
-            </a:r>
+              <a:t>http://butunclebob.com/ArticleS.UncleBob.TheBowlingGameKata</a:t>
+            </a:r>
+            <a:endParaRPr lang="en-US" sz="2100" dirty="0" smtClean="0"/>
           </a:p>
           <a:p>
             <a:pPr lvl="1"/>
-            <a:r>
-              <a:rPr lang="en-US" sz="2800" dirty="0" smtClean="0">
+            <a:endParaRPr lang="en-US" sz="2100" dirty="0" smtClean="0"/>
+          </a:p>
+          <a:p>
+            <a:r>
+              <a:rPr lang="en-US" sz="2700" dirty="0" smtClean="0"/>
+              <a:t>Prime Factors </a:t>
+            </a:r>
+            <a:r>
+              <a:rPr lang="en-US" sz="2700" dirty="0" err="1" smtClean="0"/>
+              <a:t>kata</a:t>
+            </a:r>
+            <a:endParaRPr lang="en-US" sz="2700" dirty="0" smtClean="0"/>
+          </a:p>
+          <a:p>
+            <a:pPr lvl="1"/>
+            <a:r>
+              <a:rPr lang="en-US" sz="1900" dirty="0" smtClean="0">
                 <a:hlinkClick r:id="rId4"/>
               </a:rPr>
-              <a:t>http://edgecase.com</a:t>
-            </a:r>
-            <a:endParaRPr lang="en-US" sz="2800" dirty="0" smtClean="0"/>
+              <a:t>http://www.butunclebob.com/ArticleS.UncleBob.ThePrimeFactorsKata</a:t>
+            </a:r>
+            <a:endParaRPr lang="en-US" sz="1900" dirty="0" smtClean="0"/>
+          </a:p>
+          <a:p>
+            <a:pPr lvl="1"/>
+            <a:endParaRPr lang="en-US" sz="1900" dirty="0" smtClean="0"/>
+          </a:p>
+          <a:p>
+            <a:r>
+              <a:rPr lang="en-US" sz="2500" dirty="0" smtClean="0"/>
+              <a:t>Greed game (part of the Ruby </a:t>
+            </a:r>
+            <a:r>
+              <a:rPr lang="en-US" sz="2500" dirty="0" err="1" smtClean="0"/>
+              <a:t>koans</a:t>
+            </a:r>
+            <a:r>
+              <a:rPr lang="en-US" sz="2500" dirty="0" smtClean="0"/>
+              <a:t>)</a:t>
+            </a:r>
+          </a:p>
+          <a:p>
+            <a:pPr lvl="1"/>
+            <a:r>
+              <a:rPr lang="en-US" dirty="0" smtClean="0">
+                <a:hlinkClick r:id="rId5"/>
+              </a:rPr>
+              <a:t>http://github.com/edgecase/ruby_koans</a:t>
+            </a:r>
+            <a:endParaRPr lang="en-US" dirty="0" smtClean="0"/>
+          </a:p>
+          <a:p>
+            <a:pPr lvl="1"/>
+            <a:endParaRPr lang="en-US" sz="1900" dirty="0" smtClean="0"/>
+          </a:p>
+          <a:p>
+            <a:r>
+              <a:rPr lang="en-US" sz="2500" dirty="0" err="1" smtClean="0"/>
+              <a:t>Katacasts</a:t>
+            </a:r>
+            <a:r>
+              <a:rPr lang="en-US" sz="2500" dirty="0"/>
+              <a:t> </a:t>
+            </a:r>
+            <a:r>
+              <a:rPr lang="en-US" sz="2500" dirty="0" smtClean="0"/>
+              <a:t>(watch </a:t>
+            </a:r>
+            <a:r>
+              <a:rPr lang="en-US" sz="2500" dirty="0" err="1" smtClean="0"/>
+              <a:t>screencasts</a:t>
+            </a:r>
+            <a:r>
+              <a:rPr lang="en-US" sz="2500" dirty="0" smtClean="0"/>
+              <a:t> of people doing various </a:t>
+            </a:r>
+            <a:r>
+              <a:rPr lang="en-US" sz="2500" dirty="0" err="1" smtClean="0"/>
+              <a:t>katas</a:t>
+            </a:r>
+            <a:r>
+              <a:rPr lang="en-US" sz="2500" dirty="0" smtClean="0"/>
+              <a:t>)</a:t>
+            </a:r>
+          </a:p>
+          <a:p>
+            <a:pPr lvl="1"/>
+            <a:r>
+              <a:rPr lang="en-US" dirty="0" smtClean="0">
+                <a:hlinkClick r:id="rId6"/>
+              </a:rPr>
+              <a:t>http://www.katacasts.com/</a:t>
+            </a:r>
+            <a:endParaRPr lang="en-US" dirty="0" smtClean="0"/>
           </a:p>
           <a:p>
             <a:pPr lvl="1">
               <a:buNone/>
             </a:pPr>
-            <a:endParaRPr lang="en-US" sz="2800" dirty="0" smtClean="0"/>
-          </a:p>
-          <a:p>
-            <a:pPr lvl="1">
-              <a:buNone/>
-            </a:pPr>
-            <a:endParaRPr lang="en-US" sz="2800" dirty="0" smtClean="0"/>
-          </a:p>
-          <a:p>
-            <a:pPr lvl="1">
-              <a:buNone/>
-            </a:pPr>
-            <a:endParaRPr lang="en-US" sz="2800" dirty="0" smtClean="0"/>
+            <a:endParaRPr lang="en-US" sz="1900" dirty="0" smtClean="0"/>
           </a:p>
         </p:txBody>
       </p:sp>
@@ -9603,6 +9705,188 @@
           <a:p>
             <a:r>
               <a:rPr lang="en-US" dirty="0" smtClean="0"/>
+              <a:t>Resources – Training</a:t>
+            </a:r>
+            <a:endParaRPr lang="en-US" dirty="0"/>
+          </a:p>
+        </p:txBody>
+      </p:sp>
+      <p:sp>
+        <p:nvSpPr>
+          <p:cNvPr id="3" name="Content Placeholder 2"/>
+          <p:cNvSpPr>
+            <a:spLocks noGrp="1"/>
+          </p:cNvSpPr>
+          <p:nvPr>
+            <p:ph idx="1"/>
+          </p:nvPr>
+        </p:nvSpPr>
+        <p:spPr>
+          <a:xfrm>
+            <a:off x="457200" y="1600200"/>
+            <a:ext cx="8229600" cy="4953000"/>
+          </a:xfrm>
+        </p:spPr>
+        <p:txBody>
+          <a:bodyPr>
+            <a:normAutofit/>
+          </a:bodyPr>
+          <a:lstStyle/>
+          <a:p>
+            <a:r>
+              <a:rPr lang="en-US" dirty="0" smtClean="0"/>
+              <a:t>TDD Boot Camp (.NET)</a:t>
+            </a:r>
+          </a:p>
+          <a:p>
+            <a:pPr lvl="1"/>
+            <a:r>
+              <a:rPr lang="en-US" sz="2800" dirty="0" smtClean="0">
+                <a:hlinkClick r:id="rId2"/>
+              </a:rPr>
+              <a:t>http://tddbootcamp.com</a:t>
+            </a:r>
+            <a:endParaRPr lang="en-US" sz="2800" dirty="0" smtClean="0"/>
+          </a:p>
+          <a:p>
+            <a:pPr lvl="1"/>
+            <a:r>
+              <a:rPr lang="en-US" sz="2800" dirty="0" smtClean="0"/>
+              <a:t>Cincinnati – June 22-24</a:t>
+            </a:r>
+          </a:p>
+          <a:p>
+            <a:pPr lvl="1"/>
+            <a:r>
+              <a:rPr lang="en-US" sz="2800" dirty="0" smtClean="0"/>
+              <a:t>Columbus – July 13-15</a:t>
+            </a:r>
+          </a:p>
+          <a:p>
+            <a:pPr lvl="1"/>
+            <a:r>
+              <a:rPr lang="en-US" sz="2800" dirty="0" smtClean="0"/>
+              <a:t>Detroit – Aug. 18-20</a:t>
+            </a:r>
+            <a:br>
+              <a:rPr lang="en-US" sz="2800" dirty="0" smtClean="0"/>
+            </a:br>
+            <a:endParaRPr lang="en-US" sz="2800" dirty="0" smtClean="0"/>
+          </a:p>
+          <a:p>
+            <a:r>
+              <a:rPr lang="en-US" dirty="0" smtClean="0"/>
+              <a:t>Pillar Technology (Java)</a:t>
+            </a:r>
+          </a:p>
+          <a:p>
+            <a:pPr lvl="1"/>
+            <a:r>
+              <a:rPr lang="en-US" sz="2800" dirty="0" smtClean="0">
+                <a:hlinkClick r:id="rId3"/>
+              </a:rPr>
+              <a:t>http://pillartechnology.com</a:t>
+            </a:r>
+            <a:r>
+              <a:rPr lang="en-US" sz="2800" dirty="0" smtClean="0"/>
+              <a:t/>
+            </a:r>
+            <a:br>
+              <a:rPr lang="en-US" sz="2800" dirty="0" smtClean="0"/>
+            </a:br>
+            <a:endParaRPr lang="en-US" sz="2800" dirty="0" smtClean="0"/>
+          </a:p>
+          <a:p>
+            <a:r>
+              <a:rPr lang="en-US" dirty="0" err="1" smtClean="0"/>
+              <a:t>EdgeCase</a:t>
+            </a:r>
+            <a:r>
+              <a:rPr lang="en-US" dirty="0" smtClean="0"/>
+              <a:t> (Ruby on Rails)</a:t>
+            </a:r>
+          </a:p>
+          <a:p>
+            <a:pPr lvl="1"/>
+            <a:r>
+              <a:rPr lang="en-US" sz="2800" dirty="0" smtClean="0">
+                <a:hlinkClick r:id="rId4"/>
+              </a:rPr>
+              <a:t>http://edgecase.com</a:t>
+            </a:r>
+            <a:endParaRPr lang="en-US" sz="2800" dirty="0" smtClean="0"/>
+          </a:p>
+          <a:p>
+            <a:pPr lvl="1">
+              <a:buNone/>
+            </a:pPr>
+            <a:endParaRPr lang="en-US" sz="2800" dirty="0" smtClean="0"/>
+          </a:p>
+          <a:p>
+            <a:pPr lvl="1">
+              <a:buNone/>
+            </a:pPr>
+            <a:endParaRPr lang="en-US" sz="2800" dirty="0" smtClean="0"/>
+          </a:p>
+          <a:p>
+            <a:pPr lvl="1">
+              <a:buNone/>
+            </a:pPr>
+            <a:endParaRPr lang="en-US" sz="2800" dirty="0" smtClean="0"/>
+          </a:p>
+        </p:txBody>
+      </p:sp>
+    </p:spTree>
+  </p:cSld>
+  <p:clrMapOvr>
+    <a:masterClrMapping/>
+  </p:clrMapOvr>
+  <p:timing>
+    <p:tnLst>
+      <p:par>
+        <p:cTn id="1" dur="indefinite" restart="never" nodeType="tmRoot"/>
+      </p:par>
+    </p:tnLst>
+  </p:timing>
+</p:sld>
+</file>
+
+<file path=ppt/slides/slide38.xml><?xml version="1.0" encoding="utf-8"?>
+<p:sld xmlns:a="http://schemas.openxmlformats.org/drawingml/2006/main" xmlns:r="http://schemas.openxmlformats.org/officeDocument/2006/relationships" xmlns:p="http://schemas.openxmlformats.org/presentationml/2006/main">
+  <p:cSld>
+    <p:spTree>
+      <p:nvGrpSpPr>
+        <p:cNvPr id="1" name=""/>
+        <p:cNvGrpSpPr/>
+        <p:nvPr/>
+      </p:nvGrpSpPr>
+      <p:grpSpPr>
+        <a:xfrm>
+          <a:off x="0" y="0"/>
+          <a:ext cx="0" cy="0"/>
+          <a:chOff x="0" y="0"/>
+          <a:chExt cx="0" cy="0"/>
+        </a:xfrm>
+      </p:grpSpPr>
+      <p:sp>
+        <p:nvSpPr>
+          <p:cNvPr id="2" name="Title 1"/>
+          <p:cNvSpPr>
+            <a:spLocks noGrp="1"/>
+          </p:cNvSpPr>
+          <p:nvPr>
+            <p:ph type="title"/>
+          </p:nvPr>
+        </p:nvSpPr>
+        <p:spPr/>
+        <p:txBody>
+          <a:bodyPr>
+            <a:normAutofit/>
+          </a:bodyPr>
+          <a:lstStyle/>
+          <a:p>
+            <a:r>
+              <a:rPr lang="en-US" dirty="0" smtClean="0"/>
               <a:t>My Info</a:t>
             </a:r>
             <a:endParaRPr lang="en-US" dirty="0"/>
@@ -9682,13 +9966,7 @@
               <a:rPr lang="en-US" b="1" dirty="0" smtClean="0">
                 <a:hlinkClick r:id="rId4"/>
               </a:rPr>
-              <a:t>http://</a:t>
-            </a:r>
-            <a:r>
-              <a:rPr lang="en-US" b="1" dirty="0" smtClean="0">
-                <a:hlinkClick r:id="rId4"/>
-              </a:rPr>
-              <a:t>tinyurl.com/tdd-in-action</a:t>
+              <a:t>http://tinyurl.com/tdd-in-action</a:t>
             </a:r>
             <a:endParaRPr lang="en-US" b="1" dirty="0" smtClean="0"/>
           </a:p>
@@ -10635,7 +10913,7 @@
           <p:nvPr/>
         </p:nvPicPr>
         <p:blipFill>
-          <a:blip r:embed="rId2" cstate="print"/>
+          <a:blip r:embed="rId3" cstate="print"/>
           <a:srcRect/>
           <a:stretch>
             <a:fillRect/>
@@ -10668,7 +10946,7 @@
           <p:nvPr/>
         </p:nvPicPr>
         <p:blipFill>
-          <a:blip r:embed="rId3" cstate="print"/>
+          <a:blip r:embed="rId4" cstate="print"/>
           <a:srcRect/>
           <a:stretch>
             <a:fillRect/>
@@ -10701,7 +10979,7 @@
           <p:nvPr/>
         </p:nvPicPr>
         <p:blipFill>
-          <a:blip r:embed="rId4" cstate="print"/>
+          <a:blip r:embed="rId5" cstate="print"/>
           <a:srcRect/>
           <a:stretch>
             <a:fillRect/>
@@ -10734,7 +11012,7 @@
           <p:nvPr/>
         </p:nvPicPr>
         <p:blipFill>
-          <a:blip r:embed="rId5" cstate="print"/>
+          <a:blip r:embed="rId6" cstate="print"/>
           <a:srcRect/>
           <a:stretch>
             <a:fillRect/>
@@ -10927,7 +11205,7 @@
           <p:nvPr/>
         </p:nvPicPr>
         <p:blipFill>
-          <a:blip r:embed="rId6" cstate="print"/>
+          <a:blip r:embed="rId7" cstate="print"/>
           <a:srcRect/>
           <a:stretch>
             <a:fillRect/>
@@ -11000,7 +11278,7 @@
           <p:nvPr/>
         </p:nvPicPr>
         <p:blipFill>
-          <a:blip r:embed="rId7" cstate="print"/>
+          <a:blip r:embed="rId8" cstate="print"/>
           <a:srcRect/>
           <a:stretch>
             <a:fillRect/>
@@ -11090,7 +11368,7 @@
                             </p:stCondLst>
                             <p:childTnLst>
                               <p:par>
-                                <p:cTn id="5" presetID="3" presetClass="entr" presetSubtype="10" fill="hold" grpId="0" nodeType="clickEffect">
+                                <p:cTn id="5" presetID="3" presetClass="entr" presetSubtype="10" fill="hold" nodeType="clickEffect">
                                   <p:stCondLst>
                                     <p:cond delay="0"/>
                                   </p:stCondLst>
@@ -11098,6 +11376,59 @@
                                     <p:set>
                                       <p:cBhvr>
                                         <p:cTn id="6" dur="1" fill="hold">
+                                          <p:stCondLst>
+                                            <p:cond delay="0"/>
+                                          </p:stCondLst>
+                                        </p:cTn>
+                                        <p:tgtEl>
+                                          <p:spTgt spid="1026"/>
+                                        </p:tgtEl>
+                                        <p:attrNameLst>
+                                          <p:attrName>style.visibility</p:attrName>
+                                        </p:attrNameLst>
+                                      </p:cBhvr>
+                                      <p:to>
+                                        <p:strVal val="visible"/>
+                                      </p:to>
+                                    </p:set>
+                                    <p:animEffect transition="in" filter="blinds(horizontal)">
+                                      <p:cBhvr>
+                                        <p:cTn id="7" dur="500"/>
+                                        <p:tgtEl>
+                                          <p:spTgt spid="1026"/>
+                                        </p:tgtEl>
+                                      </p:cBhvr>
+                                    </p:animEffect>
+                                  </p:childTnLst>
+                                </p:cTn>
+                              </p:par>
+                            </p:childTnLst>
+                          </p:cTn>
+                        </p:par>
+                      </p:childTnLst>
+                    </p:cTn>
+                  </p:par>
+                  <p:par>
+                    <p:cTn id="8" fill="hold">
+                      <p:stCondLst>
+                        <p:cond delay="indefinite"/>
+                      </p:stCondLst>
+                      <p:childTnLst>
+                        <p:par>
+                          <p:cTn id="9" fill="hold">
+                            <p:stCondLst>
+                              <p:cond delay="0"/>
+                            </p:stCondLst>
+                            <p:childTnLst>
+                              <p:par>
+                                <p:cTn id="10" presetID="3" presetClass="entr" presetSubtype="10" fill="hold" grpId="0" nodeType="clickEffect">
+                                  <p:stCondLst>
+                                    <p:cond delay="0"/>
+                                  </p:stCondLst>
+                                  <p:childTnLst>
+                                    <p:set>
+                                      <p:cBhvr>
+                                        <p:cTn id="11" dur="1" fill="hold">
                                           <p:stCondLst>
                                             <p:cond delay="0"/>
                                           </p:stCondLst>
@@ -11115,7 +11446,7 @@
                                     </p:set>
                                     <p:animEffect transition="in" filter="blinds(horizontal)">
                                       <p:cBhvr>
-                                        <p:cTn id="7" dur="500"/>
+                                        <p:cTn id="12" dur="500"/>
                                         <p:tgtEl>
                                           <p:spTgt spid="19"/>
                                         </p:tgtEl>
@@ -11125,14 +11456,14 @@
                                 </p:cTn>
                               </p:par>
                               <p:par>
-                                <p:cTn id="8" presetID="3" presetClass="entr" presetSubtype="10" fill="hold" nodeType="withEffect">
+                                <p:cTn id="13" presetID="3" presetClass="entr" presetSubtype="10" fill="hold" nodeType="withEffect">
                                   <p:stCondLst>
                                     <p:cond delay="0"/>
                                   </p:stCondLst>
                                   <p:childTnLst>
                                     <p:set>
                                       <p:cBhvr>
-                                        <p:cTn id="9" dur="1" fill="hold">
+                                        <p:cTn id="14" dur="1" fill="hold">
                                           <p:stCondLst>
                                             <p:cond delay="0"/>
                                           </p:stCondLst>
@@ -11150,7 +11481,7 @@
                                     </p:set>
                                     <p:animEffect transition="in" filter="blinds(horizontal)">
                                       <p:cBhvr>
-                                        <p:cTn id="10" dur="500"/>
+                                        <p:cTn id="15" dur="500"/>
                                         <p:tgtEl>
                                           <p:spTgt spid="1027"/>
                                         </p:tgtEl>
@@ -11166,26 +11497,26 @@
                     </p:cTn>
                   </p:par>
                   <p:par>
-                    <p:cTn id="11" fill="hold">
+                    <p:cTn id="16" fill="hold">
                       <p:stCondLst>
                         <p:cond delay="indefinite"/>
                       </p:stCondLst>
                       <p:childTnLst>
                         <p:par>
-                          <p:cTn id="12" fill="hold">
+                          <p:cTn id="17" fill="hold">
                             <p:stCondLst>
                               <p:cond delay="0"/>
                             </p:stCondLst>
                             <p:childTnLst>
                               <p:par>
-                                <p:cTn id="13" presetID="3" presetClass="entr" presetSubtype="10" fill="hold" grpId="0" nodeType="clickEffect">
+                                <p:cTn id="18" presetID="3" presetClass="entr" presetSubtype="10" fill="hold" grpId="0" nodeType="clickEffect">
                                   <p:stCondLst>
                                     <p:cond delay="0"/>
                                   </p:stCondLst>
                                   <p:childTnLst>
                                     <p:set>
                                       <p:cBhvr>
-                                        <p:cTn id="14" dur="1" fill="hold">
+                                        <p:cTn id="19" dur="1" fill="hold">
                                           <p:stCondLst>
                                             <p:cond delay="0"/>
                                           </p:stCondLst>
@@ -11203,7 +11534,7 @@
                                     </p:set>
                                     <p:animEffect transition="in" filter="blinds(horizontal)">
                                       <p:cBhvr>
-                                        <p:cTn id="15" dur="500"/>
+                                        <p:cTn id="20" dur="500"/>
                                         <p:tgtEl>
                                           <p:spTgt spid="22"/>
                                         </p:tgtEl>
@@ -11213,14 +11544,14 @@
                                 </p:cTn>
                               </p:par>
                               <p:par>
-                                <p:cTn id="16" presetID="3" presetClass="entr" presetSubtype="10" fill="hold" nodeType="withEffect">
+                                <p:cTn id="21" presetID="3" presetClass="entr" presetSubtype="10" fill="hold" nodeType="withEffect">
                                   <p:stCondLst>
                                     <p:cond delay="0"/>
                                   </p:stCondLst>
                                   <p:childTnLst>
                                     <p:set>
                                       <p:cBhvr>
-                                        <p:cTn id="17" dur="1" fill="hold">
+                                        <p:cTn id="22" dur="1" fill="hold">
                                           <p:stCondLst>
                                             <p:cond delay="0"/>
                                           </p:stCondLst>
@@ -11238,7 +11569,7 @@
                                     </p:set>
                                     <p:animEffect transition="in" filter="blinds(horizontal)">
                                       <p:cBhvr>
-                                        <p:cTn id="18" dur="500"/>
+                                        <p:cTn id="23" dur="500"/>
                                         <p:tgtEl>
                                           <p:spTgt spid="1035"/>
                                         </p:tgtEl>
@@ -11254,26 +11585,26 @@
                     </p:cTn>
                   </p:par>
                   <p:par>
-                    <p:cTn id="19" fill="hold">
+                    <p:cTn id="24" fill="hold">
                       <p:stCondLst>
                         <p:cond delay="indefinite"/>
                       </p:stCondLst>
                       <p:childTnLst>
                         <p:par>
-                          <p:cTn id="20" fill="hold">
+                          <p:cTn id="25" fill="hold">
                             <p:stCondLst>
                               <p:cond delay="0"/>
                             </p:stCondLst>
                             <p:childTnLst>
                               <p:par>
-                                <p:cTn id="21" presetID="3" presetClass="entr" presetSubtype="10" fill="hold" grpId="0" nodeType="clickEffect">
+                                <p:cTn id="26" presetID="3" presetClass="entr" presetSubtype="10" fill="hold" grpId="0" nodeType="clickEffect">
                                   <p:stCondLst>
                                     <p:cond delay="0"/>
                                   </p:stCondLst>
                                   <p:childTnLst>
                                     <p:set>
                                       <p:cBhvr>
-                                        <p:cTn id="22" dur="1" fill="hold">
+                                        <p:cTn id="27" dur="1" fill="hold">
                                           <p:stCondLst>
                                             <p:cond delay="0"/>
                                           </p:stCondLst>
@@ -11291,7 +11622,7 @@
                                     </p:set>
                                     <p:animEffect transition="in" filter="blinds(horizontal)">
                                       <p:cBhvr>
-                                        <p:cTn id="23" dur="500"/>
+                                        <p:cTn id="28" dur="500"/>
                                         <p:tgtEl>
                                           <p:spTgt spid="16"/>
                                         </p:tgtEl>
@@ -11301,14 +11632,14 @@
                                 </p:cTn>
                               </p:par>
                               <p:par>
-                                <p:cTn id="24" presetID="3" presetClass="entr" presetSubtype="10" fill="hold" nodeType="withEffect">
+                                <p:cTn id="29" presetID="3" presetClass="entr" presetSubtype="10" fill="hold" nodeType="withEffect">
                                   <p:stCondLst>
                                     <p:cond delay="0"/>
                                   </p:stCondLst>
                                   <p:childTnLst>
                                     <p:set>
                                       <p:cBhvr>
-                                        <p:cTn id="25" dur="1" fill="hold">
+                                        <p:cTn id="30" dur="1" fill="hold">
                                           <p:stCondLst>
                                             <p:cond delay="0"/>
                                           </p:stCondLst>
@@ -11326,7 +11657,7 @@
                                     </p:set>
                                     <p:animEffect transition="in" filter="blinds(horizontal)">
                                       <p:cBhvr>
-                                        <p:cTn id="26" dur="500"/>
+                                        <p:cTn id="31" dur="500"/>
                                         <p:tgtEl>
                                           <p:spTgt spid="1028"/>
                                         </p:tgtEl>
@@ -11342,26 +11673,26 @@
                     </p:cTn>
                   </p:par>
                   <p:par>
-                    <p:cTn id="27" fill="hold">
+                    <p:cTn id="32" fill="hold">
                       <p:stCondLst>
                         <p:cond delay="indefinite"/>
                       </p:stCondLst>
                       <p:childTnLst>
                         <p:par>
-                          <p:cTn id="28" fill="hold">
+                          <p:cTn id="33" fill="hold">
                             <p:stCondLst>
                               <p:cond delay="0"/>
                             </p:stCondLst>
                             <p:childTnLst>
                               <p:par>
-                                <p:cTn id="29" presetID="3" presetClass="entr" presetSubtype="10" fill="hold" grpId="0" nodeType="clickEffect">
+                                <p:cTn id="34" presetID="3" presetClass="entr" presetSubtype="10" fill="hold" grpId="0" nodeType="clickEffect">
                                   <p:stCondLst>
                                     <p:cond delay="0"/>
                                   </p:stCondLst>
                                   <p:childTnLst>
                                     <p:set>
                                       <p:cBhvr>
-                                        <p:cTn id="30" dur="1" fill="hold">
+                                        <p:cTn id="35" dur="1" fill="hold">
                                           <p:stCondLst>
                                             <p:cond delay="0"/>
                                           </p:stCondLst>
@@ -11379,7 +11710,7 @@
                                     </p:set>
                                     <p:animEffect transition="in" filter="blinds(horizontal)">
                                       <p:cBhvr>
-                                        <p:cTn id="31" dur="500"/>
+                                        <p:cTn id="36" dur="500"/>
                                         <p:tgtEl>
                                           <p:spTgt spid="18"/>
                                         </p:tgtEl>
@@ -11389,14 +11720,14 @@
                                 </p:cTn>
                               </p:par>
                               <p:par>
-                                <p:cTn id="32" presetID="3" presetClass="entr" presetSubtype="10" fill="hold" nodeType="withEffect">
+                                <p:cTn id="37" presetID="3" presetClass="entr" presetSubtype="10" fill="hold" nodeType="withEffect">
                                   <p:stCondLst>
                                     <p:cond delay="0"/>
                                   </p:stCondLst>
                                   <p:childTnLst>
                                     <p:set>
                                       <p:cBhvr>
-                                        <p:cTn id="33" dur="1" fill="hold">
+                                        <p:cTn id="38" dur="1" fill="hold">
                                           <p:stCondLst>
                                             <p:cond delay="0"/>
                                           </p:stCondLst>
@@ -11414,7 +11745,7 @@
                                     </p:set>
                                     <p:animEffect transition="in" filter="blinds(horizontal)">
                                       <p:cBhvr>
-                                        <p:cTn id="34" dur="500"/>
+                                        <p:cTn id="39" dur="500"/>
                                         <p:tgtEl>
                                           <p:spTgt spid="1031"/>
                                         </p:tgtEl>
@@ -11430,26 +11761,26 @@
                     </p:cTn>
                   </p:par>
                   <p:par>
-                    <p:cTn id="35" fill="hold">
+                    <p:cTn id="40" fill="hold">
                       <p:stCondLst>
                         <p:cond delay="indefinite"/>
                       </p:stCondLst>
                       <p:childTnLst>
                         <p:par>
-                          <p:cTn id="36" fill="hold">
+                          <p:cTn id="41" fill="hold">
                             <p:stCondLst>
                               <p:cond delay="0"/>
                             </p:stCondLst>
                             <p:childTnLst>
                               <p:par>
-                                <p:cTn id="37" presetID="3" presetClass="entr" presetSubtype="10" fill="hold" grpId="0" nodeType="clickEffect">
+                                <p:cTn id="42" presetID="3" presetClass="entr" presetSubtype="10" fill="hold" grpId="0" nodeType="clickEffect">
                                   <p:stCondLst>
                                     <p:cond delay="0"/>
                                   </p:stCondLst>
                                   <p:childTnLst>
                                     <p:set>
                                       <p:cBhvr>
-                                        <p:cTn id="38" dur="1" fill="hold">
+                                        <p:cTn id="43" dur="1" fill="hold">
                                           <p:stCondLst>
                                             <p:cond delay="0"/>
                                           </p:stCondLst>
@@ -11467,7 +11798,7 @@
                                     </p:set>
                                     <p:animEffect transition="in" filter="blinds(horizontal)">
                                       <p:cBhvr>
-                                        <p:cTn id="39" dur="500"/>
+                                        <p:cTn id="44" dur="500"/>
                                         <p:tgtEl>
                                           <p:spTgt spid="24"/>
                                         </p:tgtEl>
@@ -11477,14 +11808,14 @@
                                 </p:cTn>
                               </p:par>
                               <p:par>
-                                <p:cTn id="40" presetID="3" presetClass="entr" presetSubtype="10" fill="hold" nodeType="withEffect">
+                                <p:cTn id="45" presetID="3" presetClass="entr" presetSubtype="10" fill="hold" nodeType="withEffect">
                                   <p:stCondLst>
                                     <p:cond delay="0"/>
                                   </p:stCondLst>
                                   <p:childTnLst>
                                     <p:set>
                                       <p:cBhvr>
-                                        <p:cTn id="41" dur="1" fill="hold">
+                                        <p:cTn id="46" dur="1" fill="hold">
                                           <p:stCondLst>
                                             <p:cond delay="0"/>
                                           </p:stCondLst>
@@ -11502,7 +11833,7 @@
                                     </p:set>
                                     <p:animEffect transition="in" filter="blinds(horizontal)">
                                       <p:cBhvr>
-                                        <p:cTn id="42" dur="500"/>
+                                        <p:cTn id="47" dur="500"/>
                                         <p:tgtEl>
                                           <p:spTgt spid="1036"/>
                                         </p:tgtEl>
@@ -11512,14 +11843,14 @@
                                 </p:cTn>
                               </p:par>
                               <p:par>
-                                <p:cTn id="43" presetID="3" presetClass="entr" presetSubtype="10" fill="hold" grpId="0" nodeType="withEffect">
+                                <p:cTn id="48" presetID="3" presetClass="entr" presetSubtype="10" fill="hold" grpId="0" nodeType="withEffect">
                                   <p:stCondLst>
                                     <p:cond delay="0"/>
                                   </p:stCondLst>
                                   <p:childTnLst>
                                     <p:set>
                                       <p:cBhvr>
-                                        <p:cTn id="44" dur="1" fill="hold">
+                                        <p:cTn id="49" dur="1" fill="hold">
                                           <p:stCondLst>
                                             <p:cond delay="0"/>
                                           </p:stCondLst>
@@ -11537,7 +11868,7 @@
                                     </p:set>
                                     <p:animEffect transition="in" filter="blinds(horizontal)">
                                       <p:cBhvr>
-                                        <p:cTn id="45" dur="500"/>
+                                        <p:cTn id="50" dur="500"/>
                                         <p:tgtEl>
                                           <p:spTgt spid="20"/>
                                         </p:tgtEl>
@@ -11690,6 +12021,13 @@
   <p:clrMapOvr>
     <a:masterClrMapping/>
   </p:clrMapOvr>
+  <p:timing>
+    <p:tnLst>
+      <p:par>
+        <p:cTn id="1" dur="indefinite" restart="never" nodeType="tmRoot"/>
+      </p:par>
+    </p:tnLst>
+  </p:timing>
 </p:sld>
 </file>
 

--- a/TDD In Action.pptx
+++ b/TDD In Action.pptx
@@ -5,7 +5,7 @@
     <p:sldMasterId id="2147483840" r:id="rId1"/>
   </p:sldMasterIdLst>
   <p:notesMasterIdLst>
-    <p:notesMasterId r:id="rId40"/>
+    <p:notesMasterId r:id="rId41"/>
   </p:notesMasterIdLst>
   <p:sldIdLst>
     <p:sldId id="320" r:id="rId2"/>
@@ -34,18 +34,19 @@
     <p:sldId id="388" r:id="rId25"/>
     <p:sldId id="391" r:id="rId26"/>
     <p:sldId id="405" r:id="rId27"/>
-    <p:sldId id="393" r:id="rId28"/>
-    <p:sldId id="360" r:id="rId29"/>
-    <p:sldId id="358" r:id="rId30"/>
-    <p:sldId id="359" r:id="rId31"/>
-    <p:sldId id="403" r:id="rId32"/>
-    <p:sldId id="396" r:id="rId33"/>
-    <p:sldId id="402" r:id="rId34"/>
-    <p:sldId id="397" r:id="rId35"/>
-    <p:sldId id="401" r:id="rId36"/>
-    <p:sldId id="398" r:id="rId37"/>
-    <p:sldId id="400" r:id="rId38"/>
-    <p:sldId id="399" r:id="rId39"/>
+    <p:sldId id="358" r:id="rId28"/>
+    <p:sldId id="359" r:id="rId29"/>
+    <p:sldId id="393" r:id="rId30"/>
+    <p:sldId id="360" r:id="rId31"/>
+    <p:sldId id="406" r:id="rId32"/>
+    <p:sldId id="403" r:id="rId33"/>
+    <p:sldId id="396" r:id="rId34"/>
+    <p:sldId id="402" r:id="rId35"/>
+    <p:sldId id="397" r:id="rId36"/>
+    <p:sldId id="401" r:id="rId37"/>
+    <p:sldId id="398" r:id="rId38"/>
+    <p:sldId id="400" r:id="rId39"/>
+    <p:sldId id="399" r:id="rId40"/>
   </p:sldIdLst>
   <p:sldSz cx="9144000" cy="6858000" type="screen4x3"/>
   <p:notesSz cx="6858000" cy="9144000"/>
@@ -1094,6 +1095,102 @@
               <a:rPr lang="en-US" smtClean="0"/>
               <a:pPr/>
               <a:t>25</a:t>
+            </a:fld>
+            <a:endParaRPr lang="en-US"/>
+          </a:p>
+        </p:txBody>
+      </p:sp>
+    </p:spTree>
+  </p:cSld>
+  <p:clrMapOvr>
+    <a:masterClrMapping/>
+  </p:clrMapOvr>
+</p:notes>
+</file>
+
+<file path=ppt/notesSlides/notesSlide15.xml><?xml version="1.0" encoding="utf-8"?>
+<p:notes xmlns:a="http://schemas.openxmlformats.org/drawingml/2006/main" xmlns:r="http://schemas.openxmlformats.org/officeDocument/2006/relationships" xmlns:p="http://schemas.openxmlformats.org/presentationml/2006/main">
+  <p:cSld>
+    <p:spTree>
+      <p:nvGrpSpPr>
+        <p:cNvPr id="1" name=""/>
+        <p:cNvGrpSpPr/>
+        <p:nvPr/>
+      </p:nvGrpSpPr>
+      <p:grpSpPr>
+        <a:xfrm>
+          <a:off x="0" y="0"/>
+          <a:ext cx="0" cy="0"/>
+          <a:chOff x="0" y="0"/>
+          <a:chExt cx="0" cy="0"/>
+        </a:xfrm>
+      </p:grpSpPr>
+      <p:sp>
+        <p:nvSpPr>
+          <p:cNvPr id="2" name="Slide Image Placeholder 1"/>
+          <p:cNvSpPr>
+            <a:spLocks noGrp="1" noRot="1" noChangeAspect="1"/>
+          </p:cNvSpPr>
+          <p:nvPr>
+            <p:ph type="sldImg"/>
+          </p:nvPr>
+        </p:nvSpPr>
+        <p:spPr/>
+      </p:sp>
+      <p:sp>
+        <p:nvSpPr>
+          <p:cNvPr id="3" name="Notes Placeholder 2"/>
+          <p:cNvSpPr>
+            <a:spLocks noGrp="1"/>
+          </p:cNvSpPr>
+          <p:nvPr>
+            <p:ph type="body" idx="1"/>
+          </p:nvPr>
+        </p:nvSpPr>
+        <p:spPr/>
+        <p:txBody>
+          <a:bodyPr>
+            <a:normAutofit/>
+          </a:bodyPr>
+          <a:lstStyle/>
+          <a:p>
+            <a:r>
+              <a:rPr lang="en-US" dirty="0" smtClean="0"/>
+              <a:t>This is not about</a:t>
+            </a:r>
+            <a:r>
+              <a:rPr lang="en-US" baseline="0" dirty="0" smtClean="0"/>
+              <a:t> dogmatism or people who you think are smarter than you, it’s about finding a better way to do software development.</a:t>
+            </a:r>
+          </a:p>
+          <a:p>
+            <a:r>
+              <a:rPr lang="en-US" baseline="0" dirty="0" smtClean="0"/>
+              <a:t>Ask anyone who practices TDD, and they will all tell you that they would never go back to the old way.</a:t>
+            </a:r>
+            <a:endParaRPr lang="en-US" dirty="0"/>
+          </a:p>
+        </p:txBody>
+      </p:sp>
+      <p:sp>
+        <p:nvSpPr>
+          <p:cNvPr id="4" name="Slide Number Placeholder 3"/>
+          <p:cNvSpPr>
+            <a:spLocks noGrp="1"/>
+          </p:cNvSpPr>
+          <p:nvPr>
+            <p:ph type="sldNum" sz="quarter" idx="10"/>
+          </p:nvPr>
+        </p:nvSpPr>
+        <p:spPr/>
+        <p:txBody>
+          <a:bodyPr/>
+          <a:lstStyle/>
+          <a:p>
+            <a:fld id="{46B52E04-8F68-435C-880A-7C7B12D9BA2F}" type="slidenum">
+              <a:rPr lang="en-US" smtClean="0"/>
+              <a:pPr/>
+              <a:t>31</a:t>
             </a:fld>
             <a:endParaRPr lang="en-US"/>
           </a:p>
@@ -7294,6 +7391,262 @@
 </file>
 
 <file path=ppt/slides/slide27.xml><?xml version="1.0" encoding="utf-8"?>
+<p:sld xmlns:a="http://schemas.openxmlformats.org/drawingml/2006/main" xmlns:r="http://schemas.openxmlformats.org/officeDocument/2006/relationships" xmlns:p="http://schemas.openxmlformats.org/presentationml/2006/main">
+  <p:cSld>
+    <p:spTree>
+      <p:nvGrpSpPr>
+        <p:cNvPr id="1" name=""/>
+        <p:cNvGrpSpPr/>
+        <p:nvPr/>
+      </p:nvGrpSpPr>
+      <p:grpSpPr>
+        <a:xfrm>
+          <a:off x="0" y="0"/>
+          <a:ext cx="0" cy="0"/>
+          <a:chOff x="0" y="0"/>
+          <a:chExt cx="0" cy="0"/>
+        </a:xfrm>
+      </p:grpSpPr>
+      <p:sp>
+        <p:nvSpPr>
+          <p:cNvPr id="2" name="Title 1"/>
+          <p:cNvSpPr>
+            <a:spLocks noGrp="1"/>
+          </p:cNvSpPr>
+          <p:nvPr>
+            <p:ph type="title"/>
+          </p:nvPr>
+        </p:nvSpPr>
+        <p:spPr/>
+        <p:txBody>
+          <a:bodyPr/>
+          <a:lstStyle/>
+          <a:p>
+            <a:r>
+              <a:rPr lang="en-US" dirty="0" smtClean="0"/>
+              <a:t>The Cost of Unit Testing</a:t>
+            </a:r>
+            <a:endParaRPr lang="en-US" dirty="0"/>
+          </a:p>
+        </p:txBody>
+      </p:sp>
+      <p:sp>
+        <p:nvSpPr>
+          <p:cNvPr id="4" name="Content Placeholder 3"/>
+          <p:cNvSpPr>
+            <a:spLocks noGrp="1"/>
+          </p:cNvSpPr>
+          <p:nvPr>
+            <p:ph idx="1"/>
+          </p:nvPr>
+        </p:nvSpPr>
+        <p:spPr/>
+        <p:txBody>
+          <a:bodyPr/>
+          <a:lstStyle/>
+          <a:p>
+            <a:endParaRPr lang="en-US" dirty="0"/>
+          </a:p>
+        </p:txBody>
+      </p:sp>
+      <p:pic>
+        <p:nvPicPr>
+          <p:cNvPr id="1026" name="Picture 2"/>
+          <p:cNvPicPr>
+            <a:picLocks noChangeAspect="1" noChangeArrowheads="1"/>
+          </p:cNvPicPr>
+          <p:nvPr/>
+        </p:nvPicPr>
+        <p:blipFill>
+          <a:blip r:embed="rId2" cstate="print"/>
+          <a:srcRect/>
+          <a:stretch>
+            <a:fillRect/>
+          </a:stretch>
+        </p:blipFill>
+        <p:spPr bwMode="auto">
+          <a:xfrm>
+            <a:off x="609600" y="1676400"/>
+            <a:ext cx="8077200" cy="4354116"/>
+          </a:xfrm>
+          <a:prstGeom prst="rect">
+            <a:avLst/>
+          </a:prstGeom>
+          <a:noFill/>
+          <a:ln w="9525">
+            <a:noFill/>
+            <a:miter lim="800000"/>
+            <a:headEnd/>
+            <a:tailEnd/>
+          </a:ln>
+        </p:spPr>
+      </p:pic>
+      <p:sp>
+        <p:nvSpPr>
+          <p:cNvPr id="6" name="TextBox 5"/>
+          <p:cNvSpPr txBox="1"/>
+          <p:nvPr/>
+        </p:nvSpPr>
+        <p:spPr>
+          <a:xfrm>
+            <a:off x="533400" y="6096000"/>
+            <a:ext cx="8153400" cy="338554"/>
+          </a:xfrm>
+          <a:prstGeom prst="rect">
+            <a:avLst/>
+          </a:prstGeom>
+          <a:noFill/>
+        </p:spPr>
+        <p:txBody>
+          <a:bodyPr wrap="square" rtlCol="0">
+            <a:spAutoFit/>
+          </a:bodyPr>
+          <a:lstStyle/>
+          <a:p>
+            <a:r>
+              <a:rPr lang="en-US" sz="1600" dirty="0" smtClean="0"/>
+              <a:t>Source: http://blog.typemock.com/2009/03/cost-of-test-driven-development.html</a:t>
+            </a:r>
+            <a:endParaRPr lang="en-US" sz="1600" dirty="0"/>
+          </a:p>
+        </p:txBody>
+      </p:sp>
+    </p:spTree>
+  </p:cSld>
+  <p:clrMapOvr>
+    <a:masterClrMapping/>
+  </p:clrMapOvr>
+  <p:timing>
+    <p:tnLst>
+      <p:par>
+        <p:cTn id="1" dur="indefinite" restart="never" nodeType="tmRoot"/>
+      </p:par>
+    </p:tnLst>
+  </p:timing>
+</p:sld>
+</file>
+
+<file path=ppt/slides/slide28.xml><?xml version="1.0" encoding="utf-8"?>
+<p:sld xmlns:a="http://schemas.openxmlformats.org/drawingml/2006/main" xmlns:r="http://schemas.openxmlformats.org/officeDocument/2006/relationships" xmlns:p="http://schemas.openxmlformats.org/presentationml/2006/main">
+  <p:cSld>
+    <p:spTree>
+      <p:nvGrpSpPr>
+        <p:cNvPr id="1" name=""/>
+        <p:cNvGrpSpPr/>
+        <p:nvPr/>
+      </p:nvGrpSpPr>
+      <p:grpSpPr>
+        <a:xfrm>
+          <a:off x="0" y="0"/>
+          <a:ext cx="0" cy="0"/>
+          <a:chOff x="0" y="0"/>
+          <a:chExt cx="0" cy="0"/>
+        </a:xfrm>
+      </p:grpSpPr>
+      <p:sp>
+        <p:nvSpPr>
+          <p:cNvPr id="2" name="Title 1"/>
+          <p:cNvSpPr>
+            <a:spLocks noGrp="1"/>
+          </p:cNvSpPr>
+          <p:nvPr>
+            <p:ph type="title"/>
+          </p:nvPr>
+        </p:nvSpPr>
+        <p:spPr/>
+        <p:txBody>
+          <a:bodyPr/>
+          <a:lstStyle/>
+          <a:p>
+            <a:r>
+              <a:rPr lang="en-US" dirty="0" smtClean="0"/>
+              <a:t>The Cost of Not Unit Testing</a:t>
+            </a:r>
+            <a:endParaRPr lang="en-US" dirty="0"/>
+          </a:p>
+        </p:txBody>
+      </p:sp>
+      <p:sp>
+        <p:nvSpPr>
+          <p:cNvPr id="6" name="TextBox 5"/>
+          <p:cNvSpPr txBox="1"/>
+          <p:nvPr/>
+        </p:nvSpPr>
+        <p:spPr>
+          <a:xfrm>
+            <a:off x="1600200" y="6096000"/>
+            <a:ext cx="5943600" cy="338554"/>
+          </a:xfrm>
+          <a:prstGeom prst="rect">
+            <a:avLst/>
+          </a:prstGeom>
+          <a:noFill/>
+        </p:spPr>
+        <p:txBody>
+          <a:bodyPr wrap="square" rtlCol="0">
+            <a:spAutoFit/>
+          </a:bodyPr>
+          <a:lstStyle/>
+          <a:p>
+            <a:r>
+              <a:rPr lang="en-US" sz="1600" dirty="0" smtClean="0"/>
+              <a:t>Source: http://www.riceconsulting.com/public_pdf/STBC-WM.pdf</a:t>
+            </a:r>
+            <a:endParaRPr lang="en-US" sz="1600" dirty="0"/>
+          </a:p>
+        </p:txBody>
+      </p:sp>
+      <p:pic>
+        <p:nvPicPr>
+          <p:cNvPr id="7" name="Picture 2"/>
+          <p:cNvPicPr>
+            <a:picLocks noGrp="1" noChangeAspect="1" noChangeArrowheads="1"/>
+          </p:cNvPicPr>
+          <p:nvPr>
+            <p:ph idx="1"/>
+          </p:nvPr>
+        </p:nvPicPr>
+        <p:blipFill>
+          <a:blip r:embed="rId2" cstate="print"/>
+          <a:srcRect/>
+          <a:stretch>
+            <a:fillRect/>
+          </a:stretch>
+        </p:blipFill>
+        <p:spPr bwMode="auto">
+          <a:xfrm>
+            <a:off x="1579835" y="1600200"/>
+            <a:ext cx="5984329" cy="4525963"/>
+          </a:xfrm>
+          <a:prstGeom prst="rect">
+            <a:avLst/>
+          </a:prstGeom>
+          <a:noFill/>
+          <a:ln w="9525">
+            <a:noFill/>
+            <a:miter lim="800000"/>
+            <a:headEnd/>
+            <a:tailEnd/>
+          </a:ln>
+          <a:effectLst/>
+        </p:spPr>
+      </p:pic>
+    </p:spTree>
+  </p:cSld>
+  <p:clrMapOvr>
+    <a:masterClrMapping/>
+  </p:clrMapOvr>
+  <p:timing>
+    <p:tnLst>
+      <p:par>
+        <p:cTn id="1" dur="indefinite" restart="never" nodeType="tmRoot"/>
+      </p:par>
+    </p:tnLst>
+  </p:timing>
+</p:sld>
+</file>
+
+<file path=ppt/slides/slide29.xml><?xml version="1.0" encoding="utf-8"?>
 <p:sld xmlns:a="http://schemas.openxmlformats.org/drawingml/2006/main" xmlns:r="http://schemas.openxmlformats.org/officeDocument/2006/relationships" xmlns:p="http://schemas.openxmlformats.org/presentationml/2006/main">
   <p:cSld>
     <p:spTree>
@@ -8063,222 +8416,6 @@
 </p:sld>
 </file>
 
-<file path=ppt/slides/slide28.xml><?xml version="1.0" encoding="utf-8"?>
-<p:sld xmlns:a="http://schemas.openxmlformats.org/drawingml/2006/main" xmlns:r="http://schemas.openxmlformats.org/officeDocument/2006/relationships" xmlns:p="http://schemas.openxmlformats.org/presentationml/2006/main">
-  <p:cSld>
-    <p:spTree>
-      <p:nvGrpSpPr>
-        <p:cNvPr id="1" name=""/>
-        <p:cNvGrpSpPr/>
-        <p:nvPr/>
-      </p:nvGrpSpPr>
-      <p:grpSpPr>
-        <a:xfrm>
-          <a:off x="0" y="0"/>
-          <a:ext cx="0" cy="0"/>
-          <a:chOff x="0" y="0"/>
-          <a:chExt cx="0" cy="0"/>
-        </a:xfrm>
-      </p:grpSpPr>
-      <p:sp>
-        <p:nvSpPr>
-          <p:cNvPr id="3" name="Content Placeholder 2"/>
-          <p:cNvSpPr>
-            <a:spLocks noGrp="1"/>
-          </p:cNvSpPr>
-          <p:nvPr>
-            <p:ph idx="1"/>
-          </p:nvPr>
-        </p:nvSpPr>
-        <p:spPr>
-          <a:xfrm>
-            <a:off x="457200" y="2209800"/>
-            <a:ext cx="8229600" cy="3916363"/>
-          </a:xfrm>
-        </p:spPr>
-        <p:txBody>
-          <a:bodyPr>
-            <a:normAutofit/>
-          </a:bodyPr>
-          <a:lstStyle/>
-          <a:p>
-            <a:pPr>
-              <a:buNone/>
-            </a:pPr>
-            <a:r>
-              <a:rPr lang="en-US" sz="5400" dirty="0" smtClean="0"/>
-              <a:t>“If I don't need to make it work, I can go a lot faster.”</a:t>
-            </a:r>
-          </a:p>
-          <a:p>
-            <a:pPr>
-              <a:buNone/>
-            </a:pPr>
-            <a:endParaRPr lang="en-US" sz="3000" dirty="0" smtClean="0"/>
-          </a:p>
-          <a:p>
-            <a:pPr algn="r">
-              <a:buNone/>
-            </a:pPr>
-            <a:r>
-              <a:rPr lang="en-US" sz="3000" dirty="0" smtClean="0"/>
-              <a:t>-- Kent Beck</a:t>
-            </a:r>
-            <a:endParaRPr lang="en-US" sz="3000" dirty="0"/>
-          </a:p>
-        </p:txBody>
-      </p:sp>
-    </p:spTree>
-  </p:cSld>
-  <p:clrMapOvr>
-    <a:masterClrMapping/>
-  </p:clrMapOvr>
-  <p:timing>
-    <p:tnLst>
-      <p:par>
-        <p:cTn id="1" dur="indefinite" restart="never" nodeType="tmRoot"/>
-      </p:par>
-    </p:tnLst>
-  </p:timing>
-</p:sld>
-</file>
-
-<file path=ppt/slides/slide29.xml><?xml version="1.0" encoding="utf-8"?>
-<p:sld xmlns:a="http://schemas.openxmlformats.org/drawingml/2006/main" xmlns:r="http://schemas.openxmlformats.org/officeDocument/2006/relationships" xmlns:p="http://schemas.openxmlformats.org/presentationml/2006/main">
-  <p:cSld>
-    <p:spTree>
-      <p:nvGrpSpPr>
-        <p:cNvPr id="1" name=""/>
-        <p:cNvGrpSpPr/>
-        <p:nvPr/>
-      </p:nvGrpSpPr>
-      <p:grpSpPr>
-        <a:xfrm>
-          <a:off x="0" y="0"/>
-          <a:ext cx="0" cy="0"/>
-          <a:chOff x="0" y="0"/>
-          <a:chExt cx="0" cy="0"/>
-        </a:xfrm>
-      </p:grpSpPr>
-      <p:sp>
-        <p:nvSpPr>
-          <p:cNvPr id="2" name="Title 1"/>
-          <p:cNvSpPr>
-            <a:spLocks noGrp="1"/>
-          </p:cNvSpPr>
-          <p:nvPr>
-            <p:ph type="title"/>
-          </p:nvPr>
-        </p:nvSpPr>
-        <p:spPr/>
-        <p:txBody>
-          <a:bodyPr/>
-          <a:lstStyle/>
-          <a:p>
-            <a:r>
-              <a:rPr lang="en-US" dirty="0" smtClean="0"/>
-              <a:t>The Cost of Unit Testing</a:t>
-            </a:r>
-            <a:endParaRPr lang="en-US" dirty="0"/>
-          </a:p>
-        </p:txBody>
-      </p:sp>
-      <p:sp>
-        <p:nvSpPr>
-          <p:cNvPr id="4" name="Content Placeholder 3"/>
-          <p:cNvSpPr>
-            <a:spLocks noGrp="1"/>
-          </p:cNvSpPr>
-          <p:nvPr>
-            <p:ph idx="1"/>
-          </p:nvPr>
-        </p:nvSpPr>
-        <p:spPr/>
-        <p:txBody>
-          <a:bodyPr/>
-          <a:lstStyle/>
-          <a:p>
-            <a:endParaRPr lang="en-US" dirty="0"/>
-          </a:p>
-        </p:txBody>
-      </p:sp>
-      <p:pic>
-        <p:nvPicPr>
-          <p:cNvPr id="1026" name="Picture 2"/>
-          <p:cNvPicPr>
-            <a:picLocks noChangeAspect="1" noChangeArrowheads="1"/>
-          </p:cNvPicPr>
-          <p:nvPr/>
-        </p:nvPicPr>
-        <p:blipFill>
-          <a:blip r:embed="rId2" cstate="print"/>
-          <a:srcRect/>
-          <a:stretch>
-            <a:fillRect/>
-          </a:stretch>
-        </p:blipFill>
-        <p:spPr bwMode="auto">
-          <a:xfrm>
-            <a:off x="609600" y="1676400"/>
-            <a:ext cx="8077200" cy="4354116"/>
-          </a:xfrm>
-          <a:prstGeom prst="rect">
-            <a:avLst/>
-          </a:prstGeom>
-          <a:noFill/>
-          <a:ln w="9525">
-            <a:noFill/>
-            <a:miter lim="800000"/>
-            <a:headEnd/>
-            <a:tailEnd/>
-          </a:ln>
-        </p:spPr>
-      </p:pic>
-      <p:sp>
-        <p:nvSpPr>
-          <p:cNvPr id="6" name="TextBox 5"/>
-          <p:cNvSpPr txBox="1"/>
-          <p:nvPr/>
-        </p:nvSpPr>
-        <p:spPr>
-          <a:xfrm>
-            <a:off x="533400" y="6096000"/>
-            <a:ext cx="8153400" cy="338554"/>
-          </a:xfrm>
-          <a:prstGeom prst="rect">
-            <a:avLst/>
-          </a:prstGeom>
-          <a:noFill/>
-        </p:spPr>
-        <p:txBody>
-          <a:bodyPr wrap="square" rtlCol="0">
-            <a:spAutoFit/>
-          </a:bodyPr>
-          <a:lstStyle/>
-          <a:p>
-            <a:r>
-              <a:rPr lang="en-US" sz="1600" dirty="0" smtClean="0"/>
-              <a:t>Source: http://blog.typemock.com/2009/03/cost-of-test-driven-development.html</a:t>
-            </a:r>
-            <a:endParaRPr lang="en-US" sz="1600" dirty="0"/>
-          </a:p>
-        </p:txBody>
-      </p:sp>
-    </p:spTree>
-  </p:cSld>
-  <p:clrMapOvr>
-    <a:masterClrMapping/>
-  </p:clrMapOvr>
-  <p:timing>
-    <p:tnLst>
-      <p:par>
-        <p:cTn id="1" dur="indefinite" restart="never" nodeType="tmRoot"/>
-      </p:par>
-    </p:tnLst>
-  </p:timing>
-</p:sld>
-</file>
-
 <file path=ppt/slides/slide3.xml><?xml version="1.0" encoding="utf-8"?>
 <p:sld xmlns:a="http://schemas.openxmlformats.org/drawingml/2006/main" xmlns:r="http://schemas.openxmlformats.org/officeDocument/2006/relationships" xmlns:p="http://schemas.openxmlformats.org/presentationml/2006/main">
   <p:cSld>
@@ -8572,92 +8709,52 @@
       </p:grpSpPr>
       <p:sp>
         <p:nvSpPr>
-          <p:cNvPr id="2" name="Title 1"/>
-          <p:cNvSpPr>
-            <a:spLocks noGrp="1"/>
-          </p:cNvSpPr>
-          <p:nvPr>
-            <p:ph type="title"/>
-          </p:nvPr>
-        </p:nvSpPr>
-        <p:spPr/>
-        <p:txBody>
-          <a:bodyPr/>
-          <a:lstStyle/>
-          <a:p>
-            <a:r>
-              <a:rPr lang="en-US" dirty="0" smtClean="0"/>
-              <a:t>The Cost of Not Unit Testing</a:t>
-            </a:r>
-            <a:endParaRPr lang="en-US" dirty="0"/>
-          </a:p>
-        </p:txBody>
-      </p:sp>
-      <p:sp>
-        <p:nvSpPr>
-          <p:cNvPr id="6" name="TextBox 5"/>
-          <p:cNvSpPr txBox="1"/>
-          <p:nvPr/>
+          <p:cNvPr id="3" name="Content Placeholder 2"/>
+          <p:cNvSpPr>
+            <a:spLocks noGrp="1"/>
+          </p:cNvSpPr>
+          <p:nvPr>
+            <p:ph idx="1"/>
+          </p:nvPr>
         </p:nvSpPr>
         <p:spPr>
           <a:xfrm>
-            <a:off x="1600200" y="6096000"/>
-            <a:ext cx="5943600" cy="338554"/>
+            <a:off x="457200" y="2209800"/>
+            <a:ext cx="8229600" cy="3916363"/>
           </a:xfrm>
-          <a:prstGeom prst="rect">
-            <a:avLst/>
-          </a:prstGeom>
-          <a:noFill/>
         </p:spPr>
         <p:txBody>
-          <a:bodyPr wrap="square" rtlCol="0">
-            <a:spAutoFit/>
+          <a:bodyPr>
+            <a:normAutofit/>
           </a:bodyPr>
           <a:lstStyle/>
           <a:p>
-            <a:r>
-              <a:rPr lang="en-US" sz="1600" dirty="0" smtClean="0"/>
-              <a:t>Source: http://www.riceconsulting.com/public_pdf/STBC-WM.pdf</a:t>
-            </a:r>
-            <a:endParaRPr lang="en-US" sz="1600" dirty="0"/>
-          </a:p>
-        </p:txBody>
-      </p:sp>
-      <p:pic>
-        <p:nvPicPr>
-          <p:cNvPr id="7" name="Picture 2"/>
-          <p:cNvPicPr>
-            <a:picLocks noGrp="1" noChangeAspect="1" noChangeArrowheads="1"/>
-          </p:cNvPicPr>
-          <p:nvPr>
-            <p:ph idx="1"/>
-          </p:nvPr>
-        </p:nvPicPr>
-        <p:blipFill>
-          <a:blip r:embed="rId2" cstate="print"/>
-          <a:srcRect/>
-          <a:stretch>
-            <a:fillRect/>
-          </a:stretch>
-        </p:blipFill>
-        <p:spPr bwMode="auto">
-          <a:xfrm>
-            <a:off x="1579835" y="1600200"/>
-            <a:ext cx="5984329" cy="4525963"/>
-          </a:xfrm>
-          <a:prstGeom prst="rect">
-            <a:avLst/>
-          </a:prstGeom>
-          <a:noFill/>
-          <a:ln w="9525">
-            <a:noFill/>
-            <a:miter lim="800000"/>
-            <a:headEnd/>
-            <a:tailEnd/>
-          </a:ln>
-          <a:effectLst/>
-        </p:spPr>
-      </p:pic>
+            <a:pPr>
+              <a:buNone/>
+            </a:pPr>
+            <a:r>
+              <a:rPr lang="en-US" sz="5400" dirty="0" smtClean="0"/>
+              <a:t>“If I don't need to make it work, I can go a lot faster.”</a:t>
+            </a:r>
+          </a:p>
+          <a:p>
+            <a:pPr>
+              <a:buNone/>
+            </a:pPr>
+            <a:endParaRPr lang="en-US" sz="3000" dirty="0" smtClean="0"/>
+          </a:p>
+          <a:p>
+            <a:pPr algn="r">
+              <a:buNone/>
+            </a:pPr>
+            <a:r>
+              <a:rPr lang="en-US" sz="3000" dirty="0" smtClean="0"/>
+              <a:t>-- Kent Beck</a:t>
+            </a:r>
+            <a:endParaRPr lang="en-US" sz="3000" dirty="0"/>
+          </a:p>
+        </p:txBody>
+      </p:sp>
     </p:spTree>
   </p:cSld>
   <p:clrMapOvr>
@@ -8692,7 +8789,7 @@
       </p:grpSpPr>
       <p:sp>
         <p:nvSpPr>
-          <p:cNvPr id="4" name="Title 3"/>
+          <p:cNvPr id="2" name="Title 1"/>
           <p:cNvSpPr>
             <a:spLocks noGrp="1"/>
           </p:cNvSpPr>
@@ -8700,21 +8797,18 @@
             <p:ph type="ctrTitle"/>
           </p:nvPr>
         </p:nvSpPr>
-        <p:spPr>
-          <a:xfrm>
-            <a:off x="685800" y="228600"/>
-            <a:ext cx="7772400" cy="6400800"/>
-          </a:xfrm>
-        </p:spPr>
-        <p:txBody>
-          <a:bodyPr anchor="ctr"/>
-          <a:lstStyle/>
-          <a:p>
-            <a:r>
-              <a:rPr lang="en-US" sz="30000" dirty="0" smtClean="0"/>
-              <a:t>?</a:t>
-            </a:r>
-            <a:endParaRPr lang="en-US" sz="30000" dirty="0"/>
+        <p:spPr/>
+        <p:txBody>
+          <a:bodyPr>
+            <a:normAutofit/>
+          </a:bodyPr>
+          <a:lstStyle/>
+          <a:p>
+            <a:r>
+              <a:rPr lang="en-US" dirty="0" smtClean="0"/>
+              <a:t>This is my story</a:t>
+            </a:r>
+            <a:endParaRPr lang="en-US" dirty="0"/>
           </a:p>
         </p:txBody>
       </p:sp>
@@ -8723,6 +8817,13 @@
   <p:clrMapOvr>
     <a:masterClrMapping/>
   </p:clrMapOvr>
+  <p:timing>
+    <p:tnLst>
+      <p:par>
+        <p:cTn id="1" dur="indefinite" restart="never" nodeType="tmRoot"/>
+      </p:par>
+    </p:tnLst>
+  </p:timing>
 </p:sld>
 </file>
 
@@ -8745,119 +8846,29 @@
       </p:grpSpPr>
       <p:sp>
         <p:nvSpPr>
-          <p:cNvPr id="2" name="Title 1"/>
-          <p:cNvSpPr>
-            <a:spLocks noGrp="1"/>
-          </p:cNvSpPr>
-          <p:nvPr>
-            <p:ph type="title"/>
-          </p:nvPr>
-        </p:nvSpPr>
-        <p:spPr/>
-        <p:txBody>
-          <a:bodyPr>
-            <a:normAutofit fontScale="90000"/>
-          </a:bodyPr>
-          <a:lstStyle/>
-          <a:p>
-            <a:r>
-              <a:rPr lang="en-US" dirty="0" smtClean="0"/>
-              <a:t>Resources - Cost of unit testing</a:t>
-            </a:r>
-            <a:endParaRPr lang="en-US" dirty="0"/>
-          </a:p>
-        </p:txBody>
-      </p:sp>
-      <p:sp>
-        <p:nvSpPr>
-          <p:cNvPr id="3" name="Content Placeholder 2"/>
-          <p:cNvSpPr>
-            <a:spLocks noGrp="1"/>
-          </p:cNvSpPr>
-          <p:nvPr>
-            <p:ph idx="1"/>
-          </p:nvPr>
-        </p:nvSpPr>
-        <p:spPr/>
-        <p:txBody>
-          <a:bodyPr/>
-          <a:lstStyle/>
-          <a:p>
-            <a:r>
-              <a:rPr lang="en-US" sz="2400" dirty="0" smtClean="0"/>
-              <a:t>Microsoft Research – “Realizing quality improvement through test driven development: results and experiences of four industrial teams”</a:t>
-            </a:r>
-          </a:p>
-          <a:p>
-            <a:pPr lvl="1"/>
-            <a:r>
-              <a:rPr lang="en-US" sz="1800" b="1" dirty="0" smtClean="0">
-                <a:hlinkClick r:id="rId2"/>
-              </a:rPr>
-              <a:t>http://research.microsoft.com/en-us/projects/esm/nagappan_tdd.pdf</a:t>
-            </a:r>
-            <a:endParaRPr lang="en-US" sz="1800" b="1" dirty="0" smtClean="0"/>
-          </a:p>
-          <a:p>
-            <a:endParaRPr lang="en-US" sz="2400" b="1" dirty="0" smtClean="0"/>
-          </a:p>
-          <a:p>
-            <a:r>
-              <a:rPr lang="en-US" sz="2400" dirty="0" smtClean="0"/>
-              <a:t>Cost of Testing, by </a:t>
-            </a:r>
-            <a:r>
-              <a:rPr lang="en-US" sz="2400" dirty="0" err="1" smtClean="0"/>
-              <a:t>Misko</a:t>
-            </a:r>
-            <a:r>
-              <a:rPr lang="en-US" sz="2400" dirty="0" smtClean="0"/>
-              <a:t> </a:t>
-            </a:r>
-            <a:r>
-              <a:rPr lang="en-US" sz="2400" dirty="0" err="1" smtClean="0"/>
-              <a:t>Hevery</a:t>
-            </a:r>
-            <a:r>
-              <a:rPr lang="en-US" sz="2400" dirty="0" smtClean="0"/>
-              <a:t> (Agile Coach/Java developer at Google)</a:t>
-            </a:r>
-          </a:p>
-          <a:p>
-            <a:pPr lvl="1"/>
-            <a:r>
-              <a:rPr lang="en-US" sz="1800" b="1" dirty="0" smtClean="0">
-                <a:hlinkClick r:id="rId3"/>
-              </a:rPr>
-              <a:t>http://misko.hevery.com/2009/10/01/cost-of-testing/</a:t>
-            </a:r>
-            <a:endParaRPr lang="en-US" sz="1800" b="1" dirty="0" smtClean="0"/>
-          </a:p>
-          <a:p>
-            <a:pPr lvl="1"/>
-            <a:endParaRPr lang="en-US" sz="1800" b="1" dirty="0" smtClean="0"/>
-          </a:p>
-          <a:p>
-            <a:r>
-              <a:rPr lang="en-US" sz="2400" dirty="0" smtClean="0"/>
-              <a:t>TDD Derangement Syndrome, by Uncle Bob Martin</a:t>
-            </a:r>
-          </a:p>
-          <a:p>
-            <a:pPr lvl="1"/>
-            <a:r>
-              <a:rPr lang="en-US" sz="1800" b="1" dirty="0" smtClean="0">
-                <a:hlinkClick r:id="rId4"/>
-              </a:rPr>
-              <a:t>http://blog.objectmentor.com/articles/2009/10/07/tdd-derangement-syndrome</a:t>
-            </a:r>
-            <a:endParaRPr lang="en-US" sz="1800" b="1" dirty="0" smtClean="0"/>
-          </a:p>
-          <a:p>
-            <a:endParaRPr lang="en-US" sz="2400" b="1" dirty="0" smtClean="0"/>
-          </a:p>
-          <a:p>
-            <a:endParaRPr lang="en-US" dirty="0"/>
+          <p:cNvPr id="4" name="Title 3"/>
+          <p:cNvSpPr>
+            <a:spLocks noGrp="1"/>
+          </p:cNvSpPr>
+          <p:nvPr>
+            <p:ph type="ctrTitle"/>
+          </p:nvPr>
+        </p:nvSpPr>
+        <p:spPr>
+          <a:xfrm>
+            <a:off x="685800" y="228600"/>
+            <a:ext cx="7772400" cy="6400800"/>
+          </a:xfrm>
+        </p:spPr>
+        <p:txBody>
+          <a:bodyPr anchor="ctr"/>
+          <a:lstStyle/>
+          <a:p>
+            <a:r>
+              <a:rPr lang="en-US" sz="30000" dirty="0" smtClean="0"/>
+              <a:t>?</a:t>
+            </a:r>
+            <a:endParaRPr lang="en-US" sz="30000" dirty="0"/>
           </a:p>
         </p:txBody>
       </p:sp>
@@ -8866,13 +8877,6 @@
   <p:clrMapOvr>
     <a:masterClrMapping/>
   </p:clrMapOvr>
-  <p:timing>
-    <p:tnLst>
-      <p:par>
-        <p:cTn id="1" dur="indefinite" restart="never" nodeType="tmRoot"/>
-      </p:par>
-    </p:tnLst>
-  </p:timing>
 </p:sld>
 </file>
 
@@ -8906,13 +8910,13 @@
         <p:spPr/>
         <p:txBody>
           <a:bodyPr>
-            <a:normAutofit/>
+            <a:normAutofit fontScale="90000"/>
           </a:bodyPr>
           <a:lstStyle/>
           <a:p>
             <a:r>
               <a:rPr lang="en-US" dirty="0" smtClean="0"/>
-              <a:t>Resources - Tools</a:t>
+              <a:t>Resources - Cost of unit testing</a:t>
             </a:r>
             <a:endParaRPr lang="en-US" dirty="0"/>
           </a:p>
@@ -8930,132 +8934,84 @@
         </p:nvSpPr>
         <p:spPr/>
         <p:txBody>
-          <a:bodyPr>
-            <a:normAutofit/>
-          </a:bodyPr>
+          <a:bodyPr/>
           <a:lstStyle/>
           <a:p>
             <a:r>
               <a:rPr lang="en-US" sz="2400" dirty="0" smtClean="0"/>
-              <a:t>.NET</a:t>
+              <a:t>Microsoft Research – “Realizing quality improvement through test driven development: results and experiences of four industrial teams”</a:t>
             </a:r>
           </a:p>
           <a:p>
             <a:pPr lvl="1"/>
             <a:r>
-              <a:rPr lang="en-US" sz="2400" dirty="0" smtClean="0"/>
-              <a:t>NUnit – </a:t>
-            </a:r>
-            <a:r>
-              <a:rPr lang="en-US" sz="2400" dirty="0" smtClean="0">
+              <a:rPr lang="en-US" sz="1800" b="1" dirty="0" smtClean="0">
                 <a:hlinkClick r:id="rId2"/>
               </a:rPr>
-              <a:t>http://nunit.org</a:t>
-            </a:r>
-            <a:endParaRPr lang="en-US" sz="2400" dirty="0" smtClean="0"/>
+              <a:t>http://research.microsoft.com/en-us/projects/esm/nagappan_tdd.pdf</a:t>
+            </a:r>
+            <a:endParaRPr lang="en-US" sz="1800" b="1" dirty="0" smtClean="0"/>
+          </a:p>
+          <a:p>
+            <a:endParaRPr lang="en-US" sz="2400" b="1" dirty="0" smtClean="0"/>
+          </a:p>
+          <a:p>
+            <a:r>
+              <a:rPr lang="en-US" sz="2400" dirty="0" smtClean="0"/>
+              <a:t>Cost of Testing, by </a:t>
+            </a:r>
+            <a:r>
+              <a:rPr lang="en-US" sz="2400" dirty="0" err="1" smtClean="0"/>
+              <a:t>Misko</a:t>
+            </a:r>
+            <a:r>
+              <a:rPr lang="en-US" sz="2400" dirty="0" smtClean="0"/>
+              <a:t> </a:t>
+            </a:r>
+            <a:r>
+              <a:rPr lang="en-US" sz="2400" dirty="0" err="1" smtClean="0"/>
+              <a:t>Hevery</a:t>
+            </a:r>
+            <a:r>
+              <a:rPr lang="en-US" sz="2400" dirty="0" smtClean="0"/>
+              <a:t> (Agile Coach/Java developer at Google)</a:t>
+            </a:r>
           </a:p>
           <a:p>
             <a:pPr lvl="1"/>
             <a:r>
-              <a:rPr lang="en-US" sz="2400" dirty="0" smtClean="0"/>
-              <a:t>Should – </a:t>
-            </a:r>
-            <a:r>
-              <a:rPr lang="en-US" sz="2400" dirty="0" smtClean="0">
+              <a:rPr lang="en-US" sz="1800" b="1" dirty="0" smtClean="0">
                 <a:hlinkClick r:id="rId3"/>
               </a:rPr>
-              <a:t>http://should.codeplex.com</a:t>
-            </a:r>
-            <a:endParaRPr lang="en-US" sz="2400" dirty="0" smtClean="0"/>
+              <a:t>http://misko.hevery.com/2009/10/01/cost-of-testing/</a:t>
+            </a:r>
+            <a:endParaRPr lang="en-US" sz="1800" b="1" dirty="0" smtClean="0"/>
+          </a:p>
+          <a:p>
+            <a:pPr lvl="1"/>
+            <a:endParaRPr lang="en-US" sz="1800" b="1" dirty="0" smtClean="0"/>
           </a:p>
           <a:p>
             <a:r>
               <a:rPr lang="en-US" sz="2400" dirty="0" smtClean="0"/>
-              <a:t>Java</a:t>
+              <a:t>TDD Derangement Syndrome, by Uncle Bob Martin</a:t>
             </a:r>
           </a:p>
           <a:p>
             <a:pPr lvl="1"/>
             <a:r>
-              <a:rPr lang="en-US" sz="2400" dirty="0" err="1" smtClean="0"/>
-              <a:t>JUnit</a:t>
-            </a:r>
-            <a:r>
-              <a:rPr lang="en-US" sz="2400" dirty="0" smtClean="0"/>
-              <a:t> – </a:t>
-            </a:r>
-            <a:r>
-              <a:rPr lang="en-US" sz="2400" dirty="0" smtClean="0">
+              <a:rPr lang="en-US" sz="1800" b="1" dirty="0" smtClean="0">
                 <a:hlinkClick r:id="rId4"/>
               </a:rPr>
-              <a:t>http://junit.org</a:t>
-            </a:r>
-            <a:endParaRPr lang="en-US" sz="2400" dirty="0" smtClean="0"/>
-          </a:p>
-          <a:p>
-            <a:pPr lvl="1"/>
-            <a:r>
-              <a:rPr lang="en-US" sz="2400" dirty="0" err="1" smtClean="0"/>
-              <a:t>TestNG</a:t>
-            </a:r>
-            <a:r>
-              <a:rPr lang="en-US" sz="2400" dirty="0" smtClean="0"/>
-              <a:t> – </a:t>
-            </a:r>
-            <a:r>
-              <a:rPr lang="en-US" sz="2400" dirty="0" smtClean="0">
-                <a:hlinkClick r:id="rId5"/>
-              </a:rPr>
-              <a:t>http://testng.org</a:t>
-            </a:r>
-            <a:endParaRPr lang="en-US" sz="2400" dirty="0" smtClean="0"/>
-          </a:p>
-          <a:p>
-            <a:r>
-              <a:rPr lang="en-US" sz="2400" dirty="0" smtClean="0"/>
-              <a:t>Ruby</a:t>
-            </a:r>
-          </a:p>
-          <a:p>
-            <a:pPr lvl="1"/>
-            <a:r>
-              <a:rPr lang="en-US" sz="2400" dirty="0" smtClean="0"/>
-              <a:t>RSpec – </a:t>
-            </a:r>
-            <a:r>
-              <a:rPr lang="en-US" sz="2400" dirty="0" smtClean="0">
-                <a:hlinkClick r:id="rId6"/>
-              </a:rPr>
-              <a:t>http://rspec.info</a:t>
-            </a:r>
-            <a:r>
-              <a:rPr lang="en-US" sz="2400" dirty="0" smtClean="0"/>
-              <a:t>, or gem install </a:t>
-            </a:r>
-            <a:r>
-              <a:rPr lang="en-US" sz="2400" dirty="0" err="1" smtClean="0"/>
-              <a:t>rspec</a:t>
-            </a:r>
-            <a:endParaRPr lang="en-US" sz="2400" dirty="0" smtClean="0"/>
-          </a:p>
-          <a:p>
-            <a:r>
-              <a:rPr lang="en-US" sz="2400" dirty="0" smtClean="0"/>
-              <a:t>Specs2Tests – </a:t>
-            </a:r>
-            <a:r>
-              <a:rPr lang="en-US" sz="2400" dirty="0" smtClean="0">
-                <a:hlinkClick r:id="rId7"/>
-              </a:rPr>
-              <a:t>http://github.com/jonkruger/specs2tests</a:t>
-            </a:r>
-            <a:endParaRPr lang="en-US" sz="2400" dirty="0" smtClean="0"/>
-          </a:p>
-          <a:p>
-            <a:pPr>
-              <a:buNone/>
-            </a:pPr>
-            <a:endParaRPr lang="en-US" sz="2400" dirty="0" smtClean="0"/>
+              <a:t>http://blog.objectmentor.com/articles/2009/10/07/tdd-derangement-syndrome</a:t>
+            </a:r>
+            <a:endParaRPr lang="en-US" sz="1800" b="1" dirty="0" smtClean="0"/>
+          </a:p>
+          <a:p>
+            <a:endParaRPr lang="en-US" sz="2400" b="1" dirty="0" smtClean="0"/>
+          </a:p>
+          <a:p>
+            <a:endParaRPr lang="en-US" dirty="0"/>
           </a:p>
         </p:txBody>
       </p:sp>
@@ -9110,7 +9066,7 @@
           <a:p>
             <a:r>
               <a:rPr lang="en-US" dirty="0" smtClean="0"/>
-              <a:t>Resources – Learning TDD</a:t>
+              <a:t>Resources - Tools</a:t>
             </a:r>
             <a:endParaRPr lang="en-US" dirty="0"/>
           </a:p>
@@ -9126,136 +9082,134 @@
             <p:ph idx="1"/>
           </p:nvPr>
         </p:nvSpPr>
-        <p:spPr>
-          <a:xfrm>
-            <a:off x="457200" y="1600200"/>
-            <a:ext cx="8229600" cy="5105400"/>
-          </a:xfrm>
-        </p:spPr>
+        <p:spPr/>
         <p:txBody>
           <a:bodyPr>
-            <a:normAutofit lnSpcReduction="10000"/>
+            <a:normAutofit/>
           </a:bodyPr>
           <a:lstStyle/>
           <a:p>
             <a:r>
               <a:rPr lang="en-US" sz="2400" dirty="0" smtClean="0"/>
-              <a:t>Behavior Driven Development</a:t>
+              <a:t>.NET</a:t>
             </a:r>
           </a:p>
           <a:p>
             <a:pPr lvl="1"/>
             <a:r>
-              <a:rPr lang="en-US" sz="1800" b="1" dirty="0" smtClean="0">
+              <a:rPr lang="en-US" sz="2400" dirty="0" smtClean="0"/>
+              <a:t>NUnit – </a:t>
+            </a:r>
+            <a:r>
+              <a:rPr lang="en-US" sz="2400" dirty="0" smtClean="0">
                 <a:hlinkClick r:id="rId2"/>
               </a:rPr>
-              <a:t>http://www.code-magazine.com/article.aspx?quickid=0805061&amp;page=1</a:t>
-            </a:r>
-            <a:endParaRPr lang="en-US" sz="1800" b="1" dirty="0" smtClean="0"/>
+              <a:t>http://nunit.org</a:t>
+            </a:r>
+            <a:endParaRPr lang="en-US" sz="2400" dirty="0" smtClean="0"/>
           </a:p>
           <a:p>
             <a:pPr lvl="1"/>
-            <a:endParaRPr lang="en-US" sz="1800" b="1" dirty="0" smtClean="0"/>
-          </a:p>
-          <a:p>
             <a:r>
               <a:rPr lang="en-US" sz="2400" dirty="0" smtClean="0"/>
-              <a:t>So How do You Introduce TDD into an Organization or Team?, by Jeremy Miller</a:t>
-            </a:r>
-          </a:p>
-          <a:p>
-            <a:pPr lvl="1"/>
-            <a:r>
-              <a:rPr lang="en-US" sz="1800" b="1" dirty="0" smtClean="0">
+              <a:t>Should – </a:t>
+            </a:r>
+            <a:r>
+              <a:rPr lang="en-US" sz="2400" dirty="0" smtClean="0">
                 <a:hlinkClick r:id="rId3"/>
               </a:rPr>
-              <a:t>http://codebetter.com/blogs/jeremy.miller/archive/2006/06/27/146899.aspx</a:t>
-            </a:r>
-            <a:endParaRPr lang="en-US" sz="1800" b="1" dirty="0" smtClean="0"/>
+              <a:t>http://should.codeplex.com</a:t>
+            </a:r>
+            <a:endParaRPr lang="en-US" sz="2400" dirty="0" smtClean="0"/>
+          </a:p>
+          <a:p>
+            <a:r>
+              <a:rPr lang="en-US" sz="2400" dirty="0" smtClean="0"/>
+              <a:t>Java</a:t>
+            </a:r>
           </a:p>
           <a:p>
             <a:pPr lvl="1"/>
-            <a:endParaRPr lang="en-US" sz="1800" b="1" dirty="0" smtClean="0"/>
-          </a:p>
-          <a:p>
+            <a:r>
+              <a:rPr lang="en-US" sz="2400" dirty="0" err="1" smtClean="0"/>
+              <a:t>JUnit</a:t>
+            </a:r>
             <a:r>
               <a:rPr lang="en-US" sz="2400" dirty="0" smtClean="0"/>
-              <a:t>How to get started with TDD, by </a:t>
-            </a:r>
-            <a:r>
-              <a:rPr lang="en-US" sz="2400" dirty="0" err="1" smtClean="0"/>
-              <a:t>Misko</a:t>
-            </a:r>
-            <a:r>
-              <a:rPr lang="en-US" sz="2400" dirty="0" smtClean="0"/>
-              <a:t> </a:t>
-            </a:r>
-            <a:r>
-              <a:rPr lang="en-US" sz="2400" dirty="0" err="1" smtClean="0"/>
-              <a:t>Hevery</a:t>
-            </a:r>
-            <a:r>
-              <a:rPr lang="en-US" sz="2400" dirty="0" smtClean="0"/>
-              <a:t> (Java examples)</a:t>
-            </a:r>
-          </a:p>
-          <a:p>
-            <a:pPr lvl="1"/>
-            <a:r>
-              <a:rPr lang="en-US" sz="1800" b="1" dirty="0" smtClean="0">
+              <a:t> – </a:t>
+            </a:r>
+            <a:r>
+              <a:rPr lang="en-US" sz="2400" dirty="0" smtClean="0">
                 <a:hlinkClick r:id="rId4"/>
               </a:rPr>
-              <a:t>http://misko.hevery.com/2009/11/17/how-to-get-started-with-tdd/</a:t>
+              <a:t>http://junit.org</a:t>
             </a:r>
             <a:endParaRPr lang="en-US" sz="2400" dirty="0" smtClean="0"/>
           </a:p>
           <a:p>
             <a:pPr lvl="1"/>
-            <a:endParaRPr lang="en-US" sz="2400" dirty="0" smtClean="0"/>
-          </a:p>
-          <a:p>
+            <a:r>
+              <a:rPr lang="en-US" sz="2400" dirty="0" err="1" smtClean="0"/>
+              <a:t>TestNG</a:t>
+            </a:r>
             <a:r>
               <a:rPr lang="en-US" sz="2400" dirty="0" smtClean="0"/>
-              <a:t>TDD Starter Kit – Sample Projects and Links (C# examples)</a:t>
-            </a:r>
-          </a:p>
-          <a:p>
-            <a:pPr lvl="1"/>
-            <a:r>
-              <a:rPr lang="en-US" sz="1800" dirty="0" smtClean="0">
+              <a:t> – </a:t>
+            </a:r>
+            <a:r>
+              <a:rPr lang="en-US" sz="2400" dirty="0" smtClean="0">
                 <a:hlinkClick r:id="rId5"/>
               </a:rPr>
-              <a:t>http://jonkruger.com/blog/2009/07/23/tdd-starter-kit-sample-projects-and-links/</a:t>
-            </a:r>
-            <a:endParaRPr lang="en-US" sz="1800" dirty="0" smtClean="0"/>
+              <a:t>http://testng.org</a:t>
+            </a:r>
+            <a:endParaRPr lang="en-US" sz="2400" dirty="0" smtClean="0"/>
+          </a:p>
+          <a:p>
+            <a:r>
+              <a:rPr lang="en-US" sz="2400" dirty="0" smtClean="0"/>
+              <a:t>Ruby</a:t>
+            </a:r>
           </a:p>
           <a:p>
             <a:pPr lvl="1"/>
-            <a:endParaRPr lang="en-US" sz="1800" dirty="0" smtClean="0"/>
-          </a:p>
-          <a:p>
             <a:r>
               <a:rPr lang="en-US" sz="2400" dirty="0" smtClean="0"/>
-              <a:t>Pair Programming </a:t>
-            </a:r>
-            <a:r>
-              <a:rPr lang="en-US" sz="2400" dirty="0" err="1" smtClean="0"/>
-              <a:t>Bot</a:t>
-            </a:r>
-            <a:endParaRPr lang="en-US" sz="2400" dirty="0" smtClean="0"/>
-          </a:p>
-          <a:p>
-            <a:pPr lvl="1"/>
-            <a:r>
-              <a:rPr lang="en-US" sz="1800" dirty="0" smtClean="0">
+              <a:t>RSpec – </a:t>
+            </a:r>
+            <a:r>
+              <a:rPr lang="en-US" sz="2400" dirty="0" smtClean="0">
                 <a:hlinkClick r:id="rId6"/>
               </a:rPr>
-              <a:t>http://pairprogrammingbot.com/</a:t>
-            </a:r>
-            <a:endParaRPr lang="en-US" sz="1800" dirty="0" smtClean="0"/>
-          </a:p>
-          <a:p>
-            <a:endParaRPr lang="en-US" dirty="0"/>
+              <a:t>http://rspec.info</a:t>
+            </a:r>
+            <a:r>
+              <a:rPr lang="en-US" sz="2400" dirty="0" smtClean="0"/>
+              <a:t>, or gem install </a:t>
+            </a:r>
+            <a:r>
+              <a:rPr lang="en-US" sz="2400" dirty="0" err="1" smtClean="0"/>
+              <a:t>rspec</a:t>
+            </a:r>
+            <a:endParaRPr lang="en-US" sz="2400" dirty="0" smtClean="0"/>
+          </a:p>
+          <a:p>
+            <a:r>
+              <a:rPr lang="en-US" sz="2400" dirty="0" smtClean="0"/>
+              <a:t>Specs2Tests – </a:t>
+            </a:r>
+            <a:r>
+              <a:rPr lang="en-US" sz="2400" dirty="0" smtClean="0">
+                <a:hlinkClick r:id="rId7"/>
+              </a:rPr>
+              <a:t>http://github.com/jonkruger/specs2tests</a:t>
+            </a:r>
+            <a:endParaRPr lang="en-US" sz="2400" dirty="0" smtClean="0"/>
+          </a:p>
+          <a:p>
+            <a:pPr>
+              <a:buNone/>
+            </a:pPr>
+            <a:endParaRPr lang="en-US" sz="2400" dirty="0" smtClean="0"/>
           </a:p>
         </p:txBody>
       </p:sp>
@@ -9310,7 +9264,7 @@
           <a:p>
             <a:r>
               <a:rPr lang="en-US" dirty="0" smtClean="0"/>
-              <a:t>Resources – Books</a:t>
+              <a:t>Resources – Learning TDD</a:t>
             </a:r>
             <a:endParaRPr lang="en-US" dirty="0"/>
           </a:p>
@@ -9334,94 +9288,128 @@
         </p:spPr>
         <p:txBody>
           <a:bodyPr>
-            <a:normAutofit/>
+            <a:normAutofit lnSpcReduction="10000"/>
           </a:bodyPr>
           <a:lstStyle/>
           <a:p>
             <a:r>
-              <a:rPr lang="en-US" dirty="0" smtClean="0"/>
-              <a:t>The Art of Unit Testing</a:t>
+              <a:rPr lang="en-US" sz="2400" dirty="0" smtClean="0"/>
+              <a:t>Behavior Driven Development</a:t>
             </a:r>
           </a:p>
           <a:p>
             <a:pPr lvl="1"/>
             <a:r>
-              <a:rPr lang="en-US" dirty="0" smtClean="0"/>
-              <a:t>by Roy </a:t>
-            </a:r>
-            <a:r>
-              <a:rPr lang="en-US" dirty="0" err="1" smtClean="0"/>
-              <a:t>Osherove</a:t>
-            </a:r>
-            <a:endParaRPr lang="en-US" dirty="0" smtClean="0"/>
-          </a:p>
-          <a:p>
-            <a:r>
-              <a:rPr lang="en-US" dirty="0" smtClean="0"/>
-              <a:t>Test Driven Development: By Example</a:t>
-            </a:r>
+              <a:rPr lang="en-US" sz="1800" b="1" dirty="0" smtClean="0">
+                <a:hlinkClick r:id="rId2"/>
+              </a:rPr>
+              <a:t>http://www.code-magazine.com/article.aspx?quickid=0805061&amp;page=1</a:t>
+            </a:r>
+            <a:endParaRPr lang="en-US" sz="1800" b="1" dirty="0" smtClean="0"/>
           </a:p>
           <a:p>
             <a:pPr lvl="1"/>
-            <a:r>
-              <a:rPr lang="en-US" dirty="0" smtClean="0"/>
-              <a:t>by Kent Beck</a:t>
-            </a:r>
-          </a:p>
-          <a:p>
-            <a:r>
-              <a:rPr lang="en-US" dirty="0" smtClean="0"/>
-              <a:t>Test Driven Development: A Practical Guide</a:t>
+            <a:endParaRPr lang="en-US" sz="1800" b="1" dirty="0" smtClean="0"/>
+          </a:p>
+          <a:p>
+            <a:r>
+              <a:rPr lang="en-US" sz="2400" dirty="0" smtClean="0"/>
+              <a:t>So How do You Introduce TDD into an Organization or Team?, by Jeremy Miller</a:t>
             </a:r>
           </a:p>
           <a:p>
             <a:pPr lvl="1"/>
             <a:r>
-              <a:rPr lang="en-US" dirty="0" smtClean="0"/>
-              <a:t>by David </a:t>
-            </a:r>
-            <a:r>
-              <a:rPr lang="en-US" dirty="0" err="1" smtClean="0"/>
-              <a:t>Astels</a:t>
-            </a:r>
-            <a:endParaRPr lang="en-US" dirty="0" smtClean="0"/>
-          </a:p>
-          <a:p>
-            <a:r>
-              <a:rPr lang="en-US" dirty="0" smtClean="0"/>
-              <a:t>The RSpec Book: </a:t>
-            </a:r>
-            <a:r>
-              <a:rPr lang="en-US" dirty="0" err="1" smtClean="0"/>
-              <a:t>Behaviour</a:t>
-            </a:r>
-            <a:r>
-              <a:rPr lang="en-US" dirty="0" smtClean="0"/>
-              <a:t> Driven Development with RSpec, Cucumber, and Friends</a:t>
-            </a:r>
+              <a:rPr lang="en-US" sz="1800" b="1" dirty="0" smtClean="0">
+                <a:hlinkClick r:id="rId3"/>
+              </a:rPr>
+              <a:t>http://codebetter.com/blogs/jeremy.miller/archive/2006/06/27/146899.aspx</a:t>
+            </a:r>
+            <a:endParaRPr lang="en-US" sz="1800" b="1" dirty="0" smtClean="0"/>
           </a:p>
           <a:p>
             <a:pPr lvl="1"/>
-            <a:r>
-              <a:rPr lang="en-US" dirty="0" smtClean="0"/>
-              <a:t>by David </a:t>
-            </a:r>
-            <a:r>
-              <a:rPr lang="en-US" dirty="0" err="1" smtClean="0"/>
-              <a:t>Chelimsky</a:t>
-            </a:r>
-            <a:r>
-              <a:rPr lang="en-US" dirty="0" smtClean="0"/>
-              <a:t>, Dave </a:t>
-            </a:r>
-            <a:r>
-              <a:rPr lang="en-US" dirty="0" err="1" smtClean="0"/>
-              <a:t>Astels</a:t>
-            </a:r>
-            <a:r>
-              <a:rPr lang="en-US" dirty="0" smtClean="0"/>
-              <a:t>, et. al.</a:t>
-            </a:r>
+            <a:endParaRPr lang="en-US" sz="1800" b="1" dirty="0" smtClean="0"/>
+          </a:p>
+          <a:p>
+            <a:r>
+              <a:rPr lang="en-US" sz="2400" dirty="0" smtClean="0"/>
+              <a:t>How to get started with TDD, by </a:t>
+            </a:r>
+            <a:r>
+              <a:rPr lang="en-US" sz="2400" dirty="0" err="1" smtClean="0"/>
+              <a:t>Misko</a:t>
+            </a:r>
+            <a:r>
+              <a:rPr lang="en-US" sz="2400" dirty="0" smtClean="0"/>
+              <a:t> </a:t>
+            </a:r>
+            <a:r>
+              <a:rPr lang="en-US" sz="2400" dirty="0" err="1" smtClean="0"/>
+              <a:t>Hevery</a:t>
+            </a:r>
+            <a:r>
+              <a:rPr lang="en-US" sz="2400" dirty="0" smtClean="0"/>
+              <a:t> (Java examples)</a:t>
+            </a:r>
+          </a:p>
+          <a:p>
+            <a:pPr lvl="1"/>
+            <a:r>
+              <a:rPr lang="en-US" sz="1800" b="1" dirty="0" smtClean="0">
+                <a:hlinkClick r:id="rId4"/>
+              </a:rPr>
+              <a:t>http://misko.hevery.com/2009/11/17/how-to-get-started-with-tdd/</a:t>
+            </a:r>
+            <a:endParaRPr lang="en-US" sz="2400" dirty="0" smtClean="0"/>
+          </a:p>
+          <a:p>
+            <a:pPr lvl="1"/>
+            <a:endParaRPr lang="en-US" sz="2400" dirty="0" smtClean="0"/>
+          </a:p>
+          <a:p>
+            <a:r>
+              <a:rPr lang="en-US" sz="2400" dirty="0" smtClean="0"/>
+              <a:t>TDD Starter Kit – Sample Projects and Links (C# examples)</a:t>
+            </a:r>
+          </a:p>
+          <a:p>
+            <a:pPr lvl="1"/>
+            <a:r>
+              <a:rPr lang="en-US" sz="1800" dirty="0" smtClean="0">
+                <a:hlinkClick r:id="rId5"/>
+              </a:rPr>
+              <a:t>http://jonkruger.com/blog/2009/07/23/tdd-starter-kit-sample-projects-and-links/</a:t>
+            </a:r>
+            <a:endParaRPr lang="en-US" sz="1800" dirty="0" smtClean="0"/>
+          </a:p>
+          <a:p>
+            <a:pPr lvl="1"/>
+            <a:endParaRPr lang="en-US" sz="1800" dirty="0" smtClean="0"/>
+          </a:p>
+          <a:p>
+            <a:r>
+              <a:rPr lang="en-US" sz="2400" dirty="0" smtClean="0"/>
+              <a:t>Pair Programming </a:t>
+            </a:r>
+            <a:r>
+              <a:rPr lang="en-US" sz="2400" dirty="0" err="1" smtClean="0"/>
+              <a:t>Bot</a:t>
+            </a:r>
+            <a:endParaRPr lang="en-US" sz="2400" dirty="0" smtClean="0"/>
+          </a:p>
+          <a:p>
+            <a:pPr lvl="1"/>
+            <a:r>
+              <a:rPr lang="en-US" sz="1800" dirty="0" smtClean="0">
+                <a:hlinkClick r:id="rId6"/>
+              </a:rPr>
+              <a:t>http://pairprogrammingbot.com/</a:t>
+            </a:r>
+            <a:endParaRPr lang="en-US" sz="1800" dirty="0" smtClean="0"/>
+          </a:p>
+          <a:p>
+            <a:endParaRPr lang="en-US" dirty="0"/>
           </a:p>
         </p:txBody>
       </p:sp>
@@ -9476,7 +9464,7 @@
           <a:p>
             <a:r>
               <a:rPr lang="en-US" dirty="0" smtClean="0"/>
-              <a:t>Resources – Practice!</a:t>
+              <a:t>Resources – Books</a:t>
             </a:r>
             <a:endParaRPr lang="en-US" dirty="0"/>
           </a:p>
@@ -9495,162 +9483,99 @@
         <p:spPr>
           <a:xfrm>
             <a:off x="457200" y="1600200"/>
-            <a:ext cx="8229600" cy="5257800"/>
+            <a:ext cx="8229600" cy="5105400"/>
           </a:xfrm>
         </p:spPr>
         <p:txBody>
           <a:bodyPr>
-            <a:normAutofit lnSpcReduction="10000"/>
+            <a:normAutofit/>
           </a:bodyPr>
           <a:lstStyle/>
           <a:p>
             <a:r>
               <a:rPr lang="en-US" dirty="0" smtClean="0"/>
-              <a:t>String Calculator </a:t>
+              <a:t>The Art of Unit Testing</a:t>
+            </a:r>
+          </a:p>
+          <a:p>
+            <a:pPr lvl="1"/>
+            <a:r>
+              <a:rPr lang="en-US" dirty="0" smtClean="0"/>
+              <a:t>by Roy </a:t>
             </a:r>
             <a:r>
               <a:rPr lang="en-US" dirty="0" err="1" smtClean="0"/>
-              <a:t>kata</a:t>
+              <a:t>Osherove</a:t>
             </a:r>
             <a:endParaRPr lang="en-US" dirty="0" smtClean="0"/>
           </a:p>
           <a:p>
+            <a:r>
+              <a:rPr lang="en-US" dirty="0" smtClean="0"/>
+              <a:t>Test Driven Development: By Example</a:t>
+            </a:r>
+          </a:p>
+          <a:p>
             <a:pPr lvl="1"/>
             <a:r>
-              <a:rPr lang="en-US" dirty="0" smtClean="0">
-                <a:hlinkClick r:id="rId2"/>
-              </a:rPr>
-              <a:t>http://osherove.com/tdd-kata-1/</a:t>
+              <a:rPr lang="en-US" dirty="0" smtClean="0"/>
+              <a:t>by Kent Beck</a:t>
+            </a:r>
+          </a:p>
+          <a:p>
+            <a:r>
+              <a:rPr lang="en-US" dirty="0" smtClean="0"/>
+              <a:t>Test Driven Development: A Practical Guide</a:t>
+            </a:r>
+          </a:p>
+          <a:p>
+            <a:pPr lvl="1"/>
+            <a:r>
+              <a:rPr lang="en-US" dirty="0" smtClean="0"/>
+              <a:t>by David </a:t>
+            </a:r>
+            <a:r>
+              <a:rPr lang="en-US" dirty="0" err="1" smtClean="0"/>
+              <a:t>Astels</a:t>
             </a:r>
             <a:endParaRPr lang="en-US" dirty="0" smtClean="0"/>
           </a:p>
           <a:p>
+            <a:r>
+              <a:rPr lang="en-US" dirty="0" smtClean="0"/>
+              <a:t>The RSpec Book: </a:t>
+            </a:r>
+            <a:r>
+              <a:rPr lang="en-US" dirty="0" err="1" smtClean="0"/>
+              <a:t>Behaviour</a:t>
+            </a:r>
+            <a:r>
+              <a:rPr lang="en-US" dirty="0" smtClean="0"/>
+              <a:t> Driven Development with RSpec, Cucumber, and Friends</a:t>
+            </a:r>
+          </a:p>
+          <a:p>
             <a:pPr lvl="1"/>
-            <a:endParaRPr lang="en-US" dirty="0" smtClean="0"/>
-          </a:p>
-          <a:p>
             <a:r>
               <a:rPr lang="en-US" dirty="0" smtClean="0"/>
-              <a:t>Bowling Game </a:t>
+              <a:t>by David </a:t>
             </a:r>
             <a:r>
               <a:rPr lang="en-US" dirty="0" err="1" smtClean="0"/>
-              <a:t>kata</a:t>
-            </a:r>
-            <a:endParaRPr lang="en-US" dirty="0" smtClean="0"/>
-          </a:p>
-          <a:p>
-            <a:pPr lvl="1"/>
-            <a:r>
-              <a:rPr lang="en-US" sz="2100" dirty="0" smtClean="0">
-                <a:hlinkClick r:id="rId3"/>
-              </a:rPr>
-              <a:t>http://butunclebob.com/ArticleS.UncleBob.TheBowlingGameKata</a:t>
-            </a:r>
-            <a:endParaRPr lang="en-US" sz="2100" dirty="0" smtClean="0"/>
-          </a:p>
-          <a:p>
-            <a:pPr lvl="1"/>
-            <a:endParaRPr lang="en-US" sz="2100" dirty="0" smtClean="0"/>
-          </a:p>
-          <a:p>
-            <a:r>
-              <a:rPr lang="en-US" sz="2700" dirty="0" smtClean="0"/>
-              <a:t>Prime Factors </a:t>
-            </a:r>
-            <a:r>
-              <a:rPr lang="en-US" sz="2700" dirty="0" err="1" smtClean="0"/>
-              <a:t>kata</a:t>
-            </a:r>
-            <a:endParaRPr lang="en-US" sz="2700" dirty="0" smtClean="0"/>
-          </a:p>
-          <a:p>
-            <a:pPr lvl="1"/>
-            <a:r>
-              <a:rPr lang="en-US" sz="1900" dirty="0" smtClean="0">
-                <a:hlinkClick r:id="rId4"/>
-              </a:rPr>
-              <a:t>http://www.butunclebob.com/ArticleS.UncleBob.ThePrimeFactorsKata</a:t>
-            </a:r>
-            <a:endParaRPr lang="en-US" sz="1900" dirty="0" smtClean="0"/>
-          </a:p>
-          <a:p>
-            <a:pPr lvl="1"/>
-            <a:endParaRPr lang="en-US" sz="1900" dirty="0" smtClean="0"/>
-          </a:p>
-          <a:p>
-            <a:r>
-              <a:rPr lang="en-US" sz="2500" dirty="0" smtClean="0"/>
-              <a:t>Greed game (part of the Ruby </a:t>
-            </a:r>
-            <a:r>
-              <a:rPr lang="en-US" sz="2500" dirty="0" err="1" smtClean="0"/>
-              <a:t>koans</a:t>
-            </a:r>
-            <a:r>
-              <a:rPr lang="en-US" sz="2500" dirty="0" smtClean="0"/>
-              <a:t>)</a:t>
-            </a:r>
-          </a:p>
-          <a:p>
-            <a:pPr lvl="1"/>
-            <a:r>
-              <a:rPr lang="en-US" dirty="0" smtClean="0">
-                <a:hlinkClick r:id="rId5"/>
-              </a:rPr>
-              <a:t>http://github.com/edgecase/ruby_koans</a:t>
-            </a:r>
-            <a:endParaRPr lang="en-US" dirty="0" smtClean="0"/>
-          </a:p>
-          <a:p>
-            <a:pPr lvl="1"/>
-            <a:endParaRPr lang="en-US" sz="1900" dirty="0" smtClean="0"/>
-          </a:p>
-          <a:p>
-            <a:r>
-              <a:rPr lang="en-US" sz="2500" dirty="0" err="1" smtClean="0"/>
-              <a:t>Katacasts</a:t>
-            </a:r>
-            <a:r>
-              <a:rPr lang="en-US" sz="2500" dirty="0"/>
-              <a:t> </a:t>
-            </a:r>
-            <a:r>
-              <a:rPr lang="en-US" sz="2500" dirty="0" smtClean="0"/>
-              <a:t>(watch </a:t>
-            </a:r>
-            <a:r>
-              <a:rPr lang="en-US" sz="2500" dirty="0" err="1" smtClean="0"/>
-              <a:t>screencasts</a:t>
-            </a:r>
-            <a:r>
-              <a:rPr lang="en-US" sz="2500" dirty="0" smtClean="0"/>
-              <a:t> of people doing various </a:t>
-            </a:r>
-            <a:r>
-              <a:rPr lang="en-US" sz="2500" dirty="0" err="1" smtClean="0"/>
-              <a:t>katas</a:t>
-            </a:r>
-            <a:r>
-              <a:rPr lang="en-US" sz="2500" dirty="0" smtClean="0"/>
-              <a:t>)</a:t>
-            </a:r>
-          </a:p>
-          <a:p>
-            <a:pPr lvl="1"/>
-            <a:r>
-              <a:rPr lang="en-US" dirty="0" smtClean="0">
-                <a:hlinkClick r:id="rId6"/>
-              </a:rPr>
-              <a:t>http://www.katacasts.com/</a:t>
-            </a:r>
-            <a:endParaRPr lang="en-US" dirty="0" smtClean="0"/>
-          </a:p>
-          <a:p>
-            <a:pPr lvl="1">
-              <a:buNone/>
-            </a:pPr>
-            <a:endParaRPr lang="en-US" sz="1900" dirty="0" smtClean="0"/>
+              <a:t>Chelimsky</a:t>
+            </a:r>
+            <a:r>
+              <a:rPr lang="en-US" dirty="0" smtClean="0"/>
+              <a:t>, Dave </a:t>
+            </a:r>
+            <a:r>
+              <a:rPr lang="en-US" dirty="0" err="1" smtClean="0"/>
+              <a:t>Astels</a:t>
+            </a:r>
+            <a:r>
+              <a:rPr lang="en-US" dirty="0" smtClean="0"/>
+              <a:t>, et. al.</a:t>
+            </a:r>
           </a:p>
         </p:txBody>
       </p:sp>
@@ -9705,7 +9630,7 @@
           <a:p>
             <a:r>
               <a:rPr lang="en-US" dirty="0" smtClean="0"/>
-              <a:t>Resources – Training</a:t>
+              <a:t>Resources – Practice!</a:t>
             </a:r>
             <a:endParaRPr lang="en-US" dirty="0"/>
           </a:p>
@@ -9724,115 +9649,162 @@
         <p:spPr>
           <a:xfrm>
             <a:off x="457200" y="1600200"/>
-            <a:ext cx="8229600" cy="4953000"/>
+            <a:ext cx="8229600" cy="5257800"/>
           </a:xfrm>
         </p:spPr>
         <p:txBody>
           <a:bodyPr>
-            <a:normAutofit/>
+            <a:normAutofit lnSpcReduction="10000"/>
           </a:bodyPr>
           <a:lstStyle/>
           <a:p>
             <a:r>
               <a:rPr lang="en-US" dirty="0" smtClean="0"/>
-              <a:t>TDD Boot Camp (.NET)</a:t>
-            </a:r>
+              <a:t>String Calculator </a:t>
+            </a:r>
+            <a:r>
+              <a:rPr lang="en-US" dirty="0" err="1" smtClean="0"/>
+              <a:t>kata</a:t>
+            </a:r>
+            <a:endParaRPr lang="en-US" dirty="0" smtClean="0"/>
           </a:p>
           <a:p>
             <a:pPr lvl="1"/>
             <a:r>
-              <a:rPr lang="en-US" sz="2800" dirty="0" smtClean="0">
+              <a:rPr lang="en-US" dirty="0" smtClean="0">
                 <a:hlinkClick r:id="rId2"/>
               </a:rPr>
-              <a:t>http://tddbootcamp.com</a:t>
-            </a:r>
-            <a:endParaRPr lang="en-US" sz="2800" dirty="0" smtClean="0"/>
+              <a:t>http://osherove.com/tdd-kata-1/</a:t>
+            </a:r>
+            <a:endParaRPr lang="en-US" dirty="0" smtClean="0"/>
           </a:p>
           <a:p>
             <a:pPr lvl="1"/>
-            <a:r>
-              <a:rPr lang="en-US" sz="2800" dirty="0" smtClean="0"/>
-              <a:t>Cincinnati – June 22-24</a:t>
-            </a:r>
+            <a:endParaRPr lang="en-US" dirty="0" smtClean="0"/>
+          </a:p>
+          <a:p>
+            <a:r>
+              <a:rPr lang="en-US" dirty="0" smtClean="0"/>
+              <a:t>Bowling Game </a:t>
+            </a:r>
+            <a:r>
+              <a:rPr lang="en-US" dirty="0" err="1" smtClean="0"/>
+              <a:t>kata</a:t>
+            </a:r>
+            <a:endParaRPr lang="en-US" dirty="0" smtClean="0"/>
           </a:p>
           <a:p>
             <a:pPr lvl="1"/>
             <a:r>
-              <a:rPr lang="en-US" sz="2800" dirty="0" smtClean="0"/>
-              <a:t>Columbus – July 13-15</a:t>
-            </a:r>
-          </a:p>
-          <a:p>
-            <a:pPr lvl="1"/>
-            <a:r>
-              <a:rPr lang="en-US" sz="2800" dirty="0" smtClean="0"/>
-              <a:t>Detroit – Aug. 18-20</a:t>
-            </a:r>
-            <a:br>
-              <a:rPr lang="en-US" sz="2800" dirty="0" smtClean="0"/>
-            </a:br>
-            <a:endParaRPr lang="en-US" sz="2800" dirty="0" smtClean="0"/>
-          </a:p>
-          <a:p>
-            <a:r>
-              <a:rPr lang="en-US" dirty="0" smtClean="0"/>
-              <a:t>Pillar Technology (Java)</a:t>
-            </a:r>
-          </a:p>
-          <a:p>
-            <a:pPr lvl="1"/>
-            <a:r>
-              <a:rPr lang="en-US" sz="2800" dirty="0" smtClean="0">
+              <a:rPr lang="en-US" sz="2100" dirty="0" smtClean="0">
                 <a:hlinkClick r:id="rId3"/>
               </a:rPr>
-              <a:t>http://pillartechnology.com</a:t>
-            </a:r>
-            <a:r>
-              <a:rPr lang="en-US" sz="2800" dirty="0" smtClean="0"/>
-              <a:t/>
-            </a:r>
-            <a:br>
-              <a:rPr lang="en-US" sz="2800" dirty="0" smtClean="0"/>
-            </a:br>
-            <a:endParaRPr lang="en-US" sz="2800" dirty="0" smtClean="0"/>
-          </a:p>
-          <a:p>
-            <a:r>
-              <a:rPr lang="en-US" dirty="0" err="1" smtClean="0"/>
-              <a:t>EdgeCase</a:t>
-            </a:r>
-            <a:r>
-              <a:rPr lang="en-US" dirty="0" smtClean="0"/>
-              <a:t> (Ruby on Rails)</a:t>
-            </a:r>
+              <a:t>http://butunclebob.com/ArticleS.UncleBob.TheBowlingGameKata</a:t>
+            </a:r>
+            <a:endParaRPr lang="en-US" sz="2100" dirty="0" smtClean="0"/>
           </a:p>
           <a:p>
             <a:pPr lvl="1"/>
-            <a:r>
-              <a:rPr lang="en-US" sz="2800" dirty="0" smtClean="0">
+            <a:endParaRPr lang="en-US" sz="2100" dirty="0" smtClean="0"/>
+          </a:p>
+          <a:p>
+            <a:r>
+              <a:rPr lang="en-US" sz="2700" dirty="0" smtClean="0"/>
+              <a:t>Prime Factors </a:t>
+            </a:r>
+            <a:r>
+              <a:rPr lang="en-US" sz="2700" dirty="0" err="1" smtClean="0"/>
+              <a:t>kata</a:t>
+            </a:r>
+            <a:endParaRPr lang="en-US" sz="2700" dirty="0" smtClean="0"/>
+          </a:p>
+          <a:p>
+            <a:pPr lvl="1"/>
+            <a:r>
+              <a:rPr lang="en-US" sz="1900" dirty="0" smtClean="0">
                 <a:hlinkClick r:id="rId4"/>
               </a:rPr>
-              <a:t>http://edgecase.com</a:t>
-            </a:r>
-            <a:endParaRPr lang="en-US" sz="2800" dirty="0" smtClean="0"/>
+              <a:t>http://www.butunclebob.com/ArticleS.UncleBob.ThePrimeFactorsKata</a:t>
+            </a:r>
+            <a:endParaRPr lang="en-US" sz="1900" dirty="0" smtClean="0"/>
+          </a:p>
+          <a:p>
+            <a:pPr lvl="1"/>
+            <a:endParaRPr lang="en-US" sz="1900" dirty="0" smtClean="0"/>
+          </a:p>
+          <a:p>
+            <a:r>
+              <a:rPr lang="en-US" sz="2500" dirty="0" smtClean="0"/>
+              <a:t>Greed game (part of the Ruby </a:t>
+            </a:r>
+            <a:r>
+              <a:rPr lang="en-US" sz="2500" dirty="0" err="1" smtClean="0"/>
+              <a:t>koans</a:t>
+            </a:r>
+            <a:r>
+              <a:rPr lang="en-US" sz="2500" dirty="0" smtClean="0"/>
+              <a:t>)</a:t>
+            </a:r>
+          </a:p>
+          <a:p>
+            <a:pPr lvl="1"/>
+            <a:r>
+              <a:rPr lang="en-US" dirty="0" smtClean="0">
+                <a:hlinkClick r:id="rId5"/>
+              </a:rPr>
+              <a:t>http://github.com/edgecase/ruby_koans</a:t>
+            </a:r>
+            <a:endParaRPr lang="en-US" dirty="0" smtClean="0"/>
+          </a:p>
+          <a:p>
+            <a:pPr lvl="1"/>
+            <a:endParaRPr lang="en-US" sz="1900" dirty="0" smtClean="0"/>
+          </a:p>
+          <a:p>
+            <a:r>
+              <a:rPr lang="en-US" sz="2500" dirty="0" err="1" smtClean="0"/>
+              <a:t>Katacasts</a:t>
+            </a:r>
+            <a:r>
+              <a:rPr lang="en-US" sz="2500" dirty="0"/>
+              <a:t> </a:t>
+            </a:r>
+            <a:r>
+              <a:rPr lang="en-US" sz="2500" dirty="0" smtClean="0"/>
+              <a:t>(watch </a:t>
+            </a:r>
+            <a:r>
+              <a:rPr lang="en-US" sz="2500" dirty="0" err="1" smtClean="0"/>
+              <a:t>screencasts</a:t>
+            </a:r>
+            <a:r>
+              <a:rPr lang="en-US" sz="2500" dirty="0" smtClean="0"/>
+              <a:t> of people doing various </a:t>
+            </a:r>
+            <a:r>
+              <a:rPr lang="en-US" sz="2500" dirty="0" err="1" smtClean="0"/>
+              <a:t>katas</a:t>
+            </a:r>
+            <a:r>
+              <a:rPr lang="en-US" sz="2500" dirty="0" smtClean="0"/>
+              <a:t>)</a:t>
+            </a:r>
+          </a:p>
+          <a:p>
+            <a:pPr lvl="1"/>
+            <a:r>
+              <a:rPr lang="en-US" dirty="0" smtClean="0">
+                <a:hlinkClick r:id="rId6"/>
+              </a:rPr>
+              <a:t>http://www.katacasts.com/</a:t>
+            </a:r>
+            <a:endParaRPr lang="en-US" dirty="0" smtClean="0"/>
           </a:p>
           <a:p>
             <a:pPr lvl="1">
               <a:buNone/>
             </a:pPr>
-            <a:endParaRPr lang="en-US" sz="2800" dirty="0" smtClean="0"/>
-          </a:p>
-          <a:p>
-            <a:pPr lvl="1">
-              <a:buNone/>
-            </a:pPr>
-            <a:endParaRPr lang="en-US" sz="2800" dirty="0" smtClean="0"/>
-          </a:p>
-          <a:p>
-            <a:pPr lvl="1">
-              <a:buNone/>
-            </a:pPr>
-            <a:endParaRPr lang="en-US" sz="2800" dirty="0" smtClean="0"/>
+            <a:endParaRPr lang="en-US" sz="1900" dirty="0" smtClean="0"/>
           </a:p>
         </p:txBody>
       </p:sp>
@@ -9852,6 +9824,188 @@
 </file>
 
 <file path=ppt/slides/slide38.xml><?xml version="1.0" encoding="utf-8"?>
+<p:sld xmlns:a="http://schemas.openxmlformats.org/drawingml/2006/main" xmlns:r="http://schemas.openxmlformats.org/officeDocument/2006/relationships" xmlns:p="http://schemas.openxmlformats.org/presentationml/2006/main">
+  <p:cSld>
+    <p:spTree>
+      <p:nvGrpSpPr>
+        <p:cNvPr id="1" name=""/>
+        <p:cNvGrpSpPr/>
+        <p:nvPr/>
+      </p:nvGrpSpPr>
+      <p:grpSpPr>
+        <a:xfrm>
+          <a:off x="0" y="0"/>
+          <a:ext cx="0" cy="0"/>
+          <a:chOff x="0" y="0"/>
+          <a:chExt cx="0" cy="0"/>
+        </a:xfrm>
+      </p:grpSpPr>
+      <p:sp>
+        <p:nvSpPr>
+          <p:cNvPr id="2" name="Title 1"/>
+          <p:cNvSpPr>
+            <a:spLocks noGrp="1"/>
+          </p:cNvSpPr>
+          <p:nvPr>
+            <p:ph type="title"/>
+          </p:nvPr>
+        </p:nvSpPr>
+        <p:spPr/>
+        <p:txBody>
+          <a:bodyPr>
+            <a:normAutofit/>
+          </a:bodyPr>
+          <a:lstStyle/>
+          <a:p>
+            <a:r>
+              <a:rPr lang="en-US" dirty="0" smtClean="0"/>
+              <a:t>Resources – Training</a:t>
+            </a:r>
+            <a:endParaRPr lang="en-US" dirty="0"/>
+          </a:p>
+        </p:txBody>
+      </p:sp>
+      <p:sp>
+        <p:nvSpPr>
+          <p:cNvPr id="3" name="Content Placeholder 2"/>
+          <p:cNvSpPr>
+            <a:spLocks noGrp="1"/>
+          </p:cNvSpPr>
+          <p:nvPr>
+            <p:ph idx="1"/>
+          </p:nvPr>
+        </p:nvSpPr>
+        <p:spPr>
+          <a:xfrm>
+            <a:off x="457200" y="1600200"/>
+            <a:ext cx="8229600" cy="4953000"/>
+          </a:xfrm>
+        </p:spPr>
+        <p:txBody>
+          <a:bodyPr>
+            <a:normAutofit/>
+          </a:bodyPr>
+          <a:lstStyle/>
+          <a:p>
+            <a:r>
+              <a:rPr lang="en-US" dirty="0" smtClean="0"/>
+              <a:t>TDD Boot Camp (.NET)</a:t>
+            </a:r>
+          </a:p>
+          <a:p>
+            <a:pPr lvl="1"/>
+            <a:r>
+              <a:rPr lang="en-US" sz="2800" dirty="0" smtClean="0">
+                <a:hlinkClick r:id="rId2"/>
+              </a:rPr>
+              <a:t>http://tddbootcamp.com</a:t>
+            </a:r>
+            <a:endParaRPr lang="en-US" sz="2800" dirty="0" smtClean="0"/>
+          </a:p>
+          <a:p>
+            <a:pPr lvl="1"/>
+            <a:r>
+              <a:rPr lang="en-US" sz="2800" dirty="0" smtClean="0"/>
+              <a:t>Cincinnati – June 22-24</a:t>
+            </a:r>
+          </a:p>
+          <a:p>
+            <a:pPr lvl="1"/>
+            <a:r>
+              <a:rPr lang="en-US" sz="2800" dirty="0" smtClean="0"/>
+              <a:t>Columbus – July 13-15</a:t>
+            </a:r>
+          </a:p>
+          <a:p>
+            <a:pPr lvl="1"/>
+            <a:r>
+              <a:rPr lang="en-US" sz="2800" dirty="0" smtClean="0"/>
+              <a:t>Detroit – Aug. 18-20</a:t>
+            </a:r>
+            <a:br>
+              <a:rPr lang="en-US" sz="2800" dirty="0" smtClean="0"/>
+            </a:br>
+            <a:endParaRPr lang="en-US" sz="2800" dirty="0" smtClean="0"/>
+          </a:p>
+          <a:p>
+            <a:r>
+              <a:rPr lang="en-US" dirty="0" smtClean="0"/>
+              <a:t>Pillar Technology (Java)</a:t>
+            </a:r>
+          </a:p>
+          <a:p>
+            <a:pPr lvl="1"/>
+            <a:r>
+              <a:rPr lang="en-US" sz="2800" dirty="0" smtClean="0">
+                <a:hlinkClick r:id="rId3"/>
+              </a:rPr>
+              <a:t>http://pillartechnology.com</a:t>
+            </a:r>
+            <a:r>
+              <a:rPr lang="en-US" sz="2800" dirty="0" smtClean="0"/>
+              <a:t/>
+            </a:r>
+            <a:br>
+              <a:rPr lang="en-US" sz="2800" dirty="0" smtClean="0"/>
+            </a:br>
+            <a:endParaRPr lang="en-US" sz="2800" dirty="0" smtClean="0"/>
+          </a:p>
+          <a:p>
+            <a:r>
+              <a:rPr lang="en-US" dirty="0" err="1" smtClean="0"/>
+              <a:t>EdgeCase</a:t>
+            </a:r>
+            <a:r>
+              <a:rPr lang="en-US" dirty="0" smtClean="0"/>
+              <a:t> (Ruby on Rails)</a:t>
+            </a:r>
+          </a:p>
+          <a:p>
+            <a:pPr lvl="1"/>
+            <a:r>
+              <a:rPr lang="en-US" sz="2800" dirty="0" smtClean="0">
+                <a:hlinkClick r:id="rId4"/>
+              </a:rPr>
+              <a:t>http://edgecase.com</a:t>
+            </a:r>
+            <a:endParaRPr lang="en-US" sz="2800" dirty="0" smtClean="0"/>
+          </a:p>
+          <a:p>
+            <a:pPr lvl="1">
+              <a:buNone/>
+            </a:pPr>
+            <a:endParaRPr lang="en-US" sz="2800" dirty="0" smtClean="0"/>
+          </a:p>
+          <a:p>
+            <a:pPr lvl="1">
+              <a:buNone/>
+            </a:pPr>
+            <a:endParaRPr lang="en-US" sz="2800" dirty="0" smtClean="0"/>
+          </a:p>
+          <a:p>
+            <a:pPr lvl="1">
+              <a:buNone/>
+            </a:pPr>
+            <a:endParaRPr lang="en-US" sz="2800" dirty="0" smtClean="0"/>
+          </a:p>
+        </p:txBody>
+      </p:sp>
+    </p:spTree>
+  </p:cSld>
+  <p:clrMapOvr>
+    <a:masterClrMapping/>
+  </p:clrMapOvr>
+  <p:timing>
+    <p:tnLst>
+      <p:par>
+        <p:cTn id="1" dur="indefinite" restart="never" nodeType="tmRoot"/>
+      </p:par>
+    </p:tnLst>
+  </p:timing>
+</p:sld>
+</file>
+
+<file path=ppt/slides/slide39.xml><?xml version="1.0" encoding="utf-8"?>
 <p:sld xmlns:a="http://schemas.openxmlformats.org/drawingml/2006/main" xmlns:r="http://schemas.openxmlformats.org/officeDocument/2006/relationships" xmlns:p="http://schemas.openxmlformats.org/presentationml/2006/main">
   <p:cSld>
     <p:spTree>

--- a/TDD In Action.pptx
+++ b/TDD In Action.pptx
@@ -5,7 +5,7 @@
     <p:sldMasterId id="2147483840" r:id="rId1"/>
   </p:sldMasterIdLst>
   <p:notesMasterIdLst>
-    <p:notesMasterId r:id="rId41"/>
+    <p:notesMasterId r:id="rId42"/>
   </p:notesMasterIdLst>
   <p:sldIdLst>
     <p:sldId id="320" r:id="rId2"/>
@@ -28,25 +28,26 @@
     <p:sldId id="377" r:id="rId19"/>
     <p:sldId id="394" r:id="rId20"/>
     <p:sldId id="386" r:id="rId21"/>
-    <p:sldId id="382" r:id="rId22"/>
-    <p:sldId id="383" r:id="rId23"/>
-    <p:sldId id="387" r:id="rId24"/>
-    <p:sldId id="388" r:id="rId25"/>
-    <p:sldId id="391" r:id="rId26"/>
-    <p:sldId id="405" r:id="rId27"/>
-    <p:sldId id="358" r:id="rId28"/>
-    <p:sldId id="359" r:id="rId29"/>
-    <p:sldId id="393" r:id="rId30"/>
-    <p:sldId id="360" r:id="rId31"/>
-    <p:sldId id="406" r:id="rId32"/>
-    <p:sldId id="403" r:id="rId33"/>
-    <p:sldId id="396" r:id="rId34"/>
-    <p:sldId id="402" r:id="rId35"/>
-    <p:sldId id="397" r:id="rId36"/>
-    <p:sldId id="401" r:id="rId37"/>
-    <p:sldId id="398" r:id="rId38"/>
-    <p:sldId id="400" r:id="rId39"/>
-    <p:sldId id="399" r:id="rId40"/>
+    <p:sldId id="407" r:id="rId22"/>
+    <p:sldId id="382" r:id="rId23"/>
+    <p:sldId id="383" r:id="rId24"/>
+    <p:sldId id="387" r:id="rId25"/>
+    <p:sldId id="388" r:id="rId26"/>
+    <p:sldId id="391" r:id="rId27"/>
+    <p:sldId id="405" r:id="rId28"/>
+    <p:sldId id="358" r:id="rId29"/>
+    <p:sldId id="359" r:id="rId30"/>
+    <p:sldId id="393" r:id="rId31"/>
+    <p:sldId id="360" r:id="rId32"/>
+    <p:sldId id="406" r:id="rId33"/>
+    <p:sldId id="403" r:id="rId34"/>
+    <p:sldId id="396" r:id="rId35"/>
+    <p:sldId id="402" r:id="rId36"/>
+    <p:sldId id="397" r:id="rId37"/>
+    <p:sldId id="401" r:id="rId38"/>
+    <p:sldId id="398" r:id="rId39"/>
+    <p:sldId id="400" r:id="rId40"/>
+    <p:sldId id="399" r:id="rId41"/>
   </p:sldIdLst>
   <p:sldSz cx="9144000" cy="6858000" type="screen4x3"/>
   <p:notesSz cx="6858000" cy="9144000"/>
@@ -231,7 +232,7 @@
             <a:fld id="{CE22DD2D-CE48-432A-B750-FE638311F72D}" type="datetimeFigureOut">
               <a:rPr lang="en-US" smtClean="0"/>
               <a:pPr/>
-              <a:t>5/26/2010</a:t>
+              <a:t>5/27/2010</a:t>
             </a:fld>
             <a:endParaRPr lang="en-US"/>
           </a:p>
@@ -968,19 +969,15 @@
           <a:p>
             <a:r>
               <a:rPr lang="en-US" dirty="0" smtClean="0"/>
-              <a:t>My </a:t>
-            </a:r>
-            <a:r>
-              <a:rPr lang="en-US" dirty="0" err="1" smtClean="0"/>
-              <a:t>definiton</a:t>
-            </a:r>
-            <a:r>
-              <a:rPr lang="en-US" dirty="0" smtClean="0"/>
-              <a:t> of</a:t>
+              <a:t>If you</a:t>
             </a:r>
             <a:r>
               <a:rPr lang="en-US" baseline="0" dirty="0" smtClean="0"/>
-              <a:t> legacy code: Code where the cost or risk associated with changing it outweighs the benefits of the change.</a:t>
+              <a:t> test after, you might forget or just </a:t>
+            </a:r>
+            <a:r>
+              <a:rPr lang="en-US" baseline="0" smtClean="0"/>
+              <a:t>get lazy.</a:t>
             </a:r>
             <a:endParaRPr lang="en-US" dirty="0"/>
           </a:p>
@@ -1004,7 +1001,7 @@
             <a:fld id="{46B52E04-8F68-435C-880A-7C7B12D9BA2F}" type="slidenum">
               <a:rPr lang="en-US" smtClean="0"/>
               <a:pPr/>
-              <a:t>24</a:t>
+              <a:t>21</a:t>
             </a:fld>
             <a:endParaRPr lang="en-US"/>
           </a:p>
@@ -1066,11 +1063,19 @@
           <a:p>
             <a:r>
               <a:rPr lang="en-US" dirty="0" smtClean="0"/>
-              <a:t>I can’t explain this one,</a:t>
+              <a:t>My </a:t>
+            </a:r>
+            <a:r>
+              <a:rPr lang="en-US" dirty="0" err="1" smtClean="0"/>
+              <a:t>definiton</a:t>
+            </a:r>
+            <a:r>
+              <a:rPr lang="en-US" dirty="0" smtClean="0"/>
+              <a:t> of</a:t>
             </a:r>
             <a:r>
               <a:rPr lang="en-US" baseline="0" dirty="0" smtClean="0"/>
-              <a:t> you have to experience it for yourself!</a:t>
+              <a:t> legacy code: Code where the cost or risk associated with changing it outweighs the benefits of the change.</a:t>
             </a:r>
             <a:endParaRPr lang="en-US" dirty="0"/>
           </a:p>
@@ -1156,17 +1161,11 @@
           <a:p>
             <a:r>
               <a:rPr lang="en-US" dirty="0" smtClean="0"/>
-              <a:t>This is not about</a:t>
+              <a:t>I can’t explain this one,</a:t>
             </a:r>
             <a:r>
               <a:rPr lang="en-US" baseline="0" dirty="0" smtClean="0"/>
-              <a:t> dogmatism or people who you think are smarter than you, it’s about finding a better way to do software development.</a:t>
-            </a:r>
-          </a:p>
-          <a:p>
-            <a:r>
-              <a:rPr lang="en-US" baseline="0" dirty="0" smtClean="0"/>
-              <a:t>Ask anyone who practices TDD, and they will all tell you that they would never go back to the old way.</a:t>
+              <a:t> you have to experience it for yourself!</a:t>
             </a:r>
             <a:endParaRPr lang="en-US" dirty="0"/>
           </a:p>
@@ -1190,7 +1189,103 @@
             <a:fld id="{46B52E04-8F68-435C-880A-7C7B12D9BA2F}" type="slidenum">
               <a:rPr lang="en-US" smtClean="0"/>
               <a:pPr/>
-              <a:t>31</a:t>
+              <a:t>26</a:t>
+            </a:fld>
+            <a:endParaRPr lang="en-US"/>
+          </a:p>
+        </p:txBody>
+      </p:sp>
+    </p:spTree>
+  </p:cSld>
+  <p:clrMapOvr>
+    <a:masterClrMapping/>
+  </p:clrMapOvr>
+</p:notes>
+</file>
+
+<file path=ppt/notesSlides/notesSlide16.xml><?xml version="1.0" encoding="utf-8"?>
+<p:notes xmlns:a="http://schemas.openxmlformats.org/drawingml/2006/main" xmlns:r="http://schemas.openxmlformats.org/officeDocument/2006/relationships" xmlns:p="http://schemas.openxmlformats.org/presentationml/2006/main">
+  <p:cSld>
+    <p:spTree>
+      <p:nvGrpSpPr>
+        <p:cNvPr id="1" name=""/>
+        <p:cNvGrpSpPr/>
+        <p:nvPr/>
+      </p:nvGrpSpPr>
+      <p:grpSpPr>
+        <a:xfrm>
+          <a:off x="0" y="0"/>
+          <a:ext cx="0" cy="0"/>
+          <a:chOff x="0" y="0"/>
+          <a:chExt cx="0" cy="0"/>
+        </a:xfrm>
+      </p:grpSpPr>
+      <p:sp>
+        <p:nvSpPr>
+          <p:cNvPr id="2" name="Slide Image Placeholder 1"/>
+          <p:cNvSpPr>
+            <a:spLocks noGrp="1" noRot="1" noChangeAspect="1"/>
+          </p:cNvSpPr>
+          <p:nvPr>
+            <p:ph type="sldImg"/>
+          </p:nvPr>
+        </p:nvSpPr>
+        <p:spPr/>
+      </p:sp>
+      <p:sp>
+        <p:nvSpPr>
+          <p:cNvPr id="3" name="Notes Placeholder 2"/>
+          <p:cNvSpPr>
+            <a:spLocks noGrp="1"/>
+          </p:cNvSpPr>
+          <p:nvPr>
+            <p:ph type="body" idx="1"/>
+          </p:nvPr>
+        </p:nvSpPr>
+        <p:spPr/>
+        <p:txBody>
+          <a:bodyPr>
+            <a:normAutofit/>
+          </a:bodyPr>
+          <a:lstStyle/>
+          <a:p>
+            <a:r>
+              <a:rPr lang="en-US" dirty="0" smtClean="0"/>
+              <a:t>This is not about</a:t>
+            </a:r>
+            <a:r>
+              <a:rPr lang="en-US" baseline="0" dirty="0" smtClean="0"/>
+              <a:t> dogmatism or people who you think are smarter than you, it’s about finding a better way to do software development.</a:t>
+            </a:r>
+          </a:p>
+          <a:p>
+            <a:r>
+              <a:rPr lang="en-US" baseline="0" dirty="0" smtClean="0"/>
+              <a:t>Ask anyone who practices TDD, and they will all tell you that they would never go back to the old way.</a:t>
+            </a:r>
+            <a:endParaRPr lang="en-US" dirty="0"/>
+          </a:p>
+        </p:txBody>
+      </p:sp>
+      <p:sp>
+        <p:nvSpPr>
+          <p:cNvPr id="4" name="Slide Number Placeholder 3"/>
+          <p:cNvSpPr>
+            <a:spLocks noGrp="1"/>
+          </p:cNvSpPr>
+          <p:nvPr>
+            <p:ph type="sldNum" sz="quarter" idx="10"/>
+          </p:nvPr>
+        </p:nvSpPr>
+        <p:spPr/>
+        <p:txBody>
+          <a:bodyPr/>
+          <a:lstStyle/>
+          <a:p>
+            <a:fld id="{46B52E04-8F68-435C-880A-7C7B12D9BA2F}" type="slidenum">
+              <a:rPr lang="en-US" smtClean="0"/>
+              <a:pPr/>
+              <a:t>32</a:t>
             </a:fld>
             <a:endParaRPr lang="en-US"/>
           </a:p>
@@ -2128,7 +2223,7 @@
             <a:fld id="{C3F416CD-67A3-4CF0-A210-F6AF31AC147F}" type="datetimeFigureOut">
               <a:rPr lang="en-US" smtClean="0"/>
               <a:pPr/>
-              <a:t>5/26/2010</a:t>
+              <a:t>5/27/2010</a:t>
             </a:fld>
             <a:endParaRPr lang="en-US"/>
           </a:p>
@@ -2308,7 +2403,7 @@
             <a:fld id="{C3F416CD-67A3-4CF0-A210-F6AF31AC147F}" type="datetimeFigureOut">
               <a:rPr lang="en-US" smtClean="0"/>
               <a:pPr/>
-              <a:t>5/26/2010</a:t>
+              <a:t>5/27/2010</a:t>
             </a:fld>
             <a:endParaRPr lang="en-US"/>
           </a:p>
@@ -2485,7 +2580,7 @@
             <a:fld id="{C3F416CD-67A3-4CF0-A210-F6AF31AC147F}" type="datetimeFigureOut">
               <a:rPr lang="en-US" smtClean="0"/>
               <a:pPr/>
-              <a:t>5/26/2010</a:t>
+              <a:t>5/27/2010</a:t>
             </a:fld>
             <a:endParaRPr lang="en-US"/>
           </a:p>
@@ -2652,7 +2747,7 @@
             <a:fld id="{C3F416CD-67A3-4CF0-A210-F6AF31AC147F}" type="datetimeFigureOut">
               <a:rPr lang="en-US" smtClean="0"/>
               <a:pPr/>
-              <a:t>5/26/2010</a:t>
+              <a:t>5/27/2010</a:t>
             </a:fld>
             <a:endParaRPr lang="en-US"/>
           </a:p>
@@ -2865,7 +2960,7 @@
             <a:fld id="{C3F416CD-67A3-4CF0-A210-F6AF31AC147F}" type="datetimeFigureOut">
               <a:rPr lang="en-US" smtClean="0"/>
               <a:pPr/>
-              <a:t>5/26/2010</a:t>
+              <a:t>5/27/2010</a:t>
             </a:fld>
             <a:endParaRPr lang="en-US"/>
           </a:p>
@@ -3150,7 +3245,7 @@
             <a:fld id="{C3F416CD-67A3-4CF0-A210-F6AF31AC147F}" type="datetimeFigureOut">
               <a:rPr lang="en-US" smtClean="0"/>
               <a:pPr/>
-              <a:t>5/26/2010</a:t>
+              <a:t>5/27/2010</a:t>
             </a:fld>
             <a:endParaRPr lang="en-US"/>
           </a:p>
@@ -3582,7 +3677,7 @@
             <a:fld id="{C3F416CD-67A3-4CF0-A210-F6AF31AC147F}" type="datetimeFigureOut">
               <a:rPr lang="en-US" smtClean="0"/>
               <a:pPr algn="l" eaLnBrk="1" latinLnBrk="0" hangingPunct="1"/>
-              <a:t>5/26/2010</a:t>
+              <a:t>5/27/2010</a:t>
             </a:fld>
             <a:endParaRPr lang="en-US"/>
           </a:p>
@@ -3702,7 +3797,7 @@
             <a:fld id="{C3F416CD-67A3-4CF0-A210-F6AF31AC147F}" type="datetimeFigureOut">
               <a:rPr lang="en-US" smtClean="0"/>
               <a:pPr/>
-              <a:t>5/26/2010</a:t>
+              <a:t>5/27/2010</a:t>
             </a:fld>
             <a:endParaRPr lang="en-US"/>
           </a:p>
@@ -3794,7 +3889,7 @@
             <a:fld id="{C3F416CD-67A3-4CF0-A210-F6AF31AC147F}" type="datetimeFigureOut">
               <a:rPr lang="en-US" smtClean="0"/>
               <a:pPr/>
-              <a:t>5/26/2010</a:t>
+              <a:t>5/27/2010</a:t>
             </a:fld>
             <a:endParaRPr lang="en-US"/>
           </a:p>
@@ -4085,7 +4180,7 @@
             <a:fld id="{C3F416CD-67A3-4CF0-A210-F6AF31AC147F}" type="datetimeFigureOut">
               <a:rPr lang="en-US" smtClean="0"/>
               <a:pPr/>
-              <a:t>5/26/2010</a:t>
+              <a:t>5/27/2010</a:t>
             </a:fld>
             <a:endParaRPr lang="en-US"/>
           </a:p>
@@ -4412,7 +4507,7 @@
             <a:fld id="{C3F416CD-67A3-4CF0-A210-F6AF31AC147F}" type="datetimeFigureOut">
               <a:rPr lang="en-US" smtClean="0"/>
               <a:pPr/>
-              <a:t>5/26/2010</a:t>
+              <a:t>5/27/2010</a:t>
             </a:fld>
             <a:endParaRPr lang="en-US"/>
           </a:p>
@@ -4633,7 +4728,7 @@
             <a:fld id="{C3F416CD-67A3-4CF0-A210-F6AF31AC147F}" type="datetimeFigureOut">
               <a:rPr lang="en-US" smtClean="0"/>
               <a:pPr algn="l" eaLnBrk="1" latinLnBrk="0" hangingPunct="1"/>
-              <a:t>5/26/2010</a:t>
+              <a:t>5/27/2010</a:t>
             </a:fld>
             <a:endParaRPr lang="en-US" sz="800" dirty="0">
               <a:solidFill>
@@ -6575,7 +6670,7 @@
             </a:pPr>
             <a:r>
               <a:rPr lang="en-US" sz="4400" b="1" dirty="0" smtClean="0"/>
-              <a:t>Our tests are documentation of what our code does</a:t>
+              <a:t>We couldn’t cheat and not write the tests</a:t>
             </a:r>
             <a:endParaRPr lang="en-US" sz="4400" b="1" dirty="0"/>
           </a:p>
@@ -6597,6 +6692,89 @@
 </file>
 
 <file path=ppt/slides/slide22.xml><?xml version="1.0" encoding="utf-8"?>
+<p:sld xmlns:a="http://schemas.openxmlformats.org/drawingml/2006/main" xmlns:r="http://schemas.openxmlformats.org/officeDocument/2006/relationships" xmlns:p="http://schemas.openxmlformats.org/presentationml/2006/main">
+  <p:cSld>
+    <p:spTree>
+      <p:nvGrpSpPr>
+        <p:cNvPr id="1" name=""/>
+        <p:cNvGrpSpPr/>
+        <p:nvPr/>
+      </p:nvGrpSpPr>
+      <p:grpSpPr>
+        <a:xfrm>
+          <a:off x="0" y="0"/>
+          <a:ext cx="0" cy="0"/>
+          <a:chOff x="0" y="0"/>
+          <a:chExt cx="0" cy="0"/>
+        </a:xfrm>
+      </p:grpSpPr>
+      <p:sp>
+        <p:nvSpPr>
+          <p:cNvPr id="2" name="Title 1"/>
+          <p:cNvSpPr>
+            <a:spLocks noGrp="1"/>
+          </p:cNvSpPr>
+          <p:nvPr>
+            <p:ph type="title"/>
+          </p:nvPr>
+        </p:nvSpPr>
+        <p:spPr/>
+        <p:txBody>
+          <a:bodyPr/>
+          <a:lstStyle/>
+          <a:p>
+            <a:r>
+              <a:rPr lang="en-US" dirty="0" smtClean="0"/>
+              <a:t>Benefits of TDD</a:t>
+            </a:r>
+            <a:endParaRPr lang="en-US" dirty="0"/>
+          </a:p>
+        </p:txBody>
+      </p:sp>
+      <p:sp>
+        <p:nvSpPr>
+          <p:cNvPr id="3" name="Content Placeholder 2"/>
+          <p:cNvSpPr>
+            <a:spLocks noGrp="1"/>
+          </p:cNvSpPr>
+          <p:nvPr>
+            <p:ph idx="1"/>
+          </p:nvPr>
+        </p:nvSpPr>
+        <p:spPr/>
+        <p:txBody>
+          <a:bodyPr anchor="ctr">
+            <a:normAutofit/>
+          </a:bodyPr>
+          <a:lstStyle/>
+          <a:p>
+            <a:pPr algn="ctr">
+              <a:buNone/>
+            </a:pPr>
+            <a:r>
+              <a:rPr lang="en-US" sz="4400" b="1" dirty="0" smtClean="0"/>
+              <a:t>Our tests are documentation of what our code does</a:t>
+            </a:r>
+            <a:endParaRPr lang="en-US" sz="4400" b="1" dirty="0"/>
+          </a:p>
+        </p:txBody>
+      </p:sp>
+    </p:spTree>
+  </p:cSld>
+  <p:clrMapOvr>
+    <a:masterClrMapping/>
+  </p:clrMapOvr>
+  <p:timing>
+    <p:tnLst>
+      <p:par>
+        <p:cTn id="1" dur="indefinite" restart="never" nodeType="tmRoot"/>
+      </p:par>
+    </p:tnLst>
+  </p:timing>
+</p:sld>
+</file>
+
+<file path=ppt/slides/slide23.xml><?xml version="1.0" encoding="utf-8"?>
 <p:sld xmlns:a="http://schemas.openxmlformats.org/drawingml/2006/main" xmlns:r="http://schemas.openxmlformats.org/officeDocument/2006/relationships" xmlns:p="http://schemas.openxmlformats.org/presentationml/2006/main">
   <p:cSld>
     <p:spTree>
@@ -6848,7 +7026,7 @@
 </p:sld>
 </file>
 
-<file path=ppt/slides/slide23.xml><?xml version="1.0" encoding="utf-8"?>
+<file path=ppt/slides/slide24.xml><?xml version="1.0" encoding="utf-8"?>
 <p:sld xmlns:a="http://schemas.openxmlformats.org/drawingml/2006/main" xmlns:r="http://schemas.openxmlformats.org/officeDocument/2006/relationships" xmlns:p="http://schemas.openxmlformats.org/presentationml/2006/main">
   <p:cSld>
     <p:spTree>
@@ -6931,7 +7109,7 @@
 </p:sld>
 </file>
 
-<file path=ppt/slides/slide24.xml><?xml version="1.0" encoding="utf-8"?>
+<file path=ppt/slides/slide25.xml><?xml version="1.0" encoding="utf-8"?>
 <p:sld xmlns:a="http://schemas.openxmlformats.org/drawingml/2006/main" xmlns:r="http://schemas.openxmlformats.org/officeDocument/2006/relationships" xmlns:p="http://schemas.openxmlformats.org/presentationml/2006/main">
   <p:cSld>
     <p:spTree>
@@ -7250,89 +7428,6 @@
 </p:sld>
 </file>
 
-<file path=ppt/slides/slide25.xml><?xml version="1.0" encoding="utf-8"?>
-<p:sld xmlns:a="http://schemas.openxmlformats.org/drawingml/2006/main" xmlns:r="http://schemas.openxmlformats.org/officeDocument/2006/relationships" xmlns:p="http://schemas.openxmlformats.org/presentationml/2006/main">
-  <p:cSld>
-    <p:spTree>
-      <p:nvGrpSpPr>
-        <p:cNvPr id="1" name=""/>
-        <p:cNvGrpSpPr/>
-        <p:nvPr/>
-      </p:nvGrpSpPr>
-      <p:grpSpPr>
-        <a:xfrm>
-          <a:off x="0" y="0"/>
-          <a:ext cx="0" cy="0"/>
-          <a:chOff x="0" y="0"/>
-          <a:chExt cx="0" cy="0"/>
-        </a:xfrm>
-      </p:grpSpPr>
-      <p:sp>
-        <p:nvSpPr>
-          <p:cNvPr id="2" name="Title 1"/>
-          <p:cNvSpPr>
-            <a:spLocks noGrp="1"/>
-          </p:cNvSpPr>
-          <p:nvPr>
-            <p:ph type="title"/>
-          </p:nvPr>
-        </p:nvSpPr>
-        <p:spPr/>
-        <p:txBody>
-          <a:bodyPr/>
-          <a:lstStyle/>
-          <a:p>
-            <a:r>
-              <a:rPr lang="en-US" dirty="0" smtClean="0"/>
-              <a:t>Benefits of TDD</a:t>
-            </a:r>
-            <a:endParaRPr lang="en-US" dirty="0"/>
-          </a:p>
-        </p:txBody>
-      </p:sp>
-      <p:sp>
-        <p:nvSpPr>
-          <p:cNvPr id="3" name="Content Placeholder 2"/>
-          <p:cNvSpPr>
-            <a:spLocks noGrp="1"/>
-          </p:cNvSpPr>
-          <p:nvPr>
-            <p:ph idx="1"/>
-          </p:nvPr>
-        </p:nvSpPr>
-        <p:spPr/>
-        <p:txBody>
-          <a:bodyPr anchor="ctr">
-            <a:normAutofit/>
-          </a:bodyPr>
-          <a:lstStyle/>
-          <a:p>
-            <a:pPr algn="ctr">
-              <a:buNone/>
-            </a:pPr>
-            <a:r>
-              <a:rPr lang="en-US" sz="4400" b="1" dirty="0" smtClean="0"/>
-              <a:t>Peace of mind!</a:t>
-            </a:r>
-            <a:endParaRPr lang="en-US" sz="4400" b="1" dirty="0"/>
-          </a:p>
-        </p:txBody>
-      </p:sp>
-    </p:spTree>
-  </p:cSld>
-  <p:clrMapOvr>
-    <a:masterClrMapping/>
-  </p:clrMapOvr>
-  <p:timing>
-    <p:tnLst>
-      <p:par>
-        <p:cTn id="1" dur="indefinite" restart="never" nodeType="tmRoot"/>
-      </p:par>
-    </p:tnLst>
-  </p:timing>
-</p:sld>
-</file>
-
 <file path=ppt/slides/slide26.xml><?xml version="1.0" encoding="utf-8"?>
 <p:sld xmlns:a="http://schemas.openxmlformats.org/drawingml/2006/main" xmlns:r="http://schemas.openxmlformats.org/officeDocument/2006/relationships" xmlns:p="http://schemas.openxmlformats.org/presentationml/2006/main">
   <p:cSld>
@@ -7357,21 +7452,47 @@
             <a:spLocks noGrp="1"/>
           </p:cNvSpPr>
           <p:nvPr>
-            <p:ph type="ctrTitle"/>
-          </p:nvPr>
-        </p:nvSpPr>
-        <p:spPr/>
-        <p:txBody>
-          <a:bodyPr>
+            <p:ph type="title"/>
+          </p:nvPr>
+        </p:nvSpPr>
+        <p:spPr/>
+        <p:txBody>
+          <a:bodyPr/>
+          <a:lstStyle/>
+          <a:p>
+            <a:r>
+              <a:rPr lang="en-US" dirty="0" smtClean="0"/>
+              <a:t>Benefits of TDD</a:t>
+            </a:r>
+            <a:endParaRPr lang="en-US" dirty="0"/>
+          </a:p>
+        </p:txBody>
+      </p:sp>
+      <p:sp>
+        <p:nvSpPr>
+          <p:cNvPr id="3" name="Content Placeholder 2"/>
+          <p:cNvSpPr>
+            <a:spLocks noGrp="1"/>
+          </p:cNvSpPr>
+          <p:nvPr>
+            <p:ph idx="1"/>
+          </p:nvPr>
+        </p:nvSpPr>
+        <p:spPr/>
+        <p:txBody>
+          <a:bodyPr anchor="ctr">
             <a:normAutofit/>
           </a:bodyPr>
           <a:lstStyle/>
           <a:p>
-            <a:r>
-              <a:rPr lang="en-US" dirty="0" smtClean="0"/>
-              <a:t>A TDD Success Story</a:t>
-            </a:r>
-            <a:endParaRPr lang="en-US" dirty="0"/>
+            <a:pPr algn="ctr">
+              <a:buNone/>
+            </a:pPr>
+            <a:r>
+              <a:rPr lang="en-US" sz="4400" b="1" dirty="0" smtClean="0"/>
+              <a:t>Peace of mind!</a:t>
+            </a:r>
+            <a:endParaRPr lang="en-US" sz="4400" b="1" dirty="0"/>
           </a:p>
         </p:txBody>
       </p:sp>
@@ -7414,6 +7535,63 @@
             <a:spLocks noGrp="1"/>
           </p:cNvSpPr>
           <p:nvPr>
+            <p:ph type="ctrTitle"/>
+          </p:nvPr>
+        </p:nvSpPr>
+        <p:spPr/>
+        <p:txBody>
+          <a:bodyPr>
+            <a:normAutofit/>
+          </a:bodyPr>
+          <a:lstStyle/>
+          <a:p>
+            <a:r>
+              <a:rPr lang="en-US" dirty="0" smtClean="0"/>
+              <a:t>A TDD Success Story</a:t>
+            </a:r>
+            <a:endParaRPr lang="en-US" dirty="0"/>
+          </a:p>
+        </p:txBody>
+      </p:sp>
+    </p:spTree>
+  </p:cSld>
+  <p:clrMapOvr>
+    <a:masterClrMapping/>
+  </p:clrMapOvr>
+  <p:timing>
+    <p:tnLst>
+      <p:par>
+        <p:cTn id="1" dur="indefinite" restart="never" nodeType="tmRoot"/>
+      </p:par>
+    </p:tnLst>
+  </p:timing>
+</p:sld>
+</file>
+
+<file path=ppt/slides/slide28.xml><?xml version="1.0" encoding="utf-8"?>
+<p:sld xmlns:a="http://schemas.openxmlformats.org/drawingml/2006/main" xmlns:r="http://schemas.openxmlformats.org/officeDocument/2006/relationships" xmlns:p="http://schemas.openxmlformats.org/presentationml/2006/main">
+  <p:cSld>
+    <p:spTree>
+      <p:nvGrpSpPr>
+        <p:cNvPr id="1" name=""/>
+        <p:cNvGrpSpPr/>
+        <p:nvPr/>
+      </p:nvGrpSpPr>
+      <p:grpSpPr>
+        <a:xfrm>
+          <a:off x="0" y="0"/>
+          <a:ext cx="0" cy="0"/>
+          <a:chOff x="0" y="0"/>
+          <a:chExt cx="0" cy="0"/>
+        </a:xfrm>
+      </p:grpSpPr>
+      <p:sp>
+        <p:nvSpPr>
+          <p:cNvPr id="2" name="Title 1"/>
+          <p:cNvSpPr>
+            <a:spLocks noGrp="1"/>
+          </p:cNvSpPr>
+          <p:nvPr>
             <p:ph type="title"/>
           </p:nvPr>
         </p:nvSpPr>
@@ -7526,7 +7704,7 @@
 </p:sld>
 </file>
 
-<file path=ppt/slides/slide28.xml><?xml version="1.0" encoding="utf-8"?>
+<file path=ppt/slides/slide29.xml><?xml version="1.0" encoding="utf-8"?>
 <p:sld xmlns:a="http://schemas.openxmlformats.org/drawingml/2006/main" xmlns:r="http://schemas.openxmlformats.org/officeDocument/2006/relationships" xmlns:p="http://schemas.openxmlformats.org/presentationml/2006/main">
   <p:cSld>
     <p:spTree>
@@ -7646,7 +7824,281 @@
 </p:sld>
 </file>
 
-<file path=ppt/slides/slide29.xml><?xml version="1.0" encoding="utf-8"?>
+<file path=ppt/slides/slide3.xml><?xml version="1.0" encoding="utf-8"?>
+<p:sld xmlns:a="http://schemas.openxmlformats.org/drawingml/2006/main" xmlns:r="http://schemas.openxmlformats.org/officeDocument/2006/relationships" xmlns:p="http://schemas.openxmlformats.org/presentationml/2006/main">
+  <p:cSld>
+    <p:spTree>
+      <p:nvGrpSpPr>
+        <p:cNvPr id="1" name=""/>
+        <p:cNvGrpSpPr/>
+        <p:nvPr/>
+      </p:nvGrpSpPr>
+      <p:grpSpPr>
+        <a:xfrm>
+          <a:off x="0" y="0"/>
+          <a:ext cx="0" cy="0"/>
+          <a:chOff x="0" y="0"/>
+          <a:chExt cx="0" cy="0"/>
+        </a:xfrm>
+      </p:grpSpPr>
+      <p:sp>
+        <p:nvSpPr>
+          <p:cNvPr id="2" name="Title 1"/>
+          <p:cNvSpPr>
+            <a:spLocks noGrp="1"/>
+          </p:cNvSpPr>
+          <p:nvPr>
+            <p:ph type="title"/>
+          </p:nvPr>
+        </p:nvSpPr>
+        <p:spPr/>
+        <p:txBody>
+          <a:bodyPr/>
+          <a:lstStyle/>
+          <a:p>
+            <a:r>
+              <a:rPr lang="en-US" dirty="0" smtClean="0"/>
+              <a:t>Example of a unit test</a:t>
+            </a:r>
+            <a:endParaRPr lang="en-US" dirty="0"/>
+          </a:p>
+        </p:txBody>
+      </p:sp>
+      <p:sp>
+        <p:nvSpPr>
+          <p:cNvPr id="3" name="Content Placeholder 2"/>
+          <p:cNvSpPr>
+            <a:spLocks noGrp="1"/>
+          </p:cNvSpPr>
+          <p:nvPr>
+            <p:ph idx="1"/>
+          </p:nvPr>
+        </p:nvSpPr>
+        <p:spPr>
+          <a:xfrm>
+            <a:off x="457200" y="1600200"/>
+            <a:ext cx="8229600" cy="3505200"/>
+          </a:xfrm>
+          <a:solidFill>
+            <a:schemeClr val="bg1">
+              <a:lumMod val="85000"/>
+            </a:schemeClr>
+          </a:solidFill>
+        </p:spPr>
+        <p:txBody>
+          <a:bodyPr>
+            <a:noAutofit/>
+          </a:bodyPr>
+          <a:lstStyle/>
+          <a:p>
+            <a:pPr>
+              <a:buNone/>
+            </a:pPr>
+            <a:r>
+              <a:rPr lang="en-US" sz="2200" b="1" dirty="0" smtClean="0">
+                <a:latin typeface="Courier New" pitchFamily="49" charset="0"/>
+                <a:cs typeface="Courier New" pitchFamily="49" charset="0"/>
+              </a:rPr>
+              <a:t>[</a:t>
+            </a:r>
+            <a:r>
+              <a:rPr lang="en-US" sz="2200" b="1" dirty="0" err="1" smtClean="0">
+                <a:latin typeface="Courier New" pitchFamily="49" charset="0"/>
+                <a:cs typeface="Courier New" pitchFamily="49" charset="0"/>
+              </a:rPr>
+              <a:t>TestFixture</a:t>
+            </a:r>
+            <a:r>
+              <a:rPr lang="en-US" sz="2200" b="1" dirty="0" smtClean="0">
+                <a:latin typeface="Courier New" pitchFamily="49" charset="0"/>
+                <a:cs typeface="Courier New" pitchFamily="49" charset="0"/>
+              </a:rPr>
+              <a:t>]</a:t>
+            </a:r>
+          </a:p>
+          <a:p>
+            <a:pPr>
+              <a:buNone/>
+            </a:pPr>
+            <a:r>
+              <a:rPr lang="en-US" sz="2200" b="1" dirty="0" smtClean="0">
+                <a:latin typeface="Courier New" pitchFamily="49" charset="0"/>
+                <a:cs typeface="Courier New" pitchFamily="49" charset="0"/>
+              </a:rPr>
+              <a:t>public class </a:t>
+            </a:r>
+            <a:r>
+              <a:rPr lang="en-US" sz="2200" b="1" dirty="0" err="1" smtClean="0">
+                <a:latin typeface="Courier New" pitchFamily="49" charset="0"/>
+                <a:cs typeface="Courier New" pitchFamily="49" charset="0"/>
+              </a:rPr>
+              <a:t>When_using_the_calculator</a:t>
+            </a:r>
+            <a:endParaRPr lang="en-US" sz="2200" b="1" dirty="0" smtClean="0">
+              <a:latin typeface="Courier New" pitchFamily="49" charset="0"/>
+              <a:cs typeface="Courier New" pitchFamily="49" charset="0"/>
+            </a:endParaRPr>
+          </a:p>
+          <a:p>
+            <a:pPr>
+              <a:buNone/>
+            </a:pPr>
+            <a:r>
+              <a:rPr lang="en-US" sz="2200" b="1" dirty="0" smtClean="0">
+                <a:latin typeface="Courier New" pitchFamily="49" charset="0"/>
+                <a:cs typeface="Courier New" pitchFamily="49" charset="0"/>
+              </a:rPr>
+              <a:t>{</a:t>
+            </a:r>
+          </a:p>
+          <a:p>
+            <a:pPr>
+              <a:buNone/>
+            </a:pPr>
+            <a:r>
+              <a:rPr lang="en-US" sz="2200" b="1" dirty="0" smtClean="0">
+                <a:latin typeface="Courier New" pitchFamily="49" charset="0"/>
+                <a:cs typeface="Courier New" pitchFamily="49" charset="0"/>
+              </a:rPr>
+              <a:t>    [Test]</a:t>
+            </a:r>
+          </a:p>
+          <a:p>
+            <a:pPr>
+              <a:buNone/>
+            </a:pPr>
+            <a:r>
+              <a:rPr lang="en-US" sz="2200" b="1" dirty="0" smtClean="0">
+                <a:latin typeface="Courier New" pitchFamily="49" charset="0"/>
+                <a:cs typeface="Courier New" pitchFamily="49" charset="0"/>
+              </a:rPr>
+              <a:t>    public void </a:t>
+            </a:r>
+            <a:r>
+              <a:rPr lang="en-US" sz="2200" b="1" dirty="0" err="1" smtClean="0">
+                <a:latin typeface="Courier New" pitchFamily="49" charset="0"/>
+                <a:cs typeface="Courier New" pitchFamily="49" charset="0"/>
+              </a:rPr>
+              <a:t>Should_add_two_numbers</a:t>
+            </a:r>
+            <a:r>
+              <a:rPr lang="en-US" sz="2200" b="1" dirty="0" smtClean="0">
+                <a:latin typeface="Courier New" pitchFamily="49" charset="0"/>
+                <a:cs typeface="Courier New" pitchFamily="49" charset="0"/>
+              </a:rPr>
+              <a:t>()</a:t>
+            </a:r>
+          </a:p>
+          <a:p>
+            <a:pPr>
+              <a:buNone/>
+            </a:pPr>
+            <a:r>
+              <a:rPr lang="en-US" sz="2200" b="1" dirty="0" smtClean="0">
+                <a:latin typeface="Courier New" pitchFamily="49" charset="0"/>
+                <a:cs typeface="Courier New" pitchFamily="49" charset="0"/>
+              </a:rPr>
+              <a:t>    {</a:t>
+            </a:r>
+          </a:p>
+          <a:p>
+            <a:pPr>
+              <a:buNone/>
+            </a:pPr>
+            <a:r>
+              <a:rPr lang="en-US" sz="2200" b="1" dirty="0" smtClean="0">
+                <a:latin typeface="Courier New" pitchFamily="49" charset="0"/>
+                <a:cs typeface="Courier New" pitchFamily="49" charset="0"/>
+              </a:rPr>
+              <a:t>        </a:t>
+            </a:r>
+            <a:r>
+              <a:rPr lang="en-US" sz="2200" b="1" dirty="0" err="1" smtClean="0">
+                <a:latin typeface="Courier New" pitchFamily="49" charset="0"/>
+                <a:cs typeface="Courier New" pitchFamily="49" charset="0"/>
+              </a:rPr>
+              <a:t>int</a:t>
+            </a:r>
+            <a:r>
+              <a:rPr lang="en-US" sz="2200" b="1" dirty="0" smtClean="0">
+                <a:latin typeface="Courier New" pitchFamily="49" charset="0"/>
+                <a:cs typeface="Courier New" pitchFamily="49" charset="0"/>
+              </a:rPr>
+              <a:t> result = new Calculator().Add(2, 3);</a:t>
+            </a:r>
+          </a:p>
+          <a:p>
+            <a:pPr>
+              <a:buNone/>
+            </a:pPr>
+            <a:r>
+              <a:rPr lang="en-US" sz="2200" b="1" dirty="0" smtClean="0">
+                <a:latin typeface="Courier New" pitchFamily="49" charset="0"/>
+                <a:cs typeface="Courier New" pitchFamily="49" charset="0"/>
+              </a:rPr>
+              <a:t>        </a:t>
+            </a:r>
+            <a:r>
+              <a:rPr lang="en-US" sz="2200" b="1" dirty="0" err="1" smtClean="0">
+                <a:latin typeface="Courier New" pitchFamily="49" charset="0"/>
+                <a:cs typeface="Courier New" pitchFamily="49" charset="0"/>
+              </a:rPr>
+              <a:t>result.ShouldEqual</a:t>
+            </a:r>
+            <a:r>
+              <a:rPr lang="en-US" sz="2200" b="1" dirty="0" smtClean="0">
+                <a:latin typeface="Courier New" pitchFamily="49" charset="0"/>
+                <a:cs typeface="Courier New" pitchFamily="49" charset="0"/>
+              </a:rPr>
+              <a:t>(5);</a:t>
+            </a:r>
+          </a:p>
+          <a:p>
+            <a:pPr>
+              <a:buNone/>
+            </a:pPr>
+            <a:r>
+              <a:rPr lang="en-US" sz="2200" b="1" dirty="0" smtClean="0">
+                <a:latin typeface="Courier New" pitchFamily="49" charset="0"/>
+                <a:cs typeface="Courier New" pitchFamily="49" charset="0"/>
+              </a:rPr>
+              <a:t>    }</a:t>
+            </a:r>
+          </a:p>
+          <a:p>
+            <a:pPr>
+              <a:buNone/>
+            </a:pPr>
+            <a:r>
+              <a:rPr lang="en-US" sz="2200" b="1" dirty="0" smtClean="0">
+                <a:latin typeface="Courier New" pitchFamily="49" charset="0"/>
+                <a:cs typeface="Courier New" pitchFamily="49" charset="0"/>
+              </a:rPr>
+              <a:t>}</a:t>
+            </a:r>
+            <a:endParaRPr lang="en-US" sz="2200" b="1" dirty="0">
+              <a:latin typeface="Courier New" pitchFamily="49" charset="0"/>
+              <a:cs typeface="Courier New" pitchFamily="49" charset="0"/>
+            </a:endParaRPr>
+          </a:p>
+        </p:txBody>
+      </p:sp>
+    </p:spTree>
+  </p:cSld>
+  <p:clrMapOvr>
+    <a:masterClrMapping/>
+  </p:clrMapOvr>
+  <p:timing>
+    <p:tnLst>
+      <p:par>
+        <p:cTn id="1" dur="indefinite" restart="never" nodeType="tmRoot"/>
+      </p:par>
+    </p:tnLst>
+  </p:timing>
+</p:sld>
+</file>
+
+<file path=ppt/slides/slide30.xml><?xml version="1.0" encoding="utf-8"?>
 <p:sld xmlns:a="http://schemas.openxmlformats.org/drawingml/2006/main" xmlns:r="http://schemas.openxmlformats.org/officeDocument/2006/relationships" xmlns:p="http://schemas.openxmlformats.org/presentationml/2006/main">
   <p:cSld>
     <p:spTree>
@@ -8416,360 +8868,6 @@
 </p:sld>
 </file>
 
-<file path=ppt/slides/slide3.xml><?xml version="1.0" encoding="utf-8"?>
-<p:sld xmlns:a="http://schemas.openxmlformats.org/drawingml/2006/main" xmlns:r="http://schemas.openxmlformats.org/officeDocument/2006/relationships" xmlns:p="http://schemas.openxmlformats.org/presentationml/2006/main">
-  <p:cSld>
-    <p:spTree>
-      <p:nvGrpSpPr>
-        <p:cNvPr id="1" name=""/>
-        <p:cNvGrpSpPr/>
-        <p:nvPr/>
-      </p:nvGrpSpPr>
-      <p:grpSpPr>
-        <a:xfrm>
-          <a:off x="0" y="0"/>
-          <a:ext cx="0" cy="0"/>
-          <a:chOff x="0" y="0"/>
-          <a:chExt cx="0" cy="0"/>
-        </a:xfrm>
-      </p:grpSpPr>
-      <p:sp>
-        <p:nvSpPr>
-          <p:cNvPr id="2" name="Title 1"/>
-          <p:cNvSpPr>
-            <a:spLocks noGrp="1"/>
-          </p:cNvSpPr>
-          <p:nvPr>
-            <p:ph type="title"/>
-          </p:nvPr>
-        </p:nvSpPr>
-        <p:spPr/>
-        <p:txBody>
-          <a:bodyPr/>
-          <a:lstStyle/>
-          <a:p>
-            <a:r>
-              <a:rPr lang="en-US" dirty="0" smtClean="0"/>
-              <a:t>Example of a unit test</a:t>
-            </a:r>
-            <a:endParaRPr lang="en-US" dirty="0"/>
-          </a:p>
-        </p:txBody>
-      </p:sp>
-      <p:sp>
-        <p:nvSpPr>
-          <p:cNvPr id="3" name="Content Placeholder 2"/>
-          <p:cNvSpPr>
-            <a:spLocks noGrp="1"/>
-          </p:cNvSpPr>
-          <p:nvPr>
-            <p:ph idx="1"/>
-          </p:nvPr>
-        </p:nvSpPr>
-        <p:spPr>
-          <a:xfrm>
-            <a:off x="457200" y="1600200"/>
-            <a:ext cx="8229600" cy="3505200"/>
-          </a:xfrm>
-          <a:solidFill>
-            <a:schemeClr val="bg1">
-              <a:lumMod val="85000"/>
-            </a:schemeClr>
-          </a:solidFill>
-        </p:spPr>
-        <p:txBody>
-          <a:bodyPr>
-            <a:noAutofit/>
-          </a:bodyPr>
-          <a:lstStyle/>
-          <a:p>
-            <a:pPr>
-              <a:buNone/>
-            </a:pPr>
-            <a:r>
-              <a:rPr lang="en-US" sz="2200" b="1" dirty="0" smtClean="0">
-                <a:latin typeface="Courier New" pitchFamily="49" charset="0"/>
-                <a:cs typeface="Courier New" pitchFamily="49" charset="0"/>
-              </a:rPr>
-              <a:t>[</a:t>
-            </a:r>
-            <a:r>
-              <a:rPr lang="en-US" sz="2200" b="1" dirty="0" err="1" smtClean="0">
-                <a:latin typeface="Courier New" pitchFamily="49" charset="0"/>
-                <a:cs typeface="Courier New" pitchFamily="49" charset="0"/>
-              </a:rPr>
-              <a:t>TestFixture</a:t>
-            </a:r>
-            <a:r>
-              <a:rPr lang="en-US" sz="2200" b="1" dirty="0" smtClean="0">
-                <a:latin typeface="Courier New" pitchFamily="49" charset="0"/>
-                <a:cs typeface="Courier New" pitchFamily="49" charset="0"/>
-              </a:rPr>
-              <a:t>]</a:t>
-            </a:r>
-          </a:p>
-          <a:p>
-            <a:pPr>
-              <a:buNone/>
-            </a:pPr>
-            <a:r>
-              <a:rPr lang="en-US" sz="2200" b="1" dirty="0" smtClean="0">
-                <a:latin typeface="Courier New" pitchFamily="49" charset="0"/>
-                <a:cs typeface="Courier New" pitchFamily="49" charset="0"/>
-              </a:rPr>
-              <a:t>public class </a:t>
-            </a:r>
-            <a:r>
-              <a:rPr lang="en-US" sz="2200" b="1" dirty="0" err="1" smtClean="0">
-                <a:latin typeface="Courier New" pitchFamily="49" charset="0"/>
-                <a:cs typeface="Courier New" pitchFamily="49" charset="0"/>
-              </a:rPr>
-              <a:t>When_using_the_calculator</a:t>
-            </a:r>
-            <a:endParaRPr lang="en-US" sz="2200" b="1" dirty="0" smtClean="0">
-              <a:latin typeface="Courier New" pitchFamily="49" charset="0"/>
-              <a:cs typeface="Courier New" pitchFamily="49" charset="0"/>
-            </a:endParaRPr>
-          </a:p>
-          <a:p>
-            <a:pPr>
-              <a:buNone/>
-            </a:pPr>
-            <a:r>
-              <a:rPr lang="en-US" sz="2200" b="1" dirty="0" smtClean="0">
-                <a:latin typeface="Courier New" pitchFamily="49" charset="0"/>
-                <a:cs typeface="Courier New" pitchFamily="49" charset="0"/>
-              </a:rPr>
-              <a:t>{</a:t>
-            </a:r>
-          </a:p>
-          <a:p>
-            <a:pPr>
-              <a:buNone/>
-            </a:pPr>
-            <a:r>
-              <a:rPr lang="en-US" sz="2200" b="1" dirty="0" smtClean="0">
-                <a:latin typeface="Courier New" pitchFamily="49" charset="0"/>
-                <a:cs typeface="Courier New" pitchFamily="49" charset="0"/>
-              </a:rPr>
-              <a:t>    [Test]</a:t>
-            </a:r>
-          </a:p>
-          <a:p>
-            <a:pPr>
-              <a:buNone/>
-            </a:pPr>
-            <a:r>
-              <a:rPr lang="en-US" sz="2200" b="1" dirty="0" smtClean="0">
-                <a:latin typeface="Courier New" pitchFamily="49" charset="0"/>
-                <a:cs typeface="Courier New" pitchFamily="49" charset="0"/>
-              </a:rPr>
-              <a:t>    public void </a:t>
-            </a:r>
-            <a:r>
-              <a:rPr lang="en-US" sz="2200" b="1" dirty="0" err="1" smtClean="0">
-                <a:latin typeface="Courier New" pitchFamily="49" charset="0"/>
-                <a:cs typeface="Courier New" pitchFamily="49" charset="0"/>
-              </a:rPr>
-              <a:t>Should_add_two_numbers</a:t>
-            </a:r>
-            <a:r>
-              <a:rPr lang="en-US" sz="2200" b="1" dirty="0" smtClean="0">
-                <a:latin typeface="Courier New" pitchFamily="49" charset="0"/>
-                <a:cs typeface="Courier New" pitchFamily="49" charset="0"/>
-              </a:rPr>
-              <a:t>()</a:t>
-            </a:r>
-          </a:p>
-          <a:p>
-            <a:pPr>
-              <a:buNone/>
-            </a:pPr>
-            <a:r>
-              <a:rPr lang="en-US" sz="2200" b="1" dirty="0" smtClean="0">
-                <a:latin typeface="Courier New" pitchFamily="49" charset="0"/>
-                <a:cs typeface="Courier New" pitchFamily="49" charset="0"/>
-              </a:rPr>
-              <a:t>    {</a:t>
-            </a:r>
-          </a:p>
-          <a:p>
-            <a:pPr>
-              <a:buNone/>
-            </a:pPr>
-            <a:r>
-              <a:rPr lang="en-US" sz="2200" b="1" dirty="0" smtClean="0">
-                <a:latin typeface="Courier New" pitchFamily="49" charset="0"/>
-                <a:cs typeface="Courier New" pitchFamily="49" charset="0"/>
-              </a:rPr>
-              <a:t>        </a:t>
-            </a:r>
-            <a:r>
-              <a:rPr lang="en-US" sz="2200" b="1" dirty="0" err="1" smtClean="0">
-                <a:latin typeface="Courier New" pitchFamily="49" charset="0"/>
-                <a:cs typeface="Courier New" pitchFamily="49" charset="0"/>
-              </a:rPr>
-              <a:t>int</a:t>
-            </a:r>
-            <a:r>
-              <a:rPr lang="en-US" sz="2200" b="1" dirty="0" smtClean="0">
-                <a:latin typeface="Courier New" pitchFamily="49" charset="0"/>
-                <a:cs typeface="Courier New" pitchFamily="49" charset="0"/>
-              </a:rPr>
-              <a:t> result = new Calculator().Add(2, 3);</a:t>
-            </a:r>
-          </a:p>
-          <a:p>
-            <a:pPr>
-              <a:buNone/>
-            </a:pPr>
-            <a:r>
-              <a:rPr lang="en-US" sz="2200" b="1" dirty="0" smtClean="0">
-                <a:latin typeface="Courier New" pitchFamily="49" charset="0"/>
-                <a:cs typeface="Courier New" pitchFamily="49" charset="0"/>
-              </a:rPr>
-              <a:t>        </a:t>
-            </a:r>
-            <a:r>
-              <a:rPr lang="en-US" sz="2200" b="1" dirty="0" err="1" smtClean="0">
-                <a:latin typeface="Courier New" pitchFamily="49" charset="0"/>
-                <a:cs typeface="Courier New" pitchFamily="49" charset="0"/>
-              </a:rPr>
-              <a:t>result.ShouldEqual</a:t>
-            </a:r>
-            <a:r>
-              <a:rPr lang="en-US" sz="2200" b="1" dirty="0" smtClean="0">
-                <a:latin typeface="Courier New" pitchFamily="49" charset="0"/>
-                <a:cs typeface="Courier New" pitchFamily="49" charset="0"/>
-              </a:rPr>
-              <a:t>(5);</a:t>
-            </a:r>
-          </a:p>
-          <a:p>
-            <a:pPr>
-              <a:buNone/>
-            </a:pPr>
-            <a:r>
-              <a:rPr lang="en-US" sz="2200" b="1" dirty="0" smtClean="0">
-                <a:latin typeface="Courier New" pitchFamily="49" charset="0"/>
-                <a:cs typeface="Courier New" pitchFamily="49" charset="0"/>
-              </a:rPr>
-              <a:t>    }</a:t>
-            </a:r>
-          </a:p>
-          <a:p>
-            <a:pPr>
-              <a:buNone/>
-            </a:pPr>
-            <a:r>
-              <a:rPr lang="en-US" sz="2200" b="1" dirty="0" smtClean="0">
-                <a:latin typeface="Courier New" pitchFamily="49" charset="0"/>
-                <a:cs typeface="Courier New" pitchFamily="49" charset="0"/>
-              </a:rPr>
-              <a:t>}</a:t>
-            </a:r>
-            <a:endParaRPr lang="en-US" sz="2200" b="1" dirty="0">
-              <a:latin typeface="Courier New" pitchFamily="49" charset="0"/>
-              <a:cs typeface="Courier New" pitchFamily="49" charset="0"/>
-            </a:endParaRPr>
-          </a:p>
-        </p:txBody>
-      </p:sp>
-    </p:spTree>
-  </p:cSld>
-  <p:clrMapOvr>
-    <a:masterClrMapping/>
-  </p:clrMapOvr>
-  <p:timing>
-    <p:tnLst>
-      <p:par>
-        <p:cTn id="1" dur="indefinite" restart="never" nodeType="tmRoot"/>
-      </p:par>
-    </p:tnLst>
-  </p:timing>
-</p:sld>
-</file>
-
-<file path=ppt/slides/slide30.xml><?xml version="1.0" encoding="utf-8"?>
-<p:sld xmlns:a="http://schemas.openxmlformats.org/drawingml/2006/main" xmlns:r="http://schemas.openxmlformats.org/officeDocument/2006/relationships" xmlns:p="http://schemas.openxmlformats.org/presentationml/2006/main">
-  <p:cSld>
-    <p:spTree>
-      <p:nvGrpSpPr>
-        <p:cNvPr id="1" name=""/>
-        <p:cNvGrpSpPr/>
-        <p:nvPr/>
-      </p:nvGrpSpPr>
-      <p:grpSpPr>
-        <a:xfrm>
-          <a:off x="0" y="0"/>
-          <a:ext cx="0" cy="0"/>
-          <a:chOff x="0" y="0"/>
-          <a:chExt cx="0" cy="0"/>
-        </a:xfrm>
-      </p:grpSpPr>
-      <p:sp>
-        <p:nvSpPr>
-          <p:cNvPr id="3" name="Content Placeholder 2"/>
-          <p:cNvSpPr>
-            <a:spLocks noGrp="1"/>
-          </p:cNvSpPr>
-          <p:nvPr>
-            <p:ph idx="1"/>
-          </p:nvPr>
-        </p:nvSpPr>
-        <p:spPr>
-          <a:xfrm>
-            <a:off x="457200" y="2209800"/>
-            <a:ext cx="8229600" cy="3916363"/>
-          </a:xfrm>
-        </p:spPr>
-        <p:txBody>
-          <a:bodyPr>
-            <a:normAutofit/>
-          </a:bodyPr>
-          <a:lstStyle/>
-          <a:p>
-            <a:pPr>
-              <a:buNone/>
-            </a:pPr>
-            <a:r>
-              <a:rPr lang="en-US" sz="5400" dirty="0" smtClean="0"/>
-              <a:t>“If I don't need to make it work, I can go a lot faster.”</a:t>
-            </a:r>
-          </a:p>
-          <a:p>
-            <a:pPr>
-              <a:buNone/>
-            </a:pPr>
-            <a:endParaRPr lang="en-US" sz="3000" dirty="0" smtClean="0"/>
-          </a:p>
-          <a:p>
-            <a:pPr algn="r">
-              <a:buNone/>
-            </a:pPr>
-            <a:r>
-              <a:rPr lang="en-US" sz="3000" dirty="0" smtClean="0"/>
-              <a:t>-- Kent Beck</a:t>
-            </a:r>
-            <a:endParaRPr lang="en-US" sz="3000" dirty="0"/>
-          </a:p>
-        </p:txBody>
-      </p:sp>
-    </p:spTree>
-  </p:cSld>
-  <p:clrMapOvr>
-    <a:masterClrMapping/>
-  </p:clrMapOvr>
-  <p:timing>
-    <p:tnLst>
-      <p:par>
-        <p:cTn id="1" dur="indefinite" restart="never" nodeType="tmRoot"/>
-      </p:par>
-    </p:tnLst>
-  </p:timing>
-</p:sld>
-</file>
-
 <file path=ppt/slides/slide31.xml><?xml version="1.0" encoding="utf-8"?>
 <p:sld xmlns:a="http://schemas.openxmlformats.org/drawingml/2006/main" xmlns:r="http://schemas.openxmlformats.org/officeDocument/2006/relationships" xmlns:p="http://schemas.openxmlformats.org/presentationml/2006/main">
   <p:cSld>
@@ -8789,26 +8887,49 @@
       </p:grpSpPr>
       <p:sp>
         <p:nvSpPr>
-          <p:cNvPr id="2" name="Title 1"/>
-          <p:cNvSpPr>
-            <a:spLocks noGrp="1"/>
-          </p:cNvSpPr>
-          <p:nvPr>
-            <p:ph type="ctrTitle"/>
-          </p:nvPr>
-        </p:nvSpPr>
-        <p:spPr/>
+          <p:cNvPr id="3" name="Content Placeholder 2"/>
+          <p:cNvSpPr>
+            <a:spLocks noGrp="1"/>
+          </p:cNvSpPr>
+          <p:nvPr>
+            <p:ph idx="1"/>
+          </p:nvPr>
+        </p:nvSpPr>
+        <p:spPr>
+          <a:xfrm>
+            <a:off x="457200" y="2209800"/>
+            <a:ext cx="8229600" cy="3916363"/>
+          </a:xfrm>
+        </p:spPr>
         <p:txBody>
           <a:bodyPr>
             <a:normAutofit/>
           </a:bodyPr>
           <a:lstStyle/>
           <a:p>
-            <a:r>
-              <a:rPr lang="en-US" dirty="0" smtClean="0"/>
-              <a:t>This is my story</a:t>
-            </a:r>
-            <a:endParaRPr lang="en-US" dirty="0"/>
+            <a:pPr>
+              <a:buNone/>
+            </a:pPr>
+            <a:r>
+              <a:rPr lang="en-US" sz="5400" dirty="0" smtClean="0"/>
+              <a:t>“If I don't need to make it work, I can go a lot faster.”</a:t>
+            </a:r>
+          </a:p>
+          <a:p>
+            <a:pPr>
+              <a:buNone/>
+            </a:pPr>
+            <a:endParaRPr lang="en-US" sz="3000" dirty="0" smtClean="0"/>
+          </a:p>
+          <a:p>
+            <a:pPr algn="r">
+              <a:buNone/>
+            </a:pPr>
+            <a:r>
+              <a:rPr lang="en-US" sz="3000" dirty="0" smtClean="0"/>
+              <a:t>-- Kent Beck</a:t>
+            </a:r>
+            <a:endParaRPr lang="en-US" sz="3000" dirty="0"/>
           </a:p>
         </p:txBody>
       </p:sp>
@@ -8846,7 +8967,7 @@
       </p:grpSpPr>
       <p:sp>
         <p:nvSpPr>
-          <p:cNvPr id="4" name="Title 3"/>
+          <p:cNvPr id="2" name="Title 1"/>
           <p:cNvSpPr>
             <a:spLocks noGrp="1"/>
           </p:cNvSpPr>
@@ -8854,21 +8975,18 @@
             <p:ph type="ctrTitle"/>
           </p:nvPr>
         </p:nvSpPr>
-        <p:spPr>
-          <a:xfrm>
-            <a:off x="685800" y="228600"/>
-            <a:ext cx="7772400" cy="6400800"/>
-          </a:xfrm>
-        </p:spPr>
-        <p:txBody>
-          <a:bodyPr anchor="ctr"/>
-          <a:lstStyle/>
-          <a:p>
-            <a:r>
-              <a:rPr lang="en-US" sz="30000" dirty="0" smtClean="0"/>
-              <a:t>?</a:t>
-            </a:r>
-            <a:endParaRPr lang="en-US" sz="30000" dirty="0"/>
+        <p:spPr/>
+        <p:txBody>
+          <a:bodyPr>
+            <a:normAutofit/>
+          </a:bodyPr>
+          <a:lstStyle/>
+          <a:p>
+            <a:r>
+              <a:rPr lang="en-US" dirty="0" smtClean="0"/>
+              <a:t>This is my story</a:t>
+            </a:r>
+            <a:endParaRPr lang="en-US" dirty="0"/>
           </a:p>
         </p:txBody>
       </p:sp>
@@ -8877,6 +8995,13 @@
   <p:clrMapOvr>
     <a:masterClrMapping/>
   </p:clrMapOvr>
+  <p:timing>
+    <p:tnLst>
+      <p:par>
+        <p:cTn id="1" dur="indefinite" restart="never" nodeType="tmRoot"/>
+      </p:par>
+    </p:tnLst>
+  </p:timing>
 </p:sld>
 </file>
 
@@ -8899,119 +9024,29 @@
       </p:grpSpPr>
       <p:sp>
         <p:nvSpPr>
-          <p:cNvPr id="2" name="Title 1"/>
-          <p:cNvSpPr>
-            <a:spLocks noGrp="1"/>
-          </p:cNvSpPr>
-          <p:nvPr>
-            <p:ph type="title"/>
-          </p:nvPr>
-        </p:nvSpPr>
-        <p:spPr/>
-        <p:txBody>
-          <a:bodyPr>
-            <a:normAutofit fontScale="90000"/>
-          </a:bodyPr>
-          <a:lstStyle/>
-          <a:p>
-            <a:r>
-              <a:rPr lang="en-US" dirty="0" smtClean="0"/>
-              <a:t>Resources - Cost of unit testing</a:t>
-            </a:r>
-            <a:endParaRPr lang="en-US" dirty="0"/>
-          </a:p>
-        </p:txBody>
-      </p:sp>
-      <p:sp>
-        <p:nvSpPr>
-          <p:cNvPr id="3" name="Content Placeholder 2"/>
-          <p:cNvSpPr>
-            <a:spLocks noGrp="1"/>
-          </p:cNvSpPr>
-          <p:nvPr>
-            <p:ph idx="1"/>
-          </p:nvPr>
-        </p:nvSpPr>
-        <p:spPr/>
-        <p:txBody>
-          <a:bodyPr/>
-          <a:lstStyle/>
-          <a:p>
-            <a:r>
-              <a:rPr lang="en-US" sz="2400" dirty="0" smtClean="0"/>
-              <a:t>Microsoft Research – “Realizing quality improvement through test driven development: results and experiences of four industrial teams”</a:t>
-            </a:r>
-          </a:p>
-          <a:p>
-            <a:pPr lvl="1"/>
-            <a:r>
-              <a:rPr lang="en-US" sz="1800" b="1" dirty="0" smtClean="0">
-                <a:hlinkClick r:id="rId2"/>
-              </a:rPr>
-              <a:t>http://research.microsoft.com/en-us/projects/esm/nagappan_tdd.pdf</a:t>
-            </a:r>
-            <a:endParaRPr lang="en-US" sz="1800" b="1" dirty="0" smtClean="0"/>
-          </a:p>
-          <a:p>
-            <a:endParaRPr lang="en-US" sz="2400" b="1" dirty="0" smtClean="0"/>
-          </a:p>
-          <a:p>
-            <a:r>
-              <a:rPr lang="en-US" sz="2400" dirty="0" smtClean="0"/>
-              <a:t>Cost of Testing, by </a:t>
-            </a:r>
-            <a:r>
-              <a:rPr lang="en-US" sz="2400" dirty="0" err="1" smtClean="0"/>
-              <a:t>Misko</a:t>
-            </a:r>
-            <a:r>
-              <a:rPr lang="en-US" sz="2400" dirty="0" smtClean="0"/>
-              <a:t> </a:t>
-            </a:r>
-            <a:r>
-              <a:rPr lang="en-US" sz="2400" dirty="0" err="1" smtClean="0"/>
-              <a:t>Hevery</a:t>
-            </a:r>
-            <a:r>
-              <a:rPr lang="en-US" sz="2400" dirty="0" smtClean="0"/>
-              <a:t> (Agile Coach/Java developer at Google)</a:t>
-            </a:r>
-          </a:p>
-          <a:p>
-            <a:pPr lvl="1"/>
-            <a:r>
-              <a:rPr lang="en-US" sz="1800" b="1" dirty="0" smtClean="0">
-                <a:hlinkClick r:id="rId3"/>
-              </a:rPr>
-              <a:t>http://misko.hevery.com/2009/10/01/cost-of-testing/</a:t>
-            </a:r>
-            <a:endParaRPr lang="en-US" sz="1800" b="1" dirty="0" smtClean="0"/>
-          </a:p>
-          <a:p>
-            <a:pPr lvl="1"/>
-            <a:endParaRPr lang="en-US" sz="1800" b="1" dirty="0" smtClean="0"/>
-          </a:p>
-          <a:p>
-            <a:r>
-              <a:rPr lang="en-US" sz="2400" dirty="0" smtClean="0"/>
-              <a:t>TDD Derangement Syndrome, by Uncle Bob Martin</a:t>
-            </a:r>
-          </a:p>
-          <a:p>
-            <a:pPr lvl="1"/>
-            <a:r>
-              <a:rPr lang="en-US" sz="1800" b="1" dirty="0" smtClean="0">
-                <a:hlinkClick r:id="rId4"/>
-              </a:rPr>
-              <a:t>http://blog.objectmentor.com/articles/2009/10/07/tdd-derangement-syndrome</a:t>
-            </a:r>
-            <a:endParaRPr lang="en-US" sz="1800" b="1" dirty="0" smtClean="0"/>
-          </a:p>
-          <a:p>
-            <a:endParaRPr lang="en-US" sz="2400" b="1" dirty="0" smtClean="0"/>
-          </a:p>
-          <a:p>
-            <a:endParaRPr lang="en-US" dirty="0"/>
+          <p:cNvPr id="4" name="Title 3"/>
+          <p:cNvSpPr>
+            <a:spLocks noGrp="1"/>
+          </p:cNvSpPr>
+          <p:nvPr>
+            <p:ph type="ctrTitle"/>
+          </p:nvPr>
+        </p:nvSpPr>
+        <p:spPr>
+          <a:xfrm>
+            <a:off x="685800" y="228600"/>
+            <a:ext cx="7772400" cy="6400800"/>
+          </a:xfrm>
+        </p:spPr>
+        <p:txBody>
+          <a:bodyPr anchor="ctr"/>
+          <a:lstStyle/>
+          <a:p>
+            <a:r>
+              <a:rPr lang="en-US" sz="30000" dirty="0" smtClean="0"/>
+              <a:t>?</a:t>
+            </a:r>
+            <a:endParaRPr lang="en-US" sz="30000" dirty="0"/>
           </a:p>
         </p:txBody>
       </p:sp>
@@ -9020,13 +9055,6 @@
   <p:clrMapOvr>
     <a:masterClrMapping/>
   </p:clrMapOvr>
-  <p:timing>
-    <p:tnLst>
-      <p:par>
-        <p:cTn id="1" dur="indefinite" restart="never" nodeType="tmRoot"/>
-      </p:par>
-    </p:tnLst>
-  </p:timing>
 </p:sld>
 </file>
 
@@ -9060,13 +9088,13 @@
         <p:spPr/>
         <p:txBody>
           <a:bodyPr>
-            <a:normAutofit/>
+            <a:normAutofit fontScale="90000"/>
           </a:bodyPr>
           <a:lstStyle/>
           <a:p>
             <a:r>
               <a:rPr lang="en-US" dirty="0" smtClean="0"/>
-              <a:t>Resources - Tools</a:t>
+              <a:t>Resources - Cost of unit testing</a:t>
             </a:r>
             <a:endParaRPr lang="en-US" dirty="0"/>
           </a:p>
@@ -9084,132 +9112,84 @@
         </p:nvSpPr>
         <p:spPr/>
         <p:txBody>
-          <a:bodyPr>
-            <a:normAutofit/>
-          </a:bodyPr>
+          <a:bodyPr/>
           <a:lstStyle/>
           <a:p>
             <a:r>
               <a:rPr lang="en-US" sz="2400" dirty="0" smtClean="0"/>
-              <a:t>.NET</a:t>
+              <a:t>Microsoft Research – “Realizing quality improvement through test driven development: results and experiences of four industrial teams”</a:t>
             </a:r>
           </a:p>
           <a:p>
             <a:pPr lvl="1"/>
             <a:r>
-              <a:rPr lang="en-US" sz="2400" dirty="0" smtClean="0"/>
-              <a:t>NUnit – </a:t>
-            </a:r>
-            <a:r>
-              <a:rPr lang="en-US" sz="2400" dirty="0" smtClean="0">
+              <a:rPr lang="en-US" sz="1800" b="1" dirty="0" smtClean="0">
                 <a:hlinkClick r:id="rId2"/>
               </a:rPr>
-              <a:t>http://nunit.org</a:t>
-            </a:r>
-            <a:endParaRPr lang="en-US" sz="2400" dirty="0" smtClean="0"/>
+              <a:t>http://research.microsoft.com/en-us/projects/esm/nagappan_tdd.pdf</a:t>
+            </a:r>
+            <a:endParaRPr lang="en-US" sz="1800" b="1" dirty="0" smtClean="0"/>
+          </a:p>
+          <a:p>
+            <a:endParaRPr lang="en-US" sz="2400" b="1" dirty="0" smtClean="0"/>
+          </a:p>
+          <a:p>
+            <a:r>
+              <a:rPr lang="en-US" sz="2400" dirty="0" smtClean="0"/>
+              <a:t>Cost of Testing, by </a:t>
+            </a:r>
+            <a:r>
+              <a:rPr lang="en-US" sz="2400" dirty="0" err="1" smtClean="0"/>
+              <a:t>Misko</a:t>
+            </a:r>
+            <a:r>
+              <a:rPr lang="en-US" sz="2400" dirty="0" smtClean="0"/>
+              <a:t> </a:t>
+            </a:r>
+            <a:r>
+              <a:rPr lang="en-US" sz="2400" dirty="0" err="1" smtClean="0"/>
+              <a:t>Hevery</a:t>
+            </a:r>
+            <a:r>
+              <a:rPr lang="en-US" sz="2400" dirty="0" smtClean="0"/>
+              <a:t> (Agile Coach/Java developer at Google)</a:t>
+            </a:r>
           </a:p>
           <a:p>
             <a:pPr lvl="1"/>
             <a:r>
-              <a:rPr lang="en-US" sz="2400" dirty="0" smtClean="0"/>
-              <a:t>Should – </a:t>
-            </a:r>
-            <a:r>
-              <a:rPr lang="en-US" sz="2400" dirty="0" smtClean="0">
+              <a:rPr lang="en-US" sz="1800" b="1" dirty="0" smtClean="0">
                 <a:hlinkClick r:id="rId3"/>
               </a:rPr>
-              <a:t>http://should.codeplex.com</a:t>
-            </a:r>
-            <a:endParaRPr lang="en-US" sz="2400" dirty="0" smtClean="0"/>
+              <a:t>http://misko.hevery.com/2009/10/01/cost-of-testing/</a:t>
+            </a:r>
+            <a:endParaRPr lang="en-US" sz="1800" b="1" dirty="0" smtClean="0"/>
+          </a:p>
+          <a:p>
+            <a:pPr lvl="1"/>
+            <a:endParaRPr lang="en-US" sz="1800" b="1" dirty="0" smtClean="0"/>
           </a:p>
           <a:p>
             <a:r>
               <a:rPr lang="en-US" sz="2400" dirty="0" smtClean="0"/>
-              <a:t>Java</a:t>
+              <a:t>TDD Derangement Syndrome, by Uncle Bob Martin</a:t>
             </a:r>
           </a:p>
           <a:p>
             <a:pPr lvl="1"/>
             <a:r>
-              <a:rPr lang="en-US" sz="2400" dirty="0" err="1" smtClean="0"/>
-              <a:t>JUnit</a:t>
-            </a:r>
-            <a:r>
-              <a:rPr lang="en-US" sz="2400" dirty="0" smtClean="0"/>
-              <a:t> – </a:t>
-            </a:r>
-            <a:r>
-              <a:rPr lang="en-US" sz="2400" dirty="0" smtClean="0">
+              <a:rPr lang="en-US" sz="1800" b="1" dirty="0" smtClean="0">
                 <a:hlinkClick r:id="rId4"/>
               </a:rPr>
-              <a:t>http://junit.org</a:t>
-            </a:r>
-            <a:endParaRPr lang="en-US" sz="2400" dirty="0" smtClean="0"/>
-          </a:p>
-          <a:p>
-            <a:pPr lvl="1"/>
-            <a:r>
-              <a:rPr lang="en-US" sz="2400" dirty="0" err="1" smtClean="0"/>
-              <a:t>TestNG</a:t>
-            </a:r>
-            <a:r>
-              <a:rPr lang="en-US" sz="2400" dirty="0" smtClean="0"/>
-              <a:t> – </a:t>
-            </a:r>
-            <a:r>
-              <a:rPr lang="en-US" sz="2400" dirty="0" smtClean="0">
-                <a:hlinkClick r:id="rId5"/>
-              </a:rPr>
-              <a:t>http://testng.org</a:t>
-            </a:r>
-            <a:endParaRPr lang="en-US" sz="2400" dirty="0" smtClean="0"/>
-          </a:p>
-          <a:p>
-            <a:r>
-              <a:rPr lang="en-US" sz="2400" dirty="0" smtClean="0"/>
-              <a:t>Ruby</a:t>
-            </a:r>
-          </a:p>
-          <a:p>
-            <a:pPr lvl="1"/>
-            <a:r>
-              <a:rPr lang="en-US" sz="2400" dirty="0" smtClean="0"/>
-              <a:t>RSpec – </a:t>
-            </a:r>
-            <a:r>
-              <a:rPr lang="en-US" sz="2400" dirty="0" smtClean="0">
-                <a:hlinkClick r:id="rId6"/>
-              </a:rPr>
-              <a:t>http://rspec.info</a:t>
-            </a:r>
-            <a:r>
-              <a:rPr lang="en-US" sz="2400" dirty="0" smtClean="0"/>
-              <a:t>, or gem install </a:t>
-            </a:r>
-            <a:r>
-              <a:rPr lang="en-US" sz="2400" dirty="0" err="1" smtClean="0"/>
-              <a:t>rspec</a:t>
-            </a:r>
-            <a:endParaRPr lang="en-US" sz="2400" dirty="0" smtClean="0"/>
-          </a:p>
-          <a:p>
-            <a:r>
-              <a:rPr lang="en-US" sz="2400" dirty="0" smtClean="0"/>
-              <a:t>Specs2Tests – </a:t>
-            </a:r>
-            <a:r>
-              <a:rPr lang="en-US" sz="2400" dirty="0" smtClean="0">
-                <a:hlinkClick r:id="rId7"/>
-              </a:rPr>
-              <a:t>http://github.com/jonkruger/specs2tests</a:t>
-            </a:r>
-            <a:endParaRPr lang="en-US" sz="2400" dirty="0" smtClean="0"/>
-          </a:p>
-          <a:p>
-            <a:pPr>
-              <a:buNone/>
-            </a:pPr>
-            <a:endParaRPr lang="en-US" sz="2400" dirty="0" smtClean="0"/>
+              <a:t>http://blog.objectmentor.com/articles/2009/10/07/tdd-derangement-syndrome</a:t>
+            </a:r>
+            <a:endParaRPr lang="en-US" sz="1800" b="1" dirty="0" smtClean="0"/>
+          </a:p>
+          <a:p>
+            <a:endParaRPr lang="en-US" sz="2400" b="1" dirty="0" smtClean="0"/>
+          </a:p>
+          <a:p>
+            <a:endParaRPr lang="en-US" dirty="0"/>
           </a:p>
         </p:txBody>
       </p:sp>
@@ -9264,7 +9244,7 @@
           <a:p>
             <a:r>
               <a:rPr lang="en-US" dirty="0" smtClean="0"/>
-              <a:t>Resources – Learning TDD</a:t>
+              <a:t>Resources - Tools</a:t>
             </a:r>
             <a:endParaRPr lang="en-US" dirty="0"/>
           </a:p>
@@ -9280,136 +9260,134 @@
             <p:ph idx="1"/>
           </p:nvPr>
         </p:nvSpPr>
-        <p:spPr>
-          <a:xfrm>
-            <a:off x="457200" y="1600200"/>
-            <a:ext cx="8229600" cy="5105400"/>
-          </a:xfrm>
-        </p:spPr>
+        <p:spPr/>
         <p:txBody>
           <a:bodyPr>
-            <a:normAutofit lnSpcReduction="10000"/>
+            <a:normAutofit/>
           </a:bodyPr>
           <a:lstStyle/>
           <a:p>
             <a:r>
               <a:rPr lang="en-US" sz="2400" dirty="0" smtClean="0"/>
-              <a:t>Behavior Driven Development</a:t>
+              <a:t>.NET</a:t>
             </a:r>
           </a:p>
           <a:p>
             <a:pPr lvl="1"/>
             <a:r>
-              <a:rPr lang="en-US" sz="1800" b="1" dirty="0" smtClean="0">
+              <a:rPr lang="en-US" sz="2400" dirty="0" smtClean="0"/>
+              <a:t>NUnit – </a:t>
+            </a:r>
+            <a:r>
+              <a:rPr lang="en-US" sz="2400" dirty="0" smtClean="0">
                 <a:hlinkClick r:id="rId2"/>
               </a:rPr>
-              <a:t>http://www.code-magazine.com/article.aspx?quickid=0805061&amp;page=1</a:t>
-            </a:r>
-            <a:endParaRPr lang="en-US" sz="1800" b="1" dirty="0" smtClean="0"/>
+              <a:t>http://nunit.org</a:t>
+            </a:r>
+            <a:endParaRPr lang="en-US" sz="2400" dirty="0" smtClean="0"/>
           </a:p>
           <a:p>
             <a:pPr lvl="1"/>
-            <a:endParaRPr lang="en-US" sz="1800" b="1" dirty="0" smtClean="0"/>
-          </a:p>
-          <a:p>
             <a:r>
               <a:rPr lang="en-US" sz="2400" dirty="0" smtClean="0"/>
-              <a:t>So How do You Introduce TDD into an Organization or Team?, by Jeremy Miller</a:t>
-            </a:r>
-          </a:p>
-          <a:p>
-            <a:pPr lvl="1"/>
-            <a:r>
-              <a:rPr lang="en-US" sz="1800" b="1" dirty="0" smtClean="0">
+              <a:t>Should – </a:t>
+            </a:r>
+            <a:r>
+              <a:rPr lang="en-US" sz="2400" dirty="0" smtClean="0">
                 <a:hlinkClick r:id="rId3"/>
               </a:rPr>
-              <a:t>http://codebetter.com/blogs/jeremy.miller/archive/2006/06/27/146899.aspx</a:t>
-            </a:r>
-            <a:endParaRPr lang="en-US" sz="1800" b="1" dirty="0" smtClean="0"/>
+              <a:t>http://should.codeplex.com</a:t>
+            </a:r>
+            <a:endParaRPr lang="en-US" sz="2400" dirty="0" smtClean="0"/>
+          </a:p>
+          <a:p>
+            <a:r>
+              <a:rPr lang="en-US" sz="2400" dirty="0" smtClean="0"/>
+              <a:t>Java</a:t>
+            </a:r>
           </a:p>
           <a:p>
             <a:pPr lvl="1"/>
-            <a:endParaRPr lang="en-US" sz="1800" b="1" dirty="0" smtClean="0"/>
-          </a:p>
-          <a:p>
+            <a:r>
+              <a:rPr lang="en-US" sz="2400" dirty="0" err="1" smtClean="0"/>
+              <a:t>JUnit</a:t>
+            </a:r>
             <a:r>
               <a:rPr lang="en-US" sz="2400" dirty="0" smtClean="0"/>
-              <a:t>How to get started with TDD, by </a:t>
-            </a:r>
-            <a:r>
-              <a:rPr lang="en-US" sz="2400" dirty="0" err="1" smtClean="0"/>
-              <a:t>Misko</a:t>
-            </a:r>
-            <a:r>
-              <a:rPr lang="en-US" sz="2400" dirty="0" smtClean="0"/>
-              <a:t> </a:t>
-            </a:r>
-            <a:r>
-              <a:rPr lang="en-US" sz="2400" dirty="0" err="1" smtClean="0"/>
-              <a:t>Hevery</a:t>
-            </a:r>
-            <a:r>
-              <a:rPr lang="en-US" sz="2400" dirty="0" smtClean="0"/>
-              <a:t> (Java examples)</a:t>
-            </a:r>
-          </a:p>
-          <a:p>
-            <a:pPr lvl="1"/>
-            <a:r>
-              <a:rPr lang="en-US" sz="1800" b="1" dirty="0" smtClean="0">
+              <a:t> – </a:t>
+            </a:r>
+            <a:r>
+              <a:rPr lang="en-US" sz="2400" dirty="0" smtClean="0">
                 <a:hlinkClick r:id="rId4"/>
               </a:rPr>
-              <a:t>http://misko.hevery.com/2009/11/17/how-to-get-started-with-tdd/</a:t>
+              <a:t>http://junit.org</a:t>
             </a:r>
             <a:endParaRPr lang="en-US" sz="2400" dirty="0" smtClean="0"/>
           </a:p>
           <a:p>
             <a:pPr lvl="1"/>
-            <a:endParaRPr lang="en-US" sz="2400" dirty="0" smtClean="0"/>
-          </a:p>
-          <a:p>
+            <a:r>
+              <a:rPr lang="en-US" sz="2400" dirty="0" err="1" smtClean="0"/>
+              <a:t>TestNG</a:t>
+            </a:r>
             <a:r>
               <a:rPr lang="en-US" sz="2400" dirty="0" smtClean="0"/>
-              <a:t>TDD Starter Kit – Sample Projects and Links (C# examples)</a:t>
-            </a:r>
-          </a:p>
-          <a:p>
-            <a:pPr lvl="1"/>
-            <a:r>
-              <a:rPr lang="en-US" sz="1800" dirty="0" smtClean="0">
+              <a:t> – </a:t>
+            </a:r>
+            <a:r>
+              <a:rPr lang="en-US" sz="2400" dirty="0" smtClean="0">
                 <a:hlinkClick r:id="rId5"/>
               </a:rPr>
-              <a:t>http://jonkruger.com/blog/2009/07/23/tdd-starter-kit-sample-projects-and-links/</a:t>
-            </a:r>
-            <a:endParaRPr lang="en-US" sz="1800" dirty="0" smtClean="0"/>
+              <a:t>http://testng.org</a:t>
+            </a:r>
+            <a:endParaRPr lang="en-US" sz="2400" dirty="0" smtClean="0"/>
+          </a:p>
+          <a:p>
+            <a:r>
+              <a:rPr lang="en-US" sz="2400" dirty="0" smtClean="0"/>
+              <a:t>Ruby</a:t>
+            </a:r>
           </a:p>
           <a:p>
             <a:pPr lvl="1"/>
-            <a:endParaRPr lang="en-US" sz="1800" dirty="0" smtClean="0"/>
-          </a:p>
-          <a:p>
             <a:r>
               <a:rPr lang="en-US" sz="2400" dirty="0" smtClean="0"/>
-              <a:t>Pair Programming </a:t>
-            </a:r>
-            <a:r>
-              <a:rPr lang="en-US" sz="2400" dirty="0" err="1" smtClean="0"/>
-              <a:t>Bot</a:t>
-            </a:r>
-            <a:endParaRPr lang="en-US" sz="2400" dirty="0" smtClean="0"/>
-          </a:p>
-          <a:p>
-            <a:pPr lvl="1"/>
-            <a:r>
-              <a:rPr lang="en-US" sz="1800" dirty="0" smtClean="0">
+              <a:t>RSpec – </a:t>
+            </a:r>
+            <a:r>
+              <a:rPr lang="en-US" sz="2400" dirty="0" smtClean="0">
                 <a:hlinkClick r:id="rId6"/>
               </a:rPr>
-              <a:t>http://pairprogrammingbot.com/</a:t>
-            </a:r>
-            <a:endParaRPr lang="en-US" sz="1800" dirty="0" smtClean="0"/>
-          </a:p>
-          <a:p>
-            <a:endParaRPr lang="en-US" dirty="0"/>
+              <a:t>http://rspec.info</a:t>
+            </a:r>
+            <a:r>
+              <a:rPr lang="en-US" sz="2400" dirty="0" smtClean="0"/>
+              <a:t>, or gem install </a:t>
+            </a:r>
+            <a:r>
+              <a:rPr lang="en-US" sz="2400" dirty="0" err="1" smtClean="0"/>
+              <a:t>rspec</a:t>
+            </a:r>
+            <a:endParaRPr lang="en-US" sz="2400" dirty="0" smtClean="0"/>
+          </a:p>
+          <a:p>
+            <a:r>
+              <a:rPr lang="en-US" sz="2400" dirty="0" smtClean="0"/>
+              <a:t>Specs2Tests – </a:t>
+            </a:r>
+            <a:r>
+              <a:rPr lang="en-US" sz="2400" dirty="0" smtClean="0">
+                <a:hlinkClick r:id="rId7"/>
+              </a:rPr>
+              <a:t>http://github.com/jonkruger/specs2tests</a:t>
+            </a:r>
+            <a:endParaRPr lang="en-US" sz="2400" dirty="0" smtClean="0"/>
+          </a:p>
+          <a:p>
+            <a:pPr>
+              <a:buNone/>
+            </a:pPr>
+            <a:endParaRPr lang="en-US" sz="2400" dirty="0" smtClean="0"/>
           </a:p>
         </p:txBody>
       </p:sp>
@@ -9464,7 +9442,7 @@
           <a:p>
             <a:r>
               <a:rPr lang="en-US" dirty="0" smtClean="0"/>
-              <a:t>Resources – Books</a:t>
+              <a:t>Resources – Learning TDD</a:t>
             </a:r>
             <a:endParaRPr lang="en-US" dirty="0"/>
           </a:p>
@@ -9488,94 +9466,128 @@
         </p:spPr>
         <p:txBody>
           <a:bodyPr>
-            <a:normAutofit/>
+            <a:normAutofit lnSpcReduction="10000"/>
           </a:bodyPr>
           <a:lstStyle/>
           <a:p>
             <a:r>
-              <a:rPr lang="en-US" dirty="0" smtClean="0"/>
-              <a:t>The Art of Unit Testing</a:t>
+              <a:rPr lang="en-US" sz="2400" dirty="0" smtClean="0"/>
+              <a:t>Behavior Driven Development</a:t>
             </a:r>
           </a:p>
           <a:p>
             <a:pPr lvl="1"/>
             <a:r>
-              <a:rPr lang="en-US" dirty="0" smtClean="0"/>
-              <a:t>by Roy </a:t>
-            </a:r>
-            <a:r>
-              <a:rPr lang="en-US" dirty="0" err="1" smtClean="0"/>
-              <a:t>Osherove</a:t>
-            </a:r>
-            <a:endParaRPr lang="en-US" dirty="0" smtClean="0"/>
-          </a:p>
-          <a:p>
-            <a:r>
-              <a:rPr lang="en-US" dirty="0" smtClean="0"/>
-              <a:t>Test Driven Development: By Example</a:t>
-            </a:r>
+              <a:rPr lang="en-US" sz="1800" b="1" dirty="0" smtClean="0">
+                <a:hlinkClick r:id="rId2"/>
+              </a:rPr>
+              <a:t>http://www.code-magazine.com/article.aspx?quickid=0805061&amp;page=1</a:t>
+            </a:r>
+            <a:endParaRPr lang="en-US" sz="1800" b="1" dirty="0" smtClean="0"/>
           </a:p>
           <a:p>
             <a:pPr lvl="1"/>
-            <a:r>
-              <a:rPr lang="en-US" dirty="0" smtClean="0"/>
-              <a:t>by Kent Beck</a:t>
-            </a:r>
-          </a:p>
-          <a:p>
-            <a:r>
-              <a:rPr lang="en-US" dirty="0" smtClean="0"/>
-              <a:t>Test Driven Development: A Practical Guide</a:t>
+            <a:endParaRPr lang="en-US" sz="1800" b="1" dirty="0" smtClean="0"/>
+          </a:p>
+          <a:p>
+            <a:r>
+              <a:rPr lang="en-US" sz="2400" dirty="0" smtClean="0"/>
+              <a:t>So How do You Introduce TDD into an Organization or Team?, by Jeremy Miller</a:t>
             </a:r>
           </a:p>
           <a:p>
             <a:pPr lvl="1"/>
             <a:r>
-              <a:rPr lang="en-US" dirty="0" smtClean="0"/>
-              <a:t>by David </a:t>
-            </a:r>
-            <a:r>
-              <a:rPr lang="en-US" dirty="0" err="1" smtClean="0"/>
-              <a:t>Astels</a:t>
-            </a:r>
-            <a:endParaRPr lang="en-US" dirty="0" smtClean="0"/>
-          </a:p>
-          <a:p>
-            <a:r>
-              <a:rPr lang="en-US" dirty="0" smtClean="0"/>
-              <a:t>The RSpec Book: </a:t>
-            </a:r>
-            <a:r>
-              <a:rPr lang="en-US" dirty="0" err="1" smtClean="0"/>
-              <a:t>Behaviour</a:t>
-            </a:r>
-            <a:r>
-              <a:rPr lang="en-US" dirty="0" smtClean="0"/>
-              <a:t> Driven Development with RSpec, Cucumber, and Friends</a:t>
-            </a:r>
+              <a:rPr lang="en-US" sz="1800" b="1" dirty="0" smtClean="0">
+                <a:hlinkClick r:id="rId3"/>
+              </a:rPr>
+              <a:t>http://codebetter.com/blogs/jeremy.miller/archive/2006/06/27/146899.aspx</a:t>
+            </a:r>
+            <a:endParaRPr lang="en-US" sz="1800" b="1" dirty="0" smtClean="0"/>
           </a:p>
           <a:p>
             <a:pPr lvl="1"/>
-            <a:r>
-              <a:rPr lang="en-US" dirty="0" smtClean="0"/>
-              <a:t>by David </a:t>
-            </a:r>
-            <a:r>
-              <a:rPr lang="en-US" dirty="0" err="1" smtClean="0"/>
-              <a:t>Chelimsky</a:t>
-            </a:r>
-            <a:r>
-              <a:rPr lang="en-US" dirty="0" smtClean="0"/>
-              <a:t>, Dave </a:t>
-            </a:r>
-            <a:r>
-              <a:rPr lang="en-US" dirty="0" err="1" smtClean="0"/>
-              <a:t>Astels</a:t>
-            </a:r>
-            <a:r>
-              <a:rPr lang="en-US" dirty="0" smtClean="0"/>
-              <a:t>, et. al.</a:t>
-            </a:r>
+            <a:endParaRPr lang="en-US" sz="1800" b="1" dirty="0" smtClean="0"/>
+          </a:p>
+          <a:p>
+            <a:r>
+              <a:rPr lang="en-US" sz="2400" dirty="0" smtClean="0"/>
+              <a:t>How to get started with TDD, by </a:t>
+            </a:r>
+            <a:r>
+              <a:rPr lang="en-US" sz="2400" dirty="0" err="1" smtClean="0"/>
+              <a:t>Misko</a:t>
+            </a:r>
+            <a:r>
+              <a:rPr lang="en-US" sz="2400" dirty="0" smtClean="0"/>
+              <a:t> </a:t>
+            </a:r>
+            <a:r>
+              <a:rPr lang="en-US" sz="2400" dirty="0" err="1" smtClean="0"/>
+              <a:t>Hevery</a:t>
+            </a:r>
+            <a:r>
+              <a:rPr lang="en-US" sz="2400" dirty="0" smtClean="0"/>
+              <a:t> (Java examples)</a:t>
+            </a:r>
+          </a:p>
+          <a:p>
+            <a:pPr lvl="1"/>
+            <a:r>
+              <a:rPr lang="en-US" sz="1800" b="1" dirty="0" smtClean="0">
+                <a:hlinkClick r:id="rId4"/>
+              </a:rPr>
+              <a:t>http://misko.hevery.com/2009/11/17/how-to-get-started-with-tdd/</a:t>
+            </a:r>
+            <a:endParaRPr lang="en-US" sz="2400" dirty="0" smtClean="0"/>
+          </a:p>
+          <a:p>
+            <a:pPr lvl="1"/>
+            <a:endParaRPr lang="en-US" sz="2400" dirty="0" smtClean="0"/>
+          </a:p>
+          <a:p>
+            <a:r>
+              <a:rPr lang="en-US" sz="2400" dirty="0" smtClean="0"/>
+              <a:t>TDD Starter Kit – Sample Projects and Links (C# examples)</a:t>
+            </a:r>
+          </a:p>
+          <a:p>
+            <a:pPr lvl="1"/>
+            <a:r>
+              <a:rPr lang="en-US" sz="1800" dirty="0" smtClean="0">
+                <a:hlinkClick r:id="rId5"/>
+              </a:rPr>
+              <a:t>http://jonkruger.com/blog/2009/07/23/tdd-starter-kit-sample-projects-and-links/</a:t>
+            </a:r>
+            <a:endParaRPr lang="en-US" sz="1800" dirty="0" smtClean="0"/>
+          </a:p>
+          <a:p>
+            <a:pPr lvl="1"/>
+            <a:endParaRPr lang="en-US" sz="1800" dirty="0" smtClean="0"/>
+          </a:p>
+          <a:p>
+            <a:r>
+              <a:rPr lang="en-US" sz="2400" dirty="0" smtClean="0"/>
+              <a:t>Pair Programming </a:t>
+            </a:r>
+            <a:r>
+              <a:rPr lang="en-US" sz="2400" dirty="0" err="1" smtClean="0"/>
+              <a:t>Bot</a:t>
+            </a:r>
+            <a:endParaRPr lang="en-US" sz="2400" dirty="0" smtClean="0"/>
+          </a:p>
+          <a:p>
+            <a:pPr lvl="1"/>
+            <a:r>
+              <a:rPr lang="en-US" sz="1800" dirty="0" smtClean="0">
+                <a:hlinkClick r:id="rId6"/>
+              </a:rPr>
+              <a:t>http://pairprogrammingbot.com/</a:t>
+            </a:r>
+            <a:endParaRPr lang="en-US" sz="1800" dirty="0" smtClean="0"/>
+          </a:p>
+          <a:p>
+            <a:endParaRPr lang="en-US" dirty="0"/>
           </a:p>
         </p:txBody>
       </p:sp>
@@ -9630,7 +9642,7 @@
           <a:p>
             <a:r>
               <a:rPr lang="en-US" dirty="0" smtClean="0"/>
-              <a:t>Resources – Practice!</a:t>
+              <a:t>Resources – Books</a:t>
             </a:r>
             <a:endParaRPr lang="en-US" dirty="0"/>
           </a:p>
@@ -9649,162 +9661,99 @@
         <p:spPr>
           <a:xfrm>
             <a:off x="457200" y="1600200"/>
-            <a:ext cx="8229600" cy="5257800"/>
+            <a:ext cx="8229600" cy="5105400"/>
           </a:xfrm>
         </p:spPr>
         <p:txBody>
           <a:bodyPr>
-            <a:normAutofit lnSpcReduction="10000"/>
+            <a:normAutofit/>
           </a:bodyPr>
           <a:lstStyle/>
           <a:p>
             <a:r>
               <a:rPr lang="en-US" dirty="0" smtClean="0"/>
-              <a:t>String Calculator </a:t>
+              <a:t>The Art of Unit Testing</a:t>
+            </a:r>
+          </a:p>
+          <a:p>
+            <a:pPr lvl="1"/>
+            <a:r>
+              <a:rPr lang="en-US" dirty="0" smtClean="0"/>
+              <a:t>by Roy </a:t>
             </a:r>
             <a:r>
               <a:rPr lang="en-US" dirty="0" err="1" smtClean="0"/>
-              <a:t>kata</a:t>
+              <a:t>Osherove</a:t>
             </a:r>
             <a:endParaRPr lang="en-US" dirty="0" smtClean="0"/>
           </a:p>
           <a:p>
+            <a:r>
+              <a:rPr lang="en-US" dirty="0" smtClean="0"/>
+              <a:t>Test Driven Development: By Example</a:t>
+            </a:r>
+          </a:p>
+          <a:p>
             <a:pPr lvl="1"/>
             <a:r>
-              <a:rPr lang="en-US" dirty="0" smtClean="0">
-                <a:hlinkClick r:id="rId2"/>
-              </a:rPr>
-              <a:t>http://osherove.com/tdd-kata-1/</a:t>
+              <a:rPr lang="en-US" dirty="0" smtClean="0"/>
+              <a:t>by Kent Beck</a:t>
+            </a:r>
+          </a:p>
+          <a:p>
+            <a:r>
+              <a:rPr lang="en-US" dirty="0" smtClean="0"/>
+              <a:t>Test Driven Development: A Practical Guide</a:t>
+            </a:r>
+          </a:p>
+          <a:p>
+            <a:pPr lvl="1"/>
+            <a:r>
+              <a:rPr lang="en-US" dirty="0" smtClean="0"/>
+              <a:t>by David </a:t>
+            </a:r>
+            <a:r>
+              <a:rPr lang="en-US" dirty="0" err="1" smtClean="0"/>
+              <a:t>Astels</a:t>
             </a:r>
             <a:endParaRPr lang="en-US" dirty="0" smtClean="0"/>
           </a:p>
           <a:p>
+            <a:r>
+              <a:rPr lang="en-US" dirty="0" smtClean="0"/>
+              <a:t>The RSpec Book: </a:t>
+            </a:r>
+            <a:r>
+              <a:rPr lang="en-US" dirty="0" err="1" smtClean="0"/>
+              <a:t>Behaviour</a:t>
+            </a:r>
+            <a:r>
+              <a:rPr lang="en-US" dirty="0" smtClean="0"/>
+              <a:t> Driven Development with RSpec, Cucumber, and Friends</a:t>
+            </a:r>
+          </a:p>
+          <a:p>
             <a:pPr lvl="1"/>
-            <a:endParaRPr lang="en-US" dirty="0" smtClean="0"/>
-          </a:p>
-          <a:p>
             <a:r>
               <a:rPr lang="en-US" dirty="0" smtClean="0"/>
-              <a:t>Bowling Game </a:t>
+              <a:t>by David </a:t>
             </a:r>
             <a:r>
               <a:rPr lang="en-US" dirty="0" err="1" smtClean="0"/>
-              <a:t>kata</a:t>
-            </a:r>
-            <a:endParaRPr lang="en-US" dirty="0" smtClean="0"/>
-          </a:p>
-          <a:p>
-            <a:pPr lvl="1"/>
-            <a:r>
-              <a:rPr lang="en-US" sz="2100" dirty="0" smtClean="0">
-                <a:hlinkClick r:id="rId3"/>
-              </a:rPr>
-              <a:t>http://butunclebob.com/ArticleS.UncleBob.TheBowlingGameKata</a:t>
-            </a:r>
-            <a:endParaRPr lang="en-US" sz="2100" dirty="0" smtClean="0"/>
-          </a:p>
-          <a:p>
-            <a:pPr lvl="1"/>
-            <a:endParaRPr lang="en-US" sz="2100" dirty="0" smtClean="0"/>
-          </a:p>
-          <a:p>
-            <a:r>
-              <a:rPr lang="en-US" sz="2700" dirty="0" smtClean="0"/>
-              <a:t>Prime Factors </a:t>
-            </a:r>
-            <a:r>
-              <a:rPr lang="en-US" sz="2700" dirty="0" err="1" smtClean="0"/>
-              <a:t>kata</a:t>
-            </a:r>
-            <a:endParaRPr lang="en-US" sz="2700" dirty="0" smtClean="0"/>
-          </a:p>
-          <a:p>
-            <a:pPr lvl="1"/>
-            <a:r>
-              <a:rPr lang="en-US" sz="1900" dirty="0" smtClean="0">
-                <a:hlinkClick r:id="rId4"/>
-              </a:rPr>
-              <a:t>http://www.butunclebob.com/ArticleS.UncleBob.ThePrimeFactorsKata</a:t>
-            </a:r>
-            <a:endParaRPr lang="en-US" sz="1900" dirty="0" smtClean="0"/>
-          </a:p>
-          <a:p>
-            <a:pPr lvl="1"/>
-            <a:endParaRPr lang="en-US" sz="1900" dirty="0" smtClean="0"/>
-          </a:p>
-          <a:p>
-            <a:r>
-              <a:rPr lang="en-US" sz="2500" dirty="0" smtClean="0"/>
-              <a:t>Greed game (part of the Ruby </a:t>
-            </a:r>
-            <a:r>
-              <a:rPr lang="en-US" sz="2500" dirty="0" err="1" smtClean="0"/>
-              <a:t>koans</a:t>
-            </a:r>
-            <a:r>
-              <a:rPr lang="en-US" sz="2500" dirty="0" smtClean="0"/>
-              <a:t>)</a:t>
-            </a:r>
-          </a:p>
-          <a:p>
-            <a:pPr lvl="1"/>
-            <a:r>
-              <a:rPr lang="en-US" dirty="0" smtClean="0">
-                <a:hlinkClick r:id="rId5"/>
-              </a:rPr>
-              <a:t>http://github.com/edgecase/ruby_koans</a:t>
-            </a:r>
-            <a:endParaRPr lang="en-US" dirty="0" smtClean="0"/>
-          </a:p>
-          <a:p>
-            <a:pPr lvl="1"/>
-            <a:endParaRPr lang="en-US" sz="1900" dirty="0" smtClean="0"/>
-          </a:p>
-          <a:p>
-            <a:r>
-              <a:rPr lang="en-US" sz="2500" dirty="0" err="1" smtClean="0"/>
-              <a:t>Katacasts</a:t>
-            </a:r>
-            <a:r>
-              <a:rPr lang="en-US" sz="2500" dirty="0"/>
-              <a:t> </a:t>
-            </a:r>
-            <a:r>
-              <a:rPr lang="en-US" sz="2500" dirty="0" smtClean="0"/>
-              <a:t>(watch </a:t>
-            </a:r>
-            <a:r>
-              <a:rPr lang="en-US" sz="2500" dirty="0" err="1" smtClean="0"/>
-              <a:t>screencasts</a:t>
-            </a:r>
-            <a:r>
-              <a:rPr lang="en-US" sz="2500" dirty="0" smtClean="0"/>
-              <a:t> of people doing various </a:t>
-            </a:r>
-            <a:r>
-              <a:rPr lang="en-US" sz="2500" dirty="0" err="1" smtClean="0"/>
-              <a:t>katas</a:t>
-            </a:r>
-            <a:r>
-              <a:rPr lang="en-US" sz="2500" dirty="0" smtClean="0"/>
-              <a:t>)</a:t>
-            </a:r>
-          </a:p>
-          <a:p>
-            <a:pPr lvl="1"/>
-            <a:r>
-              <a:rPr lang="en-US" dirty="0" smtClean="0">
-                <a:hlinkClick r:id="rId6"/>
-              </a:rPr>
-              <a:t>http://www.katacasts.com/</a:t>
-            </a:r>
-            <a:endParaRPr lang="en-US" dirty="0" smtClean="0"/>
-          </a:p>
-          <a:p>
-            <a:pPr lvl="1">
-              <a:buNone/>
-            </a:pPr>
-            <a:endParaRPr lang="en-US" sz="1900" dirty="0" smtClean="0"/>
+              <a:t>Chelimsky</a:t>
+            </a:r>
+            <a:r>
+              <a:rPr lang="en-US" dirty="0" smtClean="0"/>
+              <a:t>, Dave </a:t>
+            </a:r>
+            <a:r>
+              <a:rPr lang="en-US" dirty="0" err="1" smtClean="0"/>
+              <a:t>Astels</a:t>
+            </a:r>
+            <a:r>
+              <a:rPr lang="en-US" dirty="0" smtClean="0"/>
+              <a:t>, et. al.</a:t>
+            </a:r>
           </a:p>
         </p:txBody>
       </p:sp>
@@ -9859,7 +9808,7 @@
           <a:p>
             <a:r>
               <a:rPr lang="en-US" dirty="0" smtClean="0"/>
-              <a:t>Resources – Training</a:t>
+              <a:t>Resources – Practice!</a:t>
             </a:r>
             <a:endParaRPr lang="en-US" dirty="0"/>
           </a:p>
@@ -9878,115 +9827,162 @@
         <p:spPr>
           <a:xfrm>
             <a:off x="457200" y="1600200"/>
-            <a:ext cx="8229600" cy="4953000"/>
+            <a:ext cx="8229600" cy="5257800"/>
           </a:xfrm>
         </p:spPr>
         <p:txBody>
           <a:bodyPr>
-            <a:normAutofit/>
+            <a:normAutofit lnSpcReduction="10000"/>
           </a:bodyPr>
           <a:lstStyle/>
           <a:p>
             <a:r>
               <a:rPr lang="en-US" dirty="0" smtClean="0"/>
-              <a:t>TDD Boot Camp (.NET)</a:t>
-            </a:r>
+              <a:t>String Calculator </a:t>
+            </a:r>
+            <a:r>
+              <a:rPr lang="en-US" dirty="0" err="1" smtClean="0"/>
+              <a:t>kata</a:t>
+            </a:r>
+            <a:endParaRPr lang="en-US" dirty="0" smtClean="0"/>
           </a:p>
           <a:p>
             <a:pPr lvl="1"/>
             <a:r>
-              <a:rPr lang="en-US" sz="2800" dirty="0" smtClean="0">
+              <a:rPr lang="en-US" dirty="0" smtClean="0">
                 <a:hlinkClick r:id="rId2"/>
               </a:rPr>
-              <a:t>http://tddbootcamp.com</a:t>
-            </a:r>
-            <a:endParaRPr lang="en-US" sz="2800" dirty="0" smtClean="0"/>
+              <a:t>http://osherove.com/tdd-kata-1/</a:t>
+            </a:r>
+            <a:endParaRPr lang="en-US" dirty="0" smtClean="0"/>
           </a:p>
           <a:p>
             <a:pPr lvl="1"/>
-            <a:r>
-              <a:rPr lang="en-US" sz="2800" dirty="0" smtClean="0"/>
-              <a:t>Cincinnati – June 22-24</a:t>
-            </a:r>
+            <a:endParaRPr lang="en-US" dirty="0" smtClean="0"/>
+          </a:p>
+          <a:p>
+            <a:r>
+              <a:rPr lang="en-US" dirty="0" smtClean="0"/>
+              <a:t>Bowling Game </a:t>
+            </a:r>
+            <a:r>
+              <a:rPr lang="en-US" dirty="0" err="1" smtClean="0"/>
+              <a:t>kata</a:t>
+            </a:r>
+            <a:endParaRPr lang="en-US" dirty="0" smtClean="0"/>
           </a:p>
           <a:p>
             <a:pPr lvl="1"/>
             <a:r>
-              <a:rPr lang="en-US" sz="2800" dirty="0" smtClean="0"/>
-              <a:t>Columbus – July 13-15</a:t>
-            </a:r>
-          </a:p>
-          <a:p>
-            <a:pPr lvl="1"/>
-            <a:r>
-              <a:rPr lang="en-US" sz="2800" dirty="0" smtClean="0"/>
-              <a:t>Detroit – Aug. 18-20</a:t>
-            </a:r>
-            <a:br>
-              <a:rPr lang="en-US" sz="2800" dirty="0" smtClean="0"/>
-            </a:br>
-            <a:endParaRPr lang="en-US" sz="2800" dirty="0" smtClean="0"/>
-          </a:p>
-          <a:p>
-            <a:r>
-              <a:rPr lang="en-US" dirty="0" smtClean="0"/>
-              <a:t>Pillar Technology (Java)</a:t>
-            </a:r>
-          </a:p>
-          <a:p>
-            <a:pPr lvl="1"/>
-            <a:r>
-              <a:rPr lang="en-US" sz="2800" dirty="0" smtClean="0">
+              <a:rPr lang="en-US" sz="2100" dirty="0" smtClean="0">
                 <a:hlinkClick r:id="rId3"/>
               </a:rPr>
-              <a:t>http://pillartechnology.com</a:t>
-            </a:r>
-            <a:r>
-              <a:rPr lang="en-US" sz="2800" dirty="0" smtClean="0"/>
-              <a:t/>
-            </a:r>
-            <a:br>
-              <a:rPr lang="en-US" sz="2800" dirty="0" smtClean="0"/>
-            </a:br>
-            <a:endParaRPr lang="en-US" sz="2800" dirty="0" smtClean="0"/>
-          </a:p>
-          <a:p>
-            <a:r>
-              <a:rPr lang="en-US" dirty="0" err="1" smtClean="0"/>
-              <a:t>EdgeCase</a:t>
-            </a:r>
-            <a:r>
-              <a:rPr lang="en-US" dirty="0" smtClean="0"/>
-              <a:t> (Ruby on Rails)</a:t>
-            </a:r>
+              <a:t>http://butunclebob.com/ArticleS.UncleBob.TheBowlingGameKata</a:t>
+            </a:r>
+            <a:endParaRPr lang="en-US" sz="2100" dirty="0" smtClean="0"/>
           </a:p>
           <a:p>
             <a:pPr lvl="1"/>
-            <a:r>
-              <a:rPr lang="en-US" sz="2800" dirty="0" smtClean="0">
+            <a:endParaRPr lang="en-US" sz="2100" dirty="0" smtClean="0"/>
+          </a:p>
+          <a:p>
+            <a:r>
+              <a:rPr lang="en-US" sz="2700" dirty="0" smtClean="0"/>
+              <a:t>Prime Factors </a:t>
+            </a:r>
+            <a:r>
+              <a:rPr lang="en-US" sz="2700" dirty="0" err="1" smtClean="0"/>
+              <a:t>kata</a:t>
+            </a:r>
+            <a:endParaRPr lang="en-US" sz="2700" dirty="0" smtClean="0"/>
+          </a:p>
+          <a:p>
+            <a:pPr lvl="1"/>
+            <a:r>
+              <a:rPr lang="en-US" sz="1900" dirty="0" smtClean="0">
                 <a:hlinkClick r:id="rId4"/>
               </a:rPr>
-              <a:t>http://edgecase.com</a:t>
-            </a:r>
-            <a:endParaRPr lang="en-US" sz="2800" dirty="0" smtClean="0"/>
+              <a:t>http://www.butunclebob.com/ArticleS.UncleBob.ThePrimeFactorsKata</a:t>
+            </a:r>
+            <a:endParaRPr lang="en-US" sz="1900" dirty="0" smtClean="0"/>
+          </a:p>
+          <a:p>
+            <a:pPr lvl="1"/>
+            <a:endParaRPr lang="en-US" sz="1900" dirty="0" smtClean="0"/>
+          </a:p>
+          <a:p>
+            <a:r>
+              <a:rPr lang="en-US" sz="2500" dirty="0" smtClean="0"/>
+              <a:t>Greed game (part of the Ruby </a:t>
+            </a:r>
+            <a:r>
+              <a:rPr lang="en-US" sz="2500" dirty="0" err="1" smtClean="0"/>
+              <a:t>koans</a:t>
+            </a:r>
+            <a:r>
+              <a:rPr lang="en-US" sz="2500" dirty="0" smtClean="0"/>
+              <a:t>)</a:t>
+            </a:r>
+          </a:p>
+          <a:p>
+            <a:pPr lvl="1"/>
+            <a:r>
+              <a:rPr lang="en-US" dirty="0" smtClean="0">
+                <a:hlinkClick r:id="rId5"/>
+              </a:rPr>
+              <a:t>http://github.com/edgecase/ruby_koans</a:t>
+            </a:r>
+            <a:endParaRPr lang="en-US" dirty="0" smtClean="0"/>
+          </a:p>
+          <a:p>
+            <a:pPr lvl="1"/>
+            <a:endParaRPr lang="en-US" sz="1900" dirty="0" smtClean="0"/>
+          </a:p>
+          <a:p>
+            <a:r>
+              <a:rPr lang="en-US" sz="2500" dirty="0" err="1" smtClean="0"/>
+              <a:t>Katacasts</a:t>
+            </a:r>
+            <a:r>
+              <a:rPr lang="en-US" sz="2500" dirty="0"/>
+              <a:t> </a:t>
+            </a:r>
+            <a:r>
+              <a:rPr lang="en-US" sz="2500" dirty="0" smtClean="0"/>
+              <a:t>(watch </a:t>
+            </a:r>
+            <a:r>
+              <a:rPr lang="en-US" sz="2500" dirty="0" err="1" smtClean="0"/>
+              <a:t>screencasts</a:t>
+            </a:r>
+            <a:r>
+              <a:rPr lang="en-US" sz="2500" dirty="0" smtClean="0"/>
+              <a:t> of people doing various </a:t>
+            </a:r>
+            <a:r>
+              <a:rPr lang="en-US" sz="2500" dirty="0" err="1" smtClean="0"/>
+              <a:t>katas</a:t>
+            </a:r>
+            <a:r>
+              <a:rPr lang="en-US" sz="2500" dirty="0" smtClean="0"/>
+              <a:t>)</a:t>
+            </a:r>
+          </a:p>
+          <a:p>
+            <a:pPr lvl="1"/>
+            <a:r>
+              <a:rPr lang="en-US" dirty="0" smtClean="0">
+                <a:hlinkClick r:id="rId6"/>
+              </a:rPr>
+              <a:t>http://www.katacasts.com/</a:t>
+            </a:r>
+            <a:endParaRPr lang="en-US" dirty="0" smtClean="0"/>
           </a:p>
           <a:p>
             <a:pPr lvl="1">
               <a:buNone/>
             </a:pPr>
-            <a:endParaRPr lang="en-US" sz="2800" dirty="0" smtClean="0"/>
-          </a:p>
-          <a:p>
-            <a:pPr lvl="1">
-              <a:buNone/>
-            </a:pPr>
-            <a:endParaRPr lang="en-US" sz="2800" dirty="0" smtClean="0"/>
-          </a:p>
-          <a:p>
-            <a:pPr lvl="1">
-              <a:buNone/>
-            </a:pPr>
-            <a:endParaRPr lang="en-US" sz="2800" dirty="0" smtClean="0"/>
+            <a:endParaRPr lang="en-US" sz="1900" dirty="0" smtClean="0"/>
           </a:p>
         </p:txBody>
       </p:sp>
@@ -10041,7 +10037,7 @@
           <a:p>
             <a:r>
               <a:rPr lang="en-US" dirty="0" smtClean="0"/>
-              <a:t>My Info</a:t>
+              <a:t>Resources – Training</a:t>
             </a:r>
             <a:endParaRPr lang="en-US" dirty="0"/>
           </a:p>
@@ -10057,7 +10053,12 @@
             <p:ph idx="1"/>
           </p:nvPr>
         </p:nvSpPr>
-        <p:spPr/>
+        <p:spPr>
+          <a:xfrm>
+            <a:off x="457200" y="1600200"/>
+            <a:ext cx="8229600" cy="4953000"/>
+          </a:xfrm>
+        </p:spPr>
         <p:txBody>
           <a:bodyPr>
             <a:normAutofit/>
@@ -10066,101 +10067,104 @@
           <a:p>
             <a:r>
               <a:rPr lang="en-US" dirty="0" smtClean="0"/>
-              <a:t>Email: </a:t>
-            </a:r>
-            <a:r>
-              <a:rPr lang="en-US" b="1" dirty="0" smtClean="0">
+              <a:t>TDD Boot Camp (.NET)</a:t>
+            </a:r>
+          </a:p>
+          <a:p>
+            <a:pPr lvl="1"/>
+            <a:r>
+              <a:rPr lang="en-US" sz="2800" dirty="0" smtClean="0">
                 <a:hlinkClick r:id="rId2"/>
               </a:rPr>
-              <a:t>jon@jonkruger.com</a:t>
-            </a:r>
-            <a:endParaRPr lang="en-US" b="1" dirty="0" smtClean="0"/>
+              <a:t>http://tddbootcamp.com</a:t>
+            </a:r>
+            <a:endParaRPr lang="en-US" sz="2800" dirty="0" smtClean="0"/>
+          </a:p>
+          <a:p>
+            <a:pPr lvl="1"/>
+            <a:r>
+              <a:rPr lang="en-US" sz="2800" dirty="0" smtClean="0"/>
+              <a:t>Cincinnati – June 22-24</a:t>
+            </a:r>
+          </a:p>
+          <a:p>
+            <a:pPr lvl="1"/>
+            <a:r>
+              <a:rPr lang="en-US" sz="2800" dirty="0" smtClean="0"/>
+              <a:t>Columbus – July 13-15</a:t>
+            </a:r>
+          </a:p>
+          <a:p>
+            <a:pPr lvl="1"/>
+            <a:r>
+              <a:rPr lang="en-US" sz="2800" dirty="0" smtClean="0"/>
+              <a:t>Detroit – Aug. 18-20</a:t>
+            </a:r>
+            <a:br>
+              <a:rPr lang="en-US" sz="2800" dirty="0" smtClean="0"/>
+            </a:br>
+            <a:endParaRPr lang="en-US" sz="2800" dirty="0" smtClean="0"/>
           </a:p>
           <a:p>
             <a:r>
               <a:rPr lang="en-US" dirty="0" smtClean="0"/>
-              <a:t>Twitter: </a:t>
-            </a:r>
-            <a:r>
-              <a:rPr lang="en-US" b="1" dirty="0" smtClean="0"/>
-              <a:t>@</a:t>
-            </a:r>
-            <a:r>
-              <a:rPr lang="en-US" b="1" dirty="0" err="1" smtClean="0"/>
-              <a:t>JonKruger</a:t>
-            </a:r>
-            <a:endParaRPr lang="en-US" b="1" dirty="0" smtClean="0"/>
-          </a:p>
-          <a:p>
-            <a:r>
-              <a:rPr lang="en-US" dirty="0" smtClean="0"/>
-              <a:t>Blog: </a:t>
-            </a:r>
-            <a:r>
-              <a:rPr lang="en-US" b="1" dirty="0" smtClean="0">
+              <a:t>Pillar Technology (Java)</a:t>
+            </a:r>
+          </a:p>
+          <a:p>
+            <a:pPr lvl="1"/>
+            <a:r>
+              <a:rPr lang="en-US" sz="2800" dirty="0" smtClean="0">
                 <a:hlinkClick r:id="rId3"/>
               </a:rPr>
-              <a:t>http://jonkruger.com/blog</a:t>
-            </a:r>
-            <a:endParaRPr lang="en-US" b="1" dirty="0" smtClean="0"/>
-          </a:p>
-          <a:p>
-            <a:endParaRPr lang="en-US" b="1" dirty="0" smtClean="0"/>
-          </a:p>
-          <a:p>
+              <a:t>http://pillartechnology.com</a:t>
+            </a:r>
+            <a:r>
+              <a:rPr lang="en-US" sz="2800" dirty="0" smtClean="0"/>
+              <a:t/>
+            </a:r>
+            <a:br>
+              <a:rPr lang="en-US" sz="2800" dirty="0" smtClean="0"/>
+            </a:br>
+            <a:endParaRPr lang="en-US" sz="2800" dirty="0" smtClean="0"/>
+          </a:p>
+          <a:p>
+            <a:r>
+              <a:rPr lang="en-US" dirty="0" err="1" smtClean="0"/>
+              <a:t>EdgeCase</a:t>
+            </a:r>
             <a:r>
               <a:rPr lang="en-US" dirty="0" smtClean="0"/>
-              <a:t>These slides:</a:t>
-            </a:r>
-            <a:r>
-              <a:rPr lang="en-US" b="1" dirty="0" smtClean="0"/>
-              <a:t> </a:t>
-            </a:r>
-            <a:r>
-              <a:rPr lang="en-US" b="1" dirty="0" smtClean="0">
+              <a:t> (Ruby on Rails)</a:t>
+            </a:r>
+          </a:p>
+          <a:p>
+            <a:pPr lvl="1"/>
+            <a:r>
+              <a:rPr lang="en-US" sz="2800" dirty="0" smtClean="0">
                 <a:hlinkClick r:id="rId4"/>
               </a:rPr>
-              <a:t>http://tinyurl.com/tdd-in-action</a:t>
-            </a:r>
-            <a:endParaRPr lang="en-US" b="1" dirty="0" smtClean="0"/>
-          </a:p>
-          <a:p>
-            <a:r>
-              <a:rPr lang="en-US" dirty="0" smtClean="0"/>
-              <a:t>Code:</a:t>
-            </a:r>
-            <a:r>
-              <a:rPr lang="en-US" b="1" dirty="0" smtClean="0"/>
-              <a:t> </a:t>
-            </a:r>
-            <a:r>
-              <a:rPr lang="en-US" b="1" dirty="0" smtClean="0">
-                <a:hlinkClick r:id="rId5"/>
-              </a:rPr>
-              <a:t>http://github.com/jonkruger/tdd-in-action</a:t>
-            </a:r>
-            <a:endParaRPr lang="en-US" b="1" dirty="0" smtClean="0"/>
-          </a:p>
-          <a:p>
-            <a:endParaRPr lang="en-US" b="1" dirty="0" smtClean="0"/>
-          </a:p>
-          <a:p>
-            <a:endParaRPr lang="en-US" b="1" dirty="0" smtClean="0"/>
-          </a:p>
-          <a:p>
-            <a:pPr>
+              <a:t>http://edgecase.com</a:t>
+            </a:r>
+            <a:endParaRPr lang="en-US" sz="2800" dirty="0" smtClean="0"/>
+          </a:p>
+          <a:p>
+            <a:pPr lvl="1">
               <a:buNone/>
             </a:pPr>
-            <a:endParaRPr lang="en-US" b="1" dirty="0" smtClean="0"/>
-          </a:p>
-          <a:p>
-            <a:endParaRPr lang="en-US" dirty="0" smtClean="0"/>
-          </a:p>
-          <a:p>
-            <a:pPr>
+            <a:endParaRPr lang="en-US" sz="2800" dirty="0" smtClean="0"/>
+          </a:p>
+          <a:p>
+            <a:pPr lvl="1">
               <a:buNone/>
             </a:pPr>
-            <a:endParaRPr lang="en-US" dirty="0" smtClean="0"/>
+            <a:endParaRPr lang="en-US" sz="2800" dirty="0" smtClean="0"/>
+          </a:p>
+          <a:p>
+            <a:pPr lvl="1">
+              <a:buNone/>
+            </a:pPr>
+            <a:endParaRPr lang="en-US" sz="2800" dirty="0" smtClean="0"/>
           </a:p>
         </p:txBody>
       </p:sp>
@@ -10295,6 +10299,180 @@
               <a:t>Can be brittle</a:t>
             </a:r>
             <a:endParaRPr lang="en-US" dirty="0"/>
+          </a:p>
+        </p:txBody>
+      </p:sp>
+    </p:spTree>
+  </p:cSld>
+  <p:clrMapOvr>
+    <a:masterClrMapping/>
+  </p:clrMapOvr>
+  <p:timing>
+    <p:tnLst>
+      <p:par>
+        <p:cTn id="1" dur="indefinite" restart="never" nodeType="tmRoot"/>
+      </p:par>
+    </p:tnLst>
+  </p:timing>
+</p:sld>
+</file>
+
+<file path=ppt/slides/slide40.xml><?xml version="1.0" encoding="utf-8"?>
+<p:sld xmlns:a="http://schemas.openxmlformats.org/drawingml/2006/main" xmlns:r="http://schemas.openxmlformats.org/officeDocument/2006/relationships" xmlns:p="http://schemas.openxmlformats.org/presentationml/2006/main">
+  <p:cSld>
+    <p:spTree>
+      <p:nvGrpSpPr>
+        <p:cNvPr id="1" name=""/>
+        <p:cNvGrpSpPr/>
+        <p:nvPr/>
+      </p:nvGrpSpPr>
+      <p:grpSpPr>
+        <a:xfrm>
+          <a:off x="0" y="0"/>
+          <a:ext cx="0" cy="0"/>
+          <a:chOff x="0" y="0"/>
+          <a:chExt cx="0" cy="0"/>
+        </a:xfrm>
+      </p:grpSpPr>
+      <p:sp>
+        <p:nvSpPr>
+          <p:cNvPr id="2" name="Title 1"/>
+          <p:cNvSpPr>
+            <a:spLocks noGrp="1"/>
+          </p:cNvSpPr>
+          <p:nvPr>
+            <p:ph type="title"/>
+          </p:nvPr>
+        </p:nvSpPr>
+        <p:spPr/>
+        <p:txBody>
+          <a:bodyPr>
+            <a:normAutofit/>
+          </a:bodyPr>
+          <a:lstStyle/>
+          <a:p>
+            <a:r>
+              <a:rPr lang="en-US" dirty="0" smtClean="0"/>
+              <a:t>My Info</a:t>
+            </a:r>
+            <a:endParaRPr lang="en-US" dirty="0"/>
+          </a:p>
+        </p:txBody>
+      </p:sp>
+      <p:sp>
+        <p:nvSpPr>
+          <p:cNvPr id="3" name="Content Placeholder 2"/>
+          <p:cNvSpPr>
+            <a:spLocks noGrp="1"/>
+          </p:cNvSpPr>
+          <p:nvPr>
+            <p:ph idx="1"/>
+          </p:nvPr>
+        </p:nvSpPr>
+        <p:spPr/>
+        <p:txBody>
+          <a:bodyPr>
+            <a:normAutofit/>
+          </a:bodyPr>
+          <a:lstStyle/>
+          <a:p>
+            <a:r>
+              <a:rPr lang="en-US" dirty="0" smtClean="0"/>
+              <a:t>Email: </a:t>
+            </a:r>
+            <a:r>
+              <a:rPr lang="en-US" b="1" dirty="0" smtClean="0">
+                <a:hlinkClick r:id="rId2"/>
+              </a:rPr>
+              <a:t>jon@jonkruger.com</a:t>
+            </a:r>
+            <a:endParaRPr lang="en-US" b="1" dirty="0" smtClean="0"/>
+          </a:p>
+          <a:p>
+            <a:r>
+              <a:rPr lang="en-US" dirty="0" smtClean="0"/>
+              <a:t>Twitter: </a:t>
+            </a:r>
+            <a:r>
+              <a:rPr lang="en-US" b="1" dirty="0" smtClean="0"/>
+              <a:t>@</a:t>
+            </a:r>
+            <a:r>
+              <a:rPr lang="en-US" b="1" dirty="0" err="1" smtClean="0"/>
+              <a:t>JonKruger</a:t>
+            </a:r>
+            <a:endParaRPr lang="en-US" b="1" dirty="0" smtClean="0"/>
+          </a:p>
+          <a:p>
+            <a:r>
+              <a:rPr lang="en-US" dirty="0" smtClean="0"/>
+              <a:t>Blog: </a:t>
+            </a:r>
+            <a:r>
+              <a:rPr lang="en-US" b="1" dirty="0" smtClean="0">
+                <a:hlinkClick r:id="rId3"/>
+              </a:rPr>
+              <a:t>http://jonkruger.com/blog</a:t>
+            </a:r>
+            <a:endParaRPr lang="en-US" b="1" dirty="0" smtClean="0"/>
+          </a:p>
+          <a:p>
+            <a:endParaRPr lang="en-US" b="1" dirty="0" smtClean="0"/>
+          </a:p>
+          <a:p>
+            <a:r>
+              <a:rPr lang="en-US" dirty="0" smtClean="0"/>
+              <a:t>These slides:</a:t>
+            </a:r>
+            <a:r>
+              <a:rPr lang="en-US" b="1" dirty="0" smtClean="0"/>
+              <a:t> </a:t>
+            </a:r>
+            <a:r>
+              <a:rPr lang="en-US" b="1" dirty="0" smtClean="0">
+                <a:hlinkClick r:id="rId4"/>
+              </a:rPr>
+              <a:t>http://tinyurl.com/tdd-in-action</a:t>
+            </a:r>
+            <a:endParaRPr lang="en-US" b="1" dirty="0" smtClean="0"/>
+          </a:p>
+          <a:p>
+            <a:r>
+              <a:rPr lang="en-US" dirty="0" smtClean="0"/>
+              <a:t>Code:</a:t>
+            </a:r>
+            <a:r>
+              <a:rPr lang="en-US" b="1" dirty="0" smtClean="0"/>
+              <a:t> </a:t>
+            </a:r>
+            <a:r>
+              <a:rPr lang="en-US" b="1" dirty="0" smtClean="0">
+                <a:hlinkClick r:id="rId5"/>
+              </a:rPr>
+              <a:t>http://github.com/jonkruger/tdd-in-action</a:t>
+            </a:r>
+            <a:endParaRPr lang="en-US" b="1" dirty="0" smtClean="0"/>
+          </a:p>
+          <a:p>
+            <a:endParaRPr lang="en-US" b="1" dirty="0" smtClean="0"/>
+          </a:p>
+          <a:p>
+            <a:endParaRPr lang="en-US" b="1" dirty="0" smtClean="0"/>
+          </a:p>
+          <a:p>
+            <a:pPr>
+              <a:buNone/>
+            </a:pPr>
+            <a:endParaRPr lang="en-US" b="1" dirty="0" smtClean="0"/>
+          </a:p>
+          <a:p>
+            <a:endParaRPr lang="en-US" dirty="0" smtClean="0"/>
+          </a:p>
+          <a:p>
+            <a:pPr>
+              <a:buNone/>
+            </a:pPr>
+            <a:endParaRPr lang="en-US" dirty="0" smtClean="0"/>
           </a:p>
         </p:txBody>
       </p:sp>

--- a/TDD In Action.pptx
+++ b/TDD In Action.pptx
@@ -5,7 +5,7 @@
     <p:sldMasterId id="2147483840" r:id="rId1"/>
   </p:sldMasterIdLst>
   <p:notesMasterIdLst>
-    <p:notesMasterId r:id="rId42"/>
+    <p:notesMasterId r:id="rId41"/>
   </p:notesMasterIdLst>
   <p:sldIdLst>
     <p:sldId id="320" r:id="rId2"/>
@@ -46,8 +46,7 @@
     <p:sldId id="397" r:id="rId37"/>
     <p:sldId id="401" r:id="rId38"/>
     <p:sldId id="398" r:id="rId39"/>
-    <p:sldId id="400" r:id="rId40"/>
-    <p:sldId id="399" r:id="rId41"/>
+    <p:sldId id="399" r:id="rId40"/>
   </p:sldIdLst>
   <p:sldSz cx="9144000" cy="6858000" type="screen4x3"/>
   <p:notesSz cx="6858000" cy="9144000"/>
@@ -232,7 +231,7 @@
             <a:fld id="{CE22DD2D-CE48-432A-B750-FE638311F72D}" type="datetimeFigureOut">
               <a:rPr lang="en-US" smtClean="0"/>
               <a:pPr/>
-              <a:t>5/27/2010</a:t>
+              <a:t>9/27/2010</a:t>
             </a:fld>
             <a:endParaRPr lang="en-US"/>
           </a:p>
@@ -1661,7 +1660,21 @@
             </a:r>
             <a:r>
               <a:rPr lang="en-US" baseline="0" dirty="0" smtClean="0"/>
-              <a:t> negative impact caused by bugs can be really expensive</a:t>
+              <a:t> negative impact caused by bugs can be really </a:t>
+            </a:r>
+            <a:r>
+              <a:rPr lang="en-US" baseline="0" dirty="0" smtClean="0"/>
+              <a:t>expensive</a:t>
+            </a:r>
+          </a:p>
+          <a:p>
+            <a:pPr>
+              <a:buFontTx/>
+              <a:buChar char="-"/>
+            </a:pPr>
+            <a:r>
+              <a:rPr lang="en-US" baseline="0" dirty="0" smtClean="0"/>
+              <a:t>I can be pretty confident that any problems in my code are due to me not understanding the requirements fully, not because of coding errors</a:t>
             </a:r>
             <a:endParaRPr lang="en-US" dirty="0"/>
           </a:p>
@@ -2223,7 +2236,7 @@
             <a:fld id="{C3F416CD-67A3-4CF0-A210-F6AF31AC147F}" type="datetimeFigureOut">
               <a:rPr lang="en-US" smtClean="0"/>
               <a:pPr/>
-              <a:t>5/27/2010</a:t>
+              <a:t>9/27/2010</a:t>
             </a:fld>
             <a:endParaRPr lang="en-US"/>
           </a:p>
@@ -2403,7 +2416,7 @@
             <a:fld id="{C3F416CD-67A3-4CF0-A210-F6AF31AC147F}" type="datetimeFigureOut">
               <a:rPr lang="en-US" smtClean="0"/>
               <a:pPr/>
-              <a:t>5/27/2010</a:t>
+              <a:t>9/27/2010</a:t>
             </a:fld>
             <a:endParaRPr lang="en-US"/>
           </a:p>
@@ -2580,7 +2593,7 @@
             <a:fld id="{C3F416CD-67A3-4CF0-A210-F6AF31AC147F}" type="datetimeFigureOut">
               <a:rPr lang="en-US" smtClean="0"/>
               <a:pPr/>
-              <a:t>5/27/2010</a:t>
+              <a:t>9/27/2010</a:t>
             </a:fld>
             <a:endParaRPr lang="en-US"/>
           </a:p>
@@ -2747,7 +2760,7 @@
             <a:fld id="{C3F416CD-67A3-4CF0-A210-F6AF31AC147F}" type="datetimeFigureOut">
               <a:rPr lang="en-US" smtClean="0"/>
               <a:pPr/>
-              <a:t>5/27/2010</a:t>
+              <a:t>9/27/2010</a:t>
             </a:fld>
             <a:endParaRPr lang="en-US"/>
           </a:p>
@@ -2960,7 +2973,7 @@
             <a:fld id="{C3F416CD-67A3-4CF0-A210-F6AF31AC147F}" type="datetimeFigureOut">
               <a:rPr lang="en-US" smtClean="0"/>
               <a:pPr/>
-              <a:t>5/27/2010</a:t>
+              <a:t>9/27/2010</a:t>
             </a:fld>
             <a:endParaRPr lang="en-US"/>
           </a:p>
@@ -3245,7 +3258,7 @@
             <a:fld id="{C3F416CD-67A3-4CF0-A210-F6AF31AC147F}" type="datetimeFigureOut">
               <a:rPr lang="en-US" smtClean="0"/>
               <a:pPr/>
-              <a:t>5/27/2010</a:t>
+              <a:t>9/27/2010</a:t>
             </a:fld>
             <a:endParaRPr lang="en-US"/>
           </a:p>
@@ -3677,7 +3690,7 @@
             <a:fld id="{C3F416CD-67A3-4CF0-A210-F6AF31AC147F}" type="datetimeFigureOut">
               <a:rPr lang="en-US" smtClean="0"/>
               <a:pPr algn="l" eaLnBrk="1" latinLnBrk="0" hangingPunct="1"/>
-              <a:t>5/27/2010</a:t>
+              <a:t>9/27/2010</a:t>
             </a:fld>
             <a:endParaRPr lang="en-US"/>
           </a:p>
@@ -3797,7 +3810,7 @@
             <a:fld id="{C3F416CD-67A3-4CF0-A210-F6AF31AC147F}" type="datetimeFigureOut">
               <a:rPr lang="en-US" smtClean="0"/>
               <a:pPr/>
-              <a:t>5/27/2010</a:t>
+              <a:t>9/27/2010</a:t>
             </a:fld>
             <a:endParaRPr lang="en-US"/>
           </a:p>
@@ -3889,7 +3902,7 @@
             <a:fld id="{C3F416CD-67A3-4CF0-A210-F6AF31AC147F}" type="datetimeFigureOut">
               <a:rPr lang="en-US" smtClean="0"/>
               <a:pPr/>
-              <a:t>5/27/2010</a:t>
+              <a:t>9/27/2010</a:t>
             </a:fld>
             <a:endParaRPr lang="en-US"/>
           </a:p>
@@ -4180,7 +4193,7 @@
             <a:fld id="{C3F416CD-67A3-4CF0-A210-F6AF31AC147F}" type="datetimeFigureOut">
               <a:rPr lang="en-US" smtClean="0"/>
               <a:pPr/>
-              <a:t>5/27/2010</a:t>
+              <a:t>9/27/2010</a:t>
             </a:fld>
             <a:endParaRPr lang="en-US"/>
           </a:p>
@@ -4507,7 +4520,7 @@
             <a:fld id="{C3F416CD-67A3-4CF0-A210-F6AF31AC147F}" type="datetimeFigureOut">
               <a:rPr lang="en-US" smtClean="0"/>
               <a:pPr/>
-              <a:t>5/27/2010</a:t>
+              <a:t>9/27/2010</a:t>
             </a:fld>
             <a:endParaRPr lang="en-US"/>
           </a:p>
@@ -4728,7 +4741,7 @@
             <a:fld id="{C3F416CD-67A3-4CF0-A210-F6AF31AC147F}" type="datetimeFigureOut">
               <a:rPr lang="en-US" smtClean="0"/>
               <a:pPr algn="l" eaLnBrk="1" latinLnBrk="0" hangingPunct="1"/>
-              <a:t>5/27/2010</a:t>
+              <a:t>9/27/2010</a:t>
             </a:fld>
             <a:endParaRPr lang="en-US" sz="800" dirty="0">
               <a:solidFill>
@@ -8164,31 +8177,64 @@
           <a:p>
             <a:r>
               <a:rPr lang="en-US" dirty="0" smtClean="0"/>
-              <a:t>I don’t have time to fix bugs</a:t>
-            </a:r>
-          </a:p>
-          <a:p>
+              <a:t>It takes time </a:t>
+            </a:r>
             <a:r>
               <a:rPr lang="en-US" dirty="0" smtClean="0"/>
-              <a:t>I don’t have time to constantly manually test code to see if it’s all working</a:t>
+              <a:t>to fix bugs</a:t>
             </a:r>
           </a:p>
           <a:p>
             <a:r>
               <a:rPr lang="en-US" dirty="0" smtClean="0"/>
-              <a:t>I don’t have time to figure out what your code is supposed to do</a:t>
-            </a:r>
-          </a:p>
-          <a:p>
+              <a:t>It takes time </a:t>
+            </a:r>
             <a:r>
               <a:rPr lang="en-US" dirty="0" smtClean="0"/>
-              <a:t>I don’t have time to figure out if my changes will break something in your code</a:t>
+              <a:t>to constantly manually test code to see if it’s all working</a:t>
             </a:r>
           </a:p>
           <a:p>
             <a:r>
               <a:rPr lang="en-US" dirty="0" smtClean="0"/>
-              <a:t>I don’t have time to rewrite code</a:t>
+              <a:t>It takes time </a:t>
+            </a:r>
+            <a:r>
+              <a:rPr lang="en-US" dirty="0" smtClean="0"/>
+              <a:t>to figure out what </a:t>
+            </a:r>
+            <a:r>
+              <a:rPr lang="en-US" dirty="0" smtClean="0"/>
+              <a:t>code </a:t>
+            </a:r>
+            <a:r>
+              <a:rPr lang="en-US" dirty="0" smtClean="0"/>
+              <a:t>is supposed to do</a:t>
+            </a:r>
+          </a:p>
+          <a:p>
+            <a:r>
+              <a:rPr lang="en-US" dirty="0" smtClean="0"/>
+              <a:t>It takes time </a:t>
+            </a:r>
+            <a:r>
+              <a:rPr lang="en-US" dirty="0" smtClean="0"/>
+              <a:t>to figure out if my changes will break something in </a:t>
+            </a:r>
+            <a:r>
+              <a:rPr lang="en-US" dirty="0" smtClean="0"/>
+              <a:t>the code</a:t>
+            </a:r>
+            <a:endParaRPr lang="en-US" dirty="0" smtClean="0"/>
+          </a:p>
+          <a:p>
+            <a:r>
+              <a:rPr lang="en-US" dirty="0" smtClean="0"/>
+              <a:t>It takes time </a:t>
+            </a:r>
+            <a:r>
+              <a:rPr lang="en-US" dirty="0" smtClean="0"/>
+              <a:t>to rewrite code</a:t>
             </a:r>
             <a:endParaRPr lang="en-US" dirty="0"/>
           </a:p>
@@ -10037,7 +10083,7 @@
           <a:p>
             <a:r>
               <a:rPr lang="en-US" dirty="0" smtClean="0"/>
-              <a:t>Resources – Training</a:t>
+              <a:t>My Info</a:t>
             </a:r>
             <a:endParaRPr lang="en-US" dirty="0"/>
           </a:p>
@@ -10053,12 +10099,7 @@
             <p:ph idx="1"/>
           </p:nvPr>
         </p:nvSpPr>
-        <p:spPr>
-          <a:xfrm>
-            <a:off x="457200" y="1600200"/>
-            <a:ext cx="8229600" cy="4953000"/>
-          </a:xfrm>
-        </p:spPr>
+        <p:spPr/>
         <p:txBody>
           <a:bodyPr>
             <a:normAutofit/>
@@ -10067,104 +10108,101 @@
           <a:p>
             <a:r>
               <a:rPr lang="en-US" dirty="0" smtClean="0"/>
-              <a:t>TDD Boot Camp (.NET)</a:t>
-            </a:r>
-          </a:p>
-          <a:p>
-            <a:pPr lvl="1"/>
-            <a:r>
-              <a:rPr lang="en-US" sz="2800" dirty="0" smtClean="0">
+              <a:t>Email: </a:t>
+            </a:r>
+            <a:r>
+              <a:rPr lang="en-US" b="1" dirty="0" smtClean="0">
                 <a:hlinkClick r:id="rId2"/>
               </a:rPr>
-              <a:t>http://tddbootcamp.com</a:t>
-            </a:r>
-            <a:endParaRPr lang="en-US" sz="2800" dirty="0" smtClean="0"/>
-          </a:p>
-          <a:p>
-            <a:pPr lvl="1"/>
-            <a:r>
-              <a:rPr lang="en-US" sz="2800" dirty="0" smtClean="0"/>
-              <a:t>Cincinnati – June 22-24</a:t>
-            </a:r>
-          </a:p>
-          <a:p>
-            <a:pPr lvl="1"/>
-            <a:r>
-              <a:rPr lang="en-US" sz="2800" dirty="0" smtClean="0"/>
-              <a:t>Columbus – July 13-15</a:t>
-            </a:r>
-          </a:p>
-          <a:p>
-            <a:pPr lvl="1"/>
-            <a:r>
-              <a:rPr lang="en-US" sz="2800" dirty="0" smtClean="0"/>
-              <a:t>Detroit – Aug. 18-20</a:t>
-            </a:r>
-            <a:br>
-              <a:rPr lang="en-US" sz="2800" dirty="0" smtClean="0"/>
-            </a:br>
-            <a:endParaRPr lang="en-US" sz="2800" dirty="0" smtClean="0"/>
+              <a:t>jon@jonkruger.com</a:t>
+            </a:r>
+            <a:endParaRPr lang="en-US" b="1" dirty="0" smtClean="0"/>
           </a:p>
           <a:p>
             <a:r>
               <a:rPr lang="en-US" dirty="0" smtClean="0"/>
-              <a:t>Pillar Technology (Java)</a:t>
-            </a:r>
-          </a:p>
-          <a:p>
-            <a:pPr lvl="1"/>
-            <a:r>
-              <a:rPr lang="en-US" sz="2800" dirty="0" smtClean="0">
+              <a:t>Twitter: </a:t>
+            </a:r>
+            <a:r>
+              <a:rPr lang="en-US" b="1" dirty="0" smtClean="0"/>
+              <a:t>@</a:t>
+            </a:r>
+            <a:r>
+              <a:rPr lang="en-US" b="1" dirty="0" err="1" smtClean="0"/>
+              <a:t>JonKruger</a:t>
+            </a:r>
+            <a:endParaRPr lang="en-US" b="1" dirty="0" smtClean="0"/>
+          </a:p>
+          <a:p>
+            <a:r>
+              <a:rPr lang="en-US" dirty="0" smtClean="0"/>
+              <a:t>Blog: </a:t>
+            </a:r>
+            <a:r>
+              <a:rPr lang="en-US" b="1" dirty="0" smtClean="0">
                 <a:hlinkClick r:id="rId3"/>
               </a:rPr>
-              <a:t>http://pillartechnology.com</a:t>
-            </a:r>
-            <a:r>
-              <a:rPr lang="en-US" sz="2800" dirty="0" smtClean="0"/>
-              <a:t/>
-            </a:r>
-            <a:br>
-              <a:rPr lang="en-US" sz="2800" dirty="0" smtClean="0"/>
-            </a:br>
-            <a:endParaRPr lang="en-US" sz="2800" dirty="0" smtClean="0"/>
-          </a:p>
-          <a:p>
-            <a:r>
-              <a:rPr lang="en-US" dirty="0" err="1" smtClean="0"/>
-              <a:t>EdgeCase</a:t>
-            </a:r>
+              <a:t>http://jonkruger.com/blog</a:t>
+            </a:r>
+            <a:endParaRPr lang="en-US" b="1" dirty="0" smtClean="0"/>
+          </a:p>
+          <a:p>
+            <a:endParaRPr lang="en-US" b="1" dirty="0" smtClean="0"/>
+          </a:p>
+          <a:p>
             <a:r>
               <a:rPr lang="en-US" dirty="0" smtClean="0"/>
-              <a:t> (Ruby on Rails)</a:t>
-            </a:r>
-          </a:p>
-          <a:p>
-            <a:pPr lvl="1"/>
-            <a:r>
-              <a:rPr lang="en-US" sz="2800" dirty="0" smtClean="0">
+              <a:t>These slides:</a:t>
+            </a:r>
+            <a:r>
+              <a:rPr lang="en-US" b="1" dirty="0" smtClean="0"/>
+              <a:t> </a:t>
+            </a:r>
+            <a:r>
+              <a:rPr lang="en-US" b="1" dirty="0" smtClean="0">
                 <a:hlinkClick r:id="rId4"/>
               </a:rPr>
-              <a:t>http://edgecase.com</a:t>
-            </a:r>
-            <a:endParaRPr lang="en-US" sz="2800" dirty="0" smtClean="0"/>
-          </a:p>
-          <a:p>
-            <a:pPr lvl="1">
+              <a:t>http://tinyurl.com/tdd-in-action</a:t>
+            </a:r>
+            <a:endParaRPr lang="en-US" b="1" dirty="0" smtClean="0"/>
+          </a:p>
+          <a:p>
+            <a:r>
+              <a:rPr lang="en-US" dirty="0" smtClean="0"/>
+              <a:t>Code:</a:t>
+            </a:r>
+            <a:r>
+              <a:rPr lang="en-US" b="1" dirty="0" smtClean="0"/>
+              <a:t> </a:t>
+            </a:r>
+            <a:r>
+              <a:rPr lang="en-US" b="1" dirty="0" smtClean="0">
+                <a:hlinkClick r:id="rId5"/>
+              </a:rPr>
+              <a:t>http://github.com/jonkruger/tdd-in-action</a:t>
+            </a:r>
+            <a:endParaRPr lang="en-US" b="1" dirty="0" smtClean="0"/>
+          </a:p>
+          <a:p>
+            <a:endParaRPr lang="en-US" b="1" dirty="0" smtClean="0"/>
+          </a:p>
+          <a:p>
+            <a:endParaRPr lang="en-US" b="1" dirty="0" smtClean="0"/>
+          </a:p>
+          <a:p>
+            <a:pPr>
               <a:buNone/>
             </a:pPr>
-            <a:endParaRPr lang="en-US" sz="2800" dirty="0" smtClean="0"/>
-          </a:p>
-          <a:p>
-            <a:pPr lvl="1">
+            <a:endParaRPr lang="en-US" b="1" dirty="0" smtClean="0"/>
+          </a:p>
+          <a:p>
+            <a:endParaRPr lang="en-US" dirty="0" smtClean="0"/>
+          </a:p>
+          <a:p>
+            <a:pPr>
               <a:buNone/>
             </a:pPr>
-            <a:endParaRPr lang="en-US" sz="2800" dirty="0" smtClean="0"/>
-          </a:p>
-          <a:p>
-            <a:pPr lvl="1">
-              <a:buNone/>
-            </a:pPr>
-            <a:endParaRPr lang="en-US" sz="2800" dirty="0" smtClean="0"/>
+            <a:endParaRPr lang="en-US" dirty="0" smtClean="0"/>
           </a:p>
         </p:txBody>
       </p:sp>
@@ -10299,180 +10337,6 @@
               <a:t>Can be brittle</a:t>
             </a:r>
             <a:endParaRPr lang="en-US" dirty="0"/>
-          </a:p>
-        </p:txBody>
-      </p:sp>
-    </p:spTree>
-  </p:cSld>
-  <p:clrMapOvr>
-    <a:masterClrMapping/>
-  </p:clrMapOvr>
-  <p:timing>
-    <p:tnLst>
-      <p:par>
-        <p:cTn id="1" dur="indefinite" restart="never" nodeType="tmRoot"/>
-      </p:par>
-    </p:tnLst>
-  </p:timing>
-</p:sld>
-</file>
-
-<file path=ppt/slides/slide40.xml><?xml version="1.0" encoding="utf-8"?>
-<p:sld xmlns:a="http://schemas.openxmlformats.org/drawingml/2006/main" xmlns:r="http://schemas.openxmlformats.org/officeDocument/2006/relationships" xmlns:p="http://schemas.openxmlformats.org/presentationml/2006/main">
-  <p:cSld>
-    <p:spTree>
-      <p:nvGrpSpPr>
-        <p:cNvPr id="1" name=""/>
-        <p:cNvGrpSpPr/>
-        <p:nvPr/>
-      </p:nvGrpSpPr>
-      <p:grpSpPr>
-        <a:xfrm>
-          <a:off x="0" y="0"/>
-          <a:ext cx="0" cy="0"/>
-          <a:chOff x="0" y="0"/>
-          <a:chExt cx="0" cy="0"/>
-        </a:xfrm>
-      </p:grpSpPr>
-      <p:sp>
-        <p:nvSpPr>
-          <p:cNvPr id="2" name="Title 1"/>
-          <p:cNvSpPr>
-            <a:spLocks noGrp="1"/>
-          </p:cNvSpPr>
-          <p:nvPr>
-            <p:ph type="title"/>
-          </p:nvPr>
-        </p:nvSpPr>
-        <p:spPr/>
-        <p:txBody>
-          <a:bodyPr>
-            <a:normAutofit/>
-          </a:bodyPr>
-          <a:lstStyle/>
-          <a:p>
-            <a:r>
-              <a:rPr lang="en-US" dirty="0" smtClean="0"/>
-              <a:t>My Info</a:t>
-            </a:r>
-            <a:endParaRPr lang="en-US" dirty="0"/>
-          </a:p>
-        </p:txBody>
-      </p:sp>
-      <p:sp>
-        <p:nvSpPr>
-          <p:cNvPr id="3" name="Content Placeholder 2"/>
-          <p:cNvSpPr>
-            <a:spLocks noGrp="1"/>
-          </p:cNvSpPr>
-          <p:nvPr>
-            <p:ph idx="1"/>
-          </p:nvPr>
-        </p:nvSpPr>
-        <p:spPr/>
-        <p:txBody>
-          <a:bodyPr>
-            <a:normAutofit/>
-          </a:bodyPr>
-          <a:lstStyle/>
-          <a:p>
-            <a:r>
-              <a:rPr lang="en-US" dirty="0" smtClean="0"/>
-              <a:t>Email: </a:t>
-            </a:r>
-            <a:r>
-              <a:rPr lang="en-US" b="1" dirty="0" smtClean="0">
-                <a:hlinkClick r:id="rId2"/>
-              </a:rPr>
-              <a:t>jon@jonkruger.com</a:t>
-            </a:r>
-            <a:endParaRPr lang="en-US" b="1" dirty="0" smtClean="0"/>
-          </a:p>
-          <a:p>
-            <a:r>
-              <a:rPr lang="en-US" dirty="0" smtClean="0"/>
-              <a:t>Twitter: </a:t>
-            </a:r>
-            <a:r>
-              <a:rPr lang="en-US" b="1" dirty="0" smtClean="0"/>
-              <a:t>@</a:t>
-            </a:r>
-            <a:r>
-              <a:rPr lang="en-US" b="1" dirty="0" err="1" smtClean="0"/>
-              <a:t>JonKruger</a:t>
-            </a:r>
-            <a:endParaRPr lang="en-US" b="1" dirty="0" smtClean="0"/>
-          </a:p>
-          <a:p>
-            <a:r>
-              <a:rPr lang="en-US" dirty="0" smtClean="0"/>
-              <a:t>Blog: </a:t>
-            </a:r>
-            <a:r>
-              <a:rPr lang="en-US" b="1" dirty="0" smtClean="0">
-                <a:hlinkClick r:id="rId3"/>
-              </a:rPr>
-              <a:t>http://jonkruger.com/blog</a:t>
-            </a:r>
-            <a:endParaRPr lang="en-US" b="1" dirty="0" smtClean="0"/>
-          </a:p>
-          <a:p>
-            <a:endParaRPr lang="en-US" b="1" dirty="0" smtClean="0"/>
-          </a:p>
-          <a:p>
-            <a:r>
-              <a:rPr lang="en-US" dirty="0" smtClean="0"/>
-              <a:t>These slides:</a:t>
-            </a:r>
-            <a:r>
-              <a:rPr lang="en-US" b="1" dirty="0" smtClean="0"/>
-              <a:t> </a:t>
-            </a:r>
-            <a:r>
-              <a:rPr lang="en-US" b="1" dirty="0" smtClean="0">
-                <a:hlinkClick r:id="rId4"/>
-              </a:rPr>
-              <a:t>http://tinyurl.com/tdd-in-action</a:t>
-            </a:r>
-            <a:endParaRPr lang="en-US" b="1" dirty="0" smtClean="0"/>
-          </a:p>
-          <a:p>
-            <a:r>
-              <a:rPr lang="en-US" dirty="0" smtClean="0"/>
-              <a:t>Code:</a:t>
-            </a:r>
-            <a:r>
-              <a:rPr lang="en-US" b="1" dirty="0" smtClean="0"/>
-              <a:t> </a:t>
-            </a:r>
-            <a:r>
-              <a:rPr lang="en-US" b="1" dirty="0" smtClean="0">
-                <a:hlinkClick r:id="rId5"/>
-              </a:rPr>
-              <a:t>http://github.com/jonkruger/tdd-in-action</a:t>
-            </a:r>
-            <a:endParaRPr lang="en-US" b="1" dirty="0" smtClean="0"/>
-          </a:p>
-          <a:p>
-            <a:endParaRPr lang="en-US" b="1" dirty="0" smtClean="0"/>
-          </a:p>
-          <a:p>
-            <a:endParaRPr lang="en-US" b="1" dirty="0" smtClean="0"/>
-          </a:p>
-          <a:p>
-            <a:pPr>
-              <a:buNone/>
-            </a:pPr>
-            <a:endParaRPr lang="en-US" b="1" dirty="0" smtClean="0"/>
-          </a:p>
-          <a:p>
-            <a:endParaRPr lang="en-US" dirty="0" smtClean="0"/>
-          </a:p>
-          <a:p>
-            <a:pPr>
-              <a:buNone/>
-            </a:pPr>
-            <a:endParaRPr lang="en-US" dirty="0" smtClean="0"/>
           </a:p>
         </p:txBody>
       </p:sp>

--- a/TDD In Action.pptx
+++ b/TDD In Action.pptx
@@ -5,7 +5,7 @@
     <p:sldMasterId id="2147483840" r:id="rId1"/>
   </p:sldMasterIdLst>
   <p:notesMasterIdLst>
-    <p:notesMasterId r:id="rId41"/>
+    <p:notesMasterId r:id="rId42"/>
   </p:notesMasterIdLst>
   <p:sldIdLst>
     <p:sldId id="320" r:id="rId2"/>
@@ -46,7 +46,8 @@
     <p:sldId id="397" r:id="rId37"/>
     <p:sldId id="401" r:id="rId38"/>
     <p:sldId id="398" r:id="rId39"/>
-    <p:sldId id="399" r:id="rId40"/>
+    <p:sldId id="408" r:id="rId40"/>
+    <p:sldId id="399" r:id="rId41"/>
   </p:sldIdLst>
   <p:sldSz cx="9144000" cy="6858000" type="screen4x3"/>
   <p:notesSz cx="6858000" cy="9144000"/>
@@ -231,7 +232,7 @@
             <a:fld id="{CE22DD2D-CE48-432A-B750-FE638311F72D}" type="datetimeFigureOut">
               <a:rPr lang="en-US" smtClean="0"/>
               <a:pPr/>
-              <a:t>9/27/2010</a:t>
+              <a:t>1/27/2011</a:t>
             </a:fld>
             <a:endParaRPr lang="en-US"/>
           </a:p>
@@ -1660,11 +1661,7 @@
             </a:r>
             <a:r>
               <a:rPr lang="en-US" baseline="0" dirty="0" smtClean="0"/>
-              <a:t> negative impact caused by bugs can be really </a:t>
-            </a:r>
-            <a:r>
-              <a:rPr lang="en-US" baseline="0" dirty="0" smtClean="0"/>
-              <a:t>expensive</a:t>
+              <a:t> negative impact caused by bugs can be really expensive</a:t>
             </a:r>
           </a:p>
           <a:p>
@@ -2236,7 +2233,7 @@
             <a:fld id="{C3F416CD-67A3-4CF0-A210-F6AF31AC147F}" type="datetimeFigureOut">
               <a:rPr lang="en-US" smtClean="0"/>
               <a:pPr/>
-              <a:t>9/27/2010</a:t>
+              <a:t>1/27/2011</a:t>
             </a:fld>
             <a:endParaRPr lang="en-US"/>
           </a:p>
@@ -2416,7 +2413,7 @@
             <a:fld id="{C3F416CD-67A3-4CF0-A210-F6AF31AC147F}" type="datetimeFigureOut">
               <a:rPr lang="en-US" smtClean="0"/>
               <a:pPr/>
-              <a:t>9/27/2010</a:t>
+              <a:t>1/27/2011</a:t>
             </a:fld>
             <a:endParaRPr lang="en-US"/>
           </a:p>
@@ -2593,7 +2590,7 @@
             <a:fld id="{C3F416CD-67A3-4CF0-A210-F6AF31AC147F}" type="datetimeFigureOut">
               <a:rPr lang="en-US" smtClean="0"/>
               <a:pPr/>
-              <a:t>9/27/2010</a:t>
+              <a:t>1/27/2011</a:t>
             </a:fld>
             <a:endParaRPr lang="en-US"/>
           </a:p>
@@ -2760,7 +2757,7 @@
             <a:fld id="{C3F416CD-67A3-4CF0-A210-F6AF31AC147F}" type="datetimeFigureOut">
               <a:rPr lang="en-US" smtClean="0"/>
               <a:pPr/>
-              <a:t>9/27/2010</a:t>
+              <a:t>1/27/2011</a:t>
             </a:fld>
             <a:endParaRPr lang="en-US"/>
           </a:p>
@@ -2973,7 +2970,7 @@
             <a:fld id="{C3F416CD-67A3-4CF0-A210-F6AF31AC147F}" type="datetimeFigureOut">
               <a:rPr lang="en-US" smtClean="0"/>
               <a:pPr/>
-              <a:t>9/27/2010</a:t>
+              <a:t>1/27/2011</a:t>
             </a:fld>
             <a:endParaRPr lang="en-US"/>
           </a:p>
@@ -3258,7 +3255,7 @@
             <a:fld id="{C3F416CD-67A3-4CF0-A210-F6AF31AC147F}" type="datetimeFigureOut">
               <a:rPr lang="en-US" smtClean="0"/>
               <a:pPr/>
-              <a:t>9/27/2010</a:t>
+              <a:t>1/27/2011</a:t>
             </a:fld>
             <a:endParaRPr lang="en-US"/>
           </a:p>
@@ -3690,7 +3687,7 @@
             <a:fld id="{C3F416CD-67A3-4CF0-A210-F6AF31AC147F}" type="datetimeFigureOut">
               <a:rPr lang="en-US" smtClean="0"/>
               <a:pPr algn="l" eaLnBrk="1" latinLnBrk="0" hangingPunct="1"/>
-              <a:t>9/27/2010</a:t>
+              <a:t>1/27/2011</a:t>
             </a:fld>
             <a:endParaRPr lang="en-US"/>
           </a:p>
@@ -3810,7 +3807,7 @@
             <a:fld id="{C3F416CD-67A3-4CF0-A210-F6AF31AC147F}" type="datetimeFigureOut">
               <a:rPr lang="en-US" smtClean="0"/>
               <a:pPr/>
-              <a:t>9/27/2010</a:t>
+              <a:t>1/27/2011</a:t>
             </a:fld>
             <a:endParaRPr lang="en-US"/>
           </a:p>
@@ -3902,7 +3899,7 @@
             <a:fld id="{C3F416CD-67A3-4CF0-A210-F6AF31AC147F}" type="datetimeFigureOut">
               <a:rPr lang="en-US" smtClean="0"/>
               <a:pPr/>
-              <a:t>9/27/2010</a:t>
+              <a:t>1/27/2011</a:t>
             </a:fld>
             <a:endParaRPr lang="en-US"/>
           </a:p>
@@ -4193,7 +4190,7 @@
             <a:fld id="{C3F416CD-67A3-4CF0-A210-F6AF31AC147F}" type="datetimeFigureOut">
               <a:rPr lang="en-US" smtClean="0"/>
               <a:pPr/>
-              <a:t>9/27/2010</a:t>
+              <a:t>1/27/2011</a:t>
             </a:fld>
             <a:endParaRPr lang="en-US"/>
           </a:p>
@@ -4520,7 +4517,7 @@
             <a:fld id="{C3F416CD-67A3-4CF0-A210-F6AF31AC147F}" type="datetimeFigureOut">
               <a:rPr lang="en-US" smtClean="0"/>
               <a:pPr/>
-              <a:t>9/27/2010</a:t>
+              <a:t>1/27/2011</a:t>
             </a:fld>
             <a:endParaRPr lang="en-US"/>
           </a:p>
@@ -4741,7 +4738,7 @@
             <a:fld id="{C3F416CD-67A3-4CF0-A210-F6AF31AC147F}" type="datetimeFigureOut">
               <a:rPr lang="en-US" smtClean="0"/>
               <a:pPr algn="l" eaLnBrk="1" latinLnBrk="0" hangingPunct="1"/>
-              <a:t>9/27/2010</a:t>
+              <a:t>1/27/2011</a:t>
             </a:fld>
             <a:endParaRPr lang="en-US" sz="800" dirty="0">
               <a:solidFill>
@@ -8177,64 +8174,31 @@
           <a:p>
             <a:r>
               <a:rPr lang="en-US" dirty="0" smtClean="0"/>
-              <a:t>It takes time </a:t>
-            </a:r>
+              <a:t>It takes time to fix bugs</a:t>
+            </a:r>
+          </a:p>
+          <a:p>
             <a:r>
               <a:rPr lang="en-US" dirty="0" smtClean="0"/>
-              <a:t>to fix bugs</a:t>
+              <a:t>It takes time to constantly manually test code to see if it’s all working</a:t>
             </a:r>
           </a:p>
           <a:p>
             <a:r>
               <a:rPr lang="en-US" dirty="0" smtClean="0"/>
-              <a:t>It takes time </a:t>
-            </a:r>
+              <a:t>It takes time to figure out what code is supposed to do</a:t>
+            </a:r>
+          </a:p>
+          <a:p>
             <a:r>
               <a:rPr lang="en-US" dirty="0" smtClean="0"/>
-              <a:t>to constantly manually test code to see if it’s all working</a:t>
+              <a:t>It takes time to figure out if my changes will break something in the code</a:t>
             </a:r>
           </a:p>
           <a:p>
             <a:r>
               <a:rPr lang="en-US" dirty="0" smtClean="0"/>
-              <a:t>It takes time </a:t>
-            </a:r>
-            <a:r>
-              <a:rPr lang="en-US" dirty="0" smtClean="0"/>
-              <a:t>to figure out what </a:t>
-            </a:r>
-            <a:r>
-              <a:rPr lang="en-US" dirty="0" smtClean="0"/>
-              <a:t>code </a:t>
-            </a:r>
-            <a:r>
-              <a:rPr lang="en-US" dirty="0" smtClean="0"/>
-              <a:t>is supposed to do</a:t>
-            </a:r>
-          </a:p>
-          <a:p>
-            <a:r>
-              <a:rPr lang="en-US" dirty="0" smtClean="0"/>
-              <a:t>It takes time </a:t>
-            </a:r>
-            <a:r>
-              <a:rPr lang="en-US" dirty="0" smtClean="0"/>
-              <a:t>to figure out if my changes will break something in </a:t>
-            </a:r>
-            <a:r>
-              <a:rPr lang="en-US" dirty="0" smtClean="0"/>
-              <a:t>the code</a:t>
-            </a:r>
-            <a:endParaRPr lang="en-US" dirty="0" smtClean="0"/>
-          </a:p>
-          <a:p>
-            <a:r>
-              <a:rPr lang="en-US" dirty="0" smtClean="0"/>
-              <a:t>It takes time </a:t>
-            </a:r>
-            <a:r>
-              <a:rPr lang="en-US" dirty="0" smtClean="0"/>
-              <a:t>to rewrite code</a:t>
+              <a:t>It takes time to rewrite code</a:t>
             </a:r>
             <a:endParaRPr lang="en-US" dirty="0"/>
           </a:p>
@@ -10083,7 +10047,7 @@
           <a:p>
             <a:r>
               <a:rPr lang="en-US" dirty="0" smtClean="0"/>
-              <a:t>My Info</a:t>
+              <a:t>TDD Immersion!</a:t>
             </a:r>
             <a:endParaRPr lang="en-US" dirty="0"/>
           </a:p>
@@ -10099,110 +10063,119 @@
             <p:ph idx="1"/>
           </p:nvPr>
         </p:nvSpPr>
-        <p:spPr/>
+        <p:spPr>
+          <a:xfrm>
+            <a:off x="457200" y="1600200"/>
+            <a:ext cx="8229600" cy="4953000"/>
+          </a:xfrm>
+        </p:spPr>
         <p:txBody>
           <a:bodyPr>
-            <a:normAutofit/>
+            <a:normAutofit lnSpcReduction="10000"/>
           </a:bodyPr>
           <a:lstStyle/>
           <a:p>
-            <a:r>
-              <a:rPr lang="en-US" dirty="0" smtClean="0"/>
-              <a:t>Email: </a:t>
-            </a:r>
-            <a:r>
-              <a:rPr lang="en-US" b="1" dirty="0" smtClean="0">
-                <a:hlinkClick r:id="rId2"/>
-              </a:rPr>
-              <a:t>jon@jonkruger.com</a:t>
-            </a:r>
-            <a:endParaRPr lang="en-US" b="1" dirty="0" smtClean="0"/>
-          </a:p>
-          <a:p>
-            <a:r>
-              <a:rPr lang="en-US" dirty="0" smtClean="0"/>
-              <a:t>Twitter: </a:t>
-            </a:r>
-            <a:r>
-              <a:rPr lang="en-US" b="1" dirty="0" smtClean="0"/>
-              <a:t>@</a:t>
-            </a:r>
-            <a:r>
-              <a:rPr lang="en-US" b="1" dirty="0" err="1" smtClean="0"/>
-              <a:t>JonKruger</a:t>
-            </a:r>
-            <a:endParaRPr lang="en-US" b="1" dirty="0" smtClean="0"/>
-          </a:p>
-          <a:p>
-            <a:r>
-              <a:rPr lang="en-US" dirty="0" smtClean="0"/>
-              <a:t>Blog: </a:t>
-            </a:r>
-            <a:r>
-              <a:rPr lang="en-US" b="1" dirty="0" smtClean="0">
-                <a:hlinkClick r:id="rId3"/>
-              </a:rPr>
-              <a:t>http://jonkruger.com/blog</a:t>
-            </a:r>
-            <a:endParaRPr lang="en-US" b="1" dirty="0" smtClean="0"/>
-          </a:p>
-          <a:p>
-            <a:endParaRPr lang="en-US" b="1" dirty="0" smtClean="0"/>
-          </a:p>
-          <a:p>
-            <a:r>
-              <a:rPr lang="en-US" dirty="0" smtClean="0"/>
-              <a:t>These slides:</a:t>
-            </a:r>
-            <a:r>
-              <a:rPr lang="en-US" b="1" dirty="0" smtClean="0"/>
-              <a:t> </a:t>
-            </a:r>
-            <a:r>
-              <a:rPr lang="en-US" b="1" dirty="0" smtClean="0">
-                <a:hlinkClick r:id="rId4"/>
-              </a:rPr>
-              <a:t>http://tinyurl.com/tdd-in-action</a:t>
-            </a:r>
-            <a:endParaRPr lang="en-US" b="1" dirty="0" smtClean="0"/>
-          </a:p>
-          <a:p>
-            <a:r>
-              <a:rPr lang="en-US" dirty="0" smtClean="0"/>
-              <a:t>Code:</a:t>
-            </a:r>
-            <a:r>
-              <a:rPr lang="en-US" b="1" dirty="0" smtClean="0"/>
-              <a:t> </a:t>
-            </a:r>
-            <a:r>
-              <a:rPr lang="en-US" b="1" dirty="0" smtClean="0">
-                <a:hlinkClick r:id="rId5"/>
-              </a:rPr>
-              <a:t>http://github.com/jonkruger/tdd-in-action</a:t>
-            </a:r>
-            <a:endParaRPr lang="en-US" b="1" dirty="0" smtClean="0"/>
-          </a:p>
-          <a:p>
-            <a:endParaRPr lang="en-US" b="1" dirty="0" smtClean="0"/>
-          </a:p>
-          <a:p>
-            <a:endParaRPr lang="en-US" b="1" dirty="0" smtClean="0"/>
-          </a:p>
-          <a:p>
-            <a:pPr>
+            <a:pPr algn="ctr">
               <a:buNone/>
             </a:pPr>
-            <a:endParaRPr lang="en-US" b="1" dirty="0" smtClean="0"/>
-          </a:p>
-          <a:p>
-            <a:endParaRPr lang="en-US" dirty="0" smtClean="0"/>
-          </a:p>
-          <a:p>
-            <a:pPr>
+            <a:r>
+              <a:rPr lang="en-US" dirty="0" smtClean="0"/>
+              <a:t>½ day of TDD in .NET</a:t>
+            </a:r>
+          </a:p>
+          <a:p>
+            <a:pPr algn="ctr">
               <a:buNone/>
             </a:pPr>
             <a:endParaRPr lang="en-US" dirty="0" smtClean="0"/>
+          </a:p>
+          <a:p>
+            <a:pPr algn="ctr">
+              <a:buNone/>
+            </a:pPr>
+            <a:r>
+              <a:rPr lang="en-US" dirty="0" smtClean="0"/>
+              <a:t>    Covering things like:</a:t>
+            </a:r>
+          </a:p>
+          <a:p>
+            <a:pPr lvl="1" algn="ctr">
+              <a:buNone/>
+            </a:pPr>
+            <a:r>
+              <a:rPr lang="en-US" sz="2800" dirty="0" smtClean="0"/>
+              <a:t>Thinking test first</a:t>
+            </a:r>
+          </a:p>
+          <a:p>
+            <a:pPr lvl="1" algn="ctr">
+              <a:buNone/>
+            </a:pPr>
+            <a:r>
+              <a:rPr lang="en-US" sz="2800" dirty="0" smtClean="0"/>
+              <a:t>Writing “testable” code</a:t>
+            </a:r>
+          </a:p>
+          <a:p>
+            <a:pPr lvl="1" algn="ctr">
+              <a:buNone/>
+            </a:pPr>
+            <a:r>
+              <a:rPr lang="en-US" sz="2800" dirty="0" smtClean="0"/>
+              <a:t>Mocking frameworks</a:t>
+            </a:r>
+          </a:p>
+          <a:p>
+            <a:pPr lvl="1" algn="ctr">
+              <a:buNone/>
+            </a:pPr>
+            <a:r>
+              <a:rPr lang="en-US" sz="2800" dirty="0" smtClean="0"/>
+              <a:t>Dependency injection</a:t>
+            </a:r>
+          </a:p>
+          <a:p>
+            <a:pPr lvl="1" algn="ctr">
+              <a:buNone/>
+            </a:pPr>
+            <a:r>
+              <a:rPr lang="en-US" sz="2800" dirty="0" smtClean="0"/>
+              <a:t>TDD in real world apps</a:t>
+            </a:r>
+          </a:p>
+          <a:p>
+            <a:pPr lvl="1" algn="ctr">
+              <a:buNone/>
+            </a:pPr>
+            <a:endParaRPr lang="en-US" sz="2800" dirty="0" smtClean="0"/>
+          </a:p>
+          <a:p>
+            <a:pPr algn="ctr">
+              <a:buNone/>
+            </a:pPr>
+            <a:r>
+              <a:rPr lang="en-US" b="1" dirty="0" smtClean="0"/>
+              <a:t>Free!</a:t>
+            </a:r>
+          </a:p>
+          <a:p>
+            <a:pPr algn="ctr">
+              <a:buNone/>
+            </a:pPr>
+            <a:endParaRPr lang="en-US" dirty="0" smtClean="0"/>
+          </a:p>
+          <a:p>
+            <a:pPr algn="ctr">
+              <a:buNone/>
+            </a:pPr>
+            <a:r>
+              <a:rPr lang="en-US" dirty="0" smtClean="0"/>
+              <a:t>March 2011 -- more details coming</a:t>
+            </a:r>
+          </a:p>
+          <a:p>
+            <a:pPr lvl="1"/>
+            <a:endParaRPr lang="en-US" sz="2800" dirty="0" smtClean="0"/>
           </a:p>
         </p:txBody>
       </p:sp>
@@ -10337,6 +10310,180 @@
               <a:t>Can be brittle</a:t>
             </a:r>
             <a:endParaRPr lang="en-US" dirty="0"/>
+          </a:p>
+        </p:txBody>
+      </p:sp>
+    </p:spTree>
+  </p:cSld>
+  <p:clrMapOvr>
+    <a:masterClrMapping/>
+  </p:clrMapOvr>
+  <p:timing>
+    <p:tnLst>
+      <p:par>
+        <p:cTn id="1" dur="indefinite" restart="never" nodeType="tmRoot"/>
+      </p:par>
+    </p:tnLst>
+  </p:timing>
+</p:sld>
+</file>
+
+<file path=ppt/slides/slide40.xml><?xml version="1.0" encoding="utf-8"?>
+<p:sld xmlns:a="http://schemas.openxmlformats.org/drawingml/2006/main" xmlns:r="http://schemas.openxmlformats.org/officeDocument/2006/relationships" xmlns:p="http://schemas.openxmlformats.org/presentationml/2006/main">
+  <p:cSld>
+    <p:spTree>
+      <p:nvGrpSpPr>
+        <p:cNvPr id="1" name=""/>
+        <p:cNvGrpSpPr/>
+        <p:nvPr/>
+      </p:nvGrpSpPr>
+      <p:grpSpPr>
+        <a:xfrm>
+          <a:off x="0" y="0"/>
+          <a:ext cx="0" cy="0"/>
+          <a:chOff x="0" y="0"/>
+          <a:chExt cx="0" cy="0"/>
+        </a:xfrm>
+      </p:grpSpPr>
+      <p:sp>
+        <p:nvSpPr>
+          <p:cNvPr id="2" name="Title 1"/>
+          <p:cNvSpPr>
+            <a:spLocks noGrp="1"/>
+          </p:cNvSpPr>
+          <p:nvPr>
+            <p:ph type="title"/>
+          </p:nvPr>
+        </p:nvSpPr>
+        <p:spPr/>
+        <p:txBody>
+          <a:bodyPr>
+            <a:normAutofit/>
+          </a:bodyPr>
+          <a:lstStyle/>
+          <a:p>
+            <a:r>
+              <a:rPr lang="en-US" dirty="0" smtClean="0"/>
+              <a:t>My Info</a:t>
+            </a:r>
+            <a:endParaRPr lang="en-US" dirty="0"/>
+          </a:p>
+        </p:txBody>
+      </p:sp>
+      <p:sp>
+        <p:nvSpPr>
+          <p:cNvPr id="3" name="Content Placeholder 2"/>
+          <p:cNvSpPr>
+            <a:spLocks noGrp="1"/>
+          </p:cNvSpPr>
+          <p:nvPr>
+            <p:ph idx="1"/>
+          </p:nvPr>
+        </p:nvSpPr>
+        <p:spPr/>
+        <p:txBody>
+          <a:bodyPr>
+            <a:normAutofit/>
+          </a:bodyPr>
+          <a:lstStyle/>
+          <a:p>
+            <a:r>
+              <a:rPr lang="en-US" dirty="0" smtClean="0"/>
+              <a:t>Email: </a:t>
+            </a:r>
+            <a:r>
+              <a:rPr lang="en-US" b="1" dirty="0" smtClean="0">
+                <a:hlinkClick r:id="rId2"/>
+              </a:rPr>
+              <a:t>jon@jonkruger.com</a:t>
+            </a:r>
+            <a:endParaRPr lang="en-US" b="1" dirty="0" smtClean="0"/>
+          </a:p>
+          <a:p>
+            <a:r>
+              <a:rPr lang="en-US" dirty="0" smtClean="0"/>
+              <a:t>Twitter: </a:t>
+            </a:r>
+            <a:r>
+              <a:rPr lang="en-US" b="1" dirty="0" smtClean="0"/>
+              <a:t>@</a:t>
+            </a:r>
+            <a:r>
+              <a:rPr lang="en-US" b="1" dirty="0" err="1" smtClean="0"/>
+              <a:t>JonKruger</a:t>
+            </a:r>
+            <a:endParaRPr lang="en-US" b="1" dirty="0" smtClean="0"/>
+          </a:p>
+          <a:p>
+            <a:r>
+              <a:rPr lang="en-US" dirty="0" smtClean="0"/>
+              <a:t>Blog: </a:t>
+            </a:r>
+            <a:r>
+              <a:rPr lang="en-US" b="1" dirty="0" smtClean="0">
+                <a:hlinkClick r:id="rId3"/>
+              </a:rPr>
+              <a:t>http://jonkruger.com/blog</a:t>
+            </a:r>
+            <a:endParaRPr lang="en-US" b="1" dirty="0" smtClean="0"/>
+          </a:p>
+          <a:p>
+            <a:endParaRPr lang="en-US" b="1" dirty="0" smtClean="0"/>
+          </a:p>
+          <a:p>
+            <a:r>
+              <a:rPr lang="en-US" dirty="0" smtClean="0"/>
+              <a:t>These slides:</a:t>
+            </a:r>
+            <a:r>
+              <a:rPr lang="en-US" b="1" dirty="0" smtClean="0"/>
+              <a:t> </a:t>
+            </a:r>
+            <a:r>
+              <a:rPr lang="en-US" b="1" dirty="0" smtClean="0">
+                <a:hlinkClick r:id="rId4"/>
+              </a:rPr>
+              <a:t>http://tinyurl.com/tdd-in-action</a:t>
+            </a:r>
+            <a:endParaRPr lang="en-US" b="1" dirty="0" smtClean="0"/>
+          </a:p>
+          <a:p>
+            <a:r>
+              <a:rPr lang="en-US" dirty="0" smtClean="0"/>
+              <a:t>Code:</a:t>
+            </a:r>
+            <a:r>
+              <a:rPr lang="en-US" b="1" dirty="0" smtClean="0"/>
+              <a:t> </a:t>
+            </a:r>
+            <a:r>
+              <a:rPr lang="en-US" b="1" dirty="0" smtClean="0">
+                <a:hlinkClick r:id="rId5"/>
+              </a:rPr>
+              <a:t>http://github.com/jonkruger/tdd-in-action</a:t>
+            </a:r>
+            <a:endParaRPr lang="en-US" b="1" dirty="0" smtClean="0"/>
+          </a:p>
+          <a:p>
+            <a:endParaRPr lang="en-US" b="1" dirty="0" smtClean="0"/>
+          </a:p>
+          <a:p>
+            <a:endParaRPr lang="en-US" b="1" dirty="0" smtClean="0"/>
+          </a:p>
+          <a:p>
+            <a:pPr>
+              <a:buNone/>
+            </a:pPr>
+            <a:endParaRPr lang="en-US" b="1" dirty="0" smtClean="0"/>
+          </a:p>
+          <a:p>
+            <a:endParaRPr lang="en-US" dirty="0" smtClean="0"/>
+          </a:p>
+          <a:p>
+            <a:pPr>
+              <a:buNone/>
+            </a:pPr>
+            <a:endParaRPr lang="en-US" dirty="0" smtClean="0"/>
           </a:p>
         </p:txBody>
       </p:sp>
